--- a/Google Calendar.pptx
+++ b/Google Calendar.pptx
@@ -6,16 +6,22 @@
   </p:sldMasterIdLst>
   <p:sldIdLst>
     <p:sldId id="256" r:id="rId2"/>
-    <p:sldId id="257" r:id="rId3"/>
-    <p:sldId id="258" r:id="rId4"/>
-    <p:sldId id="259" r:id="rId5"/>
-    <p:sldId id="261" r:id="rId6"/>
-    <p:sldId id="263" r:id="rId7"/>
-    <p:sldId id="262" r:id="rId8"/>
-    <p:sldId id="264" r:id="rId9"/>
-    <p:sldId id="265" r:id="rId10"/>
-    <p:sldId id="266" r:id="rId11"/>
-    <p:sldId id="260" r:id="rId12"/>
+    <p:sldId id="268" r:id="rId3"/>
+    <p:sldId id="257" r:id="rId4"/>
+    <p:sldId id="267" r:id="rId5"/>
+    <p:sldId id="269" r:id="rId6"/>
+    <p:sldId id="270" r:id="rId7"/>
+    <p:sldId id="271" r:id="rId8"/>
+    <p:sldId id="272" r:id="rId9"/>
+    <p:sldId id="273" r:id="rId10"/>
+    <p:sldId id="274" r:id="rId11"/>
+    <p:sldId id="275" r:id="rId12"/>
+    <p:sldId id="276" r:id="rId13"/>
+    <p:sldId id="280" r:id="rId14"/>
+    <p:sldId id="281" r:id="rId15"/>
+    <p:sldId id="278" r:id="rId16"/>
+    <p:sldId id="277" r:id="rId17"/>
+    <p:sldId id="279" r:id="rId18"/>
   </p:sldIdLst>
   <p:sldSz cx="12192000" cy="6858000"/>
   <p:notesSz cx="6858000" cy="9144000"/>
@@ -114,6 +120,11 @@
       </a:defRPr>
     </a:lvl9pPr>
   </p:defaultTextStyle>
+  <p:extLst>
+    <p:ext uri="{EFAFB233-063F-42B5-8137-9DF3F51BA10A}">
+      <p15:sldGuideLst xmlns:p15="http://schemas.microsoft.com/office/powerpoint/2012/main"/>
+    </p:ext>
+  </p:extLst>
 </p:presentation>
 </file>
 
@@ -248,7 +259,7 @@
           <a:p>
             <a:fld id="{EEB31411-81DA-416F-953C-825CF1EE9A76}" type="datetimeFigureOut">
               <a:rPr lang="en-US" smtClean="0"/>
-              <a:t>3/11/2014</a:t>
+              <a:t>4/1/2014</a:t>
             </a:fld>
             <a:endParaRPr lang="en-US"/>
           </a:p>
@@ -418,7 +429,7 @@
           <a:p>
             <a:fld id="{EEB31411-81DA-416F-953C-825CF1EE9A76}" type="datetimeFigureOut">
               <a:rPr lang="en-US" smtClean="0"/>
-              <a:t>3/11/2014</a:t>
+              <a:t>4/1/2014</a:t>
             </a:fld>
             <a:endParaRPr lang="en-US"/>
           </a:p>
@@ -598,7 +609,7 @@
           <a:p>
             <a:fld id="{EEB31411-81DA-416F-953C-825CF1EE9A76}" type="datetimeFigureOut">
               <a:rPr lang="en-US" smtClean="0"/>
-              <a:t>3/11/2014</a:t>
+              <a:t>4/1/2014</a:t>
             </a:fld>
             <a:endParaRPr lang="en-US"/>
           </a:p>
@@ -768,7 +779,7 @@
           <a:p>
             <a:fld id="{EEB31411-81DA-416F-953C-825CF1EE9A76}" type="datetimeFigureOut">
               <a:rPr lang="en-US" smtClean="0"/>
-              <a:t>3/11/2014</a:t>
+              <a:t>4/1/2014</a:t>
             </a:fld>
             <a:endParaRPr lang="en-US"/>
           </a:p>
@@ -1014,7 +1025,7 @@
           <a:p>
             <a:fld id="{EEB31411-81DA-416F-953C-825CF1EE9A76}" type="datetimeFigureOut">
               <a:rPr lang="en-US" smtClean="0"/>
-              <a:t>3/11/2014</a:t>
+              <a:t>4/1/2014</a:t>
             </a:fld>
             <a:endParaRPr lang="en-US"/>
           </a:p>
@@ -1246,7 +1257,7 @@
           <a:p>
             <a:fld id="{EEB31411-81DA-416F-953C-825CF1EE9A76}" type="datetimeFigureOut">
               <a:rPr lang="en-US" smtClean="0"/>
-              <a:t>3/11/2014</a:t>
+              <a:t>4/1/2014</a:t>
             </a:fld>
             <a:endParaRPr lang="en-US"/>
           </a:p>
@@ -1613,7 +1624,7 @@
           <a:p>
             <a:fld id="{EEB31411-81DA-416F-953C-825CF1EE9A76}" type="datetimeFigureOut">
               <a:rPr lang="en-US" smtClean="0"/>
-              <a:t>3/11/2014</a:t>
+              <a:t>4/1/2014</a:t>
             </a:fld>
             <a:endParaRPr lang="en-US"/>
           </a:p>
@@ -1731,7 +1742,7 @@
           <a:p>
             <a:fld id="{EEB31411-81DA-416F-953C-825CF1EE9A76}" type="datetimeFigureOut">
               <a:rPr lang="en-US" smtClean="0"/>
-              <a:t>3/11/2014</a:t>
+              <a:t>4/1/2014</a:t>
             </a:fld>
             <a:endParaRPr lang="en-US"/>
           </a:p>
@@ -1826,7 +1837,7 @@
           <a:p>
             <a:fld id="{EEB31411-81DA-416F-953C-825CF1EE9A76}" type="datetimeFigureOut">
               <a:rPr lang="en-US" smtClean="0"/>
-              <a:t>3/11/2014</a:t>
+              <a:t>4/1/2014</a:t>
             </a:fld>
             <a:endParaRPr lang="en-US"/>
           </a:p>
@@ -2103,7 +2114,7 @@
           <a:p>
             <a:fld id="{EEB31411-81DA-416F-953C-825CF1EE9A76}" type="datetimeFigureOut">
               <a:rPr lang="en-US" smtClean="0"/>
-              <a:t>3/11/2014</a:t>
+              <a:t>4/1/2014</a:t>
             </a:fld>
             <a:endParaRPr lang="en-US"/>
           </a:p>
@@ -2356,7 +2367,7 @@
           <a:p>
             <a:fld id="{EEB31411-81DA-416F-953C-825CF1EE9A76}" type="datetimeFigureOut">
               <a:rPr lang="en-US" smtClean="0"/>
-              <a:t>3/11/2014</a:t>
+              <a:t>4/1/2014</a:t>
             </a:fld>
             <a:endParaRPr lang="en-US"/>
           </a:p>
@@ -2569,7 +2580,7 @@
           <a:p>
             <a:fld id="{EEB31411-81DA-416F-953C-825CF1EE9A76}" type="datetimeFigureOut">
               <a:rPr lang="en-US" smtClean="0"/>
-              <a:t>3/11/2014</a:t>
+              <a:t>4/1/2014</a:t>
             </a:fld>
             <a:endParaRPr lang="en-US"/>
           </a:p>
@@ -2992,44 +3003,40 @@
           <a:lstStyle/>
           <a:p>
             <a:r>
+              <a:rPr lang="th-TH" sz="7200" dirty="0">
+                <a:latin typeface="TH SarabunPSK" panose="020B0500040200020003" pitchFamily="34" charset="-34"/>
+                <a:cs typeface="TH SarabunPSK" panose="020B0500040200020003" pitchFamily="34" charset="-34"/>
+              </a:rPr>
+              <a:t>อบรม</a:t>
+            </a:r>
+            <a:r>
+              <a:rPr lang="en-US" sz="7200" dirty="0">
+                <a:latin typeface="TH SarabunPSK" panose="020B0500040200020003" pitchFamily="34" charset="-34"/>
+                <a:cs typeface="TH SarabunPSK" panose="020B0500040200020003" pitchFamily="34" charset="-34"/>
+              </a:rPr>
+              <a:t/>
+            </a:r>
+            <a:br>
+              <a:rPr lang="en-US" sz="7200" dirty="0">
+                <a:latin typeface="TH SarabunPSK" panose="020B0500040200020003" pitchFamily="34" charset="-34"/>
+                <a:cs typeface="TH SarabunPSK" panose="020B0500040200020003" pitchFamily="34" charset="-34"/>
+              </a:rPr>
+            </a:br>
+            <a:r>
+              <a:rPr lang="en-US" sz="7200" dirty="0">
+                <a:latin typeface="TH SarabunPSK" panose="020B0500040200020003" pitchFamily="34" charset="-34"/>
+                <a:cs typeface="TH SarabunPSK" panose="020B0500040200020003" pitchFamily="34" charset="-34"/>
+              </a:rPr>
+              <a:t>Google </a:t>
+            </a:r>
+            <a:r>
               <a:rPr lang="en-US" sz="7200" dirty="0" smtClean="0">
                 <a:latin typeface="TH SarabunPSK" panose="020B0500040200020003" pitchFamily="34" charset="-34"/>
                 <a:cs typeface="TH SarabunPSK" panose="020B0500040200020003" pitchFamily="34" charset="-34"/>
               </a:rPr>
-              <a:t>Google Calendar</a:t>
+              <a:t>Calendar</a:t>
             </a:r>
             <a:endParaRPr lang="en-US" dirty="0">
-              <a:latin typeface="TH SarabunPSK" panose="020B0500040200020003" pitchFamily="34" charset="-34"/>
-              <a:cs typeface="TH SarabunPSK" panose="020B0500040200020003" pitchFamily="34" charset="-34"/>
-            </a:endParaRPr>
-          </a:p>
-        </p:txBody>
-      </p:sp>
-      <p:sp>
-        <p:nvSpPr>
-          <p:cNvPr id="3" name="Subtitle 2"/>
-          <p:cNvSpPr>
-            <a:spLocks noGrp="1"/>
-          </p:cNvSpPr>
-          <p:nvPr>
-            <p:ph type="subTitle" idx="1"/>
-          </p:nvPr>
-        </p:nvSpPr>
-        <p:spPr/>
-        <p:txBody>
-          <a:bodyPr>
-            <a:normAutofit/>
-          </a:bodyPr>
-          <a:lstStyle/>
-          <a:p>
-            <a:r>
-              <a:rPr lang="th-TH" sz="4400" dirty="0" smtClean="0">
-                <a:latin typeface="TH SarabunPSK" panose="020B0500040200020003" pitchFamily="34" charset="-34"/>
-                <a:cs typeface="TH SarabunPSK" panose="020B0500040200020003" pitchFamily="34" charset="-34"/>
-              </a:rPr>
-              <a:t>อบรม</a:t>
-            </a:r>
-            <a:endParaRPr lang="en-US" sz="4400" dirty="0">
               <a:latin typeface="TH SarabunPSK" panose="020B0500040200020003" pitchFamily="34" charset="-34"/>
               <a:cs typeface="TH SarabunPSK" panose="020B0500040200020003" pitchFamily="34" charset="-34"/>
             </a:endParaRPr>
@@ -3073,23 +3080,95 @@
           <a:chExt cx="0" cy="0"/>
         </a:xfrm>
       </p:grpSpPr>
+      <p:sp>
+        <p:nvSpPr>
+          <p:cNvPr id="2" name="Title 1"/>
+          <p:cNvSpPr>
+            <a:spLocks noGrp="1"/>
+          </p:cNvSpPr>
+          <p:nvPr>
+            <p:ph type="title"/>
+          </p:nvPr>
+        </p:nvSpPr>
+        <p:spPr/>
+        <p:txBody>
+          <a:bodyPr/>
+          <a:lstStyle/>
+          <a:p>
+            <a:pPr lvl="0"/>
+            <a:r>
+              <a:rPr lang="th-TH" dirty="0">
+                <a:latin typeface="TH SarabunPSK" panose="020B0500040200020003" pitchFamily="34" charset="-34"/>
+                <a:cs typeface="TH SarabunPSK" panose="020B0500040200020003" pitchFamily="34" charset="-34"/>
+              </a:rPr>
+              <a:t>แบ่งปัน</a:t>
+            </a:r>
+            <a:r>
+              <a:rPr lang="th-TH" dirty="0" smtClean="0">
+                <a:latin typeface="TH SarabunPSK" panose="020B0500040200020003" pitchFamily="34" charset="-34"/>
+                <a:cs typeface="TH SarabunPSK" panose="020B0500040200020003" pitchFamily="34" charset="-34"/>
+              </a:rPr>
+              <a:t>ปฏิทิน</a:t>
+            </a:r>
+            <a:endParaRPr lang="en-US" dirty="0">
+              <a:latin typeface="TH SarabunPSK" panose="020B0500040200020003" pitchFamily="34" charset="-34"/>
+              <a:cs typeface="TH SarabunPSK" panose="020B0500040200020003" pitchFamily="34" charset="-34"/>
+            </a:endParaRPr>
+          </a:p>
+        </p:txBody>
+      </p:sp>
+      <p:pic>
+        <p:nvPicPr>
+          <p:cNvPr id="6" name="Content Placeholder 5"/>
+          <p:cNvPicPr>
+            <a:picLocks noGrp="1" noChangeAspect="1"/>
+          </p:cNvPicPr>
+          <p:nvPr>
+            <p:ph idx="1"/>
+          </p:nvPr>
+        </p:nvPicPr>
+        <p:blipFill>
+          <a:blip r:embed="rId2">
+            <a:extLst>
+              <a:ext uri="{28A0092B-C50C-407E-A947-70E740481C1C}">
+                <a14:useLocalDpi xmlns:a14="http://schemas.microsoft.com/office/drawing/2010/main" val="0"/>
+              </a:ext>
+            </a:extLst>
+          </a:blip>
+          <a:stretch>
+            <a:fillRect/>
+          </a:stretch>
+        </p:blipFill>
+        <p:spPr>
+          <a:xfrm>
+            <a:off x="1343619" y="3196532"/>
+            <a:ext cx="9504762" cy="1609524"/>
+          </a:xfrm>
+          <a:prstGeom prst="rect">
+            <a:avLst/>
+          </a:prstGeom>
+          <a:ln>
+            <a:noFill/>
+          </a:ln>
+          <a:effectLst>
+            <a:outerShdw blurRad="292100" dist="139700" dir="2700000" algn="tl" rotWithShape="0">
+              <a:srgbClr val="333333">
+                <a:alpha val="65000"/>
+              </a:srgbClr>
+            </a:outerShdw>
+          </a:effectLst>
+        </p:spPr>
+      </p:pic>
     </p:spTree>
     <p:extLst>
       <p:ext uri="{BB962C8B-B14F-4D97-AF65-F5344CB8AC3E}">
-        <p14:creationId xmlns:p14="http://schemas.microsoft.com/office/powerpoint/2010/main" val="4133594212"/>
+        <p14:creationId xmlns:p14="http://schemas.microsoft.com/office/powerpoint/2010/main" val="2519363631"/>
       </p:ext>
     </p:extLst>
   </p:cSld>
   <p:clrMapOvr>
     <a:masterClrMapping/>
   </p:clrMapOvr>
-  <p:timing>
-    <p:tnLst>
-      <p:par>
-        <p:cTn id="1" dur="indefinite" restart="never" nodeType="tmRoot"/>
-      </p:par>
-    </p:tnLst>
-  </p:timing>
 </p:sld>
 </file>
 
@@ -3110,23 +3189,624 @@
           <a:chExt cx="0" cy="0"/>
         </a:xfrm>
       </p:grpSpPr>
+      <p:sp>
+        <p:nvSpPr>
+          <p:cNvPr id="2" name="Title 1"/>
+          <p:cNvSpPr>
+            <a:spLocks noGrp="1"/>
+          </p:cNvSpPr>
+          <p:nvPr>
+            <p:ph type="title"/>
+          </p:nvPr>
+        </p:nvSpPr>
+        <p:spPr/>
+        <p:txBody>
+          <a:bodyPr/>
+          <a:lstStyle/>
+          <a:p>
+            <a:r>
+              <a:rPr lang="th-TH" dirty="0">
+                <a:latin typeface="TH SarabunPSK" panose="020B0500040200020003" pitchFamily="34" charset="-34"/>
+                <a:cs typeface="TH SarabunPSK" panose="020B0500040200020003" pitchFamily="34" charset="-34"/>
+              </a:rPr>
+              <a:t>การนำเข้า การส่งออก หรือซิงค์ ปฏิทิน</a:t>
+            </a:r>
+            <a:endParaRPr lang="en-US" dirty="0">
+              <a:latin typeface="TH SarabunPSK" panose="020B0500040200020003" pitchFamily="34" charset="-34"/>
+              <a:cs typeface="TH SarabunPSK" panose="020B0500040200020003" pitchFamily="34" charset="-34"/>
+            </a:endParaRPr>
+          </a:p>
+        </p:txBody>
+      </p:sp>
+      <p:sp>
+        <p:nvSpPr>
+          <p:cNvPr id="5" name="Content Placeholder 4"/>
+          <p:cNvSpPr>
+            <a:spLocks noGrp="1"/>
+          </p:cNvSpPr>
+          <p:nvPr>
+            <p:ph idx="1"/>
+          </p:nvPr>
+        </p:nvSpPr>
+        <p:spPr/>
+        <p:txBody>
+          <a:bodyPr/>
+          <a:lstStyle/>
+          <a:p>
+            <a:endParaRPr lang="en-US"/>
+          </a:p>
+        </p:txBody>
+      </p:sp>
     </p:spTree>
     <p:extLst>
       <p:ext uri="{BB962C8B-B14F-4D97-AF65-F5344CB8AC3E}">
-        <p14:creationId xmlns:p14="http://schemas.microsoft.com/office/powerpoint/2010/main" val="2605397268"/>
+        <p14:creationId xmlns:p14="http://schemas.microsoft.com/office/powerpoint/2010/main" val="2585912091"/>
       </p:ext>
     </p:extLst>
   </p:cSld>
   <p:clrMapOvr>
     <a:masterClrMapping/>
   </p:clrMapOvr>
-  <p:timing>
-    <p:tnLst>
-      <p:par>
-        <p:cTn id="1" dur="indefinite" restart="never" nodeType="tmRoot"/>
-      </p:par>
-    </p:tnLst>
-  </p:timing>
+</p:sld>
+</file>
+
+<file path=ppt/slides/slide12.xml><?xml version="1.0" encoding="utf-8"?>
+<p:sld xmlns:a="http://schemas.openxmlformats.org/drawingml/2006/main" xmlns:r="http://schemas.openxmlformats.org/officeDocument/2006/relationships" xmlns:p="http://schemas.openxmlformats.org/presentationml/2006/main">
+  <p:cSld>
+    <p:spTree>
+      <p:nvGrpSpPr>
+        <p:cNvPr id="1" name=""/>
+        <p:cNvGrpSpPr/>
+        <p:nvPr/>
+      </p:nvGrpSpPr>
+      <p:grpSpPr>
+        <a:xfrm>
+          <a:off x="0" y="0"/>
+          <a:ext cx="0" cy="0"/>
+          <a:chOff x="0" y="0"/>
+          <a:chExt cx="0" cy="0"/>
+        </a:xfrm>
+      </p:grpSpPr>
+      <p:sp>
+        <p:nvSpPr>
+          <p:cNvPr id="2" name="Title 1"/>
+          <p:cNvSpPr>
+            <a:spLocks noGrp="1"/>
+          </p:cNvSpPr>
+          <p:nvPr>
+            <p:ph type="title"/>
+          </p:nvPr>
+        </p:nvSpPr>
+        <p:spPr/>
+        <p:txBody>
+          <a:bodyPr/>
+          <a:lstStyle/>
+          <a:p>
+            <a:r>
+              <a:rPr lang="th-TH" dirty="0">
+                <a:latin typeface="TH SarabunPSK" panose="020B0500040200020003" pitchFamily="34" charset="-34"/>
+                <a:cs typeface="TH SarabunPSK" panose="020B0500040200020003" pitchFamily="34" charset="-34"/>
+              </a:rPr>
+              <a:t>การนำเข้าข้อมูลปฏิทินจากแหล่งข้อมูลอื่น</a:t>
+            </a:r>
+            <a:endParaRPr lang="en-US" dirty="0">
+              <a:latin typeface="TH SarabunPSK" panose="020B0500040200020003" pitchFamily="34" charset="-34"/>
+              <a:cs typeface="TH SarabunPSK" panose="020B0500040200020003" pitchFamily="34" charset="-34"/>
+            </a:endParaRPr>
+          </a:p>
+        </p:txBody>
+      </p:sp>
+      <p:pic>
+        <p:nvPicPr>
+          <p:cNvPr id="4" name="Content Placeholder 3"/>
+          <p:cNvPicPr>
+            <a:picLocks noGrp="1" noChangeAspect="1"/>
+          </p:cNvPicPr>
+          <p:nvPr>
+            <p:ph idx="1"/>
+          </p:nvPr>
+        </p:nvPicPr>
+        <p:blipFill>
+          <a:blip r:embed="rId2">
+            <a:extLst>
+              <a:ext uri="{28A0092B-C50C-407E-A947-70E740481C1C}">
+                <a14:useLocalDpi xmlns:a14="http://schemas.microsoft.com/office/drawing/2010/main" val="0"/>
+              </a:ext>
+            </a:extLst>
+          </a:blip>
+          <a:stretch>
+            <a:fillRect/>
+          </a:stretch>
+        </p:blipFill>
+        <p:spPr>
+          <a:xfrm>
+            <a:off x="2593486" y="1825625"/>
+            <a:ext cx="7005028" cy="4351338"/>
+          </a:xfrm>
+          <a:prstGeom prst="rect">
+            <a:avLst/>
+          </a:prstGeom>
+          <a:ln>
+            <a:noFill/>
+          </a:ln>
+          <a:effectLst>
+            <a:outerShdw blurRad="292100" dist="139700" dir="2700000" algn="tl" rotWithShape="0">
+              <a:srgbClr val="333333">
+                <a:alpha val="65000"/>
+              </a:srgbClr>
+            </a:outerShdw>
+          </a:effectLst>
+        </p:spPr>
+      </p:pic>
+    </p:spTree>
+    <p:extLst>
+      <p:ext uri="{BB962C8B-B14F-4D97-AF65-F5344CB8AC3E}">
+        <p14:creationId xmlns:p14="http://schemas.microsoft.com/office/powerpoint/2010/main" val="1939372069"/>
+      </p:ext>
+    </p:extLst>
+  </p:cSld>
+  <p:clrMapOvr>
+    <a:masterClrMapping/>
+  </p:clrMapOvr>
+</p:sld>
+</file>
+
+<file path=ppt/slides/slide13.xml><?xml version="1.0" encoding="utf-8"?>
+<p:sld xmlns:a="http://schemas.openxmlformats.org/drawingml/2006/main" xmlns:r="http://schemas.openxmlformats.org/officeDocument/2006/relationships" xmlns:p="http://schemas.openxmlformats.org/presentationml/2006/main">
+  <p:cSld>
+    <p:spTree>
+      <p:nvGrpSpPr>
+        <p:cNvPr id="1" name=""/>
+        <p:cNvGrpSpPr/>
+        <p:nvPr/>
+      </p:nvGrpSpPr>
+      <p:grpSpPr>
+        <a:xfrm>
+          <a:off x="0" y="0"/>
+          <a:ext cx="0" cy="0"/>
+          <a:chOff x="0" y="0"/>
+          <a:chExt cx="0" cy="0"/>
+        </a:xfrm>
+      </p:grpSpPr>
+      <p:sp>
+        <p:nvSpPr>
+          <p:cNvPr id="2" name="Title 1"/>
+          <p:cNvSpPr>
+            <a:spLocks noGrp="1"/>
+          </p:cNvSpPr>
+          <p:nvPr>
+            <p:ph type="title"/>
+          </p:nvPr>
+        </p:nvSpPr>
+        <p:spPr/>
+        <p:txBody>
+          <a:bodyPr/>
+          <a:lstStyle/>
+          <a:p>
+            <a:r>
+              <a:rPr lang="th-TH" dirty="0">
+                <a:latin typeface="TH SarabunPSK" panose="020B0500040200020003" pitchFamily="34" charset="-34"/>
+                <a:cs typeface="TH SarabunPSK" panose="020B0500040200020003" pitchFamily="34" charset="-34"/>
+              </a:rPr>
+              <a:t>การซิงค์ข้อมูลปฏิทินกับโปรแกรมบนเครื่องคอมพิวเตอร์</a:t>
+            </a:r>
+            <a:endParaRPr lang="en-US" dirty="0">
+              <a:latin typeface="TH SarabunPSK" panose="020B0500040200020003" pitchFamily="34" charset="-34"/>
+              <a:cs typeface="TH SarabunPSK" panose="020B0500040200020003" pitchFamily="34" charset="-34"/>
+            </a:endParaRPr>
+          </a:p>
+        </p:txBody>
+      </p:sp>
+      <p:pic>
+        <p:nvPicPr>
+          <p:cNvPr id="4" name="Content Placeholder 3"/>
+          <p:cNvPicPr>
+            <a:picLocks noGrp="1" noChangeAspect="1"/>
+          </p:cNvPicPr>
+          <p:nvPr>
+            <p:ph idx="1"/>
+          </p:nvPr>
+        </p:nvPicPr>
+        <p:blipFill>
+          <a:blip r:embed="rId2">
+            <a:extLst>
+              <a:ext uri="{28A0092B-C50C-407E-A947-70E740481C1C}">
+                <a14:useLocalDpi xmlns:a14="http://schemas.microsoft.com/office/drawing/2010/main" val="0"/>
+              </a:ext>
+            </a:extLst>
+          </a:blip>
+          <a:stretch>
+            <a:fillRect/>
+          </a:stretch>
+        </p:blipFill>
+        <p:spPr>
+          <a:xfrm>
+            <a:off x="1861546" y="2034107"/>
+            <a:ext cx="8468907" cy="3934374"/>
+          </a:xfrm>
+          <a:prstGeom prst="rect">
+            <a:avLst/>
+          </a:prstGeom>
+          <a:ln>
+            <a:noFill/>
+          </a:ln>
+          <a:effectLst>
+            <a:outerShdw blurRad="292100" dist="139700" dir="2700000" algn="tl" rotWithShape="0">
+              <a:srgbClr val="333333">
+                <a:alpha val="65000"/>
+              </a:srgbClr>
+            </a:outerShdw>
+          </a:effectLst>
+        </p:spPr>
+      </p:pic>
+    </p:spTree>
+    <p:extLst>
+      <p:ext uri="{BB962C8B-B14F-4D97-AF65-F5344CB8AC3E}">
+        <p14:creationId xmlns:p14="http://schemas.microsoft.com/office/powerpoint/2010/main" val="908138130"/>
+      </p:ext>
+    </p:extLst>
+  </p:cSld>
+  <p:clrMapOvr>
+    <a:masterClrMapping/>
+  </p:clrMapOvr>
+</p:sld>
+</file>
+
+<file path=ppt/slides/slide14.xml><?xml version="1.0" encoding="utf-8"?>
+<p:sld xmlns:a="http://schemas.openxmlformats.org/drawingml/2006/main" xmlns:r="http://schemas.openxmlformats.org/officeDocument/2006/relationships" xmlns:p="http://schemas.openxmlformats.org/presentationml/2006/main">
+  <p:cSld>
+    <p:spTree>
+      <p:nvGrpSpPr>
+        <p:cNvPr id="1" name=""/>
+        <p:cNvGrpSpPr/>
+        <p:nvPr/>
+      </p:nvGrpSpPr>
+      <p:grpSpPr>
+        <a:xfrm>
+          <a:off x="0" y="0"/>
+          <a:ext cx="0" cy="0"/>
+          <a:chOff x="0" y="0"/>
+          <a:chExt cx="0" cy="0"/>
+        </a:xfrm>
+      </p:grpSpPr>
+      <p:sp>
+        <p:nvSpPr>
+          <p:cNvPr id="2" name="Title 1"/>
+          <p:cNvSpPr>
+            <a:spLocks noGrp="1"/>
+          </p:cNvSpPr>
+          <p:nvPr>
+            <p:ph type="title"/>
+          </p:nvPr>
+        </p:nvSpPr>
+        <p:spPr/>
+        <p:txBody>
+          <a:bodyPr/>
+          <a:lstStyle/>
+          <a:p>
+            <a:r>
+              <a:rPr lang="th-TH" dirty="0">
+                <a:latin typeface="TH SarabunPSK" panose="020B0500040200020003" pitchFamily="34" charset="-34"/>
+                <a:cs typeface="TH SarabunPSK" panose="020B0500040200020003" pitchFamily="34" charset="-34"/>
+              </a:rPr>
+              <a:t>การซิงค์ข้อมูลปฏิทินกับอุปกรณ์พกพา</a:t>
+            </a:r>
+            <a:endParaRPr lang="en-US" dirty="0">
+              <a:latin typeface="TH SarabunPSK" panose="020B0500040200020003" pitchFamily="34" charset="-34"/>
+              <a:cs typeface="TH SarabunPSK" panose="020B0500040200020003" pitchFamily="34" charset="-34"/>
+            </a:endParaRPr>
+          </a:p>
+        </p:txBody>
+      </p:sp>
+      <p:sp>
+        <p:nvSpPr>
+          <p:cNvPr id="3" name="Content Placeholder 2"/>
+          <p:cNvSpPr>
+            <a:spLocks noGrp="1"/>
+          </p:cNvSpPr>
+          <p:nvPr>
+            <p:ph idx="1"/>
+          </p:nvPr>
+        </p:nvSpPr>
+        <p:spPr/>
+        <p:txBody>
+          <a:bodyPr/>
+          <a:lstStyle/>
+          <a:p>
+            <a:endParaRPr lang="en-US"/>
+          </a:p>
+        </p:txBody>
+      </p:sp>
+    </p:spTree>
+    <p:extLst>
+      <p:ext uri="{BB962C8B-B14F-4D97-AF65-F5344CB8AC3E}">
+        <p14:creationId xmlns:p14="http://schemas.microsoft.com/office/powerpoint/2010/main" val="116213839"/>
+      </p:ext>
+    </p:extLst>
+  </p:cSld>
+  <p:clrMapOvr>
+    <a:masterClrMapping/>
+  </p:clrMapOvr>
+</p:sld>
+</file>
+
+<file path=ppt/slides/slide15.xml><?xml version="1.0" encoding="utf-8"?>
+<p:sld xmlns:a="http://schemas.openxmlformats.org/drawingml/2006/main" xmlns:r="http://schemas.openxmlformats.org/officeDocument/2006/relationships" xmlns:p="http://schemas.openxmlformats.org/presentationml/2006/main">
+  <p:cSld>
+    <p:spTree>
+      <p:nvGrpSpPr>
+        <p:cNvPr id="1" name=""/>
+        <p:cNvGrpSpPr/>
+        <p:nvPr/>
+      </p:nvGrpSpPr>
+      <p:grpSpPr>
+        <a:xfrm>
+          <a:off x="0" y="0"/>
+          <a:ext cx="0" cy="0"/>
+          <a:chOff x="0" y="0"/>
+          <a:chExt cx="0" cy="0"/>
+        </a:xfrm>
+      </p:grpSpPr>
+      <p:sp>
+        <p:nvSpPr>
+          <p:cNvPr id="2" name="Title 1"/>
+          <p:cNvSpPr>
+            <a:spLocks noGrp="1"/>
+          </p:cNvSpPr>
+          <p:nvPr>
+            <p:ph type="title"/>
+          </p:nvPr>
+        </p:nvSpPr>
+        <p:spPr/>
+        <p:txBody>
+          <a:bodyPr/>
+          <a:lstStyle/>
+          <a:p>
+            <a:r>
+              <a:rPr lang="th-TH" dirty="0">
+                <a:latin typeface="TH SarabunPSK" panose="020B0500040200020003" pitchFamily="34" charset="-34"/>
+                <a:cs typeface="TH SarabunPSK" panose="020B0500040200020003" pitchFamily="34" charset="-34"/>
+              </a:rPr>
+              <a:t>การตั้งค่า</a:t>
+            </a:r>
+            <a:endParaRPr lang="en-US" dirty="0">
+              <a:latin typeface="TH SarabunPSK" panose="020B0500040200020003" pitchFamily="34" charset="-34"/>
+              <a:cs typeface="TH SarabunPSK" panose="020B0500040200020003" pitchFamily="34" charset="-34"/>
+            </a:endParaRPr>
+          </a:p>
+        </p:txBody>
+      </p:sp>
+      <p:sp>
+        <p:nvSpPr>
+          <p:cNvPr id="3" name="Content Placeholder 2"/>
+          <p:cNvSpPr>
+            <a:spLocks noGrp="1"/>
+          </p:cNvSpPr>
+          <p:nvPr>
+            <p:ph idx="1"/>
+          </p:nvPr>
+        </p:nvSpPr>
+        <p:spPr/>
+        <p:txBody>
+          <a:bodyPr/>
+          <a:lstStyle/>
+          <a:p>
+            <a:endParaRPr lang="en-US"/>
+          </a:p>
+        </p:txBody>
+      </p:sp>
+    </p:spTree>
+    <p:extLst>
+      <p:ext uri="{BB962C8B-B14F-4D97-AF65-F5344CB8AC3E}">
+        <p14:creationId xmlns:p14="http://schemas.microsoft.com/office/powerpoint/2010/main" val="1542339723"/>
+      </p:ext>
+    </p:extLst>
+  </p:cSld>
+  <p:clrMapOvr>
+    <a:masterClrMapping/>
+  </p:clrMapOvr>
+</p:sld>
+</file>
+
+<file path=ppt/slides/slide16.xml><?xml version="1.0" encoding="utf-8"?>
+<p:sld xmlns:a="http://schemas.openxmlformats.org/drawingml/2006/main" xmlns:r="http://schemas.openxmlformats.org/officeDocument/2006/relationships" xmlns:p="http://schemas.openxmlformats.org/presentationml/2006/main">
+  <p:cSld>
+    <p:spTree>
+      <p:nvGrpSpPr>
+        <p:cNvPr id="1" name=""/>
+        <p:cNvGrpSpPr/>
+        <p:nvPr/>
+      </p:nvGrpSpPr>
+      <p:grpSpPr>
+        <a:xfrm>
+          <a:off x="0" y="0"/>
+          <a:ext cx="0" cy="0"/>
+          <a:chOff x="0" y="0"/>
+          <a:chExt cx="0" cy="0"/>
+        </a:xfrm>
+      </p:grpSpPr>
+      <p:sp>
+        <p:nvSpPr>
+          <p:cNvPr id="2" name="Title 1"/>
+          <p:cNvSpPr>
+            <a:spLocks noGrp="1"/>
+          </p:cNvSpPr>
+          <p:nvPr>
+            <p:ph type="title"/>
+          </p:nvPr>
+        </p:nvSpPr>
+        <p:spPr/>
+        <p:txBody>
+          <a:bodyPr/>
+          <a:lstStyle/>
+          <a:p>
+            <a:r>
+              <a:rPr lang="th-TH" dirty="0">
+                <a:latin typeface="TH SarabunPSK" panose="020B0500040200020003" pitchFamily="34" charset="-34"/>
+                <a:cs typeface="TH SarabunPSK" panose="020B0500040200020003" pitchFamily="34" charset="-34"/>
+              </a:rPr>
+              <a:t>การตั้งค่าต่างๆ</a:t>
+            </a:r>
+            <a:endParaRPr lang="en-US" dirty="0">
+              <a:latin typeface="TH SarabunPSK" panose="020B0500040200020003" pitchFamily="34" charset="-34"/>
+              <a:cs typeface="TH SarabunPSK" panose="020B0500040200020003" pitchFamily="34" charset="-34"/>
+            </a:endParaRPr>
+          </a:p>
+        </p:txBody>
+      </p:sp>
+      <p:pic>
+        <p:nvPicPr>
+          <p:cNvPr id="4" name="Content Placeholder 3"/>
+          <p:cNvPicPr>
+            <a:picLocks noGrp="1" noChangeAspect="1"/>
+          </p:cNvPicPr>
+          <p:nvPr>
+            <p:ph idx="1"/>
+          </p:nvPr>
+        </p:nvPicPr>
+        <p:blipFill>
+          <a:blip r:embed="rId2">
+            <a:extLst>
+              <a:ext uri="{28A0092B-C50C-407E-A947-70E740481C1C}">
+                <a14:useLocalDpi xmlns:a14="http://schemas.microsoft.com/office/drawing/2010/main" val="0"/>
+              </a:ext>
+            </a:extLst>
+          </a:blip>
+          <a:stretch>
+            <a:fillRect/>
+          </a:stretch>
+        </p:blipFill>
+        <p:spPr>
+          <a:xfrm>
+            <a:off x="2593486" y="1825625"/>
+            <a:ext cx="7005028" cy="4351338"/>
+          </a:xfrm>
+          <a:prstGeom prst="rect">
+            <a:avLst/>
+          </a:prstGeom>
+          <a:ln>
+            <a:noFill/>
+          </a:ln>
+          <a:effectLst>
+            <a:outerShdw blurRad="292100" dist="139700" dir="2700000" algn="tl" rotWithShape="0">
+              <a:srgbClr val="333333">
+                <a:alpha val="65000"/>
+              </a:srgbClr>
+            </a:outerShdw>
+          </a:effectLst>
+        </p:spPr>
+      </p:pic>
+    </p:spTree>
+    <p:extLst>
+      <p:ext uri="{BB962C8B-B14F-4D97-AF65-F5344CB8AC3E}">
+        <p14:creationId xmlns:p14="http://schemas.microsoft.com/office/powerpoint/2010/main" val="195296430"/>
+      </p:ext>
+    </p:extLst>
+  </p:cSld>
+  <p:clrMapOvr>
+    <a:masterClrMapping/>
+  </p:clrMapOvr>
+</p:sld>
+</file>
+
+<file path=ppt/slides/slide17.xml><?xml version="1.0" encoding="utf-8"?>
+<p:sld xmlns:a="http://schemas.openxmlformats.org/drawingml/2006/main" xmlns:r="http://schemas.openxmlformats.org/officeDocument/2006/relationships" xmlns:p="http://schemas.openxmlformats.org/presentationml/2006/main">
+  <p:cSld>
+    <p:spTree>
+      <p:nvGrpSpPr>
+        <p:cNvPr id="1" name=""/>
+        <p:cNvGrpSpPr/>
+        <p:nvPr/>
+      </p:nvGrpSpPr>
+      <p:grpSpPr>
+        <a:xfrm>
+          <a:off x="0" y="0"/>
+          <a:ext cx="0" cy="0"/>
+          <a:chOff x="0" y="0"/>
+          <a:chExt cx="0" cy="0"/>
+        </a:xfrm>
+      </p:grpSpPr>
+      <p:sp>
+        <p:nvSpPr>
+          <p:cNvPr id="2" name="Title 1"/>
+          <p:cNvSpPr>
+            <a:spLocks noGrp="1"/>
+          </p:cNvSpPr>
+          <p:nvPr>
+            <p:ph type="title"/>
+          </p:nvPr>
+        </p:nvSpPr>
+        <p:spPr/>
+        <p:txBody>
+          <a:bodyPr/>
+          <a:lstStyle/>
+          <a:p>
+            <a:r>
+              <a:rPr lang="th-TH" dirty="0">
+                <a:latin typeface="TH SarabunPSK" panose="020B0500040200020003" pitchFamily="34" charset="-34"/>
+                <a:cs typeface="TH SarabunPSK" panose="020B0500040200020003" pitchFamily="34" charset="-34"/>
+              </a:rPr>
+              <a:t>การเพิ่มคุณลักษณะที่อยู่ระหว่างการทดสอบ</a:t>
+            </a:r>
+            <a:endParaRPr lang="en-US" dirty="0">
+              <a:latin typeface="TH SarabunPSK" panose="020B0500040200020003" pitchFamily="34" charset="-34"/>
+              <a:cs typeface="TH SarabunPSK" panose="020B0500040200020003" pitchFamily="34" charset="-34"/>
+            </a:endParaRPr>
+          </a:p>
+        </p:txBody>
+      </p:sp>
+      <p:pic>
+        <p:nvPicPr>
+          <p:cNvPr id="4" name="Content Placeholder 3"/>
+          <p:cNvPicPr>
+            <a:picLocks noGrp="1" noChangeAspect="1"/>
+          </p:cNvPicPr>
+          <p:nvPr>
+            <p:ph idx="1"/>
+          </p:nvPr>
+        </p:nvPicPr>
+        <p:blipFill>
+          <a:blip r:embed="rId2">
+            <a:extLst>
+              <a:ext uri="{28A0092B-C50C-407E-A947-70E740481C1C}">
+                <a14:useLocalDpi xmlns:a14="http://schemas.microsoft.com/office/drawing/2010/main" val="0"/>
+              </a:ext>
+            </a:extLst>
+          </a:blip>
+          <a:stretch>
+            <a:fillRect/>
+          </a:stretch>
+        </p:blipFill>
+        <p:spPr>
+          <a:xfrm>
+            <a:off x="2593486" y="1825625"/>
+            <a:ext cx="7005028" cy="4351338"/>
+          </a:xfrm>
+          <a:prstGeom prst="rect">
+            <a:avLst/>
+          </a:prstGeom>
+          <a:ln>
+            <a:noFill/>
+          </a:ln>
+          <a:effectLst>
+            <a:outerShdw blurRad="292100" dist="139700" dir="2700000" algn="tl" rotWithShape="0">
+              <a:srgbClr val="333333">
+                <a:alpha val="65000"/>
+              </a:srgbClr>
+            </a:outerShdw>
+          </a:effectLst>
+        </p:spPr>
+      </p:pic>
+    </p:spTree>
+    <p:extLst>
+      <p:ext uri="{BB962C8B-B14F-4D97-AF65-F5344CB8AC3E}">
+        <p14:creationId xmlns:p14="http://schemas.microsoft.com/office/powerpoint/2010/main" val="2590116247"/>
+      </p:ext>
+    </p:extLst>
+  </p:cSld>
+  <p:clrMapOvr>
+    <a:masterClrMapping/>
+  </p:clrMapOvr>
 </p:sld>
 </file>
 
@@ -3191,90 +3871,20 @@
           <a:bodyPr/>
           <a:lstStyle/>
           <a:p>
-            <a:r>
-              <a:rPr lang="en-US" dirty="0">
-                <a:latin typeface="TH SarabunPSK" panose="020B0500040200020003" pitchFamily="34" charset="-34"/>
-                <a:cs typeface="TH SarabunPSK" panose="020B0500040200020003" pitchFamily="34" charset="-34"/>
-              </a:rPr>
-              <a:t>Google Calendar </a:t>
-            </a:r>
-            <a:r>
-              <a:rPr lang="th-TH" dirty="0" smtClean="0">
-                <a:latin typeface="TH SarabunPSK" panose="020B0500040200020003" pitchFamily="34" charset="-34"/>
-                <a:cs typeface="TH SarabunPSK" panose="020B0500040200020003" pitchFamily="34" charset="-34"/>
-              </a:rPr>
-              <a:t>คือ </a:t>
-            </a:r>
-            <a:r>
-              <a:rPr lang="th-TH" dirty="0">
-                <a:latin typeface="TH SarabunPSK" panose="020B0500040200020003" pitchFamily="34" charset="-34"/>
-                <a:cs typeface="TH SarabunPSK" panose="020B0500040200020003" pitchFamily="34" charset="-34"/>
-              </a:rPr>
-              <a:t>บริการปฏิทินแบบออนไลน์ของ </a:t>
-            </a:r>
-            <a:r>
-              <a:rPr lang="en-US" dirty="0">
-                <a:latin typeface="TH SarabunPSK" panose="020B0500040200020003" pitchFamily="34" charset="-34"/>
-                <a:cs typeface="TH SarabunPSK" panose="020B0500040200020003" pitchFamily="34" charset="-34"/>
-              </a:rPr>
-              <a:t>Google </a:t>
-            </a:r>
-            <a:r>
-              <a:rPr lang="th-TH" dirty="0">
-                <a:latin typeface="TH SarabunPSK" panose="020B0500040200020003" pitchFamily="34" charset="-34"/>
-                <a:cs typeface="TH SarabunPSK" panose="020B0500040200020003" pitchFamily="34" charset="-34"/>
-              </a:rPr>
-              <a:t>ซึ่งทำให้สามารถเก็บข้อมูลเหตุการณ์ต่างๆ รวมไว้ในที่เดียวกันได้ ไม่ว่าจะเป็นการสร้างกำหนดการนัดหมายและกำหนดเวลาเหตุการณ์ต่างๆ สามารถส่งข้อความเชิญ สามารถใช้ปฏิทินร่วมกับเพื่อนร่วมงาน และ ค้นหาเหตุการณ์ต่างๆ </a:t>
-            </a:r>
-            <a:r>
-              <a:rPr lang="th-TH" dirty="0" smtClean="0">
-                <a:latin typeface="TH SarabunPSK" panose="020B0500040200020003" pitchFamily="34" charset="-34"/>
-                <a:cs typeface="TH SarabunPSK" panose="020B0500040200020003" pitchFamily="34" charset="-34"/>
-              </a:rPr>
-              <a:t>ได้</a:t>
-            </a:r>
-          </a:p>
-          <a:p>
-            <a:r>
-              <a:rPr lang="th-TH" dirty="0"/>
-              <a:t>การเข้าใช้งานให้เข้าไปที่ </a:t>
-            </a:r>
-            <a:r>
-              <a:rPr lang="en-US" u="sng" dirty="0">
-                <a:hlinkClick r:id="rId2"/>
-              </a:rPr>
-              <a:t>https://www.google.com/calendar</a:t>
-            </a:r>
-            <a:r>
-              <a:rPr lang="en-US" u="sng" dirty="0" smtClean="0">
-                <a:hlinkClick r:id="rId2"/>
-              </a:rPr>
-              <a:t>/</a:t>
-            </a:r>
-            <a:endParaRPr lang="en-US" dirty="0">
-              <a:latin typeface="TH SarabunPSK" panose="020B0500040200020003" pitchFamily="34" charset="-34"/>
-              <a:cs typeface="TH SarabunPSK" panose="020B0500040200020003" pitchFamily="34" charset="-34"/>
-            </a:endParaRPr>
+            <a:endParaRPr lang="en-US"/>
           </a:p>
         </p:txBody>
       </p:sp>
     </p:spTree>
     <p:extLst>
       <p:ext uri="{BB962C8B-B14F-4D97-AF65-F5344CB8AC3E}">
-        <p14:creationId xmlns:p14="http://schemas.microsoft.com/office/powerpoint/2010/main" val="3857340605"/>
+        <p14:creationId xmlns:p14="http://schemas.microsoft.com/office/powerpoint/2010/main" val="1065843145"/>
       </p:ext>
     </p:extLst>
   </p:cSld>
   <p:clrMapOvr>
     <a:masterClrMapping/>
   </p:clrMapOvr>
-  <p:timing>
-    <p:tnLst>
-      <p:par>
-        <p:cTn id="1" dur="indefinite" restart="never" nodeType="tmRoot"/>
-      </p:par>
-    </p:tnLst>
-  </p:timing>
 </p:sld>
 </file>
 
@@ -3295,50 +3905,128 @@
           <a:chExt cx="0" cy="0"/>
         </a:xfrm>
       </p:grpSpPr>
-      <p:pic>
-        <p:nvPicPr>
-          <p:cNvPr id="6" name="Picture 5"/>
-          <p:cNvPicPr>
-            <a:picLocks noChangeAspect="1"/>
-          </p:cNvPicPr>
-          <p:nvPr/>
-        </p:nvPicPr>
-        <p:blipFill>
-          <a:blip r:embed="rId2">
-            <a:extLst>
-              <a:ext uri="{28A0092B-C50C-407E-A947-70E740481C1C}">
-                <a14:useLocalDpi xmlns:a14="http://schemas.microsoft.com/office/drawing/2010/main" val="0"/>
-              </a:ext>
-            </a:extLst>
-          </a:blip>
-          <a:stretch>
-            <a:fillRect/>
-          </a:stretch>
-        </p:blipFill>
-        <p:spPr>
-          <a:xfrm>
-            <a:off x="1272190" y="276619"/>
-            <a:ext cx="9647619" cy="6304762"/>
-          </a:xfrm>
-          <a:prstGeom prst="rect">
-            <a:avLst/>
-          </a:prstGeom>
-          <a:ln>
-            <a:noFill/>
-          </a:ln>
-          <a:effectLst>
-            <a:outerShdw blurRad="292100" dist="139700" dir="2700000" algn="tl" rotWithShape="0">
-              <a:srgbClr val="333333">
-                <a:alpha val="65000"/>
-              </a:srgbClr>
-            </a:outerShdw>
-          </a:effectLst>
-        </p:spPr>
-      </p:pic>
+      <p:sp>
+        <p:nvSpPr>
+          <p:cNvPr id="2" name="Title 1"/>
+          <p:cNvSpPr>
+            <a:spLocks noGrp="1"/>
+          </p:cNvSpPr>
+          <p:nvPr>
+            <p:ph type="title"/>
+          </p:nvPr>
+        </p:nvSpPr>
+        <p:spPr/>
+        <p:txBody>
+          <a:bodyPr/>
+          <a:lstStyle/>
+          <a:p>
+            <a:r>
+              <a:rPr lang="en-US" dirty="0">
+                <a:latin typeface="TH SarabunPSK" panose="020B0500040200020003" pitchFamily="34" charset="-34"/>
+                <a:cs typeface="TH SarabunPSK" panose="020B0500040200020003" pitchFamily="34" charset="-34"/>
+              </a:rPr>
+              <a:t>Google Calendar </a:t>
+            </a:r>
+            <a:r>
+              <a:rPr lang="th-TH" dirty="0">
+                <a:latin typeface="TH SarabunPSK" panose="020B0500040200020003" pitchFamily="34" charset="-34"/>
+                <a:cs typeface="TH SarabunPSK" panose="020B0500040200020003" pitchFamily="34" charset="-34"/>
+              </a:rPr>
+              <a:t>คือ</a:t>
+            </a:r>
+            <a:endParaRPr lang="en-US" dirty="0">
+              <a:latin typeface="TH SarabunPSK" panose="020B0500040200020003" pitchFamily="34" charset="-34"/>
+              <a:cs typeface="TH SarabunPSK" panose="020B0500040200020003" pitchFamily="34" charset="-34"/>
+            </a:endParaRPr>
+          </a:p>
+        </p:txBody>
+      </p:sp>
+      <p:sp>
+        <p:nvSpPr>
+          <p:cNvPr id="3" name="Content Placeholder 2"/>
+          <p:cNvSpPr>
+            <a:spLocks noGrp="1"/>
+          </p:cNvSpPr>
+          <p:nvPr>
+            <p:ph idx="1"/>
+          </p:nvPr>
+        </p:nvSpPr>
+        <p:spPr/>
+        <p:txBody>
+          <a:bodyPr/>
+          <a:lstStyle/>
+          <a:p>
+            <a:r>
+              <a:rPr lang="en-US" dirty="0">
+                <a:latin typeface="TH SarabunPSK" panose="020B0500040200020003" pitchFamily="34" charset="-34"/>
+                <a:cs typeface="TH SarabunPSK" panose="020B0500040200020003" pitchFamily="34" charset="-34"/>
+              </a:rPr>
+              <a:t>Google Calendar </a:t>
+            </a:r>
+            <a:r>
+              <a:rPr lang="th-TH" dirty="0" smtClean="0">
+                <a:latin typeface="TH SarabunPSK" panose="020B0500040200020003" pitchFamily="34" charset="-34"/>
+                <a:cs typeface="TH SarabunPSK" panose="020B0500040200020003" pitchFamily="34" charset="-34"/>
+              </a:rPr>
+              <a:t>คือ </a:t>
+            </a:r>
+            <a:r>
+              <a:rPr lang="th-TH" dirty="0">
+                <a:latin typeface="TH SarabunPSK" panose="020B0500040200020003" pitchFamily="34" charset="-34"/>
+                <a:cs typeface="TH SarabunPSK" panose="020B0500040200020003" pitchFamily="34" charset="-34"/>
+              </a:rPr>
+              <a:t>บริการปฏิทินแบบออนไลน์ของ </a:t>
+            </a:r>
+            <a:r>
+              <a:rPr lang="en-US" dirty="0">
+                <a:latin typeface="TH SarabunPSK" panose="020B0500040200020003" pitchFamily="34" charset="-34"/>
+                <a:cs typeface="TH SarabunPSK" panose="020B0500040200020003" pitchFamily="34" charset="-34"/>
+              </a:rPr>
+              <a:t>Google </a:t>
+            </a:r>
+            <a:r>
+              <a:rPr lang="th-TH" dirty="0">
+                <a:latin typeface="TH SarabunPSK" panose="020B0500040200020003" pitchFamily="34" charset="-34"/>
+                <a:cs typeface="TH SarabunPSK" panose="020B0500040200020003" pitchFamily="34" charset="-34"/>
+              </a:rPr>
+              <a:t>ซึ่งทำให้สามารถเก็บข้อมูลเหตุการณ์ต่างๆ รวมไว้ในที่เดียวกันได้ ไม่ว่าจะเป็นการสร้างกำหนดการนัดหมายและกำหนดเวลาเหตุการณ์ต่างๆ สามารถส่งข้อความเชิญ สามารถใช้ปฏิทินร่วมกับเพื่อนร่วมงาน และ ค้นหาเหตุการณ์ต่างๆ </a:t>
+            </a:r>
+            <a:r>
+              <a:rPr lang="th-TH" dirty="0" smtClean="0">
+                <a:latin typeface="TH SarabunPSK" panose="020B0500040200020003" pitchFamily="34" charset="-34"/>
+                <a:cs typeface="TH SarabunPSK" panose="020B0500040200020003" pitchFamily="34" charset="-34"/>
+              </a:rPr>
+              <a:t>ได้</a:t>
+            </a:r>
+          </a:p>
+          <a:p>
+            <a:r>
+              <a:rPr lang="th-TH" dirty="0"/>
+              <a:t>การเข้าใช้งานให้เข้าไปที่ </a:t>
+            </a:r>
+            <a:r>
+              <a:rPr lang="en-US" u="sng" dirty="0">
+                <a:hlinkClick r:id="rId2"/>
+              </a:rPr>
+              <a:t>https://www.google.com/calendar</a:t>
+            </a:r>
+            <a:r>
+              <a:rPr lang="en-US" u="sng" dirty="0" smtClean="0">
+                <a:hlinkClick r:id="rId2"/>
+              </a:rPr>
+              <a:t>/</a:t>
+            </a:r>
+            <a:endParaRPr lang="en-US" dirty="0">
+              <a:latin typeface="TH SarabunPSK" panose="020B0500040200020003" pitchFamily="34" charset="-34"/>
+              <a:cs typeface="TH SarabunPSK" panose="020B0500040200020003" pitchFamily="34" charset="-34"/>
+            </a:endParaRPr>
+          </a:p>
+        </p:txBody>
+      </p:sp>
     </p:spTree>
     <p:extLst>
       <p:ext uri="{BB962C8B-B14F-4D97-AF65-F5344CB8AC3E}">
-        <p14:creationId xmlns:p14="http://schemas.microsoft.com/office/powerpoint/2010/main" val="4046250204"/>
+        <p14:creationId xmlns:p14="http://schemas.microsoft.com/office/powerpoint/2010/main" val="3857340605"/>
       </p:ext>
     </p:extLst>
   </p:cSld>
@@ -3372,13 +4060,51 @@
           <a:chExt cx="0" cy="0"/>
         </a:xfrm>
       </p:grpSpPr>
+      <p:sp>
+        <p:nvSpPr>
+          <p:cNvPr id="2" name="Title 1"/>
+          <p:cNvSpPr>
+            <a:spLocks noGrp="1"/>
+          </p:cNvSpPr>
+          <p:nvPr>
+            <p:ph type="title"/>
+          </p:nvPr>
+        </p:nvSpPr>
+        <p:spPr/>
+        <p:txBody>
+          <a:bodyPr/>
+          <a:lstStyle/>
+          <a:p>
+            <a:r>
+              <a:rPr lang="th-TH" dirty="0">
+                <a:latin typeface="TH SarabunPSK" panose="020B0500040200020003" pitchFamily="34" charset="-34"/>
+                <a:cs typeface="TH SarabunPSK" panose="020B0500040200020003" pitchFamily="34" charset="-34"/>
+              </a:rPr>
+              <a:t>อธิบายหน้าจอการทำงานของ </a:t>
+            </a:r>
+            <a:r>
+              <a:rPr lang="en-US" dirty="0">
+                <a:latin typeface="TH SarabunPSK" panose="020B0500040200020003" pitchFamily="34" charset="-34"/>
+                <a:cs typeface="TH SarabunPSK" panose="020B0500040200020003" pitchFamily="34" charset="-34"/>
+              </a:rPr>
+              <a:t>Google Calendar</a:t>
+            </a:r>
+            <a:endParaRPr lang="en-US" dirty="0">
+              <a:latin typeface="TH SarabunPSK" panose="020B0500040200020003" pitchFamily="34" charset="-34"/>
+              <a:cs typeface="TH SarabunPSK" panose="020B0500040200020003" pitchFamily="34" charset="-34"/>
+            </a:endParaRPr>
+          </a:p>
+        </p:txBody>
+      </p:sp>
       <p:pic>
         <p:nvPicPr>
-          <p:cNvPr id="4" name="Picture 3"/>
+          <p:cNvPr id="4" name="Content Placeholder 3"/>
           <p:cNvPicPr>
-            <a:picLocks noChangeAspect="1"/>
+            <a:picLocks noGrp="1" noChangeAspect="1"/>
           </p:cNvPicPr>
-          <p:nvPr/>
+          <p:nvPr>
+            <p:ph idx="1"/>
+          </p:nvPr>
         </p:nvPicPr>
         <p:blipFill>
           <a:blip r:embed="rId2">
@@ -3394,8 +4120,8 @@
         </p:blipFill>
         <p:spPr>
           <a:xfrm>
-            <a:off x="5296000" y="1729000"/>
-            <a:ext cx="1600000" cy="3400000"/>
+            <a:off x="2593486" y="1825625"/>
+            <a:ext cx="7005028" cy="4351338"/>
           </a:xfrm>
           <a:prstGeom prst="rect">
             <a:avLst/>
@@ -3415,20 +4141,13 @@
     </p:spTree>
     <p:extLst>
       <p:ext uri="{BB962C8B-B14F-4D97-AF65-F5344CB8AC3E}">
-        <p14:creationId xmlns:p14="http://schemas.microsoft.com/office/powerpoint/2010/main" val="1318823380"/>
+        <p14:creationId xmlns:p14="http://schemas.microsoft.com/office/powerpoint/2010/main" val="1282511583"/>
       </p:ext>
     </p:extLst>
   </p:cSld>
   <p:clrMapOvr>
     <a:masterClrMapping/>
   </p:clrMapOvr>
-  <p:timing>
-    <p:tnLst>
-      <p:par>
-        <p:cTn id="1" dur="indefinite" restart="never" nodeType="tmRoot"/>
-      </p:par>
-    </p:tnLst>
-  </p:timing>
 </p:sld>
 </file>
 
@@ -3449,63 +4168,71 @@
           <a:chExt cx="0" cy="0"/>
         </a:xfrm>
       </p:grpSpPr>
-      <p:pic>
-        <p:nvPicPr>
-          <p:cNvPr id="2" name="Picture 1"/>
-          <p:cNvPicPr>
-            <a:picLocks noChangeAspect="1"/>
-          </p:cNvPicPr>
-          <p:nvPr/>
-        </p:nvPicPr>
-        <p:blipFill>
-          <a:blip r:embed="rId2">
-            <a:extLst>
-              <a:ext uri="{28A0092B-C50C-407E-A947-70E740481C1C}">
-                <a14:useLocalDpi xmlns:a14="http://schemas.microsoft.com/office/drawing/2010/main" val="0"/>
-              </a:ext>
-            </a:extLst>
-          </a:blip>
-          <a:stretch>
-            <a:fillRect/>
-          </a:stretch>
-        </p:blipFill>
-        <p:spPr>
-          <a:xfrm>
-            <a:off x="1271587" y="309562"/>
-            <a:ext cx="9648825" cy="6238875"/>
-          </a:xfrm>
-          <a:prstGeom prst="rect">
-            <a:avLst/>
-          </a:prstGeom>
-          <a:ln>
-            <a:noFill/>
-          </a:ln>
-          <a:effectLst>
-            <a:outerShdw blurRad="292100" dist="139700" dir="2700000" algn="tl" rotWithShape="0">
-              <a:srgbClr val="333333">
-                <a:alpha val="65000"/>
-              </a:srgbClr>
-            </a:outerShdw>
-          </a:effectLst>
-        </p:spPr>
-      </p:pic>
+      <p:sp>
+        <p:nvSpPr>
+          <p:cNvPr id="2" name="Title 1"/>
+          <p:cNvSpPr>
+            <a:spLocks noGrp="1"/>
+          </p:cNvSpPr>
+          <p:nvPr>
+            <p:ph type="title"/>
+          </p:nvPr>
+        </p:nvSpPr>
+        <p:spPr/>
+        <p:txBody>
+          <a:bodyPr/>
+          <a:lstStyle/>
+          <a:p>
+            <a:r>
+              <a:rPr lang="th-TH" dirty="0">
+                <a:latin typeface="TH SarabunPSK" panose="020B0500040200020003" pitchFamily="34" charset="-34"/>
+                <a:cs typeface="TH SarabunPSK" panose="020B0500040200020003" pitchFamily="34" charset="-34"/>
+              </a:rPr>
+              <a:t>สร้างหรือแก้ไข</a:t>
+            </a:r>
+            <a:r>
+              <a:rPr lang="th-TH" dirty="0" smtClean="0">
+                <a:latin typeface="TH SarabunPSK" panose="020B0500040200020003" pitchFamily="34" charset="-34"/>
+                <a:cs typeface="TH SarabunPSK" panose="020B0500040200020003" pitchFamily="34" charset="-34"/>
+              </a:rPr>
+              <a:t>กิจกรรม</a:t>
+            </a:r>
+            <a:endParaRPr lang="en-US" dirty="0">
+              <a:latin typeface="TH SarabunPSK" panose="020B0500040200020003" pitchFamily="34" charset="-34"/>
+              <a:cs typeface="TH SarabunPSK" panose="020B0500040200020003" pitchFamily="34" charset="-34"/>
+            </a:endParaRPr>
+          </a:p>
+        </p:txBody>
+      </p:sp>
+      <p:sp>
+        <p:nvSpPr>
+          <p:cNvPr id="3" name="Content Placeholder 2"/>
+          <p:cNvSpPr>
+            <a:spLocks noGrp="1"/>
+          </p:cNvSpPr>
+          <p:nvPr>
+            <p:ph idx="1"/>
+          </p:nvPr>
+        </p:nvSpPr>
+        <p:spPr/>
+        <p:txBody>
+          <a:bodyPr/>
+          <a:lstStyle/>
+          <a:p>
+            <a:endParaRPr lang="en-US"/>
+          </a:p>
+        </p:txBody>
+      </p:sp>
     </p:spTree>
     <p:extLst>
       <p:ext uri="{BB962C8B-B14F-4D97-AF65-F5344CB8AC3E}">
-        <p14:creationId xmlns:p14="http://schemas.microsoft.com/office/powerpoint/2010/main" val="2657730743"/>
+        <p14:creationId xmlns:p14="http://schemas.microsoft.com/office/powerpoint/2010/main" val="4167141818"/>
       </p:ext>
     </p:extLst>
   </p:cSld>
   <p:clrMapOvr>
     <a:masterClrMapping/>
   </p:clrMapOvr>
-  <p:timing>
-    <p:tnLst>
-      <p:par>
-        <p:cTn id="1" dur="indefinite" restart="never" nodeType="tmRoot"/>
-      </p:par>
-    </p:tnLst>
-  </p:timing>
 </p:sld>
 </file>
 
@@ -3526,13 +4253,44 @@
           <a:chExt cx="0" cy="0"/>
         </a:xfrm>
       </p:grpSpPr>
+      <p:sp>
+        <p:nvSpPr>
+          <p:cNvPr id="2" name="Title 1"/>
+          <p:cNvSpPr>
+            <a:spLocks noGrp="1"/>
+          </p:cNvSpPr>
+          <p:nvPr>
+            <p:ph type="title"/>
+          </p:nvPr>
+        </p:nvSpPr>
+        <p:spPr/>
+        <p:txBody>
+          <a:bodyPr/>
+          <a:lstStyle/>
+          <a:p>
+            <a:r>
+              <a:rPr lang="th-TH" dirty="0">
+                <a:latin typeface="TH SarabunPSK" panose="020B0500040200020003" pitchFamily="34" charset="-34"/>
+                <a:cs typeface="TH SarabunPSK" panose="020B0500040200020003" pitchFamily="34" charset="-34"/>
+              </a:rPr>
+              <a:t>สร้างกิจกรรม</a:t>
+            </a:r>
+            <a:endParaRPr lang="en-US" dirty="0">
+              <a:latin typeface="TH SarabunPSK" panose="020B0500040200020003" pitchFamily="34" charset="-34"/>
+              <a:cs typeface="TH SarabunPSK" panose="020B0500040200020003" pitchFamily="34" charset="-34"/>
+            </a:endParaRPr>
+          </a:p>
+        </p:txBody>
+      </p:sp>
       <p:pic>
         <p:nvPicPr>
-          <p:cNvPr id="2" name="Picture 1"/>
+          <p:cNvPr id="4" name="Content Placeholder 3"/>
           <p:cNvPicPr>
-            <a:picLocks noChangeAspect="1"/>
+            <a:picLocks noGrp="1" noChangeAspect="1"/>
           </p:cNvPicPr>
-          <p:nvPr/>
+          <p:nvPr>
+            <p:ph idx="1"/>
+          </p:nvPr>
         </p:nvPicPr>
         <p:blipFill>
           <a:blip r:embed="rId2">
@@ -3548,7 +4306,108 @@
         </p:blipFill>
         <p:spPr>
           <a:xfrm>
-            <a:off x="4657905" y="1429000"/>
+            <a:off x="2593486" y="1825625"/>
+            <a:ext cx="7005028" cy="4351338"/>
+          </a:xfrm>
+          <a:prstGeom prst="rect">
+            <a:avLst/>
+          </a:prstGeom>
+          <a:ln>
+            <a:noFill/>
+          </a:ln>
+          <a:effectLst>
+            <a:outerShdw blurRad="292100" dist="139700" dir="2700000" algn="tl" rotWithShape="0">
+              <a:srgbClr val="333333">
+                <a:alpha val="65000"/>
+              </a:srgbClr>
+            </a:outerShdw>
+          </a:effectLst>
+        </p:spPr>
+      </p:pic>
+    </p:spTree>
+    <p:extLst>
+      <p:ext uri="{BB962C8B-B14F-4D97-AF65-F5344CB8AC3E}">
+        <p14:creationId xmlns:p14="http://schemas.microsoft.com/office/powerpoint/2010/main" val="2081943511"/>
+      </p:ext>
+    </p:extLst>
+  </p:cSld>
+  <p:clrMapOvr>
+    <a:masterClrMapping/>
+  </p:clrMapOvr>
+</p:sld>
+</file>
+
+<file path=ppt/slides/slide7.xml><?xml version="1.0" encoding="utf-8"?>
+<p:sld xmlns:a="http://schemas.openxmlformats.org/drawingml/2006/main" xmlns:r="http://schemas.openxmlformats.org/officeDocument/2006/relationships" xmlns:p="http://schemas.openxmlformats.org/presentationml/2006/main">
+  <p:cSld>
+    <p:spTree>
+      <p:nvGrpSpPr>
+        <p:cNvPr id="1" name=""/>
+        <p:cNvGrpSpPr/>
+        <p:nvPr/>
+      </p:nvGrpSpPr>
+      <p:grpSpPr>
+        <a:xfrm>
+          <a:off x="0" y="0"/>
+          <a:ext cx="0" cy="0"/>
+          <a:chOff x="0" y="0"/>
+          <a:chExt cx="0" cy="0"/>
+        </a:xfrm>
+      </p:grpSpPr>
+      <p:sp>
+        <p:nvSpPr>
+          <p:cNvPr id="2" name="Title 1"/>
+          <p:cNvSpPr>
+            <a:spLocks noGrp="1"/>
+          </p:cNvSpPr>
+          <p:nvPr>
+            <p:ph type="title"/>
+          </p:nvPr>
+        </p:nvSpPr>
+        <p:spPr/>
+        <p:txBody>
+          <a:bodyPr/>
+          <a:lstStyle/>
+          <a:p>
+            <a:r>
+              <a:rPr lang="th-TH" dirty="0">
+                <a:latin typeface="TH SarabunPSK" panose="020B0500040200020003" pitchFamily="34" charset="-34"/>
+                <a:cs typeface="TH SarabunPSK" panose="020B0500040200020003" pitchFamily="34" charset="-34"/>
+              </a:rPr>
+              <a:t>เพิ่มผู้เข้าร่วมกิจกรรม</a:t>
+            </a:r>
+            <a:endParaRPr lang="en-US" dirty="0">
+              <a:latin typeface="TH SarabunPSK" panose="020B0500040200020003" pitchFamily="34" charset="-34"/>
+              <a:cs typeface="TH SarabunPSK" panose="020B0500040200020003" pitchFamily="34" charset="-34"/>
+            </a:endParaRPr>
+          </a:p>
+        </p:txBody>
+      </p:sp>
+      <p:pic>
+        <p:nvPicPr>
+          <p:cNvPr id="4" name="Content Placeholder 3"/>
+          <p:cNvPicPr>
+            <a:picLocks noGrp="1" noChangeAspect="1"/>
+          </p:cNvPicPr>
+          <p:nvPr>
+            <p:ph idx="1"/>
+          </p:nvPr>
+        </p:nvPicPr>
+        <p:blipFill>
+          <a:blip r:embed="rId2">
+            <a:extLst>
+              <a:ext uri="{28A0092B-C50C-407E-A947-70E740481C1C}">
+                <a14:useLocalDpi xmlns:a14="http://schemas.microsoft.com/office/drawing/2010/main" val="0"/>
+              </a:ext>
+            </a:extLst>
+          </a:blip>
+          <a:stretch>
+            <a:fillRect/>
+          </a:stretch>
+        </p:blipFill>
+        <p:spPr>
+          <a:xfrm>
+            <a:off x="4657905" y="2001294"/>
             <a:ext cx="2876190" cy="4000000"/>
           </a:xfrm>
           <a:prstGeom prst="rect">
@@ -3569,24 +4428,17 @@
     </p:spTree>
     <p:extLst>
       <p:ext uri="{BB962C8B-B14F-4D97-AF65-F5344CB8AC3E}">
-        <p14:creationId xmlns:p14="http://schemas.microsoft.com/office/powerpoint/2010/main" val="3536809098"/>
+        <p14:creationId xmlns:p14="http://schemas.microsoft.com/office/powerpoint/2010/main" val="239656287"/>
       </p:ext>
     </p:extLst>
   </p:cSld>
   <p:clrMapOvr>
     <a:masterClrMapping/>
   </p:clrMapOvr>
-  <p:timing>
-    <p:tnLst>
-      <p:par>
-        <p:cTn id="1" dur="indefinite" restart="never" nodeType="tmRoot"/>
-      </p:par>
-    </p:tnLst>
-  </p:timing>
 </p:sld>
 </file>
 
-<file path=ppt/slides/slide7.xml><?xml version="1.0" encoding="utf-8"?>
+<file path=ppt/slides/slide8.xml><?xml version="1.0" encoding="utf-8"?>
 <p:sld xmlns:a="http://schemas.openxmlformats.org/drawingml/2006/main" xmlns:r="http://schemas.openxmlformats.org/officeDocument/2006/relationships" xmlns:p="http://schemas.openxmlformats.org/presentationml/2006/main">
   <p:cSld>
     <p:spTree>
@@ -3603,13 +4455,44 @@
           <a:chExt cx="0" cy="0"/>
         </a:xfrm>
       </p:grpSpPr>
+      <p:sp>
+        <p:nvSpPr>
+          <p:cNvPr id="2" name="Title 1"/>
+          <p:cNvSpPr>
+            <a:spLocks noGrp="1"/>
+          </p:cNvSpPr>
+          <p:nvPr>
+            <p:ph type="title"/>
+          </p:nvPr>
+        </p:nvSpPr>
+        <p:spPr/>
+        <p:txBody>
+          <a:bodyPr/>
+          <a:lstStyle/>
+          <a:p>
+            <a:r>
+              <a:rPr lang="th-TH" dirty="0">
+                <a:latin typeface="TH SarabunPSK" panose="020B0500040200020003" pitchFamily="34" charset="-34"/>
+                <a:cs typeface="TH SarabunPSK" panose="020B0500040200020003" pitchFamily="34" charset="-34"/>
+              </a:rPr>
+              <a:t>การแจ้งเตือนและการแจ้งให้ทราบ</a:t>
+            </a:r>
+            <a:endParaRPr lang="en-US" dirty="0">
+              <a:latin typeface="TH SarabunPSK" panose="020B0500040200020003" pitchFamily="34" charset="-34"/>
+              <a:cs typeface="TH SarabunPSK" panose="020B0500040200020003" pitchFamily="34" charset="-34"/>
+            </a:endParaRPr>
+          </a:p>
+        </p:txBody>
+      </p:sp>
       <p:pic>
         <p:nvPicPr>
-          <p:cNvPr id="2" name="Picture 1"/>
+          <p:cNvPr id="4" name="Content Placeholder 3"/>
           <p:cNvPicPr>
-            <a:picLocks noChangeAspect="1"/>
+            <a:picLocks noGrp="1" noChangeAspect="1"/>
           </p:cNvPicPr>
-          <p:nvPr/>
+          <p:nvPr>
+            <p:ph idx="1"/>
+          </p:nvPr>
         </p:nvPicPr>
         <p:blipFill>
           <a:blip r:embed="rId2">
@@ -3625,7 +4508,7 @@
         </p:blipFill>
         <p:spPr>
           <a:xfrm>
-            <a:off x="4591238" y="3038524"/>
+            <a:off x="4591238" y="3610818"/>
             <a:ext cx="3009524" cy="780952"/>
           </a:xfrm>
           <a:prstGeom prst="rect">
@@ -3646,97 +4529,13 @@
     </p:spTree>
     <p:extLst>
       <p:ext uri="{BB962C8B-B14F-4D97-AF65-F5344CB8AC3E}">
-        <p14:creationId xmlns:p14="http://schemas.microsoft.com/office/powerpoint/2010/main" val="476990257"/>
+        <p14:creationId xmlns:p14="http://schemas.microsoft.com/office/powerpoint/2010/main" val="4078668987"/>
       </p:ext>
     </p:extLst>
   </p:cSld>
   <p:clrMapOvr>
     <a:masterClrMapping/>
   </p:clrMapOvr>
-  <p:timing>
-    <p:tnLst>
-      <p:par>
-        <p:cTn id="1" dur="indefinite" restart="never" nodeType="tmRoot"/>
-      </p:par>
-    </p:tnLst>
-  </p:timing>
-</p:sld>
-</file>
-
-<file path=ppt/slides/slide8.xml><?xml version="1.0" encoding="utf-8"?>
-<p:sld xmlns:a="http://schemas.openxmlformats.org/drawingml/2006/main" xmlns:r="http://schemas.openxmlformats.org/officeDocument/2006/relationships" xmlns:p="http://schemas.openxmlformats.org/presentationml/2006/main">
-  <p:cSld>
-    <p:spTree>
-      <p:nvGrpSpPr>
-        <p:cNvPr id="1" name=""/>
-        <p:cNvGrpSpPr/>
-        <p:nvPr/>
-      </p:nvGrpSpPr>
-      <p:grpSpPr>
-        <a:xfrm>
-          <a:off x="0" y="0"/>
-          <a:ext cx="0" cy="0"/>
-          <a:chOff x="0" y="0"/>
-          <a:chExt cx="0" cy="0"/>
-        </a:xfrm>
-      </p:grpSpPr>
-      <p:pic>
-        <p:nvPicPr>
-          <p:cNvPr id="2" name="Picture 1"/>
-          <p:cNvPicPr>
-            <a:picLocks noChangeAspect="1"/>
-          </p:cNvPicPr>
-          <p:nvPr/>
-        </p:nvPicPr>
-        <p:blipFill>
-          <a:blip r:embed="rId2">
-            <a:extLst>
-              <a:ext uri="{28A0092B-C50C-407E-A947-70E740481C1C}">
-                <a14:useLocalDpi xmlns:a14="http://schemas.microsoft.com/office/drawing/2010/main" val="0"/>
-              </a:ext>
-            </a:extLst>
-          </a:blip>
-          <a:stretch>
-            <a:fillRect/>
-          </a:stretch>
-        </p:blipFill>
-        <p:spPr>
-          <a:xfrm>
-            <a:off x="1271587" y="309562"/>
-            <a:ext cx="9648825" cy="6238875"/>
-          </a:xfrm>
-          <a:prstGeom prst="rect">
-            <a:avLst/>
-          </a:prstGeom>
-          <a:ln>
-            <a:noFill/>
-          </a:ln>
-          <a:effectLst>
-            <a:outerShdw blurRad="292100" dist="139700" dir="2700000" algn="tl" rotWithShape="0">
-              <a:srgbClr val="333333">
-                <a:alpha val="65000"/>
-              </a:srgbClr>
-            </a:outerShdw>
-          </a:effectLst>
-        </p:spPr>
-      </p:pic>
-    </p:spTree>
-    <p:extLst>
-      <p:ext uri="{BB962C8B-B14F-4D97-AF65-F5344CB8AC3E}">
-        <p14:creationId xmlns:p14="http://schemas.microsoft.com/office/powerpoint/2010/main" val="3029431235"/>
-      </p:ext>
-    </p:extLst>
-  </p:cSld>
-  <p:clrMapOvr>
-    <a:masterClrMapping/>
-  </p:clrMapOvr>
-  <p:timing>
-    <p:tnLst>
-      <p:par>
-        <p:cTn id="1" dur="indefinite" restart="never" nodeType="tmRoot"/>
-      </p:par>
-    </p:tnLst>
-  </p:timing>
 </p:sld>
 </file>
 
@@ -3757,13 +4556,44 @@
           <a:chExt cx="0" cy="0"/>
         </a:xfrm>
       </p:grpSpPr>
+      <p:sp>
+        <p:nvSpPr>
+          <p:cNvPr id="2" name="Title 1"/>
+          <p:cNvSpPr>
+            <a:spLocks noGrp="1"/>
+          </p:cNvSpPr>
+          <p:nvPr>
+            <p:ph type="title"/>
+          </p:nvPr>
+        </p:nvSpPr>
+        <p:spPr/>
+        <p:txBody>
+          <a:bodyPr/>
+          <a:lstStyle/>
+          <a:p>
+            <a:r>
+              <a:rPr lang="th-TH" dirty="0">
+                <a:latin typeface="TH SarabunPSK" panose="020B0500040200020003" pitchFamily="34" charset="-34"/>
+                <a:cs typeface="TH SarabunPSK" panose="020B0500040200020003" pitchFamily="34" charset="-34"/>
+              </a:rPr>
+              <a:t>สร้างหรือแก้ไขปฏิทิน</a:t>
+            </a:r>
+            <a:endParaRPr lang="en-US" dirty="0">
+              <a:latin typeface="TH SarabunPSK" panose="020B0500040200020003" pitchFamily="34" charset="-34"/>
+              <a:cs typeface="TH SarabunPSK" panose="020B0500040200020003" pitchFamily="34" charset="-34"/>
+            </a:endParaRPr>
+          </a:p>
+        </p:txBody>
+      </p:sp>
       <p:pic>
         <p:nvPicPr>
-          <p:cNvPr id="2" name="Picture 1"/>
+          <p:cNvPr id="4" name="Content Placeholder 3"/>
           <p:cNvPicPr>
-            <a:picLocks noChangeAspect="1"/>
+            <a:picLocks noGrp="1" noChangeAspect="1"/>
           </p:cNvPicPr>
-          <p:nvPr/>
+          <p:nvPr>
+            <p:ph idx="1"/>
+          </p:nvPr>
         </p:nvPicPr>
         <p:blipFill>
           <a:blip r:embed="rId2">
@@ -3779,8 +4609,8 @@
         </p:blipFill>
         <p:spPr>
           <a:xfrm>
-            <a:off x="1343619" y="2624238"/>
-            <a:ext cx="9504762" cy="1609524"/>
+            <a:off x="2593486" y="1825625"/>
+            <a:ext cx="7005028" cy="4351338"/>
           </a:xfrm>
           <a:prstGeom prst="rect">
             <a:avLst/>
@@ -3800,20 +4630,13 @@
     </p:spTree>
     <p:extLst>
       <p:ext uri="{BB962C8B-B14F-4D97-AF65-F5344CB8AC3E}">
-        <p14:creationId xmlns:p14="http://schemas.microsoft.com/office/powerpoint/2010/main" val="1572860978"/>
+        <p14:creationId xmlns:p14="http://schemas.microsoft.com/office/powerpoint/2010/main" val="3382266659"/>
       </p:ext>
     </p:extLst>
   </p:cSld>
   <p:clrMapOvr>
     <a:masterClrMapping/>
   </p:clrMapOvr>
-  <p:timing>
-    <p:tnLst>
-      <p:par>
-        <p:cTn id="1" dur="indefinite" restart="never" nodeType="tmRoot"/>
-      </p:par>
-    </p:tnLst>
-  </p:timing>
 </p:sld>
 </file>
 

--- a/Google Calendar.pptx
+++ b/Google Calendar.pptx
@@ -259,7 +259,7 @@
           <a:p>
             <a:fld id="{EEB31411-81DA-416F-953C-825CF1EE9A76}" type="datetimeFigureOut">
               <a:rPr lang="en-US" smtClean="0"/>
-              <a:t>4/1/2014</a:t>
+              <a:t>4/2/2014</a:t>
             </a:fld>
             <a:endParaRPr lang="en-US"/>
           </a:p>
@@ -429,7 +429,7 @@
           <a:p>
             <a:fld id="{EEB31411-81DA-416F-953C-825CF1EE9A76}" type="datetimeFigureOut">
               <a:rPr lang="en-US" smtClean="0"/>
-              <a:t>4/1/2014</a:t>
+              <a:t>4/2/2014</a:t>
             </a:fld>
             <a:endParaRPr lang="en-US"/>
           </a:p>
@@ -609,7 +609,7 @@
           <a:p>
             <a:fld id="{EEB31411-81DA-416F-953C-825CF1EE9A76}" type="datetimeFigureOut">
               <a:rPr lang="en-US" smtClean="0"/>
-              <a:t>4/1/2014</a:t>
+              <a:t>4/2/2014</a:t>
             </a:fld>
             <a:endParaRPr lang="en-US"/>
           </a:p>
@@ -779,7 +779,7 @@
           <a:p>
             <a:fld id="{EEB31411-81DA-416F-953C-825CF1EE9A76}" type="datetimeFigureOut">
               <a:rPr lang="en-US" smtClean="0"/>
-              <a:t>4/1/2014</a:t>
+              <a:t>4/2/2014</a:t>
             </a:fld>
             <a:endParaRPr lang="en-US"/>
           </a:p>
@@ -1025,7 +1025,7 @@
           <a:p>
             <a:fld id="{EEB31411-81DA-416F-953C-825CF1EE9A76}" type="datetimeFigureOut">
               <a:rPr lang="en-US" smtClean="0"/>
-              <a:t>4/1/2014</a:t>
+              <a:t>4/2/2014</a:t>
             </a:fld>
             <a:endParaRPr lang="en-US"/>
           </a:p>
@@ -1257,7 +1257,7 @@
           <a:p>
             <a:fld id="{EEB31411-81DA-416F-953C-825CF1EE9A76}" type="datetimeFigureOut">
               <a:rPr lang="en-US" smtClean="0"/>
-              <a:t>4/1/2014</a:t>
+              <a:t>4/2/2014</a:t>
             </a:fld>
             <a:endParaRPr lang="en-US"/>
           </a:p>
@@ -1624,7 +1624,7 @@
           <a:p>
             <a:fld id="{EEB31411-81DA-416F-953C-825CF1EE9A76}" type="datetimeFigureOut">
               <a:rPr lang="en-US" smtClean="0"/>
-              <a:t>4/1/2014</a:t>
+              <a:t>4/2/2014</a:t>
             </a:fld>
             <a:endParaRPr lang="en-US"/>
           </a:p>
@@ -1742,7 +1742,7 @@
           <a:p>
             <a:fld id="{EEB31411-81DA-416F-953C-825CF1EE9A76}" type="datetimeFigureOut">
               <a:rPr lang="en-US" smtClean="0"/>
-              <a:t>4/1/2014</a:t>
+              <a:t>4/2/2014</a:t>
             </a:fld>
             <a:endParaRPr lang="en-US"/>
           </a:p>
@@ -1837,7 +1837,7 @@
           <a:p>
             <a:fld id="{EEB31411-81DA-416F-953C-825CF1EE9A76}" type="datetimeFigureOut">
               <a:rPr lang="en-US" smtClean="0"/>
-              <a:t>4/1/2014</a:t>
+              <a:t>4/2/2014</a:t>
             </a:fld>
             <a:endParaRPr lang="en-US"/>
           </a:p>
@@ -2114,7 +2114,7 @@
           <a:p>
             <a:fld id="{EEB31411-81DA-416F-953C-825CF1EE9A76}" type="datetimeFigureOut">
               <a:rPr lang="en-US" smtClean="0"/>
-              <a:t>4/1/2014</a:t>
+              <a:t>4/2/2014</a:t>
             </a:fld>
             <a:endParaRPr lang="en-US"/>
           </a:p>
@@ -2367,7 +2367,7 @@
           <a:p>
             <a:fld id="{EEB31411-81DA-416F-953C-825CF1EE9A76}" type="datetimeFigureOut">
               <a:rPr lang="en-US" smtClean="0"/>
-              <a:t>4/1/2014</a:t>
+              <a:t>4/2/2014</a:t>
             </a:fld>
             <a:endParaRPr lang="en-US"/>
           </a:p>
@@ -2580,7 +2580,7 @@
           <a:p>
             <a:fld id="{EEB31411-81DA-416F-953C-825CF1EE9A76}" type="datetimeFigureOut">
               <a:rPr lang="en-US" smtClean="0"/>
-              <a:t>4/1/2014</a:t>
+              <a:t>4/2/2014</a:t>
             </a:fld>
             <a:endParaRPr lang="en-US"/>
           </a:p>
@@ -2987,7 +2987,7 @@
       </p:grpSpPr>
       <p:sp>
         <p:nvSpPr>
-          <p:cNvPr id="2" name="Title 1"/>
+          <p:cNvPr id="10" name="Title 9"/>
           <p:cNvSpPr>
             <a:spLocks noGrp="1"/>
           </p:cNvSpPr>
@@ -3003,43 +3003,41 @@
           <a:lstStyle/>
           <a:p>
             <a:r>
-              <a:rPr lang="th-TH" sz="7200" dirty="0">
+              <a:rPr lang="th-TH" sz="7200" dirty="0" smtClean="0">
                 <a:latin typeface="TH SarabunPSK" panose="020B0500040200020003" pitchFamily="34" charset="-34"/>
                 <a:cs typeface="TH SarabunPSK" panose="020B0500040200020003" pitchFamily="34" charset="-34"/>
               </a:rPr>
               <a:t>อบรม</a:t>
             </a:r>
+            <a:endParaRPr lang="en-US" sz="7200" dirty="0"/>
+          </a:p>
+        </p:txBody>
+      </p:sp>
+      <p:sp>
+        <p:nvSpPr>
+          <p:cNvPr id="11" name="Subtitle 10"/>
+          <p:cNvSpPr>
+            <a:spLocks noGrp="1"/>
+          </p:cNvSpPr>
+          <p:nvPr>
+            <p:ph type="subTitle" idx="1"/>
+          </p:nvPr>
+        </p:nvSpPr>
+        <p:spPr/>
+        <p:txBody>
+          <a:bodyPr>
+            <a:normAutofit/>
+          </a:bodyPr>
+          <a:lstStyle/>
+          <a:p>
             <a:r>
               <a:rPr lang="en-US" sz="7200" dirty="0">
                 <a:latin typeface="TH SarabunPSK" panose="020B0500040200020003" pitchFamily="34" charset="-34"/>
                 <a:cs typeface="TH SarabunPSK" panose="020B0500040200020003" pitchFamily="34" charset="-34"/>
               </a:rPr>
-              <a:t/>
-            </a:r>
-            <a:br>
-              <a:rPr lang="en-US" sz="7200" dirty="0">
-                <a:latin typeface="TH SarabunPSK" panose="020B0500040200020003" pitchFamily="34" charset="-34"/>
-                <a:cs typeface="TH SarabunPSK" panose="020B0500040200020003" pitchFamily="34" charset="-34"/>
-              </a:rPr>
-            </a:br>
-            <a:r>
-              <a:rPr lang="en-US" sz="7200" dirty="0">
-                <a:latin typeface="TH SarabunPSK" panose="020B0500040200020003" pitchFamily="34" charset="-34"/>
-                <a:cs typeface="TH SarabunPSK" panose="020B0500040200020003" pitchFamily="34" charset="-34"/>
-              </a:rPr>
-              <a:t>Google </a:t>
-            </a:r>
-            <a:r>
-              <a:rPr lang="en-US" sz="7200" dirty="0" smtClean="0">
-                <a:latin typeface="TH SarabunPSK" panose="020B0500040200020003" pitchFamily="34" charset="-34"/>
-                <a:cs typeface="TH SarabunPSK" panose="020B0500040200020003" pitchFamily="34" charset="-34"/>
-              </a:rPr>
-              <a:t>Calendar</a:t>
-            </a:r>
-            <a:endParaRPr lang="en-US" dirty="0">
-              <a:latin typeface="TH SarabunPSK" panose="020B0500040200020003" pitchFamily="34" charset="-34"/>
-              <a:cs typeface="TH SarabunPSK" panose="020B0500040200020003" pitchFamily="34" charset="-34"/>
-            </a:endParaRPr>
+              <a:t>Google Calendar</a:t>
+            </a:r>
+            <a:endParaRPr lang="en-US" sz="7200" dirty="0"/>
           </a:p>
         </p:txBody>
       </p:sp>
@@ -3092,25 +3090,27 @@
         </p:nvSpPr>
         <p:spPr/>
         <p:txBody>
-          <a:bodyPr/>
+          <a:bodyPr>
+            <a:normAutofit/>
+          </a:bodyPr>
           <a:lstStyle/>
           <a:p>
             <a:pPr lvl="0"/>
             <a:r>
-              <a:rPr lang="th-TH" dirty="0">
+              <a:rPr lang="th-TH" sz="6000" dirty="0">
                 <a:latin typeface="TH SarabunPSK" panose="020B0500040200020003" pitchFamily="34" charset="-34"/>
                 <a:cs typeface="TH SarabunPSK" panose="020B0500040200020003" pitchFamily="34" charset="-34"/>
               </a:rPr>
               <a:t>แบ่งปัน</a:t>
             </a:r>
             <a:r>
-              <a:rPr lang="th-TH" dirty="0" smtClean="0">
+              <a:rPr lang="th-TH" sz="6000" dirty="0" smtClean="0">
                 <a:latin typeface="TH SarabunPSK" panose="020B0500040200020003" pitchFamily="34" charset="-34"/>
                 <a:cs typeface="TH SarabunPSK" panose="020B0500040200020003" pitchFamily="34" charset="-34"/>
               </a:rPr>
               <a:t>ปฏิทิน</a:t>
             </a:r>
-            <a:endParaRPr lang="en-US" dirty="0">
+            <a:endParaRPr lang="en-US" sz="6000" dirty="0">
               <a:latin typeface="TH SarabunPSK" panose="020B0500040200020003" pitchFamily="34" charset="-34"/>
               <a:cs typeface="TH SarabunPSK" panose="020B0500040200020003" pitchFamily="34" charset="-34"/>
             </a:endParaRPr>
@@ -3169,6 +3169,13 @@
   <p:clrMapOvr>
     <a:masterClrMapping/>
   </p:clrMapOvr>
+  <p:timing>
+    <p:tnLst>
+      <p:par>
+        <p:cTn id="1" dur="indefinite" restart="never" nodeType="tmRoot"/>
+      </p:par>
+    </p:tnLst>
+  </p:timing>
 </p:sld>
 </file>
 
@@ -3196,22 +3203,24 @@
             <a:spLocks noGrp="1"/>
           </p:cNvSpPr>
           <p:nvPr>
-            <p:ph type="title"/>
-          </p:nvPr>
-        </p:nvSpPr>
-        <p:spPr/>
-        <p:txBody>
-          <a:bodyPr/>
-          <a:lstStyle/>
-          <a:p>
-            <a:r>
-              <a:rPr lang="th-TH" dirty="0">
+            <p:ph type="ctrTitle"/>
+          </p:nvPr>
+        </p:nvSpPr>
+        <p:spPr/>
+        <p:txBody>
+          <a:bodyPr>
+            <a:normAutofit/>
+          </a:bodyPr>
+          <a:lstStyle/>
+          <a:p>
+            <a:r>
+              <a:rPr lang="th-TH" sz="6600" dirty="0">
                 <a:latin typeface="TH SarabunPSK" panose="020B0500040200020003" pitchFamily="34" charset="-34"/>
                 <a:cs typeface="TH SarabunPSK" panose="020B0500040200020003" pitchFamily="34" charset="-34"/>
               </a:rPr>
               <a:t>การนำเข้า การส่งออก หรือซิงค์ ปฏิทิน</a:t>
             </a:r>
-            <a:endParaRPr lang="en-US" dirty="0">
+            <a:endParaRPr lang="en-US" sz="6600" dirty="0">
               <a:latin typeface="TH SarabunPSK" panose="020B0500040200020003" pitchFamily="34" charset="-34"/>
               <a:cs typeface="TH SarabunPSK" panose="020B0500040200020003" pitchFamily="34" charset="-34"/>
             </a:endParaRPr>
@@ -3220,12 +3229,12 @@
       </p:sp>
       <p:sp>
         <p:nvSpPr>
-          <p:cNvPr id="5" name="Content Placeholder 4"/>
-          <p:cNvSpPr>
-            <a:spLocks noGrp="1"/>
-          </p:cNvSpPr>
-          <p:nvPr>
-            <p:ph idx="1"/>
+          <p:cNvPr id="3" name="Subtitle 2"/>
+          <p:cNvSpPr>
+            <a:spLocks noGrp="1"/>
+          </p:cNvSpPr>
+          <p:nvPr>
+            <p:ph type="subTitle" idx="1"/>
           </p:nvPr>
         </p:nvSpPr>
         <p:spPr/>
@@ -3247,6 +3256,13 @@
   <p:clrMapOvr>
     <a:masterClrMapping/>
   </p:clrMapOvr>
+  <p:timing>
+    <p:tnLst>
+      <p:par>
+        <p:cTn id="1" dur="indefinite" restart="never" nodeType="tmRoot"/>
+      </p:par>
+    </p:tnLst>
+  </p:timing>
 </p:sld>
 </file>
 
@@ -3279,17 +3295,19 @@
         </p:nvSpPr>
         <p:spPr/>
         <p:txBody>
-          <a:bodyPr/>
-          <a:lstStyle/>
-          <a:p>
-            <a:r>
-              <a:rPr lang="th-TH" dirty="0">
+          <a:bodyPr>
+            <a:normAutofit/>
+          </a:bodyPr>
+          <a:lstStyle/>
+          <a:p>
+            <a:r>
+              <a:rPr lang="th-TH" sz="6000" dirty="0">
                 <a:latin typeface="TH SarabunPSK" panose="020B0500040200020003" pitchFamily="34" charset="-34"/>
                 <a:cs typeface="TH SarabunPSK" panose="020B0500040200020003" pitchFamily="34" charset="-34"/>
               </a:rPr>
               <a:t>การนำเข้าข้อมูลปฏิทินจากแหล่งข้อมูลอื่น</a:t>
             </a:r>
-            <a:endParaRPr lang="en-US" dirty="0">
+            <a:endParaRPr lang="en-US" sz="6000" dirty="0">
               <a:latin typeface="TH SarabunPSK" panose="020B0500040200020003" pitchFamily="34" charset="-34"/>
               <a:cs typeface="TH SarabunPSK" panose="020B0500040200020003" pitchFamily="34" charset="-34"/>
             </a:endParaRPr>
@@ -3348,6 +3366,13 @@
   <p:clrMapOvr>
     <a:masterClrMapping/>
   </p:clrMapOvr>
+  <p:timing>
+    <p:tnLst>
+      <p:par>
+        <p:cTn id="1" dur="indefinite" restart="never" nodeType="tmRoot"/>
+      </p:par>
+    </p:tnLst>
+  </p:timing>
 </p:sld>
 </file>
 
@@ -3380,17 +3405,19 @@
         </p:nvSpPr>
         <p:spPr/>
         <p:txBody>
-          <a:bodyPr/>
-          <a:lstStyle/>
-          <a:p>
-            <a:r>
-              <a:rPr lang="th-TH" dirty="0">
+          <a:bodyPr>
+            <a:noAutofit/>
+          </a:bodyPr>
+          <a:lstStyle/>
+          <a:p>
+            <a:r>
+              <a:rPr lang="th-TH" sz="6000" dirty="0">
                 <a:latin typeface="TH SarabunPSK" panose="020B0500040200020003" pitchFamily="34" charset="-34"/>
                 <a:cs typeface="TH SarabunPSK" panose="020B0500040200020003" pitchFamily="34" charset="-34"/>
               </a:rPr>
               <a:t>การซิงค์ข้อมูลปฏิทินกับโปรแกรมบนเครื่องคอมพิวเตอร์</a:t>
             </a:r>
-            <a:endParaRPr lang="en-US" dirty="0">
+            <a:endParaRPr lang="en-US" sz="6000" dirty="0">
               <a:latin typeface="TH SarabunPSK" panose="020B0500040200020003" pitchFamily="34" charset="-34"/>
               <a:cs typeface="TH SarabunPSK" panose="020B0500040200020003" pitchFamily="34" charset="-34"/>
             </a:endParaRPr>
@@ -3449,6 +3476,13 @@
   <p:clrMapOvr>
     <a:masterClrMapping/>
   </p:clrMapOvr>
+  <p:timing>
+    <p:tnLst>
+      <p:par>
+        <p:cTn id="1" dur="indefinite" restart="never" nodeType="tmRoot"/>
+      </p:par>
+    </p:tnLst>
+  </p:timing>
 </p:sld>
 </file>
 
@@ -3481,42 +3515,67 @@
         </p:nvSpPr>
         <p:spPr/>
         <p:txBody>
-          <a:bodyPr/>
-          <a:lstStyle/>
-          <a:p>
-            <a:r>
-              <a:rPr lang="th-TH" dirty="0">
+          <a:bodyPr>
+            <a:normAutofit/>
+          </a:bodyPr>
+          <a:lstStyle/>
+          <a:p>
+            <a:r>
+              <a:rPr lang="th-TH" sz="6000" dirty="0">
                 <a:latin typeface="TH SarabunPSK" panose="020B0500040200020003" pitchFamily="34" charset="-34"/>
                 <a:cs typeface="TH SarabunPSK" panose="020B0500040200020003" pitchFamily="34" charset="-34"/>
               </a:rPr>
               <a:t>การซิงค์ข้อมูลปฏิทินกับอุปกรณ์พกพา</a:t>
             </a:r>
-            <a:endParaRPr lang="en-US" dirty="0">
+            <a:endParaRPr lang="en-US" sz="6000" dirty="0">
               <a:latin typeface="TH SarabunPSK" panose="020B0500040200020003" pitchFamily="34" charset="-34"/>
               <a:cs typeface="TH SarabunPSK" panose="020B0500040200020003" pitchFamily="34" charset="-34"/>
             </a:endParaRPr>
           </a:p>
         </p:txBody>
       </p:sp>
-      <p:sp>
-        <p:nvSpPr>
-          <p:cNvPr id="3" name="Content Placeholder 2"/>
-          <p:cNvSpPr>
-            <a:spLocks noGrp="1"/>
-          </p:cNvSpPr>
+      <p:pic>
+        <p:nvPicPr>
+          <p:cNvPr id="4" name="Content Placeholder 3"/>
+          <p:cNvPicPr>
+            <a:picLocks noGrp="1" noChangeAspect="1"/>
+          </p:cNvPicPr>
           <p:nvPr>
             <p:ph idx="1"/>
           </p:nvPr>
-        </p:nvSpPr>
-        <p:spPr/>
-        <p:txBody>
-          <a:bodyPr/>
-          <a:lstStyle/>
-          <a:p>
-            <a:endParaRPr lang="en-US"/>
-          </a:p>
-        </p:txBody>
-      </p:sp>
+        </p:nvPicPr>
+        <p:blipFill>
+          <a:blip r:embed="rId2">
+            <a:extLst>
+              <a:ext uri="{28A0092B-C50C-407E-A947-70E740481C1C}">
+                <a14:useLocalDpi xmlns:a14="http://schemas.microsoft.com/office/drawing/2010/main" val="0"/>
+              </a:ext>
+            </a:extLst>
+          </a:blip>
+          <a:stretch>
+            <a:fillRect/>
+          </a:stretch>
+        </p:blipFill>
+        <p:spPr>
+          <a:xfrm>
+            <a:off x="4571787" y="3005792"/>
+            <a:ext cx="3048425" cy="1991003"/>
+          </a:xfrm>
+          <a:prstGeom prst="rect">
+            <a:avLst/>
+          </a:prstGeom>
+          <a:ln>
+            <a:noFill/>
+          </a:ln>
+          <a:effectLst>
+            <a:outerShdw blurRad="292100" dist="139700" dir="2700000" algn="tl" rotWithShape="0">
+              <a:srgbClr val="333333">
+                <a:alpha val="65000"/>
+              </a:srgbClr>
+            </a:outerShdw>
+          </a:effectLst>
+        </p:spPr>
+      </p:pic>
     </p:spTree>
     <p:extLst>
       <p:ext uri="{BB962C8B-B14F-4D97-AF65-F5344CB8AC3E}">
@@ -3527,6 +3586,13 @@
   <p:clrMapOvr>
     <a:masterClrMapping/>
   </p:clrMapOvr>
+  <p:timing>
+    <p:tnLst>
+      <p:par>
+        <p:cTn id="1" dur="indefinite" restart="never" nodeType="tmRoot"/>
+      </p:par>
+    </p:tnLst>
+  </p:timing>
 </p:sld>
 </file>
 
@@ -3554,22 +3620,24 @@
             <a:spLocks noGrp="1"/>
           </p:cNvSpPr>
           <p:nvPr>
-            <p:ph type="title"/>
-          </p:nvPr>
-        </p:nvSpPr>
-        <p:spPr/>
-        <p:txBody>
-          <a:bodyPr/>
-          <a:lstStyle/>
-          <a:p>
-            <a:r>
-              <a:rPr lang="th-TH" dirty="0">
+            <p:ph type="ctrTitle"/>
+          </p:nvPr>
+        </p:nvSpPr>
+        <p:spPr/>
+        <p:txBody>
+          <a:bodyPr>
+            <a:normAutofit/>
+          </a:bodyPr>
+          <a:lstStyle/>
+          <a:p>
+            <a:r>
+              <a:rPr lang="th-TH" sz="6600" dirty="0">
                 <a:latin typeface="TH SarabunPSK" panose="020B0500040200020003" pitchFamily="34" charset="-34"/>
                 <a:cs typeface="TH SarabunPSK" panose="020B0500040200020003" pitchFamily="34" charset="-34"/>
               </a:rPr>
               <a:t>การตั้งค่า</a:t>
             </a:r>
-            <a:endParaRPr lang="en-US" dirty="0">
+            <a:endParaRPr lang="en-US" sz="6600" dirty="0">
               <a:latin typeface="TH SarabunPSK" panose="020B0500040200020003" pitchFamily="34" charset="-34"/>
               <a:cs typeface="TH SarabunPSK" panose="020B0500040200020003" pitchFamily="34" charset="-34"/>
             </a:endParaRPr>
@@ -3578,12 +3646,12 @@
       </p:sp>
       <p:sp>
         <p:nvSpPr>
-          <p:cNvPr id="3" name="Content Placeholder 2"/>
-          <p:cNvSpPr>
-            <a:spLocks noGrp="1"/>
-          </p:cNvSpPr>
-          <p:nvPr>
-            <p:ph idx="1"/>
+          <p:cNvPr id="4" name="Subtitle 3"/>
+          <p:cNvSpPr>
+            <a:spLocks noGrp="1"/>
+          </p:cNvSpPr>
+          <p:nvPr>
+            <p:ph type="subTitle" idx="1"/>
           </p:nvPr>
         </p:nvSpPr>
         <p:spPr/>
@@ -3605,6 +3673,13 @@
   <p:clrMapOvr>
     <a:masterClrMapping/>
   </p:clrMapOvr>
+  <p:timing>
+    <p:tnLst>
+      <p:par>
+        <p:cTn id="1" dur="indefinite" restart="never" nodeType="tmRoot"/>
+      </p:par>
+    </p:tnLst>
+  </p:timing>
 </p:sld>
 </file>
 
@@ -3637,17 +3712,19 @@
         </p:nvSpPr>
         <p:spPr/>
         <p:txBody>
-          <a:bodyPr/>
-          <a:lstStyle/>
-          <a:p>
-            <a:r>
-              <a:rPr lang="th-TH" dirty="0">
+          <a:bodyPr>
+            <a:normAutofit/>
+          </a:bodyPr>
+          <a:lstStyle/>
+          <a:p>
+            <a:r>
+              <a:rPr lang="th-TH" sz="6000" dirty="0">
                 <a:latin typeface="TH SarabunPSK" panose="020B0500040200020003" pitchFamily="34" charset="-34"/>
                 <a:cs typeface="TH SarabunPSK" panose="020B0500040200020003" pitchFamily="34" charset="-34"/>
               </a:rPr>
               <a:t>การตั้งค่าต่างๆ</a:t>
             </a:r>
-            <a:endParaRPr lang="en-US" dirty="0">
+            <a:endParaRPr lang="en-US" sz="6000" dirty="0">
               <a:latin typeface="TH SarabunPSK" panose="020B0500040200020003" pitchFamily="34" charset="-34"/>
               <a:cs typeface="TH SarabunPSK" panose="020B0500040200020003" pitchFamily="34" charset="-34"/>
             </a:endParaRPr>
@@ -3706,6 +3783,13 @@
   <p:clrMapOvr>
     <a:masterClrMapping/>
   </p:clrMapOvr>
+  <p:timing>
+    <p:tnLst>
+      <p:par>
+        <p:cTn id="1" dur="indefinite" restart="never" nodeType="tmRoot"/>
+      </p:par>
+    </p:tnLst>
+  </p:timing>
 </p:sld>
 </file>
 
@@ -3738,17 +3822,19 @@
         </p:nvSpPr>
         <p:spPr/>
         <p:txBody>
-          <a:bodyPr/>
-          <a:lstStyle/>
-          <a:p>
-            <a:r>
-              <a:rPr lang="th-TH" dirty="0">
+          <a:bodyPr>
+            <a:normAutofit/>
+          </a:bodyPr>
+          <a:lstStyle/>
+          <a:p>
+            <a:r>
+              <a:rPr lang="th-TH" sz="6000" dirty="0">
                 <a:latin typeface="TH SarabunPSK" panose="020B0500040200020003" pitchFamily="34" charset="-34"/>
                 <a:cs typeface="TH SarabunPSK" panose="020B0500040200020003" pitchFamily="34" charset="-34"/>
               </a:rPr>
               <a:t>การเพิ่มคุณลักษณะที่อยู่ระหว่างการทดสอบ</a:t>
             </a:r>
-            <a:endParaRPr lang="en-US" dirty="0">
+            <a:endParaRPr lang="en-US" sz="6000" dirty="0">
               <a:latin typeface="TH SarabunPSK" panose="020B0500040200020003" pitchFamily="34" charset="-34"/>
               <a:cs typeface="TH SarabunPSK" panose="020B0500040200020003" pitchFamily="34" charset="-34"/>
             </a:endParaRPr>
@@ -3807,6 +3893,13 @@
   <p:clrMapOvr>
     <a:masterClrMapping/>
   </p:clrMapOvr>
+  <p:timing>
+    <p:tnLst>
+      <p:par>
+        <p:cTn id="1" dur="indefinite" restart="never" nodeType="tmRoot"/>
+      </p:par>
+    </p:tnLst>
+  </p:timing>
 </p:sld>
 </file>
 
@@ -3834,22 +3927,24 @@
             <a:spLocks noGrp="1"/>
           </p:cNvSpPr>
           <p:nvPr>
-            <p:ph type="title"/>
-          </p:nvPr>
-        </p:nvSpPr>
-        <p:spPr/>
-        <p:txBody>
-          <a:bodyPr/>
-          <a:lstStyle/>
-          <a:p>
-            <a:r>
-              <a:rPr lang="th-TH" dirty="0">
+            <p:ph type="ctrTitle"/>
+          </p:nvPr>
+        </p:nvSpPr>
+        <p:spPr/>
+        <p:txBody>
+          <a:bodyPr>
+            <a:normAutofit/>
+          </a:bodyPr>
+          <a:lstStyle/>
+          <a:p>
+            <a:r>
+              <a:rPr lang="th-TH" sz="6600" dirty="0" smtClean="0">
                 <a:latin typeface="TH SarabunPSK" panose="020B0500040200020003" pitchFamily="34" charset="-34"/>
                 <a:cs typeface="TH SarabunPSK" panose="020B0500040200020003" pitchFamily="34" charset="-34"/>
               </a:rPr>
               <a:t>เริ่มต้นใช้งาน</a:t>
             </a:r>
-            <a:endParaRPr lang="en-US" dirty="0">
+            <a:endParaRPr lang="en-US" sz="6600" dirty="0">
               <a:latin typeface="TH SarabunPSK" panose="020B0500040200020003" pitchFamily="34" charset="-34"/>
               <a:cs typeface="TH SarabunPSK" panose="020B0500040200020003" pitchFamily="34" charset="-34"/>
             </a:endParaRPr>
@@ -3858,12 +3953,12 @@
       </p:sp>
       <p:sp>
         <p:nvSpPr>
-          <p:cNvPr id="3" name="Content Placeholder 2"/>
-          <p:cNvSpPr>
-            <a:spLocks noGrp="1"/>
-          </p:cNvSpPr>
-          <p:nvPr>
-            <p:ph idx="1"/>
+          <p:cNvPr id="6" name="Subtitle 5"/>
+          <p:cNvSpPr>
+            <a:spLocks noGrp="1"/>
+          </p:cNvSpPr>
+          <p:nvPr>
+            <p:ph type="subTitle" idx="1"/>
           </p:nvPr>
         </p:nvSpPr>
         <p:spPr/>
@@ -3885,6 +3980,13 @@
   <p:clrMapOvr>
     <a:masterClrMapping/>
   </p:clrMapOvr>
+  <p:timing>
+    <p:tnLst>
+      <p:par>
+        <p:cTn id="1" dur="indefinite" restart="never" nodeType="tmRoot"/>
+      </p:par>
+    </p:tnLst>
+  </p:timing>
 </p:sld>
 </file>
 
@@ -3917,24 +4019,26 @@
         </p:nvSpPr>
         <p:spPr/>
         <p:txBody>
-          <a:bodyPr/>
-          <a:lstStyle/>
-          <a:p>
-            <a:r>
-              <a:rPr lang="en-US" dirty="0">
+          <a:bodyPr>
+            <a:normAutofit/>
+          </a:bodyPr>
+          <a:lstStyle/>
+          <a:p>
+            <a:r>
+              <a:rPr lang="en-US" sz="6000" dirty="0">
                 <a:latin typeface="TH SarabunPSK" panose="020B0500040200020003" pitchFamily="34" charset="-34"/>
                 <a:cs typeface="TH SarabunPSK" panose="020B0500040200020003" pitchFamily="34" charset="-34"/>
               </a:rPr>
               <a:t>Google Calendar </a:t>
             </a:r>
             <a:r>
-              <a:rPr lang="th-TH" dirty="0">
+              <a:rPr lang="th-TH" sz="6000" dirty="0">
                 <a:latin typeface="TH SarabunPSK" panose="020B0500040200020003" pitchFamily="34" charset="-34"/>
                 <a:cs typeface="TH SarabunPSK" panose="020B0500040200020003" pitchFamily="34" charset="-34"/>
               </a:rPr>
               <a:t>คือ</a:t>
             </a:r>
-            <a:endParaRPr lang="en-US" dirty="0">
+            <a:endParaRPr lang="en-US" sz="6000" dirty="0">
               <a:latin typeface="TH SarabunPSK" panose="020B0500040200020003" pitchFamily="34" charset="-34"/>
               <a:cs typeface="TH SarabunPSK" panose="020B0500040200020003" pitchFamily="34" charset="-34"/>
             </a:endParaRPr>
@@ -3953,70 +4057,77 @@
         </p:nvSpPr>
         <p:spPr/>
         <p:txBody>
-          <a:bodyPr/>
-          <a:lstStyle/>
-          <a:p>
-            <a:r>
-              <a:rPr lang="en-US" dirty="0">
+          <a:bodyPr>
+            <a:normAutofit/>
+          </a:bodyPr>
+          <a:lstStyle/>
+          <a:p>
+            <a:pPr lvl="0"/>
+            <a:r>
+              <a:rPr lang="en-US" sz="3200" dirty="0">
                 <a:latin typeface="TH SarabunPSK" panose="020B0500040200020003" pitchFamily="34" charset="-34"/>
                 <a:cs typeface="TH SarabunPSK" panose="020B0500040200020003" pitchFamily="34" charset="-34"/>
               </a:rPr>
               <a:t>Google Calendar </a:t>
             </a:r>
             <a:r>
-              <a:rPr lang="th-TH" dirty="0" smtClean="0">
+              <a:rPr lang="th-TH" sz="3200" dirty="0">
                 <a:latin typeface="TH SarabunPSK" panose="020B0500040200020003" pitchFamily="34" charset="-34"/>
                 <a:cs typeface="TH SarabunPSK" panose="020B0500040200020003" pitchFamily="34" charset="-34"/>
               </a:rPr>
-              <a:t>คือ </a:t>
-            </a:r>
-            <a:r>
-              <a:rPr lang="th-TH" dirty="0">
-                <a:latin typeface="TH SarabunPSK" panose="020B0500040200020003" pitchFamily="34" charset="-34"/>
-                <a:cs typeface="TH SarabunPSK" panose="020B0500040200020003" pitchFamily="34" charset="-34"/>
-              </a:rPr>
-              <a:t>บริการปฏิทินแบบออนไลน์ของ </a:t>
-            </a:r>
-            <a:r>
-              <a:rPr lang="en-US" dirty="0">
+              <a:t>คือ บริการปฏิทินแบบออนไลน์ของ </a:t>
+            </a:r>
+            <a:r>
+              <a:rPr lang="en-US" sz="3200" dirty="0">
                 <a:latin typeface="TH SarabunPSK" panose="020B0500040200020003" pitchFamily="34" charset="-34"/>
                 <a:cs typeface="TH SarabunPSK" panose="020B0500040200020003" pitchFamily="34" charset="-34"/>
               </a:rPr>
               <a:t>Google </a:t>
             </a:r>
             <a:r>
-              <a:rPr lang="th-TH" dirty="0">
+              <a:rPr lang="th-TH" sz="3200" dirty="0">
                 <a:latin typeface="TH SarabunPSK" panose="020B0500040200020003" pitchFamily="34" charset="-34"/>
                 <a:cs typeface="TH SarabunPSK" panose="020B0500040200020003" pitchFamily="34" charset="-34"/>
               </a:rPr>
-              <a:t>ซึ่งทำให้สามารถเก็บข้อมูลเหตุการณ์ต่างๆ รวมไว้ในที่เดียวกันได้ ไม่ว่าจะเป็นการสร้างกำหนดการนัดหมายและกำหนดเวลาเหตุการณ์ต่างๆ สามารถส่งข้อความเชิญ สามารถใช้ปฏิทินร่วมกับเพื่อนร่วมงาน และ ค้นหาเหตุการณ์ต่างๆ </a:t>
-            </a:r>
-            <a:r>
-              <a:rPr lang="th-TH" dirty="0" smtClean="0">
+              <a:t>ซึ่งทำให้สามารถเก็บข้อมูลเหตุการณ์ต่างๆ รวมไว้ในที่เดียวกันได้ ไม่ว่าจะเป็นการสร้างกำหนดการนัดหมายและกำหนดเวลาเหตุการณ์ต่างๆ สามารถส่งข้อความเชิญ สามารถใช้ปฏิทินร่วมกับเพื่อนร่วมงาน และ ค้นหาเหตุการณ์ต่างๆ ได้</a:t>
+            </a:r>
+            <a:endParaRPr lang="en-US" sz="3200" dirty="0">
+              <a:latin typeface="TH SarabunPSK" panose="020B0500040200020003" pitchFamily="34" charset="-34"/>
+              <a:cs typeface="TH SarabunPSK" panose="020B0500040200020003" pitchFamily="34" charset="-34"/>
+            </a:endParaRPr>
+          </a:p>
+          <a:p>
+            <a:r>
+              <a:rPr lang="th-TH" sz="3200" dirty="0" smtClean="0">
                 <a:latin typeface="TH SarabunPSK" panose="020B0500040200020003" pitchFamily="34" charset="-34"/>
                 <a:cs typeface="TH SarabunPSK" panose="020B0500040200020003" pitchFamily="34" charset="-34"/>
               </a:rPr>
-              <a:t>ได้</a:t>
-            </a:r>
-          </a:p>
-          <a:p>
-            <a:r>
-              <a:rPr lang="th-TH" dirty="0"/>
-              <a:t>การเข้าใช้งานให้เข้าไปที่ </a:t>
-            </a:r>
-            <a:r>
-              <a:rPr lang="en-US" u="sng" dirty="0">
+              <a:t>การ</a:t>
+            </a:r>
+            <a:r>
+              <a:rPr lang="th-TH" sz="3200" dirty="0">
+                <a:latin typeface="TH SarabunPSK" panose="020B0500040200020003" pitchFamily="34" charset="-34"/>
+                <a:cs typeface="TH SarabunPSK" panose="020B0500040200020003" pitchFamily="34" charset="-34"/>
+              </a:rPr>
+              <a:t>เข้าใช้งานให้เข้าไปที่ </a:t>
+            </a:r>
+            <a:r>
+              <a:rPr lang="en-US" sz="3200" u="sng" dirty="0">
+                <a:latin typeface="TH SarabunPSK" panose="020B0500040200020003" pitchFamily="34" charset="-34"/>
+                <a:cs typeface="TH SarabunPSK" panose="020B0500040200020003" pitchFamily="34" charset="-34"/>
                 <a:hlinkClick r:id="rId2"/>
               </a:rPr>
               <a:t>https://www.google.com/calendar</a:t>
             </a:r>
             <a:r>
-              <a:rPr lang="en-US" u="sng" dirty="0" smtClean="0">
+              <a:rPr lang="en-US" sz="3200" u="sng" dirty="0" smtClean="0">
+                <a:latin typeface="TH SarabunPSK" panose="020B0500040200020003" pitchFamily="34" charset="-34"/>
+                <a:cs typeface="TH SarabunPSK" panose="020B0500040200020003" pitchFamily="34" charset="-34"/>
                 <a:hlinkClick r:id="rId2"/>
               </a:rPr>
               <a:t>/</a:t>
             </a:r>
-            <a:endParaRPr lang="en-US" dirty="0">
+            <a:endParaRPr lang="en-US" sz="3200" dirty="0">
               <a:latin typeface="TH SarabunPSK" panose="020B0500040200020003" pitchFamily="34" charset="-34"/>
               <a:cs typeface="TH SarabunPSK" panose="020B0500040200020003" pitchFamily="34" charset="-34"/>
             </a:endParaRPr>
@@ -4072,27 +4183,25 @@
         </p:nvSpPr>
         <p:spPr/>
         <p:txBody>
-          <a:bodyPr/>
-          <a:lstStyle/>
-          <a:p>
-            <a:r>
-              <a:rPr lang="th-TH" dirty="0">
+          <a:bodyPr>
+            <a:normAutofit/>
+          </a:bodyPr>
+          <a:lstStyle/>
+          <a:p>
+            <a:r>
+              <a:rPr lang="th-TH" sz="6000" dirty="0">
                 <a:latin typeface="TH SarabunPSK" panose="020B0500040200020003" pitchFamily="34" charset="-34"/>
                 <a:cs typeface="TH SarabunPSK" panose="020B0500040200020003" pitchFamily="34" charset="-34"/>
               </a:rPr>
               <a:t>อธิบายหน้าจอการทำงานของ </a:t>
             </a:r>
             <a:r>
-              <a:rPr lang="en-US" dirty="0">
+              <a:rPr lang="en-US" sz="6000" dirty="0">
                 <a:latin typeface="TH SarabunPSK" panose="020B0500040200020003" pitchFamily="34" charset="-34"/>
                 <a:cs typeface="TH SarabunPSK" panose="020B0500040200020003" pitchFamily="34" charset="-34"/>
               </a:rPr>
               <a:t>Google Calendar</a:t>
             </a:r>
-            <a:endParaRPr lang="en-US" dirty="0">
-              <a:latin typeface="TH SarabunPSK" panose="020B0500040200020003" pitchFamily="34" charset="-34"/>
-              <a:cs typeface="TH SarabunPSK" panose="020B0500040200020003" pitchFamily="34" charset="-34"/>
-            </a:endParaRPr>
           </a:p>
         </p:txBody>
       </p:sp>
@@ -4148,6 +4257,13 @@
   <p:clrMapOvr>
     <a:masterClrMapping/>
   </p:clrMapOvr>
+  <p:timing>
+    <p:tnLst>
+      <p:par>
+        <p:cTn id="1" dur="indefinite" restart="never" nodeType="tmRoot"/>
+      </p:par>
+    </p:tnLst>
+  </p:timing>
 </p:sld>
 </file>
 
@@ -4175,29 +4291,31 @@
             <a:spLocks noGrp="1"/>
           </p:cNvSpPr>
           <p:nvPr>
-            <p:ph type="title"/>
-          </p:nvPr>
-        </p:nvSpPr>
-        <p:spPr/>
-        <p:txBody>
-          <a:bodyPr/>
-          <a:lstStyle/>
-          <a:p>
-            <a:r>
-              <a:rPr lang="th-TH" dirty="0">
+            <p:ph type="ctrTitle"/>
+          </p:nvPr>
+        </p:nvSpPr>
+        <p:spPr/>
+        <p:txBody>
+          <a:bodyPr>
+            <a:normAutofit/>
+          </a:bodyPr>
+          <a:lstStyle/>
+          <a:p>
+            <a:r>
+              <a:rPr lang="th-TH" sz="6600" dirty="0">
                 <a:latin typeface="TH SarabunPSK" panose="020B0500040200020003" pitchFamily="34" charset="-34"/>
                 <a:cs typeface="TH SarabunPSK" panose="020B0500040200020003" pitchFamily="34" charset="-34"/>
               </a:rPr>
               <a:t>สร้างหรือแก้ไข</a:t>
             </a:r>
             <a:r>
-              <a:rPr lang="th-TH" dirty="0" smtClean="0">
+              <a:rPr lang="th-TH" sz="6600" dirty="0" smtClean="0">
                 <a:latin typeface="TH SarabunPSK" panose="020B0500040200020003" pitchFamily="34" charset="-34"/>
                 <a:cs typeface="TH SarabunPSK" panose="020B0500040200020003" pitchFamily="34" charset="-34"/>
               </a:rPr>
               <a:t>กิจกรรม</a:t>
             </a:r>
-            <a:endParaRPr lang="en-US" dirty="0">
+            <a:endParaRPr lang="en-US" sz="6600" dirty="0">
               <a:latin typeface="TH SarabunPSK" panose="020B0500040200020003" pitchFamily="34" charset="-34"/>
               <a:cs typeface="TH SarabunPSK" panose="020B0500040200020003" pitchFamily="34" charset="-34"/>
             </a:endParaRPr>
@@ -4206,12 +4324,12 @@
       </p:sp>
       <p:sp>
         <p:nvSpPr>
-          <p:cNvPr id="3" name="Content Placeholder 2"/>
-          <p:cNvSpPr>
-            <a:spLocks noGrp="1"/>
-          </p:cNvSpPr>
-          <p:nvPr>
-            <p:ph idx="1"/>
+          <p:cNvPr id="4" name="Subtitle 3"/>
+          <p:cNvSpPr>
+            <a:spLocks noGrp="1"/>
+          </p:cNvSpPr>
+          <p:nvPr>
+            <p:ph type="subTitle" idx="1"/>
           </p:nvPr>
         </p:nvSpPr>
         <p:spPr/>
@@ -4233,6 +4351,13 @@
   <p:clrMapOvr>
     <a:masterClrMapping/>
   </p:clrMapOvr>
+  <p:timing>
+    <p:tnLst>
+      <p:par>
+        <p:cTn id="1" dur="indefinite" restart="never" nodeType="tmRoot"/>
+      </p:par>
+    </p:tnLst>
+  </p:timing>
 </p:sld>
 </file>
 
@@ -4265,17 +4390,19 @@
         </p:nvSpPr>
         <p:spPr/>
         <p:txBody>
-          <a:bodyPr/>
-          <a:lstStyle/>
-          <a:p>
-            <a:r>
-              <a:rPr lang="th-TH" dirty="0">
+          <a:bodyPr>
+            <a:normAutofit/>
+          </a:bodyPr>
+          <a:lstStyle/>
+          <a:p>
+            <a:r>
+              <a:rPr lang="th-TH" sz="6000" dirty="0">
                 <a:latin typeface="TH SarabunPSK" panose="020B0500040200020003" pitchFamily="34" charset="-34"/>
                 <a:cs typeface="TH SarabunPSK" panose="020B0500040200020003" pitchFamily="34" charset="-34"/>
               </a:rPr>
               <a:t>สร้างกิจกรรม</a:t>
             </a:r>
-            <a:endParaRPr lang="en-US" dirty="0">
+            <a:endParaRPr lang="en-US" sz="6000" dirty="0">
               <a:latin typeface="TH SarabunPSK" panose="020B0500040200020003" pitchFamily="34" charset="-34"/>
               <a:cs typeface="TH SarabunPSK" panose="020B0500040200020003" pitchFamily="34" charset="-34"/>
             </a:endParaRPr>
@@ -4284,7 +4411,7 @@
       </p:sp>
       <p:pic>
         <p:nvPicPr>
-          <p:cNvPr id="4" name="Content Placeholder 3"/>
+          <p:cNvPr id="5" name="Content Placeholder 4"/>
           <p:cNvPicPr>
             <a:picLocks noGrp="1" noChangeAspect="1"/>
           </p:cNvPicPr>
@@ -4334,6 +4461,13 @@
   <p:clrMapOvr>
     <a:masterClrMapping/>
   </p:clrMapOvr>
+  <p:timing>
+    <p:tnLst>
+      <p:par>
+        <p:cTn id="1" dur="indefinite" restart="never" nodeType="tmRoot"/>
+      </p:par>
+    </p:tnLst>
+  </p:timing>
 </p:sld>
 </file>
 
@@ -4366,17 +4500,19 @@
         </p:nvSpPr>
         <p:spPr/>
         <p:txBody>
-          <a:bodyPr/>
-          <a:lstStyle/>
-          <a:p>
-            <a:r>
-              <a:rPr lang="th-TH" dirty="0">
+          <a:bodyPr>
+            <a:normAutofit/>
+          </a:bodyPr>
+          <a:lstStyle/>
+          <a:p>
+            <a:r>
+              <a:rPr lang="th-TH" sz="6000" dirty="0">
                 <a:latin typeface="TH SarabunPSK" panose="020B0500040200020003" pitchFamily="34" charset="-34"/>
                 <a:cs typeface="TH SarabunPSK" panose="020B0500040200020003" pitchFamily="34" charset="-34"/>
               </a:rPr>
               <a:t>เพิ่มผู้เข้าร่วมกิจกรรม</a:t>
             </a:r>
-            <a:endParaRPr lang="en-US" dirty="0">
+            <a:endParaRPr lang="en-US" sz="6000" dirty="0">
               <a:latin typeface="TH SarabunPSK" panose="020B0500040200020003" pitchFamily="34" charset="-34"/>
               <a:cs typeface="TH SarabunPSK" panose="020B0500040200020003" pitchFamily="34" charset="-34"/>
             </a:endParaRPr>
@@ -4435,6 +4571,13 @@
   <p:clrMapOvr>
     <a:masterClrMapping/>
   </p:clrMapOvr>
+  <p:timing>
+    <p:tnLst>
+      <p:par>
+        <p:cTn id="1" dur="indefinite" restart="never" nodeType="tmRoot"/>
+      </p:par>
+    </p:tnLst>
+  </p:timing>
 </p:sld>
 </file>
 
@@ -4467,17 +4610,19 @@
         </p:nvSpPr>
         <p:spPr/>
         <p:txBody>
-          <a:bodyPr/>
-          <a:lstStyle/>
-          <a:p>
-            <a:r>
-              <a:rPr lang="th-TH" dirty="0">
+          <a:bodyPr>
+            <a:normAutofit/>
+          </a:bodyPr>
+          <a:lstStyle/>
+          <a:p>
+            <a:r>
+              <a:rPr lang="th-TH" sz="6000" dirty="0">
                 <a:latin typeface="TH SarabunPSK" panose="020B0500040200020003" pitchFamily="34" charset="-34"/>
                 <a:cs typeface="TH SarabunPSK" panose="020B0500040200020003" pitchFamily="34" charset="-34"/>
               </a:rPr>
               <a:t>การแจ้งเตือนและการแจ้งให้ทราบ</a:t>
             </a:r>
-            <a:endParaRPr lang="en-US" dirty="0">
+            <a:endParaRPr lang="en-US" sz="6000" dirty="0">
               <a:latin typeface="TH SarabunPSK" panose="020B0500040200020003" pitchFamily="34" charset="-34"/>
               <a:cs typeface="TH SarabunPSK" panose="020B0500040200020003" pitchFamily="34" charset="-34"/>
             </a:endParaRPr>
@@ -4536,6 +4681,13 @@
   <p:clrMapOvr>
     <a:masterClrMapping/>
   </p:clrMapOvr>
+  <p:timing>
+    <p:tnLst>
+      <p:par>
+        <p:cTn id="1" dur="indefinite" restart="never" nodeType="tmRoot"/>
+      </p:par>
+    </p:tnLst>
+  </p:timing>
 </p:sld>
 </file>
 
@@ -4568,17 +4720,19 @@
         </p:nvSpPr>
         <p:spPr/>
         <p:txBody>
-          <a:bodyPr/>
-          <a:lstStyle/>
-          <a:p>
-            <a:r>
-              <a:rPr lang="th-TH" dirty="0">
+          <a:bodyPr>
+            <a:normAutofit/>
+          </a:bodyPr>
+          <a:lstStyle/>
+          <a:p>
+            <a:r>
+              <a:rPr lang="th-TH" sz="6000" dirty="0">
                 <a:latin typeface="TH SarabunPSK" panose="020B0500040200020003" pitchFamily="34" charset="-34"/>
                 <a:cs typeface="TH SarabunPSK" panose="020B0500040200020003" pitchFamily="34" charset="-34"/>
               </a:rPr>
               <a:t>สร้างหรือแก้ไขปฏิทิน</a:t>
             </a:r>
-            <a:endParaRPr lang="en-US" dirty="0">
+            <a:endParaRPr lang="en-US" sz="6000" dirty="0">
               <a:latin typeface="TH SarabunPSK" panose="020B0500040200020003" pitchFamily="34" charset="-34"/>
               <a:cs typeface="TH SarabunPSK" panose="020B0500040200020003" pitchFamily="34" charset="-34"/>
             </a:endParaRPr>
@@ -4637,6 +4791,13 @@
   <p:clrMapOvr>
     <a:masterClrMapping/>
   </p:clrMapOvr>
+  <p:timing>
+    <p:tnLst>
+      <p:par>
+        <p:cTn id="1" dur="indefinite" restart="never" nodeType="tmRoot"/>
+      </p:par>
+    </p:tnLst>
+  </p:timing>
 </p:sld>
 </file>
 

--- a/Google Calendar.pptx
+++ b/Google Calendar.pptx
@@ -7,21 +7,27 @@
   <p:sldIdLst>
     <p:sldId id="256" r:id="rId2"/>
     <p:sldId id="268" r:id="rId3"/>
-    <p:sldId id="257" r:id="rId4"/>
-    <p:sldId id="267" r:id="rId5"/>
-    <p:sldId id="269" r:id="rId6"/>
-    <p:sldId id="270" r:id="rId7"/>
-    <p:sldId id="271" r:id="rId8"/>
-    <p:sldId id="272" r:id="rId9"/>
-    <p:sldId id="273" r:id="rId10"/>
-    <p:sldId id="274" r:id="rId11"/>
-    <p:sldId id="275" r:id="rId12"/>
-    <p:sldId id="276" r:id="rId13"/>
-    <p:sldId id="280" r:id="rId14"/>
-    <p:sldId id="281" r:id="rId15"/>
-    <p:sldId id="278" r:id="rId16"/>
-    <p:sldId id="277" r:id="rId17"/>
-    <p:sldId id="279" r:id="rId18"/>
+    <p:sldId id="283" r:id="rId4"/>
+    <p:sldId id="257" r:id="rId5"/>
+    <p:sldId id="282" r:id="rId6"/>
+    <p:sldId id="284" r:id="rId7"/>
+    <p:sldId id="267" r:id="rId8"/>
+    <p:sldId id="285" r:id="rId9"/>
+    <p:sldId id="286" r:id="rId10"/>
+    <p:sldId id="287" r:id="rId11"/>
+    <p:sldId id="269" r:id="rId12"/>
+    <p:sldId id="270" r:id="rId13"/>
+    <p:sldId id="271" r:id="rId14"/>
+    <p:sldId id="272" r:id="rId15"/>
+    <p:sldId id="273" r:id="rId16"/>
+    <p:sldId id="274" r:id="rId17"/>
+    <p:sldId id="275" r:id="rId18"/>
+    <p:sldId id="276" r:id="rId19"/>
+    <p:sldId id="280" r:id="rId20"/>
+    <p:sldId id="281" r:id="rId21"/>
+    <p:sldId id="278" r:id="rId22"/>
+    <p:sldId id="277" r:id="rId23"/>
+    <p:sldId id="279" r:id="rId24"/>
   </p:sldIdLst>
   <p:sldSz cx="12192000" cy="6858000"/>
   <p:notesSz cx="6858000" cy="9144000"/>
@@ -122,7 +128,7 @@
   </p:defaultTextStyle>
   <p:extLst>
     <p:ext uri="{EFAFB233-063F-42B5-8137-9DF3F51BA10A}">
-      <p15:sldGuideLst xmlns:p15="http://schemas.microsoft.com/office/powerpoint/2012/main"/>
+      <p15:sldGuideLst xmlns:p15="http://schemas.microsoft.com/office/powerpoint/2012/main" xmlns=""/>
     </p:ext>
   </p:extLst>
 </p:presentation>
@@ -259,7 +265,8 @@
           <a:p>
             <a:fld id="{EEB31411-81DA-416F-953C-825CF1EE9A76}" type="datetimeFigureOut">
               <a:rPr lang="en-US" smtClean="0"/>
-              <a:t>4/2/2014</a:t>
+              <a:pPr/>
+              <a:t>4/3/2014</a:t>
             </a:fld>
             <a:endParaRPr lang="en-US"/>
           </a:p>
@@ -301,6 +308,7 @@
           <a:p>
             <a:fld id="{822A2284-31DD-42B7-BEA1-C7950499E459}" type="slidenum">
               <a:rPr lang="en-US" smtClean="0"/>
+              <a:pPr/>
               <a:t>‹#›</a:t>
             </a:fld>
             <a:endParaRPr lang="en-US"/>
@@ -310,7 +318,7 @@
     </p:spTree>
     <p:extLst>
       <p:ext uri="{BB962C8B-B14F-4D97-AF65-F5344CB8AC3E}">
-        <p14:creationId xmlns:p14="http://schemas.microsoft.com/office/powerpoint/2010/main" val="872945233"/>
+        <p14:creationId xmlns:p14="http://schemas.microsoft.com/office/powerpoint/2010/main" xmlns="" val="872945233"/>
       </p:ext>
     </p:extLst>
   </p:cSld>
@@ -429,7 +437,8 @@
           <a:p>
             <a:fld id="{EEB31411-81DA-416F-953C-825CF1EE9A76}" type="datetimeFigureOut">
               <a:rPr lang="en-US" smtClean="0"/>
-              <a:t>4/2/2014</a:t>
+              <a:pPr/>
+              <a:t>4/3/2014</a:t>
             </a:fld>
             <a:endParaRPr lang="en-US"/>
           </a:p>
@@ -471,6 +480,7 @@
           <a:p>
             <a:fld id="{822A2284-31DD-42B7-BEA1-C7950499E459}" type="slidenum">
               <a:rPr lang="en-US" smtClean="0"/>
+              <a:pPr/>
               <a:t>‹#›</a:t>
             </a:fld>
             <a:endParaRPr lang="en-US"/>
@@ -480,7 +490,7 @@
     </p:spTree>
     <p:extLst>
       <p:ext uri="{BB962C8B-B14F-4D97-AF65-F5344CB8AC3E}">
-        <p14:creationId xmlns:p14="http://schemas.microsoft.com/office/powerpoint/2010/main" val="2291402044"/>
+        <p14:creationId xmlns:p14="http://schemas.microsoft.com/office/powerpoint/2010/main" xmlns="" val="2291402044"/>
       </p:ext>
     </p:extLst>
   </p:cSld>
@@ -609,7 +619,8 @@
           <a:p>
             <a:fld id="{EEB31411-81DA-416F-953C-825CF1EE9A76}" type="datetimeFigureOut">
               <a:rPr lang="en-US" smtClean="0"/>
-              <a:t>4/2/2014</a:t>
+              <a:pPr/>
+              <a:t>4/3/2014</a:t>
             </a:fld>
             <a:endParaRPr lang="en-US"/>
           </a:p>
@@ -651,6 +662,7 @@
           <a:p>
             <a:fld id="{822A2284-31DD-42B7-BEA1-C7950499E459}" type="slidenum">
               <a:rPr lang="en-US" smtClean="0"/>
+              <a:pPr/>
               <a:t>‹#›</a:t>
             </a:fld>
             <a:endParaRPr lang="en-US"/>
@@ -660,7 +672,7 @@
     </p:spTree>
     <p:extLst>
       <p:ext uri="{BB962C8B-B14F-4D97-AF65-F5344CB8AC3E}">
-        <p14:creationId xmlns:p14="http://schemas.microsoft.com/office/powerpoint/2010/main" val="3859822148"/>
+        <p14:creationId xmlns:p14="http://schemas.microsoft.com/office/powerpoint/2010/main" xmlns="" val="3859822148"/>
       </p:ext>
     </p:extLst>
   </p:cSld>
@@ -779,7 +791,8 @@
           <a:p>
             <a:fld id="{EEB31411-81DA-416F-953C-825CF1EE9A76}" type="datetimeFigureOut">
               <a:rPr lang="en-US" smtClean="0"/>
-              <a:t>4/2/2014</a:t>
+              <a:pPr/>
+              <a:t>4/3/2014</a:t>
             </a:fld>
             <a:endParaRPr lang="en-US"/>
           </a:p>
@@ -821,6 +834,7 @@
           <a:p>
             <a:fld id="{822A2284-31DD-42B7-BEA1-C7950499E459}" type="slidenum">
               <a:rPr lang="en-US" smtClean="0"/>
+              <a:pPr/>
               <a:t>‹#›</a:t>
             </a:fld>
             <a:endParaRPr lang="en-US"/>
@@ -830,7 +844,7 @@
     </p:spTree>
     <p:extLst>
       <p:ext uri="{BB962C8B-B14F-4D97-AF65-F5344CB8AC3E}">
-        <p14:creationId xmlns:p14="http://schemas.microsoft.com/office/powerpoint/2010/main" val="3876915717"/>
+        <p14:creationId xmlns:p14="http://schemas.microsoft.com/office/powerpoint/2010/main" xmlns="" val="3876915717"/>
       </p:ext>
     </p:extLst>
   </p:cSld>
@@ -1025,7 +1039,8 @@
           <a:p>
             <a:fld id="{EEB31411-81DA-416F-953C-825CF1EE9A76}" type="datetimeFigureOut">
               <a:rPr lang="en-US" smtClean="0"/>
-              <a:t>4/2/2014</a:t>
+              <a:pPr/>
+              <a:t>4/3/2014</a:t>
             </a:fld>
             <a:endParaRPr lang="en-US"/>
           </a:p>
@@ -1067,6 +1082,7 @@
           <a:p>
             <a:fld id="{822A2284-31DD-42B7-BEA1-C7950499E459}" type="slidenum">
               <a:rPr lang="en-US" smtClean="0"/>
+              <a:pPr/>
               <a:t>‹#›</a:t>
             </a:fld>
             <a:endParaRPr lang="en-US"/>
@@ -1076,7 +1092,7 @@
     </p:spTree>
     <p:extLst>
       <p:ext uri="{BB962C8B-B14F-4D97-AF65-F5344CB8AC3E}">
-        <p14:creationId xmlns:p14="http://schemas.microsoft.com/office/powerpoint/2010/main" val="3455776354"/>
+        <p14:creationId xmlns:p14="http://schemas.microsoft.com/office/powerpoint/2010/main" xmlns="" val="3455776354"/>
       </p:ext>
     </p:extLst>
   </p:cSld>
@@ -1257,7 +1273,8 @@
           <a:p>
             <a:fld id="{EEB31411-81DA-416F-953C-825CF1EE9A76}" type="datetimeFigureOut">
               <a:rPr lang="en-US" smtClean="0"/>
-              <a:t>4/2/2014</a:t>
+              <a:pPr/>
+              <a:t>4/3/2014</a:t>
             </a:fld>
             <a:endParaRPr lang="en-US"/>
           </a:p>
@@ -1299,6 +1316,7 @@
           <a:p>
             <a:fld id="{822A2284-31DD-42B7-BEA1-C7950499E459}" type="slidenum">
               <a:rPr lang="en-US" smtClean="0"/>
+              <a:pPr/>
               <a:t>‹#›</a:t>
             </a:fld>
             <a:endParaRPr lang="en-US"/>
@@ -1308,7 +1326,7 @@
     </p:spTree>
     <p:extLst>
       <p:ext uri="{BB962C8B-B14F-4D97-AF65-F5344CB8AC3E}">
-        <p14:creationId xmlns:p14="http://schemas.microsoft.com/office/powerpoint/2010/main" val="3111144539"/>
+        <p14:creationId xmlns:p14="http://schemas.microsoft.com/office/powerpoint/2010/main" xmlns="" val="3111144539"/>
       </p:ext>
     </p:extLst>
   </p:cSld>
@@ -1624,7 +1642,8 @@
           <a:p>
             <a:fld id="{EEB31411-81DA-416F-953C-825CF1EE9A76}" type="datetimeFigureOut">
               <a:rPr lang="en-US" smtClean="0"/>
-              <a:t>4/2/2014</a:t>
+              <a:pPr/>
+              <a:t>4/3/2014</a:t>
             </a:fld>
             <a:endParaRPr lang="en-US"/>
           </a:p>
@@ -1666,6 +1685,7 @@
           <a:p>
             <a:fld id="{822A2284-31DD-42B7-BEA1-C7950499E459}" type="slidenum">
               <a:rPr lang="en-US" smtClean="0"/>
+              <a:pPr/>
               <a:t>‹#›</a:t>
             </a:fld>
             <a:endParaRPr lang="en-US"/>
@@ -1675,7 +1695,7 @@
     </p:spTree>
     <p:extLst>
       <p:ext uri="{BB962C8B-B14F-4D97-AF65-F5344CB8AC3E}">
-        <p14:creationId xmlns:p14="http://schemas.microsoft.com/office/powerpoint/2010/main" val="2774436435"/>
+        <p14:creationId xmlns:p14="http://schemas.microsoft.com/office/powerpoint/2010/main" xmlns="" val="2774436435"/>
       </p:ext>
     </p:extLst>
   </p:cSld>
@@ -1742,7 +1762,8 @@
           <a:p>
             <a:fld id="{EEB31411-81DA-416F-953C-825CF1EE9A76}" type="datetimeFigureOut">
               <a:rPr lang="en-US" smtClean="0"/>
-              <a:t>4/2/2014</a:t>
+              <a:pPr/>
+              <a:t>4/3/2014</a:t>
             </a:fld>
             <a:endParaRPr lang="en-US"/>
           </a:p>
@@ -1784,6 +1805,7 @@
           <a:p>
             <a:fld id="{822A2284-31DD-42B7-BEA1-C7950499E459}" type="slidenum">
               <a:rPr lang="en-US" smtClean="0"/>
+              <a:pPr/>
               <a:t>‹#›</a:t>
             </a:fld>
             <a:endParaRPr lang="en-US"/>
@@ -1793,7 +1815,7 @@
     </p:spTree>
     <p:extLst>
       <p:ext uri="{BB962C8B-B14F-4D97-AF65-F5344CB8AC3E}">
-        <p14:creationId xmlns:p14="http://schemas.microsoft.com/office/powerpoint/2010/main" val="1227611598"/>
+        <p14:creationId xmlns:p14="http://schemas.microsoft.com/office/powerpoint/2010/main" xmlns="" val="1227611598"/>
       </p:ext>
     </p:extLst>
   </p:cSld>
@@ -1837,7 +1859,8 @@
           <a:p>
             <a:fld id="{EEB31411-81DA-416F-953C-825CF1EE9A76}" type="datetimeFigureOut">
               <a:rPr lang="en-US" smtClean="0"/>
-              <a:t>4/2/2014</a:t>
+              <a:pPr/>
+              <a:t>4/3/2014</a:t>
             </a:fld>
             <a:endParaRPr lang="en-US"/>
           </a:p>
@@ -1879,6 +1902,7 @@
           <a:p>
             <a:fld id="{822A2284-31DD-42B7-BEA1-C7950499E459}" type="slidenum">
               <a:rPr lang="en-US" smtClean="0"/>
+              <a:pPr/>
               <a:t>‹#›</a:t>
             </a:fld>
             <a:endParaRPr lang="en-US"/>
@@ -1888,7 +1912,7 @@
     </p:spTree>
     <p:extLst>
       <p:ext uri="{BB962C8B-B14F-4D97-AF65-F5344CB8AC3E}">
-        <p14:creationId xmlns:p14="http://schemas.microsoft.com/office/powerpoint/2010/main" val="2944241065"/>
+        <p14:creationId xmlns:p14="http://schemas.microsoft.com/office/powerpoint/2010/main" xmlns="" val="2944241065"/>
       </p:ext>
     </p:extLst>
   </p:cSld>
@@ -2114,7 +2138,8 @@
           <a:p>
             <a:fld id="{EEB31411-81DA-416F-953C-825CF1EE9A76}" type="datetimeFigureOut">
               <a:rPr lang="en-US" smtClean="0"/>
-              <a:t>4/2/2014</a:t>
+              <a:pPr/>
+              <a:t>4/3/2014</a:t>
             </a:fld>
             <a:endParaRPr lang="en-US"/>
           </a:p>
@@ -2156,6 +2181,7 @@
           <a:p>
             <a:fld id="{822A2284-31DD-42B7-BEA1-C7950499E459}" type="slidenum">
               <a:rPr lang="en-US" smtClean="0"/>
+              <a:pPr/>
               <a:t>‹#›</a:t>
             </a:fld>
             <a:endParaRPr lang="en-US"/>
@@ -2165,7 +2191,7 @@
     </p:spTree>
     <p:extLst>
       <p:ext uri="{BB962C8B-B14F-4D97-AF65-F5344CB8AC3E}">
-        <p14:creationId xmlns:p14="http://schemas.microsoft.com/office/powerpoint/2010/main" val="3465444233"/>
+        <p14:creationId xmlns:p14="http://schemas.microsoft.com/office/powerpoint/2010/main" xmlns="" val="3465444233"/>
       </p:ext>
     </p:extLst>
   </p:cSld>
@@ -2367,7 +2393,8 @@
           <a:p>
             <a:fld id="{EEB31411-81DA-416F-953C-825CF1EE9A76}" type="datetimeFigureOut">
               <a:rPr lang="en-US" smtClean="0"/>
-              <a:t>4/2/2014</a:t>
+              <a:pPr/>
+              <a:t>4/3/2014</a:t>
             </a:fld>
             <a:endParaRPr lang="en-US"/>
           </a:p>
@@ -2409,6 +2436,7 @@
           <a:p>
             <a:fld id="{822A2284-31DD-42B7-BEA1-C7950499E459}" type="slidenum">
               <a:rPr lang="en-US" smtClean="0"/>
+              <a:pPr/>
               <a:t>‹#›</a:t>
             </a:fld>
             <a:endParaRPr lang="en-US"/>
@@ -2418,7 +2446,7 @@
     </p:spTree>
     <p:extLst>
       <p:ext uri="{BB962C8B-B14F-4D97-AF65-F5344CB8AC3E}">
-        <p14:creationId xmlns:p14="http://schemas.microsoft.com/office/powerpoint/2010/main" val="4252246156"/>
+        <p14:creationId xmlns:p14="http://schemas.microsoft.com/office/powerpoint/2010/main" xmlns="" val="4252246156"/>
       </p:ext>
     </p:extLst>
   </p:cSld>
@@ -2580,7 +2608,8 @@
           <a:p>
             <a:fld id="{EEB31411-81DA-416F-953C-825CF1EE9A76}" type="datetimeFigureOut">
               <a:rPr lang="en-US" smtClean="0"/>
-              <a:t>4/2/2014</a:t>
+              <a:pPr/>
+              <a:t>4/3/2014</a:t>
             </a:fld>
             <a:endParaRPr lang="en-US"/>
           </a:p>
@@ -2658,6 +2687,7 @@
           <a:p>
             <a:fld id="{822A2284-31DD-42B7-BEA1-C7950499E459}" type="slidenum">
               <a:rPr lang="en-US" smtClean="0"/>
+              <a:pPr/>
               <a:t>‹#›</a:t>
             </a:fld>
             <a:endParaRPr lang="en-US"/>
@@ -2667,7 +2697,7 @@
     </p:spTree>
     <p:extLst>
       <p:ext uri="{BB962C8B-B14F-4D97-AF65-F5344CB8AC3E}">
-        <p14:creationId xmlns:p14="http://schemas.microsoft.com/office/powerpoint/2010/main" val="1670662988"/>
+        <p14:creationId xmlns:p14="http://schemas.microsoft.com/office/powerpoint/2010/main" xmlns="" val="1670662988"/>
       </p:ext>
     </p:extLst>
   </p:cSld>
@@ -3003,13 +3033,13 @@
           <a:lstStyle/>
           <a:p>
             <a:r>
-              <a:rPr lang="th-TH" sz="7200" dirty="0" smtClean="0">
+              <a:rPr lang="th-TH" sz="7200" b="1" dirty="0" smtClean="0">
                 <a:latin typeface="TH SarabunPSK" panose="020B0500040200020003" pitchFamily="34" charset="-34"/>
                 <a:cs typeface="TH SarabunPSK" panose="020B0500040200020003" pitchFamily="34" charset="-34"/>
               </a:rPr>
               <a:t>อบรม</a:t>
             </a:r>
-            <a:endParaRPr lang="en-US" sz="7200" dirty="0"/>
+            <a:endParaRPr lang="en-US" sz="7200" b="1" dirty="0"/>
           </a:p>
         </p:txBody>
       </p:sp>
@@ -3031,20 +3061,27 @@
           <a:lstStyle/>
           <a:p>
             <a:r>
-              <a:rPr lang="en-US" sz="7200" dirty="0">
+              <a:rPr lang="en-US" sz="7200" b="1" dirty="0" smtClean="0">
                 <a:latin typeface="TH SarabunPSK" panose="020B0500040200020003" pitchFamily="34" charset="-34"/>
                 <a:cs typeface="TH SarabunPSK" panose="020B0500040200020003" pitchFamily="34" charset="-34"/>
               </a:rPr>
-              <a:t>Google Calendar</a:t>
-            </a:r>
-            <a:endParaRPr lang="en-US" sz="7200" dirty="0"/>
+              <a:t>Google </a:t>
+            </a:r>
+            <a:r>
+              <a:rPr lang="en-US" sz="7200" b="1" dirty="0">
+                <a:latin typeface="TH SarabunPSK" panose="020B0500040200020003" pitchFamily="34" charset="-34"/>
+                <a:cs typeface="TH SarabunPSK" panose="020B0500040200020003" pitchFamily="34" charset="-34"/>
+              </a:rPr>
+              <a:t>Calendar</a:t>
+            </a:r>
+            <a:endParaRPr lang="en-US" sz="7200" b="1" dirty="0"/>
           </a:p>
         </p:txBody>
       </p:sp>
     </p:spTree>
     <p:extLst>
       <p:ext uri="{BB962C8B-B14F-4D97-AF65-F5344CB8AC3E}">
-        <p14:creationId xmlns:p14="http://schemas.microsoft.com/office/powerpoint/2010/main" val="909554256"/>
+        <p14:creationId xmlns:p14="http://schemas.microsoft.com/office/powerpoint/2010/main" xmlns="" val="909554256"/>
       </p:ext>
     </p:extLst>
   </p:cSld>
@@ -3080,7 +3117,7 @@
       </p:grpSpPr>
       <p:sp>
         <p:nvSpPr>
-          <p:cNvPr id="2" name="Title 1"/>
+          <p:cNvPr id="2" name="ชื่อเรื่อง 1"/>
           <p:cNvSpPr>
             <a:spLocks noGrp="1"/>
           </p:cNvSpPr>
@@ -3090,36 +3127,16 @@
         </p:nvSpPr>
         <p:spPr/>
         <p:txBody>
-          <a:bodyPr>
-            <a:normAutofit/>
-          </a:bodyPr>
-          <a:lstStyle/>
-          <a:p>
-            <a:pPr lvl="0"/>
-            <a:r>
-              <a:rPr lang="th-TH" sz="6000" dirty="0">
-                <a:latin typeface="TH SarabunPSK" panose="020B0500040200020003" pitchFamily="34" charset="-34"/>
-                <a:cs typeface="TH SarabunPSK" panose="020B0500040200020003" pitchFamily="34" charset="-34"/>
-              </a:rPr>
-              <a:t>แบ่งปัน</a:t>
-            </a:r>
-            <a:r>
-              <a:rPr lang="th-TH" sz="6000" dirty="0" smtClean="0">
-                <a:latin typeface="TH SarabunPSK" panose="020B0500040200020003" pitchFamily="34" charset="-34"/>
-                <a:cs typeface="TH SarabunPSK" panose="020B0500040200020003" pitchFamily="34" charset="-34"/>
-              </a:rPr>
-              <a:t>ปฏิทิน</a:t>
-            </a:r>
-            <a:endParaRPr lang="en-US" sz="6000" dirty="0">
-              <a:latin typeface="TH SarabunPSK" panose="020B0500040200020003" pitchFamily="34" charset="-34"/>
-              <a:cs typeface="TH SarabunPSK" panose="020B0500040200020003" pitchFamily="34" charset="-34"/>
-            </a:endParaRPr>
+          <a:bodyPr/>
+          <a:lstStyle/>
+          <a:p>
+            <a:endParaRPr lang="th-TH"/>
           </a:p>
         </p:txBody>
       </p:sp>
       <p:pic>
         <p:nvPicPr>
-          <p:cNvPr id="6" name="Content Placeholder 5"/>
+          <p:cNvPr id="4" name="ตัวยึดเนื้อหา 3" descr="th140.png"/>
           <p:cNvPicPr>
             <a:picLocks noGrp="1" noChangeAspect="1"/>
           </p:cNvPicPr>
@@ -3128,21 +3145,15 @@
           </p:nvPr>
         </p:nvPicPr>
         <p:blipFill>
-          <a:blip r:embed="rId2">
-            <a:extLst>
-              <a:ext uri="{28A0092B-C50C-407E-A947-70E740481C1C}">
-                <a14:useLocalDpi xmlns:a14="http://schemas.microsoft.com/office/drawing/2010/main" val="0"/>
-              </a:ext>
-            </a:extLst>
-          </a:blip>
+          <a:blip r:embed="rId2"/>
           <a:stretch>
             <a:fillRect/>
           </a:stretch>
         </p:blipFill>
         <p:spPr>
           <a:xfrm>
-            <a:off x="1343619" y="3196532"/>
-            <a:ext cx="9504762" cy="1609524"/>
+            <a:off x="1893010" y="339724"/>
+            <a:ext cx="8470189" cy="6256033"/>
           </a:xfrm>
           <a:prstGeom prst="rect">
             <a:avLst/>
@@ -3160,11 +3171,6 @@
         </p:spPr>
       </p:pic>
     </p:spTree>
-    <p:extLst>
-      <p:ext uri="{BB962C8B-B14F-4D97-AF65-F5344CB8AC3E}">
-        <p14:creationId xmlns:p14="http://schemas.microsoft.com/office/powerpoint/2010/main" val="2519363631"/>
-      </p:ext>
-    </p:extLst>
   </p:cSld>
   <p:clrMapOvr>
     <a:masterClrMapping/>
@@ -3214,13 +3220,20 @@
           <a:lstStyle/>
           <a:p>
             <a:r>
-              <a:rPr lang="th-TH" sz="6600" dirty="0">
+              <a:rPr lang="th-TH" sz="6600" b="1" dirty="0">
                 <a:latin typeface="TH SarabunPSK" panose="020B0500040200020003" pitchFamily="34" charset="-34"/>
                 <a:cs typeface="TH SarabunPSK" panose="020B0500040200020003" pitchFamily="34" charset="-34"/>
               </a:rPr>
-              <a:t>การนำเข้า การส่งออก หรือซิงค์ ปฏิทิน</a:t>
-            </a:r>
-            <a:endParaRPr lang="en-US" sz="6600" dirty="0">
+              <a:t>สร้างหรือแก้ไข</a:t>
+            </a:r>
+            <a:r>
+              <a:rPr lang="th-TH" sz="6600" b="1" dirty="0" smtClean="0">
+                <a:latin typeface="TH SarabunPSK" panose="020B0500040200020003" pitchFamily="34" charset="-34"/>
+                <a:cs typeface="TH SarabunPSK" panose="020B0500040200020003" pitchFamily="34" charset="-34"/>
+              </a:rPr>
+              <a:t>กิจกรรม</a:t>
+            </a:r>
+            <a:endParaRPr lang="en-US" sz="6600" b="1" dirty="0">
               <a:latin typeface="TH SarabunPSK" panose="020B0500040200020003" pitchFamily="34" charset="-34"/>
               <a:cs typeface="TH SarabunPSK" panose="020B0500040200020003" pitchFamily="34" charset="-34"/>
             </a:endParaRPr>
@@ -3229,7 +3242,7 @@
       </p:sp>
       <p:sp>
         <p:nvSpPr>
-          <p:cNvPr id="3" name="Subtitle 2"/>
+          <p:cNvPr id="4" name="Subtitle 3"/>
           <p:cNvSpPr>
             <a:spLocks noGrp="1"/>
           </p:cNvSpPr>
@@ -3249,7 +3262,7 @@
     </p:spTree>
     <p:extLst>
       <p:ext uri="{BB962C8B-B14F-4D97-AF65-F5344CB8AC3E}">
-        <p14:creationId xmlns:p14="http://schemas.microsoft.com/office/powerpoint/2010/main" val="2585912091"/>
+        <p14:creationId xmlns:p14="http://schemas.microsoft.com/office/powerpoint/2010/main" xmlns="" val="4167141818"/>
       </p:ext>
     </p:extLst>
   </p:cSld>
@@ -3301,13 +3314,13 @@
           <a:lstStyle/>
           <a:p>
             <a:r>
-              <a:rPr lang="th-TH" sz="6000" dirty="0">
+              <a:rPr lang="th-TH" sz="6000" b="1" dirty="0">
                 <a:latin typeface="TH SarabunPSK" panose="020B0500040200020003" pitchFamily="34" charset="-34"/>
                 <a:cs typeface="TH SarabunPSK" panose="020B0500040200020003" pitchFamily="34" charset="-34"/>
               </a:rPr>
-              <a:t>การนำเข้าข้อมูลปฏิทินจากแหล่งข้อมูลอื่น</a:t>
-            </a:r>
-            <a:endParaRPr lang="en-US" sz="6000" dirty="0">
+              <a:t>สร้างกิจกรรม</a:t>
+            </a:r>
+            <a:endParaRPr lang="en-US" sz="6000" b="1" dirty="0">
               <a:latin typeface="TH SarabunPSK" panose="020B0500040200020003" pitchFamily="34" charset="-34"/>
               <a:cs typeface="TH SarabunPSK" panose="020B0500040200020003" pitchFamily="34" charset="-34"/>
             </a:endParaRPr>
@@ -3316,7 +3329,7 @@
       </p:sp>
       <p:pic>
         <p:nvPicPr>
-          <p:cNvPr id="4" name="Content Placeholder 3"/>
+          <p:cNvPr id="5" name="Content Placeholder 4"/>
           <p:cNvPicPr>
             <a:picLocks noGrp="1" noChangeAspect="1"/>
           </p:cNvPicPr>
@@ -3328,7 +3341,7 @@
           <a:blip r:embed="rId2">
             <a:extLst>
               <a:ext uri="{28A0092B-C50C-407E-A947-70E740481C1C}">
-                <a14:useLocalDpi xmlns:a14="http://schemas.microsoft.com/office/drawing/2010/main" val="0"/>
+                <a14:useLocalDpi xmlns:a14="http://schemas.microsoft.com/office/drawing/2010/main" xmlns="" val="0"/>
               </a:ext>
             </a:extLst>
           </a:blip>
@@ -3359,7 +3372,7 @@
     </p:spTree>
     <p:extLst>
       <p:ext uri="{BB962C8B-B14F-4D97-AF65-F5344CB8AC3E}">
-        <p14:creationId xmlns:p14="http://schemas.microsoft.com/office/powerpoint/2010/main" val="1939372069"/>
+        <p14:creationId xmlns:p14="http://schemas.microsoft.com/office/powerpoint/2010/main" xmlns="" val="2081943511"/>
       </p:ext>
     </p:extLst>
   </p:cSld>
@@ -3406,18 +3419,18 @@
         <p:spPr/>
         <p:txBody>
           <a:bodyPr>
-            <a:noAutofit/>
+            <a:normAutofit/>
           </a:bodyPr>
           <a:lstStyle/>
           <a:p>
             <a:r>
-              <a:rPr lang="th-TH" sz="6000" dirty="0">
+              <a:rPr lang="th-TH" sz="6000" b="1" dirty="0">
                 <a:latin typeface="TH SarabunPSK" panose="020B0500040200020003" pitchFamily="34" charset="-34"/>
                 <a:cs typeface="TH SarabunPSK" panose="020B0500040200020003" pitchFamily="34" charset="-34"/>
               </a:rPr>
-              <a:t>การซิงค์ข้อมูลปฏิทินกับโปรแกรมบนเครื่องคอมพิวเตอร์</a:t>
-            </a:r>
-            <a:endParaRPr lang="en-US" sz="6000" dirty="0">
+              <a:t>เพิ่มผู้เข้าร่วมกิจกรรม</a:t>
+            </a:r>
+            <a:endParaRPr lang="en-US" sz="6000" b="1" dirty="0">
               <a:latin typeface="TH SarabunPSK" panose="020B0500040200020003" pitchFamily="34" charset="-34"/>
               <a:cs typeface="TH SarabunPSK" panose="020B0500040200020003" pitchFamily="34" charset="-34"/>
             </a:endParaRPr>
@@ -3438,7 +3451,7 @@
           <a:blip r:embed="rId2">
             <a:extLst>
               <a:ext uri="{28A0092B-C50C-407E-A947-70E740481C1C}">
-                <a14:useLocalDpi xmlns:a14="http://schemas.microsoft.com/office/drawing/2010/main" val="0"/>
+                <a14:useLocalDpi xmlns:a14="http://schemas.microsoft.com/office/drawing/2010/main" xmlns="" val="0"/>
               </a:ext>
             </a:extLst>
           </a:blip>
@@ -3448,8 +3461,8 @@
         </p:blipFill>
         <p:spPr>
           <a:xfrm>
-            <a:off x="1861546" y="2034107"/>
-            <a:ext cx="8468907" cy="3934374"/>
+            <a:off x="4657905" y="2001294"/>
+            <a:ext cx="2876190" cy="4000000"/>
           </a:xfrm>
           <a:prstGeom prst="rect">
             <a:avLst/>
@@ -3469,7 +3482,7 @@
     </p:spTree>
     <p:extLst>
       <p:ext uri="{BB962C8B-B14F-4D97-AF65-F5344CB8AC3E}">
-        <p14:creationId xmlns:p14="http://schemas.microsoft.com/office/powerpoint/2010/main" val="908138130"/>
+        <p14:creationId xmlns:p14="http://schemas.microsoft.com/office/powerpoint/2010/main" xmlns="" val="239656287"/>
       </p:ext>
     </p:extLst>
   </p:cSld>
@@ -3521,13 +3534,13 @@
           <a:lstStyle/>
           <a:p>
             <a:r>
-              <a:rPr lang="th-TH" sz="6000" dirty="0">
+              <a:rPr lang="th-TH" sz="6000" b="1" dirty="0">
                 <a:latin typeface="TH SarabunPSK" panose="020B0500040200020003" pitchFamily="34" charset="-34"/>
                 <a:cs typeface="TH SarabunPSK" panose="020B0500040200020003" pitchFamily="34" charset="-34"/>
               </a:rPr>
-              <a:t>การซิงค์ข้อมูลปฏิทินกับอุปกรณ์พกพา</a:t>
-            </a:r>
-            <a:endParaRPr lang="en-US" sz="6000" dirty="0">
+              <a:t>การแจ้งเตือนและการแจ้งให้ทราบ</a:t>
+            </a:r>
+            <a:endParaRPr lang="en-US" sz="6000" b="1" dirty="0">
               <a:latin typeface="TH SarabunPSK" panose="020B0500040200020003" pitchFamily="34" charset="-34"/>
               <a:cs typeface="TH SarabunPSK" panose="020B0500040200020003" pitchFamily="34" charset="-34"/>
             </a:endParaRPr>
@@ -3548,7 +3561,7 @@
           <a:blip r:embed="rId2">
             <a:extLst>
               <a:ext uri="{28A0092B-C50C-407E-A947-70E740481C1C}">
-                <a14:useLocalDpi xmlns:a14="http://schemas.microsoft.com/office/drawing/2010/main" val="0"/>
+                <a14:useLocalDpi xmlns:a14="http://schemas.microsoft.com/office/drawing/2010/main" xmlns="" val="0"/>
               </a:ext>
             </a:extLst>
           </a:blip>
@@ -3558,8 +3571,8 @@
         </p:blipFill>
         <p:spPr>
           <a:xfrm>
-            <a:off x="4571787" y="3005792"/>
-            <a:ext cx="3048425" cy="1991003"/>
+            <a:off x="2400488" y="2448768"/>
+            <a:ext cx="7668330" cy="1989882"/>
           </a:xfrm>
           <a:prstGeom prst="rect">
             <a:avLst/>
@@ -3579,7 +3592,7 @@
     </p:spTree>
     <p:extLst>
       <p:ext uri="{BB962C8B-B14F-4D97-AF65-F5344CB8AC3E}">
-        <p14:creationId xmlns:p14="http://schemas.microsoft.com/office/powerpoint/2010/main" val="116213839"/>
+        <p14:creationId xmlns:p14="http://schemas.microsoft.com/office/powerpoint/2010/main" xmlns="" val="4078668987"/>
       </p:ext>
     </p:extLst>
   </p:cSld>
@@ -3620,7 +3633,7 @@
             <a:spLocks noGrp="1"/>
           </p:cNvSpPr>
           <p:nvPr>
-            <p:ph type="ctrTitle"/>
+            <p:ph type="title"/>
           </p:nvPr>
         </p:nvSpPr>
         <p:spPr/>
@@ -3631,42 +3644,65 @@
           <a:lstStyle/>
           <a:p>
             <a:r>
-              <a:rPr lang="th-TH" sz="6600" dirty="0">
+              <a:rPr lang="th-TH" sz="6000" b="1" dirty="0">
                 <a:latin typeface="TH SarabunPSK" panose="020B0500040200020003" pitchFamily="34" charset="-34"/>
                 <a:cs typeface="TH SarabunPSK" panose="020B0500040200020003" pitchFamily="34" charset="-34"/>
               </a:rPr>
-              <a:t>การตั้งค่า</a:t>
-            </a:r>
-            <a:endParaRPr lang="en-US" sz="6600" dirty="0">
+              <a:t>สร้างหรือแก้ไขปฏิทิน</a:t>
+            </a:r>
+            <a:endParaRPr lang="en-US" sz="6000" b="1" dirty="0">
               <a:latin typeface="TH SarabunPSK" panose="020B0500040200020003" pitchFamily="34" charset="-34"/>
               <a:cs typeface="TH SarabunPSK" panose="020B0500040200020003" pitchFamily="34" charset="-34"/>
             </a:endParaRPr>
           </a:p>
         </p:txBody>
       </p:sp>
-      <p:sp>
-        <p:nvSpPr>
-          <p:cNvPr id="4" name="Subtitle 3"/>
-          <p:cNvSpPr>
-            <a:spLocks noGrp="1"/>
-          </p:cNvSpPr>
-          <p:nvPr>
-            <p:ph type="subTitle" idx="1"/>
-          </p:nvPr>
-        </p:nvSpPr>
-        <p:spPr/>
-        <p:txBody>
-          <a:bodyPr/>
-          <a:lstStyle/>
-          <a:p>
-            <a:endParaRPr lang="en-US"/>
-          </a:p>
-        </p:txBody>
-      </p:sp>
+      <p:pic>
+        <p:nvPicPr>
+          <p:cNvPr id="4" name="Content Placeholder 3"/>
+          <p:cNvPicPr>
+            <a:picLocks noGrp="1" noChangeAspect="1"/>
+          </p:cNvPicPr>
+          <p:nvPr>
+            <p:ph idx="1"/>
+          </p:nvPr>
+        </p:nvPicPr>
+        <p:blipFill>
+          <a:blip r:embed="rId2">
+            <a:extLst>
+              <a:ext uri="{28A0092B-C50C-407E-A947-70E740481C1C}">
+                <a14:useLocalDpi xmlns:a14="http://schemas.microsoft.com/office/drawing/2010/main" xmlns="" val="0"/>
+              </a:ext>
+            </a:extLst>
+          </a:blip>
+          <a:stretch>
+            <a:fillRect/>
+          </a:stretch>
+        </p:blipFill>
+        <p:spPr>
+          <a:xfrm>
+            <a:off x="2593486" y="1825625"/>
+            <a:ext cx="7005028" cy="4351338"/>
+          </a:xfrm>
+          <a:prstGeom prst="rect">
+            <a:avLst/>
+          </a:prstGeom>
+          <a:ln>
+            <a:noFill/>
+          </a:ln>
+          <a:effectLst>
+            <a:outerShdw blurRad="292100" dist="139700" dir="2700000" algn="tl" rotWithShape="0">
+              <a:srgbClr val="333333">
+                <a:alpha val="65000"/>
+              </a:srgbClr>
+            </a:outerShdw>
+          </a:effectLst>
+        </p:spPr>
+      </p:pic>
     </p:spTree>
     <p:extLst>
       <p:ext uri="{BB962C8B-B14F-4D97-AF65-F5344CB8AC3E}">
-        <p14:creationId xmlns:p14="http://schemas.microsoft.com/office/powerpoint/2010/main" val="1542339723"/>
+        <p14:creationId xmlns:p14="http://schemas.microsoft.com/office/powerpoint/2010/main" xmlns="" val="3382266659"/>
       </p:ext>
     </p:extLst>
   </p:cSld>
@@ -3717,14 +3753,22 @@
           </a:bodyPr>
           <a:lstStyle/>
           <a:p>
-            <a:r>
-              <a:rPr lang="th-TH" sz="6000" dirty="0">
+            <a:pPr lvl="0"/>
+            <a:r>
+              <a:rPr lang="th-TH" sz="6000" b="1" dirty="0">
                 <a:latin typeface="TH SarabunPSK" panose="020B0500040200020003" pitchFamily="34" charset="-34"/>
                 <a:cs typeface="TH SarabunPSK" panose="020B0500040200020003" pitchFamily="34" charset="-34"/>
               </a:rPr>
-              <a:t>การตั้งค่าต่างๆ</a:t>
-            </a:r>
-            <a:endParaRPr lang="en-US" sz="6000" dirty="0">
+              <a:t>แบ่งปัน</a:t>
+            </a:r>
+            <a:r>
+              <a:rPr lang="th-TH" sz="6000" b="1" dirty="0" smtClean="0">
+                <a:latin typeface="TH SarabunPSK" panose="020B0500040200020003" pitchFamily="34" charset="-34"/>
+                <a:cs typeface="TH SarabunPSK" panose="020B0500040200020003" pitchFamily="34" charset="-34"/>
+              </a:rPr>
+              <a:t>ปฏิทิน</a:t>
+            </a:r>
+            <a:endParaRPr lang="en-US" sz="6000" b="1" dirty="0">
               <a:latin typeface="TH SarabunPSK" panose="020B0500040200020003" pitchFamily="34" charset="-34"/>
               <a:cs typeface="TH SarabunPSK" panose="020B0500040200020003" pitchFamily="34" charset="-34"/>
             </a:endParaRPr>
@@ -3733,7 +3777,7 @@
       </p:sp>
       <p:pic>
         <p:nvPicPr>
-          <p:cNvPr id="4" name="Content Placeholder 3"/>
+          <p:cNvPr id="6" name="Content Placeholder 5"/>
           <p:cNvPicPr>
             <a:picLocks noGrp="1" noChangeAspect="1"/>
           </p:cNvPicPr>
@@ -3745,7 +3789,7 @@
           <a:blip r:embed="rId2">
             <a:extLst>
               <a:ext uri="{28A0092B-C50C-407E-A947-70E740481C1C}">
-                <a14:useLocalDpi xmlns:a14="http://schemas.microsoft.com/office/drawing/2010/main" val="0"/>
+                <a14:useLocalDpi xmlns:a14="http://schemas.microsoft.com/office/drawing/2010/main" xmlns="" val="0"/>
               </a:ext>
             </a:extLst>
           </a:blip>
@@ -3755,8 +3799,8 @@
         </p:blipFill>
         <p:spPr>
           <a:xfrm>
-            <a:off x="2593486" y="1825625"/>
-            <a:ext cx="7005028" cy="4351338"/>
+            <a:off x="1343619" y="3196532"/>
+            <a:ext cx="9504762" cy="1609524"/>
           </a:xfrm>
           <a:prstGeom prst="rect">
             <a:avLst/>
@@ -3776,7 +3820,7 @@
     </p:spTree>
     <p:extLst>
       <p:ext uri="{BB962C8B-B14F-4D97-AF65-F5344CB8AC3E}">
-        <p14:creationId xmlns:p14="http://schemas.microsoft.com/office/powerpoint/2010/main" val="195296430"/>
+        <p14:creationId xmlns:p14="http://schemas.microsoft.com/office/powerpoint/2010/main" xmlns="" val="2519363631"/>
       </p:ext>
     </p:extLst>
   </p:cSld>
@@ -3817,7 +3861,7 @@
             <a:spLocks noGrp="1"/>
           </p:cNvSpPr>
           <p:nvPr>
-            <p:ph type="title"/>
+            <p:ph type="ctrTitle"/>
           </p:nvPr>
         </p:nvSpPr>
         <p:spPr/>
@@ -3828,13 +3872,100 @@
           <a:lstStyle/>
           <a:p>
             <a:r>
-              <a:rPr lang="th-TH" sz="6000" dirty="0">
+              <a:rPr lang="th-TH" sz="6600" b="1" dirty="0">
                 <a:latin typeface="TH SarabunPSK" panose="020B0500040200020003" pitchFamily="34" charset="-34"/>
                 <a:cs typeface="TH SarabunPSK" panose="020B0500040200020003" pitchFamily="34" charset="-34"/>
               </a:rPr>
-              <a:t>การเพิ่มคุณลักษณะที่อยู่ระหว่างการทดสอบ</a:t>
-            </a:r>
-            <a:endParaRPr lang="en-US" sz="6000" dirty="0">
+              <a:t>การนำเข้า การส่งออก หรือซิงค์ ปฏิทิน</a:t>
+            </a:r>
+            <a:endParaRPr lang="en-US" sz="6600" b="1" dirty="0">
+              <a:latin typeface="TH SarabunPSK" panose="020B0500040200020003" pitchFamily="34" charset="-34"/>
+              <a:cs typeface="TH SarabunPSK" panose="020B0500040200020003" pitchFamily="34" charset="-34"/>
+            </a:endParaRPr>
+          </a:p>
+        </p:txBody>
+      </p:sp>
+      <p:sp>
+        <p:nvSpPr>
+          <p:cNvPr id="3" name="Subtitle 2"/>
+          <p:cNvSpPr>
+            <a:spLocks noGrp="1"/>
+          </p:cNvSpPr>
+          <p:nvPr>
+            <p:ph type="subTitle" idx="1"/>
+          </p:nvPr>
+        </p:nvSpPr>
+        <p:spPr/>
+        <p:txBody>
+          <a:bodyPr/>
+          <a:lstStyle/>
+          <a:p>
+            <a:endParaRPr lang="en-US"/>
+          </a:p>
+        </p:txBody>
+      </p:sp>
+    </p:spTree>
+    <p:extLst>
+      <p:ext uri="{BB962C8B-B14F-4D97-AF65-F5344CB8AC3E}">
+        <p14:creationId xmlns:p14="http://schemas.microsoft.com/office/powerpoint/2010/main" xmlns="" val="2585912091"/>
+      </p:ext>
+    </p:extLst>
+  </p:cSld>
+  <p:clrMapOvr>
+    <a:masterClrMapping/>
+  </p:clrMapOvr>
+  <p:timing>
+    <p:tnLst>
+      <p:par>
+        <p:cTn id="1" dur="indefinite" restart="never" nodeType="tmRoot"/>
+      </p:par>
+    </p:tnLst>
+  </p:timing>
+</p:sld>
+</file>
+
+<file path=ppt/slides/slide18.xml><?xml version="1.0" encoding="utf-8"?>
+<p:sld xmlns:a="http://schemas.openxmlformats.org/drawingml/2006/main" xmlns:r="http://schemas.openxmlformats.org/officeDocument/2006/relationships" xmlns:p="http://schemas.openxmlformats.org/presentationml/2006/main">
+  <p:cSld>
+    <p:spTree>
+      <p:nvGrpSpPr>
+        <p:cNvPr id="1" name=""/>
+        <p:cNvGrpSpPr/>
+        <p:nvPr/>
+      </p:nvGrpSpPr>
+      <p:grpSpPr>
+        <a:xfrm>
+          <a:off x="0" y="0"/>
+          <a:ext cx="0" cy="0"/>
+          <a:chOff x="0" y="0"/>
+          <a:chExt cx="0" cy="0"/>
+        </a:xfrm>
+      </p:grpSpPr>
+      <p:sp>
+        <p:nvSpPr>
+          <p:cNvPr id="2" name="Title 1"/>
+          <p:cNvSpPr>
+            <a:spLocks noGrp="1"/>
+          </p:cNvSpPr>
+          <p:nvPr>
+            <p:ph type="title"/>
+          </p:nvPr>
+        </p:nvSpPr>
+        <p:spPr/>
+        <p:txBody>
+          <a:bodyPr>
+            <a:normAutofit/>
+          </a:bodyPr>
+          <a:lstStyle/>
+          <a:p>
+            <a:r>
+              <a:rPr lang="th-TH" sz="6000" b="1" dirty="0">
+                <a:latin typeface="TH SarabunPSK" panose="020B0500040200020003" pitchFamily="34" charset="-34"/>
+                <a:cs typeface="TH SarabunPSK" panose="020B0500040200020003" pitchFamily="34" charset="-34"/>
+              </a:rPr>
+              <a:t>การนำเข้าข้อมูลปฏิทินจากแหล่งข้อมูลอื่น</a:t>
+            </a:r>
+            <a:endParaRPr lang="en-US" sz="6000" b="1" dirty="0">
               <a:latin typeface="TH SarabunPSK" panose="020B0500040200020003" pitchFamily="34" charset="-34"/>
               <a:cs typeface="TH SarabunPSK" panose="020B0500040200020003" pitchFamily="34" charset="-34"/>
             </a:endParaRPr>
@@ -3855,7 +3986,7 @@
           <a:blip r:embed="rId2">
             <a:extLst>
               <a:ext uri="{28A0092B-C50C-407E-A947-70E740481C1C}">
-                <a14:useLocalDpi xmlns:a14="http://schemas.microsoft.com/office/drawing/2010/main" val="0"/>
+                <a14:useLocalDpi xmlns:a14="http://schemas.microsoft.com/office/drawing/2010/main" xmlns="" val="0"/>
               </a:ext>
             </a:extLst>
           </a:blip>
@@ -3886,7 +4017,117 @@
     </p:spTree>
     <p:extLst>
       <p:ext uri="{BB962C8B-B14F-4D97-AF65-F5344CB8AC3E}">
-        <p14:creationId xmlns:p14="http://schemas.microsoft.com/office/powerpoint/2010/main" val="2590116247"/>
+        <p14:creationId xmlns:p14="http://schemas.microsoft.com/office/powerpoint/2010/main" xmlns="" val="1939372069"/>
+      </p:ext>
+    </p:extLst>
+  </p:cSld>
+  <p:clrMapOvr>
+    <a:masterClrMapping/>
+  </p:clrMapOvr>
+  <p:timing>
+    <p:tnLst>
+      <p:par>
+        <p:cTn id="1" dur="indefinite" restart="never" nodeType="tmRoot"/>
+      </p:par>
+    </p:tnLst>
+  </p:timing>
+</p:sld>
+</file>
+
+<file path=ppt/slides/slide19.xml><?xml version="1.0" encoding="utf-8"?>
+<p:sld xmlns:a="http://schemas.openxmlformats.org/drawingml/2006/main" xmlns:r="http://schemas.openxmlformats.org/officeDocument/2006/relationships" xmlns:p="http://schemas.openxmlformats.org/presentationml/2006/main">
+  <p:cSld>
+    <p:spTree>
+      <p:nvGrpSpPr>
+        <p:cNvPr id="1" name=""/>
+        <p:cNvGrpSpPr/>
+        <p:nvPr/>
+      </p:nvGrpSpPr>
+      <p:grpSpPr>
+        <a:xfrm>
+          <a:off x="0" y="0"/>
+          <a:ext cx="0" cy="0"/>
+          <a:chOff x="0" y="0"/>
+          <a:chExt cx="0" cy="0"/>
+        </a:xfrm>
+      </p:grpSpPr>
+      <p:sp>
+        <p:nvSpPr>
+          <p:cNvPr id="2" name="Title 1"/>
+          <p:cNvSpPr>
+            <a:spLocks noGrp="1"/>
+          </p:cNvSpPr>
+          <p:nvPr>
+            <p:ph type="title"/>
+          </p:nvPr>
+        </p:nvSpPr>
+        <p:spPr/>
+        <p:txBody>
+          <a:bodyPr>
+            <a:noAutofit/>
+          </a:bodyPr>
+          <a:lstStyle/>
+          <a:p>
+            <a:r>
+              <a:rPr lang="th-TH" sz="6000" b="1" dirty="0">
+                <a:latin typeface="TH SarabunPSK" panose="020B0500040200020003" pitchFamily="34" charset="-34"/>
+                <a:cs typeface="TH SarabunPSK" panose="020B0500040200020003" pitchFamily="34" charset="-34"/>
+              </a:rPr>
+              <a:t>การซิงค์ข้อมูลปฏิทินกับโปรแกรมบนเครื่องคอมพิวเตอร์</a:t>
+            </a:r>
+            <a:endParaRPr lang="en-US" sz="6000" b="1" dirty="0">
+              <a:latin typeface="TH SarabunPSK" panose="020B0500040200020003" pitchFamily="34" charset="-34"/>
+              <a:cs typeface="TH SarabunPSK" panose="020B0500040200020003" pitchFamily="34" charset="-34"/>
+            </a:endParaRPr>
+          </a:p>
+        </p:txBody>
+      </p:sp>
+      <p:pic>
+        <p:nvPicPr>
+          <p:cNvPr id="4" name="Content Placeholder 3"/>
+          <p:cNvPicPr>
+            <a:picLocks noGrp="1" noChangeAspect="1"/>
+          </p:cNvPicPr>
+          <p:nvPr>
+            <p:ph idx="1"/>
+          </p:nvPr>
+        </p:nvPicPr>
+        <p:blipFill>
+          <a:blip r:embed="rId2">
+            <a:extLst>
+              <a:ext uri="{28A0092B-C50C-407E-A947-70E740481C1C}">
+                <a14:useLocalDpi xmlns:a14="http://schemas.microsoft.com/office/drawing/2010/main" xmlns="" val="0"/>
+              </a:ext>
+            </a:extLst>
+          </a:blip>
+          <a:stretch>
+            <a:fillRect/>
+          </a:stretch>
+        </p:blipFill>
+        <p:spPr>
+          <a:xfrm>
+            <a:off x="1861546" y="2034107"/>
+            <a:ext cx="8468907" cy="3934374"/>
+          </a:xfrm>
+          <a:prstGeom prst="rect">
+            <a:avLst/>
+          </a:prstGeom>
+          <a:ln>
+            <a:noFill/>
+          </a:ln>
+          <a:effectLst>
+            <a:outerShdw blurRad="292100" dist="139700" dir="2700000" algn="tl" rotWithShape="0">
+              <a:srgbClr val="333333">
+                <a:alpha val="65000"/>
+              </a:srgbClr>
+            </a:outerShdw>
+          </a:effectLst>
+        </p:spPr>
+      </p:pic>
+    </p:spTree>
+    <p:extLst>
+      <p:ext uri="{BB962C8B-B14F-4D97-AF65-F5344CB8AC3E}">
+        <p14:creationId xmlns:p14="http://schemas.microsoft.com/office/powerpoint/2010/main" xmlns="" val="908138130"/>
       </p:ext>
     </p:extLst>
   </p:cSld>
@@ -3938,13 +4179,13 @@
           <a:lstStyle/>
           <a:p>
             <a:r>
-              <a:rPr lang="th-TH" sz="6600" dirty="0" smtClean="0">
+              <a:rPr lang="th-TH" sz="6600" b="1" dirty="0" smtClean="0">
                 <a:latin typeface="TH SarabunPSK" panose="020B0500040200020003" pitchFamily="34" charset="-34"/>
                 <a:cs typeface="TH SarabunPSK" panose="020B0500040200020003" pitchFamily="34" charset="-34"/>
               </a:rPr>
               <a:t>เริ่มต้นใช้งาน</a:t>
             </a:r>
-            <a:endParaRPr lang="en-US" sz="6600" dirty="0">
+            <a:endParaRPr lang="en-US" sz="6600" b="1" dirty="0">
               <a:latin typeface="TH SarabunPSK" panose="020B0500040200020003" pitchFamily="34" charset="-34"/>
               <a:cs typeface="TH SarabunPSK" panose="020B0500040200020003" pitchFamily="34" charset="-34"/>
             </a:endParaRPr>
@@ -3973,7 +4214,424 @@
     </p:spTree>
     <p:extLst>
       <p:ext uri="{BB962C8B-B14F-4D97-AF65-F5344CB8AC3E}">
-        <p14:creationId xmlns:p14="http://schemas.microsoft.com/office/powerpoint/2010/main" val="1065843145"/>
+        <p14:creationId xmlns:p14="http://schemas.microsoft.com/office/powerpoint/2010/main" xmlns="" val="1065843145"/>
+      </p:ext>
+    </p:extLst>
+  </p:cSld>
+  <p:clrMapOvr>
+    <a:masterClrMapping/>
+  </p:clrMapOvr>
+  <p:timing>
+    <p:tnLst>
+      <p:par>
+        <p:cTn id="1" dur="indefinite" restart="never" nodeType="tmRoot"/>
+      </p:par>
+    </p:tnLst>
+  </p:timing>
+</p:sld>
+</file>
+
+<file path=ppt/slides/slide20.xml><?xml version="1.0" encoding="utf-8"?>
+<p:sld xmlns:a="http://schemas.openxmlformats.org/drawingml/2006/main" xmlns:r="http://schemas.openxmlformats.org/officeDocument/2006/relationships" xmlns:p="http://schemas.openxmlformats.org/presentationml/2006/main">
+  <p:cSld>
+    <p:spTree>
+      <p:nvGrpSpPr>
+        <p:cNvPr id="1" name=""/>
+        <p:cNvGrpSpPr/>
+        <p:nvPr/>
+      </p:nvGrpSpPr>
+      <p:grpSpPr>
+        <a:xfrm>
+          <a:off x="0" y="0"/>
+          <a:ext cx="0" cy="0"/>
+          <a:chOff x="0" y="0"/>
+          <a:chExt cx="0" cy="0"/>
+        </a:xfrm>
+      </p:grpSpPr>
+      <p:sp>
+        <p:nvSpPr>
+          <p:cNvPr id="2" name="Title 1"/>
+          <p:cNvSpPr>
+            <a:spLocks noGrp="1"/>
+          </p:cNvSpPr>
+          <p:nvPr>
+            <p:ph type="title"/>
+          </p:nvPr>
+        </p:nvSpPr>
+        <p:spPr/>
+        <p:txBody>
+          <a:bodyPr>
+            <a:normAutofit/>
+          </a:bodyPr>
+          <a:lstStyle/>
+          <a:p>
+            <a:r>
+              <a:rPr lang="th-TH" sz="6000" b="1" dirty="0">
+                <a:latin typeface="TH SarabunPSK" panose="020B0500040200020003" pitchFamily="34" charset="-34"/>
+                <a:cs typeface="TH SarabunPSK" panose="020B0500040200020003" pitchFamily="34" charset="-34"/>
+              </a:rPr>
+              <a:t>การซิงค์ข้อมูลปฏิทินกับอุปกรณ์พกพา</a:t>
+            </a:r>
+            <a:endParaRPr lang="en-US" sz="6000" b="1" dirty="0">
+              <a:latin typeface="TH SarabunPSK" panose="020B0500040200020003" pitchFamily="34" charset="-34"/>
+              <a:cs typeface="TH SarabunPSK" panose="020B0500040200020003" pitchFamily="34" charset="-34"/>
+            </a:endParaRPr>
+          </a:p>
+        </p:txBody>
+      </p:sp>
+      <p:pic>
+        <p:nvPicPr>
+          <p:cNvPr id="4" name="Content Placeholder 3"/>
+          <p:cNvPicPr>
+            <a:picLocks noGrp="1" noChangeAspect="1"/>
+          </p:cNvPicPr>
+          <p:nvPr>
+            <p:ph idx="1"/>
+          </p:nvPr>
+        </p:nvPicPr>
+        <p:blipFill>
+          <a:blip r:embed="rId2">
+            <a:extLst>
+              <a:ext uri="{28A0092B-C50C-407E-A947-70E740481C1C}">
+                <a14:useLocalDpi xmlns:a14="http://schemas.microsoft.com/office/drawing/2010/main" xmlns="" val="0"/>
+              </a:ext>
+            </a:extLst>
+          </a:blip>
+          <a:stretch>
+            <a:fillRect/>
+          </a:stretch>
+        </p:blipFill>
+        <p:spPr>
+          <a:xfrm>
+            <a:off x="4571787" y="3005792"/>
+            <a:ext cx="3048425" cy="1991003"/>
+          </a:xfrm>
+          <a:prstGeom prst="rect">
+            <a:avLst/>
+          </a:prstGeom>
+          <a:ln>
+            <a:noFill/>
+          </a:ln>
+          <a:effectLst>
+            <a:outerShdw blurRad="292100" dist="139700" dir="2700000" algn="tl" rotWithShape="0">
+              <a:srgbClr val="333333">
+                <a:alpha val="65000"/>
+              </a:srgbClr>
+            </a:outerShdw>
+          </a:effectLst>
+        </p:spPr>
+      </p:pic>
+    </p:spTree>
+    <p:extLst>
+      <p:ext uri="{BB962C8B-B14F-4D97-AF65-F5344CB8AC3E}">
+        <p14:creationId xmlns:p14="http://schemas.microsoft.com/office/powerpoint/2010/main" xmlns="" val="116213839"/>
+      </p:ext>
+    </p:extLst>
+  </p:cSld>
+  <p:clrMapOvr>
+    <a:masterClrMapping/>
+  </p:clrMapOvr>
+  <p:timing>
+    <p:tnLst>
+      <p:par>
+        <p:cTn id="1" dur="indefinite" restart="never" nodeType="tmRoot"/>
+      </p:par>
+    </p:tnLst>
+  </p:timing>
+</p:sld>
+</file>
+
+<file path=ppt/slides/slide21.xml><?xml version="1.0" encoding="utf-8"?>
+<p:sld xmlns:a="http://schemas.openxmlformats.org/drawingml/2006/main" xmlns:r="http://schemas.openxmlformats.org/officeDocument/2006/relationships" xmlns:p="http://schemas.openxmlformats.org/presentationml/2006/main">
+  <p:cSld>
+    <p:spTree>
+      <p:nvGrpSpPr>
+        <p:cNvPr id="1" name=""/>
+        <p:cNvGrpSpPr/>
+        <p:nvPr/>
+      </p:nvGrpSpPr>
+      <p:grpSpPr>
+        <a:xfrm>
+          <a:off x="0" y="0"/>
+          <a:ext cx="0" cy="0"/>
+          <a:chOff x="0" y="0"/>
+          <a:chExt cx="0" cy="0"/>
+        </a:xfrm>
+      </p:grpSpPr>
+      <p:sp>
+        <p:nvSpPr>
+          <p:cNvPr id="2" name="Title 1"/>
+          <p:cNvSpPr>
+            <a:spLocks noGrp="1"/>
+          </p:cNvSpPr>
+          <p:nvPr>
+            <p:ph type="ctrTitle"/>
+          </p:nvPr>
+        </p:nvSpPr>
+        <p:spPr/>
+        <p:txBody>
+          <a:bodyPr>
+            <a:normAutofit/>
+          </a:bodyPr>
+          <a:lstStyle/>
+          <a:p>
+            <a:r>
+              <a:rPr lang="th-TH" sz="6600" b="1" dirty="0">
+                <a:latin typeface="TH SarabunPSK" panose="020B0500040200020003" pitchFamily="34" charset="-34"/>
+                <a:cs typeface="TH SarabunPSK" panose="020B0500040200020003" pitchFamily="34" charset="-34"/>
+              </a:rPr>
+              <a:t>การตั้งค่า</a:t>
+            </a:r>
+            <a:endParaRPr lang="en-US" sz="6600" b="1" dirty="0">
+              <a:latin typeface="TH SarabunPSK" panose="020B0500040200020003" pitchFamily="34" charset="-34"/>
+              <a:cs typeface="TH SarabunPSK" panose="020B0500040200020003" pitchFamily="34" charset="-34"/>
+            </a:endParaRPr>
+          </a:p>
+        </p:txBody>
+      </p:sp>
+      <p:sp>
+        <p:nvSpPr>
+          <p:cNvPr id="4" name="Subtitle 3"/>
+          <p:cNvSpPr>
+            <a:spLocks noGrp="1"/>
+          </p:cNvSpPr>
+          <p:nvPr>
+            <p:ph type="subTitle" idx="1"/>
+          </p:nvPr>
+        </p:nvSpPr>
+        <p:spPr/>
+        <p:txBody>
+          <a:bodyPr/>
+          <a:lstStyle/>
+          <a:p>
+            <a:endParaRPr lang="en-US"/>
+          </a:p>
+        </p:txBody>
+      </p:sp>
+    </p:spTree>
+    <p:extLst>
+      <p:ext uri="{BB962C8B-B14F-4D97-AF65-F5344CB8AC3E}">
+        <p14:creationId xmlns:p14="http://schemas.microsoft.com/office/powerpoint/2010/main" xmlns="" val="1542339723"/>
+      </p:ext>
+    </p:extLst>
+  </p:cSld>
+  <p:clrMapOvr>
+    <a:masterClrMapping/>
+  </p:clrMapOvr>
+  <p:timing>
+    <p:tnLst>
+      <p:par>
+        <p:cTn id="1" dur="indefinite" restart="never" nodeType="tmRoot"/>
+      </p:par>
+    </p:tnLst>
+  </p:timing>
+</p:sld>
+</file>
+
+<file path=ppt/slides/slide22.xml><?xml version="1.0" encoding="utf-8"?>
+<p:sld xmlns:a="http://schemas.openxmlformats.org/drawingml/2006/main" xmlns:r="http://schemas.openxmlformats.org/officeDocument/2006/relationships" xmlns:p="http://schemas.openxmlformats.org/presentationml/2006/main">
+  <p:cSld>
+    <p:spTree>
+      <p:nvGrpSpPr>
+        <p:cNvPr id="1" name=""/>
+        <p:cNvGrpSpPr/>
+        <p:nvPr/>
+      </p:nvGrpSpPr>
+      <p:grpSpPr>
+        <a:xfrm>
+          <a:off x="0" y="0"/>
+          <a:ext cx="0" cy="0"/>
+          <a:chOff x="0" y="0"/>
+          <a:chExt cx="0" cy="0"/>
+        </a:xfrm>
+      </p:grpSpPr>
+      <p:sp>
+        <p:nvSpPr>
+          <p:cNvPr id="2" name="Title 1"/>
+          <p:cNvSpPr>
+            <a:spLocks noGrp="1"/>
+          </p:cNvSpPr>
+          <p:nvPr>
+            <p:ph type="title"/>
+          </p:nvPr>
+        </p:nvSpPr>
+        <p:spPr/>
+        <p:txBody>
+          <a:bodyPr>
+            <a:normAutofit/>
+          </a:bodyPr>
+          <a:lstStyle/>
+          <a:p>
+            <a:r>
+              <a:rPr lang="th-TH" sz="6000" b="1" dirty="0">
+                <a:latin typeface="TH SarabunPSK" panose="020B0500040200020003" pitchFamily="34" charset="-34"/>
+                <a:cs typeface="TH SarabunPSK" panose="020B0500040200020003" pitchFamily="34" charset="-34"/>
+              </a:rPr>
+              <a:t>การตั้งค่าต่างๆ</a:t>
+            </a:r>
+            <a:endParaRPr lang="en-US" sz="6000" b="1" dirty="0">
+              <a:latin typeface="TH SarabunPSK" panose="020B0500040200020003" pitchFamily="34" charset="-34"/>
+              <a:cs typeface="TH SarabunPSK" panose="020B0500040200020003" pitchFamily="34" charset="-34"/>
+            </a:endParaRPr>
+          </a:p>
+        </p:txBody>
+      </p:sp>
+      <p:pic>
+        <p:nvPicPr>
+          <p:cNvPr id="4" name="Content Placeholder 3"/>
+          <p:cNvPicPr>
+            <a:picLocks noGrp="1" noChangeAspect="1"/>
+          </p:cNvPicPr>
+          <p:nvPr>
+            <p:ph idx="1"/>
+          </p:nvPr>
+        </p:nvPicPr>
+        <p:blipFill>
+          <a:blip r:embed="rId2">
+            <a:extLst>
+              <a:ext uri="{28A0092B-C50C-407E-A947-70E740481C1C}">
+                <a14:useLocalDpi xmlns:a14="http://schemas.microsoft.com/office/drawing/2010/main" xmlns="" val="0"/>
+              </a:ext>
+            </a:extLst>
+          </a:blip>
+          <a:stretch>
+            <a:fillRect/>
+          </a:stretch>
+        </p:blipFill>
+        <p:spPr>
+          <a:xfrm>
+            <a:off x="2593486" y="1825625"/>
+            <a:ext cx="7005028" cy="4351338"/>
+          </a:xfrm>
+          <a:prstGeom prst="rect">
+            <a:avLst/>
+          </a:prstGeom>
+          <a:ln>
+            <a:noFill/>
+          </a:ln>
+          <a:effectLst>
+            <a:outerShdw blurRad="292100" dist="139700" dir="2700000" algn="tl" rotWithShape="0">
+              <a:srgbClr val="333333">
+                <a:alpha val="65000"/>
+              </a:srgbClr>
+            </a:outerShdw>
+          </a:effectLst>
+        </p:spPr>
+      </p:pic>
+    </p:spTree>
+    <p:extLst>
+      <p:ext uri="{BB962C8B-B14F-4D97-AF65-F5344CB8AC3E}">
+        <p14:creationId xmlns:p14="http://schemas.microsoft.com/office/powerpoint/2010/main" xmlns="" val="195296430"/>
+      </p:ext>
+    </p:extLst>
+  </p:cSld>
+  <p:clrMapOvr>
+    <a:masterClrMapping/>
+  </p:clrMapOvr>
+  <p:timing>
+    <p:tnLst>
+      <p:par>
+        <p:cTn id="1" dur="indefinite" restart="never" nodeType="tmRoot"/>
+      </p:par>
+    </p:tnLst>
+  </p:timing>
+</p:sld>
+</file>
+
+<file path=ppt/slides/slide23.xml><?xml version="1.0" encoding="utf-8"?>
+<p:sld xmlns:a="http://schemas.openxmlformats.org/drawingml/2006/main" xmlns:r="http://schemas.openxmlformats.org/officeDocument/2006/relationships" xmlns:p="http://schemas.openxmlformats.org/presentationml/2006/main">
+  <p:cSld>
+    <p:spTree>
+      <p:nvGrpSpPr>
+        <p:cNvPr id="1" name=""/>
+        <p:cNvGrpSpPr/>
+        <p:nvPr/>
+      </p:nvGrpSpPr>
+      <p:grpSpPr>
+        <a:xfrm>
+          <a:off x="0" y="0"/>
+          <a:ext cx="0" cy="0"/>
+          <a:chOff x="0" y="0"/>
+          <a:chExt cx="0" cy="0"/>
+        </a:xfrm>
+      </p:grpSpPr>
+      <p:sp>
+        <p:nvSpPr>
+          <p:cNvPr id="2" name="Title 1"/>
+          <p:cNvSpPr>
+            <a:spLocks noGrp="1"/>
+          </p:cNvSpPr>
+          <p:nvPr>
+            <p:ph type="title"/>
+          </p:nvPr>
+        </p:nvSpPr>
+        <p:spPr/>
+        <p:txBody>
+          <a:bodyPr>
+            <a:normAutofit/>
+          </a:bodyPr>
+          <a:lstStyle/>
+          <a:p>
+            <a:r>
+              <a:rPr lang="th-TH" sz="6000" b="1" dirty="0">
+                <a:latin typeface="TH SarabunPSK" panose="020B0500040200020003" pitchFamily="34" charset="-34"/>
+                <a:cs typeface="TH SarabunPSK" panose="020B0500040200020003" pitchFamily="34" charset="-34"/>
+              </a:rPr>
+              <a:t>การเพิ่มคุณลักษณะที่อยู่ระหว่างการทดสอบ</a:t>
+            </a:r>
+            <a:endParaRPr lang="en-US" sz="6000" b="1" dirty="0">
+              <a:latin typeface="TH SarabunPSK" panose="020B0500040200020003" pitchFamily="34" charset="-34"/>
+              <a:cs typeface="TH SarabunPSK" panose="020B0500040200020003" pitchFamily="34" charset="-34"/>
+            </a:endParaRPr>
+          </a:p>
+        </p:txBody>
+      </p:sp>
+      <p:pic>
+        <p:nvPicPr>
+          <p:cNvPr id="4" name="Content Placeholder 3"/>
+          <p:cNvPicPr>
+            <a:picLocks noGrp="1" noChangeAspect="1"/>
+          </p:cNvPicPr>
+          <p:nvPr>
+            <p:ph idx="1"/>
+          </p:nvPr>
+        </p:nvPicPr>
+        <p:blipFill>
+          <a:blip r:embed="rId2">
+            <a:extLst>
+              <a:ext uri="{28A0092B-C50C-407E-A947-70E740481C1C}">
+                <a14:useLocalDpi xmlns:a14="http://schemas.microsoft.com/office/drawing/2010/main" xmlns="" val="0"/>
+              </a:ext>
+            </a:extLst>
+          </a:blip>
+          <a:stretch>
+            <a:fillRect/>
+          </a:stretch>
+        </p:blipFill>
+        <p:spPr>
+          <a:xfrm>
+            <a:off x="2593486" y="1825625"/>
+            <a:ext cx="7005028" cy="4351338"/>
+          </a:xfrm>
+          <a:prstGeom prst="rect">
+            <a:avLst/>
+          </a:prstGeom>
+          <a:ln>
+            <a:noFill/>
+          </a:ln>
+          <a:effectLst>
+            <a:outerShdw blurRad="292100" dist="139700" dir="2700000" algn="tl" rotWithShape="0">
+              <a:srgbClr val="333333">
+                <a:alpha val="65000"/>
+              </a:srgbClr>
+            </a:outerShdw>
+          </a:effectLst>
+        </p:spPr>
+      </p:pic>
+    </p:spTree>
+    <p:extLst>
+      <p:ext uri="{BB962C8B-B14F-4D97-AF65-F5344CB8AC3E}">
+        <p14:creationId xmlns:p14="http://schemas.microsoft.com/office/powerpoint/2010/main" xmlns="" val="2590116247"/>
       </p:ext>
     </p:extLst>
   </p:cSld>
@@ -4009,7 +4667,7 @@
       </p:grpSpPr>
       <p:sp>
         <p:nvSpPr>
-          <p:cNvPr id="2" name="Title 1"/>
+          <p:cNvPr id="2" name="ชื่อเรื่อง 1"/>
           <p:cNvSpPr>
             <a:spLocks noGrp="1"/>
           </p:cNvSpPr>
@@ -4025,29 +4683,29 @@
           <a:lstStyle/>
           <a:p>
             <a:r>
-              <a:rPr lang="en-US" sz="6000" dirty="0">
-                <a:latin typeface="TH SarabunPSK" panose="020B0500040200020003" pitchFamily="34" charset="-34"/>
-                <a:cs typeface="TH SarabunPSK" panose="020B0500040200020003" pitchFamily="34" charset="-34"/>
+              <a:rPr lang="th-TH" sz="6600" b="1" dirty="0" smtClean="0">
+                <a:latin typeface="TH SarabunPSK" pitchFamily="34" charset="-34"/>
+                <a:cs typeface="TH SarabunPSK" pitchFamily="34" charset="-34"/>
               </a:rPr>
-              <a:t>Google Calendar </a:t>
-            </a:r>
-            <a:r>
-              <a:rPr lang="th-TH" sz="6000" dirty="0">
-                <a:latin typeface="TH SarabunPSK" panose="020B0500040200020003" pitchFamily="34" charset="-34"/>
-                <a:cs typeface="TH SarabunPSK" panose="020B0500040200020003" pitchFamily="34" charset="-34"/>
+              <a:t>บริการของ </a:t>
+            </a:r>
+            <a:r>
+              <a:rPr lang="en-US" sz="6600" b="1" dirty="0" smtClean="0">
+                <a:latin typeface="TH SarabunPSK" pitchFamily="34" charset="-34"/>
+                <a:cs typeface="TH SarabunPSK" pitchFamily="34" charset="-34"/>
               </a:rPr>
-              <a:t>คือ</a:t>
-            </a:r>
-            <a:endParaRPr lang="en-US" sz="6000" dirty="0">
-              <a:latin typeface="TH SarabunPSK" panose="020B0500040200020003" pitchFamily="34" charset="-34"/>
-              <a:cs typeface="TH SarabunPSK" panose="020B0500040200020003" pitchFamily="34" charset="-34"/>
+              <a:t>Google</a:t>
+            </a:r>
+            <a:endParaRPr lang="th-TH" sz="6600" b="1" dirty="0">
+              <a:latin typeface="TH SarabunPSK" pitchFamily="34" charset="-34"/>
+              <a:cs typeface="TH SarabunPSK" pitchFamily="34" charset="-34"/>
             </a:endParaRPr>
           </a:p>
         </p:txBody>
       </p:sp>
       <p:sp>
         <p:nvSpPr>
-          <p:cNvPr id="3" name="Content Placeholder 2"/>
+          <p:cNvPr id="3" name="ตัวยึดเนื้อหา 2"/>
           <p:cNvSpPr>
             <a:spLocks noGrp="1"/>
           </p:cNvSpPr>
@@ -4057,89 +4715,46 @@
         </p:nvSpPr>
         <p:spPr/>
         <p:txBody>
-          <a:bodyPr>
-            <a:normAutofit/>
-          </a:bodyPr>
-          <a:lstStyle/>
-          <a:p>
-            <a:pPr lvl="0"/>
-            <a:r>
-              <a:rPr lang="en-US" sz="3200" dirty="0">
-                <a:latin typeface="TH SarabunPSK" panose="020B0500040200020003" pitchFamily="34" charset="-34"/>
-                <a:cs typeface="TH SarabunPSK" panose="020B0500040200020003" pitchFamily="34" charset="-34"/>
-              </a:rPr>
-              <a:t>Google Calendar </a:t>
-            </a:r>
-            <a:r>
-              <a:rPr lang="th-TH" sz="3200" dirty="0">
-                <a:latin typeface="TH SarabunPSK" panose="020B0500040200020003" pitchFamily="34" charset="-34"/>
-                <a:cs typeface="TH SarabunPSK" panose="020B0500040200020003" pitchFamily="34" charset="-34"/>
-              </a:rPr>
-              <a:t>คือ บริการปฏิทินแบบออนไลน์ของ </a:t>
-            </a:r>
-            <a:r>
-              <a:rPr lang="en-US" sz="3200" dirty="0">
-                <a:latin typeface="TH SarabunPSK" panose="020B0500040200020003" pitchFamily="34" charset="-34"/>
-                <a:cs typeface="TH SarabunPSK" panose="020B0500040200020003" pitchFamily="34" charset="-34"/>
-              </a:rPr>
-              <a:t>Google </a:t>
-            </a:r>
-            <a:r>
-              <a:rPr lang="th-TH" sz="3200" dirty="0">
-                <a:latin typeface="TH SarabunPSK" panose="020B0500040200020003" pitchFamily="34" charset="-34"/>
-                <a:cs typeface="TH SarabunPSK" panose="020B0500040200020003" pitchFamily="34" charset="-34"/>
-              </a:rPr>
-              <a:t>ซึ่งทำให้สามารถเก็บข้อมูลเหตุการณ์ต่างๆ รวมไว้ในที่เดียวกันได้ ไม่ว่าจะเป็นการสร้างกำหนดการนัดหมายและกำหนดเวลาเหตุการณ์ต่างๆ สามารถส่งข้อความเชิญ สามารถใช้ปฏิทินร่วมกับเพื่อนร่วมงาน และ ค้นหาเหตุการณ์ต่างๆ ได้</a:t>
-            </a:r>
-            <a:endParaRPr lang="en-US" sz="3200" dirty="0">
-              <a:latin typeface="TH SarabunPSK" panose="020B0500040200020003" pitchFamily="34" charset="-34"/>
-              <a:cs typeface="TH SarabunPSK" panose="020B0500040200020003" pitchFamily="34" charset="-34"/>
-            </a:endParaRPr>
-          </a:p>
-          <a:p>
-            <a:r>
-              <a:rPr lang="th-TH" sz="3200" dirty="0" smtClean="0">
-                <a:latin typeface="TH SarabunPSK" panose="020B0500040200020003" pitchFamily="34" charset="-34"/>
-                <a:cs typeface="TH SarabunPSK" panose="020B0500040200020003" pitchFamily="34" charset="-34"/>
-              </a:rPr>
-              <a:t>การ</a:t>
-            </a:r>
-            <a:r>
-              <a:rPr lang="th-TH" sz="3200" dirty="0">
-                <a:latin typeface="TH SarabunPSK" panose="020B0500040200020003" pitchFamily="34" charset="-34"/>
-                <a:cs typeface="TH SarabunPSK" panose="020B0500040200020003" pitchFamily="34" charset="-34"/>
-              </a:rPr>
-              <a:t>เข้าใช้งานให้เข้าไปที่ </a:t>
-            </a:r>
-            <a:r>
-              <a:rPr lang="en-US" sz="3200" u="sng" dirty="0">
-                <a:latin typeface="TH SarabunPSK" panose="020B0500040200020003" pitchFamily="34" charset="-34"/>
-                <a:cs typeface="TH SarabunPSK" panose="020B0500040200020003" pitchFamily="34" charset="-34"/>
-                <a:hlinkClick r:id="rId2"/>
-              </a:rPr>
-              <a:t>https://www.google.com/calendar</a:t>
-            </a:r>
-            <a:r>
-              <a:rPr lang="en-US" sz="3200" u="sng" dirty="0" smtClean="0">
-                <a:latin typeface="TH SarabunPSK" panose="020B0500040200020003" pitchFamily="34" charset="-34"/>
-                <a:cs typeface="TH SarabunPSK" panose="020B0500040200020003" pitchFamily="34" charset="-34"/>
-                <a:hlinkClick r:id="rId2"/>
-              </a:rPr>
-              <a:t>/</a:t>
-            </a:r>
-            <a:endParaRPr lang="en-US" sz="3200" dirty="0">
-              <a:latin typeface="TH SarabunPSK" panose="020B0500040200020003" pitchFamily="34" charset="-34"/>
-              <a:cs typeface="TH SarabunPSK" panose="020B0500040200020003" pitchFamily="34" charset="-34"/>
-            </a:endParaRPr>
+          <a:bodyPr/>
+          <a:lstStyle/>
+          <a:p>
+            <a:r>
+              <a:rPr lang="en-US" b="1" dirty="0" smtClean="0"/>
+              <a:t>Gmail</a:t>
+            </a:r>
+          </a:p>
+          <a:p>
+            <a:r>
+              <a:rPr lang="en-US" b="1" dirty="0" smtClean="0"/>
+              <a:t>Google Translate</a:t>
+            </a:r>
+          </a:p>
+          <a:p>
+            <a:r>
+              <a:rPr lang="en-US" b="1" u="sng" dirty="0" smtClean="0"/>
+              <a:t>Google Calendar</a:t>
+            </a:r>
+          </a:p>
+          <a:p>
+            <a:r>
+              <a:rPr lang="en-US" b="1" dirty="0" smtClean="0"/>
+              <a:t>Google Drive</a:t>
+            </a:r>
+          </a:p>
+          <a:p>
+            <a:r>
+              <a:rPr lang="en-US" b="1" dirty="0" smtClean="0"/>
+              <a:t>e</a:t>
+            </a:r>
+            <a:r>
+              <a:rPr lang="en-US" b="1" dirty="0" smtClean="0"/>
+              <a:t>tc.</a:t>
+            </a:r>
+            <a:endParaRPr lang="th-TH" b="1" dirty="0"/>
           </a:p>
         </p:txBody>
       </p:sp>
     </p:spTree>
-    <p:extLst>
-      <p:ext uri="{BB962C8B-B14F-4D97-AF65-F5344CB8AC3E}">
-        <p14:creationId xmlns:p14="http://schemas.microsoft.com/office/powerpoint/2010/main" val="3857340605"/>
-      </p:ext>
-    </p:extLst>
   </p:cSld>
   <p:clrMapOvr>
     <a:masterClrMapping/>
@@ -4189,68 +4804,147 @@
           <a:lstStyle/>
           <a:p>
             <a:r>
-              <a:rPr lang="th-TH" sz="6000" dirty="0">
+              <a:rPr lang="en-US" sz="6000" b="1" dirty="0">
                 <a:latin typeface="TH SarabunPSK" panose="020B0500040200020003" pitchFamily="34" charset="-34"/>
                 <a:cs typeface="TH SarabunPSK" panose="020B0500040200020003" pitchFamily="34" charset="-34"/>
               </a:rPr>
-              <a:t>อธิบายหน้าจอการทำงานของ </a:t>
-            </a:r>
-            <a:r>
-              <a:rPr lang="en-US" sz="6000" dirty="0">
+              <a:t>Google Calendar </a:t>
+            </a:r>
+            <a:r>
+              <a:rPr lang="th-TH" sz="6000" b="1" dirty="0">
                 <a:latin typeface="TH SarabunPSK" panose="020B0500040200020003" pitchFamily="34" charset="-34"/>
                 <a:cs typeface="TH SarabunPSK" panose="020B0500040200020003" pitchFamily="34" charset="-34"/>
               </a:rPr>
-              <a:t>Google Calendar</a:t>
-            </a:r>
-          </a:p>
-        </p:txBody>
-      </p:sp>
-      <p:pic>
-        <p:nvPicPr>
-          <p:cNvPr id="4" name="Content Placeholder 3"/>
-          <p:cNvPicPr>
-            <a:picLocks noGrp="1" noChangeAspect="1"/>
-          </p:cNvPicPr>
+              <a:t>คือ</a:t>
+            </a:r>
+            <a:endParaRPr lang="en-US" sz="6000" b="1" dirty="0">
+              <a:latin typeface="TH SarabunPSK" panose="020B0500040200020003" pitchFamily="34" charset="-34"/>
+              <a:cs typeface="TH SarabunPSK" panose="020B0500040200020003" pitchFamily="34" charset="-34"/>
+            </a:endParaRPr>
+          </a:p>
+        </p:txBody>
+      </p:sp>
+      <p:sp>
+        <p:nvSpPr>
+          <p:cNvPr id="3" name="Content Placeholder 2"/>
+          <p:cNvSpPr>
+            <a:spLocks noGrp="1"/>
+          </p:cNvSpPr>
           <p:nvPr>
             <p:ph idx="1"/>
           </p:nvPr>
-        </p:nvPicPr>
-        <p:blipFill>
-          <a:blip r:embed="rId2">
-            <a:extLst>
-              <a:ext uri="{28A0092B-C50C-407E-A947-70E740481C1C}">
-                <a14:useLocalDpi xmlns:a14="http://schemas.microsoft.com/office/drawing/2010/main" val="0"/>
-              </a:ext>
-            </a:extLst>
-          </a:blip>
-          <a:stretch>
-            <a:fillRect/>
-          </a:stretch>
-        </p:blipFill>
-        <p:spPr>
-          <a:xfrm>
-            <a:off x="2593486" y="1825625"/>
-            <a:ext cx="7005028" cy="4351338"/>
-          </a:xfrm>
-          <a:prstGeom prst="rect">
-            <a:avLst/>
-          </a:prstGeom>
-          <a:ln>
-            <a:noFill/>
-          </a:ln>
-          <a:effectLst>
-            <a:outerShdw blurRad="292100" dist="139700" dir="2700000" algn="tl" rotWithShape="0">
-              <a:srgbClr val="333333">
-                <a:alpha val="65000"/>
-              </a:srgbClr>
-            </a:outerShdw>
-          </a:effectLst>
-        </p:spPr>
-      </p:pic>
+        </p:nvSpPr>
+        <p:spPr/>
+        <p:txBody>
+          <a:bodyPr>
+            <a:normAutofit/>
+          </a:bodyPr>
+          <a:lstStyle/>
+          <a:p>
+            <a:pPr lvl="0"/>
+            <a:r>
+              <a:rPr lang="en-US" sz="3200" b="1" dirty="0">
+                <a:latin typeface="TH SarabunPSK" panose="020B0500040200020003" pitchFamily="34" charset="-34"/>
+                <a:cs typeface="TH SarabunPSK" panose="020B0500040200020003" pitchFamily="34" charset="-34"/>
+              </a:rPr>
+              <a:t>Google Calendar </a:t>
+            </a:r>
+            <a:r>
+              <a:rPr lang="th-TH" sz="3200" b="1" dirty="0">
+                <a:latin typeface="TH SarabunPSK" panose="020B0500040200020003" pitchFamily="34" charset="-34"/>
+                <a:cs typeface="TH SarabunPSK" panose="020B0500040200020003" pitchFamily="34" charset="-34"/>
+              </a:rPr>
+              <a:t>คือ บริการปฏิทินแบบออนไลน์ของ </a:t>
+            </a:r>
+            <a:r>
+              <a:rPr lang="en-US" sz="3200" b="1" dirty="0">
+                <a:latin typeface="TH SarabunPSK" panose="020B0500040200020003" pitchFamily="34" charset="-34"/>
+                <a:cs typeface="TH SarabunPSK" panose="020B0500040200020003" pitchFamily="34" charset="-34"/>
+              </a:rPr>
+              <a:t>Google </a:t>
+            </a:r>
+            <a:r>
+              <a:rPr lang="th-TH" sz="3200" b="1" dirty="0">
+                <a:latin typeface="TH SarabunPSK" panose="020B0500040200020003" pitchFamily="34" charset="-34"/>
+                <a:cs typeface="TH SarabunPSK" panose="020B0500040200020003" pitchFamily="34" charset="-34"/>
+              </a:rPr>
+              <a:t>ซึ่งทำให้สามารถเก็บข้อมูลเหตุการณ์ต่างๆ รวมไว้ในที่เดียวกันได้ ไม่ว่าจะเป็นการสร้างกำหนดการนัดหมายและกำหนดเวลาเหตุการณ์ต่างๆ สามารถส่งข้อความเชิญ สามารถใช้ปฏิทินร่วมกับเพื่อนร่วมงาน และ ค้นหาเหตุการณ์ต่างๆ ได้</a:t>
+            </a:r>
+            <a:endParaRPr lang="en-US" sz="3200" b="1" dirty="0">
+              <a:latin typeface="TH SarabunPSK" panose="020B0500040200020003" pitchFamily="34" charset="-34"/>
+              <a:cs typeface="TH SarabunPSK" panose="020B0500040200020003" pitchFamily="34" charset="-34"/>
+            </a:endParaRPr>
+          </a:p>
+          <a:p>
+            <a:r>
+              <a:rPr lang="th-TH" sz="3200" b="1" dirty="0" smtClean="0">
+                <a:latin typeface="TH SarabunPSK" panose="020B0500040200020003" pitchFamily="34" charset="-34"/>
+                <a:cs typeface="TH SarabunPSK" panose="020B0500040200020003" pitchFamily="34" charset="-34"/>
+              </a:rPr>
+              <a:t>การ</a:t>
+            </a:r>
+            <a:r>
+              <a:rPr lang="th-TH" sz="3200" b="1" dirty="0">
+                <a:latin typeface="TH SarabunPSK" panose="020B0500040200020003" pitchFamily="34" charset="-34"/>
+                <a:cs typeface="TH SarabunPSK" panose="020B0500040200020003" pitchFamily="34" charset="-34"/>
+              </a:rPr>
+              <a:t>เข้าใช้งานให้เข้าไปที่ </a:t>
+            </a:r>
+            <a:r>
+              <a:rPr lang="en-US" sz="3200" b="1" u="sng" dirty="0">
+                <a:latin typeface="TH SarabunPSK" panose="020B0500040200020003" pitchFamily="34" charset="-34"/>
+                <a:cs typeface="TH SarabunPSK" panose="020B0500040200020003" pitchFamily="34" charset="-34"/>
+                <a:hlinkClick r:id="rId2"/>
+              </a:rPr>
+              <a:t>https://www.google.com/calendar</a:t>
+            </a:r>
+            <a:r>
+              <a:rPr lang="en-US" sz="3200" b="1" u="sng" dirty="0" smtClean="0">
+                <a:latin typeface="TH SarabunPSK" panose="020B0500040200020003" pitchFamily="34" charset="-34"/>
+                <a:cs typeface="TH SarabunPSK" panose="020B0500040200020003" pitchFamily="34" charset="-34"/>
+                <a:hlinkClick r:id="rId2"/>
+              </a:rPr>
+              <a:t>/</a:t>
+            </a:r>
+            <a:r>
+              <a:rPr lang="en-US" sz="3200" b="1" dirty="0" smtClean="0">
+                <a:latin typeface="TH SarabunPSK" panose="020B0500040200020003" pitchFamily="34" charset="-34"/>
+                <a:cs typeface="TH SarabunPSK" panose="020B0500040200020003" pitchFamily="34" charset="-34"/>
+              </a:rPr>
+              <a:t> </a:t>
+            </a:r>
+            <a:r>
+              <a:rPr lang="th-TH" sz="3200" b="1" dirty="0" smtClean="0">
+                <a:latin typeface="TH SarabunPSK" panose="020B0500040200020003" pitchFamily="34" charset="-34"/>
+                <a:cs typeface="TH SarabunPSK" panose="020B0500040200020003" pitchFamily="34" charset="-34"/>
+              </a:rPr>
+              <a:t>หรือ </a:t>
+            </a:r>
+            <a:r>
+              <a:rPr lang="en-US" sz="3200" b="1" dirty="0" smtClean="0">
+                <a:latin typeface="TH SarabunPSK" panose="020B0500040200020003" pitchFamily="34" charset="-34"/>
+                <a:cs typeface="TH SarabunPSK" panose="020B0500040200020003" pitchFamily="34" charset="-34"/>
+                <a:hlinkClick r:id="rId3"/>
+              </a:rPr>
+              <a:t>www.gmail.com</a:t>
+            </a:r>
+            <a:endParaRPr lang="en-US" sz="3200" b="1" dirty="0" smtClean="0">
+              <a:latin typeface="TH SarabunPSK" panose="020B0500040200020003" pitchFamily="34" charset="-34"/>
+              <a:cs typeface="TH SarabunPSK" panose="020B0500040200020003" pitchFamily="34" charset="-34"/>
+            </a:endParaRPr>
+          </a:p>
+          <a:p>
+            <a:endParaRPr lang="en-US" sz="3200" b="1" dirty="0">
+              <a:latin typeface="TH SarabunPSK" panose="020B0500040200020003" pitchFamily="34" charset="-34"/>
+              <a:cs typeface="TH SarabunPSK" panose="020B0500040200020003" pitchFamily="34" charset="-34"/>
+            </a:endParaRPr>
+          </a:p>
+        </p:txBody>
+      </p:sp>
     </p:spTree>
     <p:extLst>
       <p:ext uri="{BB962C8B-B14F-4D97-AF65-F5344CB8AC3E}">
-        <p14:creationId xmlns:p14="http://schemas.microsoft.com/office/powerpoint/2010/main" val="1282511583"/>
+        <p14:creationId xmlns:p14="http://schemas.microsoft.com/office/powerpoint/2010/main" xmlns="" val="3857340605"/>
       </p:ext>
     </p:extLst>
   </p:cSld>
@@ -4286,50 +4980,12 @@
       </p:grpSpPr>
       <p:sp>
         <p:nvSpPr>
-          <p:cNvPr id="2" name="Title 1"/>
-          <p:cNvSpPr>
-            <a:spLocks noGrp="1"/>
-          </p:cNvSpPr>
-          <p:nvPr>
-            <p:ph type="ctrTitle"/>
-          </p:nvPr>
-        </p:nvSpPr>
-        <p:spPr/>
-        <p:txBody>
-          <a:bodyPr>
-            <a:normAutofit/>
-          </a:bodyPr>
-          <a:lstStyle/>
-          <a:p>
-            <a:r>
-              <a:rPr lang="th-TH" sz="6600" dirty="0">
-                <a:latin typeface="TH SarabunPSK" panose="020B0500040200020003" pitchFamily="34" charset="-34"/>
-                <a:cs typeface="TH SarabunPSK" panose="020B0500040200020003" pitchFamily="34" charset="-34"/>
-              </a:rPr>
-              <a:t>สร้างหรือแก้ไข</a:t>
-            </a:r>
-            <a:r>
-              <a:rPr lang="th-TH" sz="6600" dirty="0" smtClean="0">
-                <a:latin typeface="TH SarabunPSK" panose="020B0500040200020003" pitchFamily="34" charset="-34"/>
-                <a:cs typeface="TH SarabunPSK" panose="020B0500040200020003" pitchFamily="34" charset="-34"/>
-              </a:rPr>
-              <a:t>กิจกรรม</a:t>
-            </a:r>
-            <a:endParaRPr lang="en-US" sz="6600" dirty="0">
-              <a:latin typeface="TH SarabunPSK" panose="020B0500040200020003" pitchFamily="34" charset="-34"/>
-              <a:cs typeface="TH SarabunPSK" panose="020B0500040200020003" pitchFamily="34" charset="-34"/>
-            </a:endParaRPr>
-          </a:p>
-        </p:txBody>
-      </p:sp>
-      <p:sp>
-        <p:nvSpPr>
-          <p:cNvPr id="4" name="Subtitle 3"/>
-          <p:cNvSpPr>
-            <a:spLocks noGrp="1"/>
-          </p:cNvSpPr>
-          <p:nvPr>
-            <p:ph type="subTitle" idx="1"/>
+          <p:cNvPr id="2" name="ชื่อเรื่อง 1"/>
+          <p:cNvSpPr>
+            <a:spLocks noGrp="1"/>
+          </p:cNvSpPr>
+          <p:nvPr>
+            <p:ph type="title"/>
           </p:nvPr>
         </p:nvSpPr>
         <p:spPr/>
@@ -4337,16 +4993,51 @@
           <a:bodyPr/>
           <a:lstStyle/>
           <a:p>
-            <a:endParaRPr lang="en-US"/>
-          </a:p>
-        </p:txBody>
-      </p:sp>
+            <a:r>
+              <a:rPr lang="th-TH" dirty="0" smtClean="0"/>
+              <a:t>เข้าระบบใช้งาน</a:t>
+            </a:r>
+            <a:endParaRPr lang="th-TH" dirty="0"/>
+          </a:p>
+        </p:txBody>
+      </p:sp>
+      <p:pic>
+        <p:nvPicPr>
+          <p:cNvPr id="4" name="ตัวยึดเนื้อหา 3" descr="google_calendar_01.png"/>
+          <p:cNvPicPr>
+            <a:picLocks noGrp="1" noChangeAspect="1"/>
+          </p:cNvPicPr>
+          <p:nvPr>
+            <p:ph idx="1"/>
+          </p:nvPr>
+        </p:nvPicPr>
+        <p:blipFill>
+          <a:blip r:embed="rId2"/>
+          <a:stretch>
+            <a:fillRect/>
+          </a:stretch>
+        </p:blipFill>
+        <p:spPr>
+          <a:xfrm>
+            <a:off x="2593485" y="1825625"/>
+            <a:ext cx="7005029" cy="4351338"/>
+          </a:xfrm>
+          <a:prstGeom prst="rect">
+            <a:avLst/>
+          </a:prstGeom>
+          <a:ln>
+            <a:noFill/>
+          </a:ln>
+          <a:effectLst>
+            <a:outerShdw blurRad="292100" dist="139700" dir="2700000" algn="tl" rotWithShape="0">
+              <a:srgbClr val="333333">
+                <a:alpha val="65000"/>
+              </a:srgbClr>
+            </a:outerShdw>
+          </a:effectLst>
+        </p:spPr>
+      </p:pic>
     </p:spTree>
-    <p:extLst>
-      <p:ext uri="{BB962C8B-B14F-4D97-AF65-F5344CB8AC3E}">
-        <p14:creationId xmlns:p14="http://schemas.microsoft.com/office/powerpoint/2010/main" val="4167141818"/>
-      </p:ext>
-    </p:extLst>
   </p:cSld>
   <p:clrMapOvr>
     <a:masterClrMapping/>
@@ -4380,7 +5071,7 @@
       </p:grpSpPr>
       <p:sp>
         <p:nvSpPr>
-          <p:cNvPr id="2" name="Title 1"/>
+          <p:cNvPr id="2" name="ชื่อเรื่อง 1"/>
           <p:cNvSpPr>
             <a:spLocks noGrp="1"/>
           </p:cNvSpPr>
@@ -4396,22 +5087,29 @@
           <a:lstStyle/>
           <a:p>
             <a:r>
-              <a:rPr lang="th-TH" sz="6000" dirty="0">
-                <a:latin typeface="TH SarabunPSK" panose="020B0500040200020003" pitchFamily="34" charset="-34"/>
-                <a:cs typeface="TH SarabunPSK" panose="020B0500040200020003" pitchFamily="34" charset="-34"/>
+              <a:rPr lang="th-TH" sz="6000" b="1" dirty="0" smtClean="0">
+                <a:latin typeface="TH SarabunPSK" pitchFamily="34" charset="-34"/>
+                <a:cs typeface="TH SarabunPSK" pitchFamily="34" charset="-34"/>
               </a:rPr>
-              <a:t>สร้างกิจกรรม</a:t>
-            </a:r>
-            <a:endParaRPr lang="en-US" sz="6000" dirty="0">
-              <a:latin typeface="TH SarabunPSK" panose="020B0500040200020003" pitchFamily="34" charset="-34"/>
-              <a:cs typeface="TH SarabunPSK" panose="020B0500040200020003" pitchFamily="34" charset="-34"/>
+              <a:t>การเข้าใช้งาน </a:t>
+            </a:r>
+            <a:r>
+              <a:rPr lang="en-US" sz="6000" b="1" dirty="0" smtClean="0">
+                <a:latin typeface="TH SarabunPSK" pitchFamily="34" charset="-34"/>
+                <a:cs typeface="TH SarabunPSK" pitchFamily="34" charset="-34"/>
+              </a:rPr>
+              <a:t>Google Calendar</a:t>
+            </a:r>
+            <a:endParaRPr lang="th-TH" sz="6000" b="1" dirty="0">
+              <a:latin typeface="TH SarabunPSK" pitchFamily="34" charset="-34"/>
+              <a:cs typeface="TH SarabunPSK" pitchFamily="34" charset="-34"/>
             </a:endParaRPr>
           </a:p>
         </p:txBody>
       </p:sp>
       <p:pic>
         <p:nvPicPr>
-          <p:cNvPr id="5" name="Content Placeholder 4"/>
+          <p:cNvPr id="4" name="ตัวยึดเนื้อหา 3" descr="link.png"/>
           <p:cNvPicPr>
             <a:picLocks noGrp="1" noChangeAspect="1"/>
           </p:cNvPicPr>
@@ -4420,21 +5118,15 @@
           </p:nvPr>
         </p:nvPicPr>
         <p:blipFill>
-          <a:blip r:embed="rId2">
-            <a:extLst>
-              <a:ext uri="{28A0092B-C50C-407E-A947-70E740481C1C}">
-                <a14:useLocalDpi xmlns:a14="http://schemas.microsoft.com/office/drawing/2010/main" val="0"/>
-              </a:ext>
-            </a:extLst>
-          </a:blip>
+          <a:blip r:embed="rId2"/>
           <a:stretch>
             <a:fillRect/>
           </a:stretch>
         </p:blipFill>
         <p:spPr>
           <a:xfrm>
-            <a:off x="2593486" y="1825625"/>
-            <a:ext cx="7005028" cy="4351338"/>
+            <a:off x="2607953" y="1825625"/>
+            <a:ext cx="6976093" cy="4351338"/>
           </a:xfrm>
           <a:prstGeom prst="rect">
             <a:avLst/>
@@ -4451,12 +5143,99 @@
           </a:effectLst>
         </p:spPr>
       </p:pic>
+      <p:sp>
+        <p:nvSpPr>
+          <p:cNvPr id="5" name="วงรี 4"/>
+          <p:cNvSpPr/>
+          <p:nvPr/>
+        </p:nvSpPr>
+        <p:spPr>
+          <a:xfrm>
+            <a:off x="7848600" y="1809750"/>
+            <a:ext cx="419100" cy="533400"/>
+          </a:xfrm>
+          <a:prstGeom prst="ellipse">
+            <a:avLst/>
+          </a:prstGeom>
+          <a:noFill/>
+          <a:ln w="63500">
+            <a:solidFill>
+              <a:srgbClr val="C00000"/>
+            </a:solidFill>
+          </a:ln>
+        </p:spPr>
+        <p:style>
+          <a:lnRef idx="2">
+            <a:schemeClr val="accent1">
+              <a:shade val="50000"/>
+            </a:schemeClr>
+          </a:lnRef>
+          <a:fillRef idx="1">
+            <a:schemeClr val="accent1"/>
+          </a:fillRef>
+          <a:effectRef idx="0">
+            <a:schemeClr val="accent1"/>
+          </a:effectRef>
+          <a:fontRef idx="minor">
+            <a:schemeClr val="lt1"/>
+          </a:fontRef>
+        </p:style>
+        <p:txBody>
+          <a:bodyPr rtlCol="0" anchor="ctr"/>
+          <a:lstStyle/>
+          <a:p>
+            <a:pPr algn="ctr"/>
+            <a:endParaRPr lang="th-TH"/>
+          </a:p>
+        </p:txBody>
+      </p:sp>
+      <p:sp>
+        <p:nvSpPr>
+          <p:cNvPr id="6" name="วงรี 5"/>
+          <p:cNvSpPr/>
+          <p:nvPr/>
+        </p:nvSpPr>
+        <p:spPr>
+          <a:xfrm>
+            <a:off x="8115300" y="3505200"/>
+            <a:ext cx="819150" cy="857250"/>
+          </a:xfrm>
+          <a:prstGeom prst="ellipse">
+            <a:avLst/>
+          </a:prstGeom>
+          <a:noFill/>
+          <a:ln w="63500">
+            <a:solidFill>
+              <a:srgbClr val="C00000"/>
+            </a:solidFill>
+          </a:ln>
+        </p:spPr>
+        <p:style>
+          <a:lnRef idx="2">
+            <a:schemeClr val="accent1">
+              <a:shade val="50000"/>
+            </a:schemeClr>
+          </a:lnRef>
+          <a:fillRef idx="1">
+            <a:schemeClr val="accent1"/>
+          </a:fillRef>
+          <a:effectRef idx="0">
+            <a:schemeClr val="accent1"/>
+          </a:effectRef>
+          <a:fontRef idx="minor">
+            <a:schemeClr val="lt1"/>
+          </a:fontRef>
+        </p:style>
+        <p:txBody>
+          <a:bodyPr rtlCol="0" anchor="ctr"/>
+          <a:lstStyle/>
+          <a:p>
+            <a:pPr algn="ctr"/>
+            <a:endParaRPr lang="th-TH"/>
+          </a:p>
+        </p:txBody>
+      </p:sp>
     </p:spTree>
-    <p:extLst>
-      <p:ext uri="{BB962C8B-B14F-4D97-AF65-F5344CB8AC3E}">
-        <p14:creationId xmlns:p14="http://schemas.microsoft.com/office/powerpoint/2010/main" val="2081943511"/>
-      </p:ext>
-    </p:extLst>
   </p:cSld>
   <p:clrMapOvr>
     <a:masterClrMapping/>
@@ -4506,16 +5285,19 @@
           <a:lstStyle/>
           <a:p>
             <a:r>
-              <a:rPr lang="th-TH" sz="6000" dirty="0">
+              <a:rPr lang="th-TH" sz="6000" b="1" dirty="0">
                 <a:latin typeface="TH SarabunPSK" panose="020B0500040200020003" pitchFamily="34" charset="-34"/>
                 <a:cs typeface="TH SarabunPSK" panose="020B0500040200020003" pitchFamily="34" charset="-34"/>
               </a:rPr>
-              <a:t>เพิ่มผู้เข้าร่วมกิจกรรม</a:t>
-            </a:r>
-            <a:endParaRPr lang="en-US" sz="6000" dirty="0">
-              <a:latin typeface="TH SarabunPSK" panose="020B0500040200020003" pitchFamily="34" charset="-34"/>
-              <a:cs typeface="TH SarabunPSK" panose="020B0500040200020003" pitchFamily="34" charset="-34"/>
-            </a:endParaRPr>
+              <a:t>อธิบายหน้าจอการทำงานของ </a:t>
+            </a:r>
+            <a:r>
+              <a:rPr lang="en-US" sz="6000" b="1" dirty="0">
+                <a:latin typeface="TH SarabunPSK" panose="020B0500040200020003" pitchFamily="34" charset="-34"/>
+                <a:cs typeface="TH SarabunPSK" panose="020B0500040200020003" pitchFamily="34" charset="-34"/>
+              </a:rPr>
+              <a:t>Google Calendar</a:t>
+            </a:r>
           </a:p>
         </p:txBody>
       </p:sp>
@@ -4533,7 +5315,7 @@
           <a:blip r:embed="rId2">
             <a:extLst>
               <a:ext uri="{28A0092B-C50C-407E-A947-70E740481C1C}">
-                <a14:useLocalDpi xmlns:a14="http://schemas.microsoft.com/office/drawing/2010/main" val="0"/>
+                <a14:useLocalDpi xmlns:a14="http://schemas.microsoft.com/office/drawing/2010/main" xmlns="" val="0"/>
               </a:ext>
             </a:extLst>
           </a:blip>
@@ -4543,8 +5325,8 @@
         </p:blipFill>
         <p:spPr>
           <a:xfrm>
-            <a:off x="4657905" y="2001294"/>
-            <a:ext cx="2876190" cy="4000000"/>
+            <a:off x="2593486" y="1825625"/>
+            <a:ext cx="7005028" cy="4351338"/>
           </a:xfrm>
           <a:prstGeom prst="rect">
             <a:avLst/>
@@ -4564,7 +5346,7 @@
     </p:spTree>
     <p:extLst>
       <p:ext uri="{BB962C8B-B14F-4D97-AF65-F5344CB8AC3E}">
-        <p14:creationId xmlns:p14="http://schemas.microsoft.com/office/powerpoint/2010/main" val="239656287"/>
+        <p14:creationId xmlns:p14="http://schemas.microsoft.com/office/powerpoint/2010/main" xmlns="" val="1282511583"/>
       </p:ext>
     </p:extLst>
   </p:cSld>
@@ -4600,7 +5382,7 @@
       </p:grpSpPr>
       <p:sp>
         <p:nvSpPr>
-          <p:cNvPr id="2" name="Title 1"/>
+          <p:cNvPr id="2" name="ชื่อเรื่อง 1"/>
           <p:cNvSpPr>
             <a:spLocks noGrp="1"/>
           </p:cNvSpPr>
@@ -4610,28 +5392,16 @@
         </p:nvSpPr>
         <p:spPr/>
         <p:txBody>
-          <a:bodyPr>
-            <a:normAutofit/>
-          </a:bodyPr>
-          <a:lstStyle/>
-          <a:p>
-            <a:r>
-              <a:rPr lang="th-TH" sz="6000" dirty="0">
-                <a:latin typeface="TH SarabunPSK" panose="020B0500040200020003" pitchFamily="34" charset="-34"/>
-                <a:cs typeface="TH SarabunPSK" panose="020B0500040200020003" pitchFamily="34" charset="-34"/>
-              </a:rPr>
-              <a:t>การแจ้งเตือนและการแจ้งให้ทราบ</a:t>
-            </a:r>
-            <a:endParaRPr lang="en-US" sz="6000" dirty="0">
-              <a:latin typeface="TH SarabunPSK" panose="020B0500040200020003" pitchFamily="34" charset="-34"/>
-              <a:cs typeface="TH SarabunPSK" panose="020B0500040200020003" pitchFamily="34" charset="-34"/>
-            </a:endParaRPr>
+          <a:bodyPr/>
+          <a:lstStyle/>
+          <a:p>
+            <a:endParaRPr lang="th-TH" dirty="0"/>
           </a:p>
         </p:txBody>
       </p:sp>
       <p:pic>
         <p:nvPicPr>
-          <p:cNvPr id="4" name="Content Placeholder 3"/>
+          <p:cNvPr id="4" name="ตัวยึดเนื้อหา 3" descr="th130.png"/>
           <p:cNvPicPr>
             <a:picLocks noGrp="1" noChangeAspect="1"/>
           </p:cNvPicPr>
@@ -4640,21 +5410,15 @@
           </p:nvPr>
         </p:nvPicPr>
         <p:blipFill>
-          <a:blip r:embed="rId2">
-            <a:extLst>
-              <a:ext uri="{28A0092B-C50C-407E-A947-70E740481C1C}">
-                <a14:useLocalDpi xmlns:a14="http://schemas.microsoft.com/office/drawing/2010/main" val="0"/>
-              </a:ext>
-            </a:extLst>
-          </a:blip>
+          <a:blip r:embed="rId2"/>
           <a:stretch>
             <a:fillRect/>
           </a:stretch>
         </p:blipFill>
         <p:spPr>
           <a:xfrm>
-            <a:off x="4591238" y="3610818"/>
-            <a:ext cx="3009524" cy="780952"/>
+            <a:off x="838200" y="357981"/>
+            <a:ext cx="2971800" cy="6315076"/>
           </a:xfrm>
           <a:prstGeom prst="rect">
             <a:avLst/>
@@ -4671,12 +5435,264 @@
           </a:effectLst>
         </p:spPr>
       </p:pic>
+      <p:sp>
+        <p:nvSpPr>
+          <p:cNvPr id="5" name="วงเล็บปีกกาขวา 4"/>
+          <p:cNvSpPr/>
+          <p:nvPr/>
+        </p:nvSpPr>
+        <p:spPr>
+          <a:xfrm>
+            <a:off x="4210050" y="1295400"/>
+            <a:ext cx="800100" cy="2438400"/>
+          </a:xfrm>
+          <a:prstGeom prst="rightBrace">
+            <a:avLst/>
+          </a:prstGeom>
+        </p:spPr>
+        <p:style>
+          <a:lnRef idx="1">
+            <a:schemeClr val="accent1"/>
+          </a:lnRef>
+          <a:fillRef idx="0">
+            <a:schemeClr val="accent1"/>
+          </a:fillRef>
+          <a:effectRef idx="0">
+            <a:schemeClr val="accent1"/>
+          </a:effectRef>
+          <a:fontRef idx="minor">
+            <a:schemeClr val="tx1"/>
+          </a:fontRef>
+        </p:style>
+        <p:txBody>
+          <a:bodyPr rtlCol="0" anchor="ctr"/>
+          <a:lstStyle/>
+          <a:p>
+            <a:pPr algn="ctr"/>
+            <a:endParaRPr lang="th-TH"/>
+          </a:p>
+        </p:txBody>
+      </p:sp>
+      <p:sp>
+        <p:nvSpPr>
+          <p:cNvPr id="6" name="วงเล็บปีกกาขวา 5"/>
+          <p:cNvSpPr/>
+          <p:nvPr/>
+        </p:nvSpPr>
+        <p:spPr>
+          <a:xfrm>
+            <a:off x="4248150" y="3943350"/>
+            <a:ext cx="800100" cy="1238250"/>
+          </a:xfrm>
+          <a:prstGeom prst="rightBrace">
+            <a:avLst/>
+          </a:prstGeom>
+        </p:spPr>
+        <p:style>
+          <a:lnRef idx="1">
+            <a:schemeClr val="accent1"/>
+          </a:lnRef>
+          <a:fillRef idx="0">
+            <a:schemeClr val="accent1"/>
+          </a:fillRef>
+          <a:effectRef idx="0">
+            <a:schemeClr val="accent1"/>
+          </a:effectRef>
+          <a:fontRef idx="minor">
+            <a:schemeClr val="tx1"/>
+          </a:fontRef>
+        </p:style>
+        <p:txBody>
+          <a:bodyPr rtlCol="0" anchor="ctr"/>
+          <a:lstStyle/>
+          <a:p>
+            <a:pPr algn="ctr"/>
+            <a:endParaRPr lang="th-TH"/>
+          </a:p>
+        </p:txBody>
+      </p:sp>
+      <p:sp>
+        <p:nvSpPr>
+          <p:cNvPr id="7" name="วงเล็บปีกกาขวา 6"/>
+          <p:cNvSpPr/>
+          <p:nvPr/>
+        </p:nvSpPr>
+        <p:spPr>
+          <a:xfrm>
+            <a:off x="4267200" y="5486400"/>
+            <a:ext cx="800100" cy="1047750"/>
+          </a:xfrm>
+          <a:prstGeom prst="rightBrace">
+            <a:avLst/>
+          </a:prstGeom>
+        </p:spPr>
+        <p:style>
+          <a:lnRef idx="1">
+            <a:schemeClr val="accent1"/>
+          </a:lnRef>
+          <a:fillRef idx="0">
+            <a:schemeClr val="accent1"/>
+          </a:fillRef>
+          <a:effectRef idx="0">
+            <a:schemeClr val="accent1"/>
+          </a:effectRef>
+          <a:fontRef idx="minor">
+            <a:schemeClr val="tx1"/>
+          </a:fontRef>
+        </p:style>
+        <p:txBody>
+          <a:bodyPr rtlCol="0" anchor="ctr"/>
+          <a:lstStyle/>
+          <a:p>
+            <a:pPr algn="ctr"/>
+            <a:endParaRPr lang="th-TH"/>
+          </a:p>
+        </p:txBody>
+      </p:sp>
+      <p:sp>
+        <p:nvSpPr>
+          <p:cNvPr id="8" name="TextBox 7"/>
+          <p:cNvSpPr txBox="1"/>
+          <p:nvPr/>
+        </p:nvSpPr>
+        <p:spPr>
+          <a:xfrm>
+            <a:off x="5410200" y="1752600"/>
+            <a:ext cx="6229350" cy="1200329"/>
+          </a:xfrm>
+          <a:prstGeom prst="rect">
+            <a:avLst/>
+          </a:prstGeom>
+          <a:noFill/>
+        </p:spPr>
+        <p:txBody>
+          <a:bodyPr wrap="square" rtlCol="0">
+            <a:spAutoFit/>
+          </a:bodyPr>
+          <a:lstStyle/>
+          <a:p>
+            <a:pPr lvl="2"/>
+            <a:r>
+              <a:rPr lang="th-TH" sz="3600" dirty="0" smtClean="0">
+                <a:latin typeface="TH SarabunPSK" pitchFamily="34" charset="-34"/>
+                <a:cs typeface="TH SarabunPSK" pitchFamily="34" charset="-34"/>
+              </a:rPr>
+              <a:t>ปฏิทิน</a:t>
+            </a:r>
+            <a:r>
+              <a:rPr lang="th-TH" sz="3600" dirty="0" smtClean="0">
+                <a:latin typeface="TH SarabunPSK" pitchFamily="34" charset="-34"/>
+                <a:cs typeface="TH SarabunPSK" pitchFamily="34" charset="-34"/>
+              </a:rPr>
+              <a:t>ขนาดเล็ก</a:t>
+            </a:r>
+            <a:r>
+              <a:rPr lang="en-US" sz="3600" dirty="0" smtClean="0">
+                <a:latin typeface="TH SarabunPSK" pitchFamily="34" charset="-34"/>
+                <a:cs typeface="TH SarabunPSK" pitchFamily="34" charset="-34"/>
+              </a:rPr>
+              <a:t>:	</a:t>
+            </a:r>
+            <a:r>
+              <a:rPr lang="th-TH" sz="3600" dirty="0" smtClean="0">
+                <a:latin typeface="TH SarabunPSK" pitchFamily="34" charset="-34"/>
+                <a:cs typeface="TH SarabunPSK" pitchFamily="34" charset="-34"/>
+              </a:rPr>
+              <a:t>ใช้สำหรับการเลือกช่วงเวลาที่ต้องการดู</a:t>
+            </a:r>
+            <a:r>
+              <a:rPr lang="th-TH" sz="3600" dirty="0" smtClean="0">
+                <a:latin typeface="TH SarabunPSK" pitchFamily="34" charset="-34"/>
+                <a:cs typeface="TH SarabunPSK" pitchFamily="34" charset="-34"/>
+              </a:rPr>
+              <a:t>ข้อมูล</a:t>
+            </a:r>
+            <a:endParaRPr lang="en-US" sz="3600" dirty="0" smtClean="0">
+              <a:latin typeface="TH SarabunPSK" pitchFamily="34" charset="-34"/>
+              <a:cs typeface="TH SarabunPSK" pitchFamily="34" charset="-34"/>
+            </a:endParaRPr>
+          </a:p>
+        </p:txBody>
+      </p:sp>
+      <p:sp>
+        <p:nvSpPr>
+          <p:cNvPr id="10" name="TextBox 9"/>
+          <p:cNvSpPr txBox="1"/>
+          <p:nvPr/>
+        </p:nvSpPr>
+        <p:spPr>
+          <a:xfrm>
+            <a:off x="5467350" y="3848100"/>
+            <a:ext cx="6229350" cy="1200329"/>
+          </a:xfrm>
+          <a:prstGeom prst="rect">
+            <a:avLst/>
+          </a:prstGeom>
+          <a:noFill/>
+        </p:spPr>
+        <p:txBody>
+          <a:bodyPr wrap="square" rtlCol="0">
+            <a:spAutoFit/>
+          </a:bodyPr>
+          <a:lstStyle/>
+          <a:p>
+            <a:pPr lvl="2"/>
+            <a:r>
+              <a:rPr lang="th-TH" sz="3600" dirty="0" smtClean="0"/>
+              <a:t>ปฏิทินของฉัน</a:t>
+            </a:r>
+            <a:r>
+              <a:rPr lang="en-US" sz="3600" dirty="0" smtClean="0"/>
+              <a:t>:	</a:t>
+            </a:r>
+            <a:r>
+              <a:rPr lang="th-TH" sz="3600" dirty="0" smtClean="0"/>
+              <a:t>ใช้สำหรับจัดการปฏิทินที่สร้างโดยผู้ใช้เอง</a:t>
+            </a:r>
+            <a:endParaRPr lang="en-US" sz="3600" dirty="0"/>
+          </a:p>
+        </p:txBody>
+      </p:sp>
+      <p:sp>
+        <p:nvSpPr>
+          <p:cNvPr id="11" name="TextBox 10"/>
+          <p:cNvSpPr txBox="1"/>
+          <p:nvPr/>
+        </p:nvSpPr>
+        <p:spPr>
+          <a:xfrm>
+            <a:off x="5391150" y="5314950"/>
+            <a:ext cx="6229350" cy="1200329"/>
+          </a:xfrm>
+          <a:prstGeom prst="rect">
+            <a:avLst/>
+          </a:prstGeom>
+          <a:noFill/>
+        </p:spPr>
+        <p:txBody>
+          <a:bodyPr wrap="square" rtlCol="0">
+            <a:spAutoFit/>
+          </a:bodyPr>
+          <a:lstStyle/>
+          <a:p>
+            <a:pPr lvl="2"/>
+            <a:r>
+              <a:rPr lang="th-TH" sz="3600" dirty="0" smtClean="0"/>
+              <a:t>ปฏิทินอื่นๆ</a:t>
+            </a:r>
+            <a:r>
+              <a:rPr lang="en-US" sz="3600" dirty="0" smtClean="0"/>
+              <a:t>:	</a:t>
+            </a:r>
+            <a:r>
+              <a:rPr lang="th-TH" sz="3600" dirty="0" smtClean="0"/>
+              <a:t>ใช้สำหรับจัดการปฏิทินที่เชื่อมโยงจากผู้ใช้อื่นๆ</a:t>
+            </a:r>
+            <a:endParaRPr lang="en-US" sz="3600" dirty="0"/>
+          </a:p>
+        </p:txBody>
+      </p:sp>
     </p:spTree>
-    <p:extLst>
-      <p:ext uri="{BB962C8B-B14F-4D97-AF65-F5344CB8AC3E}">
-        <p14:creationId xmlns:p14="http://schemas.microsoft.com/office/powerpoint/2010/main" val="4078668987"/>
-      </p:ext>
-    </p:extLst>
   </p:cSld>
   <p:clrMapOvr>
     <a:masterClrMapping/>
@@ -4710,7 +5726,7 @@
       </p:grpSpPr>
       <p:sp>
         <p:nvSpPr>
-          <p:cNvPr id="2" name="Title 1"/>
+          <p:cNvPr id="2" name="ชื่อเรื่อง 1"/>
           <p:cNvSpPr>
             <a:spLocks noGrp="1"/>
           </p:cNvSpPr>
@@ -4720,28 +5736,16 @@
         </p:nvSpPr>
         <p:spPr/>
         <p:txBody>
-          <a:bodyPr>
-            <a:normAutofit/>
-          </a:bodyPr>
-          <a:lstStyle/>
-          <a:p>
-            <a:r>
-              <a:rPr lang="th-TH" sz="6000" dirty="0">
-                <a:latin typeface="TH SarabunPSK" panose="020B0500040200020003" pitchFamily="34" charset="-34"/>
-                <a:cs typeface="TH SarabunPSK" panose="020B0500040200020003" pitchFamily="34" charset="-34"/>
-              </a:rPr>
-              <a:t>สร้างหรือแก้ไขปฏิทิน</a:t>
-            </a:r>
-            <a:endParaRPr lang="en-US" sz="6000" dirty="0">
-              <a:latin typeface="TH SarabunPSK" panose="020B0500040200020003" pitchFamily="34" charset="-34"/>
-              <a:cs typeface="TH SarabunPSK" panose="020B0500040200020003" pitchFamily="34" charset="-34"/>
-            </a:endParaRPr>
+          <a:bodyPr/>
+          <a:lstStyle/>
+          <a:p>
+            <a:endParaRPr lang="th-TH"/>
           </a:p>
         </p:txBody>
       </p:sp>
       <p:pic>
         <p:nvPicPr>
-          <p:cNvPr id="4" name="Content Placeholder 3"/>
+          <p:cNvPr id="4" name="ตัวยึดเนื้อหา 3" descr="th140.png"/>
           <p:cNvPicPr>
             <a:picLocks noGrp="1" noChangeAspect="1"/>
           </p:cNvPicPr>
@@ -4750,21 +5754,15 @@
           </p:nvPr>
         </p:nvPicPr>
         <p:blipFill>
-          <a:blip r:embed="rId2">
-            <a:extLst>
-              <a:ext uri="{28A0092B-C50C-407E-A947-70E740481C1C}">
-                <a14:useLocalDpi xmlns:a14="http://schemas.microsoft.com/office/drawing/2010/main" val="0"/>
-              </a:ext>
-            </a:extLst>
-          </a:blip>
+          <a:blip r:embed="rId2"/>
           <a:stretch>
             <a:fillRect/>
           </a:stretch>
         </p:blipFill>
         <p:spPr>
           <a:xfrm>
-            <a:off x="2593486" y="1825625"/>
-            <a:ext cx="7005028" cy="4351338"/>
+            <a:off x="1893010" y="339724"/>
+            <a:ext cx="8470189" cy="6256033"/>
           </a:xfrm>
           <a:prstGeom prst="rect">
             <a:avLst/>
@@ -4782,11 +5780,6 @@
         </p:spPr>
       </p:pic>
     </p:spTree>
-    <p:extLst>
-      <p:ext uri="{BB962C8B-B14F-4D97-AF65-F5344CB8AC3E}">
-        <p14:creationId xmlns:p14="http://schemas.microsoft.com/office/powerpoint/2010/main" val="3382266659"/>
-      </p:ext>
-    </p:extLst>
   </p:cSld>
   <p:clrMapOvr>
     <a:masterClrMapping/>
@@ -4844,7 +5837,7 @@
     </a:clrScheme>
     <a:fontScheme name="Office">
       <a:majorFont>
-        <a:latin typeface="Calibri Light" panose="020F0302020204030204"/>
+        <a:latin typeface="Calibri Light"/>
         <a:ea typeface=""/>
         <a:cs typeface=""/>
         <a:font script="Jpan" typeface="ＭＳ Ｐゴシック"/>
@@ -4879,7 +5872,7 @@
         <a:font script="Geor" typeface="Sylfaen"/>
       </a:majorFont>
       <a:minorFont>
-        <a:latin typeface="Calibri" panose="020F0502020204030204"/>
+        <a:latin typeface="Calibri"/>
         <a:ea typeface=""/>
         <a:cs typeface=""/>
         <a:font script="Jpan" typeface="ＭＳ Ｐゴシック"/>
@@ -5056,7 +6049,7 @@
   <a:extraClrSchemeLst/>
   <a:extLst>
     <a:ext uri="{05A4C25C-085E-4340-85A3-A5531E510DB2}">
-      <thm15:themeFamily xmlns:thm15="http://schemas.microsoft.com/office/thememl/2012/main" name="Office Theme" id="{62F939B6-93AF-4DB8-9C6B-D6C7DFDC589F}" vid="{4A3C46E8-61CC-4603-A589-7422A47A8E4A}"/>
+      <thm15:themeFamily xmlns:thm15="http://schemas.microsoft.com/office/thememl/2012/main" xmlns="" name="Office Theme" id="{62F939B6-93AF-4DB8-9C6B-D6C7DFDC589F}" vid="{4A3C46E8-61CC-4603-A589-7422A47A8E4A}"/>
     </a:ext>
   </a:extLst>
 </a:theme>

--- a/Google Calendar.pptx
+++ b/Google Calendar.pptx
@@ -2,32 +2,33 @@
 <file path=ppt/presentation.xml><?xml version="1.0" encoding="utf-8"?>
 <p:presentation xmlns:a="http://schemas.openxmlformats.org/drawingml/2006/main" xmlns:r="http://schemas.openxmlformats.org/officeDocument/2006/relationships" xmlns:p="http://schemas.openxmlformats.org/presentationml/2006/main" saveSubsetFonts="1">
   <p:sldMasterIdLst>
-    <p:sldMasterId id="2147483678" r:id="rId1"/>
+    <p:sldMasterId id="2147483714" r:id="rId1"/>
   </p:sldMasterIdLst>
   <p:sldIdLst>
     <p:sldId id="256" r:id="rId2"/>
-    <p:sldId id="268" r:id="rId3"/>
-    <p:sldId id="283" r:id="rId4"/>
-    <p:sldId id="257" r:id="rId5"/>
-    <p:sldId id="282" r:id="rId6"/>
-    <p:sldId id="284" r:id="rId7"/>
-    <p:sldId id="267" r:id="rId8"/>
-    <p:sldId id="285" r:id="rId9"/>
-    <p:sldId id="286" r:id="rId10"/>
-    <p:sldId id="287" r:id="rId11"/>
-    <p:sldId id="269" r:id="rId12"/>
-    <p:sldId id="270" r:id="rId13"/>
-    <p:sldId id="271" r:id="rId14"/>
-    <p:sldId id="272" r:id="rId15"/>
-    <p:sldId id="273" r:id="rId16"/>
-    <p:sldId id="274" r:id="rId17"/>
-    <p:sldId id="275" r:id="rId18"/>
-    <p:sldId id="276" r:id="rId19"/>
-    <p:sldId id="280" r:id="rId20"/>
-    <p:sldId id="281" r:id="rId21"/>
-    <p:sldId id="278" r:id="rId22"/>
-    <p:sldId id="277" r:id="rId23"/>
-    <p:sldId id="279" r:id="rId24"/>
+    <p:sldId id="288" r:id="rId3"/>
+    <p:sldId id="268" r:id="rId4"/>
+    <p:sldId id="283" r:id="rId5"/>
+    <p:sldId id="257" r:id="rId6"/>
+    <p:sldId id="282" r:id="rId7"/>
+    <p:sldId id="284" r:id="rId8"/>
+    <p:sldId id="267" r:id="rId9"/>
+    <p:sldId id="285" r:id="rId10"/>
+    <p:sldId id="286" r:id="rId11"/>
+    <p:sldId id="287" r:id="rId12"/>
+    <p:sldId id="269" r:id="rId13"/>
+    <p:sldId id="270" r:id="rId14"/>
+    <p:sldId id="271" r:id="rId15"/>
+    <p:sldId id="272" r:id="rId16"/>
+    <p:sldId id="273" r:id="rId17"/>
+    <p:sldId id="274" r:id="rId18"/>
+    <p:sldId id="275" r:id="rId19"/>
+    <p:sldId id="276" r:id="rId20"/>
+    <p:sldId id="280" r:id="rId21"/>
+    <p:sldId id="281" r:id="rId22"/>
+    <p:sldId id="278" r:id="rId23"/>
+    <p:sldId id="277" r:id="rId24"/>
+    <p:sldId id="279" r:id="rId25"/>
   </p:sldIdLst>
   <p:sldSz cx="12192000" cy="6858000"/>
   <p:notesSz cx="6858000" cy="9144000"/>
@@ -135,7 +136,7 @@
 </file>
 
 <file path=ppt/slideLayouts/slideLayout1.xml><?xml version="1.0" encoding="utf-8"?>
-<p:sldLayout xmlns:a="http://schemas.openxmlformats.org/drawingml/2006/main" xmlns:r="http://schemas.openxmlformats.org/officeDocument/2006/relationships" xmlns:p="http://schemas.openxmlformats.org/presentationml/2006/main" type="title" preserve="1">
+<p:sldLayout xmlns:a="http://schemas.openxmlformats.org/drawingml/2006/main" xmlns:r="http://schemas.openxmlformats.org/officeDocument/2006/relationships" xmlns:p="http://schemas.openxmlformats.org/presentationml/2006/main" showMasterSp="0" type="title" preserve="1">
   <p:cSld name="Title Slide">
     <p:spTree>
       <p:nvGrpSpPr>
@@ -153,7 +154,199 @@
       </p:grpSpPr>
       <p:sp>
         <p:nvSpPr>
-          <p:cNvPr id="2" name="Title 1"/>
+          <p:cNvPr id="39" name="Rectangle 38"/>
+          <p:cNvSpPr/>
+          <p:nvPr/>
+        </p:nvSpPr>
+        <p:spPr>
+          <a:xfrm>
+            <a:off x="412744" y="680477"/>
+            <a:ext cx="60960" cy="365760"/>
+          </a:xfrm>
+          <a:prstGeom prst="rect">
+            <a:avLst/>
+          </a:prstGeom>
+          <a:solidFill>
+            <a:srgbClr val="000000"/>
+          </a:solidFill>
+          <a:ln w="50800" cap="rnd" cmpd="thickThin" algn="ctr">
+            <a:noFill/>
+            <a:prstDash val="solid"/>
+          </a:ln>
+          <a:effectLst/>
+        </p:spPr>
+        <p:style>
+          <a:lnRef idx="3">
+            <a:schemeClr val="lt1"/>
+          </a:lnRef>
+          <a:fillRef idx="1">
+            <a:schemeClr val="accent1"/>
+          </a:fillRef>
+          <a:effectRef idx="1">
+            <a:schemeClr val="accent1"/>
+          </a:effectRef>
+          <a:fontRef idx="minor">
+            <a:schemeClr val="lt1"/>
+          </a:fontRef>
+        </p:style>
+        <p:txBody>
+          <a:bodyPr anchor="ctr"/>
+          <a:lstStyle>
+            <a:extLst/>
+          </a:lstStyle>
+          <a:p>
+            <a:pPr algn="ctr" eaLnBrk="1" latinLnBrk="0" hangingPunct="1"/>
+            <a:endParaRPr kumimoji="0" lang="en-US" dirty="0"/>
+          </a:p>
+        </p:txBody>
+      </p:sp>
+      <p:sp>
+        <p:nvSpPr>
+          <p:cNvPr id="40" name="Rectangle 39"/>
+          <p:cNvSpPr/>
+          <p:nvPr/>
+        </p:nvSpPr>
+        <p:spPr>
+          <a:xfrm>
+            <a:off x="358764" y="680477"/>
+            <a:ext cx="36576" cy="365760"/>
+          </a:xfrm>
+          <a:prstGeom prst="rect">
+            <a:avLst/>
+          </a:prstGeom>
+          <a:solidFill>
+            <a:srgbClr val="000000"/>
+          </a:solidFill>
+          <a:ln w="50800" cap="rnd" cmpd="thickThin" algn="ctr">
+            <a:noFill/>
+            <a:prstDash val="solid"/>
+          </a:ln>
+          <a:effectLst/>
+        </p:spPr>
+        <p:style>
+          <a:lnRef idx="3">
+            <a:schemeClr val="lt1"/>
+          </a:lnRef>
+          <a:fillRef idx="1">
+            <a:schemeClr val="accent1"/>
+          </a:fillRef>
+          <a:effectRef idx="1">
+            <a:schemeClr val="accent1"/>
+          </a:effectRef>
+          <a:fontRef idx="minor">
+            <a:schemeClr val="lt1"/>
+          </a:fontRef>
+        </p:style>
+        <p:txBody>
+          <a:bodyPr anchor="ctr"/>
+          <a:lstStyle>
+            <a:extLst/>
+          </a:lstStyle>
+          <a:p>
+            <a:pPr algn="ctr" eaLnBrk="1" latinLnBrk="0" hangingPunct="1"/>
+            <a:endParaRPr kumimoji="0" lang="en-US" dirty="0"/>
+          </a:p>
+        </p:txBody>
+      </p:sp>
+      <p:sp>
+        <p:nvSpPr>
+          <p:cNvPr id="41" name="Rectangle 40"/>
+          <p:cNvSpPr/>
+          <p:nvPr/>
+        </p:nvSpPr>
+        <p:spPr>
+          <a:xfrm>
+            <a:off x="333360" y="680477"/>
+            <a:ext cx="12192" cy="365760"/>
+          </a:xfrm>
+          <a:prstGeom prst="rect">
+            <a:avLst/>
+          </a:prstGeom>
+          <a:solidFill>
+            <a:srgbClr val="000000"/>
+          </a:solidFill>
+          <a:ln w="50800" cap="rnd" cmpd="thickThin" algn="ctr">
+            <a:noFill/>
+            <a:prstDash val="solid"/>
+          </a:ln>
+          <a:effectLst/>
+        </p:spPr>
+        <p:style>
+          <a:lnRef idx="3">
+            <a:schemeClr val="lt1"/>
+          </a:lnRef>
+          <a:fillRef idx="1">
+            <a:schemeClr val="accent1"/>
+          </a:fillRef>
+          <a:effectRef idx="1">
+            <a:schemeClr val="accent1"/>
+          </a:effectRef>
+          <a:fontRef idx="minor">
+            <a:schemeClr val="lt1"/>
+          </a:fontRef>
+        </p:style>
+        <p:txBody>
+          <a:bodyPr anchor="ctr"/>
+          <a:lstStyle>
+            <a:extLst/>
+          </a:lstStyle>
+          <a:p>
+            <a:pPr algn="ctr" eaLnBrk="1" latinLnBrk="0" hangingPunct="1"/>
+            <a:endParaRPr kumimoji="0" lang="en-US"/>
+          </a:p>
+        </p:txBody>
+      </p:sp>
+      <p:sp>
+        <p:nvSpPr>
+          <p:cNvPr id="42" name="Rectangle 41"/>
+          <p:cNvSpPr/>
+          <p:nvPr/>
+        </p:nvSpPr>
+        <p:spPr>
+          <a:xfrm>
+            <a:off x="295691" y="680477"/>
+            <a:ext cx="12192" cy="365760"/>
+          </a:xfrm>
+          <a:prstGeom prst="rect">
+            <a:avLst/>
+          </a:prstGeom>
+          <a:solidFill>
+            <a:srgbClr val="000000"/>
+          </a:solidFill>
+          <a:ln w="50800" cap="rnd" cmpd="thickThin" algn="ctr">
+            <a:noFill/>
+            <a:prstDash val="solid"/>
+          </a:ln>
+          <a:effectLst/>
+        </p:spPr>
+        <p:style>
+          <a:lnRef idx="3">
+            <a:schemeClr val="lt1"/>
+          </a:lnRef>
+          <a:fillRef idx="1">
+            <a:schemeClr val="accent1"/>
+          </a:fillRef>
+          <a:effectRef idx="1">
+            <a:schemeClr val="accent1"/>
+          </a:effectRef>
+          <a:fontRef idx="minor">
+            <a:schemeClr val="lt1"/>
+          </a:fontRef>
+        </p:style>
+        <p:txBody>
+          <a:bodyPr anchor="ctr"/>
+          <a:lstStyle>
+            <a:extLst/>
+          </a:lstStyle>
+          <a:p>
+            <a:pPr algn="ctr" eaLnBrk="1" latinLnBrk="0" hangingPunct="1"/>
+            <a:endParaRPr kumimoji="0" lang="en-US" dirty="0"/>
+          </a:p>
+        </p:txBody>
+      </p:sp>
+      <p:sp>
+        <p:nvSpPr>
+          <p:cNvPr id="8" name="Title 7"/>
           <p:cNvSpPr>
             <a:spLocks noGrp="1"/>
           </p:cNvSpPr>
@@ -163,29 +356,34 @@
         </p:nvSpPr>
         <p:spPr>
           <a:xfrm>
-            <a:off x="1524000" y="1122363"/>
-            <a:ext cx="9144000" cy="2387600"/>
-          </a:xfrm>
-        </p:spPr>
-        <p:txBody>
-          <a:bodyPr anchor="b"/>
-          <a:lstStyle>
-            <a:lvl1pPr algn="ctr">
-              <a:defRPr sz="6000"/>
+            <a:off x="457200" y="4343400"/>
+            <a:ext cx="11125200" cy="1975104"/>
+          </a:xfrm>
+        </p:spPr>
+        <p:txBody>
+          <a:bodyPr/>
+          <a:lstStyle>
+            <a:lvl1pPr marR="9144" algn="l">
+              <a:defRPr sz="4000" b="1" cap="all" spc="0" baseline="0">
+                <a:effectLst>
+                  <a:reflection blurRad="12700" stA="34000" endA="740" endPos="53000" dir="5400000" sy="-100000" algn="bl" rotWithShape="0"/>
+                </a:effectLst>
+              </a:defRPr>
             </a:lvl1pPr>
-          </a:lstStyle>
-          <a:p>
-            <a:r>
-              <a:rPr lang="en-US" smtClean="0"/>
+            <a:extLst/>
+          </a:lstStyle>
+          <a:p>
+            <a:r>
+              <a:rPr kumimoji="0" lang="en-US" smtClean="0"/>
               <a:t>Click to edit Master title style</a:t>
             </a:r>
-            <a:endParaRPr lang="en-US"/>
-          </a:p>
-        </p:txBody>
-      </p:sp>
-      <p:sp>
-        <p:nvSpPr>
-          <p:cNvPr id="3" name="Subtitle 2"/>
+            <a:endParaRPr kumimoji="0" lang="en-US"/>
+          </a:p>
+        </p:txBody>
+      </p:sp>
+      <p:sp>
+        <p:nvSpPr>
+          <p:cNvPr id="9" name="Subtitle 8"/>
           <p:cNvSpPr>
             <a:spLocks noGrp="1"/>
           </p:cNvSpPr>
@@ -195,132 +393,60 @@
         </p:nvSpPr>
         <p:spPr>
           <a:xfrm>
-            <a:off x="1524000" y="3602038"/>
-            <a:ext cx="9144000" cy="1655762"/>
-          </a:xfrm>
-        </p:spPr>
-        <p:txBody>
-          <a:bodyPr/>
-          <a:lstStyle>
-            <a:lvl1pPr marL="0" indent="0" algn="ctr">
+            <a:off x="476250" y="2834640"/>
+            <a:ext cx="11106150" cy="1508760"/>
+          </a:xfrm>
+        </p:spPr>
+        <p:txBody>
+          <a:bodyPr lIns="100584" tIns="45720" anchor="b"/>
+          <a:lstStyle>
+            <a:lvl1pPr marL="0" indent="0" algn="l">
+              <a:spcBef>
+                <a:spcPts val="0"/>
+              </a:spcBef>
               <a:buNone/>
-              <a:defRPr sz="2400"/>
+              <a:defRPr sz="2000">
+                <a:solidFill>
+                  <a:schemeClr val="tx1"/>
+                </a:solidFill>
+              </a:defRPr>
             </a:lvl1pPr>
             <a:lvl2pPr marL="457200" indent="0" algn="ctr">
               <a:buNone/>
-              <a:defRPr sz="2000"/>
             </a:lvl2pPr>
             <a:lvl3pPr marL="914400" indent="0" algn="ctr">
               <a:buNone/>
-              <a:defRPr sz="1800"/>
             </a:lvl3pPr>
             <a:lvl4pPr marL="1371600" indent="0" algn="ctr">
               <a:buNone/>
-              <a:defRPr sz="1600"/>
             </a:lvl4pPr>
             <a:lvl5pPr marL="1828800" indent="0" algn="ctr">
               <a:buNone/>
-              <a:defRPr sz="1600"/>
             </a:lvl5pPr>
             <a:lvl6pPr marL="2286000" indent="0" algn="ctr">
               <a:buNone/>
-              <a:defRPr sz="1600"/>
             </a:lvl6pPr>
             <a:lvl7pPr marL="2743200" indent="0" algn="ctr">
               <a:buNone/>
-              <a:defRPr sz="1600"/>
             </a:lvl7pPr>
             <a:lvl8pPr marL="3200400" indent="0" algn="ctr">
               <a:buNone/>
-              <a:defRPr sz="1600"/>
             </a:lvl8pPr>
             <a:lvl9pPr marL="3657600" indent="0" algn="ctr">
               <a:buNone/>
-              <a:defRPr sz="1600"/>
             </a:lvl9pPr>
-          </a:lstStyle>
-          <a:p>
-            <a:r>
-              <a:rPr lang="en-US" smtClean="0"/>
+            <a:extLst/>
+          </a:lstStyle>
+          <a:p>
+            <a:r>
+              <a:rPr kumimoji="0" lang="en-US" smtClean="0"/>
               <a:t>Click to edit Master subtitle style</a:t>
             </a:r>
-            <a:endParaRPr lang="en-US"/>
-          </a:p>
-        </p:txBody>
-      </p:sp>
-      <p:sp>
-        <p:nvSpPr>
-          <p:cNvPr id="4" name="Date Placeholder 3"/>
-          <p:cNvSpPr>
-            <a:spLocks noGrp="1"/>
-          </p:cNvSpPr>
-          <p:nvPr>
-            <p:ph type="dt" sz="half" idx="10"/>
-          </p:nvPr>
-        </p:nvSpPr>
-        <p:spPr/>
-        <p:txBody>
-          <a:bodyPr/>
-          <a:lstStyle/>
-          <a:p>
-            <a:fld id="{EEB31411-81DA-416F-953C-825CF1EE9A76}" type="datetimeFigureOut">
-              <a:rPr lang="en-US" smtClean="0"/>
-              <a:pPr/>
-              <a:t>4/3/2014</a:t>
-            </a:fld>
-            <a:endParaRPr lang="en-US"/>
-          </a:p>
-        </p:txBody>
-      </p:sp>
-      <p:sp>
-        <p:nvSpPr>
-          <p:cNvPr id="5" name="Footer Placeholder 4"/>
-          <p:cNvSpPr>
-            <a:spLocks noGrp="1"/>
-          </p:cNvSpPr>
-          <p:nvPr>
-            <p:ph type="ftr" sz="quarter" idx="11"/>
-          </p:nvPr>
-        </p:nvSpPr>
-        <p:spPr/>
-        <p:txBody>
-          <a:bodyPr/>
-          <a:lstStyle/>
-          <a:p>
-            <a:endParaRPr lang="en-US"/>
-          </a:p>
-        </p:txBody>
-      </p:sp>
-      <p:sp>
-        <p:nvSpPr>
-          <p:cNvPr id="6" name="Slide Number Placeholder 5"/>
-          <p:cNvSpPr>
-            <a:spLocks noGrp="1"/>
-          </p:cNvSpPr>
-          <p:nvPr>
-            <p:ph type="sldNum" sz="quarter" idx="12"/>
-          </p:nvPr>
-        </p:nvSpPr>
-        <p:spPr/>
-        <p:txBody>
-          <a:bodyPr/>
-          <a:lstStyle/>
-          <a:p>
-            <a:fld id="{822A2284-31DD-42B7-BEA1-C7950499E459}" type="slidenum">
-              <a:rPr lang="en-US" smtClean="0"/>
-              <a:pPr/>
-              <a:t>‹#›</a:t>
-            </a:fld>
-            <a:endParaRPr lang="en-US"/>
+            <a:endParaRPr kumimoji="0" lang="en-US"/>
           </a:p>
         </p:txBody>
       </p:sp>
     </p:spTree>
-    <p:extLst>
-      <p:ext uri="{BB962C8B-B14F-4D97-AF65-F5344CB8AC3E}">
-        <p14:creationId xmlns:p14="http://schemas.microsoft.com/office/powerpoint/2010/main" xmlns="" val="872945233"/>
-      </p:ext>
-    </p:extLst>
   </p:cSld>
   <p:clrMapOvr>
     <a:masterClrMapping/>
@@ -358,13 +484,15 @@
         <p:spPr/>
         <p:txBody>
           <a:bodyPr/>
-          <a:lstStyle/>
-          <a:p>
-            <a:r>
-              <a:rPr lang="en-US" smtClean="0"/>
+          <a:lstStyle>
+            <a:extLst/>
+          </a:lstStyle>
+          <a:p>
+            <a:r>
+              <a:rPr kumimoji="0" lang="en-US" smtClean="0"/>
               <a:t>Click to edit Master title style</a:t>
             </a:r>
-            <a:endParaRPr lang="en-US"/>
+            <a:endParaRPr kumimoji="0" lang="en-US"/>
           </a:p>
         </p:txBody>
       </p:sp>
@@ -381,42 +509,44 @@
         <p:spPr/>
         <p:txBody>
           <a:bodyPr vert="eaVert"/>
-          <a:lstStyle/>
-          <a:p>
-            <a:pPr lvl="0"/>
+          <a:lstStyle>
+            <a:extLst/>
+          </a:lstStyle>
+          <a:p>
+            <a:pPr lvl="0" eaLnBrk="1" latinLnBrk="0" hangingPunct="1"/>
             <a:r>
               <a:rPr lang="en-US" smtClean="0"/>
               <a:t>Click to edit Master text styles</a:t>
             </a:r>
           </a:p>
           <a:p>
-            <a:pPr lvl="1"/>
+            <a:pPr lvl="1" eaLnBrk="1" latinLnBrk="0" hangingPunct="1"/>
             <a:r>
               <a:rPr lang="en-US" smtClean="0"/>
               <a:t>Second level</a:t>
             </a:r>
           </a:p>
           <a:p>
-            <a:pPr lvl="2"/>
+            <a:pPr lvl="2" eaLnBrk="1" latinLnBrk="0" hangingPunct="1"/>
             <a:r>
               <a:rPr lang="en-US" smtClean="0"/>
               <a:t>Third level</a:t>
             </a:r>
           </a:p>
           <a:p>
-            <a:pPr lvl="3"/>
+            <a:pPr lvl="3" eaLnBrk="1" latinLnBrk="0" hangingPunct="1"/>
             <a:r>
               <a:rPr lang="en-US" smtClean="0"/>
               <a:t>Fourth level</a:t>
             </a:r>
           </a:p>
           <a:p>
-            <a:pPr lvl="4"/>
+            <a:pPr lvl="4" eaLnBrk="1" latinLnBrk="0" hangingPunct="1"/>
             <a:r>
               <a:rPr lang="en-US" smtClean="0"/>
               <a:t>Fifth level</a:t>
             </a:r>
-            <a:endParaRPr lang="en-US"/>
+            <a:endParaRPr kumimoji="0" lang="en-US"/>
           </a:p>
         </p:txBody>
       </p:sp>
@@ -430,10 +560,20 @@
             <p:ph type="dt" sz="half" idx="10"/>
           </p:nvPr>
         </p:nvSpPr>
-        <p:spPr/>
+        <p:spPr>
+          <a:xfrm>
+            <a:off x="8636000" y="6416676"/>
+            <a:ext cx="2844800" cy="365125"/>
+          </a:xfrm>
+          <a:prstGeom prst="rect">
+            <a:avLst/>
+          </a:prstGeom>
+        </p:spPr>
         <p:txBody>
           <a:bodyPr/>
-          <a:lstStyle/>
+          <a:lstStyle>
+            <a:extLst/>
+          </a:lstStyle>
           <a:p>
             <a:fld id="{EEB31411-81DA-416F-953C-825CF1EE9A76}" type="datetimeFigureOut">
               <a:rPr lang="en-US" smtClean="0"/>
@@ -454,10 +594,20 @@
             <p:ph type="ftr" sz="quarter" idx="11"/>
           </p:nvPr>
         </p:nvSpPr>
-        <p:spPr/>
+        <p:spPr>
+          <a:xfrm>
+            <a:off x="1219200" y="6416676"/>
+            <a:ext cx="7416800" cy="365125"/>
+          </a:xfrm>
+          <a:prstGeom prst="rect">
+            <a:avLst/>
+          </a:prstGeom>
+        </p:spPr>
         <p:txBody>
           <a:bodyPr/>
-          <a:lstStyle/>
+          <a:lstStyle>
+            <a:extLst/>
+          </a:lstStyle>
           <a:p>
             <a:endParaRPr lang="en-US"/>
           </a:p>
@@ -473,10 +623,20 @@
             <p:ph type="sldNum" sz="quarter" idx="12"/>
           </p:nvPr>
         </p:nvSpPr>
-        <p:spPr/>
+        <p:spPr>
+          <a:xfrm>
+            <a:off x="11480800" y="6416676"/>
+            <a:ext cx="609600" cy="365125"/>
+          </a:xfrm>
+          <a:prstGeom prst="rect">
+            <a:avLst/>
+          </a:prstGeom>
+        </p:spPr>
         <p:txBody>
           <a:bodyPr/>
-          <a:lstStyle/>
+          <a:lstStyle>
+            <a:extLst/>
+          </a:lstStyle>
           <a:p>
             <a:fld id="{822A2284-31DD-42B7-BEA1-C7950499E459}" type="slidenum">
               <a:rPr lang="en-US" smtClean="0"/>
@@ -488,11 +648,6 @@
         </p:txBody>
       </p:sp>
     </p:spTree>
-    <p:extLst>
-      <p:ext uri="{BB962C8B-B14F-4D97-AF65-F5344CB8AC3E}">
-        <p14:creationId xmlns:p14="http://schemas.microsoft.com/office/powerpoint/2010/main" xmlns="" val="2291402044"/>
-      </p:ext>
-    </p:extLst>
   </p:cSld>
   <p:clrMapOvr>
     <a:masterClrMapping/>
@@ -529,76 +684,80 @@
         </p:nvSpPr>
         <p:spPr>
           <a:xfrm>
-            <a:off x="8724900" y="365125"/>
-            <a:ext cx="2628900" cy="5811838"/>
+            <a:off x="8839200" y="274640"/>
+            <a:ext cx="2641600" cy="5851525"/>
+          </a:xfrm>
+        </p:spPr>
+        <p:txBody>
+          <a:bodyPr vert="eaVert" anchor="ctr"/>
+          <a:lstStyle>
+            <a:extLst/>
+          </a:lstStyle>
+          <a:p>
+            <a:r>
+              <a:rPr kumimoji="0" lang="en-US" smtClean="0"/>
+              <a:t>Click to edit Master title style</a:t>
+            </a:r>
+            <a:endParaRPr kumimoji="0" lang="en-US"/>
+          </a:p>
+        </p:txBody>
+      </p:sp>
+      <p:sp>
+        <p:nvSpPr>
+          <p:cNvPr id="3" name="Vertical Text Placeholder 2"/>
+          <p:cNvSpPr>
+            <a:spLocks noGrp="1"/>
+          </p:cNvSpPr>
+          <p:nvPr>
+            <p:ph type="body" orient="vert" idx="1"/>
+          </p:nvPr>
+        </p:nvSpPr>
+        <p:spPr>
+          <a:xfrm>
+            <a:off x="812800" y="274640"/>
+            <a:ext cx="7823200" cy="5851525"/>
           </a:xfrm>
         </p:spPr>
         <p:txBody>
           <a:bodyPr vert="eaVert"/>
-          <a:lstStyle/>
-          <a:p>
-            <a:r>
-              <a:rPr lang="en-US" smtClean="0"/>
-              <a:t>Click to edit Master title style</a:t>
-            </a:r>
-            <a:endParaRPr lang="en-US"/>
-          </a:p>
-        </p:txBody>
-      </p:sp>
-      <p:sp>
-        <p:nvSpPr>
-          <p:cNvPr id="3" name="Vertical Text Placeholder 2"/>
-          <p:cNvSpPr>
-            <a:spLocks noGrp="1"/>
-          </p:cNvSpPr>
-          <p:nvPr>
-            <p:ph type="body" orient="vert" idx="1"/>
-          </p:nvPr>
-        </p:nvSpPr>
-        <p:spPr>
-          <a:xfrm>
-            <a:off x="838200" y="365125"/>
-            <a:ext cx="7734300" cy="5811838"/>
-          </a:xfrm>
-        </p:spPr>
-        <p:txBody>
-          <a:bodyPr vert="eaVert"/>
-          <a:lstStyle/>
-          <a:p>
-            <a:pPr lvl="0"/>
+          <a:lstStyle>
+            <a:extLst/>
+          </a:lstStyle>
+          <a:p>
+            <a:pPr lvl="0" eaLnBrk="1" latinLnBrk="0" hangingPunct="1"/>
             <a:r>
               <a:rPr lang="en-US" smtClean="0"/>
               <a:t>Click to edit Master text styles</a:t>
             </a:r>
           </a:p>
           <a:p>
-            <a:pPr lvl="1"/>
+            <a:pPr lvl="1" eaLnBrk="1" latinLnBrk="0" hangingPunct="1"/>
             <a:r>
               <a:rPr lang="en-US" smtClean="0"/>
               <a:t>Second level</a:t>
             </a:r>
           </a:p>
           <a:p>
-            <a:pPr lvl="2"/>
+            <a:pPr lvl="2" eaLnBrk="1" latinLnBrk="0" hangingPunct="1"/>
             <a:r>
               <a:rPr lang="en-US" smtClean="0"/>
               <a:t>Third level</a:t>
             </a:r>
           </a:p>
           <a:p>
-            <a:pPr lvl="3"/>
+            <a:pPr lvl="3" eaLnBrk="1" latinLnBrk="0" hangingPunct="1"/>
             <a:r>
               <a:rPr lang="en-US" smtClean="0"/>
               <a:t>Fourth level</a:t>
             </a:r>
           </a:p>
           <a:p>
-            <a:pPr lvl="4"/>
+            <a:pPr lvl="4" eaLnBrk="1" latinLnBrk="0" hangingPunct="1"/>
             <a:r>
               <a:rPr lang="en-US" smtClean="0"/>
               <a:t>Fifth level</a:t>
             </a:r>
-            <a:endParaRPr lang="en-US"/>
+            <a:endParaRPr kumimoji="0" lang="en-US"/>
           </a:p>
         </p:txBody>
       </p:sp>
@@ -612,10 +771,20 @@
             <p:ph type="dt" sz="half" idx="10"/>
           </p:nvPr>
         </p:nvSpPr>
-        <p:spPr/>
+        <p:spPr>
+          <a:xfrm>
+            <a:off x="8636000" y="6416676"/>
+            <a:ext cx="2844800" cy="365125"/>
+          </a:xfrm>
+          <a:prstGeom prst="rect">
+            <a:avLst/>
+          </a:prstGeom>
+        </p:spPr>
         <p:txBody>
           <a:bodyPr/>
-          <a:lstStyle/>
+          <a:lstStyle>
+            <a:extLst/>
+          </a:lstStyle>
           <a:p>
             <a:fld id="{EEB31411-81DA-416F-953C-825CF1EE9A76}" type="datetimeFigureOut">
               <a:rPr lang="en-US" smtClean="0"/>
@@ -636,10 +805,20 @@
             <p:ph type="ftr" sz="quarter" idx="11"/>
           </p:nvPr>
         </p:nvSpPr>
-        <p:spPr/>
+        <p:spPr>
+          <a:xfrm>
+            <a:off x="1219200" y="6416676"/>
+            <a:ext cx="7416800" cy="365125"/>
+          </a:xfrm>
+          <a:prstGeom prst="rect">
+            <a:avLst/>
+          </a:prstGeom>
+        </p:spPr>
         <p:txBody>
           <a:bodyPr/>
-          <a:lstStyle/>
+          <a:lstStyle>
+            <a:extLst/>
+          </a:lstStyle>
           <a:p>
             <a:endParaRPr lang="en-US"/>
           </a:p>
@@ -655,10 +834,20 @@
             <p:ph type="sldNum" sz="quarter" idx="12"/>
           </p:nvPr>
         </p:nvSpPr>
-        <p:spPr/>
+        <p:spPr>
+          <a:xfrm>
+            <a:off x="11480800" y="6416676"/>
+            <a:ext cx="609600" cy="365125"/>
+          </a:xfrm>
+          <a:prstGeom prst="rect">
+            <a:avLst/>
+          </a:prstGeom>
+        </p:spPr>
         <p:txBody>
           <a:bodyPr/>
-          <a:lstStyle/>
+          <a:lstStyle>
+            <a:extLst/>
+          </a:lstStyle>
           <a:p>
             <a:fld id="{822A2284-31DD-42B7-BEA1-C7950499E459}" type="slidenum">
               <a:rPr lang="en-US" smtClean="0"/>
@@ -670,11 +859,6 @@
         </p:txBody>
       </p:sp>
     </p:spTree>
-    <p:extLst>
-      <p:ext uri="{BB962C8B-B14F-4D97-AF65-F5344CB8AC3E}">
-        <p14:creationId xmlns:p14="http://schemas.microsoft.com/office/powerpoint/2010/main" xmlns="" val="3859822148"/>
-      </p:ext>
-    </p:extLst>
   </p:cSld>
   <p:clrMapOvr>
     <a:masterClrMapping/>
@@ -712,13 +896,15 @@
         <p:spPr/>
         <p:txBody>
           <a:bodyPr/>
-          <a:lstStyle/>
-          <a:p>
-            <a:r>
-              <a:rPr lang="en-US" smtClean="0"/>
+          <a:lstStyle>
+            <a:extLst/>
+          </a:lstStyle>
+          <a:p>
+            <a:r>
+              <a:rPr kumimoji="0" lang="en-US" smtClean="0"/>
               <a:t>Click to edit Master title style</a:t>
             </a:r>
-            <a:endParaRPr lang="en-US"/>
+            <a:endParaRPr kumimoji="0" lang="en-US"/>
           </a:p>
         </p:txBody>
       </p:sp>
@@ -735,42 +921,44 @@
         <p:spPr/>
         <p:txBody>
           <a:bodyPr/>
-          <a:lstStyle/>
-          <a:p>
-            <a:pPr lvl="0"/>
+          <a:lstStyle>
+            <a:extLst/>
+          </a:lstStyle>
+          <a:p>
+            <a:pPr lvl="0" eaLnBrk="1" latinLnBrk="0" hangingPunct="1"/>
             <a:r>
               <a:rPr lang="en-US" smtClean="0"/>
               <a:t>Click to edit Master text styles</a:t>
             </a:r>
           </a:p>
           <a:p>
-            <a:pPr lvl="1"/>
+            <a:pPr lvl="1" eaLnBrk="1" latinLnBrk="0" hangingPunct="1"/>
             <a:r>
               <a:rPr lang="en-US" smtClean="0"/>
               <a:t>Second level</a:t>
             </a:r>
           </a:p>
           <a:p>
-            <a:pPr lvl="2"/>
+            <a:pPr lvl="2" eaLnBrk="1" latinLnBrk="0" hangingPunct="1"/>
             <a:r>
               <a:rPr lang="en-US" smtClean="0"/>
               <a:t>Third level</a:t>
             </a:r>
           </a:p>
           <a:p>
-            <a:pPr lvl="3"/>
+            <a:pPr lvl="3" eaLnBrk="1" latinLnBrk="0" hangingPunct="1"/>
             <a:r>
               <a:rPr lang="en-US" smtClean="0"/>
               <a:t>Fourth level</a:t>
             </a:r>
           </a:p>
           <a:p>
-            <a:pPr lvl="4"/>
+            <a:pPr lvl="4" eaLnBrk="1" latinLnBrk="0" hangingPunct="1"/>
             <a:r>
               <a:rPr lang="en-US" smtClean="0"/>
               <a:t>Fifth level</a:t>
             </a:r>
-            <a:endParaRPr lang="en-US"/>
+            <a:endParaRPr kumimoji="0" lang="en-US"/>
           </a:p>
         </p:txBody>
       </p:sp>
@@ -784,10 +972,20 @@
             <p:ph type="dt" sz="half" idx="10"/>
           </p:nvPr>
         </p:nvSpPr>
-        <p:spPr/>
+        <p:spPr>
+          <a:xfrm>
+            <a:off x="8636000" y="6416676"/>
+            <a:ext cx="2844800" cy="365125"/>
+          </a:xfrm>
+          <a:prstGeom prst="rect">
+            <a:avLst/>
+          </a:prstGeom>
+        </p:spPr>
         <p:txBody>
           <a:bodyPr/>
-          <a:lstStyle/>
+          <a:lstStyle>
+            <a:extLst/>
+          </a:lstStyle>
           <a:p>
             <a:fld id="{EEB31411-81DA-416F-953C-825CF1EE9A76}" type="datetimeFigureOut">
               <a:rPr lang="en-US" smtClean="0"/>
@@ -808,10 +1006,20 @@
             <p:ph type="ftr" sz="quarter" idx="11"/>
           </p:nvPr>
         </p:nvSpPr>
-        <p:spPr/>
+        <p:spPr>
+          <a:xfrm>
+            <a:off x="1219200" y="6416676"/>
+            <a:ext cx="7416800" cy="365125"/>
+          </a:xfrm>
+          <a:prstGeom prst="rect">
+            <a:avLst/>
+          </a:prstGeom>
+        </p:spPr>
         <p:txBody>
           <a:bodyPr/>
-          <a:lstStyle/>
+          <a:lstStyle>
+            <a:extLst/>
+          </a:lstStyle>
           <a:p>
             <a:endParaRPr lang="en-US"/>
           </a:p>
@@ -827,10 +1035,20 @@
             <p:ph type="sldNum" sz="quarter" idx="12"/>
           </p:nvPr>
         </p:nvSpPr>
-        <p:spPr/>
+        <p:spPr>
+          <a:xfrm>
+            <a:off x="11480800" y="6416676"/>
+            <a:ext cx="609600" cy="365125"/>
+          </a:xfrm>
+          <a:prstGeom prst="rect">
+            <a:avLst/>
+          </a:prstGeom>
+        </p:spPr>
         <p:txBody>
           <a:bodyPr/>
-          <a:lstStyle/>
+          <a:lstStyle>
+            <a:extLst/>
+          </a:lstStyle>
           <a:p>
             <a:fld id="{822A2284-31DD-42B7-BEA1-C7950499E459}" type="slidenum">
               <a:rPr lang="en-US" smtClean="0"/>
@@ -842,11 +1060,6 @@
         </p:txBody>
       </p:sp>
     </p:spTree>
-    <p:extLst>
-      <p:ext uri="{BB962C8B-B14F-4D97-AF65-F5344CB8AC3E}">
-        <p14:creationId xmlns:p14="http://schemas.microsoft.com/office/powerpoint/2010/main" xmlns="" val="3876915717"/>
-      </p:ext>
-    </p:extLst>
   </p:cSld>
   <p:clrMapOvr>
     <a:masterClrMapping/>
@@ -873,66 +1086,1331 @@
       </p:grpSpPr>
       <p:sp>
         <p:nvSpPr>
-          <p:cNvPr id="2" name="Title 1"/>
+          <p:cNvPr id="14" name="Freeform 13"/>
+          <p:cNvSpPr>
+            <a:spLocks/>
+          </p:cNvSpPr>
+          <p:nvPr/>
+        </p:nvSpPr>
+        <p:spPr bwMode="auto">
+          <a:xfrm>
+            <a:off x="6438603" y="1073888"/>
+            <a:ext cx="5762848" cy="5791200"/>
+          </a:xfrm>
+          <a:custGeom>
+            <a:avLst>
+              <a:gd name="A1" fmla="val 0"/>
+              <a:gd name="A2" fmla="val 0"/>
+              <a:gd name="A3" fmla="val 0"/>
+              <a:gd name="A4" fmla="val 0"/>
+              <a:gd name="A5" fmla="val 0"/>
+              <a:gd name="A6" fmla="val 0"/>
+              <a:gd name="A7" fmla="val 0"/>
+              <a:gd name="A8" fmla="val 0"/>
+            </a:avLst>
+            <a:gdLst/>
+            <a:ahLst/>
+            <a:cxnLst>
+              <a:cxn ang="0">
+                <a:pos x="0" y="3648"/>
+              </a:cxn>
+              <a:cxn ang="0">
+                <a:pos x="720" y="2016"/>
+              </a:cxn>
+              <a:cxn ang="0">
+                <a:pos x="2736" y="0"/>
+              </a:cxn>
+              <a:cxn ang="0">
+                <a:pos x="2736" y="96"/>
+              </a:cxn>
+              <a:cxn ang="0">
+                <a:pos x="744" y="2038"/>
+              </a:cxn>
+              <a:cxn ang="0">
+                <a:pos x="48" y="3648"/>
+              </a:cxn>
+              <a:cxn ang="0">
+                <a:pos x="0" y="3648"/>
+              </a:cxn>
+            </a:cxnLst>
+            <a:rect l="0" t="0" r="0" b="0"/>
+            <a:pathLst>
+              <a:path w="2736" h="3648">
+                <a:moveTo>
+                  <a:pt x="0" y="3648"/>
+                </a:moveTo>
+                <a:lnTo>
+                  <a:pt x="720" y="2016"/>
+                </a:lnTo>
+                <a:lnTo>
+                  <a:pt x="2736" y="672"/>
+                </a:lnTo>
+                <a:lnTo>
+                  <a:pt x="2736" y="720"/>
+                </a:lnTo>
+                <a:lnTo>
+                  <a:pt x="744" y="2038"/>
+                </a:lnTo>
+                <a:lnTo>
+                  <a:pt x="48" y="3648"/>
+                </a:lnTo>
+                <a:lnTo>
+                  <a:pt x="48" y="3648"/>
+                </a:lnTo>
+                <a:close/>
+              </a:path>
+            </a:pathLst>
+          </a:custGeom>
+          <a:noFill/>
+          <a:ln w="3175" cap="flat" cmpd="sng" algn="ctr">
+            <a:solidFill>
+              <a:schemeClr val="accent2">
+                <a:alpha val="53000"/>
+              </a:schemeClr>
+            </a:solidFill>
+            <a:prstDash val="solid"/>
+            <a:round/>
+            <a:headEnd type="none" w="med" len="med"/>
+            <a:tailEnd type="none" w="med" len="med"/>
+          </a:ln>
+          <a:effectLst/>
+        </p:spPr>
+        <p:txBody>
+          <a:bodyPr vert="horz" wrap="square" lIns="91440" tIns="45720" rIns="91440" bIns="45720" anchor="t" compatLnSpc="1"/>
+          <a:lstStyle>
+            <a:extLst/>
+          </a:lstStyle>
+          <a:p>
+            <a:endParaRPr kumimoji="0" lang="en-US"/>
+          </a:p>
+        </p:txBody>
+      </p:sp>
+      <p:sp>
+        <p:nvSpPr>
+          <p:cNvPr id="15" name="Freeform 14"/>
+          <p:cNvSpPr>
+            <a:spLocks/>
+          </p:cNvSpPr>
+          <p:nvPr/>
+        </p:nvSpPr>
+        <p:spPr bwMode="auto">
+          <a:xfrm>
+            <a:off x="498621" y="0"/>
+            <a:ext cx="7352715" cy="6615332"/>
+          </a:xfrm>
+          <a:custGeom>
+            <a:avLst>
+              <a:gd name="A1" fmla="val 0"/>
+              <a:gd name="A2" fmla="val 0"/>
+              <a:gd name="A3" fmla="val 0"/>
+              <a:gd name="A4" fmla="val 0"/>
+              <a:gd name="A5" fmla="val 0"/>
+              <a:gd name="A6" fmla="val 0"/>
+              <a:gd name="A7" fmla="val 0"/>
+              <a:gd name="A8" fmla="val 0"/>
+            </a:avLst>
+            <a:gdLst/>
+            <a:ahLst/>
+            <a:cxnLst>
+              <a:cxn ang="0">
+                <a:pos x="0" y="4080"/>
+              </a:cxn>
+              <a:cxn ang="0">
+                <a:pos x="0" y="4128"/>
+              </a:cxn>
+              <a:cxn ang="0">
+                <a:pos x="3504" y="2640"/>
+              </a:cxn>
+              <a:cxn ang="0">
+                <a:pos x="2880" y="0"/>
+              </a:cxn>
+              <a:cxn ang="0">
+                <a:pos x="2832" y="0"/>
+              </a:cxn>
+              <a:cxn ang="0">
+                <a:pos x="3465" y="2619"/>
+              </a:cxn>
+              <a:cxn ang="0">
+                <a:pos x="0" y="4080"/>
+              </a:cxn>
+            </a:cxnLst>
+            <a:rect l="0" t="0" r="0" b="0"/>
+            <a:pathLst>
+              <a:path w="3504" h="4128">
+                <a:moveTo>
+                  <a:pt x="0" y="4080"/>
+                </a:moveTo>
+                <a:lnTo>
+                  <a:pt x="0" y="4128"/>
+                </a:lnTo>
+                <a:lnTo>
+                  <a:pt x="3504" y="2640"/>
+                </a:lnTo>
+                <a:lnTo>
+                  <a:pt x="2880" y="0"/>
+                </a:lnTo>
+                <a:lnTo>
+                  <a:pt x="2832" y="0"/>
+                </a:lnTo>
+                <a:lnTo>
+                  <a:pt x="3465" y="2619"/>
+                </a:lnTo>
+                <a:lnTo>
+                  <a:pt x="0" y="4080"/>
+                </a:lnTo>
+                <a:close/>
+              </a:path>
+            </a:pathLst>
+          </a:custGeom>
+          <a:noFill/>
+          <a:ln w="3175" cap="flat" cmpd="sng" algn="ctr">
+            <a:solidFill>
+              <a:schemeClr val="accent2">
+                <a:alpha val="53000"/>
+              </a:schemeClr>
+            </a:solidFill>
+            <a:prstDash val="solid"/>
+            <a:round/>
+            <a:headEnd type="none" w="med" len="med"/>
+            <a:tailEnd type="none" w="med" len="med"/>
+          </a:ln>
+          <a:effectLst/>
+        </p:spPr>
+        <p:txBody>
+          <a:bodyPr vert="horz" wrap="square" lIns="91440" tIns="45720" rIns="91440" bIns="45720" anchor="t" compatLnSpc="1"/>
+          <a:lstStyle>
+            <a:extLst/>
+          </a:lstStyle>
+          <a:p>
+            <a:endParaRPr kumimoji="0" lang="en-US"/>
+          </a:p>
+        </p:txBody>
+      </p:sp>
+      <p:sp>
+        <p:nvSpPr>
+          <p:cNvPr id="13" name="Freeform 12"/>
+          <p:cNvSpPr>
+            <a:spLocks/>
+          </p:cNvSpPr>
+          <p:nvPr/>
+        </p:nvSpPr>
+        <p:spPr bwMode="auto">
+          <a:xfrm rot="5236414">
+            <a:off x="6635304" y="1285480"/>
+            <a:ext cx="4114800" cy="1584960"/>
+          </a:xfrm>
+          <a:custGeom>
+            <a:avLst>
+              <a:gd name="A1" fmla="val 0"/>
+              <a:gd name="A2" fmla="val 0"/>
+              <a:gd name="A3" fmla="val 0"/>
+              <a:gd name="A4" fmla="val 0"/>
+              <a:gd name="A5" fmla="val 0"/>
+              <a:gd name="A6" fmla="val 0"/>
+              <a:gd name="A7" fmla="val 0"/>
+              <a:gd name="A8" fmla="val 0"/>
+            </a:avLst>
+            <a:gdLst/>
+            <a:ahLst/>
+            <a:cxnLst>
+              <a:cxn ang="0">
+                <a:pos x="0" y="0"/>
+              </a:cxn>
+              <a:cxn ang="0">
+                <a:pos x="3552" y="1344"/>
+              </a:cxn>
+              <a:cxn ang="0">
+                <a:pos x="0" y="48"/>
+              </a:cxn>
+              <a:cxn ang="0">
+                <a:pos x="0" y="0"/>
+              </a:cxn>
+            </a:cxnLst>
+            <a:rect l="0" t="0" r="0" b="0"/>
+            <a:pathLst>
+              <a:path w="3552" h="1344">
+                <a:moveTo>
+                  <a:pt x="0" y="0"/>
+                </a:moveTo>
+                <a:lnTo>
+                  <a:pt x="3552" y="1344"/>
+                </a:lnTo>
+                <a:lnTo>
+                  <a:pt x="0" y="48"/>
+                </a:lnTo>
+                <a:lnTo>
+                  <a:pt x="0" y="0"/>
+                </a:lnTo>
+                <a:close/>
+              </a:path>
+            </a:pathLst>
+          </a:custGeom>
+          <a:solidFill>
+            <a:schemeClr val="bg2">
+              <a:tint val="95000"/>
+              <a:satMod val="180000"/>
+              <a:alpha val="30000"/>
+            </a:schemeClr>
+          </a:solidFill>
+          <a:ln w="9525" cap="flat" cmpd="sng" algn="ctr">
+            <a:noFill/>
+            <a:prstDash val="solid"/>
+            <a:round/>
+            <a:headEnd type="none" w="med" len="med"/>
+            <a:tailEnd type="none" w="med" len="med"/>
+          </a:ln>
+          <a:effectLst/>
+        </p:spPr>
+        <p:txBody>
+          <a:bodyPr vert="horz" wrap="square" lIns="91440" tIns="45720" rIns="91440" bIns="45720" anchor="t" compatLnSpc="1"/>
+          <a:lstStyle>
+            <a:extLst/>
+          </a:lstStyle>
+          <a:p>
+            <a:endParaRPr kumimoji="0" lang="en-US"/>
+          </a:p>
+        </p:txBody>
+      </p:sp>
+      <p:sp>
+        <p:nvSpPr>
+          <p:cNvPr id="16" name="Freeform 15"/>
+          <p:cNvSpPr>
+            <a:spLocks/>
+          </p:cNvSpPr>
+          <p:nvPr/>
+        </p:nvSpPr>
+        <p:spPr bwMode="auto">
+          <a:xfrm>
+            <a:off x="7924800" y="0"/>
+            <a:ext cx="3657600" cy="4267200"/>
+          </a:xfrm>
+          <a:custGeom>
+            <a:avLst>
+              <a:gd name="A1" fmla="val 0"/>
+              <a:gd name="A2" fmla="val 0"/>
+              <a:gd name="A3" fmla="val 0"/>
+              <a:gd name="A4" fmla="val 0"/>
+              <a:gd name="A5" fmla="val 0"/>
+              <a:gd name="A6" fmla="val 0"/>
+              <a:gd name="A7" fmla="val 0"/>
+              <a:gd name="A8" fmla="val 0"/>
+            </a:avLst>
+            <a:gdLst/>
+            <a:ahLst/>
+            <a:cxnLst>
+              <a:cxn ang="0">
+                <a:pos x="1104" y="0"/>
+              </a:cxn>
+              <a:cxn ang="0">
+                <a:pos x="1728" y="0"/>
+              </a:cxn>
+              <a:cxn ang="0">
+                <a:pos x="0" y="2688"/>
+              </a:cxn>
+              <a:cxn ang="0">
+                <a:pos x="1104" y="0"/>
+              </a:cxn>
+            </a:cxnLst>
+            <a:rect l="0" t="0" r="0" b="0"/>
+            <a:pathLst>
+              <a:path w="1728" h="2688">
+                <a:moveTo>
+                  <a:pt x="1104" y="0"/>
+                </a:moveTo>
+                <a:lnTo>
+                  <a:pt x="1728" y="0"/>
+                </a:lnTo>
+                <a:lnTo>
+                  <a:pt x="0" y="2688"/>
+                </a:lnTo>
+                <a:lnTo>
+                  <a:pt x="1104" y="0"/>
+                </a:lnTo>
+                <a:close/>
+              </a:path>
+            </a:pathLst>
+          </a:custGeom>
+          <a:solidFill>
+            <a:schemeClr val="bg2">
+              <a:tint val="95000"/>
+              <a:satMod val="200000"/>
+              <a:alpha val="30000"/>
+            </a:schemeClr>
+          </a:solidFill>
+          <a:ln w="9525" cap="flat" cmpd="sng" algn="ctr">
+            <a:noFill/>
+            <a:prstDash val="solid"/>
+            <a:round/>
+            <a:headEnd type="none" w="med" len="med"/>
+            <a:tailEnd type="none" w="med" len="med"/>
+          </a:ln>
+          <a:effectLst/>
+        </p:spPr>
+        <p:txBody>
+          <a:bodyPr vert="horz" wrap="square" lIns="91440" tIns="45720" rIns="91440" bIns="45720" anchor="t" compatLnSpc="1"/>
+          <a:lstStyle>
+            <a:extLst/>
+          </a:lstStyle>
+          <a:p>
+            <a:endParaRPr kumimoji="0" lang="en-US"/>
+          </a:p>
+        </p:txBody>
+      </p:sp>
+      <p:sp>
+        <p:nvSpPr>
+          <p:cNvPr id="17" name="Freeform 16"/>
+          <p:cNvSpPr>
+            <a:spLocks/>
+          </p:cNvSpPr>
+          <p:nvPr/>
+        </p:nvSpPr>
+        <p:spPr bwMode="auto">
+          <a:xfrm>
+            <a:off x="7924800" y="4267200"/>
+            <a:ext cx="4267200" cy="1143000"/>
+          </a:xfrm>
+          <a:custGeom>
+            <a:avLst>
+              <a:gd name="A1" fmla="val 0"/>
+              <a:gd name="A2" fmla="val 0"/>
+              <a:gd name="A3" fmla="val 0"/>
+              <a:gd name="A4" fmla="val 0"/>
+              <a:gd name="A5" fmla="val 0"/>
+              <a:gd name="A6" fmla="val 0"/>
+              <a:gd name="A7" fmla="val 0"/>
+              <a:gd name="A8" fmla="val 0"/>
+            </a:avLst>
+            <a:gdLst/>
+            <a:ahLst/>
+            <a:cxnLst>
+              <a:cxn ang="0">
+                <a:pos x="0" y="0"/>
+              </a:cxn>
+              <a:cxn ang="0">
+                <a:pos x="2016" y="240"/>
+              </a:cxn>
+              <a:cxn ang="0">
+                <a:pos x="2016" y="720"/>
+              </a:cxn>
+              <a:cxn ang="0">
+                <a:pos x="0" y="0"/>
+              </a:cxn>
+            </a:cxnLst>
+            <a:rect l="0" t="0" r="0" b="0"/>
+            <a:pathLst>
+              <a:path w="2016" h="720">
+                <a:moveTo>
+                  <a:pt x="0" y="0"/>
+                </a:moveTo>
+                <a:lnTo>
+                  <a:pt x="2016" y="240"/>
+                </a:lnTo>
+                <a:lnTo>
+                  <a:pt x="2016" y="720"/>
+                </a:lnTo>
+                <a:lnTo>
+                  <a:pt x="0" y="0"/>
+                </a:lnTo>
+                <a:close/>
+              </a:path>
+            </a:pathLst>
+          </a:custGeom>
+          <a:solidFill>
+            <a:schemeClr val="bg2">
+              <a:tint val="95000"/>
+              <a:satMod val="200000"/>
+              <a:alpha val="30000"/>
+            </a:schemeClr>
+          </a:solidFill>
+          <a:ln w="9525" cap="flat" cmpd="sng" algn="ctr">
+            <a:noFill/>
+            <a:prstDash val="solid"/>
+            <a:round/>
+            <a:headEnd type="none" w="med" len="med"/>
+            <a:tailEnd type="none" w="med" len="med"/>
+          </a:ln>
+          <a:effectLst/>
+        </p:spPr>
+        <p:txBody>
+          <a:bodyPr vert="horz" wrap="square" lIns="91440" tIns="45720" rIns="91440" bIns="45720" anchor="t" compatLnSpc="1"/>
+          <a:lstStyle>
+            <a:extLst/>
+          </a:lstStyle>
+          <a:p>
+            <a:endParaRPr kumimoji="0" lang="en-US"/>
+          </a:p>
+        </p:txBody>
+      </p:sp>
+      <p:sp>
+        <p:nvSpPr>
+          <p:cNvPr id="18" name="Freeform 17"/>
+          <p:cNvSpPr>
+            <a:spLocks/>
+          </p:cNvSpPr>
+          <p:nvPr/>
+        </p:nvSpPr>
+        <p:spPr bwMode="auto">
+          <a:xfrm>
+            <a:off x="7924800" y="0"/>
+            <a:ext cx="1828800" cy="4267200"/>
+          </a:xfrm>
+          <a:custGeom>
+            <a:avLst>
+              <a:gd name="A1" fmla="val 0"/>
+              <a:gd name="A2" fmla="val 0"/>
+              <a:gd name="A3" fmla="val 0"/>
+              <a:gd name="A4" fmla="val 0"/>
+              <a:gd name="A5" fmla="val 0"/>
+              <a:gd name="A6" fmla="val 0"/>
+              <a:gd name="A7" fmla="val 0"/>
+              <a:gd name="A8" fmla="val 0"/>
+            </a:avLst>
+            <a:gdLst/>
+            <a:ahLst/>
+            <a:cxnLst>
+              <a:cxn ang="0">
+                <a:pos x="864" y="0"/>
+              </a:cxn>
+              <a:cxn ang="0">
+                <a:pos x="0" y="2688"/>
+              </a:cxn>
+              <a:cxn ang="0">
+                <a:pos x="768" y="0"/>
+              </a:cxn>
+              <a:cxn ang="0">
+                <a:pos x="864" y="0"/>
+              </a:cxn>
+            </a:cxnLst>
+            <a:rect l="0" t="0" r="0" b="0"/>
+            <a:pathLst>
+              <a:path w="864" h="2688">
+                <a:moveTo>
+                  <a:pt x="864" y="0"/>
+                </a:moveTo>
+                <a:lnTo>
+                  <a:pt x="0" y="2688"/>
+                </a:lnTo>
+                <a:lnTo>
+                  <a:pt x="768" y="0"/>
+                </a:lnTo>
+                <a:lnTo>
+                  <a:pt x="864" y="0"/>
+                </a:lnTo>
+                <a:close/>
+              </a:path>
+            </a:pathLst>
+          </a:custGeom>
+          <a:solidFill>
+            <a:schemeClr val="bg2">
+              <a:tint val="95000"/>
+              <a:satMod val="200000"/>
+              <a:alpha val="30000"/>
+            </a:schemeClr>
+          </a:solidFill>
+          <a:ln w="9525" cap="flat" cmpd="sng" algn="ctr">
+            <a:noFill/>
+            <a:prstDash val="solid"/>
+            <a:round/>
+            <a:headEnd type="none" w="med" len="med"/>
+            <a:tailEnd type="none" w="med" len="med"/>
+          </a:ln>
+          <a:effectLst/>
+        </p:spPr>
+        <p:txBody>
+          <a:bodyPr vert="horz" wrap="square" lIns="91440" tIns="45720" rIns="91440" bIns="45720" anchor="t" compatLnSpc="1"/>
+          <a:lstStyle>
+            <a:extLst/>
+          </a:lstStyle>
+          <a:p>
+            <a:endParaRPr kumimoji="0" lang="en-US"/>
+          </a:p>
+        </p:txBody>
+      </p:sp>
+      <p:sp>
+        <p:nvSpPr>
+          <p:cNvPr id="19" name="Freeform 18"/>
+          <p:cNvSpPr>
+            <a:spLocks/>
+          </p:cNvSpPr>
+          <p:nvPr/>
+        </p:nvSpPr>
+        <p:spPr bwMode="auto">
+          <a:xfrm>
+            <a:off x="7931152" y="4246564"/>
+            <a:ext cx="2787649" cy="2611437"/>
+          </a:xfrm>
+          <a:custGeom>
+            <a:avLst>
+              <a:gd name="A1" fmla="val 0"/>
+              <a:gd name="A2" fmla="val 0"/>
+              <a:gd name="A3" fmla="val 0"/>
+              <a:gd name="A4" fmla="val 0"/>
+              <a:gd name="A5" fmla="val 0"/>
+              <a:gd name="A6" fmla="val 0"/>
+              <a:gd name="A7" fmla="val 0"/>
+              <a:gd name="A8" fmla="val 0"/>
+            </a:avLst>
+            <a:gdLst/>
+            <a:ahLst/>
+            <a:cxnLst>
+              <a:cxn ang="0">
+                <a:pos x="1071" y="1645"/>
+              </a:cxn>
+              <a:cxn ang="0">
+                <a:pos x="1317" y="1645"/>
+              </a:cxn>
+              <a:cxn ang="0">
+                <a:pos x="0" y="0"/>
+              </a:cxn>
+              <a:cxn ang="0">
+                <a:pos x="1071" y="1645"/>
+              </a:cxn>
+            </a:cxnLst>
+            <a:rect l="0" t="0" r="0" b="0"/>
+            <a:pathLst>
+              <a:path w="1317" h="1645">
+                <a:moveTo>
+                  <a:pt x="1071" y="1645"/>
+                </a:moveTo>
+                <a:lnTo>
+                  <a:pt x="1317" y="1645"/>
+                </a:lnTo>
+                <a:lnTo>
+                  <a:pt x="0" y="0"/>
+                </a:lnTo>
+                <a:lnTo>
+                  <a:pt x="1071" y="1645"/>
+                </a:lnTo>
+                <a:close/>
+              </a:path>
+            </a:pathLst>
+          </a:custGeom>
+          <a:solidFill>
+            <a:schemeClr val="bg2">
+              <a:tint val="95000"/>
+              <a:satMod val="200000"/>
+              <a:alpha val="30000"/>
+            </a:schemeClr>
+          </a:solidFill>
+          <a:ln w="9525" cap="flat" cmpd="sng" algn="ctr">
+            <a:noFill/>
+            <a:prstDash val="solid"/>
+            <a:round/>
+            <a:headEnd type="none" w="med" len="med"/>
+            <a:tailEnd type="none" w="med" len="med"/>
+          </a:ln>
+          <a:effectLst/>
+        </p:spPr>
+        <p:txBody>
+          <a:bodyPr vert="horz" wrap="square" lIns="91440" tIns="45720" rIns="91440" bIns="45720" anchor="t" compatLnSpc="1"/>
+          <a:lstStyle>
+            <a:extLst/>
+          </a:lstStyle>
+          <a:p>
+            <a:endParaRPr kumimoji="0" lang="en-US"/>
+          </a:p>
+        </p:txBody>
+      </p:sp>
+      <p:sp>
+        <p:nvSpPr>
+          <p:cNvPr id="20" name="Freeform 19"/>
+          <p:cNvSpPr>
+            <a:spLocks/>
+          </p:cNvSpPr>
+          <p:nvPr/>
+        </p:nvSpPr>
+        <p:spPr bwMode="auto">
+          <a:xfrm>
+            <a:off x="7924800" y="4267200"/>
+            <a:ext cx="2133600" cy="2590800"/>
+          </a:xfrm>
+          <a:custGeom>
+            <a:avLst>
+              <a:gd name="A1" fmla="val 0"/>
+              <a:gd name="A2" fmla="val 0"/>
+              <a:gd name="A3" fmla="val 0"/>
+              <a:gd name="A4" fmla="val 0"/>
+              <a:gd name="A5" fmla="val 0"/>
+              <a:gd name="A6" fmla="val 0"/>
+              <a:gd name="A7" fmla="val 0"/>
+              <a:gd name="A8" fmla="val 0"/>
+            </a:avLst>
+            <a:gdLst/>
+            <a:ahLst/>
+            <a:cxnLst>
+              <a:cxn ang="0">
+                <a:pos x="1008" y="1632"/>
+              </a:cxn>
+              <a:cxn ang="0">
+                <a:pos x="0" y="0"/>
+              </a:cxn>
+              <a:cxn ang="0">
+                <a:pos x="960" y="1632"/>
+              </a:cxn>
+              <a:cxn ang="0">
+                <a:pos x="1008" y="1632"/>
+              </a:cxn>
+            </a:cxnLst>
+            <a:rect l="0" t="0" r="0" b="0"/>
+            <a:pathLst>
+              <a:path w="1008" h="1632">
+                <a:moveTo>
+                  <a:pt x="1008" y="1632"/>
+                </a:moveTo>
+                <a:lnTo>
+                  <a:pt x="0" y="0"/>
+                </a:lnTo>
+                <a:lnTo>
+                  <a:pt x="960" y="1632"/>
+                </a:lnTo>
+                <a:lnTo>
+                  <a:pt x="1008" y="1632"/>
+                </a:lnTo>
+                <a:close/>
+              </a:path>
+            </a:pathLst>
+          </a:custGeom>
+          <a:solidFill>
+            <a:schemeClr val="bg2">
+              <a:tint val="95000"/>
+              <a:satMod val="200000"/>
+              <a:alpha val="30000"/>
+            </a:schemeClr>
+          </a:solidFill>
+          <a:ln w="9525" cap="flat" cmpd="sng" algn="ctr">
+            <a:noFill/>
+            <a:prstDash val="solid"/>
+            <a:round/>
+            <a:headEnd type="none" w="med" len="med"/>
+            <a:tailEnd type="none" w="med" len="med"/>
+          </a:ln>
+          <a:effectLst/>
+        </p:spPr>
+        <p:txBody>
+          <a:bodyPr vert="horz" wrap="square" lIns="91440" tIns="45720" rIns="91440" bIns="45720" anchor="t" compatLnSpc="1"/>
+          <a:lstStyle>
+            <a:extLst/>
+          </a:lstStyle>
+          <a:p>
+            <a:endParaRPr kumimoji="0" lang="en-US"/>
+          </a:p>
+        </p:txBody>
+      </p:sp>
+      <p:sp>
+        <p:nvSpPr>
+          <p:cNvPr id="21" name="Freeform 20"/>
+          <p:cNvSpPr>
+            <a:spLocks/>
+          </p:cNvSpPr>
+          <p:nvPr/>
+        </p:nvSpPr>
+        <p:spPr bwMode="auto">
+          <a:xfrm>
+            <a:off x="7924800" y="1371600"/>
+            <a:ext cx="4267200" cy="2895600"/>
+          </a:xfrm>
+          <a:custGeom>
+            <a:avLst>
+              <a:gd name="A1" fmla="val 0"/>
+              <a:gd name="A2" fmla="val 0"/>
+              <a:gd name="A3" fmla="val 0"/>
+              <a:gd name="A4" fmla="val 0"/>
+              <a:gd name="A5" fmla="val 0"/>
+              <a:gd name="A6" fmla="val 0"/>
+              <a:gd name="A7" fmla="val 0"/>
+              <a:gd name="A8" fmla="val 0"/>
+            </a:avLst>
+            <a:gdLst/>
+            <a:ahLst/>
+            <a:cxnLst>
+              <a:cxn ang="0">
+                <a:pos x="2016" y="0"/>
+              </a:cxn>
+              <a:cxn ang="0">
+                <a:pos x="2016" y="144"/>
+              </a:cxn>
+              <a:cxn ang="0">
+                <a:pos x="0" y="1824"/>
+              </a:cxn>
+              <a:cxn ang="0">
+                <a:pos x="2016" y="0"/>
+              </a:cxn>
+            </a:cxnLst>
+            <a:rect l="0" t="0" r="0" b="0"/>
+            <a:pathLst>
+              <a:path w="2016" h="1824">
+                <a:moveTo>
+                  <a:pt x="2016" y="0"/>
+                </a:moveTo>
+                <a:lnTo>
+                  <a:pt x="2016" y="144"/>
+                </a:lnTo>
+                <a:lnTo>
+                  <a:pt x="0" y="1824"/>
+                </a:lnTo>
+                <a:lnTo>
+                  <a:pt x="2016" y="0"/>
+                </a:lnTo>
+                <a:close/>
+              </a:path>
+            </a:pathLst>
+          </a:custGeom>
+          <a:solidFill>
+            <a:schemeClr val="bg2">
+              <a:tint val="95000"/>
+              <a:satMod val="200000"/>
+              <a:alpha val="30000"/>
+            </a:schemeClr>
+          </a:solidFill>
+          <a:ln w="9525" cap="flat" cmpd="sng" algn="ctr">
+            <a:noFill/>
+            <a:prstDash val="solid"/>
+            <a:round/>
+            <a:headEnd type="none" w="med" len="med"/>
+            <a:tailEnd type="none" w="med" len="med"/>
+          </a:ln>
+          <a:effectLst/>
+        </p:spPr>
+        <p:txBody>
+          <a:bodyPr vert="horz" wrap="square" lIns="91440" tIns="45720" rIns="91440" bIns="45720" anchor="t" compatLnSpc="1"/>
+          <a:lstStyle>
+            <a:extLst/>
+          </a:lstStyle>
+          <a:p>
+            <a:endParaRPr kumimoji="0" lang="en-US"/>
+          </a:p>
+        </p:txBody>
+      </p:sp>
+      <p:sp>
+        <p:nvSpPr>
+          <p:cNvPr id="22" name="Freeform 21"/>
+          <p:cNvSpPr>
+            <a:spLocks/>
+          </p:cNvSpPr>
+          <p:nvPr/>
+        </p:nvSpPr>
+        <p:spPr bwMode="auto">
+          <a:xfrm>
+            <a:off x="7924800" y="1752600"/>
+            <a:ext cx="4267200" cy="2514600"/>
+          </a:xfrm>
+          <a:custGeom>
+            <a:avLst>
+              <a:gd name="A1" fmla="val 0"/>
+              <a:gd name="A2" fmla="val 0"/>
+              <a:gd name="A3" fmla="val 0"/>
+              <a:gd name="A4" fmla="val 0"/>
+              <a:gd name="A5" fmla="val 0"/>
+              <a:gd name="A6" fmla="val 0"/>
+              <a:gd name="A7" fmla="val 0"/>
+              <a:gd name="A8" fmla="val 0"/>
+            </a:avLst>
+            <a:gdLst/>
+            <a:ahLst/>
+            <a:cxnLst>
+              <a:cxn ang="0">
+                <a:pos x="2016" y="0"/>
+              </a:cxn>
+              <a:cxn ang="0">
+                <a:pos x="0" y="1584"/>
+              </a:cxn>
+              <a:cxn ang="0">
+                <a:pos x="2016" y="48"/>
+              </a:cxn>
+              <a:cxn ang="0">
+                <a:pos x="2016" y="0"/>
+              </a:cxn>
+            </a:cxnLst>
+            <a:rect l="0" t="0" r="0" b="0"/>
+            <a:pathLst>
+              <a:path w="2016" h="1584">
+                <a:moveTo>
+                  <a:pt x="2016" y="0"/>
+                </a:moveTo>
+                <a:lnTo>
+                  <a:pt x="0" y="1584"/>
+                </a:lnTo>
+                <a:lnTo>
+                  <a:pt x="2016" y="48"/>
+                </a:lnTo>
+                <a:lnTo>
+                  <a:pt x="2016" y="0"/>
+                </a:lnTo>
+                <a:close/>
+              </a:path>
+            </a:pathLst>
+          </a:custGeom>
+          <a:solidFill>
+            <a:schemeClr val="bg2">
+              <a:tint val="95000"/>
+              <a:satMod val="200000"/>
+              <a:alpha val="30000"/>
+            </a:schemeClr>
+          </a:solidFill>
+          <a:ln w="9525" cap="flat" cmpd="sng" algn="ctr">
+            <a:noFill/>
+            <a:prstDash val="solid"/>
+            <a:round/>
+            <a:headEnd type="none" w="med" len="med"/>
+            <a:tailEnd type="none" w="med" len="med"/>
+          </a:ln>
+          <a:effectLst/>
+        </p:spPr>
+        <p:txBody>
+          <a:bodyPr vert="horz" wrap="square" lIns="91440" tIns="45720" rIns="91440" bIns="45720" anchor="t" compatLnSpc="1"/>
+          <a:lstStyle>
+            <a:extLst/>
+          </a:lstStyle>
+          <a:p>
+            <a:endParaRPr kumimoji="0" lang="en-US"/>
+          </a:p>
+        </p:txBody>
+      </p:sp>
+      <p:sp>
+        <p:nvSpPr>
+          <p:cNvPr id="23" name="Freeform 22"/>
+          <p:cNvSpPr>
+            <a:spLocks/>
+          </p:cNvSpPr>
+          <p:nvPr/>
+        </p:nvSpPr>
+        <p:spPr bwMode="auto">
+          <a:xfrm>
+            <a:off x="1320800" y="4267200"/>
+            <a:ext cx="6604000" cy="2590800"/>
+          </a:xfrm>
+          <a:custGeom>
+            <a:avLst>
+              <a:gd name="A1" fmla="val 0"/>
+              <a:gd name="A2" fmla="val 0"/>
+              <a:gd name="A3" fmla="val 0"/>
+              <a:gd name="A4" fmla="val 0"/>
+              <a:gd name="A5" fmla="val 0"/>
+              <a:gd name="A6" fmla="val 0"/>
+              <a:gd name="A7" fmla="val 0"/>
+              <a:gd name="A8" fmla="val 0"/>
+            </a:avLst>
+            <a:gdLst/>
+            <a:ahLst/>
+            <a:cxnLst>
+              <a:cxn ang="0">
+                <a:pos x="0" y="1632"/>
+              </a:cxn>
+              <a:cxn ang="0">
+                <a:pos x="3120" y="0"/>
+              </a:cxn>
+              <a:cxn ang="0">
+                <a:pos x="1056" y="1632"/>
+              </a:cxn>
+              <a:cxn ang="0">
+                <a:pos x="0" y="1632"/>
+              </a:cxn>
+            </a:cxnLst>
+            <a:rect l="0" t="0" r="0" b="0"/>
+            <a:pathLst>
+              <a:path w="3120" h="1632">
+                <a:moveTo>
+                  <a:pt x="0" y="1632"/>
+                </a:moveTo>
+                <a:lnTo>
+                  <a:pt x="3120" y="0"/>
+                </a:lnTo>
+                <a:lnTo>
+                  <a:pt x="1056" y="1632"/>
+                </a:lnTo>
+                <a:lnTo>
+                  <a:pt x="0" y="1632"/>
+                </a:lnTo>
+                <a:close/>
+              </a:path>
+            </a:pathLst>
+          </a:custGeom>
+          <a:solidFill>
+            <a:schemeClr val="bg2">
+              <a:tint val="95000"/>
+              <a:satMod val="200000"/>
+              <a:alpha val="30000"/>
+            </a:schemeClr>
+          </a:solidFill>
+          <a:ln w="9525" cap="flat" cmpd="sng" algn="ctr">
+            <a:noFill/>
+            <a:prstDash val="solid"/>
+            <a:round/>
+            <a:headEnd type="none" w="med" len="med"/>
+            <a:tailEnd type="none" w="med" len="med"/>
+          </a:ln>
+          <a:effectLst/>
+        </p:spPr>
+        <p:txBody>
+          <a:bodyPr vert="horz" wrap="square" lIns="91440" tIns="45720" rIns="91440" bIns="45720" anchor="t" compatLnSpc="1"/>
+          <a:lstStyle>
+            <a:extLst/>
+          </a:lstStyle>
+          <a:p>
+            <a:endParaRPr kumimoji="0" lang="en-US"/>
+          </a:p>
+        </p:txBody>
+      </p:sp>
+      <p:sp>
+        <p:nvSpPr>
+          <p:cNvPr id="24" name="Freeform 23"/>
+          <p:cNvSpPr>
+            <a:spLocks/>
+          </p:cNvSpPr>
+          <p:nvPr/>
+        </p:nvSpPr>
+        <p:spPr bwMode="auto">
+          <a:xfrm>
+            <a:off x="711200" y="4267200"/>
+            <a:ext cx="7112000" cy="2590800"/>
+          </a:xfrm>
+          <a:custGeom>
+            <a:avLst>
+              <a:gd name="A1" fmla="val 0"/>
+              <a:gd name="A2" fmla="val 0"/>
+              <a:gd name="A3" fmla="val 0"/>
+              <a:gd name="A4" fmla="val 0"/>
+              <a:gd name="A5" fmla="val 0"/>
+              <a:gd name="A6" fmla="val 0"/>
+              <a:gd name="A7" fmla="val 0"/>
+              <a:gd name="A8" fmla="val 0"/>
+            </a:avLst>
+            <a:gdLst/>
+            <a:ahLst/>
+            <a:cxnLst>
+              <a:cxn ang="0">
+                <a:pos x="0" y="1632"/>
+              </a:cxn>
+              <a:cxn ang="0">
+                <a:pos x="3360" y="0"/>
+              </a:cxn>
+              <a:cxn ang="0">
+                <a:pos x="144" y="1632"/>
+              </a:cxn>
+              <a:cxn ang="0">
+                <a:pos x="0" y="1632"/>
+              </a:cxn>
+            </a:cxnLst>
+            <a:rect l="0" t="0" r="0" b="0"/>
+            <a:pathLst>
+              <a:path w="3360" h="1632">
+                <a:moveTo>
+                  <a:pt x="0" y="1632"/>
+                </a:moveTo>
+                <a:lnTo>
+                  <a:pt x="3360" y="0"/>
+                </a:lnTo>
+                <a:lnTo>
+                  <a:pt x="144" y="1632"/>
+                </a:lnTo>
+                <a:lnTo>
+                  <a:pt x="0" y="1632"/>
+                </a:lnTo>
+                <a:close/>
+              </a:path>
+            </a:pathLst>
+          </a:custGeom>
+          <a:solidFill>
+            <a:schemeClr val="bg2">
+              <a:tint val="95000"/>
+              <a:satMod val="200000"/>
+              <a:alpha val="30000"/>
+            </a:schemeClr>
+          </a:solidFill>
+          <a:ln w="9525" cap="flat" cmpd="sng" algn="ctr">
+            <a:noFill/>
+            <a:prstDash val="solid"/>
+            <a:round/>
+            <a:headEnd type="none" w="med" len="med"/>
+            <a:tailEnd type="none" w="med" len="med"/>
+          </a:ln>
+          <a:effectLst/>
+        </p:spPr>
+        <p:txBody>
+          <a:bodyPr vert="horz" wrap="square" lIns="91440" tIns="45720" rIns="91440" bIns="45720" anchor="t" compatLnSpc="1"/>
+          <a:lstStyle>
+            <a:extLst/>
+          </a:lstStyle>
+          <a:p>
+            <a:endParaRPr kumimoji="0" lang="en-US"/>
+          </a:p>
+        </p:txBody>
+      </p:sp>
+      <p:sp>
+        <p:nvSpPr>
+          <p:cNvPr id="25" name="Freeform 24"/>
+          <p:cNvSpPr>
+            <a:spLocks/>
+          </p:cNvSpPr>
+          <p:nvPr/>
+        </p:nvSpPr>
+        <p:spPr bwMode="auto">
+          <a:xfrm>
+            <a:off x="489099" y="2438400"/>
+            <a:ext cx="7518400" cy="1828800"/>
+          </a:xfrm>
+          <a:custGeom>
+            <a:avLst>
+              <a:gd name="A1" fmla="val 0"/>
+              <a:gd name="A2" fmla="val 0"/>
+              <a:gd name="A3" fmla="val 0"/>
+              <a:gd name="A4" fmla="val 0"/>
+              <a:gd name="A5" fmla="val 0"/>
+              <a:gd name="A6" fmla="val 0"/>
+              <a:gd name="A7" fmla="val 0"/>
+              <a:gd name="A8" fmla="val 0"/>
+            </a:avLst>
+            <a:gdLst/>
+            <a:ahLst/>
+            <a:cxnLst>
+              <a:cxn ang="0">
+                <a:pos x="0" y="0"/>
+              </a:cxn>
+              <a:cxn ang="0">
+                <a:pos x="3552" y="1152"/>
+              </a:cxn>
+              <a:cxn ang="0">
+                <a:pos x="0" y="384"/>
+              </a:cxn>
+              <a:cxn ang="0">
+                <a:pos x="0" y="0"/>
+              </a:cxn>
+            </a:cxnLst>
+            <a:rect l="0" t="0" r="0" b="0"/>
+            <a:pathLst>
+              <a:path w="3552" h="1152">
+                <a:moveTo>
+                  <a:pt x="0" y="0"/>
+                </a:moveTo>
+                <a:lnTo>
+                  <a:pt x="3504" y="1152"/>
+                </a:lnTo>
+                <a:lnTo>
+                  <a:pt x="0" y="384"/>
+                </a:lnTo>
+                <a:lnTo>
+                  <a:pt x="0" y="0"/>
+                </a:lnTo>
+                <a:close/>
+              </a:path>
+            </a:pathLst>
+          </a:custGeom>
+          <a:solidFill>
+            <a:schemeClr val="bg2">
+              <a:tint val="95000"/>
+              <a:satMod val="200000"/>
+              <a:alpha val="30000"/>
+            </a:schemeClr>
+          </a:solidFill>
+          <a:ln w="9525" cap="flat" cmpd="sng" algn="ctr">
+            <a:noFill/>
+            <a:prstDash val="solid"/>
+            <a:round/>
+            <a:headEnd type="none" w="med" len="med"/>
+            <a:tailEnd type="none" w="med" len="med"/>
+          </a:ln>
+          <a:effectLst/>
+        </p:spPr>
+        <p:txBody>
+          <a:bodyPr vert="horz" wrap="square" lIns="91440" tIns="45720" rIns="91440" bIns="45720" anchor="t" compatLnSpc="1"/>
+          <a:lstStyle>
+            <a:extLst/>
+          </a:lstStyle>
+          <a:p>
+            <a:endParaRPr kumimoji="0" lang="en-US"/>
+          </a:p>
+        </p:txBody>
+      </p:sp>
+      <p:sp>
+        <p:nvSpPr>
+          <p:cNvPr id="26" name="Freeform 25"/>
+          <p:cNvSpPr>
+            <a:spLocks/>
+          </p:cNvSpPr>
+          <p:nvPr/>
+        </p:nvSpPr>
+        <p:spPr bwMode="auto">
+          <a:xfrm>
+            <a:off x="489099" y="2133600"/>
+            <a:ext cx="7518400" cy="2133600"/>
+          </a:xfrm>
+          <a:custGeom>
+            <a:avLst>
+              <a:gd name="A1" fmla="val 0"/>
+              <a:gd name="A2" fmla="val 0"/>
+              <a:gd name="A3" fmla="val 0"/>
+              <a:gd name="A4" fmla="val 0"/>
+              <a:gd name="A5" fmla="val 0"/>
+              <a:gd name="A6" fmla="val 0"/>
+              <a:gd name="A7" fmla="val 0"/>
+              <a:gd name="A8" fmla="val 0"/>
+            </a:avLst>
+            <a:gdLst/>
+            <a:ahLst/>
+            <a:cxnLst>
+              <a:cxn ang="0">
+                <a:pos x="0" y="0"/>
+              </a:cxn>
+              <a:cxn ang="0">
+                <a:pos x="3552" y="1344"/>
+              </a:cxn>
+              <a:cxn ang="0">
+                <a:pos x="0" y="48"/>
+              </a:cxn>
+              <a:cxn ang="0">
+                <a:pos x="0" y="0"/>
+              </a:cxn>
+            </a:cxnLst>
+            <a:rect l="0" t="0" r="0" b="0"/>
+            <a:pathLst>
+              <a:path w="3552" h="1344">
+                <a:moveTo>
+                  <a:pt x="0" y="0"/>
+                </a:moveTo>
+                <a:lnTo>
+                  <a:pt x="3552" y="1344"/>
+                </a:lnTo>
+                <a:lnTo>
+                  <a:pt x="0" y="48"/>
+                </a:lnTo>
+                <a:lnTo>
+                  <a:pt x="0" y="0"/>
+                </a:lnTo>
+                <a:close/>
+              </a:path>
+            </a:pathLst>
+          </a:custGeom>
+          <a:solidFill>
+            <a:schemeClr val="bg2">
+              <a:tint val="95000"/>
+              <a:satMod val="200000"/>
+              <a:alpha val="30000"/>
+            </a:schemeClr>
+          </a:solidFill>
+          <a:ln w="9525" cap="flat" cmpd="sng" algn="ctr">
+            <a:noFill/>
+            <a:prstDash val="solid"/>
+            <a:round/>
+            <a:headEnd type="none" w="med" len="med"/>
+            <a:tailEnd type="none" w="med" len="med"/>
+          </a:ln>
+          <a:effectLst/>
+        </p:spPr>
+        <p:txBody>
+          <a:bodyPr vert="horz" wrap="square" lIns="91440" tIns="45720" rIns="91440" bIns="45720" anchor="t" compatLnSpc="1"/>
+          <a:lstStyle>
+            <a:extLst/>
+          </a:lstStyle>
+          <a:p>
+            <a:endParaRPr kumimoji="0" lang="en-US"/>
+          </a:p>
+        </p:txBody>
+      </p:sp>
+      <p:sp>
+        <p:nvSpPr>
+          <p:cNvPr id="27" name="Freeform 26"/>
+          <p:cNvSpPr>
+            <a:spLocks/>
+          </p:cNvSpPr>
+          <p:nvPr/>
+        </p:nvSpPr>
+        <p:spPr bwMode="auto">
+          <a:xfrm>
+            <a:off x="6096000" y="4267200"/>
+            <a:ext cx="1828800" cy="2590800"/>
+          </a:xfrm>
+          <a:custGeom>
+            <a:avLst>
+              <a:gd name="A1" fmla="val 0"/>
+              <a:gd name="A2" fmla="val 0"/>
+              <a:gd name="A3" fmla="val 0"/>
+              <a:gd name="A4" fmla="val 0"/>
+              <a:gd name="A5" fmla="val 0"/>
+              <a:gd name="A6" fmla="val 0"/>
+              <a:gd name="A7" fmla="val 0"/>
+              <a:gd name="A8" fmla="val 0"/>
+            </a:avLst>
+            <a:gdLst/>
+            <a:ahLst/>
+            <a:cxnLst>
+              <a:cxn ang="0">
+                <a:pos x="0" y="1632"/>
+              </a:cxn>
+              <a:cxn ang="0">
+                <a:pos x="96" y="1632"/>
+              </a:cxn>
+              <a:cxn ang="0">
+                <a:pos x="864" y="0"/>
+              </a:cxn>
+              <a:cxn ang="0">
+                <a:pos x="0" y="1632"/>
+              </a:cxn>
+            </a:cxnLst>
+            <a:rect l="0" t="0" r="0" b="0"/>
+            <a:pathLst>
+              <a:path w="864" h="1632">
+                <a:moveTo>
+                  <a:pt x="0" y="1632"/>
+                </a:moveTo>
+                <a:lnTo>
+                  <a:pt x="96" y="1632"/>
+                </a:lnTo>
+                <a:lnTo>
+                  <a:pt x="864" y="0"/>
+                </a:lnTo>
+                <a:lnTo>
+                  <a:pt x="0" y="1632"/>
+                </a:lnTo>
+                <a:close/>
+              </a:path>
+            </a:pathLst>
+          </a:custGeom>
+          <a:solidFill>
+            <a:schemeClr val="bg2">
+              <a:tint val="95000"/>
+              <a:satMod val="180000"/>
+              <a:alpha val="30000"/>
+            </a:schemeClr>
+          </a:solidFill>
+          <a:ln w="9525" cap="flat" cmpd="sng" algn="ctr">
+            <a:noFill/>
+            <a:prstDash val="solid"/>
+            <a:round/>
+            <a:headEnd type="none" w="med" len="med"/>
+            <a:tailEnd type="none" w="med" len="med"/>
+          </a:ln>
+          <a:effectLst/>
+        </p:spPr>
+        <p:txBody>
+          <a:bodyPr vert="horz" wrap="square" lIns="91440" tIns="45720" rIns="91440" bIns="45720" anchor="t" compatLnSpc="1"/>
+          <a:lstStyle>
+            <a:extLst/>
+          </a:lstStyle>
+          <a:p>
+            <a:endParaRPr kumimoji="0" lang="en-US"/>
+          </a:p>
+        </p:txBody>
+      </p:sp>
+      <p:sp>
+        <p:nvSpPr>
+          <p:cNvPr id="3" name="Text Placeholder 2"/>
           <p:cNvSpPr>
             <a:spLocks noGrp="1"/>
           </p:cNvSpPr>
           <p:nvPr>
-            <p:ph type="title"/>
-          </p:nvPr>
-        </p:nvSpPr>
-        <p:spPr>
-          <a:xfrm>
-            <a:off x="831850" y="1709738"/>
-            <a:ext cx="10515600" cy="2852737"/>
-          </a:xfrm>
-        </p:spPr>
-        <p:txBody>
-          <a:bodyPr anchor="b"/>
-          <a:lstStyle>
-            <a:lvl1pPr>
-              <a:defRPr sz="6000"/>
-            </a:lvl1pPr>
-          </a:lstStyle>
-          <a:p>
-            <a:r>
-              <a:rPr lang="en-US" smtClean="0"/>
-              <a:t>Click to edit Master title style</a:t>
-            </a:r>
-            <a:endParaRPr lang="en-US"/>
-          </a:p>
-        </p:txBody>
-      </p:sp>
-      <p:sp>
-        <p:nvSpPr>
-          <p:cNvPr id="3" name="Text Placeholder 2"/>
-          <p:cNvSpPr>
-            <a:spLocks noGrp="1"/>
-          </p:cNvSpPr>
-          <p:nvPr>
             <p:ph type="body" idx="1"/>
           </p:nvPr>
         </p:nvSpPr>
         <p:spPr>
           <a:xfrm>
-            <a:off x="831850" y="4589463"/>
-            <a:ext cx="10515600" cy="1500187"/>
-          </a:xfrm>
-        </p:spPr>
-        <p:txBody>
-          <a:bodyPr/>
-          <a:lstStyle>
-            <a:lvl1pPr marL="0" indent="0">
-              <a:buNone/>
-              <a:defRPr sz="2400">
-                <a:solidFill>
-                  <a:schemeClr val="tx1">
-                    <a:tint val="75000"/>
-                  </a:schemeClr>
-                </a:solidFill>
-              </a:defRPr>
-            </a:lvl1pPr>
-            <a:lvl2pPr marL="457200" indent="0">
+            <a:off x="942536" y="1351672"/>
+            <a:ext cx="7624064" cy="977486"/>
+          </a:xfrm>
+        </p:spPr>
+        <p:txBody>
+          <a:bodyPr lIns="82296" tIns="45720" bIns="0" anchor="t"/>
+          <a:lstStyle>
+            <a:lvl1pPr marL="54864" indent="0">
               <a:buNone/>
               <a:defRPr sz="2000">
                 <a:solidFill>
@@ -941,8 +2419,8 @@
                   </a:schemeClr>
                 </a:solidFill>
               </a:defRPr>
-            </a:lvl2pPr>
-            <a:lvl3pPr marL="914400" indent="0">
+            </a:lvl1pPr>
+            <a:lvl2pPr>
               <a:buNone/>
               <a:defRPr sz="1800">
                 <a:solidFill>
@@ -951,8 +2429,8 @@
                   </a:schemeClr>
                 </a:solidFill>
               </a:defRPr>
-            </a:lvl3pPr>
-            <a:lvl4pPr marL="1371600" indent="0">
+            </a:lvl2pPr>
+            <a:lvl3pPr>
               <a:buNone/>
               <a:defRPr sz="1600">
                 <a:solidFill>
@@ -961,10 +2439,20 @@
                   </a:schemeClr>
                 </a:solidFill>
               </a:defRPr>
+            </a:lvl3pPr>
+            <a:lvl4pPr>
+              <a:buNone/>
+              <a:defRPr sz="1400">
+                <a:solidFill>
+                  <a:schemeClr val="tx1">
+                    <a:tint val="75000"/>
+                  </a:schemeClr>
+                </a:solidFill>
+              </a:defRPr>
             </a:lvl4pPr>
-            <a:lvl5pPr marL="1828800" indent="0">
+            <a:lvl5pPr>
               <a:buNone/>
-              <a:defRPr sz="1600">
+              <a:defRPr sz="1400">
                 <a:solidFill>
                   <a:schemeClr val="tx1">
                     <a:tint val="75000"/>
@@ -972,51 +2460,12 @@
                 </a:solidFill>
               </a:defRPr>
             </a:lvl5pPr>
-            <a:lvl6pPr marL="2286000" indent="0">
-              <a:buNone/>
-              <a:defRPr sz="1600">
-                <a:solidFill>
-                  <a:schemeClr val="tx1">
-                    <a:tint val="75000"/>
-                  </a:schemeClr>
-                </a:solidFill>
-              </a:defRPr>
-            </a:lvl6pPr>
-            <a:lvl7pPr marL="2743200" indent="0">
-              <a:buNone/>
-              <a:defRPr sz="1600">
-                <a:solidFill>
-                  <a:schemeClr val="tx1">
-                    <a:tint val="75000"/>
-                  </a:schemeClr>
-                </a:solidFill>
-              </a:defRPr>
-            </a:lvl7pPr>
-            <a:lvl8pPr marL="3200400" indent="0">
-              <a:buNone/>
-              <a:defRPr sz="1600">
-                <a:solidFill>
-                  <a:schemeClr val="tx1">
-                    <a:tint val="75000"/>
-                  </a:schemeClr>
-                </a:solidFill>
-              </a:defRPr>
-            </a:lvl8pPr>
-            <a:lvl9pPr marL="3657600" indent="0">
-              <a:buNone/>
-              <a:defRPr sz="1600">
-                <a:solidFill>
-                  <a:schemeClr val="tx1">
-                    <a:tint val="75000"/>
-                  </a:schemeClr>
-                </a:solidFill>
-              </a:defRPr>
-            </a:lvl9pPr>
-          </a:lstStyle>
-          <a:p>
-            <a:pPr lvl="0"/>
-            <a:r>
-              <a:rPr lang="en-US" smtClean="0"/>
+            <a:extLst/>
+          </a:lstStyle>
+          <a:p>
+            <a:pPr lvl="0" eaLnBrk="1" latinLnBrk="0" hangingPunct="1"/>
+            <a:r>
+              <a:rPr kumimoji="0" lang="en-US" smtClean="0"/>
               <a:t>Click to edit Master text styles</a:t>
             </a:r>
           </a:p>
@@ -1032,10 +2481,20 @@
             <p:ph type="dt" sz="half" idx="10"/>
           </p:nvPr>
         </p:nvSpPr>
-        <p:spPr/>
+        <p:spPr>
+          <a:xfrm>
+            <a:off x="8636000" y="6416676"/>
+            <a:ext cx="2844800" cy="365125"/>
+          </a:xfrm>
+          <a:prstGeom prst="rect">
+            <a:avLst/>
+          </a:prstGeom>
+        </p:spPr>
         <p:txBody>
           <a:bodyPr/>
-          <a:lstStyle/>
+          <a:lstStyle>
+            <a:extLst/>
+          </a:lstStyle>
           <a:p>
             <a:fld id="{EEB31411-81DA-416F-953C-825CF1EE9A76}" type="datetimeFigureOut">
               <a:rPr lang="en-US" smtClean="0"/>
@@ -1056,10 +2515,20 @@
             <p:ph type="ftr" sz="quarter" idx="11"/>
           </p:nvPr>
         </p:nvSpPr>
-        <p:spPr/>
+        <p:spPr>
+          <a:xfrm>
+            <a:off x="1219200" y="6416676"/>
+            <a:ext cx="7416800" cy="365125"/>
+          </a:xfrm>
+          <a:prstGeom prst="rect">
+            <a:avLst/>
+          </a:prstGeom>
+        </p:spPr>
         <p:txBody>
           <a:bodyPr/>
-          <a:lstStyle/>
+          <a:lstStyle>
+            <a:extLst/>
+          </a:lstStyle>
           <a:p>
             <a:endParaRPr lang="en-US"/>
           </a:p>
@@ -1075,10 +2544,20 @@
             <p:ph type="sldNum" sz="quarter" idx="12"/>
           </p:nvPr>
         </p:nvSpPr>
-        <p:spPr/>
+        <p:spPr>
+          <a:xfrm>
+            <a:off x="11480800" y="6416676"/>
+            <a:ext cx="609600" cy="365125"/>
+          </a:xfrm>
+          <a:prstGeom prst="rect">
+            <a:avLst/>
+          </a:prstGeom>
+        </p:spPr>
         <p:txBody>
           <a:bodyPr/>
-          <a:lstStyle/>
+          <a:lstStyle>
+            <a:extLst/>
+          </a:lstStyle>
           <a:p>
             <a:fld id="{822A2284-31DD-42B7-BEA1-C7950499E459}" type="slidenum">
               <a:rPr lang="en-US" smtClean="0"/>
@@ -1089,12 +2568,333 @@
           </a:p>
         </p:txBody>
       </p:sp>
+      <p:sp>
+        <p:nvSpPr>
+          <p:cNvPr id="7" name="Rectangle 6"/>
+          <p:cNvSpPr/>
+          <p:nvPr/>
+        </p:nvSpPr>
+        <p:spPr>
+          <a:xfrm>
+            <a:off x="484213" y="402265"/>
+            <a:ext cx="11338560" cy="886265"/>
+          </a:xfrm>
+          <a:prstGeom prst="rect">
+            <a:avLst/>
+          </a:prstGeom>
+          <a:solidFill>
+            <a:schemeClr val="bg2">
+              <a:tint val="95000"/>
+              <a:satMod val="180000"/>
+              <a:alpha val="40000"/>
+            </a:schemeClr>
+          </a:solidFill>
+          <a:ln w="50800" cap="rnd" cmpd="dbl" algn="ctr">
+            <a:noFill/>
+            <a:prstDash val="solid"/>
+          </a:ln>
+          <a:effectLst/>
+        </p:spPr>
+        <p:style>
+          <a:lnRef idx="3">
+            <a:schemeClr val="lt1"/>
+          </a:lnRef>
+          <a:fillRef idx="1">
+            <a:schemeClr val="accent1"/>
+          </a:fillRef>
+          <a:effectRef idx="1">
+            <a:schemeClr val="accent1"/>
+          </a:effectRef>
+          <a:fontRef idx="minor">
+            <a:schemeClr val="lt1"/>
+          </a:fontRef>
+        </p:style>
+        <p:txBody>
+          <a:bodyPr anchor="ctr"/>
+          <a:lstStyle>
+            <a:extLst/>
+          </a:lstStyle>
+          <a:p>
+            <a:pPr algn="ctr" eaLnBrk="1" latinLnBrk="0" hangingPunct="1"/>
+            <a:endParaRPr kumimoji="0" lang="en-US"/>
+          </a:p>
+        </p:txBody>
+      </p:sp>
+      <p:sp>
+        <p:nvSpPr>
+          <p:cNvPr id="2" name="Title 1"/>
+          <p:cNvSpPr>
+            <a:spLocks noGrp="1"/>
+          </p:cNvSpPr>
+          <p:nvPr>
+            <p:ph type="title"/>
+          </p:nvPr>
+        </p:nvSpPr>
+        <p:spPr>
+          <a:xfrm>
+            <a:off x="942536" y="512064"/>
+            <a:ext cx="10875264" cy="777240"/>
+          </a:xfrm>
+        </p:spPr>
+        <p:txBody>
+          <a:bodyPr tIns="64008"/>
+          <a:lstStyle>
+            <a:lvl1pPr algn="l">
+              <a:buNone/>
+              <a:defRPr sz="3800" b="0" cap="none" spc="-150" baseline="0"/>
+            </a:lvl1pPr>
+            <a:extLst/>
+          </a:lstStyle>
+          <a:p>
+            <a:r>
+              <a:rPr kumimoji="0" lang="en-US" smtClean="0"/>
+              <a:t>Click to edit Master title style</a:t>
+            </a:r>
+            <a:endParaRPr kumimoji="0" lang="en-US"/>
+          </a:p>
+        </p:txBody>
+      </p:sp>
+      <p:sp>
+        <p:nvSpPr>
+          <p:cNvPr id="8" name="Rectangle 7"/>
+          <p:cNvSpPr/>
+          <p:nvPr/>
+        </p:nvSpPr>
+        <p:spPr>
+          <a:xfrm flipH="1">
+            <a:off x="495384" y="680477"/>
+            <a:ext cx="36576" cy="365760"/>
+          </a:xfrm>
+          <a:prstGeom prst="rect">
+            <a:avLst/>
+          </a:prstGeom>
+          <a:solidFill>
+            <a:srgbClr val="000000"/>
+          </a:solidFill>
+          <a:ln w="50800" cap="rnd" cmpd="thickThin" algn="ctr">
+            <a:noFill/>
+            <a:prstDash val="solid"/>
+          </a:ln>
+          <a:effectLst/>
+        </p:spPr>
+        <p:style>
+          <a:lnRef idx="3">
+            <a:schemeClr val="lt1"/>
+          </a:lnRef>
+          <a:fillRef idx="1">
+            <a:schemeClr val="accent1"/>
+          </a:fillRef>
+          <a:effectRef idx="1">
+            <a:schemeClr val="accent1"/>
+          </a:effectRef>
+          <a:fontRef idx="minor">
+            <a:schemeClr val="lt1"/>
+          </a:fontRef>
+        </p:style>
+        <p:txBody>
+          <a:bodyPr anchor="ctr"/>
+          <a:lstStyle>
+            <a:extLst/>
+          </a:lstStyle>
+          <a:p>
+            <a:pPr algn="ctr" eaLnBrk="1" latinLnBrk="0" hangingPunct="1"/>
+            <a:endParaRPr kumimoji="0" lang="en-US" dirty="0"/>
+          </a:p>
+        </p:txBody>
+      </p:sp>
+      <p:sp>
+        <p:nvSpPr>
+          <p:cNvPr id="9" name="Rectangle 8"/>
+          <p:cNvSpPr/>
+          <p:nvPr/>
+        </p:nvSpPr>
+        <p:spPr>
+          <a:xfrm flipH="1">
+            <a:off x="548145" y="680477"/>
+            <a:ext cx="36576" cy="365760"/>
+          </a:xfrm>
+          <a:prstGeom prst="rect">
+            <a:avLst/>
+          </a:prstGeom>
+          <a:solidFill>
+            <a:srgbClr val="000000"/>
+          </a:solidFill>
+          <a:ln w="50800" cap="rnd" cmpd="thickThin" algn="ctr">
+            <a:noFill/>
+            <a:prstDash val="solid"/>
+          </a:ln>
+          <a:effectLst/>
+        </p:spPr>
+        <p:style>
+          <a:lnRef idx="3">
+            <a:schemeClr val="lt1"/>
+          </a:lnRef>
+          <a:fillRef idx="1">
+            <a:schemeClr val="accent1"/>
+          </a:fillRef>
+          <a:effectRef idx="1">
+            <a:schemeClr val="accent1"/>
+          </a:effectRef>
+          <a:fontRef idx="minor">
+            <a:schemeClr val="lt1"/>
+          </a:fontRef>
+        </p:style>
+        <p:txBody>
+          <a:bodyPr anchor="ctr"/>
+          <a:lstStyle>
+            <a:extLst/>
+          </a:lstStyle>
+          <a:p>
+            <a:pPr algn="ctr" eaLnBrk="1" latinLnBrk="0" hangingPunct="1"/>
+            <a:endParaRPr kumimoji="0" lang="en-US" dirty="0"/>
+          </a:p>
+        </p:txBody>
+      </p:sp>
+      <p:sp>
+        <p:nvSpPr>
+          <p:cNvPr id="10" name="Rectangle 9"/>
+          <p:cNvSpPr/>
+          <p:nvPr/>
+        </p:nvSpPr>
+        <p:spPr>
+          <a:xfrm flipH="1">
+            <a:off x="597933" y="680477"/>
+            <a:ext cx="12192" cy="365760"/>
+          </a:xfrm>
+          <a:prstGeom prst="rect">
+            <a:avLst/>
+          </a:prstGeom>
+          <a:solidFill>
+            <a:srgbClr val="000000"/>
+          </a:solidFill>
+          <a:ln w="50800" cap="rnd" cmpd="thickThin" algn="ctr">
+            <a:noFill/>
+            <a:prstDash val="solid"/>
+          </a:ln>
+          <a:effectLst/>
+        </p:spPr>
+        <p:style>
+          <a:lnRef idx="3">
+            <a:schemeClr val="lt1"/>
+          </a:lnRef>
+          <a:fillRef idx="1">
+            <a:schemeClr val="accent1"/>
+          </a:fillRef>
+          <a:effectRef idx="1">
+            <a:schemeClr val="accent1"/>
+          </a:effectRef>
+          <a:fontRef idx="minor">
+            <a:schemeClr val="lt1"/>
+          </a:fontRef>
+        </p:style>
+        <p:txBody>
+          <a:bodyPr anchor="ctr"/>
+          <a:lstStyle>
+            <a:extLst/>
+          </a:lstStyle>
+          <a:p>
+            <a:pPr algn="ctr" eaLnBrk="1" latinLnBrk="0" hangingPunct="1"/>
+            <a:endParaRPr kumimoji="0" lang="en-US"/>
+          </a:p>
+        </p:txBody>
+      </p:sp>
+      <p:sp>
+        <p:nvSpPr>
+          <p:cNvPr id="11" name="Rectangle 10"/>
+          <p:cNvSpPr/>
+          <p:nvPr/>
+        </p:nvSpPr>
+        <p:spPr>
+          <a:xfrm flipH="1">
+            <a:off x="635603" y="680477"/>
+            <a:ext cx="12192" cy="365760"/>
+          </a:xfrm>
+          <a:prstGeom prst="rect">
+            <a:avLst/>
+          </a:prstGeom>
+          <a:solidFill>
+            <a:srgbClr val="000000"/>
+          </a:solidFill>
+          <a:ln w="50800" cap="rnd" cmpd="thickThin" algn="ctr">
+            <a:noFill/>
+            <a:prstDash val="solid"/>
+          </a:ln>
+          <a:effectLst/>
+        </p:spPr>
+        <p:style>
+          <a:lnRef idx="3">
+            <a:schemeClr val="lt1"/>
+          </a:lnRef>
+          <a:fillRef idx="1">
+            <a:schemeClr val="accent1"/>
+          </a:fillRef>
+          <a:effectRef idx="1">
+            <a:schemeClr val="accent1"/>
+          </a:effectRef>
+          <a:fontRef idx="minor">
+            <a:schemeClr val="lt1"/>
+          </a:fontRef>
+        </p:style>
+        <p:txBody>
+          <a:bodyPr anchor="ctr"/>
+          <a:lstStyle>
+            <a:extLst/>
+          </a:lstStyle>
+          <a:p>
+            <a:pPr algn="ctr" eaLnBrk="1" latinLnBrk="0" hangingPunct="1"/>
+            <a:endParaRPr kumimoji="0" lang="en-US" dirty="0"/>
+          </a:p>
+        </p:txBody>
+      </p:sp>
+      <p:sp>
+        <p:nvSpPr>
+          <p:cNvPr id="12" name="Rectangle 11"/>
+          <p:cNvSpPr/>
+          <p:nvPr/>
+        </p:nvSpPr>
+        <p:spPr>
+          <a:xfrm>
+            <a:off x="667304" y="680477"/>
+            <a:ext cx="48768" cy="365760"/>
+          </a:xfrm>
+          <a:prstGeom prst="rect">
+            <a:avLst/>
+          </a:prstGeom>
+          <a:solidFill>
+            <a:srgbClr val="000000"/>
+          </a:solidFill>
+          <a:ln w="50800" cap="rnd" cmpd="thickThin" algn="ctr">
+            <a:noFill/>
+            <a:prstDash val="solid"/>
+          </a:ln>
+          <a:effectLst/>
+        </p:spPr>
+        <p:style>
+          <a:lnRef idx="3">
+            <a:schemeClr val="lt1"/>
+          </a:lnRef>
+          <a:fillRef idx="1">
+            <a:schemeClr val="accent1"/>
+          </a:fillRef>
+          <a:effectRef idx="1">
+            <a:schemeClr val="accent1"/>
+          </a:effectRef>
+          <a:fontRef idx="minor">
+            <a:schemeClr val="lt1"/>
+          </a:fontRef>
+        </p:style>
+        <p:txBody>
+          <a:bodyPr anchor="ctr"/>
+          <a:lstStyle>
+            <a:extLst/>
+          </a:lstStyle>
+          <a:p>
+            <a:pPr algn="ctr" eaLnBrk="1" latinLnBrk="0" hangingPunct="1"/>
+            <a:endParaRPr kumimoji="0" lang="en-US" dirty="0"/>
+          </a:p>
+        </p:txBody>
+      </p:sp>
     </p:spTree>
-    <p:extLst>
-      <p:ext uri="{BB962C8B-B14F-4D97-AF65-F5344CB8AC3E}">
-        <p14:creationId xmlns:p14="http://schemas.microsoft.com/office/powerpoint/2010/main" xmlns="" val="3455776354"/>
-      </p:ext>
-    </p:extLst>
   </p:cSld>
   <p:clrMapOvr>
     <a:masterClrMapping/>
@@ -1103,7 +2903,7 @@
 </file>
 
 <file path=ppt/slideLayouts/slideLayout4.xml><?xml version="1.0" encoding="utf-8"?>
-<p:sldLayout xmlns:a="http://schemas.openxmlformats.org/drawingml/2006/main" xmlns:r="http://schemas.openxmlformats.org/officeDocument/2006/relationships" xmlns:p="http://schemas.openxmlformats.org/presentationml/2006/main" type="twoObj" preserve="1">
+<p:sldLayout xmlns:a="http://schemas.openxmlformats.org/drawingml/2006/main" xmlns:r="http://schemas.openxmlformats.org/officeDocument/2006/relationships" xmlns:p="http://schemas.openxmlformats.org/presentationml/2006/main" showMasterSp="0" type="twoObj" preserve="1">
   <p:cSld name="Two Content">
     <p:spTree>
       <p:nvGrpSpPr>
@@ -1129,16 +2929,23 @@
             <p:ph type="title"/>
           </p:nvPr>
         </p:nvSpPr>
-        <p:spPr/>
+        <p:spPr>
+          <a:xfrm>
+            <a:off x="609600" y="512064"/>
+            <a:ext cx="10972800" cy="914400"/>
+          </a:xfrm>
+        </p:spPr>
         <p:txBody>
           <a:bodyPr/>
-          <a:lstStyle/>
-          <a:p>
-            <a:r>
-              <a:rPr lang="en-US" smtClean="0"/>
+          <a:lstStyle>
+            <a:extLst/>
+          </a:lstStyle>
+          <a:p>
+            <a:r>
+              <a:rPr kumimoji="0" lang="en-US" smtClean="0"/>
               <a:t>Click to edit Master title style</a:t>
             </a:r>
-            <a:endParaRPr lang="en-US"/>
+            <a:endParaRPr kumimoji="0" lang="en-US"/>
           </a:p>
         </p:txBody>
       </p:sp>
@@ -1154,48 +2961,65 @@
         </p:nvSpPr>
         <p:spPr>
           <a:xfrm>
-            <a:off x="838200" y="1825625"/>
-            <a:ext cx="5181600" cy="4351338"/>
+            <a:off x="619125" y="1770502"/>
+            <a:ext cx="5384800" cy="4525963"/>
           </a:xfrm>
         </p:spPr>
         <p:txBody>
           <a:bodyPr/>
-          <a:lstStyle/>
-          <a:p>
-            <a:pPr lvl="0"/>
+          <a:lstStyle>
+            <a:lvl1pPr>
+              <a:defRPr sz="2800"/>
+            </a:lvl1pPr>
+            <a:lvl2pPr>
+              <a:defRPr sz="2400"/>
+            </a:lvl2pPr>
+            <a:lvl3pPr>
+              <a:defRPr sz="2000"/>
+            </a:lvl3pPr>
+            <a:lvl4pPr>
+              <a:defRPr sz="1800"/>
+            </a:lvl4pPr>
+            <a:lvl5pPr>
+              <a:defRPr sz="1800"/>
+            </a:lvl5pPr>
+            <a:extLst/>
+          </a:lstStyle>
+          <a:p>
+            <a:pPr lvl="0" eaLnBrk="1" latinLnBrk="0" hangingPunct="1"/>
             <a:r>
               <a:rPr lang="en-US" smtClean="0"/>
               <a:t>Click to edit Master text styles</a:t>
             </a:r>
           </a:p>
           <a:p>
-            <a:pPr lvl="1"/>
+            <a:pPr lvl="1" eaLnBrk="1" latinLnBrk="0" hangingPunct="1"/>
             <a:r>
               <a:rPr lang="en-US" smtClean="0"/>
               <a:t>Second level</a:t>
             </a:r>
           </a:p>
           <a:p>
-            <a:pPr lvl="2"/>
+            <a:pPr lvl="2" eaLnBrk="1" latinLnBrk="0" hangingPunct="1"/>
             <a:r>
               <a:rPr lang="en-US" smtClean="0"/>
               <a:t>Third level</a:t>
             </a:r>
           </a:p>
           <a:p>
-            <a:pPr lvl="3"/>
+            <a:pPr lvl="3" eaLnBrk="1" latinLnBrk="0" hangingPunct="1"/>
             <a:r>
               <a:rPr lang="en-US" smtClean="0"/>
               <a:t>Fourth level</a:t>
             </a:r>
           </a:p>
           <a:p>
-            <a:pPr lvl="4"/>
+            <a:pPr lvl="4" eaLnBrk="1" latinLnBrk="0" hangingPunct="1"/>
             <a:r>
               <a:rPr lang="en-US" smtClean="0"/>
               <a:t>Fifth level</a:t>
             </a:r>
-            <a:endParaRPr lang="en-US"/>
+            <a:endParaRPr kumimoji="0" lang="en-US"/>
           </a:p>
         </p:txBody>
       </p:sp>
@@ -1211,48 +3035,65 @@
         </p:nvSpPr>
         <p:spPr>
           <a:xfrm>
-            <a:off x="6172200" y="1825625"/>
-            <a:ext cx="5181600" cy="4351338"/>
+            <a:off x="6207125" y="1770502"/>
+            <a:ext cx="5384800" cy="4525963"/>
           </a:xfrm>
         </p:spPr>
         <p:txBody>
           <a:bodyPr/>
-          <a:lstStyle/>
-          <a:p>
-            <a:pPr lvl="0"/>
+          <a:lstStyle>
+            <a:lvl1pPr>
+              <a:defRPr sz="2800"/>
+            </a:lvl1pPr>
+            <a:lvl2pPr>
+              <a:defRPr sz="2400"/>
+            </a:lvl2pPr>
+            <a:lvl3pPr>
+              <a:defRPr sz="2000"/>
+            </a:lvl3pPr>
+            <a:lvl4pPr>
+              <a:defRPr sz="1800"/>
+            </a:lvl4pPr>
+            <a:lvl5pPr>
+              <a:defRPr sz="1800"/>
+            </a:lvl5pPr>
+            <a:extLst/>
+          </a:lstStyle>
+          <a:p>
+            <a:pPr lvl="0" eaLnBrk="1" latinLnBrk="0" hangingPunct="1"/>
             <a:r>
               <a:rPr lang="en-US" smtClean="0"/>
               <a:t>Click to edit Master text styles</a:t>
             </a:r>
           </a:p>
           <a:p>
-            <a:pPr lvl="1"/>
+            <a:pPr lvl="1" eaLnBrk="1" latinLnBrk="0" hangingPunct="1"/>
             <a:r>
               <a:rPr lang="en-US" smtClean="0"/>
               <a:t>Second level</a:t>
             </a:r>
           </a:p>
           <a:p>
-            <a:pPr lvl="2"/>
+            <a:pPr lvl="2" eaLnBrk="1" latinLnBrk="0" hangingPunct="1"/>
             <a:r>
               <a:rPr lang="en-US" smtClean="0"/>
               <a:t>Third level</a:t>
             </a:r>
           </a:p>
           <a:p>
-            <a:pPr lvl="3"/>
+            <a:pPr lvl="3" eaLnBrk="1" latinLnBrk="0" hangingPunct="1"/>
             <a:r>
               <a:rPr lang="en-US" smtClean="0"/>
               <a:t>Fourth level</a:t>
             </a:r>
           </a:p>
           <a:p>
-            <a:pPr lvl="4"/>
+            <a:pPr lvl="4" eaLnBrk="1" latinLnBrk="0" hangingPunct="1"/>
             <a:r>
               <a:rPr lang="en-US" smtClean="0"/>
               <a:t>Fifth level</a:t>
             </a:r>
-            <a:endParaRPr lang="en-US"/>
+            <a:endParaRPr kumimoji="0" lang="en-US"/>
           </a:p>
         </p:txBody>
       </p:sp>
@@ -1266,10 +3107,20 @@
             <p:ph type="dt" sz="half" idx="10"/>
           </p:nvPr>
         </p:nvSpPr>
-        <p:spPr/>
+        <p:spPr>
+          <a:xfrm>
+            <a:off x="8636000" y="6416676"/>
+            <a:ext cx="2844800" cy="365125"/>
+          </a:xfrm>
+          <a:prstGeom prst="rect">
+            <a:avLst/>
+          </a:prstGeom>
+        </p:spPr>
         <p:txBody>
           <a:bodyPr/>
-          <a:lstStyle/>
+          <a:lstStyle>
+            <a:extLst/>
+          </a:lstStyle>
           <a:p>
             <a:fld id="{EEB31411-81DA-416F-953C-825CF1EE9A76}" type="datetimeFigureOut">
               <a:rPr lang="en-US" smtClean="0"/>
@@ -1290,10 +3141,20 @@
             <p:ph type="ftr" sz="quarter" idx="11"/>
           </p:nvPr>
         </p:nvSpPr>
-        <p:spPr/>
+        <p:spPr>
+          <a:xfrm>
+            <a:off x="1219200" y="6416676"/>
+            <a:ext cx="7416800" cy="365125"/>
+          </a:xfrm>
+          <a:prstGeom prst="rect">
+            <a:avLst/>
+          </a:prstGeom>
+        </p:spPr>
         <p:txBody>
           <a:bodyPr/>
-          <a:lstStyle/>
+          <a:lstStyle>
+            <a:extLst/>
+          </a:lstStyle>
           <a:p>
             <a:endParaRPr lang="en-US"/>
           </a:p>
@@ -1309,10 +3170,20 @@
             <p:ph type="sldNum" sz="quarter" idx="12"/>
           </p:nvPr>
         </p:nvSpPr>
-        <p:spPr/>
+        <p:spPr>
+          <a:xfrm>
+            <a:off x="11480800" y="6416676"/>
+            <a:ext cx="609600" cy="365125"/>
+          </a:xfrm>
+          <a:prstGeom prst="rect">
+            <a:avLst/>
+          </a:prstGeom>
+        </p:spPr>
         <p:txBody>
           <a:bodyPr/>
-          <a:lstStyle/>
+          <a:lstStyle>
+            <a:extLst/>
+          </a:lstStyle>
           <a:p>
             <a:fld id="{822A2284-31DD-42B7-BEA1-C7950499E459}" type="slidenum">
               <a:rPr lang="en-US" smtClean="0"/>
@@ -1324,11 +3195,6 @@
         </p:txBody>
       </p:sp>
     </p:spTree>
-    <p:extLst>
-      <p:ext uri="{BB962C8B-B14F-4D97-AF65-F5344CB8AC3E}">
-        <p14:creationId xmlns:p14="http://schemas.microsoft.com/office/powerpoint/2010/main" xmlns="" val="3111144539"/>
-      </p:ext>
-    </p:extLst>
   </p:cSld>
   <p:clrMapOvr>
     <a:masterClrMapping/>
@@ -1337,7 +3203,7 @@
 </file>
 
 <file path=ppt/slideLayouts/slideLayout5.xml><?xml version="1.0" encoding="utf-8"?>
-<p:sldLayout xmlns:a="http://schemas.openxmlformats.org/drawingml/2006/main" xmlns:r="http://schemas.openxmlformats.org/officeDocument/2006/relationships" xmlns:p="http://schemas.openxmlformats.org/presentationml/2006/main" type="twoTxTwoObj" preserve="1">
+<p:sldLayout xmlns:a="http://schemas.openxmlformats.org/drawingml/2006/main" xmlns:r="http://schemas.openxmlformats.org/officeDocument/2006/relationships" xmlns:p="http://schemas.openxmlformats.org/presentationml/2006/main" showMasterSp="0" type="twoTxTwoObj" preserve="1">
   <p:cSld name="Comparison">
     <p:spTree>
       <p:nvGrpSpPr>
@@ -1355,6 +3221,58 @@
       </p:grpSpPr>
       <p:sp>
         <p:nvSpPr>
+          <p:cNvPr id="25" name="Rectangle 24"/>
+          <p:cNvSpPr/>
+          <p:nvPr/>
+        </p:nvSpPr>
+        <p:spPr>
+          <a:xfrm>
+            <a:off x="0" y="402266"/>
+            <a:ext cx="11822773" cy="886265"/>
+          </a:xfrm>
+          <a:prstGeom prst="rect">
+            <a:avLst/>
+          </a:prstGeom>
+          <a:solidFill>
+            <a:schemeClr val="bg2">
+              <a:tint val="95000"/>
+              <a:satMod val="180000"/>
+              <a:alpha val="40000"/>
+            </a:schemeClr>
+          </a:solidFill>
+          <a:ln w="50800" cap="rnd" cmpd="dbl" algn="ctr">
+            <a:noFill/>
+            <a:prstDash val="solid"/>
+          </a:ln>
+          <a:effectLst/>
+        </p:spPr>
+        <p:style>
+          <a:lnRef idx="3">
+            <a:schemeClr val="lt1"/>
+          </a:lnRef>
+          <a:fillRef idx="1">
+            <a:schemeClr val="accent1"/>
+          </a:fillRef>
+          <a:effectRef idx="1">
+            <a:schemeClr val="accent1"/>
+          </a:effectRef>
+          <a:fontRef idx="minor">
+            <a:schemeClr val="lt1"/>
+          </a:fontRef>
+        </p:style>
+        <p:txBody>
+          <a:bodyPr anchor="ctr"/>
+          <a:lstStyle>
+            <a:extLst/>
+          </a:lstStyle>
+          <a:p>
+            <a:pPr algn="ctr" eaLnBrk="1" latinLnBrk="0" hangingPunct="1"/>
+            <a:endParaRPr kumimoji="0" lang="en-US"/>
+          </a:p>
+        </p:txBody>
+      </p:sp>
+      <p:sp>
+        <p:nvSpPr>
           <p:cNvPr id="2" name="Title 1"/>
           <p:cNvSpPr>
             <a:spLocks noGrp="1"/>
@@ -1365,19 +3283,24 @@
         </p:nvSpPr>
         <p:spPr>
           <a:xfrm>
-            <a:off x="839788" y="365125"/>
-            <a:ext cx="10515600" cy="1325563"/>
-          </a:xfrm>
-        </p:spPr>
-        <p:txBody>
-          <a:bodyPr/>
-          <a:lstStyle/>
-          <a:p>
-            <a:r>
-              <a:rPr lang="en-US" smtClean="0"/>
+            <a:off x="673099" y="512064"/>
+            <a:ext cx="10363200" cy="914400"/>
+          </a:xfrm>
+        </p:spPr>
+        <p:txBody>
+          <a:bodyPr anchor="t"/>
+          <a:lstStyle>
+            <a:lvl1pPr>
+              <a:defRPr sz="4000"/>
+            </a:lvl1pPr>
+            <a:extLst/>
+          </a:lstStyle>
+          <a:p>
+            <a:r>
+              <a:rPr kumimoji="0" lang="en-US" smtClean="0"/>
               <a:t>Click to edit Master title style</a:t>
             </a:r>
-            <a:endParaRPr lang="en-US"/>
+            <a:endParaRPr kumimoji="0" lang="en-US"/>
           </a:p>
         </p:txBody>
       </p:sp>
@@ -1393,179 +3316,174 @@
         </p:nvSpPr>
         <p:spPr>
           <a:xfrm>
-            <a:off x="839788" y="1681163"/>
-            <a:ext cx="5157787" cy="823912"/>
-          </a:xfrm>
-        </p:spPr>
-        <p:txBody>
-          <a:bodyPr anchor="b"/>
-          <a:lstStyle>
-            <a:lvl1pPr marL="0" indent="0">
+            <a:off x="609600" y="1809750"/>
+            <a:ext cx="5386917" cy="639762"/>
+          </a:xfrm>
+        </p:spPr>
+        <p:txBody>
+          <a:bodyPr anchor="ctr"/>
+          <a:lstStyle>
+            <a:lvl1pPr marL="73152" indent="0" algn="l">
               <a:buNone/>
-              <a:defRPr sz="2400" b="1"/>
+              <a:defRPr sz="2400" b="1">
+                <a:solidFill>
+                  <a:schemeClr val="accent2"/>
+                </a:solidFill>
+              </a:defRPr>
             </a:lvl1pPr>
-            <a:lvl2pPr marL="457200" indent="0">
+            <a:lvl2pPr>
               <a:buNone/>
               <a:defRPr sz="2000" b="1"/>
             </a:lvl2pPr>
-            <a:lvl3pPr marL="914400" indent="0">
+            <a:lvl3pPr>
               <a:buNone/>
               <a:defRPr sz="1800" b="1"/>
             </a:lvl3pPr>
-            <a:lvl4pPr marL="1371600" indent="0">
+            <a:lvl4pPr>
               <a:buNone/>
               <a:defRPr sz="1600" b="1"/>
             </a:lvl4pPr>
-            <a:lvl5pPr marL="1828800" indent="0">
+            <a:lvl5pPr>
               <a:buNone/>
               <a:defRPr sz="1600" b="1"/>
             </a:lvl5pPr>
-            <a:lvl6pPr marL="2286000" indent="0">
+            <a:extLst/>
+          </a:lstStyle>
+          <a:p>
+            <a:pPr lvl="0" eaLnBrk="1" latinLnBrk="0" hangingPunct="1"/>
+            <a:r>
+              <a:rPr kumimoji="0" lang="en-US" smtClean="0"/>
+              <a:t>Click to edit Master text styles</a:t>
+            </a:r>
+          </a:p>
+        </p:txBody>
+      </p:sp>
+      <p:sp>
+        <p:nvSpPr>
+          <p:cNvPr id="4" name="Text Placeholder 3"/>
+          <p:cNvSpPr>
+            <a:spLocks noGrp="1"/>
+          </p:cNvSpPr>
+          <p:nvPr>
+            <p:ph type="body" sz="half" idx="3"/>
+          </p:nvPr>
+        </p:nvSpPr>
+        <p:spPr>
+          <a:xfrm>
+            <a:off x="6193368" y="1809750"/>
+            <a:ext cx="5389033" cy="639762"/>
+          </a:xfrm>
+        </p:spPr>
+        <p:txBody>
+          <a:bodyPr anchor="ctr"/>
+          <a:lstStyle>
+            <a:lvl1pPr marL="73152" indent="0">
               <a:buNone/>
-              <a:defRPr sz="1600" b="1"/>
-            </a:lvl6pPr>
-            <a:lvl7pPr marL="2743200" indent="0">
-              <a:buNone/>
-              <a:defRPr sz="1600" b="1"/>
-            </a:lvl7pPr>
-            <a:lvl8pPr marL="3200400" indent="0">
-              <a:buNone/>
-              <a:defRPr sz="1600" b="1"/>
-            </a:lvl8pPr>
-            <a:lvl9pPr marL="3657600" indent="0">
-              <a:buNone/>
-              <a:defRPr sz="1600" b="1"/>
-            </a:lvl9pPr>
-          </a:lstStyle>
-          <a:p>
-            <a:pPr lvl="0"/>
-            <a:r>
-              <a:rPr lang="en-US" smtClean="0"/>
-              <a:t>Click to edit Master text styles</a:t>
-            </a:r>
-          </a:p>
-        </p:txBody>
-      </p:sp>
-      <p:sp>
-        <p:nvSpPr>
-          <p:cNvPr id="4" name="Content Placeholder 3"/>
-          <p:cNvSpPr>
-            <a:spLocks noGrp="1"/>
-          </p:cNvSpPr>
-          <p:nvPr>
-            <p:ph sz="half" idx="2"/>
-          </p:nvPr>
-        </p:nvSpPr>
-        <p:spPr>
-          <a:xfrm>
-            <a:off x="839788" y="2505075"/>
-            <a:ext cx="5157787" cy="3684588"/>
-          </a:xfrm>
-        </p:spPr>
-        <p:txBody>
-          <a:bodyPr/>
-          <a:lstStyle/>
-          <a:p>
-            <a:pPr lvl="0"/>
-            <a:r>
-              <a:rPr lang="en-US" smtClean="0"/>
-              <a:t>Click to edit Master text styles</a:t>
-            </a:r>
-          </a:p>
-          <a:p>
-            <a:pPr lvl="1"/>
-            <a:r>
-              <a:rPr lang="en-US" smtClean="0"/>
-              <a:t>Second level</a:t>
-            </a:r>
-          </a:p>
-          <a:p>
-            <a:pPr lvl="2"/>
-            <a:r>
-              <a:rPr lang="en-US" smtClean="0"/>
-              <a:t>Third level</a:t>
-            </a:r>
-          </a:p>
-          <a:p>
-            <a:pPr lvl="3"/>
-            <a:r>
-              <a:rPr lang="en-US" smtClean="0"/>
-              <a:t>Fourth level</a:t>
-            </a:r>
-          </a:p>
-          <a:p>
-            <a:pPr lvl="4"/>
-            <a:r>
-              <a:rPr lang="en-US" smtClean="0"/>
-              <a:t>Fifth level</a:t>
-            </a:r>
-            <a:endParaRPr lang="en-US"/>
-          </a:p>
-        </p:txBody>
-      </p:sp>
-      <p:sp>
-        <p:nvSpPr>
-          <p:cNvPr id="5" name="Text Placeholder 4"/>
-          <p:cNvSpPr>
-            <a:spLocks noGrp="1"/>
-          </p:cNvSpPr>
-          <p:nvPr>
-            <p:ph type="body" sz="quarter" idx="3"/>
-          </p:nvPr>
-        </p:nvSpPr>
-        <p:spPr>
-          <a:xfrm>
-            <a:off x="6172200" y="1681163"/>
-            <a:ext cx="5183188" cy="823912"/>
-          </a:xfrm>
-        </p:spPr>
-        <p:txBody>
-          <a:bodyPr anchor="b"/>
-          <a:lstStyle>
-            <a:lvl1pPr marL="0" indent="0">
-              <a:buNone/>
-              <a:defRPr sz="2400" b="1"/>
+              <a:defRPr sz="2400" b="1">
+                <a:solidFill>
+                  <a:schemeClr val="accent2"/>
+                </a:solidFill>
+              </a:defRPr>
             </a:lvl1pPr>
-            <a:lvl2pPr marL="457200" indent="0">
+            <a:lvl2pPr>
               <a:buNone/>
               <a:defRPr sz="2000" b="1"/>
             </a:lvl2pPr>
-            <a:lvl3pPr marL="914400" indent="0">
+            <a:lvl3pPr>
               <a:buNone/>
               <a:defRPr sz="1800" b="1"/>
             </a:lvl3pPr>
-            <a:lvl4pPr marL="1371600" indent="0">
+            <a:lvl4pPr>
               <a:buNone/>
               <a:defRPr sz="1600" b="1"/>
             </a:lvl4pPr>
-            <a:lvl5pPr marL="1828800" indent="0">
+            <a:lvl5pPr>
               <a:buNone/>
               <a:defRPr sz="1600" b="1"/>
             </a:lvl5pPr>
-            <a:lvl6pPr marL="2286000" indent="0">
-              <a:buNone/>
-              <a:defRPr sz="1600" b="1"/>
-            </a:lvl6pPr>
-            <a:lvl7pPr marL="2743200" indent="0">
-              <a:buNone/>
-              <a:defRPr sz="1600" b="1"/>
-            </a:lvl7pPr>
-            <a:lvl8pPr marL="3200400" indent="0">
-              <a:buNone/>
-              <a:defRPr sz="1600" b="1"/>
-            </a:lvl8pPr>
-            <a:lvl9pPr marL="3657600" indent="0">
-              <a:buNone/>
-              <a:defRPr sz="1600" b="1"/>
-            </a:lvl9pPr>
-          </a:lstStyle>
-          <a:p>
-            <a:pPr lvl="0"/>
+            <a:extLst/>
+          </a:lstStyle>
+          <a:p>
+            <a:pPr lvl="0" eaLnBrk="1" latinLnBrk="0" hangingPunct="1"/>
+            <a:r>
+              <a:rPr kumimoji="0" lang="en-US" smtClean="0"/>
+              <a:t>Click to edit Master text styles</a:t>
+            </a:r>
+          </a:p>
+        </p:txBody>
+      </p:sp>
+      <p:sp>
+        <p:nvSpPr>
+          <p:cNvPr id="5" name="Content Placeholder 4"/>
+          <p:cNvSpPr>
+            <a:spLocks noGrp="1"/>
+          </p:cNvSpPr>
+          <p:nvPr>
+            <p:ph sz="quarter" idx="2"/>
+          </p:nvPr>
+        </p:nvSpPr>
+        <p:spPr>
+          <a:xfrm>
+            <a:off x="609600" y="2459037"/>
+            <a:ext cx="5386917" cy="3959352"/>
+          </a:xfrm>
+        </p:spPr>
+        <p:txBody>
+          <a:bodyPr/>
+          <a:lstStyle>
+            <a:lvl1pPr>
+              <a:defRPr sz="2400"/>
+            </a:lvl1pPr>
+            <a:lvl2pPr>
+              <a:defRPr sz="2000"/>
+            </a:lvl2pPr>
+            <a:lvl3pPr>
+              <a:defRPr sz="1800"/>
+            </a:lvl3pPr>
+            <a:lvl4pPr>
+              <a:defRPr sz="1600"/>
+            </a:lvl4pPr>
+            <a:lvl5pPr>
+              <a:defRPr sz="1600"/>
+            </a:lvl5pPr>
+            <a:extLst/>
+          </a:lstStyle>
+          <a:p>
+            <a:pPr lvl="0" eaLnBrk="1" latinLnBrk="0" hangingPunct="1"/>
             <a:r>
               <a:rPr lang="en-US" smtClean="0"/>
               <a:t>Click to edit Master text styles</a:t>
             </a:r>
           </a:p>
+          <a:p>
+            <a:pPr lvl="1" eaLnBrk="1" latinLnBrk="0" hangingPunct="1"/>
+            <a:r>
+              <a:rPr lang="en-US" smtClean="0"/>
+              <a:t>Second level</a:t>
+            </a:r>
+          </a:p>
+          <a:p>
+            <a:pPr lvl="2" eaLnBrk="1" latinLnBrk="0" hangingPunct="1"/>
+            <a:r>
+              <a:rPr lang="en-US" smtClean="0"/>
+              <a:t>Third level</a:t>
+            </a:r>
+          </a:p>
+          <a:p>
+            <a:pPr lvl="3" eaLnBrk="1" latinLnBrk="0" hangingPunct="1"/>
+            <a:r>
+              <a:rPr lang="en-US" smtClean="0"/>
+              <a:t>Fourth level</a:t>
+            </a:r>
+          </a:p>
+          <a:p>
+            <a:pPr lvl="4" eaLnBrk="1" latinLnBrk="0" hangingPunct="1"/>
+            <a:r>
+              <a:rPr lang="en-US" smtClean="0"/>
+              <a:t>Fifth level</a:t>
+            </a:r>
+            <a:endParaRPr kumimoji="0" lang="en-US"/>
+          </a:p>
         </p:txBody>
       </p:sp>
       <p:sp>
@@ -1580,48 +3498,65 @@
         </p:nvSpPr>
         <p:spPr>
           <a:xfrm>
-            <a:off x="6172200" y="2505075"/>
-            <a:ext cx="5183188" cy="3684588"/>
+            <a:off x="6193368" y="2459037"/>
+            <a:ext cx="5389033" cy="3959352"/>
           </a:xfrm>
         </p:spPr>
         <p:txBody>
           <a:bodyPr/>
-          <a:lstStyle/>
-          <a:p>
-            <a:pPr lvl="0"/>
+          <a:lstStyle>
+            <a:lvl1pPr>
+              <a:defRPr sz="2400"/>
+            </a:lvl1pPr>
+            <a:lvl2pPr>
+              <a:defRPr sz="2000"/>
+            </a:lvl2pPr>
+            <a:lvl3pPr>
+              <a:defRPr sz="1800"/>
+            </a:lvl3pPr>
+            <a:lvl4pPr>
+              <a:defRPr sz="1600"/>
+            </a:lvl4pPr>
+            <a:lvl5pPr>
+              <a:defRPr sz="1600"/>
+            </a:lvl5pPr>
+            <a:extLst/>
+          </a:lstStyle>
+          <a:p>
+            <a:pPr lvl="0" eaLnBrk="1" latinLnBrk="0" hangingPunct="1"/>
             <a:r>
               <a:rPr lang="en-US" smtClean="0"/>
               <a:t>Click to edit Master text styles</a:t>
             </a:r>
           </a:p>
           <a:p>
-            <a:pPr lvl="1"/>
+            <a:pPr lvl="1" eaLnBrk="1" latinLnBrk="0" hangingPunct="1"/>
             <a:r>
               <a:rPr lang="en-US" smtClean="0"/>
               <a:t>Second level</a:t>
             </a:r>
           </a:p>
           <a:p>
-            <a:pPr lvl="2"/>
+            <a:pPr lvl="2" eaLnBrk="1" latinLnBrk="0" hangingPunct="1"/>
             <a:r>
               <a:rPr lang="en-US" smtClean="0"/>
               <a:t>Third level</a:t>
             </a:r>
           </a:p>
           <a:p>
-            <a:pPr lvl="3"/>
+            <a:pPr lvl="3" eaLnBrk="1" latinLnBrk="0" hangingPunct="1"/>
             <a:r>
               <a:rPr lang="en-US" smtClean="0"/>
               <a:t>Fourth level</a:t>
             </a:r>
           </a:p>
           <a:p>
-            <a:pPr lvl="4"/>
+            <a:pPr lvl="4" eaLnBrk="1" latinLnBrk="0" hangingPunct="1"/>
             <a:r>
               <a:rPr lang="en-US" smtClean="0"/>
               <a:t>Fifth level</a:t>
             </a:r>
-            <a:endParaRPr lang="en-US"/>
+            <a:endParaRPr kumimoji="0" lang="en-US"/>
           </a:p>
         </p:txBody>
       </p:sp>
@@ -1635,10 +3570,20 @@
             <p:ph type="dt" sz="half" idx="10"/>
           </p:nvPr>
         </p:nvSpPr>
-        <p:spPr/>
+        <p:spPr>
+          <a:xfrm>
+            <a:off x="8636000" y="6416676"/>
+            <a:ext cx="2844800" cy="365125"/>
+          </a:xfrm>
+          <a:prstGeom prst="rect">
+            <a:avLst/>
+          </a:prstGeom>
+        </p:spPr>
         <p:txBody>
           <a:bodyPr/>
-          <a:lstStyle/>
+          <a:lstStyle>
+            <a:extLst/>
+          </a:lstStyle>
           <a:p>
             <a:fld id="{EEB31411-81DA-416F-953C-825CF1EE9A76}" type="datetimeFigureOut">
               <a:rPr lang="en-US" smtClean="0"/>
@@ -1659,10 +3604,20 @@
             <p:ph type="ftr" sz="quarter" idx="11"/>
           </p:nvPr>
         </p:nvSpPr>
-        <p:spPr/>
+        <p:spPr>
+          <a:xfrm>
+            <a:off x="1219200" y="6416676"/>
+            <a:ext cx="7416800" cy="365125"/>
+          </a:xfrm>
+          <a:prstGeom prst="rect">
+            <a:avLst/>
+          </a:prstGeom>
+        </p:spPr>
         <p:txBody>
           <a:bodyPr/>
-          <a:lstStyle/>
+          <a:lstStyle>
+            <a:extLst/>
+          </a:lstStyle>
           <a:p>
             <a:endParaRPr lang="en-US"/>
           </a:p>
@@ -1678,10 +3633,20 @@
             <p:ph type="sldNum" sz="quarter" idx="12"/>
           </p:nvPr>
         </p:nvSpPr>
-        <p:spPr/>
+        <p:spPr>
+          <a:xfrm>
+            <a:off x="11480800" y="6416676"/>
+            <a:ext cx="609600" cy="365125"/>
+          </a:xfrm>
+          <a:prstGeom prst="rect">
+            <a:avLst/>
+          </a:prstGeom>
+        </p:spPr>
         <p:txBody>
           <a:bodyPr/>
-          <a:lstStyle/>
+          <a:lstStyle>
+            <a:extLst/>
+          </a:lstStyle>
           <a:p>
             <a:fld id="{822A2284-31DD-42B7-BEA1-C7950499E459}" type="slidenum">
               <a:rPr lang="en-US" smtClean="0"/>
@@ -1692,12 +3657,439 @@
           </a:p>
         </p:txBody>
       </p:sp>
+      <p:sp>
+        <p:nvSpPr>
+          <p:cNvPr id="16" name="Rectangle 15"/>
+          <p:cNvSpPr/>
+          <p:nvPr/>
+        </p:nvSpPr>
+        <p:spPr>
+          <a:xfrm>
+            <a:off x="117053" y="680477"/>
+            <a:ext cx="60960" cy="365760"/>
+          </a:xfrm>
+          <a:prstGeom prst="rect">
+            <a:avLst/>
+          </a:prstGeom>
+          <a:solidFill>
+            <a:schemeClr val="bg2"/>
+          </a:solidFill>
+          <a:ln w="50800" cap="rnd" cmpd="thickThin" algn="ctr">
+            <a:noFill/>
+            <a:prstDash val="solid"/>
+          </a:ln>
+          <a:effectLst/>
+        </p:spPr>
+        <p:style>
+          <a:lnRef idx="3">
+            <a:schemeClr val="lt1"/>
+          </a:lnRef>
+          <a:fillRef idx="1">
+            <a:schemeClr val="accent1"/>
+          </a:fillRef>
+          <a:effectRef idx="1">
+            <a:schemeClr val="accent1"/>
+          </a:effectRef>
+          <a:fontRef idx="minor">
+            <a:schemeClr val="lt1"/>
+          </a:fontRef>
+        </p:style>
+        <p:txBody>
+          <a:bodyPr anchor="ctr"/>
+          <a:lstStyle>
+            <a:extLst/>
+          </a:lstStyle>
+          <a:p>
+            <a:pPr algn="ctr" eaLnBrk="1" latinLnBrk="0" hangingPunct="1"/>
+            <a:endParaRPr kumimoji="0" lang="en-US" dirty="0"/>
+          </a:p>
+        </p:txBody>
+      </p:sp>
+      <p:sp>
+        <p:nvSpPr>
+          <p:cNvPr id="17" name="Rectangle 16"/>
+          <p:cNvSpPr/>
+          <p:nvPr/>
+        </p:nvSpPr>
+        <p:spPr>
+          <a:xfrm>
+            <a:off x="63073" y="680477"/>
+            <a:ext cx="36576" cy="365760"/>
+          </a:xfrm>
+          <a:prstGeom prst="rect">
+            <a:avLst/>
+          </a:prstGeom>
+          <a:solidFill>
+            <a:schemeClr val="bg2"/>
+          </a:solidFill>
+          <a:ln w="50800" cap="rnd" cmpd="thickThin" algn="ctr">
+            <a:noFill/>
+            <a:prstDash val="solid"/>
+          </a:ln>
+          <a:effectLst/>
+        </p:spPr>
+        <p:style>
+          <a:lnRef idx="3">
+            <a:schemeClr val="lt1"/>
+          </a:lnRef>
+          <a:fillRef idx="1">
+            <a:schemeClr val="accent1"/>
+          </a:fillRef>
+          <a:effectRef idx="1">
+            <a:schemeClr val="accent1"/>
+          </a:effectRef>
+          <a:fontRef idx="minor">
+            <a:schemeClr val="lt1"/>
+          </a:fontRef>
+        </p:style>
+        <p:txBody>
+          <a:bodyPr anchor="ctr"/>
+          <a:lstStyle>
+            <a:extLst/>
+          </a:lstStyle>
+          <a:p>
+            <a:pPr algn="ctr" eaLnBrk="1" latinLnBrk="0" hangingPunct="1"/>
+            <a:endParaRPr kumimoji="0" lang="en-US" dirty="0"/>
+          </a:p>
+        </p:txBody>
+      </p:sp>
+      <p:sp>
+        <p:nvSpPr>
+          <p:cNvPr id="18" name="Rectangle 17"/>
+          <p:cNvSpPr/>
+          <p:nvPr/>
+        </p:nvSpPr>
+        <p:spPr>
+          <a:xfrm>
+            <a:off x="37669" y="680477"/>
+            <a:ext cx="12192" cy="365760"/>
+          </a:xfrm>
+          <a:prstGeom prst="rect">
+            <a:avLst/>
+          </a:prstGeom>
+          <a:solidFill>
+            <a:schemeClr val="bg2"/>
+          </a:solidFill>
+          <a:ln w="50800" cap="rnd" cmpd="thickThin" algn="ctr">
+            <a:noFill/>
+            <a:prstDash val="solid"/>
+          </a:ln>
+          <a:effectLst/>
+        </p:spPr>
+        <p:style>
+          <a:lnRef idx="3">
+            <a:schemeClr val="lt1"/>
+          </a:lnRef>
+          <a:fillRef idx="1">
+            <a:schemeClr val="accent1"/>
+          </a:fillRef>
+          <a:effectRef idx="1">
+            <a:schemeClr val="accent1"/>
+          </a:effectRef>
+          <a:fontRef idx="minor">
+            <a:schemeClr val="lt1"/>
+          </a:fontRef>
+        </p:style>
+        <p:txBody>
+          <a:bodyPr anchor="ctr"/>
+          <a:lstStyle>
+            <a:extLst/>
+          </a:lstStyle>
+          <a:p>
+            <a:pPr algn="ctr" eaLnBrk="1" latinLnBrk="0" hangingPunct="1"/>
+            <a:endParaRPr kumimoji="0" lang="en-US"/>
+          </a:p>
+        </p:txBody>
+      </p:sp>
+      <p:sp>
+        <p:nvSpPr>
+          <p:cNvPr id="19" name="Rectangle 18"/>
+          <p:cNvSpPr/>
+          <p:nvPr/>
+        </p:nvSpPr>
+        <p:spPr>
+          <a:xfrm>
+            <a:off x="0" y="680477"/>
+            <a:ext cx="12192" cy="365760"/>
+          </a:xfrm>
+          <a:prstGeom prst="rect">
+            <a:avLst/>
+          </a:prstGeom>
+          <a:solidFill>
+            <a:schemeClr val="bg2"/>
+          </a:solidFill>
+          <a:ln w="50800" cap="rnd" cmpd="thickThin" algn="ctr">
+            <a:noFill/>
+            <a:prstDash val="solid"/>
+          </a:ln>
+          <a:effectLst/>
+        </p:spPr>
+        <p:style>
+          <a:lnRef idx="3">
+            <a:schemeClr val="lt1"/>
+          </a:lnRef>
+          <a:fillRef idx="1">
+            <a:schemeClr val="accent1"/>
+          </a:fillRef>
+          <a:effectRef idx="1">
+            <a:schemeClr val="accent1"/>
+          </a:effectRef>
+          <a:fontRef idx="minor">
+            <a:schemeClr val="lt1"/>
+          </a:fontRef>
+        </p:style>
+        <p:txBody>
+          <a:bodyPr anchor="ctr"/>
+          <a:lstStyle>
+            <a:extLst/>
+          </a:lstStyle>
+          <a:p>
+            <a:pPr algn="ctr" eaLnBrk="1" latinLnBrk="0" hangingPunct="1"/>
+            <a:endParaRPr kumimoji="0" lang="en-US" dirty="0"/>
+          </a:p>
+        </p:txBody>
+      </p:sp>
+      <p:sp>
+        <p:nvSpPr>
+          <p:cNvPr id="20" name="Rectangle 19"/>
+          <p:cNvSpPr/>
+          <p:nvPr/>
+        </p:nvSpPr>
+        <p:spPr>
+          <a:xfrm flipH="1">
+            <a:off x="199693" y="680477"/>
+            <a:ext cx="36576" cy="365760"/>
+          </a:xfrm>
+          <a:prstGeom prst="rect">
+            <a:avLst/>
+          </a:prstGeom>
+          <a:solidFill>
+            <a:schemeClr val="bg2"/>
+          </a:solidFill>
+          <a:ln w="50800" cap="rnd" cmpd="thickThin" algn="ctr">
+            <a:noFill/>
+            <a:prstDash val="solid"/>
+          </a:ln>
+          <a:effectLst/>
+        </p:spPr>
+        <p:style>
+          <a:lnRef idx="3">
+            <a:schemeClr val="lt1"/>
+          </a:lnRef>
+          <a:fillRef idx="1">
+            <a:schemeClr val="accent1"/>
+          </a:fillRef>
+          <a:effectRef idx="1">
+            <a:schemeClr val="accent1"/>
+          </a:effectRef>
+          <a:fontRef idx="minor">
+            <a:schemeClr val="lt1"/>
+          </a:fontRef>
+        </p:style>
+        <p:txBody>
+          <a:bodyPr anchor="ctr"/>
+          <a:lstStyle>
+            <a:extLst/>
+          </a:lstStyle>
+          <a:p>
+            <a:pPr algn="ctr" eaLnBrk="1" latinLnBrk="0" hangingPunct="1"/>
+            <a:endParaRPr kumimoji="0" lang="en-US" dirty="0"/>
+          </a:p>
+        </p:txBody>
+      </p:sp>
+      <p:sp>
+        <p:nvSpPr>
+          <p:cNvPr id="21" name="Rectangle 20"/>
+          <p:cNvSpPr/>
+          <p:nvPr/>
+        </p:nvSpPr>
+        <p:spPr>
+          <a:xfrm flipH="1">
+            <a:off x="252455" y="680477"/>
+            <a:ext cx="36576" cy="365760"/>
+          </a:xfrm>
+          <a:prstGeom prst="rect">
+            <a:avLst/>
+          </a:prstGeom>
+          <a:solidFill>
+            <a:schemeClr val="bg2"/>
+          </a:solidFill>
+          <a:ln w="50800" cap="rnd" cmpd="thickThin" algn="ctr">
+            <a:noFill/>
+            <a:prstDash val="solid"/>
+          </a:ln>
+          <a:effectLst/>
+        </p:spPr>
+        <p:style>
+          <a:lnRef idx="3">
+            <a:schemeClr val="lt1"/>
+          </a:lnRef>
+          <a:fillRef idx="1">
+            <a:schemeClr val="accent1"/>
+          </a:fillRef>
+          <a:effectRef idx="1">
+            <a:schemeClr val="accent1"/>
+          </a:effectRef>
+          <a:fontRef idx="minor">
+            <a:schemeClr val="lt1"/>
+          </a:fontRef>
+        </p:style>
+        <p:txBody>
+          <a:bodyPr anchor="ctr"/>
+          <a:lstStyle>
+            <a:extLst/>
+          </a:lstStyle>
+          <a:p>
+            <a:pPr algn="ctr" eaLnBrk="1" latinLnBrk="0" hangingPunct="1"/>
+            <a:endParaRPr kumimoji="0" lang="en-US" dirty="0"/>
+          </a:p>
+        </p:txBody>
+      </p:sp>
+      <p:sp>
+        <p:nvSpPr>
+          <p:cNvPr id="22" name="Rectangle 21"/>
+          <p:cNvSpPr/>
+          <p:nvPr/>
+        </p:nvSpPr>
+        <p:spPr>
+          <a:xfrm flipH="1">
+            <a:off x="302243" y="680477"/>
+            <a:ext cx="12192" cy="365760"/>
+          </a:xfrm>
+          <a:prstGeom prst="rect">
+            <a:avLst/>
+          </a:prstGeom>
+          <a:solidFill>
+            <a:schemeClr val="bg2"/>
+          </a:solidFill>
+          <a:ln w="50800" cap="rnd" cmpd="thickThin" algn="ctr">
+            <a:noFill/>
+            <a:prstDash val="solid"/>
+          </a:ln>
+          <a:effectLst/>
+        </p:spPr>
+        <p:style>
+          <a:lnRef idx="3">
+            <a:schemeClr val="lt1"/>
+          </a:lnRef>
+          <a:fillRef idx="1">
+            <a:schemeClr val="accent1"/>
+          </a:fillRef>
+          <a:effectRef idx="1">
+            <a:schemeClr val="accent1"/>
+          </a:effectRef>
+          <a:fontRef idx="minor">
+            <a:schemeClr val="lt1"/>
+          </a:fontRef>
+        </p:style>
+        <p:txBody>
+          <a:bodyPr anchor="ctr"/>
+          <a:lstStyle>
+            <a:extLst/>
+          </a:lstStyle>
+          <a:p>
+            <a:pPr algn="ctr" eaLnBrk="1" latinLnBrk="0" hangingPunct="1"/>
+            <a:endParaRPr kumimoji="0" lang="en-US"/>
+          </a:p>
+        </p:txBody>
+      </p:sp>
+      <p:sp>
+        <p:nvSpPr>
+          <p:cNvPr id="29" name="Rectangle 28"/>
+          <p:cNvSpPr/>
+          <p:nvPr/>
+        </p:nvSpPr>
+        <p:spPr>
+          <a:xfrm flipH="1">
+            <a:off x="339912" y="680477"/>
+            <a:ext cx="12192" cy="365760"/>
+          </a:xfrm>
+          <a:prstGeom prst="rect">
+            <a:avLst/>
+          </a:prstGeom>
+          <a:solidFill>
+            <a:schemeClr val="bg2"/>
+          </a:solidFill>
+          <a:ln w="50800" cap="rnd" cmpd="thickThin" algn="ctr">
+            <a:noFill/>
+            <a:prstDash val="solid"/>
+          </a:ln>
+          <a:effectLst/>
+        </p:spPr>
+        <p:style>
+          <a:lnRef idx="3">
+            <a:schemeClr val="lt1"/>
+          </a:lnRef>
+          <a:fillRef idx="1">
+            <a:schemeClr val="accent1"/>
+          </a:fillRef>
+          <a:effectRef idx="1">
+            <a:schemeClr val="accent1"/>
+          </a:effectRef>
+          <a:fontRef idx="minor">
+            <a:schemeClr val="lt1"/>
+          </a:fontRef>
+        </p:style>
+        <p:txBody>
+          <a:bodyPr anchor="ctr"/>
+          <a:lstStyle>
+            <a:extLst/>
+          </a:lstStyle>
+          <a:p>
+            <a:pPr algn="ctr" eaLnBrk="1" latinLnBrk="0" hangingPunct="1"/>
+            <a:endParaRPr kumimoji="0" lang="en-US" dirty="0"/>
+          </a:p>
+        </p:txBody>
+      </p:sp>
+      <p:sp>
+        <p:nvSpPr>
+          <p:cNvPr id="30" name="Rectangle 29"/>
+          <p:cNvSpPr/>
+          <p:nvPr/>
+        </p:nvSpPr>
+        <p:spPr>
+          <a:xfrm>
+            <a:off x="371613" y="680477"/>
+            <a:ext cx="48768" cy="365760"/>
+          </a:xfrm>
+          <a:prstGeom prst="rect">
+            <a:avLst/>
+          </a:prstGeom>
+          <a:solidFill>
+            <a:schemeClr val="bg2"/>
+          </a:solidFill>
+          <a:ln w="50800" cap="rnd" cmpd="thickThin" algn="ctr">
+            <a:noFill/>
+            <a:prstDash val="solid"/>
+          </a:ln>
+          <a:effectLst/>
+        </p:spPr>
+        <p:style>
+          <a:lnRef idx="3">
+            <a:schemeClr val="lt1"/>
+          </a:lnRef>
+          <a:fillRef idx="1">
+            <a:schemeClr val="accent1"/>
+          </a:fillRef>
+          <a:effectRef idx="1">
+            <a:schemeClr val="accent1"/>
+          </a:effectRef>
+          <a:fontRef idx="minor">
+            <a:schemeClr val="lt1"/>
+          </a:fontRef>
+        </p:style>
+        <p:txBody>
+          <a:bodyPr anchor="ctr"/>
+          <a:lstStyle>
+            <a:extLst/>
+          </a:lstStyle>
+          <a:p>
+            <a:pPr algn="ctr" eaLnBrk="1" latinLnBrk="0" hangingPunct="1"/>
+            <a:endParaRPr kumimoji="0" lang="en-US" dirty="0"/>
+          </a:p>
+        </p:txBody>
+      </p:sp>
     </p:spTree>
-    <p:extLst>
-      <p:ext uri="{BB962C8B-B14F-4D97-AF65-F5344CB8AC3E}">
-        <p14:creationId xmlns:p14="http://schemas.microsoft.com/office/powerpoint/2010/main" xmlns="" val="2774436435"/>
-      </p:ext>
-    </p:extLst>
   </p:cSld>
   <p:clrMapOvr>
     <a:masterClrMapping/>
@@ -1732,16 +4124,26 @@
             <p:ph type="title"/>
           </p:nvPr>
         </p:nvSpPr>
-        <p:spPr/>
+        <p:spPr>
+          <a:xfrm>
+            <a:off x="1219200" y="512064"/>
+            <a:ext cx="10363200" cy="914400"/>
+          </a:xfrm>
+        </p:spPr>
         <p:txBody>
           <a:bodyPr/>
-          <a:lstStyle/>
-          <a:p>
-            <a:r>
-              <a:rPr lang="en-US" smtClean="0"/>
+          <a:lstStyle>
+            <a:lvl1pPr>
+              <a:defRPr sz="4000" cap="none" baseline="0"/>
+            </a:lvl1pPr>
+            <a:extLst/>
+          </a:lstStyle>
+          <a:p>
+            <a:r>
+              <a:rPr kumimoji="0" lang="en-US" smtClean="0"/>
               <a:t>Click to edit Master title style</a:t>
             </a:r>
-            <a:endParaRPr lang="en-US"/>
+            <a:endParaRPr kumimoji="0" lang="en-US"/>
           </a:p>
         </p:txBody>
       </p:sp>
@@ -1755,10 +4157,20 @@
             <p:ph type="dt" sz="half" idx="10"/>
           </p:nvPr>
         </p:nvSpPr>
-        <p:spPr/>
+        <p:spPr>
+          <a:xfrm>
+            <a:off x="8636000" y="6416676"/>
+            <a:ext cx="2844800" cy="365125"/>
+          </a:xfrm>
+          <a:prstGeom prst="rect">
+            <a:avLst/>
+          </a:prstGeom>
+        </p:spPr>
         <p:txBody>
           <a:bodyPr/>
-          <a:lstStyle/>
+          <a:lstStyle>
+            <a:extLst/>
+          </a:lstStyle>
           <a:p>
             <a:fld id="{EEB31411-81DA-416F-953C-825CF1EE9A76}" type="datetimeFigureOut">
               <a:rPr lang="en-US" smtClean="0"/>
@@ -1779,10 +4191,20 @@
             <p:ph type="ftr" sz="quarter" idx="11"/>
           </p:nvPr>
         </p:nvSpPr>
-        <p:spPr/>
+        <p:spPr>
+          <a:xfrm>
+            <a:off x="1219200" y="6416676"/>
+            <a:ext cx="7416800" cy="365125"/>
+          </a:xfrm>
+          <a:prstGeom prst="rect">
+            <a:avLst/>
+          </a:prstGeom>
+        </p:spPr>
         <p:txBody>
           <a:bodyPr/>
-          <a:lstStyle/>
+          <a:lstStyle>
+            <a:extLst/>
+          </a:lstStyle>
           <a:p>
             <a:endParaRPr lang="en-US"/>
           </a:p>
@@ -1798,10 +4220,20 @@
             <p:ph type="sldNum" sz="quarter" idx="12"/>
           </p:nvPr>
         </p:nvSpPr>
-        <p:spPr/>
+        <p:spPr>
+          <a:xfrm>
+            <a:off x="11480800" y="6416676"/>
+            <a:ext cx="609600" cy="365125"/>
+          </a:xfrm>
+          <a:prstGeom prst="rect">
+            <a:avLst/>
+          </a:prstGeom>
+        </p:spPr>
         <p:txBody>
           <a:bodyPr/>
-          <a:lstStyle/>
+          <a:lstStyle>
+            <a:extLst/>
+          </a:lstStyle>
           <a:p>
             <a:fld id="{822A2284-31DD-42B7-BEA1-C7950499E459}" type="slidenum">
               <a:rPr lang="en-US" smtClean="0"/>
@@ -1813,11 +4245,6 @@
         </p:txBody>
       </p:sp>
     </p:spTree>
-    <p:extLst>
-      <p:ext uri="{BB962C8B-B14F-4D97-AF65-F5344CB8AC3E}">
-        <p14:creationId xmlns:p14="http://schemas.microsoft.com/office/powerpoint/2010/main" xmlns="" val="1227611598"/>
-      </p:ext>
-    </p:extLst>
   </p:cSld>
   <p:clrMapOvr>
     <a:masterClrMapping/>
@@ -1826,7 +4253,7 @@
 </file>
 
 <file path=ppt/slideLayouts/slideLayout7.xml><?xml version="1.0" encoding="utf-8"?>
-<p:sldLayout xmlns:a="http://schemas.openxmlformats.org/drawingml/2006/main" xmlns:r="http://schemas.openxmlformats.org/officeDocument/2006/relationships" xmlns:p="http://schemas.openxmlformats.org/presentationml/2006/main" type="blank" preserve="1">
+<p:sldLayout xmlns:a="http://schemas.openxmlformats.org/drawingml/2006/main" xmlns:r="http://schemas.openxmlformats.org/officeDocument/2006/relationships" xmlns:p="http://schemas.openxmlformats.org/presentationml/2006/main" showMasterSp="0" type="blank" preserve="1">
   <p:cSld name="Blank">
     <p:spTree>
       <p:nvGrpSpPr>
@@ -1852,10 +4279,20 @@
             <p:ph type="dt" sz="half" idx="10"/>
           </p:nvPr>
         </p:nvSpPr>
-        <p:spPr/>
+        <p:spPr>
+          <a:xfrm>
+            <a:off x="8636000" y="6416676"/>
+            <a:ext cx="2844800" cy="365125"/>
+          </a:xfrm>
+          <a:prstGeom prst="rect">
+            <a:avLst/>
+          </a:prstGeom>
+        </p:spPr>
         <p:txBody>
           <a:bodyPr/>
-          <a:lstStyle/>
+          <a:lstStyle>
+            <a:extLst/>
+          </a:lstStyle>
           <a:p>
             <a:fld id="{EEB31411-81DA-416F-953C-825CF1EE9A76}" type="datetimeFigureOut">
               <a:rPr lang="en-US" smtClean="0"/>
@@ -1876,10 +4313,20 @@
             <p:ph type="ftr" sz="quarter" idx="11"/>
           </p:nvPr>
         </p:nvSpPr>
-        <p:spPr/>
+        <p:spPr>
+          <a:xfrm>
+            <a:off x="1219200" y="6416676"/>
+            <a:ext cx="7416800" cy="365125"/>
+          </a:xfrm>
+          <a:prstGeom prst="rect">
+            <a:avLst/>
+          </a:prstGeom>
+        </p:spPr>
         <p:txBody>
           <a:bodyPr/>
-          <a:lstStyle/>
+          <a:lstStyle>
+            <a:extLst/>
+          </a:lstStyle>
           <a:p>
             <a:endParaRPr lang="en-US"/>
           </a:p>
@@ -1895,10 +4342,20 @@
             <p:ph type="sldNum" sz="quarter" idx="12"/>
           </p:nvPr>
         </p:nvSpPr>
-        <p:spPr/>
+        <p:spPr>
+          <a:xfrm>
+            <a:off x="11480800" y="6416676"/>
+            <a:ext cx="609600" cy="365125"/>
+          </a:xfrm>
+          <a:prstGeom prst="rect">
+            <a:avLst/>
+          </a:prstGeom>
+        </p:spPr>
         <p:txBody>
           <a:bodyPr/>
-          <a:lstStyle/>
+          <a:lstStyle>
+            <a:extLst/>
+          </a:lstStyle>
           <a:p>
             <a:fld id="{822A2284-31DD-42B7-BEA1-C7950499E459}" type="slidenum">
               <a:rPr lang="en-US" smtClean="0"/>
@@ -1910,11 +4367,6 @@
         </p:txBody>
       </p:sp>
     </p:spTree>
-    <p:extLst>
-      <p:ext uri="{BB962C8B-B14F-4D97-AF65-F5344CB8AC3E}">
-        <p14:creationId xmlns:p14="http://schemas.microsoft.com/office/powerpoint/2010/main" xmlns="" val="2944241065"/>
-      </p:ext>
-    </p:extLst>
   </p:cSld>
   <p:clrMapOvr>
     <a:masterClrMapping/>
@@ -1951,40 +4403,92 @@
         </p:nvSpPr>
         <p:spPr>
           <a:xfrm>
-            <a:off x="839788" y="457200"/>
-            <a:ext cx="3932237" cy="1600200"/>
-          </a:xfrm>
-        </p:spPr>
-        <p:txBody>
-          <a:bodyPr anchor="b"/>
-          <a:lstStyle>
-            <a:lvl1pPr>
-              <a:defRPr sz="3200"/>
+            <a:off x="914400" y="273050"/>
+            <a:ext cx="10972800" cy="1162050"/>
+          </a:xfrm>
+        </p:spPr>
+        <p:txBody>
+          <a:bodyPr anchor="ctr"/>
+          <a:lstStyle>
+            <a:lvl1pPr algn="l">
+              <a:buNone/>
+              <a:defRPr sz="3600" b="0"/>
             </a:lvl1pPr>
-          </a:lstStyle>
-          <a:p>
-            <a:r>
-              <a:rPr lang="en-US" smtClean="0"/>
+            <a:extLst/>
+          </a:lstStyle>
+          <a:p>
+            <a:r>
+              <a:rPr kumimoji="0" lang="en-US" smtClean="0"/>
               <a:t>Click to edit Master title style</a:t>
             </a:r>
-            <a:endParaRPr lang="en-US"/>
-          </a:p>
-        </p:txBody>
-      </p:sp>
-      <p:sp>
-        <p:nvSpPr>
-          <p:cNvPr id="3" name="Content Placeholder 2"/>
+            <a:endParaRPr kumimoji="0" lang="en-US"/>
+          </a:p>
+        </p:txBody>
+      </p:sp>
+      <p:sp>
+        <p:nvSpPr>
+          <p:cNvPr id="3" name="Text Placeholder 2"/>
           <p:cNvSpPr>
             <a:spLocks noGrp="1"/>
           </p:cNvSpPr>
           <p:nvPr>
-            <p:ph idx="1"/>
-          </p:nvPr>
-        </p:nvSpPr>
-        <p:spPr>
-          <a:xfrm>
-            <a:off x="5183188" y="987425"/>
-            <a:ext cx="6172200" cy="4873625"/>
+            <p:ph type="body" idx="2"/>
+          </p:nvPr>
+        </p:nvSpPr>
+        <p:spPr>
+          <a:xfrm>
+            <a:off x="914400" y="1435100"/>
+            <a:ext cx="3352800" cy="4572000"/>
+          </a:xfrm>
+        </p:spPr>
+        <p:txBody>
+          <a:bodyPr/>
+          <a:lstStyle>
+            <a:lvl1pPr marL="54864" indent="0">
+              <a:buNone/>
+              <a:defRPr sz="1800"/>
+            </a:lvl1pPr>
+            <a:lvl2pPr>
+              <a:buNone/>
+              <a:defRPr sz="1200"/>
+            </a:lvl2pPr>
+            <a:lvl3pPr>
+              <a:buNone/>
+              <a:defRPr sz="1000"/>
+            </a:lvl3pPr>
+            <a:lvl4pPr>
+              <a:buNone/>
+              <a:defRPr sz="900"/>
+            </a:lvl4pPr>
+            <a:lvl5pPr>
+              <a:buNone/>
+              <a:defRPr sz="900"/>
+            </a:lvl5pPr>
+            <a:extLst/>
+          </a:lstStyle>
+          <a:p>
+            <a:pPr lvl="0" eaLnBrk="1" latinLnBrk="0" hangingPunct="1"/>
+            <a:r>
+              <a:rPr kumimoji="0" lang="en-US" smtClean="0"/>
+              <a:t>Click to edit Master text styles</a:t>
+            </a:r>
+          </a:p>
+        </p:txBody>
+      </p:sp>
+      <p:sp>
+        <p:nvSpPr>
+          <p:cNvPr id="4" name="Content Placeholder 3"/>
+          <p:cNvSpPr>
+            <a:spLocks noGrp="1"/>
+          </p:cNvSpPr>
+          <p:nvPr>
+            <p:ph sz="half" idx="1"/>
+          </p:nvPr>
+        </p:nvSpPr>
+        <p:spPr>
+          <a:xfrm>
+            <a:off x="4572000" y="1435100"/>
+            <a:ext cx="7315200" cy="4572000"/>
           </a:xfrm>
         </p:spPr>
         <p:txBody>
@@ -2005,136 +4509,70 @@
             <a:lvl5pPr>
               <a:defRPr sz="2000"/>
             </a:lvl5pPr>
-            <a:lvl6pPr>
-              <a:defRPr sz="2000"/>
-            </a:lvl6pPr>
-            <a:lvl7pPr>
-              <a:defRPr sz="2000"/>
-            </a:lvl7pPr>
-            <a:lvl8pPr>
-              <a:defRPr sz="2000"/>
-            </a:lvl8pPr>
-            <a:lvl9pPr>
-              <a:defRPr sz="2000"/>
-            </a:lvl9pPr>
-          </a:lstStyle>
-          <a:p>
-            <a:pPr lvl="0"/>
+            <a:extLst/>
+          </a:lstStyle>
+          <a:p>
+            <a:pPr lvl="0" eaLnBrk="1" latinLnBrk="0" hangingPunct="1"/>
             <a:r>
               <a:rPr lang="en-US" smtClean="0"/>
               <a:t>Click to edit Master text styles</a:t>
             </a:r>
           </a:p>
           <a:p>
-            <a:pPr lvl="1"/>
+            <a:pPr lvl="1" eaLnBrk="1" latinLnBrk="0" hangingPunct="1"/>
             <a:r>
               <a:rPr lang="en-US" smtClean="0"/>
               <a:t>Second level</a:t>
             </a:r>
           </a:p>
           <a:p>
-            <a:pPr lvl="2"/>
+            <a:pPr lvl="2" eaLnBrk="1" latinLnBrk="0" hangingPunct="1"/>
             <a:r>
               <a:rPr lang="en-US" smtClean="0"/>
               <a:t>Third level</a:t>
             </a:r>
           </a:p>
           <a:p>
-            <a:pPr lvl="3"/>
+            <a:pPr lvl="3" eaLnBrk="1" latinLnBrk="0" hangingPunct="1"/>
             <a:r>
               <a:rPr lang="en-US" smtClean="0"/>
               <a:t>Fourth level</a:t>
             </a:r>
           </a:p>
           <a:p>
-            <a:pPr lvl="4"/>
+            <a:pPr lvl="4" eaLnBrk="1" latinLnBrk="0" hangingPunct="1"/>
             <a:r>
               <a:rPr lang="en-US" smtClean="0"/>
               <a:t>Fifth level</a:t>
             </a:r>
-            <a:endParaRPr lang="en-US"/>
-          </a:p>
-        </p:txBody>
-      </p:sp>
-      <p:sp>
-        <p:nvSpPr>
-          <p:cNvPr id="4" name="Text Placeholder 3"/>
+            <a:endParaRPr kumimoji="0" lang="en-US"/>
+          </a:p>
+        </p:txBody>
+      </p:sp>
+      <p:sp>
+        <p:nvSpPr>
+          <p:cNvPr id="5" name="Date Placeholder 4"/>
           <p:cNvSpPr>
             <a:spLocks noGrp="1"/>
           </p:cNvSpPr>
           <p:nvPr>
-            <p:ph type="body" sz="half" idx="2"/>
-          </p:nvPr>
-        </p:nvSpPr>
-        <p:spPr>
-          <a:xfrm>
-            <a:off x="839788" y="2057400"/>
-            <a:ext cx="3932237" cy="3811588"/>
-          </a:xfrm>
+            <p:ph type="dt" sz="half" idx="10"/>
+          </p:nvPr>
+        </p:nvSpPr>
+        <p:spPr>
+          <a:xfrm>
+            <a:off x="8636000" y="6416676"/>
+            <a:ext cx="2844800" cy="365125"/>
+          </a:xfrm>
+          <a:prstGeom prst="rect">
+            <a:avLst/>
+          </a:prstGeom>
         </p:spPr>
         <p:txBody>
           <a:bodyPr/>
           <a:lstStyle>
-            <a:lvl1pPr marL="0" indent="0">
-              <a:buNone/>
-              <a:defRPr sz="1600"/>
-            </a:lvl1pPr>
-            <a:lvl2pPr marL="457200" indent="0">
-              <a:buNone/>
-              <a:defRPr sz="1400"/>
-            </a:lvl2pPr>
-            <a:lvl3pPr marL="914400" indent="0">
-              <a:buNone/>
-              <a:defRPr sz="1200"/>
-            </a:lvl3pPr>
-            <a:lvl4pPr marL="1371600" indent="0">
-              <a:buNone/>
-              <a:defRPr sz="1000"/>
-            </a:lvl4pPr>
-            <a:lvl5pPr marL="1828800" indent="0">
-              <a:buNone/>
-              <a:defRPr sz="1000"/>
-            </a:lvl5pPr>
-            <a:lvl6pPr marL="2286000" indent="0">
-              <a:buNone/>
-              <a:defRPr sz="1000"/>
-            </a:lvl6pPr>
-            <a:lvl7pPr marL="2743200" indent="0">
-              <a:buNone/>
-              <a:defRPr sz="1000"/>
-            </a:lvl7pPr>
-            <a:lvl8pPr marL="3200400" indent="0">
-              <a:buNone/>
-              <a:defRPr sz="1000"/>
-            </a:lvl8pPr>
-            <a:lvl9pPr marL="3657600" indent="0">
-              <a:buNone/>
-              <a:defRPr sz="1000"/>
-            </a:lvl9pPr>
-          </a:lstStyle>
-          <a:p>
-            <a:pPr lvl="0"/>
-            <a:r>
-              <a:rPr lang="en-US" smtClean="0"/>
-              <a:t>Click to edit Master text styles</a:t>
-            </a:r>
-          </a:p>
-        </p:txBody>
-      </p:sp>
-      <p:sp>
-        <p:nvSpPr>
-          <p:cNvPr id="5" name="Date Placeholder 4"/>
-          <p:cNvSpPr>
-            <a:spLocks noGrp="1"/>
-          </p:cNvSpPr>
-          <p:nvPr>
-            <p:ph type="dt" sz="half" idx="10"/>
-          </p:nvPr>
-        </p:nvSpPr>
-        <p:spPr/>
-        <p:txBody>
-          <a:bodyPr/>
-          <a:lstStyle/>
+            <a:extLst/>
+          </a:lstStyle>
           <a:p>
             <a:fld id="{EEB31411-81DA-416F-953C-825CF1EE9A76}" type="datetimeFigureOut">
               <a:rPr lang="en-US" smtClean="0"/>
@@ -2155,10 +4593,20 @@
             <p:ph type="ftr" sz="quarter" idx="11"/>
           </p:nvPr>
         </p:nvSpPr>
-        <p:spPr/>
+        <p:spPr>
+          <a:xfrm>
+            <a:off x="1219200" y="6416676"/>
+            <a:ext cx="7416800" cy="365125"/>
+          </a:xfrm>
+          <a:prstGeom prst="rect">
+            <a:avLst/>
+          </a:prstGeom>
+        </p:spPr>
         <p:txBody>
           <a:bodyPr/>
-          <a:lstStyle/>
+          <a:lstStyle>
+            <a:extLst/>
+          </a:lstStyle>
           <a:p>
             <a:endParaRPr lang="en-US"/>
           </a:p>
@@ -2174,10 +4622,20 @@
             <p:ph type="sldNum" sz="quarter" idx="12"/>
           </p:nvPr>
         </p:nvSpPr>
-        <p:spPr/>
+        <p:spPr>
+          <a:xfrm>
+            <a:off x="11480800" y="6416676"/>
+            <a:ext cx="609600" cy="365125"/>
+          </a:xfrm>
+          <a:prstGeom prst="rect">
+            <a:avLst/>
+          </a:prstGeom>
+        </p:spPr>
         <p:txBody>
           <a:bodyPr/>
-          <a:lstStyle/>
+          <a:lstStyle>
+            <a:extLst/>
+          </a:lstStyle>
           <a:p>
             <a:fld id="{822A2284-31DD-42B7-BEA1-C7950499E459}" type="slidenum">
               <a:rPr lang="en-US" smtClean="0"/>
@@ -2189,11 +4647,6 @@
         </p:txBody>
       </p:sp>
     </p:spTree>
-    <p:extLst>
-      <p:ext uri="{BB962C8B-B14F-4D97-AF65-F5344CB8AC3E}">
-        <p14:creationId xmlns:p14="http://schemas.microsoft.com/office/powerpoint/2010/main" xmlns="" val="3465444233"/>
-      </p:ext>
-    </p:extLst>
   </p:cSld>
   <p:clrMapOvr>
     <a:masterClrMapping/>
@@ -2220,6 +4673,232 @@
       </p:grpSpPr>
       <p:sp>
         <p:nvSpPr>
+          <p:cNvPr id="8" name="Rectangle 7"/>
+          <p:cNvSpPr/>
+          <p:nvPr/>
+        </p:nvSpPr>
+        <p:spPr>
+          <a:xfrm>
+            <a:off x="490709" y="0"/>
+            <a:ext cx="11704320" cy="1878037"/>
+          </a:xfrm>
+          <a:prstGeom prst="rect">
+            <a:avLst/>
+          </a:prstGeom>
+          <a:solidFill>
+            <a:srgbClr val="000000">
+              <a:alpha val="100000"/>
+            </a:srgbClr>
+          </a:solidFill>
+          <a:ln w="50800" cap="rnd" cmpd="dbl" algn="ctr">
+            <a:noFill/>
+            <a:prstDash val="solid"/>
+          </a:ln>
+          <a:effectLst/>
+        </p:spPr>
+        <p:style>
+          <a:lnRef idx="3">
+            <a:schemeClr val="lt1"/>
+          </a:lnRef>
+          <a:fillRef idx="1">
+            <a:schemeClr val="accent1"/>
+          </a:fillRef>
+          <a:effectRef idx="1">
+            <a:schemeClr val="accent1"/>
+          </a:effectRef>
+          <a:fontRef idx="minor">
+            <a:schemeClr val="lt1"/>
+          </a:fontRef>
+        </p:style>
+        <p:txBody>
+          <a:bodyPr anchor="ctr"/>
+          <a:lstStyle>
+            <a:extLst/>
+          </a:lstStyle>
+          <a:p>
+            <a:pPr algn="ctr" eaLnBrk="1" latinLnBrk="0" hangingPunct="1"/>
+            <a:endParaRPr kumimoji="0" lang="en-US"/>
+          </a:p>
+        </p:txBody>
+      </p:sp>
+      <p:cxnSp>
+        <p:nvCxnSpPr>
+          <p:cNvPr id="9" name="Straight Connector 8"/>
+          <p:cNvCxnSpPr/>
+          <p:nvPr/>
+        </p:nvCxnSpPr>
+        <p:spPr>
+          <a:xfrm flipV="1">
+            <a:off x="484260" y="1885028"/>
+            <a:ext cx="11710163" cy="0"/>
+          </a:xfrm>
+          <a:prstGeom prst="line">
+            <a:avLst/>
+          </a:prstGeom>
+          <a:noFill/>
+          <a:ln w="19050" cap="flat" cmpd="sng" algn="ctr">
+            <a:solidFill>
+              <a:srgbClr val="FFFFFF">
+                <a:alpha val="100000"/>
+              </a:srgbClr>
+            </a:solidFill>
+            <a:prstDash val="solid"/>
+            <a:miter lim="800000"/>
+          </a:ln>
+          <a:effectLst/>
+        </p:spPr>
+        <p:style>
+          <a:lnRef idx="2">
+            <a:schemeClr val="accent1"/>
+          </a:lnRef>
+          <a:fillRef idx="0">
+            <a:schemeClr val="accent1"/>
+          </a:fillRef>
+          <a:effectRef idx="1">
+            <a:schemeClr val="accent1"/>
+          </a:effectRef>
+          <a:fontRef idx="minor">
+            <a:schemeClr val="tx1"/>
+          </a:fontRef>
+        </p:style>
+      </p:cxnSp>
+      <p:grpSp>
+        <p:nvGrpSpPr>
+          <p:cNvPr id="10" name="Group 9"/>
+          <p:cNvGrpSpPr/>
+          <p:nvPr/>
+        </p:nvGrpSpPr>
+        <p:grpSpPr>
+          <a:xfrm rot="5400000">
+            <a:off x="11374903" y="1197789"/>
+            <a:ext cx="132763" cy="171288"/>
+            <a:chOff x="6668087" y="1297746"/>
+            <a:chExt cx="161840" cy="156602"/>
+          </a:xfrm>
+        </p:grpSpPr>
+        <p:cxnSp>
+          <p:nvCxnSpPr>
+            <p:cNvPr id="15" name="Straight Connector 14"/>
+            <p:cNvCxnSpPr/>
+            <p:nvPr/>
+          </p:nvCxnSpPr>
+          <p:spPr>
+            <a:xfrm rot="16200000">
+              <a:off x="6664064" y="1301769"/>
+              <a:ext cx="88509" cy="80463"/>
+            </a:xfrm>
+            <a:prstGeom prst="line">
+              <a:avLst/>
+            </a:prstGeom>
+            <a:noFill/>
+            <a:ln w="25400" cap="rnd" cmpd="sng" algn="ctr">
+              <a:solidFill>
+                <a:srgbClr val="FFFFFF">
+                  <a:alpha val="100000"/>
+                </a:srgbClr>
+              </a:solidFill>
+              <a:prstDash val="solid"/>
+            </a:ln>
+            <a:effectLst/>
+          </p:spPr>
+          <p:style>
+            <a:lnRef idx="2">
+              <a:schemeClr val="accent1"/>
+            </a:lnRef>
+            <a:fillRef idx="0">
+              <a:schemeClr val="accent1"/>
+            </a:fillRef>
+            <a:effectRef idx="1">
+              <a:schemeClr val="accent1"/>
+            </a:effectRef>
+            <a:fontRef idx="minor">
+              <a:schemeClr val="tx1"/>
+            </a:fontRef>
+          </p:style>
+        </p:cxnSp>
+        <p:cxnSp>
+          <p:nvCxnSpPr>
+            <p:cNvPr id="16" name="Straight Connector 15"/>
+            <p:cNvCxnSpPr/>
+            <p:nvPr/>
+          </p:nvCxnSpPr>
+          <p:spPr>
+            <a:xfrm rot="16200000" flipV="1">
+              <a:off x="6685888" y="1391257"/>
+              <a:ext cx="125755" cy="427"/>
+            </a:xfrm>
+            <a:prstGeom prst="line">
+              <a:avLst/>
+            </a:prstGeom>
+            <a:noFill/>
+            <a:ln w="25400" cap="rnd" cmpd="sng" algn="ctr">
+              <a:solidFill>
+                <a:srgbClr val="FFFFFF">
+                  <a:alpha val="100000"/>
+                </a:srgbClr>
+              </a:solidFill>
+              <a:prstDash val="solid"/>
+            </a:ln>
+            <a:effectLst/>
+          </p:spPr>
+          <p:style>
+            <a:lnRef idx="2">
+              <a:schemeClr val="accent1"/>
+            </a:lnRef>
+            <a:fillRef idx="0">
+              <a:schemeClr val="accent1"/>
+            </a:fillRef>
+            <a:effectRef idx="1">
+              <a:schemeClr val="accent1"/>
+            </a:effectRef>
+            <a:fontRef idx="minor">
+              <a:schemeClr val="tx1"/>
+            </a:fontRef>
+          </p:style>
+        </p:cxnSp>
+        <p:cxnSp>
+          <p:nvCxnSpPr>
+            <p:cNvPr id="17" name="Straight Connector 16"/>
+            <p:cNvCxnSpPr/>
+            <p:nvPr/>
+          </p:nvCxnSpPr>
+          <p:spPr>
+            <a:xfrm rot="5400000" flipH="1">
+              <a:off x="6744524" y="1300853"/>
+              <a:ext cx="88509" cy="82296"/>
+            </a:xfrm>
+            <a:prstGeom prst="line">
+              <a:avLst/>
+            </a:prstGeom>
+            <a:noFill/>
+            <a:ln w="25400" cap="rnd" cmpd="sng" algn="ctr">
+              <a:solidFill>
+                <a:srgbClr val="FFFFFF">
+                  <a:alpha val="100000"/>
+                </a:srgbClr>
+              </a:solidFill>
+              <a:prstDash val="solid"/>
+            </a:ln>
+            <a:effectLst/>
+          </p:spPr>
+          <p:style>
+            <a:lnRef idx="2">
+              <a:schemeClr val="accent1"/>
+            </a:lnRef>
+            <a:fillRef idx="0">
+              <a:schemeClr val="accent1"/>
+            </a:fillRef>
+            <a:effectRef idx="1">
+              <a:schemeClr val="accent1"/>
+            </a:effectRef>
+            <a:fontRef idx="minor">
+              <a:schemeClr val="tx1"/>
+            </a:fontRef>
+          </p:style>
+        </p:cxnSp>
+      </p:grpSp>
+      <p:sp>
+        <p:nvSpPr>
           <p:cNvPr id="2" name="Title 1"/>
           <p:cNvSpPr>
             <a:spLocks noGrp="1"/>
@@ -2228,25 +4907,27 @@
             <p:ph type="title"/>
           </p:nvPr>
         </p:nvSpPr>
-        <p:spPr>
-          <a:xfrm>
-            <a:off x="839788" y="457200"/>
-            <a:ext cx="3932237" cy="1600200"/>
+        <p:spPr bwMode="grayWhite">
+          <a:xfrm>
+            <a:off x="1219200" y="441252"/>
+            <a:ext cx="9144000" cy="701749"/>
           </a:xfrm>
         </p:spPr>
         <p:txBody>
           <a:bodyPr anchor="b"/>
           <a:lstStyle>
-            <a:lvl1pPr>
-              <a:defRPr sz="3200"/>
+            <a:lvl1pPr algn="l">
+              <a:buNone/>
+              <a:defRPr sz="2100" b="0"/>
             </a:lvl1pPr>
-          </a:lstStyle>
-          <a:p>
-            <a:r>
-              <a:rPr lang="en-US" smtClean="0"/>
+            <a:extLst/>
+          </a:lstStyle>
+          <a:p>
+            <a:r>
+              <a:rPr kumimoji="0" lang="en-US" smtClean="0"/>
               <a:t>Click to edit Master title style</a:t>
             </a:r>
-            <a:endParaRPr lang="en-US"/>
+            <a:endParaRPr kumimoji="0" lang="en-US"/>
           </a:p>
         </p:txBody>
       </p:sp>
@@ -2262,9 +4943,12 @@
         </p:nvSpPr>
         <p:spPr>
           <a:xfrm>
-            <a:off x="5183188" y="987425"/>
-            <a:ext cx="6172200" cy="4873625"/>
-          </a:xfrm>
+            <a:off x="490709" y="1893781"/>
+            <a:ext cx="11704320" cy="4960144"/>
+          </a:xfrm>
+          <a:solidFill>
+            <a:schemeClr val="bg2"/>
+          </a:solidFill>
         </p:spPr>
         <p:txBody>
           <a:bodyPr/>
@@ -2273,123 +4957,364 @@
               <a:buNone/>
               <a:defRPr sz="3200"/>
             </a:lvl1pPr>
-            <a:lvl2pPr marL="457200" indent="0">
+            <a:extLst/>
+          </a:lstStyle>
+          <a:p>
+            <a:r>
+              <a:rPr kumimoji="0" lang="en-US" smtClean="0"/>
+              <a:t>Click icon to add picture</a:t>
+            </a:r>
+            <a:endParaRPr kumimoji="0" lang="en-US"/>
+          </a:p>
+        </p:txBody>
+      </p:sp>
+      <p:sp>
+        <p:nvSpPr>
+          <p:cNvPr id="4" name="Text Placeholder 3"/>
+          <p:cNvSpPr>
+            <a:spLocks noGrp="1"/>
+          </p:cNvSpPr>
+          <p:nvPr>
+            <p:ph type="body" sz="half" idx="2"/>
+          </p:nvPr>
+        </p:nvSpPr>
+        <p:spPr bwMode="grayWhite">
+          <a:xfrm>
+            <a:off x="1219200" y="1150144"/>
+            <a:ext cx="9144000" cy="685800"/>
+          </a:xfrm>
+        </p:spPr>
+        <p:txBody>
+          <a:bodyPr/>
+          <a:lstStyle>
+            <a:lvl1pPr marL="27432" indent="0">
+              <a:spcBef>
+                <a:spcPts val="0"/>
+              </a:spcBef>
               <a:buNone/>
-              <a:defRPr sz="2800"/>
+              <a:defRPr sz="1400">
+                <a:solidFill>
+                  <a:srgbClr val="FFFFFF"/>
+                </a:solidFill>
+              </a:defRPr>
+            </a:lvl1pPr>
+            <a:lvl2pPr>
+              <a:defRPr sz="1200"/>
             </a:lvl2pPr>
-            <a:lvl3pPr marL="914400" indent="0">
-              <a:buNone/>
-              <a:defRPr sz="2400"/>
+            <a:lvl3pPr>
+              <a:defRPr sz="1000"/>
             </a:lvl3pPr>
-            <a:lvl4pPr marL="1371600" indent="0">
-              <a:buNone/>
-              <a:defRPr sz="2000"/>
+            <a:lvl4pPr>
+              <a:defRPr sz="900"/>
             </a:lvl4pPr>
-            <a:lvl5pPr marL="1828800" indent="0">
-              <a:buNone/>
-              <a:defRPr sz="2000"/>
+            <a:lvl5pPr>
+              <a:defRPr sz="900"/>
             </a:lvl5pPr>
-            <a:lvl6pPr marL="2286000" indent="0">
-              <a:buNone/>
-              <a:defRPr sz="2000"/>
-            </a:lvl6pPr>
-            <a:lvl7pPr marL="2743200" indent="0">
-              <a:buNone/>
-              <a:defRPr sz="2000"/>
-            </a:lvl7pPr>
-            <a:lvl8pPr marL="3200400" indent="0">
-              <a:buNone/>
-              <a:defRPr sz="2000"/>
-            </a:lvl8pPr>
-            <a:lvl9pPr marL="3657600" indent="0">
-              <a:buNone/>
-              <a:defRPr sz="2000"/>
-            </a:lvl9pPr>
-          </a:lstStyle>
-          <a:p>
-            <a:endParaRPr lang="en-US"/>
-          </a:p>
-        </p:txBody>
-      </p:sp>
-      <p:sp>
-        <p:nvSpPr>
-          <p:cNvPr id="4" name="Text Placeholder 3"/>
+            <a:extLst/>
+          </a:lstStyle>
+          <a:p>
+            <a:pPr lvl="0" eaLnBrk="1" latinLnBrk="0" hangingPunct="1"/>
+            <a:r>
+              <a:rPr kumimoji="0" lang="en-US" smtClean="0"/>
+              <a:t>Click to edit Master text styles</a:t>
+            </a:r>
+          </a:p>
+        </p:txBody>
+      </p:sp>
+      <p:grpSp>
+        <p:nvGrpSpPr>
+          <p:cNvPr id="14" name="Group 13"/>
+          <p:cNvGrpSpPr/>
+          <p:nvPr/>
+        </p:nvGrpSpPr>
+        <p:grpSpPr>
+          <a:xfrm rot="5400000">
+            <a:off x="11578103" y="1350189"/>
+            <a:ext cx="132763" cy="171288"/>
+            <a:chOff x="6668087" y="1297746"/>
+            <a:chExt cx="161840" cy="156602"/>
+          </a:xfrm>
+        </p:grpSpPr>
+        <p:cxnSp>
+          <p:nvCxnSpPr>
+            <p:cNvPr id="11" name="Straight Connector 10"/>
+            <p:cNvCxnSpPr/>
+            <p:nvPr/>
+          </p:nvCxnSpPr>
+          <p:spPr>
+            <a:xfrm rot="16200000">
+              <a:off x="6664064" y="1301769"/>
+              <a:ext cx="88509" cy="80463"/>
+            </a:xfrm>
+            <a:prstGeom prst="line">
+              <a:avLst/>
+            </a:prstGeom>
+            <a:noFill/>
+            <a:ln w="25400" cap="rnd" cmpd="sng" algn="ctr">
+              <a:solidFill>
+                <a:srgbClr val="FFFFFF">
+                  <a:alpha val="100000"/>
+                </a:srgbClr>
+              </a:solidFill>
+              <a:prstDash val="solid"/>
+            </a:ln>
+            <a:effectLst/>
+          </p:spPr>
+          <p:style>
+            <a:lnRef idx="2">
+              <a:schemeClr val="accent1"/>
+            </a:lnRef>
+            <a:fillRef idx="0">
+              <a:schemeClr val="accent1"/>
+            </a:fillRef>
+            <a:effectRef idx="1">
+              <a:schemeClr val="accent1"/>
+            </a:effectRef>
+            <a:fontRef idx="minor">
+              <a:schemeClr val="tx1"/>
+            </a:fontRef>
+          </p:style>
+        </p:cxnSp>
+        <p:cxnSp>
+          <p:nvCxnSpPr>
+            <p:cNvPr id="12" name="Straight Connector 11"/>
+            <p:cNvCxnSpPr/>
+            <p:nvPr/>
+          </p:nvCxnSpPr>
+          <p:spPr>
+            <a:xfrm rot="16200000" flipV="1">
+              <a:off x="6685888" y="1391257"/>
+              <a:ext cx="125755" cy="427"/>
+            </a:xfrm>
+            <a:prstGeom prst="line">
+              <a:avLst/>
+            </a:prstGeom>
+            <a:noFill/>
+            <a:ln w="25400" cap="rnd" cmpd="sng" algn="ctr">
+              <a:solidFill>
+                <a:srgbClr val="FFFFFF">
+                  <a:alpha val="100000"/>
+                </a:srgbClr>
+              </a:solidFill>
+              <a:prstDash val="solid"/>
+            </a:ln>
+            <a:effectLst/>
+          </p:spPr>
+          <p:style>
+            <a:lnRef idx="2">
+              <a:schemeClr val="accent1"/>
+            </a:lnRef>
+            <a:fillRef idx="0">
+              <a:schemeClr val="accent1"/>
+            </a:fillRef>
+            <a:effectRef idx="1">
+              <a:schemeClr val="accent1"/>
+            </a:effectRef>
+            <a:fontRef idx="minor">
+              <a:schemeClr val="tx1"/>
+            </a:fontRef>
+          </p:style>
+        </p:cxnSp>
+        <p:cxnSp>
+          <p:nvCxnSpPr>
+            <p:cNvPr id="13" name="Straight Connector 12"/>
+            <p:cNvCxnSpPr/>
+            <p:nvPr/>
+          </p:nvCxnSpPr>
+          <p:spPr>
+            <a:xfrm rot="5400000" flipH="1">
+              <a:off x="6744524" y="1300853"/>
+              <a:ext cx="88509" cy="82296"/>
+            </a:xfrm>
+            <a:prstGeom prst="line">
+              <a:avLst/>
+            </a:prstGeom>
+            <a:noFill/>
+            <a:ln w="25400" cap="rnd" cmpd="sng" algn="ctr">
+              <a:solidFill>
+                <a:srgbClr val="FFFFFF">
+                  <a:alpha val="100000"/>
+                </a:srgbClr>
+              </a:solidFill>
+              <a:prstDash val="solid"/>
+            </a:ln>
+            <a:effectLst/>
+          </p:spPr>
+          <p:style>
+            <a:lnRef idx="2">
+              <a:schemeClr val="accent1"/>
+            </a:lnRef>
+            <a:fillRef idx="0">
+              <a:schemeClr val="accent1"/>
+            </a:fillRef>
+            <a:effectRef idx="1">
+              <a:schemeClr val="accent1"/>
+            </a:effectRef>
+            <a:fontRef idx="minor">
+              <a:schemeClr val="tx1"/>
+            </a:fontRef>
+          </p:style>
+        </p:cxnSp>
+      </p:grpSp>
+      <p:grpSp>
+        <p:nvGrpSpPr>
+          <p:cNvPr id="18" name="Group 17"/>
+          <p:cNvGrpSpPr/>
+          <p:nvPr/>
+        </p:nvGrpSpPr>
+        <p:grpSpPr>
+          <a:xfrm rot="5400000">
+            <a:off x="11115579" y="1453352"/>
+            <a:ext cx="132763" cy="171288"/>
+            <a:chOff x="6668087" y="1297746"/>
+            <a:chExt cx="161840" cy="156602"/>
+          </a:xfrm>
+        </p:grpSpPr>
+        <p:cxnSp>
+          <p:nvCxnSpPr>
+            <p:cNvPr id="19" name="Straight Connector 18"/>
+            <p:cNvCxnSpPr/>
+            <p:nvPr/>
+          </p:nvCxnSpPr>
+          <p:spPr>
+            <a:xfrm rot="16200000">
+              <a:off x="6664064" y="1301769"/>
+              <a:ext cx="88509" cy="80463"/>
+            </a:xfrm>
+            <a:prstGeom prst="line">
+              <a:avLst/>
+            </a:prstGeom>
+            <a:noFill/>
+            <a:ln w="25400" cap="rnd" cmpd="sng" algn="ctr">
+              <a:solidFill>
+                <a:srgbClr val="FFFFFF">
+                  <a:alpha val="100000"/>
+                </a:srgbClr>
+              </a:solidFill>
+              <a:prstDash val="solid"/>
+            </a:ln>
+            <a:effectLst/>
+          </p:spPr>
+          <p:style>
+            <a:lnRef idx="2">
+              <a:schemeClr val="accent1"/>
+            </a:lnRef>
+            <a:fillRef idx="0">
+              <a:schemeClr val="accent1"/>
+            </a:fillRef>
+            <a:effectRef idx="1">
+              <a:schemeClr val="accent1"/>
+            </a:effectRef>
+            <a:fontRef idx="minor">
+              <a:schemeClr val="tx1"/>
+            </a:fontRef>
+          </p:style>
+        </p:cxnSp>
+        <p:cxnSp>
+          <p:nvCxnSpPr>
+            <p:cNvPr id="20" name="Straight Connector 19"/>
+            <p:cNvCxnSpPr/>
+            <p:nvPr/>
+          </p:nvCxnSpPr>
+          <p:spPr>
+            <a:xfrm rot="16200000" flipV="1">
+              <a:off x="6685888" y="1391257"/>
+              <a:ext cx="125755" cy="427"/>
+            </a:xfrm>
+            <a:prstGeom prst="line">
+              <a:avLst/>
+            </a:prstGeom>
+            <a:noFill/>
+            <a:ln w="25400" cap="rnd" cmpd="sng" algn="ctr">
+              <a:solidFill>
+                <a:srgbClr val="FFFFFF">
+                  <a:alpha val="100000"/>
+                </a:srgbClr>
+              </a:solidFill>
+              <a:prstDash val="solid"/>
+            </a:ln>
+            <a:effectLst/>
+          </p:spPr>
+          <p:style>
+            <a:lnRef idx="2">
+              <a:schemeClr val="accent1"/>
+            </a:lnRef>
+            <a:fillRef idx="0">
+              <a:schemeClr val="accent1"/>
+            </a:fillRef>
+            <a:effectRef idx="1">
+              <a:schemeClr val="accent1"/>
+            </a:effectRef>
+            <a:fontRef idx="minor">
+              <a:schemeClr val="tx1"/>
+            </a:fontRef>
+          </p:style>
+        </p:cxnSp>
+        <p:cxnSp>
+          <p:nvCxnSpPr>
+            <p:cNvPr id="21" name="Straight Connector 20"/>
+            <p:cNvCxnSpPr/>
+            <p:nvPr/>
+          </p:nvCxnSpPr>
+          <p:spPr>
+            <a:xfrm rot="5400000" flipH="1">
+              <a:off x="6744524" y="1300853"/>
+              <a:ext cx="88509" cy="82296"/>
+            </a:xfrm>
+            <a:prstGeom prst="line">
+              <a:avLst/>
+            </a:prstGeom>
+            <a:noFill/>
+            <a:ln w="25400" cap="rnd" cmpd="sng" algn="ctr">
+              <a:solidFill>
+                <a:srgbClr val="FFFFFF">
+                  <a:alpha val="100000"/>
+                </a:srgbClr>
+              </a:solidFill>
+              <a:prstDash val="solid"/>
+            </a:ln>
+            <a:effectLst/>
+          </p:spPr>
+          <p:style>
+            <a:lnRef idx="2">
+              <a:schemeClr val="accent1"/>
+            </a:lnRef>
+            <a:fillRef idx="0">
+              <a:schemeClr val="accent1"/>
+            </a:fillRef>
+            <a:effectRef idx="1">
+              <a:schemeClr val="accent1"/>
+            </a:effectRef>
+            <a:fontRef idx="minor">
+              <a:schemeClr val="tx1"/>
+            </a:fontRef>
+          </p:style>
+        </p:cxnSp>
+      </p:grpSp>
+      <p:sp>
+        <p:nvSpPr>
+          <p:cNvPr id="5" name="Date Placeholder 4"/>
           <p:cNvSpPr>
             <a:spLocks noGrp="1"/>
           </p:cNvSpPr>
           <p:nvPr>
-            <p:ph type="body" sz="half" idx="2"/>
-          </p:nvPr>
-        </p:nvSpPr>
-        <p:spPr>
-          <a:xfrm>
-            <a:off x="839788" y="2057400"/>
-            <a:ext cx="3932237" cy="3811588"/>
-          </a:xfrm>
+            <p:ph type="dt" sz="half" idx="10"/>
+          </p:nvPr>
+        </p:nvSpPr>
+        <p:spPr>
+          <a:xfrm>
+            <a:off x="8636000" y="55499"/>
+            <a:ext cx="2844800" cy="365125"/>
+          </a:xfrm>
+          <a:prstGeom prst="rect">
+            <a:avLst/>
+          </a:prstGeom>
         </p:spPr>
         <p:txBody>
           <a:bodyPr/>
           <a:lstStyle>
-            <a:lvl1pPr marL="0" indent="0">
-              <a:buNone/>
-              <a:defRPr sz="1600"/>
-            </a:lvl1pPr>
-            <a:lvl2pPr marL="457200" indent="0">
-              <a:buNone/>
-              <a:defRPr sz="1400"/>
-            </a:lvl2pPr>
-            <a:lvl3pPr marL="914400" indent="0">
-              <a:buNone/>
-              <a:defRPr sz="1200"/>
-            </a:lvl3pPr>
-            <a:lvl4pPr marL="1371600" indent="0">
-              <a:buNone/>
-              <a:defRPr sz="1000"/>
-            </a:lvl4pPr>
-            <a:lvl5pPr marL="1828800" indent="0">
-              <a:buNone/>
-              <a:defRPr sz="1000"/>
-            </a:lvl5pPr>
-            <a:lvl6pPr marL="2286000" indent="0">
-              <a:buNone/>
-              <a:defRPr sz="1000"/>
-            </a:lvl6pPr>
-            <a:lvl7pPr marL="2743200" indent="0">
-              <a:buNone/>
-              <a:defRPr sz="1000"/>
-            </a:lvl7pPr>
-            <a:lvl8pPr marL="3200400" indent="0">
-              <a:buNone/>
-              <a:defRPr sz="1000"/>
-            </a:lvl8pPr>
-            <a:lvl9pPr marL="3657600" indent="0">
-              <a:buNone/>
-              <a:defRPr sz="1000"/>
-            </a:lvl9pPr>
-          </a:lstStyle>
-          <a:p>
-            <a:pPr lvl="0"/>
-            <a:r>
-              <a:rPr lang="en-US" smtClean="0"/>
-              <a:t>Click to edit Master text styles</a:t>
-            </a:r>
-          </a:p>
-        </p:txBody>
-      </p:sp>
-      <p:sp>
-        <p:nvSpPr>
-          <p:cNvPr id="5" name="Date Placeholder 4"/>
-          <p:cNvSpPr>
-            <a:spLocks noGrp="1"/>
-          </p:cNvSpPr>
-          <p:nvPr>
-            <p:ph type="dt" sz="half" idx="10"/>
-          </p:nvPr>
-        </p:nvSpPr>
-        <p:spPr/>
-        <p:txBody>
-          <a:bodyPr/>
-          <a:lstStyle/>
+            <a:extLst/>
+          </a:lstStyle>
           <a:p>
             <a:fld id="{EEB31411-81DA-416F-953C-825CF1EE9A76}" type="datetimeFigureOut">
               <a:rPr lang="en-US" smtClean="0"/>
@@ -2410,10 +5335,20 @@
             <p:ph type="ftr" sz="quarter" idx="11"/>
           </p:nvPr>
         </p:nvSpPr>
-        <p:spPr/>
+        <p:spPr>
+          <a:xfrm>
+            <a:off x="1219200" y="55499"/>
+            <a:ext cx="7416800" cy="365125"/>
+          </a:xfrm>
+          <a:prstGeom prst="rect">
+            <a:avLst/>
+          </a:prstGeom>
+        </p:spPr>
         <p:txBody>
           <a:bodyPr/>
-          <a:lstStyle/>
+          <a:lstStyle>
+            <a:extLst/>
+          </a:lstStyle>
           <a:p>
             <a:endParaRPr lang="en-US"/>
           </a:p>
@@ -2429,10 +5364,20 @@
             <p:ph type="sldNum" sz="quarter" idx="12"/>
           </p:nvPr>
         </p:nvSpPr>
-        <p:spPr/>
+        <p:spPr>
+          <a:xfrm>
+            <a:off x="11480800" y="55499"/>
+            <a:ext cx="609600" cy="365125"/>
+          </a:xfrm>
+          <a:prstGeom prst="rect">
+            <a:avLst/>
+          </a:prstGeom>
+        </p:spPr>
         <p:txBody>
           <a:bodyPr/>
-          <a:lstStyle/>
+          <a:lstStyle>
+            <a:extLst/>
+          </a:lstStyle>
           <a:p>
             <a:fld id="{822A2284-31DD-42B7-BEA1-C7950499E459}" type="slidenum">
               <a:rPr lang="en-US" smtClean="0"/>
@@ -2444,11 +5389,6 @@
         </p:txBody>
       </p:sp>
     </p:spTree>
-    <p:extLst>
-      <p:ext uri="{BB962C8B-B14F-4D97-AF65-F5344CB8AC3E}">
-        <p14:creationId xmlns:p14="http://schemas.microsoft.com/office/powerpoint/2010/main" xmlns="" val="4252246156"/>
-      </p:ext>
-    </p:extLst>
   </p:cSld>
   <p:clrMapOvr>
     <a:masterClrMapping/>
@@ -2480,272 +5420,351 @@
       </p:grpSpPr>
       <p:sp>
         <p:nvSpPr>
-          <p:cNvPr id="2" name="Title Placeholder 1"/>
-          <p:cNvSpPr>
-            <a:spLocks noGrp="1"/>
-          </p:cNvSpPr>
-          <p:nvPr>
-            <p:ph type="title"/>
-          </p:nvPr>
-        </p:nvSpPr>
-        <p:spPr>
-          <a:xfrm>
-            <a:off x="838200" y="365125"/>
-            <a:ext cx="10515600" cy="1325563"/>
+          <p:cNvPr id="12" name="Rectangle 11"/>
+          <p:cNvSpPr/>
+          <p:nvPr/>
+        </p:nvSpPr>
+        <p:spPr>
+          <a:xfrm>
+            <a:off x="412744" y="680477"/>
+            <a:ext cx="60960" cy="365760"/>
           </a:xfrm>
           <a:prstGeom prst="rect">
             <a:avLst/>
           </a:prstGeom>
-        </p:spPr>
-        <p:txBody>
-          <a:bodyPr vert="horz" lIns="91440" tIns="45720" rIns="91440" bIns="45720" rtlCol="0" anchor="ctr">
-            <a:normAutofit/>
-          </a:bodyPr>
-          <a:lstStyle/>
-          <a:p>
-            <a:r>
-              <a:rPr lang="en-US" smtClean="0"/>
-              <a:t>Click to edit Master title style</a:t>
-            </a:r>
-            <a:endParaRPr lang="en-US"/>
-          </a:p>
-        </p:txBody>
-      </p:sp>
-      <p:sp>
-        <p:nvSpPr>
-          <p:cNvPr id="3" name="Text Placeholder 2"/>
-          <p:cNvSpPr>
-            <a:spLocks noGrp="1"/>
-          </p:cNvSpPr>
-          <p:nvPr>
-            <p:ph type="body" idx="1"/>
-          </p:nvPr>
-        </p:nvSpPr>
-        <p:spPr>
-          <a:xfrm>
-            <a:off x="838200" y="1825625"/>
-            <a:ext cx="10515600" cy="4351338"/>
+          <a:solidFill>
+            <a:srgbClr val="000000">
+              <a:alpha val="100000"/>
+            </a:srgbClr>
+          </a:solidFill>
+          <a:ln w="50800" cap="rnd" cmpd="thickThin" algn="ctr">
+            <a:noFill/>
+            <a:prstDash val="solid"/>
+          </a:ln>
+          <a:effectLst/>
+        </p:spPr>
+        <p:style>
+          <a:lnRef idx="3">
+            <a:schemeClr val="lt1"/>
+          </a:lnRef>
+          <a:fillRef idx="1">
+            <a:schemeClr val="accent1"/>
+          </a:fillRef>
+          <a:effectRef idx="1">
+            <a:schemeClr val="accent1"/>
+          </a:effectRef>
+          <a:fontRef idx="minor">
+            <a:schemeClr val="lt1"/>
+          </a:fontRef>
+        </p:style>
+        <p:txBody>
+          <a:bodyPr anchor="ctr"/>
+          <a:lstStyle>
+            <a:extLst/>
+          </a:lstStyle>
+          <a:p>
+            <a:pPr algn="ctr" eaLnBrk="1" latinLnBrk="0" hangingPunct="1"/>
+            <a:endParaRPr kumimoji="0" lang="en-US" dirty="0"/>
+          </a:p>
+        </p:txBody>
+      </p:sp>
+      <p:sp>
+        <p:nvSpPr>
+          <p:cNvPr id="15" name="Rectangle 14"/>
+          <p:cNvSpPr/>
+          <p:nvPr/>
+        </p:nvSpPr>
+        <p:spPr>
+          <a:xfrm>
+            <a:off x="358764" y="680477"/>
+            <a:ext cx="36576" cy="365760"/>
           </a:xfrm>
           <a:prstGeom prst="rect">
             <a:avLst/>
           </a:prstGeom>
-        </p:spPr>
-        <p:txBody>
-          <a:bodyPr vert="horz" lIns="91440" tIns="45720" rIns="91440" bIns="45720" rtlCol="0">
-            <a:normAutofit/>
-          </a:bodyPr>
-          <a:lstStyle/>
-          <a:p>
-            <a:pPr lvl="0"/>
-            <a:r>
-              <a:rPr lang="en-US" smtClean="0"/>
-              <a:t>Click to edit Master text styles</a:t>
-            </a:r>
-          </a:p>
-          <a:p>
-            <a:pPr lvl="1"/>
-            <a:r>
-              <a:rPr lang="en-US" smtClean="0"/>
-              <a:t>Second level</a:t>
-            </a:r>
-          </a:p>
-          <a:p>
-            <a:pPr lvl="2"/>
-            <a:r>
-              <a:rPr lang="en-US" smtClean="0"/>
-              <a:t>Third level</a:t>
-            </a:r>
-          </a:p>
-          <a:p>
-            <a:pPr lvl="3"/>
-            <a:r>
-              <a:rPr lang="en-US" smtClean="0"/>
-              <a:t>Fourth level</a:t>
-            </a:r>
-          </a:p>
-          <a:p>
-            <a:pPr lvl="4"/>
-            <a:r>
-              <a:rPr lang="en-US" smtClean="0"/>
-              <a:t>Fifth level</a:t>
-            </a:r>
-            <a:endParaRPr lang="en-US"/>
-          </a:p>
-        </p:txBody>
-      </p:sp>
-      <p:sp>
-        <p:nvSpPr>
-          <p:cNvPr id="4" name="Date Placeholder 3"/>
-          <p:cNvSpPr>
-            <a:spLocks noGrp="1"/>
-          </p:cNvSpPr>
-          <p:nvPr>
-            <p:ph type="dt" sz="half" idx="2"/>
-          </p:nvPr>
-        </p:nvSpPr>
-        <p:spPr>
-          <a:xfrm>
-            <a:off x="838200" y="6356350"/>
-            <a:ext cx="2743200" cy="365125"/>
+          <a:solidFill>
+            <a:srgbClr val="000000">
+              <a:alpha val="100000"/>
+            </a:srgbClr>
+          </a:solidFill>
+          <a:ln w="50800" cap="rnd" cmpd="thickThin" algn="ctr">
+            <a:noFill/>
+            <a:prstDash val="solid"/>
+          </a:ln>
+          <a:effectLst/>
+        </p:spPr>
+        <p:style>
+          <a:lnRef idx="3">
+            <a:schemeClr val="lt1"/>
+          </a:lnRef>
+          <a:fillRef idx="1">
+            <a:schemeClr val="accent1"/>
+          </a:fillRef>
+          <a:effectRef idx="1">
+            <a:schemeClr val="accent1"/>
+          </a:effectRef>
+          <a:fontRef idx="minor">
+            <a:schemeClr val="lt1"/>
+          </a:fontRef>
+        </p:style>
+        <p:txBody>
+          <a:bodyPr anchor="ctr"/>
+          <a:lstStyle>
+            <a:extLst/>
+          </a:lstStyle>
+          <a:p>
+            <a:pPr algn="ctr" eaLnBrk="1" latinLnBrk="0" hangingPunct="1"/>
+            <a:endParaRPr kumimoji="0" lang="en-US" dirty="0"/>
+          </a:p>
+        </p:txBody>
+      </p:sp>
+      <p:sp>
+        <p:nvSpPr>
+          <p:cNvPr id="16" name="Rectangle 15"/>
+          <p:cNvSpPr/>
+          <p:nvPr/>
+        </p:nvSpPr>
+        <p:spPr>
+          <a:xfrm>
+            <a:off x="333360" y="680477"/>
+            <a:ext cx="12192" cy="365760"/>
           </a:xfrm>
           <a:prstGeom prst="rect">
             <a:avLst/>
           </a:prstGeom>
-        </p:spPr>
-        <p:txBody>
-          <a:bodyPr vert="horz" lIns="91440" tIns="45720" rIns="91440" bIns="45720" rtlCol="0" anchor="ctr"/>
-          <a:lstStyle>
-            <a:lvl1pPr algn="l">
-              <a:defRPr sz="1200">
-                <a:solidFill>
-                  <a:schemeClr val="tx1">
-                    <a:tint val="75000"/>
-                  </a:schemeClr>
-                </a:solidFill>
-              </a:defRPr>
-            </a:lvl1pPr>
-          </a:lstStyle>
-          <a:p>
-            <a:fld id="{EEB31411-81DA-416F-953C-825CF1EE9A76}" type="datetimeFigureOut">
-              <a:rPr lang="en-US" smtClean="0"/>
-              <a:pPr/>
-              <a:t>4/3/2014</a:t>
-            </a:fld>
-            <a:endParaRPr lang="en-US"/>
-          </a:p>
-        </p:txBody>
-      </p:sp>
-      <p:sp>
-        <p:nvSpPr>
-          <p:cNvPr id="5" name="Footer Placeholder 4"/>
-          <p:cNvSpPr>
-            <a:spLocks noGrp="1"/>
-          </p:cNvSpPr>
-          <p:nvPr>
-            <p:ph type="ftr" sz="quarter" idx="3"/>
-          </p:nvPr>
-        </p:nvSpPr>
-        <p:spPr>
-          <a:xfrm>
-            <a:off x="4038600" y="6356350"/>
-            <a:ext cx="4114800" cy="365125"/>
+          <a:solidFill>
+            <a:srgbClr val="000000">
+              <a:alpha val="100000"/>
+            </a:srgbClr>
+          </a:solidFill>
+          <a:ln w="50800" cap="rnd" cmpd="thickThin" algn="ctr">
+            <a:noFill/>
+            <a:prstDash val="solid"/>
+          </a:ln>
+          <a:effectLst/>
+        </p:spPr>
+        <p:style>
+          <a:lnRef idx="3">
+            <a:schemeClr val="lt1"/>
+          </a:lnRef>
+          <a:fillRef idx="1">
+            <a:schemeClr val="accent1"/>
+          </a:fillRef>
+          <a:effectRef idx="1">
+            <a:schemeClr val="accent1"/>
+          </a:effectRef>
+          <a:fontRef idx="minor">
+            <a:schemeClr val="lt1"/>
+          </a:fontRef>
+        </p:style>
+        <p:txBody>
+          <a:bodyPr anchor="ctr"/>
+          <a:lstStyle>
+            <a:extLst/>
+          </a:lstStyle>
+          <a:p>
+            <a:pPr algn="ctr" eaLnBrk="1" latinLnBrk="0" hangingPunct="1"/>
+            <a:endParaRPr kumimoji="0" lang="en-US"/>
+          </a:p>
+        </p:txBody>
+      </p:sp>
+      <p:sp>
+        <p:nvSpPr>
+          <p:cNvPr id="17" name="Rectangle 16"/>
+          <p:cNvSpPr/>
+          <p:nvPr/>
+        </p:nvSpPr>
+        <p:spPr>
+          <a:xfrm>
+            <a:off x="295691" y="680477"/>
+            <a:ext cx="12192" cy="365760"/>
           </a:xfrm>
           <a:prstGeom prst="rect">
             <a:avLst/>
           </a:prstGeom>
-        </p:spPr>
-        <p:txBody>
-          <a:bodyPr vert="horz" lIns="91440" tIns="45720" rIns="91440" bIns="45720" rtlCol="0" anchor="ctr"/>
-          <a:lstStyle>
-            <a:lvl1pPr algn="ctr">
-              <a:defRPr sz="1200">
-                <a:solidFill>
-                  <a:schemeClr val="tx1">
-                    <a:tint val="75000"/>
-                  </a:schemeClr>
-                </a:solidFill>
-              </a:defRPr>
-            </a:lvl1pPr>
-          </a:lstStyle>
-          <a:p>
-            <a:endParaRPr lang="en-US"/>
-          </a:p>
-        </p:txBody>
-      </p:sp>
-      <p:sp>
-        <p:nvSpPr>
-          <p:cNvPr id="6" name="Slide Number Placeholder 5"/>
+          <a:solidFill>
+            <a:srgbClr val="000000">
+              <a:alpha val="100000"/>
+            </a:srgbClr>
+          </a:solidFill>
+          <a:ln w="50800" cap="rnd" cmpd="thickThin" algn="ctr">
+            <a:noFill/>
+            <a:prstDash val="solid"/>
+          </a:ln>
+          <a:effectLst/>
+        </p:spPr>
+        <p:style>
+          <a:lnRef idx="3">
+            <a:schemeClr val="lt1"/>
+          </a:lnRef>
+          <a:fillRef idx="1">
+            <a:schemeClr val="accent1"/>
+          </a:fillRef>
+          <a:effectRef idx="1">
+            <a:schemeClr val="accent1"/>
+          </a:effectRef>
+          <a:fontRef idx="minor">
+            <a:schemeClr val="lt1"/>
+          </a:fontRef>
+        </p:style>
+        <p:txBody>
+          <a:bodyPr anchor="ctr"/>
+          <a:lstStyle>
+            <a:extLst/>
+          </a:lstStyle>
+          <a:p>
+            <a:pPr algn="ctr" eaLnBrk="1" latinLnBrk="0" hangingPunct="1"/>
+            <a:endParaRPr kumimoji="0" lang="en-US" dirty="0"/>
+          </a:p>
+        </p:txBody>
+      </p:sp>
+      <p:sp>
+        <p:nvSpPr>
+          <p:cNvPr id="22" name="Title Placeholder 21"/>
           <p:cNvSpPr>
             <a:spLocks noGrp="1"/>
           </p:cNvSpPr>
           <p:nvPr>
-            <p:ph type="sldNum" sz="quarter" idx="4"/>
-          </p:nvPr>
-        </p:nvSpPr>
-        <p:spPr>
-          <a:xfrm>
-            <a:off x="8610600" y="6356350"/>
-            <a:ext cx="2743200" cy="365125"/>
+            <p:ph type="title"/>
+          </p:nvPr>
+        </p:nvSpPr>
+        <p:spPr>
+          <a:xfrm>
+            <a:off x="514350" y="512064"/>
+            <a:ext cx="11068050" cy="914400"/>
           </a:xfrm>
           <a:prstGeom prst="rect">
             <a:avLst/>
           </a:prstGeom>
         </p:spPr>
         <p:txBody>
-          <a:bodyPr vert="horz" lIns="91440" tIns="45720" rIns="91440" bIns="45720" rtlCol="0" anchor="ctr"/>
-          <a:lstStyle>
-            <a:lvl1pPr algn="r">
-              <a:defRPr sz="1200">
-                <a:solidFill>
-                  <a:schemeClr val="tx1">
-                    <a:tint val="75000"/>
-                  </a:schemeClr>
-                </a:solidFill>
-              </a:defRPr>
-            </a:lvl1pPr>
-          </a:lstStyle>
-          <a:p>
-            <a:fld id="{822A2284-31DD-42B7-BEA1-C7950499E459}" type="slidenum">
-              <a:rPr lang="en-US" smtClean="0"/>
-              <a:pPr/>
-              <a:t>‹#›</a:t>
-            </a:fld>
-            <a:endParaRPr lang="en-US"/>
+          <a:bodyPr vert="horz" anchor="t">
+            <a:noAutofit/>
+          </a:bodyPr>
+          <a:lstStyle>
+            <a:extLst/>
+          </a:lstStyle>
+          <a:p>
+            <a:r>
+              <a:rPr kumimoji="0" lang="en-US" smtClean="0"/>
+              <a:t>Click to edit Master title style</a:t>
+            </a:r>
+            <a:endParaRPr kumimoji="0" lang="en-US"/>
+          </a:p>
+        </p:txBody>
+      </p:sp>
+      <p:sp>
+        <p:nvSpPr>
+          <p:cNvPr id="13" name="Text Placeholder 12"/>
+          <p:cNvSpPr>
+            <a:spLocks noGrp="1"/>
+          </p:cNvSpPr>
+          <p:nvPr>
+            <p:ph type="body" idx="1"/>
+          </p:nvPr>
+        </p:nvSpPr>
+        <p:spPr>
+          <a:xfrm>
+            <a:off x="533400" y="1783560"/>
+            <a:ext cx="11049000" cy="4572000"/>
+          </a:xfrm>
+          <a:prstGeom prst="rect">
+            <a:avLst/>
+          </a:prstGeom>
+        </p:spPr>
+        <p:txBody>
+          <a:bodyPr vert="horz">
+            <a:normAutofit/>
+          </a:bodyPr>
+          <a:lstStyle>
+            <a:extLst/>
+          </a:lstStyle>
+          <a:p>
+            <a:pPr lvl="0" eaLnBrk="1" latinLnBrk="0" hangingPunct="1"/>
+            <a:r>
+              <a:rPr kumimoji="0" lang="en-US" dirty="0" smtClean="0"/>
+              <a:t>Click to edit Master text styles</a:t>
+            </a:r>
+          </a:p>
+          <a:p>
+            <a:pPr lvl="1" eaLnBrk="1" latinLnBrk="0" hangingPunct="1"/>
+            <a:r>
+              <a:rPr kumimoji="0" lang="en-US" dirty="0" smtClean="0"/>
+              <a:t>Second level</a:t>
+            </a:r>
+          </a:p>
+          <a:p>
+            <a:pPr lvl="2" eaLnBrk="1" latinLnBrk="0" hangingPunct="1"/>
+            <a:r>
+              <a:rPr kumimoji="0" lang="en-US" dirty="0" smtClean="0"/>
+              <a:t>Third level</a:t>
+            </a:r>
+          </a:p>
+          <a:p>
+            <a:pPr lvl="3" eaLnBrk="1" latinLnBrk="0" hangingPunct="1"/>
+            <a:r>
+              <a:rPr kumimoji="0" lang="en-US" dirty="0" smtClean="0"/>
+              <a:t>Fourth level</a:t>
+            </a:r>
+          </a:p>
+          <a:p>
+            <a:pPr lvl="4" eaLnBrk="1" latinLnBrk="0" hangingPunct="1"/>
+            <a:r>
+              <a:rPr kumimoji="0" lang="en-US" dirty="0" smtClean="0"/>
+              <a:t>Fifth level</a:t>
+            </a:r>
+            <a:endParaRPr kumimoji="0" lang="en-US" dirty="0"/>
           </a:p>
         </p:txBody>
       </p:sp>
     </p:spTree>
-    <p:extLst>
-      <p:ext uri="{BB962C8B-B14F-4D97-AF65-F5344CB8AC3E}">
-        <p14:creationId xmlns:p14="http://schemas.microsoft.com/office/powerpoint/2010/main" xmlns="" val="1670662988"/>
-      </p:ext>
-    </p:extLst>
   </p:cSld>
-  <p:clrMap bg1="lt1" tx1="dk1" bg2="lt2" tx2="dk2" accent1="accent1" accent2="accent2" accent3="accent3" accent4="accent4" accent5="accent5" accent6="accent6" hlink="hlink" folHlink="folHlink"/>
+  <p:clrMap bg1="dk1" tx1="lt1" bg2="dk2" tx2="lt2" accent1="accent1" accent2="accent2" accent3="accent3" accent4="accent4" accent5="accent5" accent6="accent6" hlink="hlink" folHlink="folHlink"/>
   <p:sldLayoutIdLst>
-    <p:sldLayoutId id="2147483679" r:id="rId1"/>
-    <p:sldLayoutId id="2147483680" r:id="rId2"/>
-    <p:sldLayoutId id="2147483681" r:id="rId3"/>
-    <p:sldLayoutId id="2147483682" r:id="rId4"/>
-    <p:sldLayoutId id="2147483683" r:id="rId5"/>
-    <p:sldLayoutId id="2147483684" r:id="rId6"/>
-    <p:sldLayoutId id="2147483685" r:id="rId7"/>
-    <p:sldLayoutId id="2147483686" r:id="rId8"/>
-    <p:sldLayoutId id="2147483687" r:id="rId9"/>
-    <p:sldLayoutId id="2147483688" r:id="rId10"/>
-    <p:sldLayoutId id="2147483689" r:id="rId11"/>
+    <p:sldLayoutId id="2147483715" r:id="rId1"/>
+    <p:sldLayoutId id="2147483716" r:id="rId2"/>
+    <p:sldLayoutId id="2147483717" r:id="rId3"/>
+    <p:sldLayoutId id="2147483718" r:id="rId4"/>
+    <p:sldLayoutId id="2147483719" r:id="rId5"/>
+    <p:sldLayoutId id="2147483720" r:id="rId6"/>
+    <p:sldLayoutId id="2147483721" r:id="rId7"/>
+    <p:sldLayoutId id="2147483722" r:id="rId8"/>
+    <p:sldLayoutId id="2147483723" r:id="rId9"/>
+    <p:sldLayoutId id="2147483724" r:id="rId10"/>
+    <p:sldLayoutId id="2147483725" r:id="rId11"/>
   </p:sldLayoutIdLst>
   <p:txStyles>
     <p:titleStyle>
-      <a:lvl1pPr algn="l" defTabSz="914400" rtl="0" eaLnBrk="1" latinLnBrk="0" hangingPunct="1">
-        <a:lnSpc>
-          <a:spcPct val="90000"/>
-        </a:lnSpc>
+      <a:lvl1pPr algn="l" rtl="0" eaLnBrk="1" latinLnBrk="0" hangingPunct="1">
         <a:spcBef>
           <a:spcPct val="0"/>
         </a:spcBef>
         <a:buNone/>
-        <a:defRPr sz="4400" kern="1200">
+        <a:defRPr kumimoji="0" sz="4000" kern="1200" spc="-100" baseline="0">
           <a:solidFill>
-            <a:schemeClr val="tx1"/>
+            <a:schemeClr val="tx2">
+              <a:satMod val="200000"/>
+            </a:schemeClr>
           </a:solidFill>
           <a:latin typeface="+mj-lt"/>
           <a:ea typeface="+mj-ea"/>
           <a:cs typeface="+mj-cs"/>
         </a:defRPr>
       </a:lvl1pPr>
+      <a:extLst/>
     </p:titleStyle>
     <p:bodyStyle>
-      <a:lvl1pPr marL="228600" indent="-228600" algn="l" defTabSz="914400" rtl="0" eaLnBrk="1" latinLnBrk="0" hangingPunct="1">
-        <a:lnSpc>
-          <a:spcPct val="90000"/>
-        </a:lnSpc>
+      <a:lvl1pPr marL="411480" indent="-342900" algn="l" rtl="0" eaLnBrk="1" latinLnBrk="0" hangingPunct="1">
         <a:spcBef>
-          <a:spcPts val="1000"/>
+          <a:spcPts val="700"/>
         </a:spcBef>
-        <a:buFont typeface="Arial" panose="020B0604020202020204" pitchFamily="34" charset="0"/>
-        <a:buChar char="•"/>
-        <a:defRPr sz="2800" kern="1200">
+        <a:buClr>
+          <a:schemeClr val="tx2"/>
+        </a:buClr>
+        <a:buSzPct val="95000"/>
+        <a:buFont typeface="Wingdings"/>
+        <a:buChar char=""/>
+        <a:defRPr kumimoji="0" sz="3000" kern="1200">
           <a:solidFill>
             <a:schemeClr val="tx1"/>
           </a:solidFill>
@@ -2754,16 +5773,17 @@
           <a:cs typeface="+mn-cs"/>
         </a:defRPr>
       </a:lvl1pPr>
-      <a:lvl2pPr marL="685800" indent="-228600" algn="l" defTabSz="914400" rtl="0" eaLnBrk="1" latinLnBrk="0" hangingPunct="1">
-        <a:lnSpc>
-          <a:spcPct val="90000"/>
-        </a:lnSpc>
+      <a:lvl2pPr marL="740664" indent="-285750" algn="l" rtl="0" eaLnBrk="1" latinLnBrk="0" hangingPunct="1">
         <a:spcBef>
-          <a:spcPts val="500"/>
+          <a:spcPct val="20000"/>
         </a:spcBef>
-        <a:buFont typeface="Arial" panose="020B0604020202020204" pitchFamily="34" charset="0"/>
-        <a:buChar char="•"/>
-        <a:defRPr sz="2400" kern="1200">
+        <a:buClr>
+          <a:schemeClr val="accent2"/>
+        </a:buClr>
+        <a:buSzPct val="90000"/>
+        <a:buFont typeface="Wingdings"/>
+        <a:buChar char=""/>
+        <a:defRPr kumimoji="0" sz="2600" kern="1200">
           <a:solidFill>
             <a:schemeClr val="tx1"/>
           </a:solidFill>
@@ -2772,16 +5792,16 @@
           <a:cs typeface="+mn-cs"/>
         </a:defRPr>
       </a:lvl2pPr>
-      <a:lvl3pPr marL="1143000" indent="-228600" algn="l" defTabSz="914400" rtl="0" eaLnBrk="1" latinLnBrk="0" hangingPunct="1">
-        <a:lnSpc>
-          <a:spcPct val="90000"/>
-        </a:lnSpc>
+      <a:lvl3pPr marL="996696" indent="-228600" algn="l" rtl="0" eaLnBrk="1" latinLnBrk="0" hangingPunct="1">
         <a:spcBef>
-          <a:spcPts val="500"/>
+          <a:spcPct val="20000"/>
         </a:spcBef>
-        <a:buFont typeface="Arial" panose="020B0604020202020204" pitchFamily="34" charset="0"/>
-        <a:buChar char="•"/>
-        <a:defRPr sz="2000" kern="1200">
+        <a:buClr>
+          <a:schemeClr val="accent2"/>
+        </a:buClr>
+        <a:buFont typeface="Wingdings 2"/>
+        <a:buChar char=""/>
+        <a:defRPr kumimoji="0" sz="2400" kern="1200">
           <a:solidFill>
             <a:schemeClr val="tx1"/>
           </a:solidFill>
@@ -2790,16 +5810,16 @@
           <a:cs typeface="+mn-cs"/>
         </a:defRPr>
       </a:lvl3pPr>
-      <a:lvl4pPr marL="1600200" indent="-228600" algn="l" defTabSz="914400" rtl="0" eaLnBrk="1" latinLnBrk="0" hangingPunct="1">
-        <a:lnSpc>
-          <a:spcPct val="90000"/>
-        </a:lnSpc>
+      <a:lvl4pPr marL="1261872" indent="-228600" algn="l" rtl="0" eaLnBrk="1" latinLnBrk="0" hangingPunct="1">
         <a:spcBef>
-          <a:spcPts val="500"/>
+          <a:spcPct val="20000"/>
         </a:spcBef>
-        <a:buFont typeface="Arial" panose="020B0604020202020204" pitchFamily="34" charset="0"/>
-        <a:buChar char="•"/>
-        <a:defRPr sz="1800" kern="1200">
+        <a:buClr>
+          <a:schemeClr val="accent3"/>
+        </a:buClr>
+        <a:buFont typeface="Wingdings 3"/>
+        <a:buChar char=""/>
+        <a:defRPr kumimoji="0" sz="2200" kern="1200">
           <a:solidFill>
             <a:schemeClr val="tx1"/>
           </a:solidFill>
@@ -2808,16 +5828,16 @@
           <a:cs typeface="+mn-cs"/>
         </a:defRPr>
       </a:lvl4pPr>
-      <a:lvl5pPr marL="2057400" indent="-228600" algn="l" defTabSz="914400" rtl="0" eaLnBrk="1" latinLnBrk="0" hangingPunct="1">
-        <a:lnSpc>
-          <a:spcPct val="90000"/>
-        </a:lnSpc>
+      <a:lvl5pPr marL="1481328" indent="-210312" algn="l" rtl="0" eaLnBrk="1" latinLnBrk="0" hangingPunct="1">
         <a:spcBef>
-          <a:spcPts val="500"/>
+          <a:spcPct val="20000"/>
         </a:spcBef>
-        <a:buFont typeface="Arial" panose="020B0604020202020204" pitchFamily="34" charset="0"/>
-        <a:buChar char="•"/>
-        <a:defRPr sz="1800" kern="1200">
+        <a:buClr>
+          <a:schemeClr val="accent3"/>
+        </a:buClr>
+        <a:buFont typeface="Wingdings 2"/>
+        <a:buChar char=""/>
+        <a:defRPr kumimoji="0" sz="2000" kern="1200">
           <a:solidFill>
             <a:schemeClr val="tx1"/>
           </a:solidFill>
@@ -2826,16 +5846,16 @@
           <a:cs typeface="+mn-cs"/>
         </a:defRPr>
       </a:lvl5pPr>
-      <a:lvl6pPr marL="2514600" indent="-228600" algn="l" defTabSz="914400" rtl="0" eaLnBrk="1" latinLnBrk="0" hangingPunct="1">
-        <a:lnSpc>
-          <a:spcPct val="90000"/>
-        </a:lnSpc>
+      <a:lvl6pPr marL="1709928" indent="-210312" algn="l" rtl="0" eaLnBrk="1" latinLnBrk="0" hangingPunct="1">
         <a:spcBef>
-          <a:spcPts val="500"/>
+          <a:spcPct val="20000"/>
         </a:spcBef>
-        <a:buFont typeface="Arial" panose="020B0604020202020204" pitchFamily="34" charset="0"/>
-        <a:buChar char="•"/>
-        <a:defRPr sz="1800" kern="1200">
+        <a:buClr>
+          <a:schemeClr val="accent3"/>
+        </a:buClr>
+        <a:buFont typeface="Wingdings 2"/>
+        <a:buChar char=""/>
+        <a:defRPr kumimoji="0" sz="1800" kern="1200">
           <a:solidFill>
             <a:schemeClr val="tx1"/>
           </a:solidFill>
@@ -2844,16 +5864,16 @@
           <a:cs typeface="+mn-cs"/>
         </a:defRPr>
       </a:lvl6pPr>
-      <a:lvl7pPr marL="2971800" indent="-228600" algn="l" defTabSz="914400" rtl="0" eaLnBrk="1" latinLnBrk="0" hangingPunct="1">
-        <a:lnSpc>
-          <a:spcPct val="90000"/>
-        </a:lnSpc>
+      <a:lvl7pPr marL="1901952" indent="-182880" algn="l" rtl="0" eaLnBrk="1" latinLnBrk="0" hangingPunct="1">
         <a:spcBef>
-          <a:spcPts val="500"/>
+          <a:spcPct val="20000"/>
         </a:spcBef>
-        <a:buFont typeface="Arial" panose="020B0604020202020204" pitchFamily="34" charset="0"/>
-        <a:buChar char="•"/>
-        <a:defRPr sz="1800" kern="1200">
+        <a:buClr>
+          <a:schemeClr val="accent4"/>
+        </a:buClr>
+        <a:buFont typeface="Wingdings 2"/>
+        <a:buChar char=""/>
+        <a:defRPr kumimoji="0" sz="1600" kern="1200">
           <a:solidFill>
             <a:schemeClr val="tx1"/>
           </a:solidFill>
@@ -2862,16 +5882,16 @@
           <a:cs typeface="+mn-cs"/>
         </a:defRPr>
       </a:lvl7pPr>
-      <a:lvl8pPr marL="3429000" indent="-228600" algn="l" defTabSz="914400" rtl="0" eaLnBrk="1" latinLnBrk="0" hangingPunct="1">
-        <a:lnSpc>
-          <a:spcPct val="90000"/>
-        </a:lnSpc>
+      <a:lvl8pPr marL="2093976" indent="-182880" algn="l" rtl="0" eaLnBrk="1" latinLnBrk="0" hangingPunct="1">
         <a:spcBef>
-          <a:spcPts val="500"/>
+          <a:spcPct val="20000"/>
         </a:spcBef>
-        <a:buFont typeface="Arial" panose="020B0604020202020204" pitchFamily="34" charset="0"/>
-        <a:buChar char="•"/>
-        <a:defRPr sz="1800" kern="1200">
+        <a:buClr>
+          <a:schemeClr val="accent4"/>
+        </a:buClr>
+        <a:buFont typeface="Wingdings 2"/>
+        <a:buChar char=""/>
+        <a:defRPr kumimoji="0" sz="1600" kern="1200">
           <a:solidFill>
             <a:schemeClr val="tx1"/>
           </a:solidFill>
@@ -2880,16 +5900,16 @@
           <a:cs typeface="+mn-cs"/>
         </a:defRPr>
       </a:lvl8pPr>
-      <a:lvl9pPr marL="3886200" indent="-228600" algn="l" defTabSz="914400" rtl="0" eaLnBrk="1" latinLnBrk="0" hangingPunct="1">
-        <a:lnSpc>
-          <a:spcPct val="90000"/>
-        </a:lnSpc>
+      <a:lvl9pPr marL="2286000" indent="-182880" algn="l" rtl="0" eaLnBrk="1" latinLnBrk="0" hangingPunct="1">
         <a:spcBef>
-          <a:spcPts val="500"/>
+          <a:spcPct val="20000"/>
         </a:spcBef>
-        <a:buFont typeface="Arial" panose="020B0604020202020204" pitchFamily="34" charset="0"/>
-        <a:buChar char="•"/>
-        <a:defRPr sz="1800" kern="1200">
+        <a:buClr>
+          <a:schemeClr val="accent4"/>
+        </a:buClr>
+        <a:buFont typeface="Wingdings 2"/>
+        <a:buChar char=""/>
+        <a:defRPr kumimoji="0" sz="1600" kern="1200">
           <a:solidFill>
             <a:schemeClr val="tx1"/>
           </a:solidFill>
@@ -2898,13 +5918,11 @@
           <a:cs typeface="+mn-cs"/>
         </a:defRPr>
       </a:lvl9pPr>
+      <a:extLst/>
     </p:bodyStyle>
     <p:otherStyle>
-      <a:defPPr>
-        <a:defRPr lang="en-US"/>
-      </a:defPPr>
-      <a:lvl1pPr marL="0" algn="l" defTabSz="914400" rtl="0" eaLnBrk="1" latinLnBrk="0" hangingPunct="1">
-        <a:defRPr sz="1800" kern="1200">
+      <a:lvl1pPr marL="0" algn="l" rtl="0" eaLnBrk="1" latinLnBrk="0" hangingPunct="1">
+        <a:defRPr kumimoji="0" kern="1200">
           <a:solidFill>
             <a:schemeClr val="tx1"/>
           </a:solidFill>
@@ -2913,8 +5931,8 @@
           <a:cs typeface="+mn-cs"/>
         </a:defRPr>
       </a:lvl1pPr>
-      <a:lvl2pPr marL="457200" algn="l" defTabSz="914400" rtl="0" eaLnBrk="1" latinLnBrk="0" hangingPunct="1">
-        <a:defRPr sz="1800" kern="1200">
+      <a:lvl2pPr marL="457200" algn="l" rtl="0" eaLnBrk="1" latinLnBrk="0" hangingPunct="1">
+        <a:defRPr kumimoji="0" kern="1200">
           <a:solidFill>
             <a:schemeClr val="tx1"/>
           </a:solidFill>
@@ -2923,8 +5941,8 @@
           <a:cs typeface="+mn-cs"/>
         </a:defRPr>
       </a:lvl2pPr>
-      <a:lvl3pPr marL="914400" algn="l" defTabSz="914400" rtl="0" eaLnBrk="1" latinLnBrk="0" hangingPunct="1">
-        <a:defRPr sz="1800" kern="1200">
+      <a:lvl3pPr marL="914400" algn="l" rtl="0" eaLnBrk="1" latinLnBrk="0" hangingPunct="1">
+        <a:defRPr kumimoji="0" kern="1200">
           <a:solidFill>
             <a:schemeClr val="tx1"/>
           </a:solidFill>
@@ -2933,8 +5951,8 @@
           <a:cs typeface="+mn-cs"/>
         </a:defRPr>
       </a:lvl3pPr>
-      <a:lvl4pPr marL="1371600" algn="l" defTabSz="914400" rtl="0" eaLnBrk="1" latinLnBrk="0" hangingPunct="1">
-        <a:defRPr sz="1800" kern="1200">
+      <a:lvl4pPr marL="1371600" algn="l" rtl="0" eaLnBrk="1" latinLnBrk="0" hangingPunct="1">
+        <a:defRPr kumimoji="0" kern="1200">
           <a:solidFill>
             <a:schemeClr val="tx1"/>
           </a:solidFill>
@@ -2943,8 +5961,8 @@
           <a:cs typeface="+mn-cs"/>
         </a:defRPr>
       </a:lvl4pPr>
-      <a:lvl5pPr marL="1828800" algn="l" defTabSz="914400" rtl="0" eaLnBrk="1" latinLnBrk="0" hangingPunct="1">
-        <a:defRPr sz="1800" kern="1200">
+      <a:lvl5pPr marL="1828800" algn="l" rtl="0" eaLnBrk="1" latinLnBrk="0" hangingPunct="1">
+        <a:defRPr kumimoji="0" kern="1200">
           <a:solidFill>
             <a:schemeClr val="tx1"/>
           </a:solidFill>
@@ -2953,8 +5971,8 @@
           <a:cs typeface="+mn-cs"/>
         </a:defRPr>
       </a:lvl5pPr>
-      <a:lvl6pPr marL="2286000" algn="l" defTabSz="914400" rtl="0" eaLnBrk="1" latinLnBrk="0" hangingPunct="1">
-        <a:defRPr sz="1800" kern="1200">
+      <a:lvl6pPr marL="2286000" algn="l" rtl="0" eaLnBrk="1" latinLnBrk="0" hangingPunct="1">
+        <a:defRPr kumimoji="0" kern="1200">
           <a:solidFill>
             <a:schemeClr val="tx1"/>
           </a:solidFill>
@@ -2963,8 +5981,8 @@
           <a:cs typeface="+mn-cs"/>
         </a:defRPr>
       </a:lvl6pPr>
-      <a:lvl7pPr marL="2743200" algn="l" defTabSz="914400" rtl="0" eaLnBrk="1" latinLnBrk="0" hangingPunct="1">
-        <a:defRPr sz="1800" kern="1200">
+      <a:lvl7pPr marL="2743200" algn="l" rtl="0" eaLnBrk="1" latinLnBrk="0" hangingPunct="1">
+        <a:defRPr kumimoji="0" kern="1200">
           <a:solidFill>
             <a:schemeClr val="tx1"/>
           </a:solidFill>
@@ -2973,8 +5991,8 @@
           <a:cs typeface="+mn-cs"/>
         </a:defRPr>
       </a:lvl7pPr>
-      <a:lvl8pPr marL="3200400" algn="l" defTabSz="914400" rtl="0" eaLnBrk="1" latinLnBrk="0" hangingPunct="1">
-        <a:defRPr sz="1800" kern="1200">
+      <a:lvl8pPr marL="3200400" algn="l" rtl="0" eaLnBrk="1" latinLnBrk="0" hangingPunct="1">
+        <a:defRPr kumimoji="0" kern="1200">
           <a:solidFill>
             <a:schemeClr val="tx1"/>
           </a:solidFill>
@@ -2983,8 +6001,8 @@
           <a:cs typeface="+mn-cs"/>
         </a:defRPr>
       </a:lvl8pPr>
-      <a:lvl9pPr marL="3657600" algn="l" defTabSz="914400" rtl="0" eaLnBrk="1" latinLnBrk="0" hangingPunct="1">
-        <a:defRPr sz="1800" kern="1200">
+      <a:lvl9pPr marL="3657600" algn="l" rtl="0" eaLnBrk="1" latinLnBrk="0" hangingPunct="1">
+        <a:defRPr kumimoji="0" kern="1200">
           <a:solidFill>
             <a:schemeClr val="tx1"/>
           </a:solidFill>
@@ -2993,6 +6011,7 @@
           <a:cs typeface="+mn-cs"/>
         </a:defRPr>
       </a:lvl9pPr>
+      <a:extLst/>
     </p:otherStyle>
   </p:txStyles>
 </p:sldMaster>
@@ -3152,22 +6171,42 @@
         </p:blipFill>
         <p:spPr>
           <a:xfrm>
-            <a:off x="1893010" y="339724"/>
+            <a:off x="1893011" y="339724"/>
             <a:ext cx="8470189" cy="6256033"/>
           </a:xfrm>
           <a:prstGeom prst="rect">
             <a:avLst/>
           </a:prstGeom>
-          <a:ln>
-            <a:noFill/>
+          <a:solidFill>
+            <a:srgbClr val="FFFFFF">
+              <a:shade val="85000"/>
+            </a:srgbClr>
+          </a:solidFill>
+          <a:ln w="88900" cap="sq">
+            <a:solidFill>
+              <a:srgbClr val="FFFFFF"/>
+            </a:solidFill>
+            <a:miter lim="800000"/>
           </a:ln>
           <a:effectLst>
-            <a:outerShdw blurRad="292100" dist="139700" dir="2700000" algn="tl" rotWithShape="0">
-              <a:srgbClr val="333333">
-                <a:alpha val="65000"/>
+            <a:outerShdw blurRad="55000" dist="18000" dir="5400000" algn="tl" rotWithShape="0">
+              <a:srgbClr val="000000">
+                <a:alpha val="40000"/>
               </a:srgbClr>
             </a:outerShdw>
           </a:effectLst>
+          <a:scene3d>
+            <a:camera prst="orthographicFront"/>
+            <a:lightRig rig="twoPt" dir="t">
+              <a:rot lat="0" lon="0" rev="7200000"/>
+            </a:lightRig>
+          </a:scene3d>
+          <a:sp3d>
+            <a:bevelT w="25400" h="19050"/>
+            <a:contourClr>
+              <a:srgbClr val="FFFFFF"/>
+            </a:contourClr>
+          </a:sp3d>
         </p:spPr>
       </p:pic>
     </p:spTree>
@@ -3204,50 +6243,12 @@
       </p:grpSpPr>
       <p:sp>
         <p:nvSpPr>
-          <p:cNvPr id="2" name="Title 1"/>
+          <p:cNvPr id="2" name="ชื่อเรื่อง 1"/>
           <p:cNvSpPr>
             <a:spLocks noGrp="1"/>
           </p:cNvSpPr>
           <p:nvPr>
-            <p:ph type="ctrTitle"/>
-          </p:nvPr>
-        </p:nvSpPr>
-        <p:spPr/>
-        <p:txBody>
-          <a:bodyPr>
-            <a:normAutofit/>
-          </a:bodyPr>
-          <a:lstStyle/>
-          <a:p>
-            <a:r>
-              <a:rPr lang="th-TH" sz="6600" b="1" dirty="0">
-                <a:latin typeface="TH SarabunPSK" panose="020B0500040200020003" pitchFamily="34" charset="-34"/>
-                <a:cs typeface="TH SarabunPSK" panose="020B0500040200020003" pitchFamily="34" charset="-34"/>
-              </a:rPr>
-              <a:t>สร้างหรือแก้ไข</a:t>
-            </a:r>
-            <a:r>
-              <a:rPr lang="th-TH" sz="6600" b="1" dirty="0" smtClean="0">
-                <a:latin typeface="TH SarabunPSK" panose="020B0500040200020003" pitchFamily="34" charset="-34"/>
-                <a:cs typeface="TH SarabunPSK" panose="020B0500040200020003" pitchFamily="34" charset="-34"/>
-              </a:rPr>
-              <a:t>กิจกรรม</a:t>
-            </a:r>
-            <a:endParaRPr lang="en-US" sz="6600" b="1" dirty="0">
-              <a:latin typeface="TH SarabunPSK" panose="020B0500040200020003" pitchFamily="34" charset="-34"/>
-              <a:cs typeface="TH SarabunPSK" panose="020B0500040200020003" pitchFamily="34" charset="-34"/>
-            </a:endParaRPr>
-          </a:p>
-        </p:txBody>
-      </p:sp>
-      <p:sp>
-        <p:nvSpPr>
-          <p:cNvPr id="4" name="Subtitle 3"/>
-          <p:cNvSpPr>
-            <a:spLocks noGrp="1"/>
-          </p:cNvSpPr>
-          <p:nvPr>
-            <p:ph type="subTitle" idx="1"/>
+            <p:ph type="title"/>
           </p:nvPr>
         </p:nvSpPr>
         <p:spPr/>
@@ -3255,16 +6256,55 @@
           <a:bodyPr/>
           <a:lstStyle/>
           <a:p>
-            <a:endParaRPr lang="en-US"/>
-          </a:p>
-        </p:txBody>
-      </p:sp>
+            <a:endParaRPr lang="th-TH"/>
+          </a:p>
+        </p:txBody>
+      </p:sp>
+      <p:pic>
+        <p:nvPicPr>
+          <p:cNvPr id="4" name="ตัวยึดเนื้อหา 3" descr="th140.png"/>
+          <p:cNvPicPr>
+            <a:picLocks noGrp="1" noChangeAspect="1"/>
+          </p:cNvPicPr>
+          <p:nvPr>
+            <p:ph idx="1"/>
+          </p:nvPr>
+        </p:nvPicPr>
+        <p:blipFill>
+          <a:blip r:embed="rId2"/>
+          <a:stretch>
+            <a:fillRect/>
+          </a:stretch>
+        </p:blipFill>
+        <p:spPr>
+          <a:xfrm>
+            <a:off x="1931111" y="282574"/>
+            <a:ext cx="8470189" cy="6256033"/>
+          </a:xfrm>
+          <a:prstGeom prst="rect">
+            <a:avLst/>
+          </a:prstGeom>
+          <a:solidFill>
+            <a:srgbClr val="FFFFFF">
+              <a:shade val="85000"/>
+            </a:srgbClr>
+          </a:solidFill>
+          <a:ln w="88900" cap="sq">
+            <a:solidFill>
+              <a:srgbClr val="FFFFFF"/>
+            </a:solidFill>
+            <a:miter lim="800000"/>
+          </a:ln>
+          <a:effectLst>
+            <a:outerShdw blurRad="55000" dist="18000" dir="5400000" algn="tl" rotWithShape="0">
+              <a:srgbClr val="000000">
+                <a:alpha val="40000"/>
+              </a:srgbClr>
+            </a:outerShdw>
+          </a:effectLst>
+        </p:spPr>
+      </p:pic>
     </p:spTree>
-    <p:extLst>
-      <p:ext uri="{BB962C8B-B14F-4D97-AF65-F5344CB8AC3E}">
-        <p14:creationId xmlns:p14="http://schemas.microsoft.com/office/powerpoint/2010/main" xmlns="" val="4167141818"/>
-      </p:ext>
-    </p:extLst>
   </p:cSld>
   <p:clrMapOvr>
     <a:masterClrMapping/>
@@ -3303,7 +6343,7 @@
             <a:spLocks noGrp="1"/>
           </p:cNvSpPr>
           <p:nvPr>
-            <p:ph type="title"/>
+            <p:ph type="ctrTitle"/>
           </p:nvPr>
         </p:nvSpPr>
         <p:spPr/>
@@ -3314,65 +6354,49 @@
           <a:lstStyle/>
           <a:p>
             <a:r>
-              <a:rPr lang="th-TH" sz="6000" b="1" dirty="0">
+              <a:rPr lang="th-TH" sz="6600" b="1" dirty="0">
                 <a:latin typeface="TH SarabunPSK" panose="020B0500040200020003" pitchFamily="34" charset="-34"/>
                 <a:cs typeface="TH SarabunPSK" panose="020B0500040200020003" pitchFamily="34" charset="-34"/>
               </a:rPr>
-              <a:t>สร้างกิจกรรม</a:t>
-            </a:r>
-            <a:endParaRPr lang="en-US" sz="6000" b="1" dirty="0">
+              <a:t>สร้างหรือแก้ไข</a:t>
+            </a:r>
+            <a:r>
+              <a:rPr lang="th-TH" sz="6600" b="1" dirty="0" smtClean="0">
+                <a:latin typeface="TH SarabunPSK" panose="020B0500040200020003" pitchFamily="34" charset="-34"/>
+                <a:cs typeface="TH SarabunPSK" panose="020B0500040200020003" pitchFamily="34" charset="-34"/>
+              </a:rPr>
+              <a:t>กิจกรรม</a:t>
+            </a:r>
+            <a:endParaRPr lang="en-US" sz="6600" b="1" dirty="0">
               <a:latin typeface="TH SarabunPSK" panose="020B0500040200020003" pitchFamily="34" charset="-34"/>
               <a:cs typeface="TH SarabunPSK" panose="020B0500040200020003" pitchFamily="34" charset="-34"/>
             </a:endParaRPr>
           </a:p>
         </p:txBody>
       </p:sp>
-      <p:pic>
-        <p:nvPicPr>
-          <p:cNvPr id="5" name="Content Placeholder 4"/>
-          <p:cNvPicPr>
-            <a:picLocks noGrp="1" noChangeAspect="1"/>
-          </p:cNvPicPr>
-          <p:nvPr>
-            <p:ph idx="1"/>
-          </p:nvPr>
-        </p:nvPicPr>
-        <p:blipFill>
-          <a:blip r:embed="rId2">
-            <a:extLst>
-              <a:ext uri="{28A0092B-C50C-407E-A947-70E740481C1C}">
-                <a14:useLocalDpi xmlns:a14="http://schemas.microsoft.com/office/drawing/2010/main" xmlns="" val="0"/>
-              </a:ext>
-            </a:extLst>
-          </a:blip>
-          <a:stretch>
-            <a:fillRect/>
-          </a:stretch>
-        </p:blipFill>
-        <p:spPr>
-          <a:xfrm>
-            <a:off x="2593486" y="1825625"/>
-            <a:ext cx="7005028" cy="4351338"/>
-          </a:xfrm>
-          <a:prstGeom prst="rect">
-            <a:avLst/>
-          </a:prstGeom>
-          <a:ln>
-            <a:noFill/>
-          </a:ln>
-          <a:effectLst>
-            <a:outerShdw blurRad="292100" dist="139700" dir="2700000" algn="tl" rotWithShape="0">
-              <a:srgbClr val="333333">
-                <a:alpha val="65000"/>
-              </a:srgbClr>
-            </a:outerShdw>
-          </a:effectLst>
-        </p:spPr>
-      </p:pic>
+      <p:sp>
+        <p:nvSpPr>
+          <p:cNvPr id="4" name="Subtitle 3"/>
+          <p:cNvSpPr>
+            <a:spLocks noGrp="1"/>
+          </p:cNvSpPr>
+          <p:nvPr>
+            <p:ph type="subTitle" idx="1"/>
+          </p:nvPr>
+        </p:nvSpPr>
+        <p:spPr/>
+        <p:txBody>
+          <a:bodyPr/>
+          <a:lstStyle/>
+          <a:p>
+            <a:endParaRPr lang="en-US"/>
+          </a:p>
+        </p:txBody>
+      </p:sp>
     </p:spTree>
     <p:extLst>
       <p:ext uri="{BB962C8B-B14F-4D97-AF65-F5344CB8AC3E}">
-        <p14:creationId xmlns:p14="http://schemas.microsoft.com/office/powerpoint/2010/main" xmlns="" val="2081943511"/>
+        <p14:creationId xmlns:p14="http://schemas.microsoft.com/office/powerpoint/2010/main" xmlns="" val="4167141818"/>
       </p:ext>
     </p:extLst>
   </p:cSld>
@@ -3419,7 +6443,7 @@
         <p:spPr/>
         <p:txBody>
           <a:bodyPr>
-            <a:normAutofit/>
+            <a:normAutofit fontScale="90000"/>
           </a:bodyPr>
           <a:lstStyle/>
           <a:p>
@@ -3428,7 +6452,7 @@
                 <a:latin typeface="TH SarabunPSK" panose="020B0500040200020003" pitchFamily="34" charset="-34"/>
                 <a:cs typeface="TH SarabunPSK" panose="020B0500040200020003" pitchFamily="34" charset="-34"/>
               </a:rPr>
-              <a:t>เพิ่มผู้เข้าร่วมกิจกรรม</a:t>
+              <a:t>สร้างกิจกรรม</a:t>
             </a:r>
             <a:endParaRPr lang="en-US" sz="6000" b="1" dirty="0">
               <a:latin typeface="TH SarabunPSK" panose="020B0500040200020003" pitchFamily="34" charset="-34"/>
@@ -3439,7 +6463,7 @@
       </p:sp>
       <p:pic>
         <p:nvPicPr>
-          <p:cNvPr id="4" name="Content Placeholder 3"/>
+          <p:cNvPr id="5" name="Content Placeholder 4"/>
           <p:cNvPicPr>
             <a:picLocks noGrp="1" noChangeAspect="1"/>
           </p:cNvPicPr>
@@ -3461,8 +6485,8 @@
         </p:blipFill>
         <p:spPr>
           <a:xfrm>
-            <a:off x="4657905" y="2001294"/>
-            <a:ext cx="2876190" cy="4000000"/>
+            <a:off x="2720668" y="1784350"/>
+            <a:ext cx="7360263" cy="4572000"/>
           </a:xfrm>
           <a:prstGeom prst="rect">
             <a:avLst/>
@@ -3482,7 +6506,7 @@
     </p:spTree>
     <p:extLst>
       <p:ext uri="{BB962C8B-B14F-4D97-AF65-F5344CB8AC3E}">
-        <p14:creationId xmlns:p14="http://schemas.microsoft.com/office/powerpoint/2010/main" xmlns="" val="239656287"/>
+        <p14:creationId xmlns:p14="http://schemas.microsoft.com/office/powerpoint/2010/main" xmlns="" val="2081943511"/>
       </p:ext>
     </p:extLst>
   </p:cSld>
@@ -3529,7 +6553,7 @@
         <p:spPr/>
         <p:txBody>
           <a:bodyPr>
-            <a:normAutofit/>
+            <a:normAutofit fontScale="90000"/>
           </a:bodyPr>
           <a:lstStyle/>
           <a:p>
@@ -3538,7 +6562,7 @@
                 <a:latin typeface="TH SarabunPSK" panose="020B0500040200020003" pitchFamily="34" charset="-34"/>
                 <a:cs typeface="TH SarabunPSK" panose="020B0500040200020003" pitchFamily="34" charset="-34"/>
               </a:rPr>
-              <a:t>การแจ้งเตือนและการแจ้งให้ทราบ</a:t>
+              <a:t>เพิ่มผู้เข้าร่วมกิจกรรม</a:t>
             </a:r>
             <a:endParaRPr lang="en-US" sz="6000" b="1" dirty="0">
               <a:latin typeface="TH SarabunPSK" panose="020B0500040200020003" pitchFamily="34" charset="-34"/>
@@ -3571,8 +6595,8 @@
         </p:blipFill>
         <p:spPr>
           <a:xfrm>
-            <a:off x="2400488" y="2448768"/>
-            <a:ext cx="7668330" cy="1989882"/>
+            <a:off x="4962704" y="2070350"/>
+            <a:ext cx="2876191" cy="4000000"/>
           </a:xfrm>
           <a:prstGeom prst="rect">
             <a:avLst/>
@@ -3592,7 +6616,7 @@
     </p:spTree>
     <p:extLst>
       <p:ext uri="{BB962C8B-B14F-4D97-AF65-F5344CB8AC3E}">
-        <p14:creationId xmlns:p14="http://schemas.microsoft.com/office/powerpoint/2010/main" xmlns="" val="4078668987"/>
+        <p14:creationId xmlns:p14="http://schemas.microsoft.com/office/powerpoint/2010/main" xmlns="" val="239656287"/>
       </p:ext>
     </p:extLst>
   </p:cSld>
@@ -3639,7 +6663,7 @@
         <p:spPr/>
         <p:txBody>
           <a:bodyPr>
-            <a:normAutofit/>
+            <a:normAutofit fontScale="90000"/>
           </a:bodyPr>
           <a:lstStyle/>
           <a:p>
@@ -3648,7 +6672,7 @@
                 <a:latin typeface="TH SarabunPSK" panose="020B0500040200020003" pitchFamily="34" charset="-34"/>
                 <a:cs typeface="TH SarabunPSK" panose="020B0500040200020003" pitchFamily="34" charset="-34"/>
               </a:rPr>
-              <a:t>สร้างหรือแก้ไขปฏิทิน</a:t>
+              <a:t>การแจ้งเตือนและการแจ้งให้ทราบ</a:t>
             </a:r>
             <a:endParaRPr lang="en-US" sz="6000" b="1" dirty="0">
               <a:latin typeface="TH SarabunPSK" panose="020B0500040200020003" pitchFamily="34" charset="-34"/>
@@ -3681,8 +6705,8 @@
         </p:blipFill>
         <p:spPr>
           <a:xfrm>
-            <a:off x="2593486" y="1825625"/>
-            <a:ext cx="7005028" cy="4351338"/>
+            <a:off x="2400488" y="2448768"/>
+            <a:ext cx="7668331" cy="1989882"/>
           </a:xfrm>
           <a:prstGeom prst="rect">
             <a:avLst/>
@@ -3702,7 +6726,7 @@
     </p:spTree>
     <p:extLst>
       <p:ext uri="{BB962C8B-B14F-4D97-AF65-F5344CB8AC3E}">
-        <p14:creationId xmlns:p14="http://schemas.microsoft.com/office/powerpoint/2010/main" xmlns="" val="3382266659"/>
+        <p14:creationId xmlns:p14="http://schemas.microsoft.com/office/powerpoint/2010/main" xmlns="" val="4078668987"/>
       </p:ext>
     </p:extLst>
   </p:cSld>
@@ -3749,24 +6773,16 @@
         <p:spPr/>
         <p:txBody>
           <a:bodyPr>
-            <a:normAutofit/>
+            <a:normAutofit fontScale="90000"/>
           </a:bodyPr>
           <a:lstStyle/>
           <a:p>
-            <a:pPr lvl="0"/>
             <a:r>
               <a:rPr lang="th-TH" sz="6000" b="1" dirty="0">
                 <a:latin typeface="TH SarabunPSK" panose="020B0500040200020003" pitchFamily="34" charset="-34"/>
                 <a:cs typeface="TH SarabunPSK" panose="020B0500040200020003" pitchFamily="34" charset="-34"/>
               </a:rPr>
-              <a:t>แบ่งปัน</a:t>
-            </a:r>
-            <a:r>
-              <a:rPr lang="th-TH" sz="6000" b="1" dirty="0" smtClean="0">
-                <a:latin typeface="TH SarabunPSK" panose="020B0500040200020003" pitchFamily="34" charset="-34"/>
-                <a:cs typeface="TH SarabunPSK" panose="020B0500040200020003" pitchFamily="34" charset="-34"/>
-              </a:rPr>
-              <a:t>ปฏิทิน</a:t>
+              <a:t>สร้างหรือแก้ไขปฏิทิน</a:t>
             </a:r>
             <a:endParaRPr lang="en-US" sz="6000" b="1" dirty="0">
               <a:latin typeface="TH SarabunPSK" panose="020B0500040200020003" pitchFamily="34" charset="-34"/>
@@ -3777,7 +6793,7 @@
       </p:sp>
       <p:pic>
         <p:nvPicPr>
-          <p:cNvPr id="6" name="Content Placeholder 5"/>
+          <p:cNvPr id="4" name="Content Placeholder 3"/>
           <p:cNvPicPr>
             <a:picLocks noGrp="1" noChangeAspect="1"/>
           </p:cNvPicPr>
@@ -3799,8 +6815,8 @@
         </p:blipFill>
         <p:spPr>
           <a:xfrm>
-            <a:off x="1343619" y="3196532"/>
-            <a:ext cx="9504762" cy="1609524"/>
+            <a:off x="2720668" y="1784350"/>
+            <a:ext cx="7360263" cy="4572000"/>
           </a:xfrm>
           <a:prstGeom prst="rect">
             <a:avLst/>
@@ -3820,7 +6836,7 @@
     </p:spTree>
     <p:extLst>
       <p:ext uri="{BB962C8B-B14F-4D97-AF65-F5344CB8AC3E}">
-        <p14:creationId xmlns:p14="http://schemas.microsoft.com/office/powerpoint/2010/main" xmlns="" val="2519363631"/>
+        <p14:creationId xmlns:p14="http://schemas.microsoft.com/office/powerpoint/2010/main" xmlns="" val="3382266659"/>
       </p:ext>
     </p:extLst>
   </p:cSld>
@@ -3861,53 +6877,114 @@
             <a:spLocks noGrp="1"/>
           </p:cNvSpPr>
           <p:nvPr>
-            <p:ph type="ctrTitle"/>
+            <p:ph type="title"/>
           </p:nvPr>
         </p:nvSpPr>
         <p:spPr/>
         <p:txBody>
           <a:bodyPr>
-            <a:normAutofit/>
+            <a:normAutofit fontScale="90000"/>
           </a:bodyPr>
           <a:lstStyle/>
           <a:p>
-            <a:r>
-              <a:rPr lang="th-TH" sz="6600" b="1" dirty="0">
+            <a:pPr lvl="0"/>
+            <a:r>
+              <a:rPr lang="th-TH" sz="6000" b="1" dirty="0">
                 <a:latin typeface="TH SarabunPSK" panose="020B0500040200020003" pitchFamily="34" charset="-34"/>
                 <a:cs typeface="TH SarabunPSK" panose="020B0500040200020003" pitchFamily="34" charset="-34"/>
               </a:rPr>
-              <a:t>การนำเข้า การส่งออก หรือซิงค์ ปฏิทิน</a:t>
-            </a:r>
-            <a:endParaRPr lang="en-US" sz="6600" b="1" dirty="0">
+              <a:t>แบ่งปัน</a:t>
+            </a:r>
+            <a:r>
+              <a:rPr lang="th-TH" sz="6000" b="1" dirty="0" smtClean="0">
+                <a:latin typeface="TH SarabunPSK" panose="020B0500040200020003" pitchFamily="34" charset="-34"/>
+                <a:cs typeface="TH SarabunPSK" panose="020B0500040200020003" pitchFamily="34" charset="-34"/>
+              </a:rPr>
+              <a:t>ปฏิทิน</a:t>
+            </a:r>
+            <a:endParaRPr lang="en-US" sz="6000" b="1" dirty="0">
               <a:latin typeface="TH SarabunPSK" panose="020B0500040200020003" pitchFamily="34" charset="-34"/>
               <a:cs typeface="TH SarabunPSK" panose="020B0500040200020003" pitchFamily="34" charset="-34"/>
             </a:endParaRPr>
           </a:p>
         </p:txBody>
       </p:sp>
-      <p:sp>
-        <p:nvSpPr>
-          <p:cNvPr id="3" name="Subtitle 2"/>
-          <p:cNvSpPr>
-            <a:spLocks noGrp="1"/>
-          </p:cNvSpPr>
-          <p:nvPr>
-            <p:ph type="subTitle" idx="1"/>
-          </p:nvPr>
-        </p:nvSpPr>
-        <p:spPr/>
-        <p:txBody>
-          <a:bodyPr/>
+      <p:pic>
+        <p:nvPicPr>
+          <p:cNvPr id="6" name="Content Placeholder 5"/>
+          <p:cNvPicPr>
+            <a:picLocks noGrp="1" noChangeAspect="1"/>
+          </p:cNvPicPr>
+          <p:nvPr>
+            <p:ph idx="1"/>
+          </p:nvPr>
+        </p:nvPicPr>
+        <p:blipFill>
+          <a:blip r:embed="rId2">
+            <a:extLst>
+              <a:ext uri="{28A0092B-C50C-407E-A947-70E740481C1C}">
+                <a14:useLocalDpi xmlns:a14="http://schemas.microsoft.com/office/drawing/2010/main" xmlns="" val="0"/>
+              </a:ext>
+            </a:extLst>
+          </a:blip>
+          <a:stretch>
+            <a:fillRect/>
+          </a:stretch>
+        </p:blipFill>
+        <p:spPr>
+          <a:xfrm>
+            <a:off x="638768" y="1855888"/>
+            <a:ext cx="11314674" cy="1916012"/>
+          </a:xfrm>
+          <a:prstGeom prst="rect">
+            <a:avLst/>
+          </a:prstGeom>
+          <a:ln>
+            <a:noFill/>
+          </a:ln>
+          <a:effectLst>
+            <a:outerShdw blurRad="292100" dist="139700" dir="2700000" algn="tl" rotWithShape="0">
+              <a:srgbClr val="333333">
+                <a:alpha val="65000"/>
+              </a:srgbClr>
+            </a:outerShdw>
+          </a:effectLst>
+        </p:spPr>
+      </p:pic>
+      <p:sp>
+        <p:nvSpPr>
+          <p:cNvPr id="4" name="TextBox 3"/>
+          <p:cNvSpPr txBox="1"/>
+          <p:nvPr/>
+        </p:nvSpPr>
+        <p:spPr>
+          <a:xfrm>
+            <a:off x="2171700" y="4552950"/>
+            <a:ext cx="1238250" cy="369332"/>
+          </a:xfrm>
+          <a:prstGeom prst="rect">
+            <a:avLst/>
+          </a:prstGeom>
+          <a:noFill/>
+        </p:spPr>
+        <p:txBody>
+          <a:bodyPr wrap="square" rtlCol="0">
+            <a:spAutoFit/>
+          </a:bodyPr>
           <a:lstStyle/>
           <a:p>
-            <a:endParaRPr lang="en-US"/>
+            <a:r>
+              <a:rPr lang="th-TH" dirty="0" smtClean="0"/>
+              <a:t>สิทธ์</a:t>
+            </a:r>
+            <a:endParaRPr lang="th-TH" dirty="0"/>
           </a:p>
         </p:txBody>
       </p:sp>
     </p:spTree>
     <p:extLst>
       <p:ext uri="{BB962C8B-B14F-4D97-AF65-F5344CB8AC3E}">
-        <p14:creationId xmlns:p14="http://schemas.microsoft.com/office/powerpoint/2010/main" xmlns="" val="2585912091"/>
+        <p14:creationId xmlns:p14="http://schemas.microsoft.com/office/powerpoint/2010/main" xmlns="" val="2519363631"/>
       </p:ext>
     </p:extLst>
   </p:cSld>
@@ -3948,7 +7025,7 @@
             <a:spLocks noGrp="1"/>
           </p:cNvSpPr>
           <p:nvPr>
-            <p:ph type="title"/>
+            <p:ph type="ctrTitle"/>
           </p:nvPr>
         </p:nvSpPr>
         <p:spPr/>
@@ -3959,65 +7036,42 @@
           <a:lstStyle/>
           <a:p>
             <a:r>
-              <a:rPr lang="th-TH" sz="6000" b="1" dirty="0">
+              <a:rPr lang="th-TH" sz="6600" b="1" dirty="0">
                 <a:latin typeface="TH SarabunPSK" panose="020B0500040200020003" pitchFamily="34" charset="-34"/>
                 <a:cs typeface="TH SarabunPSK" panose="020B0500040200020003" pitchFamily="34" charset="-34"/>
               </a:rPr>
-              <a:t>การนำเข้าข้อมูลปฏิทินจากแหล่งข้อมูลอื่น</a:t>
-            </a:r>
-            <a:endParaRPr lang="en-US" sz="6000" b="1" dirty="0">
+              <a:t>การนำเข้า การส่งออก หรือซิงค์ ปฏิทิน</a:t>
+            </a:r>
+            <a:endParaRPr lang="en-US" sz="6600" b="1" dirty="0">
               <a:latin typeface="TH SarabunPSK" panose="020B0500040200020003" pitchFamily="34" charset="-34"/>
               <a:cs typeface="TH SarabunPSK" panose="020B0500040200020003" pitchFamily="34" charset="-34"/>
             </a:endParaRPr>
           </a:p>
         </p:txBody>
       </p:sp>
-      <p:pic>
-        <p:nvPicPr>
-          <p:cNvPr id="4" name="Content Placeholder 3"/>
-          <p:cNvPicPr>
-            <a:picLocks noGrp="1" noChangeAspect="1"/>
-          </p:cNvPicPr>
-          <p:nvPr>
-            <p:ph idx="1"/>
-          </p:nvPr>
-        </p:nvPicPr>
-        <p:blipFill>
-          <a:blip r:embed="rId2">
-            <a:extLst>
-              <a:ext uri="{28A0092B-C50C-407E-A947-70E740481C1C}">
-                <a14:useLocalDpi xmlns:a14="http://schemas.microsoft.com/office/drawing/2010/main" xmlns="" val="0"/>
-              </a:ext>
-            </a:extLst>
-          </a:blip>
-          <a:stretch>
-            <a:fillRect/>
-          </a:stretch>
-        </p:blipFill>
-        <p:spPr>
-          <a:xfrm>
-            <a:off x="2593486" y="1825625"/>
-            <a:ext cx="7005028" cy="4351338"/>
-          </a:xfrm>
-          <a:prstGeom prst="rect">
-            <a:avLst/>
-          </a:prstGeom>
-          <a:ln>
-            <a:noFill/>
-          </a:ln>
-          <a:effectLst>
-            <a:outerShdw blurRad="292100" dist="139700" dir="2700000" algn="tl" rotWithShape="0">
-              <a:srgbClr val="333333">
-                <a:alpha val="65000"/>
-              </a:srgbClr>
-            </a:outerShdw>
-          </a:effectLst>
-        </p:spPr>
-      </p:pic>
+      <p:sp>
+        <p:nvSpPr>
+          <p:cNvPr id="3" name="Subtitle 2"/>
+          <p:cNvSpPr>
+            <a:spLocks noGrp="1"/>
+          </p:cNvSpPr>
+          <p:nvPr>
+            <p:ph type="subTitle" idx="1"/>
+          </p:nvPr>
+        </p:nvSpPr>
+        <p:spPr/>
+        <p:txBody>
+          <a:bodyPr/>
+          <a:lstStyle/>
+          <a:p>
+            <a:endParaRPr lang="en-US"/>
+          </a:p>
+        </p:txBody>
+      </p:sp>
     </p:spTree>
     <p:extLst>
       <p:ext uri="{BB962C8B-B14F-4D97-AF65-F5344CB8AC3E}">
-        <p14:creationId xmlns:p14="http://schemas.microsoft.com/office/powerpoint/2010/main" xmlns="" val="1939372069"/>
+        <p14:creationId xmlns:p14="http://schemas.microsoft.com/office/powerpoint/2010/main" xmlns="" val="2585912091"/>
       </p:ext>
     </p:extLst>
   </p:cSld>
@@ -4064,7 +7118,7 @@
         <p:spPr/>
         <p:txBody>
           <a:bodyPr>
-            <a:noAutofit/>
+            <a:normAutofit fontScale="90000"/>
           </a:bodyPr>
           <a:lstStyle/>
           <a:p>
@@ -4073,7 +7127,7 @@
                 <a:latin typeface="TH SarabunPSK" panose="020B0500040200020003" pitchFamily="34" charset="-34"/>
                 <a:cs typeface="TH SarabunPSK" panose="020B0500040200020003" pitchFamily="34" charset="-34"/>
               </a:rPr>
-              <a:t>การซิงค์ข้อมูลปฏิทินกับโปรแกรมบนเครื่องคอมพิวเตอร์</a:t>
+              <a:t>การนำเข้าข้อมูลปฏิทินจากแหล่งข้อมูลอื่น</a:t>
             </a:r>
             <a:endParaRPr lang="en-US" sz="6000" b="1" dirty="0">
               <a:latin typeface="TH SarabunPSK" panose="020B0500040200020003" pitchFamily="34" charset="-34"/>
@@ -4106,8 +7160,8 @@
         </p:blipFill>
         <p:spPr>
           <a:xfrm>
-            <a:off x="1861546" y="2034107"/>
-            <a:ext cx="8468907" cy="3934374"/>
+            <a:off x="2720668" y="1784350"/>
+            <a:ext cx="7360263" cy="4572000"/>
           </a:xfrm>
           <a:prstGeom prst="rect">
             <a:avLst/>
@@ -4127,7 +7181,7 @@
     </p:spTree>
     <p:extLst>
       <p:ext uri="{BB962C8B-B14F-4D97-AF65-F5344CB8AC3E}">
-        <p14:creationId xmlns:p14="http://schemas.microsoft.com/office/powerpoint/2010/main" xmlns="" val="908138130"/>
+        <p14:creationId xmlns:p14="http://schemas.microsoft.com/office/powerpoint/2010/main" xmlns="" val="1939372069"/>
       </p:ext>
     </p:extLst>
   </p:cSld>
@@ -4168,66 +7222,71 @@
             <a:spLocks noGrp="1"/>
           </p:cNvSpPr>
           <p:nvPr>
-            <p:ph type="ctrTitle"/>
+            <p:ph type="title"/>
           </p:nvPr>
         </p:nvSpPr>
         <p:spPr/>
         <p:txBody>
-          <a:bodyPr>
-            <a:normAutofit/>
-          </a:bodyPr>
+          <a:bodyPr/>
           <a:lstStyle/>
           <a:p>
-            <a:r>
-              <a:rPr lang="th-TH" sz="6600" b="1" dirty="0" smtClean="0">
+            <a:endParaRPr lang="th-TH" dirty="0"/>
+          </a:p>
+        </p:txBody>
+      </p:sp>
+      <p:sp>
+        <p:nvSpPr>
+          <p:cNvPr id="3" name="Content Placeholder 2"/>
+          <p:cNvSpPr>
+            <a:spLocks noGrp="1"/>
+          </p:cNvSpPr>
+          <p:nvPr>
+            <p:ph idx="1"/>
+          </p:nvPr>
+        </p:nvSpPr>
+        <p:spPr/>
+        <p:txBody>
+          <a:bodyPr/>
+          <a:lstStyle/>
+          <a:p>
+            <a:r>
+              <a:rPr lang="th-TH" dirty="0" smtClean="0"/>
+              <a:t>จัดการกิจกรรม</a:t>
+            </a:r>
+          </a:p>
+          <a:p>
+            <a:r>
+              <a:rPr lang="th-TH" dirty="0" smtClean="0"/>
+              <a:t>จัดการปฏิทิน</a:t>
+            </a:r>
+          </a:p>
+          <a:p>
+            <a:r>
+              <a:rPr lang="th-TH" dirty="0" smtClean="0"/>
+              <a:t>การ</a:t>
+            </a:r>
+            <a:r>
+              <a:rPr lang="th-TH" sz="3200" b="1" dirty="0" smtClean="0">
                 <a:latin typeface="TH SarabunPSK" panose="020B0500040200020003" pitchFamily="34" charset="-34"/>
                 <a:cs typeface="TH SarabunPSK" panose="020B0500040200020003" pitchFamily="34" charset="-34"/>
               </a:rPr>
-              <a:t>เริ่มต้นใช้งาน</a:t>
-            </a:r>
-            <a:endParaRPr lang="en-US" sz="6600" b="1" dirty="0">
-              <a:latin typeface="TH SarabunPSK" panose="020B0500040200020003" pitchFamily="34" charset="-34"/>
-              <a:cs typeface="TH SarabunPSK" panose="020B0500040200020003" pitchFamily="34" charset="-34"/>
-            </a:endParaRPr>
-          </a:p>
-        </p:txBody>
-      </p:sp>
-      <p:sp>
-        <p:nvSpPr>
-          <p:cNvPr id="6" name="Subtitle 5"/>
-          <p:cNvSpPr>
-            <a:spLocks noGrp="1"/>
-          </p:cNvSpPr>
-          <p:nvPr>
-            <p:ph type="subTitle" idx="1"/>
-          </p:nvPr>
-        </p:nvSpPr>
-        <p:spPr/>
-        <p:txBody>
-          <a:bodyPr/>
-          <a:lstStyle/>
-          <a:p>
-            <a:endParaRPr lang="en-US"/>
+              <a:t>แบ่งปันปฏิทิน</a:t>
+            </a:r>
+            <a:endParaRPr lang="th-TH" dirty="0" smtClean="0"/>
+          </a:p>
+          <a:p>
+            <a:r>
+              <a:rPr lang="th-TH" dirty="0" smtClean="0"/>
+              <a:t>การใช้งานผ่านอุปกรณ์เคลื่อนที่</a:t>
+            </a:r>
           </a:p>
         </p:txBody>
       </p:sp>
     </p:spTree>
-    <p:extLst>
-      <p:ext uri="{BB962C8B-B14F-4D97-AF65-F5344CB8AC3E}">
-        <p14:creationId xmlns:p14="http://schemas.microsoft.com/office/powerpoint/2010/main" xmlns="" val="1065843145"/>
-      </p:ext>
-    </p:extLst>
   </p:cSld>
   <p:clrMapOvr>
     <a:masterClrMapping/>
   </p:clrMapOvr>
-  <p:timing>
-    <p:tnLst>
-      <p:par>
-        <p:cTn id="1" dur="indefinite" restart="never" nodeType="tmRoot"/>
-      </p:par>
-    </p:tnLst>
-  </p:timing>
 </p:sld>
 </file>
 
@@ -4261,7 +7320,7 @@
         <p:spPr/>
         <p:txBody>
           <a:bodyPr>
-            <a:normAutofit/>
+            <a:noAutofit/>
           </a:bodyPr>
           <a:lstStyle/>
           <a:p>
@@ -4270,7 +7329,7 @@
                 <a:latin typeface="TH SarabunPSK" panose="020B0500040200020003" pitchFamily="34" charset="-34"/>
                 <a:cs typeface="TH SarabunPSK" panose="020B0500040200020003" pitchFamily="34" charset="-34"/>
               </a:rPr>
-              <a:t>การซิงค์ข้อมูลปฏิทินกับอุปกรณ์พกพา</a:t>
+              <a:t>การซิงค์ข้อมูลปฏิทินกับโปรแกรมบนเครื่องคอมพิวเตอร์</a:t>
             </a:r>
             <a:endParaRPr lang="en-US" sz="6000" b="1" dirty="0">
               <a:latin typeface="TH SarabunPSK" panose="020B0500040200020003" pitchFamily="34" charset="-34"/>
@@ -4303,8 +7362,8 @@
         </p:blipFill>
         <p:spPr>
           <a:xfrm>
-            <a:off x="4571787" y="3005792"/>
-            <a:ext cx="3048425" cy="1991003"/>
+            <a:off x="2166346" y="2103163"/>
+            <a:ext cx="8468908" cy="3934374"/>
           </a:xfrm>
           <a:prstGeom prst="rect">
             <a:avLst/>
@@ -4324,7 +7383,7 @@
     </p:spTree>
     <p:extLst>
       <p:ext uri="{BB962C8B-B14F-4D97-AF65-F5344CB8AC3E}">
-        <p14:creationId xmlns:p14="http://schemas.microsoft.com/office/powerpoint/2010/main" xmlns="" val="116213839"/>
+        <p14:creationId xmlns:p14="http://schemas.microsoft.com/office/powerpoint/2010/main" xmlns="" val="908138130"/>
       </p:ext>
     </p:extLst>
   </p:cSld>
@@ -4365,53 +7424,76 @@
             <a:spLocks noGrp="1"/>
           </p:cNvSpPr>
           <p:nvPr>
-            <p:ph type="ctrTitle"/>
+            <p:ph type="title"/>
           </p:nvPr>
         </p:nvSpPr>
         <p:spPr/>
         <p:txBody>
           <a:bodyPr>
-            <a:normAutofit/>
+            <a:normAutofit fontScale="90000"/>
           </a:bodyPr>
           <a:lstStyle/>
           <a:p>
             <a:r>
-              <a:rPr lang="th-TH" sz="6600" b="1" dirty="0">
+              <a:rPr lang="th-TH" sz="6000" b="1" dirty="0">
                 <a:latin typeface="TH SarabunPSK" panose="020B0500040200020003" pitchFamily="34" charset="-34"/>
                 <a:cs typeface="TH SarabunPSK" panose="020B0500040200020003" pitchFamily="34" charset="-34"/>
               </a:rPr>
-              <a:t>การตั้งค่า</a:t>
-            </a:r>
-            <a:endParaRPr lang="en-US" sz="6600" b="1" dirty="0">
+              <a:t>การซิงค์ข้อมูลปฏิทินกับอุปกรณ์พกพา</a:t>
+            </a:r>
+            <a:endParaRPr lang="en-US" sz="6000" b="1" dirty="0">
               <a:latin typeface="TH SarabunPSK" panose="020B0500040200020003" pitchFamily="34" charset="-34"/>
               <a:cs typeface="TH SarabunPSK" panose="020B0500040200020003" pitchFamily="34" charset="-34"/>
             </a:endParaRPr>
           </a:p>
         </p:txBody>
       </p:sp>
-      <p:sp>
-        <p:nvSpPr>
-          <p:cNvPr id="4" name="Subtitle 3"/>
-          <p:cNvSpPr>
-            <a:spLocks noGrp="1"/>
-          </p:cNvSpPr>
-          <p:nvPr>
-            <p:ph type="subTitle" idx="1"/>
-          </p:nvPr>
-        </p:nvSpPr>
-        <p:spPr/>
-        <p:txBody>
-          <a:bodyPr/>
-          <a:lstStyle/>
-          <a:p>
-            <a:endParaRPr lang="en-US"/>
-          </a:p>
-        </p:txBody>
-      </p:sp>
+      <p:pic>
+        <p:nvPicPr>
+          <p:cNvPr id="4" name="Content Placeholder 3"/>
+          <p:cNvPicPr>
+            <a:picLocks noGrp="1" noChangeAspect="1"/>
+          </p:cNvPicPr>
+          <p:nvPr>
+            <p:ph idx="1"/>
+          </p:nvPr>
+        </p:nvPicPr>
+        <p:blipFill>
+          <a:blip r:embed="rId2">
+            <a:extLst>
+              <a:ext uri="{28A0092B-C50C-407E-A947-70E740481C1C}">
+                <a14:useLocalDpi xmlns:a14="http://schemas.microsoft.com/office/drawing/2010/main" xmlns="" val="0"/>
+              </a:ext>
+            </a:extLst>
+          </a:blip>
+          <a:stretch>
+            <a:fillRect/>
+          </a:stretch>
+        </p:blipFill>
+        <p:spPr>
+          <a:xfrm>
+            <a:off x="4876587" y="3074848"/>
+            <a:ext cx="3048426" cy="1991003"/>
+          </a:xfrm>
+          <a:prstGeom prst="rect">
+            <a:avLst/>
+          </a:prstGeom>
+          <a:ln>
+            <a:noFill/>
+          </a:ln>
+          <a:effectLst>
+            <a:outerShdw blurRad="292100" dist="139700" dir="2700000" algn="tl" rotWithShape="0">
+              <a:srgbClr val="333333">
+                <a:alpha val="65000"/>
+              </a:srgbClr>
+            </a:outerShdw>
+          </a:effectLst>
+        </p:spPr>
+      </p:pic>
     </p:spTree>
     <p:extLst>
       <p:ext uri="{BB962C8B-B14F-4D97-AF65-F5344CB8AC3E}">
-        <p14:creationId xmlns:p14="http://schemas.microsoft.com/office/powerpoint/2010/main" xmlns="" val="1542339723"/>
+        <p14:creationId xmlns:p14="http://schemas.microsoft.com/office/powerpoint/2010/main" xmlns="" val="116213839"/>
       </p:ext>
     </p:extLst>
   </p:cSld>
@@ -4452,7 +7534,7 @@
             <a:spLocks noGrp="1"/>
           </p:cNvSpPr>
           <p:nvPr>
-            <p:ph type="title"/>
+            <p:ph type="ctrTitle"/>
           </p:nvPr>
         </p:nvSpPr>
         <p:spPr/>
@@ -4463,65 +7545,42 @@
           <a:lstStyle/>
           <a:p>
             <a:r>
-              <a:rPr lang="th-TH" sz="6000" b="1" dirty="0">
+              <a:rPr lang="th-TH" sz="6600" b="1" dirty="0">
                 <a:latin typeface="TH SarabunPSK" panose="020B0500040200020003" pitchFamily="34" charset="-34"/>
                 <a:cs typeface="TH SarabunPSK" panose="020B0500040200020003" pitchFamily="34" charset="-34"/>
               </a:rPr>
-              <a:t>การตั้งค่าต่างๆ</a:t>
-            </a:r>
-            <a:endParaRPr lang="en-US" sz="6000" b="1" dirty="0">
+              <a:t>การตั้งค่า</a:t>
+            </a:r>
+            <a:endParaRPr lang="en-US" sz="6600" b="1" dirty="0">
               <a:latin typeface="TH SarabunPSK" panose="020B0500040200020003" pitchFamily="34" charset="-34"/>
               <a:cs typeface="TH SarabunPSK" panose="020B0500040200020003" pitchFamily="34" charset="-34"/>
             </a:endParaRPr>
           </a:p>
         </p:txBody>
       </p:sp>
-      <p:pic>
-        <p:nvPicPr>
-          <p:cNvPr id="4" name="Content Placeholder 3"/>
-          <p:cNvPicPr>
-            <a:picLocks noGrp="1" noChangeAspect="1"/>
-          </p:cNvPicPr>
-          <p:nvPr>
-            <p:ph idx="1"/>
-          </p:nvPr>
-        </p:nvPicPr>
-        <p:blipFill>
-          <a:blip r:embed="rId2">
-            <a:extLst>
-              <a:ext uri="{28A0092B-C50C-407E-A947-70E740481C1C}">
-                <a14:useLocalDpi xmlns:a14="http://schemas.microsoft.com/office/drawing/2010/main" xmlns="" val="0"/>
-              </a:ext>
-            </a:extLst>
-          </a:blip>
-          <a:stretch>
-            <a:fillRect/>
-          </a:stretch>
-        </p:blipFill>
-        <p:spPr>
-          <a:xfrm>
-            <a:off x="2593486" y="1825625"/>
-            <a:ext cx="7005028" cy="4351338"/>
-          </a:xfrm>
-          <a:prstGeom prst="rect">
-            <a:avLst/>
-          </a:prstGeom>
-          <a:ln>
-            <a:noFill/>
-          </a:ln>
-          <a:effectLst>
-            <a:outerShdw blurRad="292100" dist="139700" dir="2700000" algn="tl" rotWithShape="0">
-              <a:srgbClr val="333333">
-                <a:alpha val="65000"/>
-              </a:srgbClr>
-            </a:outerShdw>
-          </a:effectLst>
-        </p:spPr>
-      </p:pic>
+      <p:sp>
+        <p:nvSpPr>
+          <p:cNvPr id="4" name="Subtitle 3"/>
+          <p:cNvSpPr>
+            <a:spLocks noGrp="1"/>
+          </p:cNvSpPr>
+          <p:nvPr>
+            <p:ph type="subTitle" idx="1"/>
+          </p:nvPr>
+        </p:nvSpPr>
+        <p:spPr/>
+        <p:txBody>
+          <a:bodyPr/>
+          <a:lstStyle/>
+          <a:p>
+            <a:endParaRPr lang="en-US"/>
+          </a:p>
+        </p:txBody>
+      </p:sp>
     </p:spTree>
     <p:extLst>
       <p:ext uri="{BB962C8B-B14F-4D97-AF65-F5344CB8AC3E}">
-        <p14:creationId xmlns:p14="http://schemas.microsoft.com/office/powerpoint/2010/main" xmlns="" val="195296430"/>
+        <p14:creationId xmlns:p14="http://schemas.microsoft.com/office/powerpoint/2010/main" xmlns="" val="1542339723"/>
       </p:ext>
     </p:extLst>
   </p:cSld>
@@ -4568,7 +7627,7 @@
         <p:spPr/>
         <p:txBody>
           <a:bodyPr>
-            <a:normAutofit/>
+            <a:normAutofit fontScale="90000"/>
           </a:bodyPr>
           <a:lstStyle/>
           <a:p>
@@ -4577,7 +7636,7 @@
                 <a:latin typeface="TH SarabunPSK" panose="020B0500040200020003" pitchFamily="34" charset="-34"/>
                 <a:cs typeface="TH SarabunPSK" panose="020B0500040200020003" pitchFamily="34" charset="-34"/>
               </a:rPr>
-              <a:t>การเพิ่มคุณลักษณะที่อยู่ระหว่างการทดสอบ</a:t>
+              <a:t>การตั้งค่าต่างๆ</a:t>
             </a:r>
             <a:endParaRPr lang="en-US" sz="6000" b="1" dirty="0">
               <a:latin typeface="TH SarabunPSK" panose="020B0500040200020003" pitchFamily="34" charset="-34"/>
@@ -4610,8 +7669,118 @@
         </p:blipFill>
         <p:spPr>
           <a:xfrm>
-            <a:off x="2593486" y="1825625"/>
-            <a:ext cx="7005028" cy="4351338"/>
+            <a:off x="2720668" y="1784350"/>
+            <a:ext cx="7360263" cy="4572000"/>
+          </a:xfrm>
+          <a:prstGeom prst="rect">
+            <a:avLst/>
+          </a:prstGeom>
+          <a:ln>
+            <a:noFill/>
+          </a:ln>
+          <a:effectLst>
+            <a:outerShdw blurRad="292100" dist="139700" dir="2700000" algn="tl" rotWithShape="0">
+              <a:srgbClr val="333333">
+                <a:alpha val="65000"/>
+              </a:srgbClr>
+            </a:outerShdw>
+          </a:effectLst>
+        </p:spPr>
+      </p:pic>
+    </p:spTree>
+    <p:extLst>
+      <p:ext uri="{BB962C8B-B14F-4D97-AF65-F5344CB8AC3E}">
+        <p14:creationId xmlns:p14="http://schemas.microsoft.com/office/powerpoint/2010/main" xmlns="" val="195296430"/>
+      </p:ext>
+    </p:extLst>
+  </p:cSld>
+  <p:clrMapOvr>
+    <a:masterClrMapping/>
+  </p:clrMapOvr>
+  <p:timing>
+    <p:tnLst>
+      <p:par>
+        <p:cTn id="1" dur="indefinite" restart="never" nodeType="tmRoot"/>
+      </p:par>
+    </p:tnLst>
+  </p:timing>
+</p:sld>
+</file>
+
+<file path=ppt/slides/slide24.xml><?xml version="1.0" encoding="utf-8"?>
+<p:sld xmlns:a="http://schemas.openxmlformats.org/drawingml/2006/main" xmlns:r="http://schemas.openxmlformats.org/officeDocument/2006/relationships" xmlns:p="http://schemas.openxmlformats.org/presentationml/2006/main">
+  <p:cSld>
+    <p:spTree>
+      <p:nvGrpSpPr>
+        <p:cNvPr id="1" name=""/>
+        <p:cNvGrpSpPr/>
+        <p:nvPr/>
+      </p:nvGrpSpPr>
+      <p:grpSpPr>
+        <a:xfrm>
+          <a:off x="0" y="0"/>
+          <a:ext cx="0" cy="0"/>
+          <a:chOff x="0" y="0"/>
+          <a:chExt cx="0" cy="0"/>
+        </a:xfrm>
+      </p:grpSpPr>
+      <p:sp>
+        <p:nvSpPr>
+          <p:cNvPr id="2" name="Title 1"/>
+          <p:cNvSpPr>
+            <a:spLocks noGrp="1"/>
+          </p:cNvSpPr>
+          <p:nvPr>
+            <p:ph type="title"/>
+          </p:nvPr>
+        </p:nvSpPr>
+        <p:spPr/>
+        <p:txBody>
+          <a:bodyPr>
+            <a:normAutofit fontScale="90000"/>
+          </a:bodyPr>
+          <a:lstStyle/>
+          <a:p>
+            <a:r>
+              <a:rPr lang="th-TH" sz="6000" b="1" dirty="0">
+                <a:latin typeface="TH SarabunPSK" panose="020B0500040200020003" pitchFamily="34" charset="-34"/>
+                <a:cs typeface="TH SarabunPSK" panose="020B0500040200020003" pitchFamily="34" charset="-34"/>
+              </a:rPr>
+              <a:t>การเพิ่มคุณลักษณะที่อยู่ระหว่างการทดสอบ</a:t>
+            </a:r>
+            <a:endParaRPr lang="en-US" sz="6000" b="1" dirty="0">
+              <a:latin typeface="TH SarabunPSK" panose="020B0500040200020003" pitchFamily="34" charset="-34"/>
+              <a:cs typeface="TH SarabunPSK" panose="020B0500040200020003" pitchFamily="34" charset="-34"/>
+            </a:endParaRPr>
+          </a:p>
+        </p:txBody>
+      </p:sp>
+      <p:pic>
+        <p:nvPicPr>
+          <p:cNvPr id="4" name="Content Placeholder 3"/>
+          <p:cNvPicPr>
+            <a:picLocks noGrp="1" noChangeAspect="1"/>
+          </p:cNvPicPr>
+          <p:nvPr>
+            <p:ph idx="1"/>
+          </p:nvPr>
+        </p:nvPicPr>
+        <p:blipFill>
+          <a:blip r:embed="rId2">
+            <a:extLst>
+              <a:ext uri="{28A0092B-C50C-407E-A947-70E740481C1C}">
+                <a14:useLocalDpi xmlns:a14="http://schemas.microsoft.com/office/drawing/2010/main" xmlns="" val="0"/>
+              </a:ext>
+            </a:extLst>
+          </a:blip>
+          <a:stretch>
+            <a:fillRect/>
+          </a:stretch>
+        </p:blipFill>
+        <p:spPr>
+          <a:xfrm>
+            <a:off x="2720668" y="1784350"/>
+            <a:ext cx="7360263" cy="4572000"/>
           </a:xfrm>
           <a:prstGeom prst="rect">
             <a:avLst/>
@@ -4667,12 +7836,12 @@
       </p:grpSpPr>
       <p:sp>
         <p:nvSpPr>
-          <p:cNvPr id="2" name="ชื่อเรื่อง 1"/>
+          <p:cNvPr id="2" name="Title 1"/>
           <p:cNvSpPr>
             <a:spLocks noGrp="1"/>
           </p:cNvSpPr>
           <p:nvPr>
-            <p:ph type="title"/>
+            <p:ph type="ctrTitle"/>
           </p:nvPr>
         </p:nvSpPr>
         <p:spPr/>
@@ -4684,33 +7853,26 @@
           <a:p>
             <a:r>
               <a:rPr lang="th-TH" sz="6600" b="1" dirty="0" smtClean="0">
-                <a:latin typeface="TH SarabunPSK" pitchFamily="34" charset="-34"/>
-                <a:cs typeface="TH SarabunPSK" pitchFamily="34" charset="-34"/>
+                <a:latin typeface="TH SarabunPSK" panose="020B0500040200020003" pitchFamily="34" charset="-34"/>
+                <a:cs typeface="TH SarabunPSK" panose="020B0500040200020003" pitchFamily="34" charset="-34"/>
               </a:rPr>
-              <a:t>บริการของ </a:t>
-            </a:r>
-            <a:r>
-              <a:rPr lang="en-US" sz="6600" b="1" dirty="0" smtClean="0">
-                <a:latin typeface="TH SarabunPSK" pitchFamily="34" charset="-34"/>
-                <a:cs typeface="TH SarabunPSK" pitchFamily="34" charset="-34"/>
-              </a:rPr>
-              <a:t>Google</a:t>
-            </a:r>
-            <a:endParaRPr lang="th-TH" sz="6600" b="1" dirty="0">
-              <a:latin typeface="TH SarabunPSK" pitchFamily="34" charset="-34"/>
-              <a:cs typeface="TH SarabunPSK" pitchFamily="34" charset="-34"/>
+              <a:t>เริ่มต้นใช้งาน</a:t>
+            </a:r>
+            <a:endParaRPr lang="en-US" sz="6600" b="1" dirty="0">
+              <a:latin typeface="TH SarabunPSK" panose="020B0500040200020003" pitchFamily="34" charset="-34"/>
+              <a:cs typeface="TH SarabunPSK" panose="020B0500040200020003" pitchFamily="34" charset="-34"/>
             </a:endParaRPr>
           </a:p>
         </p:txBody>
       </p:sp>
       <p:sp>
         <p:nvSpPr>
-          <p:cNvPr id="3" name="ตัวยึดเนื้อหา 2"/>
+          <p:cNvPr id="6" name="Subtitle 5"/>
           <p:cNvSpPr>
             <a:spLocks noGrp="1"/>
           </p:cNvSpPr>
           <p:nvPr>
-            <p:ph idx="1"/>
+            <p:ph type="subTitle" idx="1"/>
           </p:nvPr>
         </p:nvSpPr>
         <p:spPr/>
@@ -4718,43 +7880,16 @@
           <a:bodyPr/>
           <a:lstStyle/>
           <a:p>
-            <a:r>
-              <a:rPr lang="en-US" b="1" dirty="0" smtClean="0"/>
-              <a:t>Gmail</a:t>
-            </a:r>
-          </a:p>
-          <a:p>
-            <a:r>
-              <a:rPr lang="en-US" b="1" dirty="0" smtClean="0"/>
-              <a:t>Google Translate</a:t>
-            </a:r>
-          </a:p>
-          <a:p>
-            <a:r>
-              <a:rPr lang="en-US" b="1" u="sng" dirty="0" smtClean="0"/>
-              <a:t>Google Calendar</a:t>
-            </a:r>
-          </a:p>
-          <a:p>
-            <a:r>
-              <a:rPr lang="en-US" b="1" dirty="0" smtClean="0"/>
-              <a:t>Google Drive</a:t>
-            </a:r>
-          </a:p>
-          <a:p>
-            <a:r>
-              <a:rPr lang="en-US" b="1" dirty="0" smtClean="0"/>
-              <a:t>e</a:t>
-            </a:r>
-            <a:r>
-              <a:rPr lang="en-US" b="1" dirty="0" smtClean="0"/>
-              <a:t>tc.</a:t>
-            </a:r>
-            <a:endParaRPr lang="th-TH" b="1" dirty="0"/>
+            <a:endParaRPr lang="en-US"/>
           </a:p>
         </p:txBody>
       </p:sp>
     </p:spTree>
+    <p:extLst>
+      <p:ext uri="{BB962C8B-B14F-4D97-AF65-F5344CB8AC3E}">
+        <p14:creationId xmlns:p14="http://schemas.microsoft.com/office/powerpoint/2010/main" xmlns="" val="1065843145"/>
+      </p:ext>
+    </p:extLst>
   </p:cSld>
   <p:clrMapOvr>
     <a:masterClrMapping/>
@@ -4788,12 +7923,50 @@
       </p:grpSpPr>
       <p:sp>
         <p:nvSpPr>
-          <p:cNvPr id="2" name="Title 1"/>
+          <p:cNvPr id="2" name="ชื่อเรื่อง 1"/>
           <p:cNvSpPr>
             <a:spLocks noGrp="1"/>
           </p:cNvSpPr>
           <p:nvPr>
             <p:ph type="title"/>
+          </p:nvPr>
+        </p:nvSpPr>
+        <p:spPr/>
+        <p:txBody>
+          <a:bodyPr>
+            <a:normAutofit fontScale="90000"/>
+          </a:bodyPr>
+          <a:lstStyle/>
+          <a:p>
+            <a:r>
+              <a:rPr lang="th-TH" sz="6600" b="1" dirty="0" smtClean="0">
+                <a:latin typeface="TH SarabunPSK" pitchFamily="34" charset="-34"/>
+                <a:cs typeface="TH SarabunPSK" pitchFamily="34" charset="-34"/>
+              </a:rPr>
+              <a:t>บริการของ </a:t>
+            </a:r>
+            <a:r>
+              <a:rPr lang="en-US" sz="6600" b="1" dirty="0" smtClean="0">
+                <a:latin typeface="TH SarabunPSK" pitchFamily="34" charset="-34"/>
+                <a:cs typeface="TH SarabunPSK" pitchFamily="34" charset="-34"/>
+              </a:rPr>
+              <a:t>Google</a:t>
+            </a:r>
+            <a:endParaRPr lang="th-TH" sz="6600" b="1" dirty="0">
+              <a:latin typeface="TH SarabunPSK" pitchFamily="34" charset="-34"/>
+              <a:cs typeface="TH SarabunPSK" pitchFamily="34" charset="-34"/>
+            </a:endParaRPr>
+          </a:p>
+        </p:txBody>
+      </p:sp>
+      <p:sp>
+        <p:nvSpPr>
+          <p:cNvPr id="3" name="ตัวยึดเนื้อหา 2"/>
+          <p:cNvSpPr>
+            <a:spLocks noGrp="1"/>
+          </p:cNvSpPr>
+          <p:nvPr>
+            <p:ph idx="1"/>
           </p:nvPr>
         </p:nvSpPr>
         <p:spPr/>
@@ -4804,149 +7977,56 @@
           <a:lstStyle/>
           <a:p>
             <a:r>
-              <a:rPr lang="en-US" sz="6000" b="1" dirty="0">
-                <a:latin typeface="TH SarabunPSK" panose="020B0500040200020003" pitchFamily="34" charset="-34"/>
-                <a:cs typeface="TH SarabunPSK" panose="020B0500040200020003" pitchFamily="34" charset="-34"/>
+              <a:rPr lang="en-US" sz="4000" b="1" dirty="0" smtClean="0">
+                <a:latin typeface="TH SarabunPSK" pitchFamily="34" charset="-34"/>
+                <a:cs typeface="TH SarabunPSK" pitchFamily="34" charset="-34"/>
               </a:rPr>
-              <a:t>Google Calendar </a:t>
-            </a:r>
-            <a:r>
-              <a:rPr lang="th-TH" sz="6000" b="1" dirty="0">
-                <a:latin typeface="TH SarabunPSK" panose="020B0500040200020003" pitchFamily="34" charset="-34"/>
-                <a:cs typeface="TH SarabunPSK" panose="020B0500040200020003" pitchFamily="34" charset="-34"/>
+              <a:t>Gmail</a:t>
+            </a:r>
+          </a:p>
+          <a:p>
+            <a:r>
+              <a:rPr lang="en-US" sz="4000" b="1" dirty="0" smtClean="0">
+                <a:latin typeface="TH SarabunPSK" pitchFamily="34" charset="-34"/>
+                <a:cs typeface="TH SarabunPSK" pitchFamily="34" charset="-34"/>
               </a:rPr>
-              <a:t>คือ</a:t>
-            </a:r>
-            <a:endParaRPr lang="en-US" sz="6000" b="1" dirty="0">
-              <a:latin typeface="TH SarabunPSK" panose="020B0500040200020003" pitchFamily="34" charset="-34"/>
-              <a:cs typeface="TH SarabunPSK" panose="020B0500040200020003" pitchFamily="34" charset="-34"/>
+              <a:t>Google Translate</a:t>
+            </a:r>
+          </a:p>
+          <a:p>
+            <a:r>
+              <a:rPr lang="en-US" sz="4000" b="1" u="sng" dirty="0" smtClean="0">
+                <a:latin typeface="TH SarabunPSK" pitchFamily="34" charset="-34"/>
+                <a:cs typeface="TH SarabunPSK" pitchFamily="34" charset="-34"/>
+              </a:rPr>
+              <a:t>Google Calendar</a:t>
+            </a:r>
+          </a:p>
+          <a:p>
+            <a:r>
+              <a:rPr lang="en-US" sz="4000" b="1" dirty="0" smtClean="0">
+                <a:latin typeface="TH SarabunPSK" pitchFamily="34" charset="-34"/>
+                <a:cs typeface="TH SarabunPSK" pitchFamily="34" charset="-34"/>
+              </a:rPr>
+              <a:t>Google Drive</a:t>
+            </a:r>
+          </a:p>
+          <a:p>
+            <a:r>
+              <a:rPr lang="en-US" sz="4000" b="1" dirty="0" smtClean="0">
+                <a:latin typeface="TH SarabunPSK" pitchFamily="34" charset="-34"/>
+                <a:cs typeface="TH SarabunPSK" pitchFamily="34" charset="-34"/>
+              </a:rPr>
+              <a:t>etc.</a:t>
+            </a:r>
+            <a:endParaRPr lang="th-TH" sz="4000" b="1" dirty="0">
+              <a:latin typeface="TH SarabunPSK" pitchFamily="34" charset="-34"/>
+              <a:cs typeface="TH SarabunPSK" pitchFamily="34" charset="-34"/>
             </a:endParaRPr>
           </a:p>
         </p:txBody>
       </p:sp>
-      <p:sp>
-        <p:nvSpPr>
-          <p:cNvPr id="3" name="Content Placeholder 2"/>
-          <p:cNvSpPr>
-            <a:spLocks noGrp="1"/>
-          </p:cNvSpPr>
-          <p:nvPr>
-            <p:ph idx="1"/>
-          </p:nvPr>
-        </p:nvSpPr>
-        <p:spPr/>
-        <p:txBody>
-          <a:bodyPr>
-            <a:normAutofit/>
-          </a:bodyPr>
-          <a:lstStyle/>
-          <a:p>
-            <a:pPr lvl="0"/>
-            <a:r>
-              <a:rPr lang="en-US" sz="3200" b="1" dirty="0">
-                <a:latin typeface="TH SarabunPSK" panose="020B0500040200020003" pitchFamily="34" charset="-34"/>
-                <a:cs typeface="TH SarabunPSK" panose="020B0500040200020003" pitchFamily="34" charset="-34"/>
-              </a:rPr>
-              <a:t>Google Calendar </a:t>
-            </a:r>
-            <a:r>
-              <a:rPr lang="th-TH" sz="3200" b="1" dirty="0">
-                <a:latin typeface="TH SarabunPSK" panose="020B0500040200020003" pitchFamily="34" charset="-34"/>
-                <a:cs typeface="TH SarabunPSK" panose="020B0500040200020003" pitchFamily="34" charset="-34"/>
-              </a:rPr>
-              <a:t>คือ บริการปฏิทินแบบออนไลน์ของ </a:t>
-            </a:r>
-            <a:r>
-              <a:rPr lang="en-US" sz="3200" b="1" dirty="0">
-                <a:latin typeface="TH SarabunPSK" panose="020B0500040200020003" pitchFamily="34" charset="-34"/>
-                <a:cs typeface="TH SarabunPSK" panose="020B0500040200020003" pitchFamily="34" charset="-34"/>
-              </a:rPr>
-              <a:t>Google </a:t>
-            </a:r>
-            <a:r>
-              <a:rPr lang="th-TH" sz="3200" b="1" dirty="0">
-                <a:latin typeface="TH SarabunPSK" panose="020B0500040200020003" pitchFamily="34" charset="-34"/>
-                <a:cs typeface="TH SarabunPSK" panose="020B0500040200020003" pitchFamily="34" charset="-34"/>
-              </a:rPr>
-              <a:t>ซึ่งทำให้สามารถเก็บข้อมูลเหตุการณ์ต่างๆ รวมไว้ในที่เดียวกันได้ ไม่ว่าจะเป็นการสร้างกำหนดการนัดหมายและกำหนดเวลาเหตุการณ์ต่างๆ สามารถส่งข้อความเชิญ สามารถใช้ปฏิทินร่วมกับเพื่อนร่วมงาน และ ค้นหาเหตุการณ์ต่างๆ ได้</a:t>
-            </a:r>
-            <a:endParaRPr lang="en-US" sz="3200" b="1" dirty="0">
-              <a:latin typeface="TH SarabunPSK" panose="020B0500040200020003" pitchFamily="34" charset="-34"/>
-              <a:cs typeface="TH SarabunPSK" panose="020B0500040200020003" pitchFamily="34" charset="-34"/>
-            </a:endParaRPr>
-          </a:p>
-          <a:p>
-            <a:r>
-              <a:rPr lang="th-TH" sz="3200" b="1" dirty="0" smtClean="0">
-                <a:latin typeface="TH SarabunPSK" panose="020B0500040200020003" pitchFamily="34" charset="-34"/>
-                <a:cs typeface="TH SarabunPSK" panose="020B0500040200020003" pitchFamily="34" charset="-34"/>
-              </a:rPr>
-              <a:t>การ</a:t>
-            </a:r>
-            <a:r>
-              <a:rPr lang="th-TH" sz="3200" b="1" dirty="0">
-                <a:latin typeface="TH SarabunPSK" panose="020B0500040200020003" pitchFamily="34" charset="-34"/>
-                <a:cs typeface="TH SarabunPSK" panose="020B0500040200020003" pitchFamily="34" charset="-34"/>
-              </a:rPr>
-              <a:t>เข้าใช้งานให้เข้าไปที่ </a:t>
-            </a:r>
-            <a:r>
-              <a:rPr lang="en-US" sz="3200" b="1" u="sng" dirty="0">
-                <a:latin typeface="TH SarabunPSK" panose="020B0500040200020003" pitchFamily="34" charset="-34"/>
-                <a:cs typeface="TH SarabunPSK" panose="020B0500040200020003" pitchFamily="34" charset="-34"/>
-                <a:hlinkClick r:id="rId2"/>
-              </a:rPr>
-              <a:t>https://www.google.com/calendar</a:t>
-            </a:r>
-            <a:r>
-              <a:rPr lang="en-US" sz="3200" b="1" u="sng" dirty="0" smtClean="0">
-                <a:latin typeface="TH SarabunPSK" panose="020B0500040200020003" pitchFamily="34" charset="-34"/>
-                <a:cs typeface="TH SarabunPSK" panose="020B0500040200020003" pitchFamily="34" charset="-34"/>
-                <a:hlinkClick r:id="rId2"/>
-              </a:rPr>
-              <a:t>/</a:t>
-            </a:r>
-            <a:r>
-              <a:rPr lang="en-US" sz="3200" b="1" dirty="0" smtClean="0">
-                <a:latin typeface="TH SarabunPSK" panose="020B0500040200020003" pitchFamily="34" charset="-34"/>
-                <a:cs typeface="TH SarabunPSK" panose="020B0500040200020003" pitchFamily="34" charset="-34"/>
-              </a:rPr>
-              <a:t> </a:t>
-            </a:r>
-            <a:r>
-              <a:rPr lang="th-TH" sz="3200" b="1" dirty="0" smtClean="0">
-                <a:latin typeface="TH SarabunPSK" panose="020B0500040200020003" pitchFamily="34" charset="-34"/>
-                <a:cs typeface="TH SarabunPSK" panose="020B0500040200020003" pitchFamily="34" charset="-34"/>
-              </a:rPr>
-              <a:t>หรือ </a:t>
-            </a:r>
-            <a:r>
-              <a:rPr lang="en-US" sz="3200" b="1" dirty="0" smtClean="0">
-                <a:latin typeface="TH SarabunPSK" panose="020B0500040200020003" pitchFamily="34" charset="-34"/>
-                <a:cs typeface="TH SarabunPSK" panose="020B0500040200020003" pitchFamily="34" charset="-34"/>
-                <a:hlinkClick r:id="rId3"/>
-              </a:rPr>
-              <a:t>www.gmail.com</a:t>
-            </a:r>
-            <a:endParaRPr lang="en-US" sz="3200" b="1" dirty="0" smtClean="0">
-              <a:latin typeface="TH SarabunPSK" panose="020B0500040200020003" pitchFamily="34" charset="-34"/>
-              <a:cs typeface="TH SarabunPSK" panose="020B0500040200020003" pitchFamily="34" charset="-34"/>
-            </a:endParaRPr>
-          </a:p>
-          <a:p>
-            <a:endParaRPr lang="en-US" sz="3200" b="1" dirty="0">
-              <a:latin typeface="TH SarabunPSK" panose="020B0500040200020003" pitchFamily="34" charset="-34"/>
-              <a:cs typeface="TH SarabunPSK" panose="020B0500040200020003" pitchFamily="34" charset="-34"/>
-            </a:endParaRPr>
-          </a:p>
-        </p:txBody>
-      </p:sp>
     </p:spTree>
-    <p:extLst>
-      <p:ext uri="{BB962C8B-B14F-4D97-AF65-F5344CB8AC3E}">
-        <p14:creationId xmlns:p14="http://schemas.microsoft.com/office/powerpoint/2010/main" xmlns="" val="3857340605"/>
-      </p:ext>
-    </p:extLst>
   </p:cSld>
   <p:clrMapOvr>
     <a:masterClrMapping/>
@@ -4980,7 +8060,7 @@
       </p:grpSpPr>
       <p:sp>
         <p:nvSpPr>
-          <p:cNvPr id="2" name="ชื่อเรื่อง 1"/>
+          <p:cNvPr id="2" name="Title 1"/>
           <p:cNvSpPr>
             <a:spLocks noGrp="1"/>
           </p:cNvSpPr>
@@ -4990,54 +8070,155 @@
         </p:nvSpPr>
         <p:spPr/>
         <p:txBody>
-          <a:bodyPr/>
+          <a:bodyPr>
+            <a:normAutofit fontScale="90000"/>
+          </a:bodyPr>
           <a:lstStyle/>
           <a:p>
             <a:r>
-              <a:rPr lang="th-TH" dirty="0" smtClean="0"/>
-              <a:t>เข้าระบบใช้งาน</a:t>
-            </a:r>
-            <a:endParaRPr lang="th-TH" dirty="0"/>
-          </a:p>
-        </p:txBody>
-      </p:sp>
-      <p:pic>
-        <p:nvPicPr>
-          <p:cNvPr id="4" name="ตัวยึดเนื้อหา 3" descr="google_calendar_01.png"/>
-          <p:cNvPicPr>
-            <a:picLocks noGrp="1" noChangeAspect="1"/>
-          </p:cNvPicPr>
+              <a:rPr lang="en-US" sz="6000" b="1" dirty="0">
+                <a:latin typeface="TH SarabunPSK" panose="020B0500040200020003" pitchFamily="34" charset="-34"/>
+                <a:cs typeface="TH SarabunPSK" panose="020B0500040200020003" pitchFamily="34" charset="-34"/>
+              </a:rPr>
+              <a:t>Google Calendar </a:t>
+            </a:r>
+            <a:r>
+              <a:rPr lang="th-TH" sz="6000" b="1" dirty="0">
+                <a:latin typeface="TH SarabunPSK" panose="020B0500040200020003" pitchFamily="34" charset="-34"/>
+                <a:cs typeface="TH SarabunPSK" panose="020B0500040200020003" pitchFamily="34" charset="-34"/>
+              </a:rPr>
+              <a:t>คือ</a:t>
+            </a:r>
+            <a:endParaRPr lang="en-US" sz="6000" b="1" dirty="0">
+              <a:latin typeface="TH SarabunPSK" panose="020B0500040200020003" pitchFamily="34" charset="-34"/>
+              <a:cs typeface="TH SarabunPSK" panose="020B0500040200020003" pitchFamily="34" charset="-34"/>
+            </a:endParaRPr>
+          </a:p>
+        </p:txBody>
+      </p:sp>
+      <p:sp>
+        <p:nvSpPr>
+          <p:cNvPr id="3" name="Content Placeholder 2"/>
+          <p:cNvSpPr>
+            <a:spLocks noGrp="1"/>
+          </p:cNvSpPr>
           <p:nvPr>
             <p:ph idx="1"/>
           </p:nvPr>
-        </p:nvPicPr>
-        <p:blipFill>
-          <a:blip r:embed="rId2"/>
-          <a:stretch>
-            <a:fillRect/>
-          </a:stretch>
-        </p:blipFill>
-        <p:spPr>
-          <a:xfrm>
-            <a:off x="2593485" y="1825625"/>
-            <a:ext cx="7005029" cy="4351338"/>
-          </a:xfrm>
-          <a:prstGeom prst="rect">
-            <a:avLst/>
-          </a:prstGeom>
-          <a:ln>
-            <a:noFill/>
-          </a:ln>
-          <a:effectLst>
-            <a:outerShdw blurRad="292100" dist="139700" dir="2700000" algn="tl" rotWithShape="0">
-              <a:srgbClr val="333333">
-                <a:alpha val="65000"/>
-              </a:srgbClr>
-            </a:outerShdw>
-          </a:effectLst>
-        </p:spPr>
-      </p:pic>
+        </p:nvSpPr>
+        <p:spPr/>
+        <p:txBody>
+          <a:bodyPr>
+            <a:normAutofit/>
+          </a:bodyPr>
+          <a:lstStyle/>
+          <a:p>
+            <a:pPr lvl="0"/>
+            <a:r>
+              <a:rPr lang="en-US" sz="4000" b="1" dirty="0">
+                <a:latin typeface="TH SarabunPSK" panose="020B0500040200020003" pitchFamily="34" charset="-34"/>
+                <a:cs typeface="TH SarabunPSK" panose="020B0500040200020003" pitchFamily="34" charset="-34"/>
+              </a:rPr>
+              <a:t>Google Calendar </a:t>
+            </a:r>
+            <a:r>
+              <a:rPr lang="th-TH" sz="4000" b="1" dirty="0">
+                <a:latin typeface="TH SarabunPSK" panose="020B0500040200020003" pitchFamily="34" charset="-34"/>
+                <a:cs typeface="TH SarabunPSK" panose="020B0500040200020003" pitchFamily="34" charset="-34"/>
+              </a:rPr>
+              <a:t>คือ บริการปฏิทินแบบออนไลน์ของ </a:t>
+            </a:r>
+            <a:r>
+              <a:rPr lang="en-US" sz="4000" b="1" dirty="0">
+                <a:latin typeface="TH SarabunPSK" panose="020B0500040200020003" pitchFamily="34" charset="-34"/>
+                <a:cs typeface="TH SarabunPSK" panose="020B0500040200020003" pitchFamily="34" charset="-34"/>
+              </a:rPr>
+              <a:t>Google </a:t>
+            </a:r>
+            <a:r>
+              <a:rPr lang="th-TH" sz="4000" b="1" dirty="0">
+                <a:latin typeface="TH SarabunPSK" panose="020B0500040200020003" pitchFamily="34" charset="-34"/>
+                <a:cs typeface="TH SarabunPSK" panose="020B0500040200020003" pitchFamily="34" charset="-34"/>
+              </a:rPr>
+              <a:t>ซึ่งทำให้สามารถเก็บข้อมูลเหตุการณ์ต่างๆ รวมไว้ในที่เดียวกันได้ ไม่ว่าจะเป็นการสร้างกำหนดการนัดหมายและกำหนดเวลาเหตุการณ์ต่างๆ สามารถส่งข้อความเชิญ สามารถใช้ปฏิทินร่วมกับเพื่อนร่วมงาน และ ค้นหาเหตุการณ์ต่างๆ ได้</a:t>
+            </a:r>
+            <a:endParaRPr lang="en-US" sz="4000" b="1" dirty="0">
+              <a:latin typeface="TH SarabunPSK" panose="020B0500040200020003" pitchFamily="34" charset="-34"/>
+              <a:cs typeface="TH SarabunPSK" panose="020B0500040200020003" pitchFamily="34" charset="-34"/>
+            </a:endParaRPr>
+          </a:p>
+          <a:p>
+            <a:r>
+              <a:rPr lang="th-TH" sz="4000" b="1" dirty="0" smtClean="0">
+                <a:latin typeface="TH SarabunPSK" panose="020B0500040200020003" pitchFamily="34" charset="-34"/>
+                <a:cs typeface="TH SarabunPSK" panose="020B0500040200020003" pitchFamily="34" charset="-34"/>
+              </a:rPr>
+              <a:t>การ</a:t>
+            </a:r>
+            <a:r>
+              <a:rPr lang="th-TH" sz="4000" b="1" dirty="0">
+                <a:latin typeface="TH SarabunPSK" panose="020B0500040200020003" pitchFamily="34" charset="-34"/>
+                <a:cs typeface="TH SarabunPSK" panose="020B0500040200020003" pitchFamily="34" charset="-34"/>
+              </a:rPr>
+              <a:t>เข้าใช้งานให้เข้าไปที่ </a:t>
+            </a:r>
+            <a:r>
+              <a:rPr lang="en-US" sz="4000" b="1" u="sng" dirty="0">
+                <a:latin typeface="TH SarabunPSK" panose="020B0500040200020003" pitchFamily="34" charset="-34"/>
+                <a:cs typeface="TH SarabunPSK" panose="020B0500040200020003" pitchFamily="34" charset="-34"/>
+                <a:hlinkClick r:id="rId2"/>
+              </a:rPr>
+              <a:t>https://www.google.com/calendar</a:t>
+            </a:r>
+            <a:r>
+              <a:rPr lang="en-US" sz="4000" b="1" u="sng" dirty="0" smtClean="0">
+                <a:latin typeface="TH SarabunPSK" panose="020B0500040200020003" pitchFamily="34" charset="-34"/>
+                <a:cs typeface="TH SarabunPSK" panose="020B0500040200020003" pitchFamily="34" charset="-34"/>
+                <a:hlinkClick r:id="rId2"/>
+              </a:rPr>
+              <a:t>/</a:t>
+            </a:r>
+            <a:r>
+              <a:rPr lang="en-US" sz="4000" b="1" dirty="0" smtClean="0">
+                <a:latin typeface="TH SarabunPSK" panose="020B0500040200020003" pitchFamily="34" charset="-34"/>
+                <a:cs typeface="TH SarabunPSK" panose="020B0500040200020003" pitchFamily="34" charset="-34"/>
+              </a:rPr>
+              <a:t> </a:t>
+            </a:r>
+            <a:r>
+              <a:rPr lang="th-TH" sz="4000" b="1" dirty="0" smtClean="0">
+                <a:latin typeface="TH SarabunPSK" panose="020B0500040200020003" pitchFamily="34" charset="-34"/>
+                <a:cs typeface="TH SarabunPSK" panose="020B0500040200020003" pitchFamily="34" charset="-34"/>
+              </a:rPr>
+              <a:t>หรือ </a:t>
+            </a:r>
+            <a:r>
+              <a:rPr lang="en-US" sz="4000" b="1" dirty="0" smtClean="0">
+                <a:latin typeface="TH SarabunPSK" panose="020B0500040200020003" pitchFamily="34" charset="-34"/>
+                <a:cs typeface="TH SarabunPSK" panose="020B0500040200020003" pitchFamily="34" charset="-34"/>
+                <a:hlinkClick r:id="rId3"/>
+              </a:rPr>
+              <a:t>www.gmail.com</a:t>
+            </a:r>
+            <a:endParaRPr lang="en-US" sz="4000" b="1" dirty="0" smtClean="0">
+              <a:latin typeface="TH SarabunPSK" panose="020B0500040200020003" pitchFamily="34" charset="-34"/>
+              <a:cs typeface="TH SarabunPSK" panose="020B0500040200020003" pitchFamily="34" charset="-34"/>
+            </a:endParaRPr>
+          </a:p>
+          <a:p>
+            <a:endParaRPr lang="en-US" sz="4000" b="1" dirty="0">
+              <a:latin typeface="TH SarabunPSK" panose="020B0500040200020003" pitchFamily="34" charset="-34"/>
+              <a:cs typeface="TH SarabunPSK" panose="020B0500040200020003" pitchFamily="34" charset="-34"/>
+            </a:endParaRPr>
+          </a:p>
+        </p:txBody>
+      </p:sp>
     </p:spTree>
+    <p:extLst>
+      <p:ext uri="{BB962C8B-B14F-4D97-AF65-F5344CB8AC3E}">
+        <p14:creationId xmlns:p14="http://schemas.microsoft.com/office/powerpoint/2010/main" xmlns="" val="3857340605"/>
+      </p:ext>
+    </p:extLst>
   </p:cSld>
   <p:clrMapOvr>
     <a:masterClrMapping/>
@@ -5081,35 +8262,20 @@
         </p:nvSpPr>
         <p:spPr/>
         <p:txBody>
-          <a:bodyPr>
-            <a:normAutofit/>
-          </a:bodyPr>
+          <a:bodyPr/>
           <a:lstStyle/>
           <a:p>
             <a:r>
-              <a:rPr lang="th-TH" sz="6000" b="1" dirty="0" smtClean="0">
-                <a:latin typeface="TH SarabunPSK" pitchFamily="34" charset="-34"/>
-                <a:cs typeface="TH SarabunPSK" pitchFamily="34" charset="-34"/>
-              </a:rPr>
-              <a:t>การเข้าใช้งาน </a:t>
-            </a:r>
-            <a:r>
-              <a:rPr lang="en-US" sz="6000" b="1" dirty="0" smtClean="0">
-                <a:latin typeface="TH SarabunPSK" pitchFamily="34" charset="-34"/>
-                <a:cs typeface="TH SarabunPSK" pitchFamily="34" charset="-34"/>
-              </a:rPr>
-              <a:t>Google Calendar</a:t>
-            </a:r>
-            <a:endParaRPr lang="th-TH" sz="6000" b="1" dirty="0">
-              <a:latin typeface="TH SarabunPSK" pitchFamily="34" charset="-34"/>
-              <a:cs typeface="TH SarabunPSK" pitchFamily="34" charset="-34"/>
-            </a:endParaRPr>
+              <a:rPr lang="th-TH" dirty="0" smtClean="0"/>
+              <a:t>เข้าระบบใช้งาน</a:t>
+            </a:r>
+            <a:endParaRPr lang="th-TH" dirty="0"/>
           </a:p>
         </p:txBody>
       </p:sp>
       <p:pic>
         <p:nvPicPr>
-          <p:cNvPr id="4" name="ตัวยึดเนื้อหา 3" descr="link.png"/>
+          <p:cNvPr id="4" name="ตัวยึดเนื้อหา 3" descr="google_calendar_01.png"/>
           <p:cNvPicPr>
             <a:picLocks noGrp="1" noChangeAspect="1"/>
           </p:cNvPicPr>
@@ -5125,116 +8291,44 @@
         </p:blipFill>
         <p:spPr>
           <a:xfrm>
-            <a:off x="2607953" y="1825625"/>
-            <a:ext cx="6976093" cy="4351338"/>
+            <a:off x="2720668" y="1784350"/>
+            <a:ext cx="7360263" cy="4572000"/>
           </a:xfrm>
           <a:prstGeom prst="rect">
             <a:avLst/>
           </a:prstGeom>
-          <a:ln>
-            <a:noFill/>
+          <a:solidFill>
+            <a:srgbClr val="FFFFFF">
+              <a:shade val="85000"/>
+            </a:srgbClr>
+          </a:solidFill>
+          <a:ln w="88900" cap="sq">
+            <a:solidFill>
+              <a:srgbClr val="FFFFFF"/>
+            </a:solidFill>
+            <a:miter lim="800000"/>
           </a:ln>
           <a:effectLst>
-            <a:outerShdw blurRad="292100" dist="139700" dir="2700000" algn="tl" rotWithShape="0">
-              <a:srgbClr val="333333">
-                <a:alpha val="65000"/>
+            <a:outerShdw blurRad="55000" dist="18000" dir="5400000" algn="tl" rotWithShape="0">
+              <a:srgbClr val="000000">
+                <a:alpha val="40000"/>
               </a:srgbClr>
             </a:outerShdw>
           </a:effectLst>
+          <a:scene3d>
+            <a:camera prst="orthographicFront"/>
+            <a:lightRig rig="twoPt" dir="t">
+              <a:rot lat="0" lon="0" rev="7200000"/>
+            </a:lightRig>
+          </a:scene3d>
+          <a:sp3d>
+            <a:bevelT w="25400" h="19050"/>
+            <a:contourClr>
+              <a:srgbClr val="FFFFFF"/>
+            </a:contourClr>
+          </a:sp3d>
         </p:spPr>
       </p:pic>
-      <p:sp>
-        <p:nvSpPr>
-          <p:cNvPr id="5" name="วงรี 4"/>
-          <p:cNvSpPr/>
-          <p:nvPr/>
-        </p:nvSpPr>
-        <p:spPr>
-          <a:xfrm>
-            <a:off x="7848600" y="1809750"/>
-            <a:ext cx="419100" cy="533400"/>
-          </a:xfrm>
-          <a:prstGeom prst="ellipse">
-            <a:avLst/>
-          </a:prstGeom>
-          <a:noFill/>
-          <a:ln w="63500">
-            <a:solidFill>
-              <a:srgbClr val="C00000"/>
-            </a:solidFill>
-          </a:ln>
-        </p:spPr>
-        <p:style>
-          <a:lnRef idx="2">
-            <a:schemeClr val="accent1">
-              <a:shade val="50000"/>
-            </a:schemeClr>
-          </a:lnRef>
-          <a:fillRef idx="1">
-            <a:schemeClr val="accent1"/>
-          </a:fillRef>
-          <a:effectRef idx="0">
-            <a:schemeClr val="accent1"/>
-          </a:effectRef>
-          <a:fontRef idx="minor">
-            <a:schemeClr val="lt1"/>
-          </a:fontRef>
-        </p:style>
-        <p:txBody>
-          <a:bodyPr rtlCol="0" anchor="ctr"/>
-          <a:lstStyle/>
-          <a:p>
-            <a:pPr algn="ctr"/>
-            <a:endParaRPr lang="th-TH"/>
-          </a:p>
-        </p:txBody>
-      </p:sp>
-      <p:sp>
-        <p:nvSpPr>
-          <p:cNvPr id="6" name="วงรี 5"/>
-          <p:cNvSpPr/>
-          <p:nvPr/>
-        </p:nvSpPr>
-        <p:spPr>
-          <a:xfrm>
-            <a:off x="8115300" y="3505200"/>
-            <a:ext cx="819150" cy="857250"/>
-          </a:xfrm>
-          <a:prstGeom prst="ellipse">
-            <a:avLst/>
-          </a:prstGeom>
-          <a:noFill/>
-          <a:ln w="63500">
-            <a:solidFill>
-              <a:srgbClr val="C00000"/>
-            </a:solidFill>
-          </a:ln>
-        </p:spPr>
-        <p:style>
-          <a:lnRef idx="2">
-            <a:schemeClr val="accent1">
-              <a:shade val="50000"/>
-            </a:schemeClr>
-          </a:lnRef>
-          <a:fillRef idx="1">
-            <a:schemeClr val="accent1"/>
-          </a:fillRef>
-          <a:effectRef idx="0">
-            <a:schemeClr val="accent1"/>
-          </a:effectRef>
-          <a:fontRef idx="minor">
-            <a:schemeClr val="lt1"/>
-          </a:fontRef>
-        </p:style>
-        <p:txBody>
-          <a:bodyPr rtlCol="0" anchor="ctr"/>
-          <a:lstStyle/>
-          <a:p>
-            <a:pPr algn="ctr"/>
-            <a:endParaRPr lang="th-TH"/>
-          </a:p>
-        </p:txBody>
-      </p:sp>
     </p:spTree>
   </p:cSld>
   <p:clrMapOvr>
@@ -5269,7 +8363,7 @@
       </p:grpSpPr>
       <p:sp>
         <p:nvSpPr>
-          <p:cNvPr id="2" name="Title 1"/>
+          <p:cNvPr id="2" name="ชื่อเรื่อง 1"/>
           <p:cNvSpPr>
             <a:spLocks noGrp="1"/>
           </p:cNvSpPr>
@@ -5280,30 +8374,34 @@
         <p:spPr/>
         <p:txBody>
           <a:bodyPr>
-            <a:normAutofit/>
+            <a:normAutofit fontScale="90000"/>
           </a:bodyPr>
           <a:lstStyle/>
           <a:p>
             <a:r>
-              <a:rPr lang="th-TH" sz="6000" b="1" dirty="0">
-                <a:latin typeface="TH SarabunPSK" panose="020B0500040200020003" pitchFamily="34" charset="-34"/>
-                <a:cs typeface="TH SarabunPSK" panose="020B0500040200020003" pitchFamily="34" charset="-34"/>
+              <a:rPr lang="th-TH" sz="6000" b="1" dirty="0" smtClean="0">
+                <a:latin typeface="TH SarabunPSK" pitchFamily="34" charset="-34"/>
+                <a:cs typeface="TH SarabunPSK" pitchFamily="34" charset="-34"/>
               </a:rPr>
-              <a:t>อธิบายหน้าจอการทำงานของ </a:t>
-            </a:r>
-            <a:r>
-              <a:rPr lang="en-US" sz="6000" b="1" dirty="0">
-                <a:latin typeface="TH SarabunPSK" panose="020B0500040200020003" pitchFamily="34" charset="-34"/>
-                <a:cs typeface="TH SarabunPSK" panose="020B0500040200020003" pitchFamily="34" charset="-34"/>
+              <a:t>การเข้าใช้งาน </a:t>
+            </a:r>
+            <a:r>
+              <a:rPr lang="en-US" sz="6000" b="1" dirty="0" smtClean="0">
+                <a:latin typeface="TH SarabunPSK" pitchFamily="34" charset="-34"/>
+                <a:cs typeface="TH SarabunPSK" pitchFamily="34" charset="-34"/>
               </a:rPr>
               <a:t>Google Calendar</a:t>
             </a:r>
+            <a:endParaRPr lang="th-TH" sz="6000" b="1" dirty="0">
+              <a:latin typeface="TH SarabunPSK" pitchFamily="34" charset="-34"/>
+              <a:cs typeface="TH SarabunPSK" pitchFamily="34" charset="-34"/>
+            </a:endParaRPr>
           </a:p>
         </p:txBody>
       </p:sp>
       <p:pic>
         <p:nvPicPr>
-          <p:cNvPr id="4" name="Content Placeholder 3"/>
+          <p:cNvPr id="4" name="ตัวยึดเนื้อหา 3" descr="link.png"/>
           <p:cNvPicPr>
             <a:picLocks noGrp="1" noChangeAspect="1"/>
           </p:cNvPicPr>
@@ -5312,43 +8410,144 @@
           </p:nvPr>
         </p:nvPicPr>
         <p:blipFill>
-          <a:blip r:embed="rId2">
-            <a:extLst>
-              <a:ext uri="{28A0092B-C50C-407E-A947-70E740481C1C}">
-                <a14:useLocalDpi xmlns:a14="http://schemas.microsoft.com/office/drawing/2010/main" xmlns="" val="0"/>
-              </a:ext>
-            </a:extLst>
-          </a:blip>
+          <a:blip r:embed="rId2"/>
           <a:stretch>
             <a:fillRect/>
           </a:stretch>
         </p:blipFill>
         <p:spPr>
           <a:xfrm>
-            <a:off x="2593486" y="1825625"/>
-            <a:ext cx="7005028" cy="4351338"/>
+            <a:off x="2735870" y="1784350"/>
+            <a:ext cx="7329860" cy="4572000"/>
           </a:xfrm>
           <a:prstGeom prst="rect">
             <a:avLst/>
           </a:prstGeom>
-          <a:ln>
-            <a:noFill/>
+          <a:solidFill>
+            <a:srgbClr val="FFFFFF">
+              <a:shade val="85000"/>
+            </a:srgbClr>
+          </a:solidFill>
+          <a:ln w="88900" cap="sq">
+            <a:solidFill>
+              <a:srgbClr val="FFFFFF"/>
+            </a:solidFill>
+            <a:miter lim="800000"/>
           </a:ln>
           <a:effectLst>
-            <a:outerShdw blurRad="292100" dist="139700" dir="2700000" algn="tl" rotWithShape="0">
-              <a:srgbClr val="333333">
-                <a:alpha val="65000"/>
+            <a:outerShdw blurRad="55000" dist="18000" dir="5400000" algn="tl" rotWithShape="0">
+              <a:srgbClr val="000000">
+                <a:alpha val="40000"/>
               </a:srgbClr>
             </a:outerShdw>
           </a:effectLst>
+          <a:scene3d>
+            <a:camera prst="orthographicFront"/>
+            <a:lightRig rig="twoPt" dir="t">
+              <a:rot lat="0" lon="0" rev="7200000"/>
+            </a:lightRig>
+          </a:scene3d>
+          <a:sp3d>
+            <a:bevelT w="25400" h="19050"/>
+            <a:contourClr>
+              <a:srgbClr val="FFFFFF"/>
+            </a:contourClr>
+          </a:sp3d>
         </p:spPr>
       </p:pic>
+      <p:sp>
+        <p:nvSpPr>
+          <p:cNvPr id="5" name="วงรี 4"/>
+          <p:cNvSpPr/>
+          <p:nvPr/>
+        </p:nvSpPr>
+        <p:spPr>
+          <a:xfrm>
+            <a:off x="8267701" y="1752600"/>
+            <a:ext cx="419100" cy="533400"/>
+          </a:xfrm>
+          <a:prstGeom prst="ellipse">
+            <a:avLst/>
+          </a:prstGeom>
+          <a:noFill/>
+          <a:ln w="63500">
+            <a:solidFill>
+              <a:srgbClr val="C00000"/>
+            </a:solidFill>
+          </a:ln>
+        </p:spPr>
+        <p:style>
+          <a:lnRef idx="2">
+            <a:schemeClr val="accent1">
+              <a:shade val="50000"/>
+            </a:schemeClr>
+          </a:lnRef>
+          <a:fillRef idx="1">
+            <a:schemeClr val="accent1"/>
+          </a:fillRef>
+          <a:effectRef idx="0">
+            <a:schemeClr val="accent1"/>
+          </a:effectRef>
+          <a:fontRef idx="minor">
+            <a:schemeClr val="lt1"/>
+          </a:fontRef>
+        </p:style>
+        <p:txBody>
+          <a:bodyPr rtlCol="0" anchor="ctr"/>
+          <a:lstStyle/>
+          <a:p>
+            <a:pPr algn="ctr"/>
+            <a:endParaRPr lang="th-TH"/>
+          </a:p>
+        </p:txBody>
+      </p:sp>
+      <p:sp>
+        <p:nvSpPr>
+          <p:cNvPr id="6" name="วงรี 5"/>
+          <p:cNvSpPr/>
+          <p:nvPr/>
+        </p:nvSpPr>
+        <p:spPr>
+          <a:xfrm>
+            <a:off x="8572501" y="3543300"/>
+            <a:ext cx="819151" cy="857250"/>
+          </a:xfrm>
+          <a:prstGeom prst="ellipse">
+            <a:avLst/>
+          </a:prstGeom>
+          <a:noFill/>
+          <a:ln w="63500">
+            <a:solidFill>
+              <a:srgbClr val="C00000"/>
+            </a:solidFill>
+          </a:ln>
+        </p:spPr>
+        <p:style>
+          <a:lnRef idx="2">
+            <a:schemeClr val="accent1">
+              <a:shade val="50000"/>
+            </a:schemeClr>
+          </a:lnRef>
+          <a:fillRef idx="1">
+            <a:schemeClr val="accent1"/>
+          </a:fillRef>
+          <a:effectRef idx="0">
+            <a:schemeClr val="accent1"/>
+          </a:effectRef>
+          <a:fontRef idx="minor">
+            <a:schemeClr val="lt1"/>
+          </a:fontRef>
+        </p:style>
+        <p:txBody>
+          <a:bodyPr rtlCol="0" anchor="ctr"/>
+          <a:lstStyle/>
+          <a:p>
+            <a:pPr algn="ctr"/>
+            <a:endParaRPr lang="th-TH"/>
+          </a:p>
+        </p:txBody>
+      </p:sp>
     </p:spTree>
-    <p:extLst>
-      <p:ext uri="{BB962C8B-B14F-4D97-AF65-F5344CB8AC3E}">
-        <p14:creationId xmlns:p14="http://schemas.microsoft.com/office/powerpoint/2010/main" xmlns="" val="1282511583"/>
-      </p:ext>
-    </p:extLst>
   </p:cSld>
   <p:clrMapOvr>
     <a:masterClrMapping/>
@@ -5382,7 +8581,7 @@
       </p:grpSpPr>
       <p:sp>
         <p:nvSpPr>
-          <p:cNvPr id="2" name="ชื่อเรื่อง 1"/>
+          <p:cNvPr id="2" name="Title 1"/>
           <p:cNvSpPr>
             <a:spLocks noGrp="1"/>
           </p:cNvSpPr>
@@ -5392,16 +8591,31 @@
         </p:nvSpPr>
         <p:spPr/>
         <p:txBody>
-          <a:bodyPr/>
+          <a:bodyPr>
+            <a:normAutofit fontScale="90000"/>
+          </a:bodyPr>
           <a:lstStyle/>
           <a:p>
-            <a:endParaRPr lang="th-TH" dirty="0"/>
+            <a:r>
+              <a:rPr lang="th-TH" sz="6000" b="1" dirty="0">
+                <a:latin typeface="TH SarabunPSK" panose="020B0500040200020003" pitchFamily="34" charset="-34"/>
+                <a:cs typeface="TH SarabunPSK" panose="020B0500040200020003" pitchFamily="34" charset="-34"/>
+              </a:rPr>
+              <a:t>อธิบายหน้าจอการทำงานของ </a:t>
+            </a:r>
+            <a:r>
+              <a:rPr lang="en-US" sz="6000" b="1" dirty="0">
+                <a:latin typeface="TH SarabunPSK" panose="020B0500040200020003" pitchFamily="34" charset="-34"/>
+                <a:cs typeface="TH SarabunPSK" panose="020B0500040200020003" pitchFamily="34" charset="-34"/>
+              </a:rPr>
+              <a:t>Google Calendar</a:t>
+            </a:r>
           </a:p>
         </p:txBody>
       </p:sp>
       <p:pic>
         <p:nvPicPr>
-          <p:cNvPr id="4" name="ตัวยึดเนื้อหา 3" descr="th130.png"/>
+          <p:cNvPr id="4" name="Content Placeholder 3"/>
           <p:cNvPicPr>
             <a:picLocks noGrp="1" noChangeAspect="1"/>
           </p:cNvPicPr>
@@ -5410,289 +8624,63 @@
           </p:nvPr>
         </p:nvPicPr>
         <p:blipFill>
-          <a:blip r:embed="rId2"/>
+          <a:blip r:embed="rId2">
+            <a:extLst>
+              <a:ext uri="{28A0092B-C50C-407E-A947-70E740481C1C}">
+                <a14:useLocalDpi xmlns:a14="http://schemas.microsoft.com/office/drawing/2010/main" xmlns="" val="0"/>
+              </a:ext>
+            </a:extLst>
+          </a:blip>
           <a:stretch>
             <a:fillRect/>
           </a:stretch>
         </p:blipFill>
         <p:spPr>
           <a:xfrm>
-            <a:off x="838200" y="357981"/>
-            <a:ext cx="2971800" cy="6315076"/>
+            <a:off x="2720668" y="1784350"/>
+            <a:ext cx="7360263" cy="4572000"/>
           </a:xfrm>
           <a:prstGeom prst="rect">
             <a:avLst/>
           </a:prstGeom>
-          <a:ln>
-            <a:noFill/>
+          <a:solidFill>
+            <a:srgbClr val="FFFFFF">
+              <a:shade val="85000"/>
+            </a:srgbClr>
+          </a:solidFill>
+          <a:ln w="88900" cap="sq">
+            <a:solidFill>
+              <a:srgbClr val="FFFFFF"/>
+            </a:solidFill>
+            <a:miter lim="800000"/>
           </a:ln>
           <a:effectLst>
-            <a:outerShdw blurRad="292100" dist="139700" dir="2700000" algn="tl" rotWithShape="0">
-              <a:srgbClr val="333333">
-                <a:alpha val="65000"/>
+            <a:outerShdw blurRad="55000" dist="18000" dir="5400000" algn="tl" rotWithShape="0">
+              <a:srgbClr val="000000">
+                <a:alpha val="40000"/>
               </a:srgbClr>
             </a:outerShdw>
           </a:effectLst>
+          <a:scene3d>
+            <a:camera prst="orthographicFront"/>
+            <a:lightRig rig="twoPt" dir="t">
+              <a:rot lat="0" lon="0" rev="7200000"/>
+            </a:lightRig>
+          </a:scene3d>
+          <a:sp3d>
+            <a:bevelT w="25400" h="19050"/>
+            <a:contourClr>
+              <a:srgbClr val="FFFFFF"/>
+            </a:contourClr>
+          </a:sp3d>
         </p:spPr>
       </p:pic>
-      <p:sp>
-        <p:nvSpPr>
-          <p:cNvPr id="5" name="วงเล็บปีกกาขวา 4"/>
-          <p:cNvSpPr/>
-          <p:nvPr/>
-        </p:nvSpPr>
-        <p:spPr>
-          <a:xfrm>
-            <a:off x="4210050" y="1295400"/>
-            <a:ext cx="800100" cy="2438400"/>
-          </a:xfrm>
-          <a:prstGeom prst="rightBrace">
-            <a:avLst/>
-          </a:prstGeom>
-        </p:spPr>
-        <p:style>
-          <a:lnRef idx="1">
-            <a:schemeClr val="accent1"/>
-          </a:lnRef>
-          <a:fillRef idx="0">
-            <a:schemeClr val="accent1"/>
-          </a:fillRef>
-          <a:effectRef idx="0">
-            <a:schemeClr val="accent1"/>
-          </a:effectRef>
-          <a:fontRef idx="minor">
-            <a:schemeClr val="tx1"/>
-          </a:fontRef>
-        </p:style>
-        <p:txBody>
-          <a:bodyPr rtlCol="0" anchor="ctr"/>
-          <a:lstStyle/>
-          <a:p>
-            <a:pPr algn="ctr"/>
-            <a:endParaRPr lang="th-TH"/>
-          </a:p>
-        </p:txBody>
-      </p:sp>
-      <p:sp>
-        <p:nvSpPr>
-          <p:cNvPr id="6" name="วงเล็บปีกกาขวา 5"/>
-          <p:cNvSpPr/>
-          <p:nvPr/>
-        </p:nvSpPr>
-        <p:spPr>
-          <a:xfrm>
-            <a:off x="4248150" y="3943350"/>
-            <a:ext cx="800100" cy="1238250"/>
-          </a:xfrm>
-          <a:prstGeom prst="rightBrace">
-            <a:avLst/>
-          </a:prstGeom>
-        </p:spPr>
-        <p:style>
-          <a:lnRef idx="1">
-            <a:schemeClr val="accent1"/>
-          </a:lnRef>
-          <a:fillRef idx="0">
-            <a:schemeClr val="accent1"/>
-          </a:fillRef>
-          <a:effectRef idx="0">
-            <a:schemeClr val="accent1"/>
-          </a:effectRef>
-          <a:fontRef idx="minor">
-            <a:schemeClr val="tx1"/>
-          </a:fontRef>
-        </p:style>
-        <p:txBody>
-          <a:bodyPr rtlCol="0" anchor="ctr"/>
-          <a:lstStyle/>
-          <a:p>
-            <a:pPr algn="ctr"/>
-            <a:endParaRPr lang="th-TH"/>
-          </a:p>
-        </p:txBody>
-      </p:sp>
-      <p:sp>
-        <p:nvSpPr>
-          <p:cNvPr id="7" name="วงเล็บปีกกาขวา 6"/>
-          <p:cNvSpPr/>
-          <p:nvPr/>
-        </p:nvSpPr>
-        <p:spPr>
-          <a:xfrm>
-            <a:off x="4267200" y="5486400"/>
-            <a:ext cx="800100" cy="1047750"/>
-          </a:xfrm>
-          <a:prstGeom prst="rightBrace">
-            <a:avLst/>
-          </a:prstGeom>
-        </p:spPr>
-        <p:style>
-          <a:lnRef idx="1">
-            <a:schemeClr val="accent1"/>
-          </a:lnRef>
-          <a:fillRef idx="0">
-            <a:schemeClr val="accent1"/>
-          </a:fillRef>
-          <a:effectRef idx="0">
-            <a:schemeClr val="accent1"/>
-          </a:effectRef>
-          <a:fontRef idx="minor">
-            <a:schemeClr val="tx1"/>
-          </a:fontRef>
-        </p:style>
-        <p:txBody>
-          <a:bodyPr rtlCol="0" anchor="ctr"/>
-          <a:lstStyle/>
-          <a:p>
-            <a:pPr algn="ctr"/>
-            <a:endParaRPr lang="th-TH"/>
-          </a:p>
-        </p:txBody>
-      </p:sp>
-      <p:sp>
-        <p:nvSpPr>
-          <p:cNvPr id="8" name="TextBox 7"/>
-          <p:cNvSpPr txBox="1"/>
-          <p:nvPr/>
-        </p:nvSpPr>
-        <p:spPr>
-          <a:xfrm>
-            <a:off x="5410200" y="1752600"/>
-            <a:ext cx="6229350" cy="1200329"/>
-          </a:xfrm>
-          <a:prstGeom prst="rect">
-            <a:avLst/>
-          </a:prstGeom>
-          <a:noFill/>
-        </p:spPr>
-        <p:txBody>
-          <a:bodyPr wrap="square" rtlCol="0">
-            <a:spAutoFit/>
-          </a:bodyPr>
-          <a:lstStyle/>
-          <a:p>
-            <a:pPr lvl="2"/>
-            <a:r>
-              <a:rPr lang="th-TH" sz="3600" dirty="0" smtClean="0">
-                <a:latin typeface="TH SarabunPSK" pitchFamily="34" charset="-34"/>
-                <a:cs typeface="TH SarabunPSK" pitchFamily="34" charset="-34"/>
-              </a:rPr>
-              <a:t>ปฏิทิน</a:t>
-            </a:r>
-            <a:r>
-              <a:rPr lang="th-TH" sz="3600" dirty="0" smtClean="0">
-                <a:latin typeface="TH SarabunPSK" pitchFamily="34" charset="-34"/>
-                <a:cs typeface="TH SarabunPSK" pitchFamily="34" charset="-34"/>
-              </a:rPr>
-              <a:t>ขนาดเล็ก</a:t>
-            </a:r>
-            <a:r>
-              <a:rPr lang="en-US" sz="3600" dirty="0" smtClean="0">
-                <a:latin typeface="TH SarabunPSK" pitchFamily="34" charset="-34"/>
-                <a:cs typeface="TH SarabunPSK" pitchFamily="34" charset="-34"/>
-              </a:rPr>
-              <a:t>:	</a:t>
-            </a:r>
-            <a:r>
-              <a:rPr lang="th-TH" sz="3600" dirty="0" smtClean="0">
-                <a:latin typeface="TH SarabunPSK" pitchFamily="34" charset="-34"/>
-                <a:cs typeface="TH SarabunPSK" pitchFamily="34" charset="-34"/>
-              </a:rPr>
-              <a:t>ใช้สำหรับการเลือกช่วงเวลาที่ต้องการดู</a:t>
-            </a:r>
-            <a:r>
-              <a:rPr lang="th-TH" sz="3600" dirty="0" smtClean="0">
-                <a:latin typeface="TH SarabunPSK" pitchFamily="34" charset="-34"/>
-                <a:cs typeface="TH SarabunPSK" pitchFamily="34" charset="-34"/>
-              </a:rPr>
-              <a:t>ข้อมูล</a:t>
-            </a:r>
-            <a:endParaRPr lang="en-US" sz="3600" dirty="0" smtClean="0">
-              <a:latin typeface="TH SarabunPSK" pitchFamily="34" charset="-34"/>
-              <a:cs typeface="TH SarabunPSK" pitchFamily="34" charset="-34"/>
-            </a:endParaRPr>
-          </a:p>
-        </p:txBody>
-      </p:sp>
-      <p:sp>
-        <p:nvSpPr>
-          <p:cNvPr id="10" name="TextBox 9"/>
-          <p:cNvSpPr txBox="1"/>
-          <p:nvPr/>
-        </p:nvSpPr>
-        <p:spPr>
-          <a:xfrm>
-            <a:off x="5467350" y="3848100"/>
-            <a:ext cx="6229350" cy="1200329"/>
-          </a:xfrm>
-          <a:prstGeom prst="rect">
-            <a:avLst/>
-          </a:prstGeom>
-          <a:noFill/>
-        </p:spPr>
-        <p:txBody>
-          <a:bodyPr wrap="square" rtlCol="0">
-            <a:spAutoFit/>
-          </a:bodyPr>
-          <a:lstStyle/>
-          <a:p>
-            <a:pPr lvl="2"/>
-            <a:r>
-              <a:rPr lang="th-TH" sz="3600" dirty="0" smtClean="0"/>
-              <a:t>ปฏิทินของฉัน</a:t>
-            </a:r>
-            <a:r>
-              <a:rPr lang="en-US" sz="3600" dirty="0" smtClean="0"/>
-              <a:t>:	</a:t>
-            </a:r>
-            <a:r>
-              <a:rPr lang="th-TH" sz="3600" dirty="0" smtClean="0"/>
-              <a:t>ใช้สำหรับจัดการปฏิทินที่สร้างโดยผู้ใช้เอง</a:t>
-            </a:r>
-            <a:endParaRPr lang="en-US" sz="3600" dirty="0"/>
-          </a:p>
-        </p:txBody>
-      </p:sp>
-      <p:sp>
-        <p:nvSpPr>
-          <p:cNvPr id="11" name="TextBox 10"/>
-          <p:cNvSpPr txBox="1"/>
-          <p:nvPr/>
-        </p:nvSpPr>
-        <p:spPr>
-          <a:xfrm>
-            <a:off x="5391150" y="5314950"/>
-            <a:ext cx="6229350" cy="1200329"/>
-          </a:xfrm>
-          <a:prstGeom prst="rect">
-            <a:avLst/>
-          </a:prstGeom>
-          <a:noFill/>
-        </p:spPr>
-        <p:txBody>
-          <a:bodyPr wrap="square" rtlCol="0">
-            <a:spAutoFit/>
-          </a:bodyPr>
-          <a:lstStyle/>
-          <a:p>
-            <a:pPr lvl="2"/>
-            <a:r>
-              <a:rPr lang="th-TH" sz="3600" dirty="0" smtClean="0"/>
-              <a:t>ปฏิทินอื่นๆ</a:t>
-            </a:r>
-            <a:r>
-              <a:rPr lang="en-US" sz="3600" dirty="0" smtClean="0"/>
-              <a:t>:	</a:t>
-            </a:r>
-            <a:r>
-              <a:rPr lang="th-TH" sz="3600" dirty="0" smtClean="0"/>
-              <a:t>ใช้สำหรับจัดการปฏิทินที่เชื่อมโยงจากผู้ใช้อื่นๆ</a:t>
-            </a:r>
-            <a:endParaRPr lang="en-US" sz="3600" dirty="0"/>
-          </a:p>
-        </p:txBody>
-      </p:sp>
     </p:spTree>
+    <p:extLst>
+      <p:ext uri="{BB962C8B-B14F-4D97-AF65-F5344CB8AC3E}">
+        <p14:creationId xmlns:p14="http://schemas.microsoft.com/office/powerpoint/2010/main" xmlns="" val="1282511583"/>
+      </p:ext>
+    </p:extLst>
   </p:cSld>
   <p:clrMapOvr>
     <a:masterClrMapping/>
@@ -5739,13 +8727,13 @@
           <a:bodyPr/>
           <a:lstStyle/>
           <a:p>
-            <a:endParaRPr lang="th-TH"/>
+            <a:endParaRPr lang="th-TH" dirty="0"/>
           </a:p>
         </p:txBody>
       </p:sp>
       <p:pic>
         <p:nvPicPr>
-          <p:cNvPr id="4" name="ตัวยึดเนื้อหา 3" descr="th140.png"/>
+          <p:cNvPr id="4" name="ตัวยึดเนื้อหา 3" descr="th130.png"/>
           <p:cNvPicPr>
             <a:picLocks noGrp="1" noChangeAspect="1"/>
           </p:cNvPicPr>
@@ -5761,24 +8749,287 @@
         </p:blipFill>
         <p:spPr>
           <a:xfrm>
-            <a:off x="1893010" y="339724"/>
-            <a:ext cx="8470189" cy="6256033"/>
+            <a:off x="838200" y="357981"/>
+            <a:ext cx="2971800" cy="6315076"/>
           </a:xfrm>
           <a:prstGeom prst="rect">
             <a:avLst/>
           </a:prstGeom>
-          <a:ln>
-            <a:noFill/>
+          <a:solidFill>
+            <a:srgbClr val="FFFFFF">
+              <a:shade val="85000"/>
+            </a:srgbClr>
+          </a:solidFill>
+          <a:ln w="88900" cap="sq">
+            <a:solidFill>
+              <a:srgbClr val="FFFFFF"/>
+            </a:solidFill>
+            <a:miter lim="800000"/>
           </a:ln>
           <a:effectLst>
-            <a:outerShdw blurRad="292100" dist="139700" dir="2700000" algn="tl" rotWithShape="0">
-              <a:srgbClr val="333333">
-                <a:alpha val="65000"/>
+            <a:outerShdw blurRad="55000" dist="18000" dir="5400000" algn="tl" rotWithShape="0">
+              <a:srgbClr val="000000">
+                <a:alpha val="40000"/>
               </a:srgbClr>
             </a:outerShdw>
           </a:effectLst>
+          <a:scene3d>
+            <a:camera prst="orthographicFront"/>
+            <a:lightRig rig="twoPt" dir="t">
+              <a:rot lat="0" lon="0" rev="7200000"/>
+            </a:lightRig>
+          </a:scene3d>
+          <a:sp3d>
+            <a:bevelT w="25400" h="19050"/>
+            <a:contourClr>
+              <a:srgbClr val="FFFFFF"/>
+            </a:contourClr>
+          </a:sp3d>
         </p:spPr>
       </p:pic>
+      <p:sp>
+        <p:nvSpPr>
+          <p:cNvPr id="5" name="วงเล็บปีกกาขวา 4"/>
+          <p:cNvSpPr/>
+          <p:nvPr/>
+        </p:nvSpPr>
+        <p:spPr>
+          <a:xfrm>
+            <a:off x="4210051" y="1295400"/>
+            <a:ext cx="800100" cy="2438400"/>
+          </a:xfrm>
+          <a:prstGeom prst="rightBrace">
+            <a:avLst/>
+          </a:prstGeom>
+        </p:spPr>
+        <p:style>
+          <a:lnRef idx="1">
+            <a:schemeClr val="accent1"/>
+          </a:lnRef>
+          <a:fillRef idx="0">
+            <a:schemeClr val="accent1"/>
+          </a:fillRef>
+          <a:effectRef idx="0">
+            <a:schemeClr val="accent1"/>
+          </a:effectRef>
+          <a:fontRef idx="minor">
+            <a:schemeClr val="tx1"/>
+          </a:fontRef>
+        </p:style>
+        <p:txBody>
+          <a:bodyPr rtlCol="0" anchor="ctr"/>
+          <a:lstStyle/>
+          <a:p>
+            <a:pPr algn="ctr"/>
+            <a:endParaRPr lang="th-TH"/>
+          </a:p>
+        </p:txBody>
+      </p:sp>
+      <p:sp>
+        <p:nvSpPr>
+          <p:cNvPr id="6" name="วงเล็บปีกกาขวา 5"/>
+          <p:cNvSpPr/>
+          <p:nvPr/>
+        </p:nvSpPr>
+        <p:spPr>
+          <a:xfrm>
+            <a:off x="4248151" y="3943350"/>
+            <a:ext cx="800100" cy="1238250"/>
+          </a:xfrm>
+          <a:prstGeom prst="rightBrace">
+            <a:avLst/>
+          </a:prstGeom>
+        </p:spPr>
+        <p:style>
+          <a:lnRef idx="1">
+            <a:schemeClr val="accent1"/>
+          </a:lnRef>
+          <a:fillRef idx="0">
+            <a:schemeClr val="accent1"/>
+          </a:fillRef>
+          <a:effectRef idx="0">
+            <a:schemeClr val="accent1"/>
+          </a:effectRef>
+          <a:fontRef idx="minor">
+            <a:schemeClr val="tx1"/>
+          </a:fontRef>
+        </p:style>
+        <p:txBody>
+          <a:bodyPr rtlCol="0" anchor="ctr"/>
+          <a:lstStyle/>
+          <a:p>
+            <a:pPr algn="ctr"/>
+            <a:endParaRPr lang="th-TH"/>
+          </a:p>
+        </p:txBody>
+      </p:sp>
+      <p:sp>
+        <p:nvSpPr>
+          <p:cNvPr id="7" name="วงเล็บปีกกาขวา 6"/>
+          <p:cNvSpPr/>
+          <p:nvPr/>
+        </p:nvSpPr>
+        <p:spPr>
+          <a:xfrm>
+            <a:off x="4267201" y="5486400"/>
+            <a:ext cx="800100" cy="1047750"/>
+          </a:xfrm>
+          <a:prstGeom prst="rightBrace">
+            <a:avLst/>
+          </a:prstGeom>
+        </p:spPr>
+        <p:style>
+          <a:lnRef idx="1">
+            <a:schemeClr val="accent1"/>
+          </a:lnRef>
+          <a:fillRef idx="0">
+            <a:schemeClr val="accent1"/>
+          </a:fillRef>
+          <a:effectRef idx="0">
+            <a:schemeClr val="accent1"/>
+          </a:effectRef>
+          <a:fontRef idx="minor">
+            <a:schemeClr val="tx1"/>
+          </a:fontRef>
+        </p:style>
+        <p:txBody>
+          <a:bodyPr rtlCol="0" anchor="ctr"/>
+          <a:lstStyle/>
+          <a:p>
+            <a:pPr algn="ctr"/>
+            <a:endParaRPr lang="th-TH"/>
+          </a:p>
+        </p:txBody>
+      </p:sp>
+      <p:sp>
+        <p:nvSpPr>
+          <p:cNvPr id="8" name="TextBox 7"/>
+          <p:cNvSpPr txBox="1"/>
+          <p:nvPr/>
+        </p:nvSpPr>
+        <p:spPr>
+          <a:xfrm>
+            <a:off x="5410201" y="1752601"/>
+            <a:ext cx="6229351" cy="1200329"/>
+          </a:xfrm>
+          <a:prstGeom prst="rect">
+            <a:avLst/>
+          </a:prstGeom>
+          <a:noFill/>
+        </p:spPr>
+        <p:txBody>
+          <a:bodyPr wrap="square" rtlCol="0">
+            <a:spAutoFit/>
+          </a:bodyPr>
+          <a:lstStyle/>
+          <a:p>
+            <a:pPr lvl="2"/>
+            <a:r>
+              <a:rPr lang="th-TH" sz="3600" dirty="0" smtClean="0">
+                <a:latin typeface="TH SarabunPSK" pitchFamily="34" charset="-34"/>
+                <a:cs typeface="TH SarabunPSK" pitchFamily="34" charset="-34"/>
+              </a:rPr>
+              <a:t>ปฏิทินขนาดเล็ก</a:t>
+            </a:r>
+            <a:r>
+              <a:rPr lang="en-US" sz="3600" dirty="0" smtClean="0">
+                <a:latin typeface="TH SarabunPSK" pitchFamily="34" charset="-34"/>
+                <a:cs typeface="TH SarabunPSK" pitchFamily="34" charset="-34"/>
+              </a:rPr>
+              <a:t>:	</a:t>
+            </a:r>
+            <a:r>
+              <a:rPr lang="th-TH" sz="3600" dirty="0" smtClean="0">
+                <a:latin typeface="TH SarabunPSK" pitchFamily="34" charset="-34"/>
+                <a:cs typeface="TH SarabunPSK" pitchFamily="34" charset="-34"/>
+              </a:rPr>
+              <a:t>ใช้สำหรับการเลือกช่วงเวลาที่ต้องการดูข้อมูล</a:t>
+            </a:r>
+            <a:endParaRPr lang="en-US" sz="3600" dirty="0" smtClean="0">
+              <a:latin typeface="TH SarabunPSK" pitchFamily="34" charset="-34"/>
+              <a:cs typeface="TH SarabunPSK" pitchFamily="34" charset="-34"/>
+            </a:endParaRPr>
+          </a:p>
+        </p:txBody>
+      </p:sp>
+      <p:sp>
+        <p:nvSpPr>
+          <p:cNvPr id="10" name="TextBox 9"/>
+          <p:cNvSpPr txBox="1"/>
+          <p:nvPr/>
+        </p:nvSpPr>
+        <p:spPr>
+          <a:xfrm>
+            <a:off x="5467350" y="3848102"/>
+            <a:ext cx="6229351" cy="1200329"/>
+          </a:xfrm>
+          <a:prstGeom prst="rect">
+            <a:avLst/>
+          </a:prstGeom>
+          <a:noFill/>
+        </p:spPr>
+        <p:txBody>
+          <a:bodyPr wrap="square" rtlCol="0">
+            <a:spAutoFit/>
+          </a:bodyPr>
+          <a:lstStyle/>
+          <a:p>
+            <a:pPr lvl="2"/>
+            <a:r>
+              <a:rPr lang="th-TH" sz="3600" dirty="0" smtClean="0"/>
+              <a:t>ปฏิทินของฉัน</a:t>
+            </a:r>
+            <a:r>
+              <a:rPr lang="en-US" sz="3600" dirty="0" smtClean="0"/>
+              <a:t>:	</a:t>
+            </a:r>
+            <a:r>
+              <a:rPr lang="th-TH" sz="3600" dirty="0" smtClean="0"/>
+              <a:t>ใช้สำหรับจัดการปฏิทินที่สร้างโดยผู้ใช้เอง</a:t>
+            </a:r>
+            <a:endParaRPr lang="en-US" sz="3600" dirty="0"/>
+          </a:p>
+        </p:txBody>
+      </p:sp>
+      <p:sp>
+        <p:nvSpPr>
+          <p:cNvPr id="11" name="TextBox 10"/>
+          <p:cNvSpPr txBox="1"/>
+          <p:nvPr/>
+        </p:nvSpPr>
+        <p:spPr>
+          <a:xfrm>
+            <a:off x="5391150" y="5314951"/>
+            <a:ext cx="6229351" cy="1200329"/>
+          </a:xfrm>
+          <a:prstGeom prst="rect">
+            <a:avLst/>
+          </a:prstGeom>
+          <a:noFill/>
+        </p:spPr>
+        <p:txBody>
+          <a:bodyPr wrap="square" rtlCol="0">
+            <a:spAutoFit/>
+          </a:bodyPr>
+          <a:lstStyle/>
+          <a:p>
+            <a:pPr lvl="2"/>
+            <a:r>
+              <a:rPr lang="th-TH" sz="3600" dirty="0" smtClean="0"/>
+              <a:t>ปฏิทินอื่นๆ</a:t>
+            </a:r>
+            <a:r>
+              <a:rPr lang="en-US" sz="3600" dirty="0" smtClean="0"/>
+              <a:t>:	</a:t>
+            </a:r>
+            <a:r>
+              <a:rPr lang="th-TH" sz="3600" dirty="0" smtClean="0"/>
+              <a:t>ใช้สำหรับจัดการปฏิทินที่เชื่อมโยงจากผู้ใช้อื่นๆ</a:t>
+            </a:r>
+            <a:endParaRPr lang="en-US" sz="3600" dirty="0"/>
+          </a:p>
+        </p:txBody>
+      </p:sp>
     </p:spTree>
   </p:cSld>
   <p:clrMapOvr>
@@ -5795,9 +9046,9 @@
 </file>
 
 <file path=ppt/theme/theme1.xml><?xml version="1.0" encoding="utf-8"?>
-<a:theme xmlns:a="http://schemas.openxmlformats.org/drawingml/2006/main" name="Office Theme">
+<a:theme xmlns:a="http://schemas.openxmlformats.org/drawingml/2006/main" name="Metro">
   <a:themeElements>
-    <a:clrScheme name="Office">
+    <a:clrScheme name="Metro">
       <a:dk1>
         <a:sysClr val="windowText" lastClr="000000"/>
       </a:dk1>
@@ -5805,109 +9056,49 @@
         <a:sysClr val="window" lastClr="FFFFFF"/>
       </a:lt1>
       <a:dk2>
-        <a:srgbClr val="44546A"/>
+        <a:srgbClr val="4E5B6F"/>
       </a:dk2>
       <a:lt2>
-        <a:srgbClr val="E7E6E6"/>
+        <a:srgbClr val="D6ECFF"/>
       </a:lt2>
       <a:accent1>
-        <a:srgbClr val="5B9BD5"/>
+        <a:srgbClr val="7FD13B"/>
       </a:accent1>
       <a:accent2>
-        <a:srgbClr val="ED7D31"/>
+        <a:srgbClr val="EA157A"/>
       </a:accent2>
       <a:accent3>
-        <a:srgbClr val="A5A5A5"/>
+        <a:srgbClr val="FEB80A"/>
       </a:accent3>
       <a:accent4>
-        <a:srgbClr val="FFC000"/>
+        <a:srgbClr val="00ADDC"/>
       </a:accent4>
       <a:accent5>
-        <a:srgbClr val="4472C4"/>
+        <a:srgbClr val="738AC8"/>
       </a:accent5>
       <a:accent6>
-        <a:srgbClr val="70AD47"/>
+        <a:srgbClr val="1AB39F"/>
       </a:accent6>
       <a:hlink>
-        <a:srgbClr val="0563C1"/>
+        <a:srgbClr val="EB8803"/>
       </a:hlink>
       <a:folHlink>
-        <a:srgbClr val="954F72"/>
+        <a:srgbClr val="5F7791"/>
       </a:folHlink>
     </a:clrScheme>
-    <a:fontScheme name="Office">
+    <a:fontScheme name="TH SarabunPSK Theme">
       <a:majorFont>
-        <a:latin typeface="Calibri Light"/>
+        <a:latin typeface="TH SarabunPSK"/>
         <a:ea typeface=""/>
-        <a:cs typeface=""/>
-        <a:font script="Jpan" typeface="ＭＳ Ｐゴシック"/>
-        <a:font script="Hang" typeface="맑은 고딕"/>
-        <a:font script="Hans" typeface="宋体"/>
-        <a:font script="Hant" typeface="新細明體"/>
-        <a:font script="Arab" typeface="Times New Roman"/>
-        <a:font script="Hebr" typeface="Times New Roman"/>
-        <a:font script="Thai" typeface="Angsana New"/>
-        <a:font script="Ethi" typeface="Nyala"/>
-        <a:font script="Beng" typeface="Vrinda"/>
-        <a:font script="Gujr" typeface="Shruti"/>
-        <a:font script="Khmr" typeface="MoolBoran"/>
-        <a:font script="Knda" typeface="Tunga"/>
-        <a:font script="Guru" typeface="Raavi"/>
-        <a:font script="Cans" typeface="Euphemia"/>
-        <a:font script="Cher" typeface="Plantagenet Cherokee"/>
-        <a:font script="Yiii" typeface="Microsoft Yi Baiti"/>
-        <a:font script="Tibt" typeface="Microsoft Himalaya"/>
-        <a:font script="Thaa" typeface="MV Boli"/>
-        <a:font script="Deva" typeface="Mangal"/>
-        <a:font script="Telu" typeface="Gautami"/>
-        <a:font script="Taml" typeface="Latha"/>
-        <a:font script="Syrc" typeface="Estrangelo Edessa"/>
-        <a:font script="Orya" typeface="Kalinga"/>
-        <a:font script="Mlym" typeface="Kartika"/>
-        <a:font script="Laoo" typeface="DokChampa"/>
-        <a:font script="Sinh" typeface="Iskoola Pota"/>
-        <a:font script="Mong" typeface="Mongolian Baiti"/>
-        <a:font script="Viet" typeface="Times New Roman"/>
-        <a:font script="Uigh" typeface="Microsoft Uighur"/>
-        <a:font script="Geor" typeface="Sylfaen"/>
+        <a:cs typeface="TH SarabunPSK"/>
       </a:majorFont>
       <a:minorFont>
-        <a:latin typeface="Calibri"/>
+        <a:latin typeface="TH SarabunPSK"/>
         <a:ea typeface=""/>
-        <a:cs typeface=""/>
-        <a:font script="Jpan" typeface="ＭＳ Ｐゴシック"/>
-        <a:font script="Hang" typeface="맑은 고딕"/>
-        <a:font script="Hans" typeface="宋体"/>
-        <a:font script="Hant" typeface="新細明體"/>
-        <a:font script="Arab" typeface="Arial"/>
-        <a:font script="Hebr" typeface="Arial"/>
-        <a:font script="Thai" typeface="Cordia New"/>
-        <a:font script="Ethi" typeface="Nyala"/>
-        <a:font script="Beng" typeface="Vrinda"/>
-        <a:font script="Gujr" typeface="Shruti"/>
-        <a:font script="Khmr" typeface="DaunPenh"/>
-        <a:font script="Knda" typeface="Tunga"/>
-        <a:font script="Guru" typeface="Raavi"/>
-        <a:font script="Cans" typeface="Euphemia"/>
-        <a:font script="Cher" typeface="Plantagenet Cherokee"/>
-        <a:font script="Yiii" typeface="Microsoft Yi Baiti"/>
-        <a:font script="Tibt" typeface="Microsoft Himalaya"/>
-        <a:font script="Thaa" typeface="MV Boli"/>
-        <a:font script="Deva" typeface="Mangal"/>
-        <a:font script="Telu" typeface="Gautami"/>
-        <a:font script="Taml" typeface="Latha"/>
-        <a:font script="Syrc" typeface="Estrangelo Edessa"/>
-        <a:font script="Orya" typeface="Kalinga"/>
-        <a:font script="Mlym" typeface="Kartika"/>
-        <a:font script="Laoo" typeface="DokChampa"/>
-        <a:font script="Sinh" typeface="Iskoola Pota"/>
-        <a:font script="Mong" typeface="Mongolian Baiti"/>
-        <a:font script="Viet" typeface="Arial"/>
-        <a:font script="Uigh" typeface="Microsoft Uighur"/>
-        <a:font script="Geor" typeface="Sylfaen"/>
+        <a:cs typeface="TH SarabunPSK"/>
       </a:minorFont>
     </a:fontScheme>
-    <a:fmtScheme name="Office">
+    <a:fmtScheme name="Metro">
       <a:fillStyleLst>
         <a:solidFill>
           <a:schemeClr val="phClr"/>
@@ -5916,23 +9107,32 @@
           <a:gsLst>
             <a:gs pos="0">
               <a:schemeClr val="phClr">
-                <a:lumMod val="110000"/>
-                <a:satMod val="105000"/>
-                <a:tint val="67000"/>
+                <a:tint val="25000"/>
+                <a:satMod val="125000"/>
+              </a:schemeClr>
+            </a:gs>
+            <a:gs pos="40000">
+              <a:schemeClr val="phClr">
+                <a:tint val="55000"/>
+                <a:satMod val="130000"/>
               </a:schemeClr>
             </a:gs>
             <a:gs pos="50000">
               <a:schemeClr val="phClr">
-                <a:lumMod val="105000"/>
-                <a:satMod val="103000"/>
-                <a:tint val="73000"/>
+                <a:tint val="59000"/>
+                <a:satMod val="130000"/>
+              </a:schemeClr>
+            </a:gs>
+            <a:gs pos="65000">
+              <a:schemeClr val="phClr">
+                <a:tint val="55000"/>
+                <a:satMod val="130000"/>
               </a:schemeClr>
             </a:gs>
             <a:gs pos="100000">
               <a:schemeClr val="phClr">
-                <a:lumMod val="105000"/>
-                <a:satMod val="109000"/>
-                <a:tint val="81000"/>
+                <a:tint val="20000"/>
+                <a:satMod val="125000"/>
               </a:schemeClr>
             </a:gs>
           </a:gsLst>
@@ -5942,23 +9142,40 @@
           <a:gsLst>
             <a:gs pos="0">
               <a:schemeClr val="phClr">
-                <a:satMod val="103000"/>
-                <a:lumMod val="102000"/>
-                <a:tint val="94000"/>
+                <a:tint val="48000"/>
+                <a:satMod val="138000"/>
+              </a:schemeClr>
+            </a:gs>
+            <a:gs pos="25000">
+              <a:schemeClr val="phClr">
+                <a:tint val="85000"/>
+              </a:schemeClr>
+            </a:gs>
+            <a:gs pos="40000">
+              <a:schemeClr val="phClr">
+                <a:tint val="92000"/>
               </a:schemeClr>
             </a:gs>
             <a:gs pos="50000">
               <a:schemeClr val="phClr">
-                <a:satMod val="110000"/>
-                <a:lumMod val="100000"/>
-                <a:shade val="100000"/>
+                <a:tint val="93000"/>
+              </a:schemeClr>
+            </a:gs>
+            <a:gs pos="60000">
+              <a:schemeClr val="phClr">
+                <a:tint val="92000"/>
+              </a:schemeClr>
+            </a:gs>
+            <a:gs pos="75000">
+              <a:schemeClr val="phClr">
+                <a:tint val="83000"/>
+                <a:satMod val="108000"/>
               </a:schemeClr>
             </a:gs>
             <a:gs pos="100000">
               <a:schemeClr val="phClr">
-                <a:lumMod val="99000"/>
-                <a:satMod val="120000"/>
-                <a:shade val="78000"/>
+                <a:tint val="48000"/>
+                <a:satMod val="150000"/>
               </a:schemeClr>
             </a:gs>
           </a:gsLst>
@@ -5966,91 +9183,133 @@
         </a:gradFill>
       </a:fillStyleLst>
       <a:lnStyleLst>
-        <a:ln w="6350" cap="flat" cmpd="sng" algn="ctr">
+        <a:ln w="12000" cap="flat" cmpd="sng" algn="ctr">
           <a:solidFill>
             <a:schemeClr val="phClr"/>
           </a:solidFill>
           <a:prstDash val="solid"/>
-          <a:miter lim="800000"/>
-        </a:ln>
-        <a:ln w="12700" cap="flat" cmpd="sng" algn="ctr">
-          <a:solidFill>
-            <a:schemeClr val="phClr"/>
-          </a:solidFill>
-          <a:prstDash val="solid"/>
-          <a:miter lim="800000"/>
         </a:ln>
         <a:ln w="19050" cap="flat" cmpd="sng" algn="ctr">
           <a:solidFill>
             <a:schemeClr val="phClr"/>
           </a:solidFill>
           <a:prstDash val="solid"/>
-          <a:miter lim="800000"/>
+        </a:ln>
+        <a:ln w="38100" cap="flat" cmpd="sng" algn="ctr">
+          <a:solidFill>
+            <a:schemeClr val="phClr"/>
+          </a:solidFill>
+          <a:prstDash val="solid"/>
         </a:ln>
       </a:lnStyleLst>
       <a:effectStyleLst>
         <a:effectStyle>
-          <a:effectLst/>
-        </a:effectStyle>
-        <a:effectStyle>
-          <a:effectLst/>
+          <a:effectLst>
+            <a:glow rad="63500">
+              <a:schemeClr val="phClr">
+                <a:alpha val="45000"/>
+                <a:satMod val="120000"/>
+              </a:schemeClr>
+            </a:glow>
+          </a:effectLst>
         </a:effectStyle>
         <a:effectStyle>
           <a:effectLst>
-            <a:outerShdw blurRad="57150" dist="19050" dir="5400000" algn="ctr" rotWithShape="0">
-              <a:srgbClr val="000000">
-                <a:alpha val="63000"/>
-              </a:srgbClr>
-            </a:outerShdw>
+            <a:glow rad="63500">
+              <a:schemeClr val="phClr">
+                <a:alpha val="45000"/>
+                <a:satMod val="120000"/>
+              </a:schemeClr>
+            </a:glow>
           </a:effectLst>
+          <a:scene3d>
+            <a:camera prst="orthographicFront" fov="0">
+              <a:rot lat="0" lon="0" rev="0"/>
+            </a:camera>
+            <a:lightRig rig="brightRoom" dir="tl">
+              <a:rot lat="0" lon="0" rev="8700000"/>
+            </a:lightRig>
+          </a:scene3d>
+          <a:sp3d>
+            <a:bevelT w="0" h="0"/>
+            <a:contourClr>
+              <a:schemeClr val="phClr">
+                <a:tint val="70000"/>
+              </a:schemeClr>
+            </a:contourClr>
+          </a:sp3d>
+        </a:effectStyle>
+        <a:effectStyle>
+          <a:effectLst>
+            <a:glow rad="101500">
+              <a:schemeClr val="phClr">
+                <a:alpha val="42000"/>
+                <a:satMod val="120000"/>
+              </a:schemeClr>
+            </a:glow>
+          </a:effectLst>
+          <a:scene3d>
+            <a:camera prst="orthographicFront" fov="0">
+              <a:rot lat="0" lon="0" rev="0"/>
+            </a:camera>
+            <a:lightRig rig="glow" dir="t">
+              <a:rot lat="0" lon="0" rev="4800000"/>
+            </a:lightRig>
+          </a:scene3d>
+          <a:sp3d prstMaterial="powder">
+            <a:bevelT w="50800" h="50800"/>
+            <a:contourClr>
+              <a:schemeClr val="phClr"/>
+            </a:contourClr>
+          </a:sp3d>
         </a:effectStyle>
       </a:effectStyleLst>
       <a:bgFillStyleLst>
         <a:solidFill>
           <a:schemeClr val="phClr"/>
         </a:solidFill>
-        <a:solidFill>
-          <a:schemeClr val="phClr">
-            <a:tint val="95000"/>
-            <a:satMod val="170000"/>
-          </a:schemeClr>
-        </a:solidFill>
         <a:gradFill rotWithShape="1">
           <a:gsLst>
             <a:gs pos="0">
-              <a:schemeClr val="phClr">
-                <a:tint val="93000"/>
+              <a:schemeClr val="bg1">
+                <a:shade val="100000"/>
                 <a:satMod val="150000"/>
-                <a:shade val="98000"/>
-                <a:lumMod val="102000"/>
               </a:schemeClr>
             </a:gs>
-            <a:gs pos="50000">
-              <a:schemeClr val="phClr">
-                <a:tint val="98000"/>
-                <a:satMod val="130000"/>
+            <a:gs pos="65000">
+              <a:schemeClr val="bg1">
                 <a:shade val="90000"/>
-                <a:lumMod val="103000"/>
+                <a:satMod val="375000"/>
               </a:schemeClr>
             </a:gs>
             <a:gs pos="100000">
               <a:schemeClr val="phClr">
-                <a:shade val="63000"/>
-                <a:satMod val="120000"/>
+                <a:tint val="88000"/>
+                <a:satMod val="400000"/>
               </a:schemeClr>
             </a:gs>
           </a:gsLst>
           <a:lin ang="5400000" scaled="0"/>
         </a:gradFill>
+        <a:blipFill>
+          <a:blip xmlns:r="http://schemas.openxmlformats.org/officeDocument/2006/relationships" r:embed="rId1">
+            <a:duotone>
+              <a:schemeClr val="phClr">
+                <a:shade val="40000"/>
+                <a:satMod val="180000"/>
+              </a:schemeClr>
+              <a:schemeClr val="phClr">
+                <a:tint val="90000"/>
+                <a:satMod val="200000"/>
+              </a:schemeClr>
+            </a:duotone>
+          </a:blip>
+          <a:tile tx="0" ty="0" sx="80000" sy="80000" flip="none" algn="tl"/>
+        </a:blipFill>
       </a:bgFillStyleLst>
     </a:fmtScheme>
   </a:themeElements>
   <a:objectDefaults/>
   <a:extraClrSchemeLst/>
-  <a:extLst>
-    <a:ext uri="{05A4C25C-085E-4340-85A3-A5531E510DB2}">
-      <thm15:themeFamily xmlns:thm15="http://schemas.microsoft.com/office/thememl/2012/main" xmlns="" name="Office Theme" id="{62F939B6-93AF-4DB8-9C6B-D6C7DFDC589F}" vid="{4A3C46E8-61CC-4603-A589-7422A47A8E4A}"/>
-    </a:ext>
-  </a:extLst>
 </a:theme>
 </file>
--- a/Google Calendar.pptx
+++ b/Google Calendar.pptx
@@ -129,7 +129,18 @@
   </p:defaultTextStyle>
   <p:extLst>
     <p:ext uri="{EFAFB233-063F-42B5-8137-9DF3F51BA10A}">
-      <p15:sldGuideLst xmlns:p15="http://schemas.microsoft.com/office/powerpoint/2012/main" xmlns=""/>
+      <p15:sldGuideLst xmlns:p15="http://schemas.microsoft.com/office/powerpoint/2012/main">
+        <p15:guide id="1" orient="horz" pos="2160">
+          <p15:clr>
+            <a:srgbClr val="A4A3A4"/>
+          </p15:clr>
+        </p15:guide>
+        <p15:guide id="2" pos="3840">
+          <p15:clr>
+            <a:srgbClr val="A4A3A4"/>
+          </p15:clr>
+        </p15:guide>
+      </p15:sldGuideLst>
     </p:ext>
   </p:extLst>
 </p:presentation>
@@ -578,7 +589,7 @@
             <a:fld id="{EEB31411-81DA-416F-953C-825CF1EE9A76}" type="datetimeFigureOut">
               <a:rPr lang="en-US" smtClean="0"/>
               <a:pPr/>
-              <a:t>4/3/2014</a:t>
+              <a:t>4/4/2014</a:t>
             </a:fld>
             <a:endParaRPr lang="en-US"/>
           </a:p>
@@ -789,7 +800,7 @@
             <a:fld id="{EEB31411-81DA-416F-953C-825CF1EE9A76}" type="datetimeFigureOut">
               <a:rPr lang="en-US" smtClean="0"/>
               <a:pPr/>
-              <a:t>4/3/2014</a:t>
+              <a:t>4/4/2014</a:t>
             </a:fld>
             <a:endParaRPr lang="en-US"/>
           </a:p>
@@ -990,7 +1001,7 @@
             <a:fld id="{EEB31411-81DA-416F-953C-825CF1EE9A76}" type="datetimeFigureOut">
               <a:rPr lang="en-US" smtClean="0"/>
               <a:pPr/>
-              <a:t>4/3/2014</a:t>
+              <a:t>4/4/2014</a:t>
             </a:fld>
             <a:endParaRPr lang="en-US"/>
           </a:p>
@@ -2499,7 +2510,7 @@
             <a:fld id="{EEB31411-81DA-416F-953C-825CF1EE9A76}" type="datetimeFigureOut">
               <a:rPr lang="en-US" smtClean="0"/>
               <a:pPr/>
-              <a:t>4/3/2014</a:t>
+              <a:t>4/4/2014</a:t>
             </a:fld>
             <a:endParaRPr lang="en-US"/>
           </a:p>
@@ -3125,7 +3136,7 @@
             <a:fld id="{EEB31411-81DA-416F-953C-825CF1EE9A76}" type="datetimeFigureOut">
               <a:rPr lang="en-US" smtClean="0"/>
               <a:pPr/>
-              <a:t>4/3/2014</a:t>
+              <a:t>4/4/2014</a:t>
             </a:fld>
             <a:endParaRPr lang="en-US"/>
           </a:p>
@@ -3588,7 +3599,7 @@
             <a:fld id="{EEB31411-81DA-416F-953C-825CF1EE9A76}" type="datetimeFigureOut">
               <a:rPr lang="en-US" smtClean="0"/>
               <a:pPr/>
-              <a:t>4/3/2014</a:t>
+              <a:t>4/4/2014</a:t>
             </a:fld>
             <a:endParaRPr lang="en-US"/>
           </a:p>
@@ -4175,7 +4186,7 @@
             <a:fld id="{EEB31411-81DA-416F-953C-825CF1EE9A76}" type="datetimeFigureOut">
               <a:rPr lang="en-US" smtClean="0"/>
               <a:pPr/>
-              <a:t>4/3/2014</a:t>
+              <a:t>4/4/2014</a:t>
             </a:fld>
             <a:endParaRPr lang="en-US"/>
           </a:p>
@@ -4297,7 +4308,7 @@
             <a:fld id="{EEB31411-81DA-416F-953C-825CF1EE9A76}" type="datetimeFigureOut">
               <a:rPr lang="en-US" smtClean="0"/>
               <a:pPr/>
-              <a:t>4/3/2014</a:t>
+              <a:t>4/4/2014</a:t>
             </a:fld>
             <a:endParaRPr lang="en-US"/>
           </a:p>
@@ -4577,7 +4588,7 @@
             <a:fld id="{EEB31411-81DA-416F-953C-825CF1EE9A76}" type="datetimeFigureOut">
               <a:rPr lang="en-US" smtClean="0"/>
               <a:pPr/>
-              <a:t>4/3/2014</a:t>
+              <a:t>4/4/2014</a:t>
             </a:fld>
             <a:endParaRPr lang="en-US"/>
           </a:p>
@@ -5319,7 +5330,7 @@
             <a:fld id="{EEB31411-81DA-416F-953C-825CF1EE9A76}" type="datetimeFigureOut">
               <a:rPr lang="en-US" smtClean="0"/>
               <a:pPr/>
-              <a:t>4/3/2014</a:t>
+              <a:t>4/4/2014</a:t>
             </a:fld>
             <a:endParaRPr lang="en-US"/>
           </a:p>
@@ -6100,7 +6111,7 @@
     </p:spTree>
     <p:extLst>
       <p:ext uri="{BB962C8B-B14F-4D97-AF65-F5344CB8AC3E}">
-        <p14:creationId xmlns:p14="http://schemas.microsoft.com/office/powerpoint/2010/main" xmlns="" val="909554256"/>
+        <p14:creationId xmlns:p14="http://schemas.microsoft.com/office/powerpoint/2010/main" val="909554256"/>
       </p:ext>
     </p:extLst>
   </p:cSld>
@@ -6396,7 +6407,7 @@
     </p:spTree>
     <p:extLst>
       <p:ext uri="{BB962C8B-B14F-4D97-AF65-F5344CB8AC3E}">
-        <p14:creationId xmlns:p14="http://schemas.microsoft.com/office/powerpoint/2010/main" xmlns="" val="4167141818"/>
+        <p14:creationId xmlns:p14="http://schemas.microsoft.com/office/powerpoint/2010/main" val="4167141818"/>
       </p:ext>
     </p:extLst>
   </p:cSld>
@@ -6475,7 +6486,7 @@
           <a:blip r:embed="rId2">
             <a:extLst>
               <a:ext uri="{28A0092B-C50C-407E-A947-70E740481C1C}">
-                <a14:useLocalDpi xmlns:a14="http://schemas.microsoft.com/office/drawing/2010/main" xmlns="" val="0"/>
+                <a14:useLocalDpi xmlns:a14="http://schemas.microsoft.com/office/drawing/2010/main" val="0"/>
               </a:ext>
             </a:extLst>
           </a:blip>
@@ -6506,7 +6517,7 @@
     </p:spTree>
     <p:extLst>
       <p:ext uri="{BB962C8B-B14F-4D97-AF65-F5344CB8AC3E}">
-        <p14:creationId xmlns:p14="http://schemas.microsoft.com/office/powerpoint/2010/main" xmlns="" val="2081943511"/>
+        <p14:creationId xmlns:p14="http://schemas.microsoft.com/office/powerpoint/2010/main" val="2081943511"/>
       </p:ext>
     </p:extLst>
   </p:cSld>
@@ -6585,7 +6596,7 @@
           <a:blip r:embed="rId2">
             <a:extLst>
               <a:ext uri="{28A0092B-C50C-407E-A947-70E740481C1C}">
-                <a14:useLocalDpi xmlns:a14="http://schemas.microsoft.com/office/drawing/2010/main" xmlns="" val="0"/>
+                <a14:useLocalDpi xmlns:a14="http://schemas.microsoft.com/office/drawing/2010/main" val="0"/>
               </a:ext>
             </a:extLst>
           </a:blip>
@@ -6616,7 +6627,7 @@
     </p:spTree>
     <p:extLst>
       <p:ext uri="{BB962C8B-B14F-4D97-AF65-F5344CB8AC3E}">
-        <p14:creationId xmlns:p14="http://schemas.microsoft.com/office/powerpoint/2010/main" xmlns="" val="239656287"/>
+        <p14:creationId xmlns:p14="http://schemas.microsoft.com/office/powerpoint/2010/main" val="239656287"/>
       </p:ext>
     </p:extLst>
   </p:cSld>
@@ -6695,7 +6706,7 @@
           <a:blip r:embed="rId2">
             <a:extLst>
               <a:ext uri="{28A0092B-C50C-407E-A947-70E740481C1C}">
-                <a14:useLocalDpi xmlns:a14="http://schemas.microsoft.com/office/drawing/2010/main" xmlns="" val="0"/>
+                <a14:useLocalDpi xmlns:a14="http://schemas.microsoft.com/office/drawing/2010/main" val="0"/>
               </a:ext>
             </a:extLst>
           </a:blip>
@@ -6726,7 +6737,7 @@
     </p:spTree>
     <p:extLst>
       <p:ext uri="{BB962C8B-B14F-4D97-AF65-F5344CB8AC3E}">
-        <p14:creationId xmlns:p14="http://schemas.microsoft.com/office/powerpoint/2010/main" xmlns="" val="4078668987"/>
+        <p14:creationId xmlns:p14="http://schemas.microsoft.com/office/powerpoint/2010/main" val="4078668987"/>
       </p:ext>
     </p:extLst>
   </p:cSld>
@@ -6805,7 +6816,7 @@
           <a:blip r:embed="rId2">
             <a:extLst>
               <a:ext uri="{28A0092B-C50C-407E-A947-70E740481C1C}">
-                <a14:useLocalDpi xmlns:a14="http://schemas.microsoft.com/office/drawing/2010/main" xmlns="" val="0"/>
+                <a14:useLocalDpi xmlns:a14="http://schemas.microsoft.com/office/drawing/2010/main" val="0"/>
               </a:ext>
             </a:extLst>
           </a:blip>
@@ -6836,7 +6847,7 @@
     </p:spTree>
     <p:extLst>
       <p:ext uri="{BB962C8B-B14F-4D97-AF65-F5344CB8AC3E}">
-        <p14:creationId xmlns:p14="http://schemas.microsoft.com/office/powerpoint/2010/main" xmlns="" val="3382266659"/>
+        <p14:creationId xmlns:p14="http://schemas.microsoft.com/office/powerpoint/2010/main" val="3382266659"/>
       </p:ext>
     </p:extLst>
   </p:cSld>
@@ -6923,7 +6934,7 @@
           <a:blip r:embed="rId2">
             <a:extLst>
               <a:ext uri="{28A0092B-C50C-407E-A947-70E740481C1C}">
-                <a14:useLocalDpi xmlns:a14="http://schemas.microsoft.com/office/drawing/2010/main" xmlns="" val="0"/>
+                <a14:useLocalDpi xmlns:a14="http://schemas.microsoft.com/office/drawing/2010/main" val="0"/>
               </a:ext>
             </a:extLst>
           </a:blip>
@@ -6984,7 +6995,7 @@
     </p:spTree>
     <p:extLst>
       <p:ext uri="{BB962C8B-B14F-4D97-AF65-F5344CB8AC3E}">
-        <p14:creationId xmlns:p14="http://schemas.microsoft.com/office/powerpoint/2010/main" xmlns="" val="2519363631"/>
+        <p14:creationId xmlns:p14="http://schemas.microsoft.com/office/powerpoint/2010/main" val="2519363631"/>
       </p:ext>
     </p:extLst>
   </p:cSld>
@@ -7071,7 +7082,7 @@
     </p:spTree>
     <p:extLst>
       <p:ext uri="{BB962C8B-B14F-4D97-AF65-F5344CB8AC3E}">
-        <p14:creationId xmlns:p14="http://schemas.microsoft.com/office/powerpoint/2010/main" xmlns="" val="2585912091"/>
+        <p14:creationId xmlns:p14="http://schemas.microsoft.com/office/powerpoint/2010/main" val="2585912091"/>
       </p:ext>
     </p:extLst>
   </p:cSld>
@@ -7150,7 +7161,7 @@
           <a:blip r:embed="rId2">
             <a:extLst>
               <a:ext uri="{28A0092B-C50C-407E-A947-70E740481C1C}">
-                <a14:useLocalDpi xmlns:a14="http://schemas.microsoft.com/office/drawing/2010/main" xmlns="" val="0"/>
+                <a14:useLocalDpi xmlns:a14="http://schemas.microsoft.com/office/drawing/2010/main" val="0"/>
               </a:ext>
             </a:extLst>
           </a:blip>
@@ -7181,7 +7192,7 @@
     </p:spTree>
     <p:extLst>
       <p:ext uri="{BB962C8B-B14F-4D97-AF65-F5344CB8AC3E}">
-        <p14:creationId xmlns:p14="http://schemas.microsoft.com/office/powerpoint/2010/main" xmlns="" val="1939372069"/>
+        <p14:creationId xmlns:p14="http://schemas.microsoft.com/office/powerpoint/2010/main" val="1939372069"/>
       </p:ext>
     </p:extLst>
   </p:cSld>
@@ -7230,7 +7241,11 @@
           <a:bodyPr/>
           <a:lstStyle/>
           <a:p>
-            <a:endParaRPr lang="th-TH" dirty="0"/>
+            <a:r>
+              <a:rPr lang="th-TH" sz="5400" dirty="0" smtClean="0"/>
+              <a:t>หัวข้อการอบรม</a:t>
+            </a:r>
+            <a:endParaRPr lang="th-TH" sz="5400" dirty="0"/>
           </a:p>
         </p:txBody>
       </p:sp>
@@ -7246,37 +7261,47 @@
         </p:nvSpPr>
         <p:spPr/>
         <p:txBody>
-          <a:bodyPr/>
+          <a:bodyPr>
+            <a:normAutofit/>
+          </a:bodyPr>
           <a:lstStyle/>
           <a:p>
             <a:r>
-              <a:rPr lang="th-TH" dirty="0" smtClean="0"/>
-              <a:t>จัดการกิจกรรม</a:t>
-            </a:r>
-          </a:p>
-          <a:p>
-            <a:r>
-              <a:rPr lang="th-TH" dirty="0" smtClean="0"/>
-              <a:t>จัดการปฏิทิน</a:t>
-            </a:r>
-          </a:p>
-          <a:p>
-            <a:r>
-              <a:rPr lang="th-TH" dirty="0" smtClean="0"/>
+              <a:rPr lang="th-TH" sz="4400" b="1" dirty="0" smtClean="0"/>
+              <a:t>การจัดการ</a:t>
+            </a:r>
+            <a:r>
+              <a:rPr lang="th-TH" sz="4400" b="1" dirty="0" smtClean="0"/>
+              <a:t>กิจกรรม</a:t>
+            </a:r>
+          </a:p>
+          <a:p>
+            <a:r>
+              <a:rPr lang="th-TH" sz="4400" b="1" dirty="0" smtClean="0"/>
+              <a:t>การจัดการ</a:t>
+            </a:r>
+            <a:r>
+              <a:rPr lang="th-TH" sz="4400" b="1" dirty="0" smtClean="0"/>
+              <a:t>ปฏิทิน</a:t>
+            </a:r>
+          </a:p>
+          <a:p>
+            <a:r>
+              <a:rPr lang="th-TH" sz="4400" b="1" dirty="0" smtClean="0"/>
               <a:t>การ</a:t>
             </a:r>
             <a:r>
-              <a:rPr lang="th-TH" sz="3200" b="1" dirty="0" smtClean="0">
+              <a:rPr lang="th-TH" sz="4400" b="1" dirty="0" smtClean="0">
                 <a:latin typeface="TH SarabunPSK" panose="020B0500040200020003" pitchFamily="34" charset="-34"/>
                 <a:cs typeface="TH SarabunPSK" panose="020B0500040200020003" pitchFamily="34" charset="-34"/>
               </a:rPr>
               <a:t>แบ่งปันปฏิทิน</a:t>
             </a:r>
-            <a:endParaRPr lang="th-TH" dirty="0" smtClean="0"/>
-          </a:p>
-          <a:p>
-            <a:r>
-              <a:rPr lang="th-TH" dirty="0" smtClean="0"/>
+            <a:endParaRPr lang="th-TH" sz="4400" b="1" dirty="0" smtClean="0"/>
+          </a:p>
+          <a:p>
+            <a:r>
+              <a:rPr lang="th-TH" sz="4400" b="1" dirty="0" smtClean="0"/>
               <a:t>การใช้งานผ่านอุปกรณ์เคลื่อนที่</a:t>
             </a:r>
           </a:p>
@@ -7352,7 +7377,7 @@
           <a:blip r:embed="rId2">
             <a:extLst>
               <a:ext uri="{28A0092B-C50C-407E-A947-70E740481C1C}">
-                <a14:useLocalDpi xmlns:a14="http://schemas.microsoft.com/office/drawing/2010/main" xmlns="" val="0"/>
+                <a14:useLocalDpi xmlns:a14="http://schemas.microsoft.com/office/drawing/2010/main" val="0"/>
               </a:ext>
             </a:extLst>
           </a:blip>
@@ -7383,7 +7408,7 @@
     </p:spTree>
     <p:extLst>
       <p:ext uri="{BB962C8B-B14F-4D97-AF65-F5344CB8AC3E}">
-        <p14:creationId xmlns:p14="http://schemas.microsoft.com/office/powerpoint/2010/main" xmlns="" val="908138130"/>
+        <p14:creationId xmlns:p14="http://schemas.microsoft.com/office/powerpoint/2010/main" val="908138130"/>
       </p:ext>
     </p:extLst>
   </p:cSld>
@@ -7462,7 +7487,7 @@
           <a:blip r:embed="rId2">
             <a:extLst>
               <a:ext uri="{28A0092B-C50C-407E-A947-70E740481C1C}">
-                <a14:useLocalDpi xmlns:a14="http://schemas.microsoft.com/office/drawing/2010/main" xmlns="" val="0"/>
+                <a14:useLocalDpi xmlns:a14="http://schemas.microsoft.com/office/drawing/2010/main" val="0"/>
               </a:ext>
             </a:extLst>
           </a:blip>
@@ -7493,7 +7518,7 @@
     </p:spTree>
     <p:extLst>
       <p:ext uri="{BB962C8B-B14F-4D97-AF65-F5344CB8AC3E}">
-        <p14:creationId xmlns:p14="http://schemas.microsoft.com/office/powerpoint/2010/main" xmlns="" val="116213839"/>
+        <p14:creationId xmlns:p14="http://schemas.microsoft.com/office/powerpoint/2010/main" val="116213839"/>
       </p:ext>
     </p:extLst>
   </p:cSld>
@@ -7580,7 +7605,7 @@
     </p:spTree>
     <p:extLst>
       <p:ext uri="{BB962C8B-B14F-4D97-AF65-F5344CB8AC3E}">
-        <p14:creationId xmlns:p14="http://schemas.microsoft.com/office/powerpoint/2010/main" xmlns="" val="1542339723"/>
+        <p14:creationId xmlns:p14="http://schemas.microsoft.com/office/powerpoint/2010/main" val="1542339723"/>
       </p:ext>
     </p:extLst>
   </p:cSld>
@@ -7659,7 +7684,7 @@
           <a:blip r:embed="rId2">
             <a:extLst>
               <a:ext uri="{28A0092B-C50C-407E-A947-70E740481C1C}">
-                <a14:useLocalDpi xmlns:a14="http://schemas.microsoft.com/office/drawing/2010/main" xmlns="" val="0"/>
+                <a14:useLocalDpi xmlns:a14="http://schemas.microsoft.com/office/drawing/2010/main" val="0"/>
               </a:ext>
             </a:extLst>
           </a:blip>
@@ -7690,7 +7715,7 @@
     </p:spTree>
     <p:extLst>
       <p:ext uri="{BB962C8B-B14F-4D97-AF65-F5344CB8AC3E}">
-        <p14:creationId xmlns:p14="http://schemas.microsoft.com/office/powerpoint/2010/main" xmlns="" val="195296430"/>
+        <p14:creationId xmlns:p14="http://schemas.microsoft.com/office/powerpoint/2010/main" val="195296430"/>
       </p:ext>
     </p:extLst>
   </p:cSld>
@@ -7769,7 +7794,7 @@
           <a:blip r:embed="rId2">
             <a:extLst>
               <a:ext uri="{28A0092B-C50C-407E-A947-70E740481C1C}">
-                <a14:useLocalDpi xmlns:a14="http://schemas.microsoft.com/office/drawing/2010/main" xmlns="" val="0"/>
+                <a14:useLocalDpi xmlns:a14="http://schemas.microsoft.com/office/drawing/2010/main" val="0"/>
               </a:ext>
             </a:extLst>
           </a:blip>
@@ -7800,7 +7825,7 @@
     </p:spTree>
     <p:extLst>
       <p:ext uri="{BB962C8B-B14F-4D97-AF65-F5344CB8AC3E}">
-        <p14:creationId xmlns:p14="http://schemas.microsoft.com/office/powerpoint/2010/main" xmlns="" val="2590116247"/>
+        <p14:creationId xmlns:p14="http://schemas.microsoft.com/office/powerpoint/2010/main" val="2590116247"/>
       </p:ext>
     </p:extLst>
   </p:cSld>
@@ -7887,7 +7912,7 @@
     </p:spTree>
     <p:extLst>
       <p:ext uri="{BB962C8B-B14F-4D97-AF65-F5344CB8AC3E}">
-        <p14:creationId xmlns:p14="http://schemas.microsoft.com/office/powerpoint/2010/main" xmlns="" val="1065843145"/>
+        <p14:creationId xmlns:p14="http://schemas.microsoft.com/office/powerpoint/2010/main" val="1065843145"/>
       </p:ext>
     </p:extLst>
   </p:cSld>
@@ -8216,7 +8241,7 @@
     </p:spTree>
     <p:extLst>
       <p:ext uri="{BB962C8B-B14F-4D97-AF65-F5344CB8AC3E}">
-        <p14:creationId xmlns:p14="http://schemas.microsoft.com/office/powerpoint/2010/main" xmlns="" val="3857340605"/>
+        <p14:creationId xmlns:p14="http://schemas.microsoft.com/office/powerpoint/2010/main" val="3857340605"/>
       </p:ext>
     </p:extLst>
   </p:cSld>
@@ -8627,7 +8652,7 @@
           <a:blip r:embed="rId2">
             <a:extLst>
               <a:ext uri="{28A0092B-C50C-407E-A947-70E740481C1C}">
-                <a14:useLocalDpi xmlns:a14="http://schemas.microsoft.com/office/drawing/2010/main" xmlns="" val="0"/>
+                <a14:useLocalDpi xmlns:a14="http://schemas.microsoft.com/office/drawing/2010/main" val="0"/>
               </a:ext>
             </a:extLst>
           </a:blip>
@@ -8678,7 +8703,7 @@
     </p:spTree>
     <p:extLst>
       <p:ext uri="{BB962C8B-B14F-4D97-AF65-F5344CB8AC3E}">
-        <p14:creationId xmlns:p14="http://schemas.microsoft.com/office/powerpoint/2010/main" xmlns="" val="1282511583"/>
+        <p14:creationId xmlns:p14="http://schemas.microsoft.com/office/powerpoint/2010/main" val="1282511583"/>
       </p:ext>
     </p:extLst>
   </p:cSld>

--- a/Google Calendar.pptx
+++ b/Google Calendar.pptx
@@ -589,7 +589,7 @@
             <a:fld id="{EEB31411-81DA-416F-953C-825CF1EE9A76}" type="datetimeFigureOut">
               <a:rPr lang="en-US" smtClean="0"/>
               <a:pPr/>
-              <a:t>4/4/2014</a:t>
+              <a:t>4/8/2014</a:t>
             </a:fld>
             <a:endParaRPr lang="en-US"/>
           </a:p>
@@ -800,7 +800,7 @@
             <a:fld id="{EEB31411-81DA-416F-953C-825CF1EE9A76}" type="datetimeFigureOut">
               <a:rPr lang="en-US" smtClean="0"/>
               <a:pPr/>
-              <a:t>4/4/2014</a:t>
+              <a:t>4/8/2014</a:t>
             </a:fld>
             <a:endParaRPr lang="en-US"/>
           </a:p>
@@ -1001,7 +1001,7 @@
             <a:fld id="{EEB31411-81DA-416F-953C-825CF1EE9A76}" type="datetimeFigureOut">
               <a:rPr lang="en-US" smtClean="0"/>
               <a:pPr/>
-              <a:t>4/4/2014</a:t>
+              <a:t>4/8/2014</a:t>
             </a:fld>
             <a:endParaRPr lang="en-US"/>
           </a:p>
@@ -2510,7 +2510,7 @@
             <a:fld id="{EEB31411-81DA-416F-953C-825CF1EE9A76}" type="datetimeFigureOut">
               <a:rPr lang="en-US" smtClean="0"/>
               <a:pPr/>
-              <a:t>4/4/2014</a:t>
+              <a:t>4/8/2014</a:t>
             </a:fld>
             <a:endParaRPr lang="en-US"/>
           </a:p>
@@ -3136,7 +3136,7 @@
             <a:fld id="{EEB31411-81DA-416F-953C-825CF1EE9A76}" type="datetimeFigureOut">
               <a:rPr lang="en-US" smtClean="0"/>
               <a:pPr/>
-              <a:t>4/4/2014</a:t>
+              <a:t>4/8/2014</a:t>
             </a:fld>
             <a:endParaRPr lang="en-US"/>
           </a:p>
@@ -3599,7 +3599,7 @@
             <a:fld id="{EEB31411-81DA-416F-953C-825CF1EE9A76}" type="datetimeFigureOut">
               <a:rPr lang="en-US" smtClean="0"/>
               <a:pPr/>
-              <a:t>4/4/2014</a:t>
+              <a:t>4/8/2014</a:t>
             </a:fld>
             <a:endParaRPr lang="en-US"/>
           </a:p>
@@ -4186,7 +4186,7 @@
             <a:fld id="{EEB31411-81DA-416F-953C-825CF1EE9A76}" type="datetimeFigureOut">
               <a:rPr lang="en-US" smtClean="0"/>
               <a:pPr/>
-              <a:t>4/4/2014</a:t>
+              <a:t>4/8/2014</a:t>
             </a:fld>
             <a:endParaRPr lang="en-US"/>
           </a:p>
@@ -4308,7 +4308,7 @@
             <a:fld id="{EEB31411-81DA-416F-953C-825CF1EE9A76}" type="datetimeFigureOut">
               <a:rPr lang="en-US" smtClean="0"/>
               <a:pPr/>
-              <a:t>4/4/2014</a:t>
+              <a:t>4/8/2014</a:t>
             </a:fld>
             <a:endParaRPr lang="en-US"/>
           </a:p>
@@ -4588,7 +4588,7 @@
             <a:fld id="{EEB31411-81DA-416F-953C-825CF1EE9A76}" type="datetimeFigureOut">
               <a:rPr lang="en-US" smtClean="0"/>
               <a:pPr/>
-              <a:t>4/4/2014</a:t>
+              <a:t>4/8/2014</a:t>
             </a:fld>
             <a:endParaRPr lang="en-US"/>
           </a:p>
@@ -5330,7 +5330,7 @@
             <a:fld id="{EEB31411-81DA-416F-953C-825CF1EE9A76}" type="datetimeFigureOut">
               <a:rPr lang="en-US" smtClean="0"/>
               <a:pPr/>
-              <a:t>4/4/2014</a:t>
+              <a:t>4/8/2014</a:t>
             </a:fld>
             <a:endParaRPr lang="en-US"/>
           </a:p>
@@ -7268,21 +7268,13 @@
           <a:p>
             <a:r>
               <a:rPr lang="th-TH" sz="4400" b="1" dirty="0" smtClean="0"/>
-              <a:t>การจัดการ</a:t>
-            </a:r>
+              <a:t>การจัดการกิจกรรม</a:t>
+            </a:r>
+          </a:p>
+          <a:p>
             <a:r>
               <a:rPr lang="th-TH" sz="4400" b="1" dirty="0" smtClean="0"/>
-              <a:t>กิจกรรม</a:t>
-            </a:r>
-          </a:p>
-          <a:p>
-            <a:r>
-              <a:rPr lang="th-TH" sz="4400" b="1" dirty="0" smtClean="0"/>
-              <a:t>การจัดการ</a:t>
-            </a:r>
-            <a:r>
-              <a:rPr lang="th-TH" sz="4400" b="1" dirty="0" smtClean="0"/>
-              <a:t>ปฏิทิน</a:t>
+              <a:t>การจัดการปฏิทิน</a:t>
             </a:r>
           </a:p>
           <a:p>

--- a/Google Calendar.pptx
+++ b/Google Calendar.pptx
@@ -5,28 +5,33 @@
     <p:sldMasterId id="2147483856" r:id="rId1"/>
   </p:sldMasterIdLst>
   <p:handoutMasterIdLst>
-    <p:handoutMasterId r:id="rId21"/>
+    <p:handoutMasterId r:id="rId26"/>
   </p:handoutMasterIdLst>
   <p:sldIdLst>
     <p:sldId id="256" r:id="rId2"/>
     <p:sldId id="288" r:id="rId3"/>
     <p:sldId id="283" r:id="rId4"/>
     <p:sldId id="257" r:id="rId5"/>
-    <p:sldId id="268" r:id="rId6"/>
-    <p:sldId id="282" r:id="rId7"/>
-    <p:sldId id="284" r:id="rId8"/>
-    <p:sldId id="267" r:id="rId9"/>
-    <p:sldId id="285" r:id="rId10"/>
-    <p:sldId id="286" r:id="rId11"/>
-    <p:sldId id="287" r:id="rId12"/>
-    <p:sldId id="269" r:id="rId13"/>
-    <p:sldId id="270" r:id="rId14"/>
-    <p:sldId id="271" r:id="rId15"/>
-    <p:sldId id="272" r:id="rId16"/>
-    <p:sldId id="273" r:id="rId17"/>
-    <p:sldId id="274" r:id="rId18"/>
-    <p:sldId id="275" r:id="rId19"/>
-    <p:sldId id="281" r:id="rId20"/>
+    <p:sldId id="282" r:id="rId6"/>
+    <p:sldId id="284" r:id="rId7"/>
+    <p:sldId id="267" r:id="rId8"/>
+    <p:sldId id="285" r:id="rId9"/>
+    <p:sldId id="286" r:id="rId10"/>
+    <p:sldId id="287" r:id="rId11"/>
+    <p:sldId id="290" r:id="rId12"/>
+    <p:sldId id="273" r:id="rId13"/>
+    <p:sldId id="268" r:id="rId14"/>
+    <p:sldId id="270" r:id="rId15"/>
+    <p:sldId id="271" r:id="rId16"/>
+    <p:sldId id="272" r:id="rId17"/>
+    <p:sldId id="289" r:id="rId18"/>
+    <p:sldId id="274" r:id="rId19"/>
+    <p:sldId id="275" r:id="rId20"/>
+    <p:sldId id="281" r:id="rId21"/>
+    <p:sldId id="291" r:id="rId22"/>
+    <p:sldId id="292" r:id="rId23"/>
+    <p:sldId id="293" r:id="rId24"/>
+    <p:sldId id="294" r:id="rId25"/>
   </p:sldIdLst>
   <p:sldSz cx="12192000" cy="6858000"/>
   <p:notesSz cx="6858000" cy="9144000"/>
@@ -140,6 +145,9 @@
         </p15:guide>
       </p15:sldGuideLst>
     </p:ext>
+    <p:ext uri="{2D200454-40CA-4A62-9FC3-DE9A4176ACB9}">
+      <p15:notesGuideLst xmlns:p15="http://schemas.microsoft.com/office/powerpoint/2012/main"/>
+    </p:ext>
   </p:extLst>
 </p:presentation>
 </file>
@@ -226,7 +234,7 @@
           <a:p>
             <a:fld id="{7D5E294E-66B6-4B61-AE4D-4D7122C755E4}" type="datetimeFigureOut">
               <a:rPr lang="en-US" smtClean="0"/>
-              <a:t>4/9/2014</a:t>
+              <a:t>4/18/2014</a:t>
             </a:fld>
             <a:endParaRPr lang="en-US"/>
           </a:p>
@@ -494,7 +502,7 @@
           <a:p>
             <a:fld id="{95469A33-9347-4BDF-882C-0EAEF277DC7C}" type="datetimeFigureOut">
               <a:rPr lang="en-US" smtClean="0"/>
-              <a:t>4/9/2014</a:t>
+              <a:t>4/18/2014</a:t>
             </a:fld>
             <a:endParaRPr lang="en-US"/>
           </a:p>
@@ -793,7 +801,7 @@
             <a:fld id="{B61BEF0D-F0BB-DE4B-95CE-6DB70DBA9567}" type="datetimeFigureOut">
               <a:rPr lang="en-US" smtClean="0"/>
               <a:pPr/>
-              <a:t>4/9/2014</a:t>
+              <a:t>4/18/2014</a:t>
             </a:fld>
             <a:endParaRPr lang="en-US" dirty="0"/>
           </a:p>
@@ -987,7 +995,7 @@
             <a:fld id="{B61BEF0D-F0BB-DE4B-95CE-6DB70DBA9567}" type="datetimeFigureOut">
               <a:rPr lang="en-US" smtClean="0"/>
               <a:pPr/>
-              <a:t>4/9/2014</a:t>
+              <a:t>4/18/2014</a:t>
             </a:fld>
             <a:endParaRPr lang="en-US" dirty="0"/>
           </a:p>
@@ -1250,7 +1258,7 @@
             <a:fld id="{B61BEF0D-F0BB-DE4B-95CE-6DB70DBA9567}" type="datetimeFigureOut">
               <a:rPr lang="en-US" smtClean="0"/>
               <a:pPr/>
-              <a:t>4/9/2014</a:t>
+              <a:t>4/18/2014</a:t>
             </a:fld>
             <a:endParaRPr lang="en-US" dirty="0"/>
           </a:p>
@@ -1676,7 +1684,7 @@
             <a:fld id="{B61BEF0D-F0BB-DE4B-95CE-6DB70DBA9567}" type="datetimeFigureOut">
               <a:rPr lang="en-US" smtClean="0"/>
               <a:pPr/>
-              <a:t>4/9/2014</a:t>
+              <a:t>4/18/2014</a:t>
             </a:fld>
             <a:endParaRPr lang="en-US" dirty="0"/>
           </a:p>
@@ -2215,7 +2223,7 @@
             <a:fld id="{B61BEF0D-F0BB-DE4B-95CE-6DB70DBA9567}" type="datetimeFigureOut">
               <a:rPr lang="en-US" smtClean="0"/>
               <a:pPr/>
-              <a:t>4/9/2014</a:t>
+              <a:t>4/18/2014</a:t>
             </a:fld>
             <a:endParaRPr lang="en-US" dirty="0"/>
           </a:p>
@@ -3081,7 +3089,7 @@
             <a:fld id="{B61BEF0D-F0BB-DE4B-95CE-6DB70DBA9567}" type="datetimeFigureOut">
               <a:rPr lang="en-US" smtClean="0"/>
               <a:pPr/>
-              <a:t>4/9/2014</a:t>
+              <a:t>4/18/2014</a:t>
             </a:fld>
             <a:endParaRPr lang="en-US" dirty="0"/>
           </a:p>
@@ -3253,7 +3261,7 @@
             <a:fld id="{B61BEF0D-F0BB-DE4B-95CE-6DB70DBA9567}" type="datetimeFigureOut">
               <a:rPr lang="en-US" smtClean="0"/>
               <a:pPr/>
-              <a:t>4/9/2014</a:t>
+              <a:t>4/18/2014</a:t>
             </a:fld>
             <a:endParaRPr lang="en-US" dirty="0"/>
           </a:p>
@@ -3438,7 +3446,7 @@
           <a:p>
             <a:fld id="{95469A33-9347-4BDF-882C-0EAEF277DC7C}" type="datetimeFigureOut">
               <a:rPr lang="en-US" smtClean="0"/>
-              <a:t>4/9/2014</a:t>
+              <a:t>4/18/2014</a:t>
             </a:fld>
             <a:endParaRPr lang="en-US"/>
           </a:p>
@@ -3846,39 +3854,65 @@
         <p:spPr/>
         <p:txBody>
           <a:bodyPr/>
-          <a:lstStyle/>
+          <a:lstStyle>
+            <a:lvl1pPr marL="342900" indent="-306000">
+              <a:buFont typeface="Arial" panose="020B0604020202020204" pitchFamily="34" charset="0"/>
+              <a:buChar char="•"/>
+              <a:defRPr/>
+            </a:lvl1pPr>
+            <a:lvl2pPr marL="720000" indent="-270000">
+              <a:buFont typeface="Courier New" panose="02070309020205020404" pitchFamily="49" charset="0"/>
+              <a:buChar char="o"/>
+              <a:defRPr/>
+            </a:lvl2pPr>
+            <a:lvl3pPr marL="1026000" indent="-216000">
+              <a:buFont typeface="Wingdings" panose="05000000000000000000" pitchFamily="2" charset="2"/>
+              <a:buChar char="§"/>
+              <a:defRPr/>
+            </a:lvl3pPr>
+            <a:lvl4pPr marL="1386000" indent="-216000">
+              <a:buFont typeface="Wingdings" panose="05000000000000000000" pitchFamily="2" charset="2"/>
+              <a:buChar char="q"/>
+              <a:defRPr/>
+            </a:lvl4pPr>
+            <a:lvl5pPr marL="1674000" indent="-216000">
+              <a:buFont typeface="Wingdings" panose="05000000000000000000" pitchFamily="2" charset="2"/>
+              <a:buChar char="v"/>
+              <a:defRPr/>
+            </a:lvl5pPr>
+          </a:lstStyle>
           <a:p>
             <a:pPr lvl="0"/>
             <a:r>
-              <a:rPr lang="en-US" smtClean="0"/>
+              <a:rPr lang="en-US" dirty="0" smtClean="0"/>
               <a:t>Click to edit Master text styles</a:t>
             </a:r>
           </a:p>
           <a:p>
             <a:pPr lvl="1"/>
             <a:r>
-              <a:rPr lang="en-US" smtClean="0"/>
+              <a:rPr lang="en-US" dirty="0" smtClean="0"/>
               <a:t>Second level</a:t>
             </a:r>
           </a:p>
           <a:p>
             <a:pPr lvl="2"/>
             <a:r>
-              <a:rPr lang="en-US" smtClean="0"/>
+              <a:rPr lang="en-US" dirty="0" smtClean="0"/>
               <a:t>Third level</a:t>
             </a:r>
           </a:p>
           <a:p>
             <a:pPr lvl="3"/>
             <a:r>
-              <a:rPr lang="en-US" smtClean="0"/>
+              <a:rPr lang="en-US" dirty="0" smtClean="0"/>
               <a:t>Fourth level</a:t>
             </a:r>
           </a:p>
           <a:p>
             <a:pPr lvl="4"/>
             <a:r>
-              <a:rPr lang="en-US" smtClean="0"/>
+              <a:rPr lang="en-US" dirty="0" smtClean="0"/>
               <a:t>Fifth level</a:t>
             </a:r>
             <a:endParaRPr lang="en-US" dirty="0"/>
@@ -3903,7 +3937,7 @@
             <a:fld id="{EEB31411-81DA-416F-953C-825CF1EE9A76}" type="datetimeFigureOut">
               <a:rPr lang="en-US" smtClean="0"/>
               <a:pPr/>
-              <a:t>4/9/2014</a:t>
+              <a:t>4/18/2014</a:t>
             </a:fld>
             <a:endParaRPr lang="en-US"/>
           </a:p>
@@ -4156,7 +4190,7 @@
             <a:fld id="{EEB31411-81DA-416F-953C-825CF1EE9A76}" type="datetimeFigureOut">
               <a:rPr lang="en-US" smtClean="0"/>
               <a:pPr/>
-              <a:t>4/9/2014</a:t>
+              <a:t>4/18/2014</a:t>
             </a:fld>
             <a:endParaRPr lang="en-US"/>
           </a:p>
@@ -4394,7 +4428,7 @@
             <a:fld id="{EEB31411-81DA-416F-953C-825CF1EE9A76}" type="datetimeFigureOut">
               <a:rPr lang="en-US" smtClean="0"/>
               <a:pPr/>
-              <a:t>4/9/2014</a:t>
+              <a:t>4/18/2014</a:t>
             </a:fld>
             <a:endParaRPr lang="en-US"/>
           </a:p>
@@ -4862,7 +4896,7 @@
             <a:fld id="{EEB31411-81DA-416F-953C-825CF1EE9A76}" type="datetimeFigureOut">
               <a:rPr lang="en-US" smtClean="0"/>
               <a:pPr/>
-              <a:t>4/9/2014</a:t>
+              <a:t>4/18/2014</a:t>
             </a:fld>
             <a:endParaRPr lang="en-US"/>
           </a:p>
@@ -4982,7 +5016,7 @@
             <a:fld id="{EEB31411-81DA-416F-953C-825CF1EE9A76}" type="datetimeFigureOut">
               <a:rPr lang="en-US" smtClean="0"/>
               <a:pPr/>
-              <a:t>4/9/2014</a:t>
+              <a:t>4/18/2014</a:t>
             </a:fld>
             <a:endParaRPr lang="en-US"/>
           </a:p>
@@ -5079,7 +5113,7 @@
             <a:fld id="{EEB31411-81DA-416F-953C-825CF1EE9A76}" type="datetimeFigureOut">
               <a:rPr lang="en-US" smtClean="0"/>
               <a:pPr/>
-              <a:t>4/9/2014</a:t>
+              <a:t>4/18/2014</a:t>
             </a:fld>
             <a:endParaRPr lang="en-US"/>
           </a:p>
@@ -5336,7 +5370,7 @@
             <a:fld id="{EEB31411-81DA-416F-953C-825CF1EE9A76}" type="datetimeFigureOut">
               <a:rPr lang="en-US" smtClean="0"/>
               <a:pPr/>
-              <a:t>4/9/2014</a:t>
+              <a:t>4/18/2014</a:t>
             </a:fld>
             <a:endParaRPr lang="en-US"/>
           </a:p>
@@ -5638,7 +5672,7 @@
             <a:fld id="{EEB31411-81DA-416F-953C-825CF1EE9A76}" type="datetimeFigureOut">
               <a:rPr lang="en-US" smtClean="0"/>
               <a:pPr/>
-              <a:t>4/9/2014</a:t>
+              <a:t>4/18/2014</a:t>
             </a:fld>
             <a:endParaRPr lang="en-US"/>
           </a:p>
@@ -5874,7 +5908,7 @@
             <a:fld id="{B61BEF0D-F0BB-DE4B-95CE-6DB70DBA9567}" type="datetimeFigureOut">
               <a:rPr lang="en-US" smtClean="0"/>
               <a:pPr/>
-              <a:t>4/9/2014</a:t>
+              <a:t>4/18/2014</a:t>
             </a:fld>
             <a:endParaRPr lang="en-US" dirty="0"/>
           </a:p>
@@ -6693,113 +6727,6 @@
         </p:blipFill>
         <p:spPr>
           <a:xfrm>
-            <a:off x="1893011" y="339724"/>
-            <a:ext cx="8470189" cy="6256033"/>
-          </a:xfrm>
-          <a:prstGeom prst="rect">
-            <a:avLst/>
-          </a:prstGeom>
-          <a:solidFill>
-            <a:srgbClr val="FFFFFF">
-              <a:shade val="85000"/>
-            </a:srgbClr>
-          </a:solidFill>
-          <a:ln w="88900" cap="sq">
-            <a:solidFill>
-              <a:srgbClr val="FFFFFF"/>
-            </a:solidFill>
-            <a:miter lim="800000"/>
-          </a:ln>
-          <a:effectLst>
-            <a:outerShdw blurRad="55000" dist="18000" dir="5400000" algn="tl" rotWithShape="0">
-              <a:srgbClr val="000000">
-                <a:alpha val="40000"/>
-              </a:srgbClr>
-            </a:outerShdw>
-          </a:effectLst>
-          <a:scene3d>
-            <a:camera prst="orthographicFront"/>
-            <a:lightRig rig="twoPt" dir="t">
-              <a:rot lat="0" lon="0" rev="7200000"/>
-            </a:lightRig>
-          </a:scene3d>
-          <a:sp3d>
-            <a:bevelT w="25400" h="19050"/>
-            <a:contourClr>
-              <a:srgbClr val="FFFFFF"/>
-            </a:contourClr>
-          </a:sp3d>
-        </p:spPr>
-      </p:pic>
-    </p:spTree>
-  </p:cSld>
-  <p:clrMapOvr>
-    <a:masterClrMapping/>
-  </p:clrMapOvr>
-  <p:timing>
-    <p:tnLst>
-      <p:par>
-        <p:cTn id="1" dur="indefinite" restart="never" nodeType="tmRoot"/>
-      </p:par>
-    </p:tnLst>
-  </p:timing>
-</p:sld>
-</file>
-
-<file path=ppt/slides/slide11.xml><?xml version="1.0" encoding="utf-8"?>
-<p:sld xmlns:a="http://schemas.openxmlformats.org/drawingml/2006/main" xmlns:r="http://schemas.openxmlformats.org/officeDocument/2006/relationships" xmlns:p="http://schemas.openxmlformats.org/presentationml/2006/main">
-  <p:cSld>
-    <p:spTree>
-      <p:nvGrpSpPr>
-        <p:cNvPr id="1" name=""/>
-        <p:cNvGrpSpPr/>
-        <p:nvPr/>
-      </p:nvGrpSpPr>
-      <p:grpSpPr>
-        <a:xfrm>
-          <a:off x="0" y="0"/>
-          <a:ext cx="0" cy="0"/>
-          <a:chOff x="0" y="0"/>
-          <a:chExt cx="0" cy="0"/>
-        </a:xfrm>
-      </p:grpSpPr>
-      <p:sp>
-        <p:nvSpPr>
-          <p:cNvPr id="2" name="ชื่อเรื่อง 1"/>
-          <p:cNvSpPr>
-            <a:spLocks noGrp="1"/>
-          </p:cNvSpPr>
-          <p:nvPr>
-            <p:ph type="title"/>
-          </p:nvPr>
-        </p:nvSpPr>
-        <p:spPr/>
-        <p:txBody>
-          <a:bodyPr/>
-          <a:lstStyle/>
-          <a:p>
-            <a:endParaRPr lang="th-TH"/>
-          </a:p>
-        </p:txBody>
-      </p:sp>
-      <p:pic>
-        <p:nvPicPr>
-          <p:cNvPr id="4" name="ตัวยึดเนื้อหา 3" descr="th140.png"/>
-          <p:cNvPicPr>
-            <a:picLocks noGrp="1" noChangeAspect="1"/>
-          </p:cNvPicPr>
-          <p:nvPr>
-            <p:ph idx="1"/>
-          </p:nvPr>
-        </p:nvPicPr>
-        <p:blipFill>
-          <a:blip r:embed="rId2"/>
-          <a:stretch>
-            <a:fillRect/>
-          </a:stretch>
-        </p:blipFill>
-        <p:spPr>
-          <a:xfrm>
             <a:off x="1931111" y="282574"/>
             <a:ext cx="8470189" cy="6256033"/>
           </a:xfrm>
@@ -6841,6 +6768,98 @@
 </p:sld>
 </file>
 
+<file path=ppt/slides/slide11.xml><?xml version="1.0" encoding="utf-8"?>
+<p:sld xmlns:a="http://schemas.openxmlformats.org/drawingml/2006/main" xmlns:r="http://schemas.openxmlformats.org/officeDocument/2006/relationships" xmlns:p="http://schemas.openxmlformats.org/presentationml/2006/main">
+  <p:cSld>
+    <p:spTree>
+      <p:nvGrpSpPr>
+        <p:cNvPr id="1" name=""/>
+        <p:cNvGrpSpPr/>
+        <p:nvPr/>
+      </p:nvGrpSpPr>
+      <p:grpSpPr>
+        <a:xfrm>
+          <a:off x="0" y="0"/>
+          <a:ext cx="0" cy="0"/>
+          <a:chOff x="0" y="0"/>
+          <a:chExt cx="0" cy="0"/>
+        </a:xfrm>
+      </p:grpSpPr>
+      <p:sp>
+        <p:nvSpPr>
+          <p:cNvPr id="2" name="Title 1"/>
+          <p:cNvSpPr>
+            <a:spLocks noGrp="1"/>
+          </p:cNvSpPr>
+          <p:nvPr>
+            <p:ph type="ctrTitle"/>
+          </p:nvPr>
+        </p:nvSpPr>
+        <p:spPr>
+          <a:xfrm>
+            <a:off x="1370693" y="1769540"/>
+            <a:ext cx="9440034" cy="1828801"/>
+          </a:xfrm>
+        </p:spPr>
+        <p:txBody>
+          <a:bodyPr>
+            <a:normAutofit/>
+          </a:bodyPr>
+          <a:lstStyle/>
+          <a:p>
+            <a:r>
+              <a:rPr lang="th-TH" sz="6600" b="1" dirty="0" smtClean="0">
+                <a:latin typeface="TH SarabunPSK" panose="020B0500040200020003" pitchFamily="34" charset="-34"/>
+                <a:cs typeface="TH SarabunPSK" panose="020B0500040200020003" pitchFamily="34" charset="-34"/>
+              </a:rPr>
+              <a:t>การจัดการปฏิทิน</a:t>
+            </a:r>
+            <a:endParaRPr lang="en-US" sz="6600" b="1" dirty="0">
+              <a:latin typeface="TH SarabunPSK" panose="020B0500040200020003" pitchFamily="34" charset="-34"/>
+              <a:cs typeface="TH SarabunPSK" panose="020B0500040200020003" pitchFamily="34" charset="-34"/>
+            </a:endParaRPr>
+          </a:p>
+        </p:txBody>
+      </p:sp>
+      <p:sp>
+        <p:nvSpPr>
+          <p:cNvPr id="4" name="Subtitle 3"/>
+          <p:cNvSpPr>
+            <a:spLocks noGrp="1"/>
+          </p:cNvSpPr>
+          <p:nvPr>
+            <p:ph type="subTitle" idx="1"/>
+          </p:nvPr>
+        </p:nvSpPr>
+        <p:spPr/>
+        <p:txBody>
+          <a:bodyPr/>
+          <a:lstStyle/>
+          <a:p>
+            <a:endParaRPr lang="en-US"/>
+          </a:p>
+        </p:txBody>
+      </p:sp>
+    </p:spTree>
+    <p:extLst>
+      <p:ext uri="{BB962C8B-B14F-4D97-AF65-F5344CB8AC3E}">
+        <p14:creationId xmlns:p14="http://schemas.microsoft.com/office/powerpoint/2010/main" val="1850762226"/>
+      </p:ext>
+    </p:extLst>
+  </p:cSld>
+  <p:clrMapOvr>
+    <a:masterClrMapping/>
+  </p:clrMapOvr>
+  <p:timing>
+    <p:tnLst>
+      <p:par>
+        <p:cTn id="1" dur="indefinite" restart="never" nodeType="tmRoot"/>
+      </p:par>
+    </p:tnLst>
+  </p:timing>
+</p:sld>
+</file>
+
 <file path=ppt/slides/slide12.xml><?xml version="1.0" encoding="utf-8"?>
 <p:sld xmlns:a="http://schemas.openxmlformats.org/drawingml/2006/main" xmlns:r="http://schemas.openxmlformats.org/officeDocument/2006/relationships" xmlns:p="http://schemas.openxmlformats.org/presentationml/2006/main">
   <p:cSld>
@@ -6865,65 +6884,76 @@
             <a:spLocks noGrp="1"/>
           </p:cNvSpPr>
           <p:nvPr>
-            <p:ph type="ctrTitle"/>
-          </p:nvPr>
-        </p:nvSpPr>
-        <p:spPr>
-          <a:xfrm>
-            <a:off x="1370693" y="1769540"/>
-            <a:ext cx="9440034" cy="1828801"/>
-          </a:xfrm>
-        </p:spPr>
+            <p:ph type="title"/>
+          </p:nvPr>
+        </p:nvSpPr>
+        <p:spPr/>
         <p:txBody>
           <a:bodyPr>
-            <a:normAutofit/>
+            <a:normAutofit fontScale="90000"/>
           </a:bodyPr>
           <a:lstStyle/>
           <a:p>
             <a:r>
-              <a:rPr lang="th-TH" sz="6600" b="1" dirty="0">
+              <a:rPr lang="th-TH" sz="6000" b="1" dirty="0">
                 <a:latin typeface="TH SarabunPSK" panose="020B0500040200020003" pitchFamily="34" charset="-34"/>
                 <a:cs typeface="TH SarabunPSK" panose="020B0500040200020003" pitchFamily="34" charset="-34"/>
               </a:rPr>
-              <a:t>สร้างหรือแก้ไข</a:t>
-            </a:r>
-            <a:r>
-              <a:rPr lang="th-TH" sz="6600" b="1" dirty="0" smtClean="0">
-                <a:latin typeface="TH SarabunPSK" panose="020B0500040200020003" pitchFamily="34" charset="-34"/>
-                <a:cs typeface="TH SarabunPSK" panose="020B0500040200020003" pitchFamily="34" charset="-34"/>
-              </a:rPr>
-              <a:t>กิจกรรม</a:t>
-            </a:r>
-            <a:endParaRPr lang="en-US" sz="6600" b="1" dirty="0">
+              <a:t>สร้างหรือแก้ไขปฏิทิน</a:t>
+            </a:r>
+            <a:endParaRPr lang="en-US" sz="6000" b="1" dirty="0">
               <a:latin typeface="TH SarabunPSK" panose="020B0500040200020003" pitchFamily="34" charset="-34"/>
               <a:cs typeface="TH SarabunPSK" panose="020B0500040200020003" pitchFamily="34" charset="-34"/>
             </a:endParaRPr>
           </a:p>
         </p:txBody>
       </p:sp>
-      <p:sp>
-        <p:nvSpPr>
-          <p:cNvPr id="4" name="Subtitle 3"/>
-          <p:cNvSpPr>
-            <a:spLocks noGrp="1"/>
-          </p:cNvSpPr>
-          <p:nvPr>
-            <p:ph type="subTitle" idx="1"/>
-          </p:nvPr>
-        </p:nvSpPr>
-        <p:spPr/>
-        <p:txBody>
-          <a:bodyPr/>
-          <a:lstStyle/>
-          <a:p>
-            <a:endParaRPr lang="en-US"/>
-          </a:p>
-        </p:txBody>
-      </p:sp>
+      <p:pic>
+        <p:nvPicPr>
+          <p:cNvPr id="4" name="Content Placeholder 3"/>
+          <p:cNvPicPr>
+            <a:picLocks noGrp="1" noChangeAspect="1"/>
+          </p:cNvPicPr>
+          <p:nvPr>
+            <p:ph idx="1"/>
+          </p:nvPr>
+        </p:nvPicPr>
+        <p:blipFill>
+          <a:blip r:embed="rId2">
+            <a:extLst>
+              <a:ext uri="{28A0092B-C50C-407E-A947-70E740481C1C}">
+                <a14:useLocalDpi xmlns:a14="http://schemas.microsoft.com/office/drawing/2010/main" val="0"/>
+              </a:ext>
+            </a:extLst>
+          </a:blip>
+          <a:stretch>
+            <a:fillRect/>
+          </a:stretch>
+        </p:blipFill>
+        <p:spPr>
+          <a:xfrm>
+            <a:off x="2823843" y="1731963"/>
+            <a:ext cx="6534788" cy="4059237"/>
+          </a:xfrm>
+          <a:prstGeom prst="rect">
+            <a:avLst/>
+          </a:prstGeom>
+          <a:ln>
+            <a:noFill/>
+          </a:ln>
+          <a:effectLst>
+            <a:outerShdw blurRad="292100" dist="139700" dir="2700000" algn="tl" rotWithShape="0">
+              <a:srgbClr val="333333">
+                <a:alpha val="65000"/>
+              </a:srgbClr>
+            </a:outerShdw>
+          </a:effectLst>
+        </p:spPr>
+      </p:pic>
     </p:spTree>
     <p:extLst>
       <p:ext uri="{BB962C8B-B14F-4D97-AF65-F5344CB8AC3E}">
-        <p14:creationId xmlns:p14="http://schemas.microsoft.com/office/powerpoint/2010/main" val="4167141818"/>
+        <p14:creationId xmlns:p14="http://schemas.microsoft.com/office/powerpoint/2010/main" val="3382266659"/>
       </p:ext>
     </p:extLst>
   </p:cSld>
@@ -6941,6 +6971,91 @@
 </file>
 
 <file path=ppt/slides/slide13.xml><?xml version="1.0" encoding="utf-8"?>
+<p:sld xmlns:a="http://schemas.openxmlformats.org/drawingml/2006/main" xmlns:r="http://schemas.openxmlformats.org/officeDocument/2006/relationships" xmlns:p="http://schemas.openxmlformats.org/presentationml/2006/main">
+  <p:cSld>
+    <p:spTree>
+      <p:nvGrpSpPr>
+        <p:cNvPr id="1" name=""/>
+        <p:cNvGrpSpPr/>
+        <p:nvPr/>
+      </p:nvGrpSpPr>
+      <p:grpSpPr>
+        <a:xfrm>
+          <a:off x="0" y="0"/>
+          <a:ext cx="0" cy="0"/>
+          <a:chOff x="0" y="0"/>
+          <a:chExt cx="0" cy="0"/>
+        </a:xfrm>
+      </p:grpSpPr>
+      <p:sp>
+        <p:nvSpPr>
+          <p:cNvPr id="2" name="Title 1"/>
+          <p:cNvSpPr>
+            <a:spLocks noGrp="1"/>
+          </p:cNvSpPr>
+          <p:nvPr>
+            <p:ph type="ctrTitle"/>
+          </p:nvPr>
+        </p:nvSpPr>
+        <p:spPr>
+          <a:xfrm>
+            <a:off x="1370693" y="1769540"/>
+            <a:ext cx="9440034" cy="1828801"/>
+          </a:xfrm>
+        </p:spPr>
+        <p:txBody>
+          <a:bodyPr>
+            <a:normAutofit/>
+          </a:bodyPr>
+          <a:lstStyle/>
+          <a:p>
+            <a:r>
+              <a:rPr lang="th-TH" sz="6600" b="1" dirty="0"/>
+              <a:t>การจัดการกิจกรรม</a:t>
+            </a:r>
+          </a:p>
+        </p:txBody>
+      </p:sp>
+      <p:sp>
+        <p:nvSpPr>
+          <p:cNvPr id="6" name="Subtitle 5"/>
+          <p:cNvSpPr>
+            <a:spLocks noGrp="1"/>
+          </p:cNvSpPr>
+          <p:nvPr>
+            <p:ph type="subTitle" idx="1"/>
+          </p:nvPr>
+        </p:nvSpPr>
+        <p:spPr/>
+        <p:txBody>
+          <a:bodyPr/>
+          <a:lstStyle/>
+          <a:p>
+            <a:endParaRPr lang="en-US"/>
+          </a:p>
+        </p:txBody>
+      </p:sp>
+    </p:spTree>
+    <p:extLst>
+      <p:ext uri="{BB962C8B-B14F-4D97-AF65-F5344CB8AC3E}">
+        <p14:creationId xmlns:p14="http://schemas.microsoft.com/office/powerpoint/2010/main" val="1065843145"/>
+      </p:ext>
+    </p:extLst>
+  </p:cSld>
+  <p:clrMapOvr>
+    <a:masterClrMapping/>
+  </p:clrMapOvr>
+  <p:timing>
+    <p:tnLst>
+      <p:par>
+        <p:cTn id="1" dur="indefinite" restart="never" nodeType="tmRoot"/>
+      </p:par>
+    </p:tnLst>
+  </p:timing>
+</p:sld>
+</file>
+
+<file path=ppt/slides/slide14.xml><?xml version="1.0" encoding="utf-8"?>
 <p:sld xmlns:a="http://schemas.openxmlformats.org/drawingml/2006/main" xmlns:r="http://schemas.openxmlformats.org/officeDocument/2006/relationships" xmlns:p="http://schemas.openxmlformats.org/presentationml/2006/main">
   <p:cSld>
     <p:spTree>
@@ -7050,7 +7165,7 @@
 </p:sld>
 </file>
 
-<file path=ppt/slides/slide14.xml><?xml version="1.0" encoding="utf-8"?>
+<file path=ppt/slides/slide15.xml><?xml version="1.0" encoding="utf-8"?>
 <p:sld xmlns:a="http://schemas.openxmlformats.org/drawingml/2006/main" xmlns:r="http://schemas.openxmlformats.org/officeDocument/2006/relationships" xmlns:p="http://schemas.openxmlformats.org/presentationml/2006/main">
   <p:cSld>
     <p:spTree>
@@ -7160,7 +7275,7 @@
 </p:sld>
 </file>
 
-<file path=ppt/slides/slide15.xml><?xml version="1.0" encoding="utf-8"?>
+<file path=ppt/slides/slide16.xml><?xml version="1.0" encoding="utf-8"?>
 <p:sld xmlns:a="http://schemas.openxmlformats.org/drawingml/2006/main" xmlns:r="http://schemas.openxmlformats.org/officeDocument/2006/relationships" xmlns:p="http://schemas.openxmlformats.org/presentationml/2006/main">
   <p:cSld>
     <p:spTree>
@@ -7270,7 +7385,7 @@
 </p:sld>
 </file>
 
-<file path=ppt/slides/slide16.xml><?xml version="1.0" encoding="utf-8"?>
+<file path=ppt/slides/slide17.xml><?xml version="1.0" encoding="utf-8"?>
 <p:sld xmlns:a="http://schemas.openxmlformats.org/drawingml/2006/main" xmlns:r="http://schemas.openxmlformats.org/officeDocument/2006/relationships" xmlns:p="http://schemas.openxmlformats.org/presentationml/2006/main">
   <p:cSld>
     <p:spTree>
@@ -7294,76 +7409,58 @@
             <a:spLocks noGrp="1"/>
           </p:cNvSpPr>
           <p:nvPr>
-            <p:ph type="title"/>
-          </p:nvPr>
-        </p:nvSpPr>
-        <p:spPr/>
+            <p:ph type="ctrTitle"/>
+          </p:nvPr>
+        </p:nvSpPr>
+        <p:spPr>
+          <a:xfrm>
+            <a:off x="1370693" y="1769540"/>
+            <a:ext cx="9440034" cy="1828801"/>
+          </a:xfrm>
+        </p:spPr>
         <p:txBody>
           <a:bodyPr>
-            <a:normAutofit fontScale="90000"/>
+            <a:normAutofit/>
           </a:bodyPr>
           <a:lstStyle/>
           <a:p>
             <a:r>
-              <a:rPr lang="th-TH" sz="6000" b="1" dirty="0">
+              <a:rPr lang="th-TH" sz="6600" b="1" dirty="0" smtClean="0">
                 <a:latin typeface="TH SarabunPSK" panose="020B0500040200020003" pitchFamily="34" charset="-34"/>
                 <a:cs typeface="TH SarabunPSK" panose="020B0500040200020003" pitchFamily="34" charset="-34"/>
               </a:rPr>
-              <a:t>สร้างหรือแก้ไขปฏิทิน</a:t>
-            </a:r>
-            <a:endParaRPr lang="en-US" sz="6000" b="1" dirty="0">
+              <a:t>การแบ่งปันปฏิทิน</a:t>
+            </a:r>
+            <a:endParaRPr lang="en-US" sz="6600" b="1" dirty="0">
               <a:latin typeface="TH SarabunPSK" panose="020B0500040200020003" pitchFamily="34" charset="-34"/>
               <a:cs typeface="TH SarabunPSK" panose="020B0500040200020003" pitchFamily="34" charset="-34"/>
             </a:endParaRPr>
           </a:p>
         </p:txBody>
       </p:sp>
-      <p:pic>
-        <p:nvPicPr>
-          <p:cNvPr id="4" name="Content Placeholder 3"/>
-          <p:cNvPicPr>
-            <a:picLocks noGrp="1" noChangeAspect="1"/>
-          </p:cNvPicPr>
-          <p:nvPr>
-            <p:ph idx="1"/>
-          </p:nvPr>
-        </p:nvPicPr>
-        <p:blipFill>
-          <a:blip r:embed="rId2">
-            <a:extLst>
-              <a:ext uri="{28A0092B-C50C-407E-A947-70E740481C1C}">
-                <a14:useLocalDpi xmlns:a14="http://schemas.microsoft.com/office/drawing/2010/main" val="0"/>
-              </a:ext>
-            </a:extLst>
-          </a:blip>
-          <a:stretch>
-            <a:fillRect/>
-          </a:stretch>
-        </p:blipFill>
-        <p:spPr>
-          <a:xfrm>
-            <a:off x="2823843" y="1731963"/>
-            <a:ext cx="6534788" cy="4059237"/>
-          </a:xfrm>
-          <a:prstGeom prst="rect">
-            <a:avLst/>
-          </a:prstGeom>
-          <a:ln>
-            <a:noFill/>
-          </a:ln>
-          <a:effectLst>
-            <a:outerShdw blurRad="292100" dist="139700" dir="2700000" algn="tl" rotWithShape="0">
-              <a:srgbClr val="333333">
-                <a:alpha val="65000"/>
-              </a:srgbClr>
-            </a:outerShdw>
-          </a:effectLst>
-        </p:spPr>
-      </p:pic>
+      <p:sp>
+        <p:nvSpPr>
+          <p:cNvPr id="3" name="Subtitle 2"/>
+          <p:cNvSpPr>
+            <a:spLocks noGrp="1"/>
+          </p:cNvSpPr>
+          <p:nvPr>
+            <p:ph type="subTitle" idx="1"/>
+          </p:nvPr>
+        </p:nvSpPr>
+        <p:spPr/>
+        <p:txBody>
+          <a:bodyPr/>
+          <a:lstStyle/>
+          <a:p>
+            <a:endParaRPr lang="en-US"/>
+          </a:p>
+        </p:txBody>
+      </p:sp>
     </p:spTree>
     <p:extLst>
       <p:ext uri="{BB962C8B-B14F-4D97-AF65-F5344CB8AC3E}">
-        <p14:creationId xmlns:p14="http://schemas.microsoft.com/office/powerpoint/2010/main" val="3382266659"/>
+        <p14:creationId xmlns:p14="http://schemas.microsoft.com/office/powerpoint/2010/main" val="3968691127"/>
       </p:ext>
     </p:extLst>
   </p:cSld>
@@ -7380,7 +7477,7 @@
 </p:sld>
 </file>
 
-<file path=ppt/slides/slide17.xml><?xml version="1.0" encoding="utf-8"?>
+<file path=ppt/slides/slide18.xml><?xml version="1.0" encoding="utf-8"?>
 <p:sld xmlns:a="http://schemas.openxmlformats.org/drawingml/2006/main" xmlns:r="http://schemas.openxmlformats.org/officeDocument/2006/relationships" xmlns:p="http://schemas.openxmlformats.org/presentationml/2006/main">
   <p:cSld>
     <p:spTree>
@@ -7528,7 +7625,7 @@
 </p:sld>
 </file>
 
-<file path=ppt/slides/slide18.xml><?xml version="1.0" encoding="utf-8"?>
+<file path=ppt/slides/slide19.xml><?xml version="1.0" encoding="utf-8"?>
 <p:sld xmlns:a="http://schemas.openxmlformats.org/drawingml/2006/main" xmlns:r="http://schemas.openxmlformats.org/officeDocument/2006/relationships" xmlns:p="http://schemas.openxmlformats.org/presentationml/2006/main">
   <p:cSld>
     <p:spTree>
@@ -7620,7 +7717,118 @@
 </p:sld>
 </file>
 
-<file path=ppt/slides/slide19.xml><?xml version="1.0" encoding="utf-8"?>
+<file path=ppt/slides/slide2.xml><?xml version="1.0" encoding="utf-8"?>
+<p:sld xmlns:a="http://schemas.openxmlformats.org/drawingml/2006/main" xmlns:r="http://schemas.openxmlformats.org/officeDocument/2006/relationships" xmlns:p="http://schemas.openxmlformats.org/presentationml/2006/main">
+  <p:cSld>
+    <p:spTree>
+      <p:nvGrpSpPr>
+        <p:cNvPr id="1" name=""/>
+        <p:cNvGrpSpPr/>
+        <p:nvPr/>
+      </p:nvGrpSpPr>
+      <p:grpSpPr>
+        <a:xfrm>
+          <a:off x="0" y="0"/>
+          <a:ext cx="0" cy="0"/>
+          <a:chOff x="0" y="0"/>
+          <a:chExt cx="0" cy="0"/>
+        </a:xfrm>
+      </p:grpSpPr>
+      <p:sp>
+        <p:nvSpPr>
+          <p:cNvPr id="2" name="Title 1"/>
+          <p:cNvSpPr>
+            <a:spLocks noGrp="1"/>
+          </p:cNvSpPr>
+          <p:nvPr>
+            <p:ph type="title"/>
+          </p:nvPr>
+        </p:nvSpPr>
+        <p:spPr/>
+        <p:txBody>
+          <a:bodyPr/>
+          <a:lstStyle/>
+          <a:p>
+            <a:r>
+              <a:rPr lang="th-TH" sz="5400" dirty="0" smtClean="0"/>
+              <a:t>หัวข้อการอบรม</a:t>
+            </a:r>
+            <a:endParaRPr lang="th-TH" sz="5400" dirty="0"/>
+          </a:p>
+        </p:txBody>
+      </p:sp>
+      <p:sp>
+        <p:nvSpPr>
+          <p:cNvPr id="3" name="Content Placeholder 2"/>
+          <p:cNvSpPr>
+            <a:spLocks noGrp="1"/>
+          </p:cNvSpPr>
+          <p:nvPr>
+            <p:ph idx="1"/>
+          </p:nvPr>
+        </p:nvSpPr>
+        <p:spPr/>
+        <p:txBody>
+          <a:bodyPr>
+            <a:normAutofit/>
+          </a:bodyPr>
+          <a:lstStyle/>
+          <a:p>
+            <a:r>
+              <a:rPr lang="th-TH" sz="4400" b="1" dirty="0"/>
+              <a:t>การจัดการ</a:t>
+            </a:r>
+            <a:r>
+              <a:rPr lang="th-TH" sz="4400" b="1" dirty="0" smtClean="0"/>
+              <a:t>ปฏิทิน</a:t>
+            </a:r>
+            <a:endParaRPr lang="th-TH" sz="4400" b="1" dirty="0" smtClean="0"/>
+          </a:p>
+          <a:p>
+            <a:r>
+              <a:rPr lang="th-TH" sz="4400" b="1" dirty="0"/>
+              <a:t>การจัดการกิจกรรม</a:t>
+            </a:r>
+            <a:endParaRPr lang="th-TH" sz="4400" b="1" dirty="0" smtClean="0"/>
+          </a:p>
+          <a:p>
+            <a:r>
+              <a:rPr lang="th-TH" sz="4400" b="1" dirty="0" smtClean="0"/>
+              <a:t>การ</a:t>
+            </a:r>
+            <a:r>
+              <a:rPr lang="th-TH" sz="4400" b="1" dirty="0" smtClean="0">
+                <a:latin typeface="TH SarabunPSK" panose="020B0500040200020003" pitchFamily="34" charset="-34"/>
+                <a:cs typeface="TH SarabunPSK" panose="020B0500040200020003" pitchFamily="34" charset="-34"/>
+              </a:rPr>
+              <a:t>แบ่งปันปฏิทิน</a:t>
+            </a:r>
+            <a:endParaRPr lang="th-TH" sz="4400" b="1" dirty="0" smtClean="0"/>
+          </a:p>
+          <a:p>
+            <a:r>
+              <a:rPr lang="th-TH" sz="4400" b="1" dirty="0" smtClean="0"/>
+              <a:t>การใช้งานผ่านอุปกรณ์เคลื่อนที่</a:t>
+            </a:r>
+          </a:p>
+        </p:txBody>
+      </p:sp>
+    </p:spTree>
+  </p:cSld>
+  <p:clrMapOvr>
+    <a:masterClrMapping/>
+  </p:clrMapOvr>
+  <p:timing>
+    <p:tnLst>
+      <p:par>
+        <p:cTn id="1" dur="indefinite" restart="never" nodeType="tmRoot"/>
+      </p:par>
+    </p:tnLst>
+  </p:timing>
+</p:sld>
+</file>
+
+<file path=ppt/slides/slide20.xml><?xml version="1.0" encoding="utf-8"?>
 <p:sld xmlns:a="http://schemas.openxmlformats.org/drawingml/2006/main" xmlns:r="http://schemas.openxmlformats.org/officeDocument/2006/relationships" xmlns:p="http://schemas.openxmlformats.org/presentationml/2006/main">
   <p:cSld>
     <p:spTree>
@@ -7730,7 +7938,7 @@
 </p:sld>
 </file>
 
-<file path=ppt/slides/slide2.xml><?xml version="1.0" encoding="utf-8"?>
+<file path=ppt/slides/slide21.xml><?xml version="1.0" encoding="utf-8"?>
 <p:sld xmlns:a="http://schemas.openxmlformats.org/drawingml/2006/main" xmlns:r="http://schemas.openxmlformats.org/officeDocument/2006/relationships" xmlns:p="http://schemas.openxmlformats.org/presentationml/2006/main">
   <p:cSld>
     <p:spTree>
@@ -7763,75 +7971,360 @@
           <a:lstStyle/>
           <a:p>
             <a:r>
-              <a:rPr lang="th-TH" sz="5400" dirty="0" smtClean="0"/>
-              <a:t>หัวข้อการอบรม</a:t>
-            </a:r>
-            <a:endParaRPr lang="th-TH" sz="5400" dirty="0"/>
-          </a:p>
-        </p:txBody>
-      </p:sp>
-      <p:sp>
-        <p:nvSpPr>
-          <p:cNvPr id="3" name="Content Placeholder 2"/>
-          <p:cNvSpPr>
-            <a:spLocks noGrp="1"/>
-          </p:cNvSpPr>
+              <a:rPr lang="th-TH" dirty="0" smtClean="0">
+                <a:effectLst/>
+              </a:rPr>
+              <a:t>แตะ</a:t>
+            </a:r>
+            <a:r>
+              <a:rPr lang="en-US" dirty="0" smtClean="0">
+                <a:effectLst/>
+              </a:rPr>
+              <a:t> </a:t>
+            </a:r>
+            <a:r>
+              <a:rPr lang="th-TH" dirty="0" smtClean="0">
+                <a:effectLst/>
+              </a:rPr>
+              <a:t>การ</a:t>
+            </a:r>
+            <a:r>
+              <a:rPr lang="th-TH" dirty="0">
+                <a:effectLst/>
+              </a:rPr>
+              <a:t>ตั้งค่า</a:t>
+            </a:r>
+            <a:endParaRPr lang="en-US" dirty="0"/>
+          </a:p>
+        </p:txBody>
+      </p:sp>
+      <p:pic>
+        <p:nvPicPr>
+          <p:cNvPr id="4" name="Content Placeholder 3"/>
+          <p:cNvPicPr>
+            <a:picLocks noGrp="1" noChangeAspect="1"/>
+          </p:cNvPicPr>
           <p:nvPr>
             <p:ph idx="1"/>
           </p:nvPr>
-        </p:nvSpPr>
-        <p:spPr/>
-        <p:txBody>
-          <a:bodyPr>
-            <a:normAutofit/>
-          </a:bodyPr>
-          <a:lstStyle/>
-          <a:p>
-            <a:r>
-              <a:rPr lang="th-TH" sz="4400" b="1" dirty="0" smtClean="0"/>
-              <a:t>การจัดการกิจกรรม</a:t>
-            </a:r>
-          </a:p>
-          <a:p>
-            <a:r>
-              <a:rPr lang="th-TH" sz="4400" b="1" dirty="0" smtClean="0"/>
-              <a:t>การจัดการปฏิทิน</a:t>
-            </a:r>
-          </a:p>
-          <a:p>
-            <a:r>
-              <a:rPr lang="th-TH" sz="4400" b="1" dirty="0" smtClean="0"/>
-              <a:t>การ</a:t>
-            </a:r>
-            <a:r>
-              <a:rPr lang="th-TH" sz="4400" b="1" dirty="0" smtClean="0">
-                <a:latin typeface="TH SarabunPSK" panose="020B0500040200020003" pitchFamily="34" charset="-34"/>
-                <a:cs typeface="TH SarabunPSK" panose="020B0500040200020003" pitchFamily="34" charset="-34"/>
-              </a:rPr>
-              <a:t>แบ่งปันปฏิทิน</a:t>
-            </a:r>
-            <a:endParaRPr lang="th-TH" sz="4400" b="1" dirty="0" smtClean="0"/>
-          </a:p>
-          <a:p>
-            <a:r>
-              <a:rPr lang="th-TH" sz="4400" b="1" dirty="0" smtClean="0"/>
-              <a:t>การใช้งานผ่านอุปกรณ์เคลื่อนที่</a:t>
-            </a:r>
-          </a:p>
-        </p:txBody>
-      </p:sp>
+        </p:nvPicPr>
+        <p:blipFill>
+          <a:blip r:embed="rId2">
+            <a:extLst>
+              <a:ext uri="{28A0092B-C50C-407E-A947-70E740481C1C}">
+                <a14:useLocalDpi xmlns:a14="http://schemas.microsoft.com/office/drawing/2010/main" val="0"/>
+              </a:ext>
+            </a:extLst>
+          </a:blip>
+          <a:stretch>
+            <a:fillRect/>
+          </a:stretch>
+        </p:blipFill>
+        <p:spPr>
+          <a:xfrm>
+            <a:off x="4947791" y="1731963"/>
+            <a:ext cx="2286893" cy="4059237"/>
+          </a:xfrm>
+        </p:spPr>
+      </p:pic>
     </p:spTree>
+    <p:extLst>
+      <p:ext uri="{BB962C8B-B14F-4D97-AF65-F5344CB8AC3E}">
+        <p14:creationId xmlns:p14="http://schemas.microsoft.com/office/powerpoint/2010/main" val="3945114462"/>
+      </p:ext>
+    </p:extLst>
   </p:cSld>
   <p:clrMapOvr>
     <a:masterClrMapping/>
   </p:clrMapOvr>
-  <p:timing>
-    <p:tnLst>
-      <p:par>
-        <p:cTn id="1" dur="indefinite" restart="never" nodeType="tmRoot"/>
-      </p:par>
-    </p:tnLst>
-  </p:timing>
+</p:sld>
+</file>
+
+<file path=ppt/slides/slide22.xml><?xml version="1.0" encoding="utf-8"?>
+<p:sld xmlns:a="http://schemas.openxmlformats.org/drawingml/2006/main" xmlns:r="http://schemas.openxmlformats.org/officeDocument/2006/relationships" xmlns:p="http://schemas.openxmlformats.org/presentationml/2006/main">
+  <p:cSld>
+    <p:spTree>
+      <p:nvGrpSpPr>
+        <p:cNvPr id="1" name=""/>
+        <p:cNvGrpSpPr/>
+        <p:nvPr/>
+      </p:nvGrpSpPr>
+      <p:grpSpPr>
+        <a:xfrm>
+          <a:off x="0" y="0"/>
+          <a:ext cx="0" cy="0"/>
+          <a:chOff x="0" y="0"/>
+          <a:chExt cx="0" cy="0"/>
+        </a:xfrm>
+      </p:grpSpPr>
+      <p:sp>
+        <p:nvSpPr>
+          <p:cNvPr id="2" name="Title 1"/>
+          <p:cNvSpPr>
+            <a:spLocks noGrp="1"/>
+          </p:cNvSpPr>
+          <p:nvPr>
+            <p:ph type="title"/>
+          </p:nvPr>
+        </p:nvSpPr>
+        <p:spPr/>
+        <p:txBody>
+          <a:bodyPr/>
+          <a:lstStyle/>
+          <a:p>
+            <a:r>
+              <a:rPr lang="th-TH" dirty="0">
+                <a:effectLst/>
+              </a:rPr>
+              <a:t>เลื่อน</a:t>
+            </a:r>
+            <a:r>
+              <a:rPr lang="th-TH" dirty="0" smtClean="0">
+                <a:effectLst/>
+              </a:rPr>
+              <a:t>ลง</a:t>
+            </a:r>
+            <a:r>
+              <a:rPr lang="en-US" dirty="0" smtClean="0">
+                <a:effectLst/>
+              </a:rPr>
+              <a:t> </a:t>
+            </a:r>
+            <a:r>
+              <a:rPr lang="th-TH" dirty="0" smtClean="0">
+                <a:effectLst/>
+              </a:rPr>
+              <a:t>และ</a:t>
+            </a:r>
+            <a:r>
+              <a:rPr lang="th-TH" dirty="0">
+                <a:effectLst/>
+              </a:rPr>
+              <a:t>แตะ </a:t>
+            </a:r>
+            <a:r>
+              <a:rPr lang="en-US" dirty="0">
+                <a:effectLst/>
+              </a:rPr>
+              <a:t>Mail </a:t>
+            </a:r>
+            <a:r>
+              <a:rPr lang="th-TH" dirty="0">
+                <a:effectLst/>
+              </a:rPr>
+              <a:t>รายชื่อ ปฏิทิน:</a:t>
+            </a:r>
+            <a:endParaRPr lang="en-US" dirty="0"/>
+          </a:p>
+        </p:txBody>
+      </p:sp>
+      <p:pic>
+        <p:nvPicPr>
+          <p:cNvPr id="4" name="Content Placeholder 3"/>
+          <p:cNvPicPr>
+            <a:picLocks noGrp="1" noChangeAspect="1"/>
+          </p:cNvPicPr>
+          <p:nvPr>
+            <p:ph idx="1"/>
+          </p:nvPr>
+        </p:nvPicPr>
+        <p:blipFill>
+          <a:blip r:embed="rId2">
+            <a:extLst>
+              <a:ext uri="{28A0092B-C50C-407E-A947-70E740481C1C}">
+                <a14:useLocalDpi xmlns:a14="http://schemas.microsoft.com/office/drawing/2010/main" val="0"/>
+              </a:ext>
+            </a:extLst>
+          </a:blip>
+          <a:stretch>
+            <a:fillRect/>
+          </a:stretch>
+        </p:blipFill>
+        <p:spPr>
+          <a:xfrm>
+            <a:off x="4947791" y="1731963"/>
+            <a:ext cx="2286893" cy="4059237"/>
+          </a:xfrm>
+        </p:spPr>
+      </p:pic>
+    </p:spTree>
+    <p:extLst>
+      <p:ext uri="{BB962C8B-B14F-4D97-AF65-F5344CB8AC3E}">
+        <p14:creationId xmlns:p14="http://schemas.microsoft.com/office/powerpoint/2010/main" val="852978375"/>
+      </p:ext>
+    </p:extLst>
+  </p:cSld>
+  <p:clrMapOvr>
+    <a:masterClrMapping/>
+  </p:clrMapOvr>
+</p:sld>
+</file>
+
+<file path=ppt/slides/slide23.xml><?xml version="1.0" encoding="utf-8"?>
+<p:sld xmlns:a="http://schemas.openxmlformats.org/drawingml/2006/main" xmlns:r="http://schemas.openxmlformats.org/officeDocument/2006/relationships" xmlns:p="http://schemas.openxmlformats.org/presentationml/2006/main">
+  <p:cSld>
+    <p:spTree>
+      <p:nvGrpSpPr>
+        <p:cNvPr id="1" name=""/>
+        <p:cNvGrpSpPr/>
+        <p:nvPr/>
+      </p:nvGrpSpPr>
+      <p:grpSpPr>
+        <a:xfrm>
+          <a:off x="0" y="0"/>
+          <a:ext cx="0" cy="0"/>
+          <a:chOff x="0" y="0"/>
+          <a:chExt cx="0" cy="0"/>
+        </a:xfrm>
+      </p:grpSpPr>
+      <p:sp>
+        <p:nvSpPr>
+          <p:cNvPr id="2" name="Title 1"/>
+          <p:cNvSpPr>
+            <a:spLocks noGrp="1"/>
+          </p:cNvSpPr>
+          <p:nvPr>
+            <p:ph type="title"/>
+          </p:nvPr>
+        </p:nvSpPr>
+        <p:spPr/>
+        <p:txBody>
+          <a:bodyPr/>
+          <a:lstStyle/>
+          <a:p>
+            <a:r>
+              <a:rPr lang="th-TH" dirty="0">
+                <a:effectLst/>
+              </a:rPr>
+              <a:t>แตะ เพิ่มบัญชี:</a:t>
+            </a:r>
+            <a:endParaRPr lang="en-US" dirty="0"/>
+          </a:p>
+        </p:txBody>
+      </p:sp>
+      <p:pic>
+        <p:nvPicPr>
+          <p:cNvPr id="4" name="Content Placeholder 3"/>
+          <p:cNvPicPr>
+            <a:picLocks noGrp="1" noChangeAspect="1"/>
+          </p:cNvPicPr>
+          <p:nvPr>
+            <p:ph idx="1"/>
+          </p:nvPr>
+        </p:nvPicPr>
+        <p:blipFill>
+          <a:blip r:embed="rId2">
+            <a:extLst>
+              <a:ext uri="{28A0092B-C50C-407E-A947-70E740481C1C}">
+                <a14:useLocalDpi xmlns:a14="http://schemas.microsoft.com/office/drawing/2010/main" val="0"/>
+              </a:ext>
+            </a:extLst>
+          </a:blip>
+          <a:stretch>
+            <a:fillRect/>
+          </a:stretch>
+        </p:blipFill>
+        <p:spPr>
+          <a:xfrm>
+            <a:off x="4947791" y="1731963"/>
+            <a:ext cx="2286893" cy="4059237"/>
+          </a:xfrm>
+        </p:spPr>
+      </p:pic>
+    </p:spTree>
+    <p:extLst>
+      <p:ext uri="{BB962C8B-B14F-4D97-AF65-F5344CB8AC3E}">
+        <p14:creationId xmlns:p14="http://schemas.microsoft.com/office/powerpoint/2010/main" val="2712675034"/>
+      </p:ext>
+    </p:extLst>
+  </p:cSld>
+  <p:clrMapOvr>
+    <a:masterClrMapping/>
+  </p:clrMapOvr>
+</p:sld>
+</file>
+
+<file path=ppt/slides/slide24.xml><?xml version="1.0" encoding="utf-8"?>
+<p:sld xmlns:a="http://schemas.openxmlformats.org/drawingml/2006/main" xmlns:r="http://schemas.openxmlformats.org/officeDocument/2006/relationships" xmlns:p="http://schemas.openxmlformats.org/presentationml/2006/main">
+  <p:cSld>
+    <p:spTree>
+      <p:nvGrpSpPr>
+        <p:cNvPr id="1" name=""/>
+        <p:cNvGrpSpPr/>
+        <p:nvPr/>
+      </p:nvGrpSpPr>
+      <p:grpSpPr>
+        <a:xfrm>
+          <a:off x="0" y="0"/>
+          <a:ext cx="0" cy="0"/>
+          <a:chOff x="0" y="0"/>
+          <a:chExt cx="0" cy="0"/>
+        </a:xfrm>
+      </p:grpSpPr>
+      <p:sp>
+        <p:nvSpPr>
+          <p:cNvPr id="2" name="Title 1"/>
+          <p:cNvSpPr>
+            <a:spLocks noGrp="1"/>
+          </p:cNvSpPr>
+          <p:nvPr>
+            <p:ph type="title"/>
+          </p:nvPr>
+        </p:nvSpPr>
+        <p:spPr/>
+        <p:txBody>
+          <a:bodyPr/>
+          <a:lstStyle/>
+          <a:p>
+            <a:r>
+              <a:rPr lang="th-TH" dirty="0">
+                <a:effectLst/>
+              </a:rPr>
+              <a:t>เลือกผู้ให้บริการอีเมล</a:t>
+            </a:r>
+            <a:endParaRPr lang="en-US" dirty="0"/>
+          </a:p>
+        </p:txBody>
+      </p:sp>
+      <p:pic>
+        <p:nvPicPr>
+          <p:cNvPr id="4" name="Content Placeholder 3"/>
+          <p:cNvPicPr>
+            <a:picLocks noGrp="1" noChangeAspect="1"/>
+          </p:cNvPicPr>
+          <p:nvPr>
+            <p:ph idx="1"/>
+          </p:nvPr>
+        </p:nvPicPr>
+        <p:blipFill>
+          <a:blip r:embed="rId2">
+            <a:extLst>
+              <a:ext uri="{28A0092B-C50C-407E-A947-70E740481C1C}">
+                <a14:useLocalDpi xmlns:a14="http://schemas.microsoft.com/office/drawing/2010/main" val="0"/>
+              </a:ext>
+            </a:extLst>
+          </a:blip>
+          <a:stretch>
+            <a:fillRect/>
+          </a:stretch>
+        </p:blipFill>
+        <p:spPr>
+          <a:xfrm>
+            <a:off x="4947791" y="1731963"/>
+            <a:ext cx="2286893" cy="4059237"/>
+          </a:xfrm>
+        </p:spPr>
+      </p:pic>
+    </p:spTree>
+    <p:extLst>
+      <p:ext uri="{BB962C8B-B14F-4D97-AF65-F5344CB8AC3E}">
+        <p14:creationId xmlns:p14="http://schemas.microsoft.com/office/powerpoint/2010/main" val="3997840008"/>
+      </p:ext>
+    </p:extLst>
+  </p:cSld>
+  <p:clrMapOvr>
+    <a:masterClrMapping/>
+  </p:clrMapOvr>
 </p:sld>
 </file>
 
@@ -8165,91 +8658,6 @@
 </file>
 
 <file path=ppt/slides/slide5.xml><?xml version="1.0" encoding="utf-8"?>
-<p:sld xmlns:a="http://schemas.openxmlformats.org/drawingml/2006/main" xmlns:r="http://schemas.openxmlformats.org/officeDocument/2006/relationships" xmlns:p="http://schemas.openxmlformats.org/presentationml/2006/main">
-  <p:cSld>
-    <p:spTree>
-      <p:nvGrpSpPr>
-        <p:cNvPr id="1" name=""/>
-        <p:cNvGrpSpPr/>
-        <p:nvPr/>
-      </p:nvGrpSpPr>
-      <p:grpSpPr>
-        <a:xfrm>
-          <a:off x="0" y="0"/>
-          <a:ext cx="0" cy="0"/>
-          <a:chOff x="0" y="0"/>
-          <a:chExt cx="0" cy="0"/>
-        </a:xfrm>
-      </p:grpSpPr>
-      <p:sp>
-        <p:nvSpPr>
-          <p:cNvPr id="2" name="Title 1"/>
-          <p:cNvSpPr>
-            <a:spLocks noGrp="1"/>
-          </p:cNvSpPr>
-          <p:nvPr>
-            <p:ph type="ctrTitle"/>
-          </p:nvPr>
-        </p:nvSpPr>
-        <p:spPr>
-          <a:xfrm>
-            <a:off x="1370693" y="1769540"/>
-            <a:ext cx="9440034" cy="1828801"/>
-          </a:xfrm>
-        </p:spPr>
-        <p:txBody>
-          <a:bodyPr>
-            <a:normAutofit/>
-          </a:bodyPr>
-          <a:lstStyle/>
-          <a:p>
-            <a:r>
-              <a:rPr lang="th-TH" sz="6600" b="1" dirty="0"/>
-              <a:t>การจัดการกิจกรรม</a:t>
-            </a:r>
-          </a:p>
-        </p:txBody>
-      </p:sp>
-      <p:sp>
-        <p:nvSpPr>
-          <p:cNvPr id="6" name="Subtitle 5"/>
-          <p:cNvSpPr>
-            <a:spLocks noGrp="1"/>
-          </p:cNvSpPr>
-          <p:nvPr>
-            <p:ph type="subTitle" idx="1"/>
-          </p:nvPr>
-        </p:nvSpPr>
-        <p:spPr/>
-        <p:txBody>
-          <a:bodyPr/>
-          <a:lstStyle/>
-          <a:p>
-            <a:endParaRPr lang="en-US"/>
-          </a:p>
-        </p:txBody>
-      </p:sp>
-    </p:spTree>
-    <p:extLst>
-      <p:ext uri="{BB962C8B-B14F-4D97-AF65-F5344CB8AC3E}">
-        <p14:creationId xmlns:p14="http://schemas.microsoft.com/office/powerpoint/2010/main" val="1065843145"/>
-      </p:ext>
-    </p:extLst>
-  </p:cSld>
-  <p:clrMapOvr>
-    <a:masterClrMapping/>
-  </p:clrMapOvr>
-  <p:timing>
-    <p:tnLst>
-      <p:par>
-        <p:cTn id="1" dur="indefinite" restart="never" nodeType="tmRoot"/>
-      </p:par>
-    </p:tnLst>
-  </p:timing>
-</p:sld>
-</file>
-
-<file path=ppt/slides/slide6.xml><?xml version="1.0" encoding="utf-8"?>
 <p:sld xmlns:a="http://schemas.openxmlformats.org/drawingml/2006/main" xmlns:r="http://schemas.openxmlformats.org/officeDocument/2006/relationships" xmlns:p="http://schemas.openxmlformats.org/presentationml/2006/main">
   <p:cSld>
     <p:spTree>
@@ -8360,7 +8768,7 @@
 </p:sld>
 </file>
 
-<file path=ppt/slides/slide7.xml><?xml version="1.0" encoding="utf-8"?>
+<file path=ppt/slides/slide6.xml><?xml version="1.0" encoding="utf-8"?>
 <p:sld xmlns:a="http://schemas.openxmlformats.org/drawingml/2006/main" xmlns:r="http://schemas.openxmlformats.org/officeDocument/2006/relationships" xmlns:p="http://schemas.openxmlformats.org/presentationml/2006/main">
   <p:cSld>
     <p:spTree>
@@ -8578,7 +8986,7 @@
 </p:sld>
 </file>
 
-<file path=ppt/slides/slide8.xml><?xml version="1.0" encoding="utf-8"?>
+<file path=ppt/slides/slide7.xml><?xml version="1.0" encoding="utf-8"?>
 <p:sld xmlns:a="http://schemas.openxmlformats.org/drawingml/2006/main" xmlns:r="http://schemas.openxmlformats.org/officeDocument/2006/relationships" xmlns:p="http://schemas.openxmlformats.org/presentationml/2006/main">
   <p:cSld>
     <p:spTree>
@@ -8711,7 +9119,7 @@
 </p:sld>
 </file>
 
-<file path=ppt/slides/slide9.xml><?xml version="1.0" encoding="utf-8"?>
+<file path=ppt/slides/slide8.xml><?xml version="1.0" encoding="utf-8"?>
 <p:sld xmlns:a="http://schemas.openxmlformats.org/drawingml/2006/main" xmlns:r="http://schemas.openxmlformats.org/officeDocument/2006/relationships" xmlns:p="http://schemas.openxmlformats.org/presentationml/2006/main">
   <p:cSld>
     <p:spTree>
@@ -9046,6 +9454,113 @@
           </a:p>
         </p:txBody>
       </p:sp>
+    </p:spTree>
+  </p:cSld>
+  <p:clrMapOvr>
+    <a:masterClrMapping/>
+  </p:clrMapOvr>
+  <p:timing>
+    <p:tnLst>
+      <p:par>
+        <p:cTn id="1" dur="indefinite" restart="never" nodeType="tmRoot"/>
+      </p:par>
+    </p:tnLst>
+  </p:timing>
+</p:sld>
+</file>
+
+<file path=ppt/slides/slide9.xml><?xml version="1.0" encoding="utf-8"?>
+<p:sld xmlns:a="http://schemas.openxmlformats.org/drawingml/2006/main" xmlns:r="http://schemas.openxmlformats.org/officeDocument/2006/relationships" xmlns:p="http://schemas.openxmlformats.org/presentationml/2006/main">
+  <p:cSld>
+    <p:spTree>
+      <p:nvGrpSpPr>
+        <p:cNvPr id="1" name=""/>
+        <p:cNvGrpSpPr/>
+        <p:nvPr/>
+      </p:nvGrpSpPr>
+      <p:grpSpPr>
+        <a:xfrm>
+          <a:off x="0" y="0"/>
+          <a:ext cx="0" cy="0"/>
+          <a:chOff x="0" y="0"/>
+          <a:chExt cx="0" cy="0"/>
+        </a:xfrm>
+      </p:grpSpPr>
+      <p:sp>
+        <p:nvSpPr>
+          <p:cNvPr id="2" name="ชื่อเรื่อง 1"/>
+          <p:cNvSpPr>
+            <a:spLocks noGrp="1"/>
+          </p:cNvSpPr>
+          <p:nvPr>
+            <p:ph type="title"/>
+          </p:nvPr>
+        </p:nvSpPr>
+        <p:spPr/>
+        <p:txBody>
+          <a:bodyPr/>
+          <a:lstStyle/>
+          <a:p>
+            <a:endParaRPr lang="th-TH"/>
+          </a:p>
+        </p:txBody>
+      </p:sp>
+      <p:pic>
+        <p:nvPicPr>
+          <p:cNvPr id="4" name="ตัวยึดเนื้อหา 3" descr="th140.png"/>
+          <p:cNvPicPr>
+            <a:picLocks noGrp="1" noChangeAspect="1"/>
+          </p:cNvPicPr>
+          <p:nvPr>
+            <p:ph idx="1"/>
+          </p:nvPr>
+        </p:nvPicPr>
+        <p:blipFill>
+          <a:blip r:embed="rId2"/>
+          <a:stretch>
+            <a:fillRect/>
+          </a:stretch>
+        </p:blipFill>
+        <p:spPr>
+          <a:xfrm>
+            <a:off x="1893011" y="339724"/>
+            <a:ext cx="8470189" cy="6256033"/>
+          </a:xfrm>
+          <a:prstGeom prst="rect">
+            <a:avLst/>
+          </a:prstGeom>
+          <a:solidFill>
+            <a:srgbClr val="FFFFFF">
+              <a:shade val="85000"/>
+            </a:srgbClr>
+          </a:solidFill>
+          <a:ln w="88900" cap="sq">
+            <a:solidFill>
+              <a:srgbClr val="FFFFFF"/>
+            </a:solidFill>
+            <a:miter lim="800000"/>
+          </a:ln>
+          <a:effectLst>
+            <a:outerShdw blurRad="55000" dist="18000" dir="5400000" algn="tl" rotWithShape="0">
+              <a:srgbClr val="000000">
+                <a:alpha val="40000"/>
+              </a:srgbClr>
+            </a:outerShdw>
+          </a:effectLst>
+          <a:scene3d>
+            <a:camera prst="orthographicFront"/>
+            <a:lightRig rig="twoPt" dir="t">
+              <a:rot lat="0" lon="0" rev="7200000"/>
+            </a:lightRig>
+          </a:scene3d>
+          <a:sp3d>
+            <a:bevelT w="25400" h="19050"/>
+            <a:contourClr>
+              <a:srgbClr val="FFFFFF"/>
+            </a:contourClr>
+          </a:sp3d>
+        </p:spPr>
+      </p:pic>
     </p:spTree>
   </p:cSld>
   <p:clrMapOvr>

--- a/Google Calendar.pptx
+++ b/Google Calendar.pptx
@@ -5,33 +5,17 @@
     <p:sldMasterId id="2147483856" r:id="rId1"/>
   </p:sldMasterIdLst>
   <p:handoutMasterIdLst>
-    <p:handoutMasterId r:id="rId26"/>
+    <p:handoutMasterId r:id="rId10"/>
   </p:handoutMasterIdLst>
   <p:sldIdLst>
     <p:sldId id="256" r:id="rId2"/>
-    <p:sldId id="288" r:id="rId3"/>
-    <p:sldId id="283" r:id="rId4"/>
-    <p:sldId id="257" r:id="rId5"/>
-    <p:sldId id="282" r:id="rId6"/>
-    <p:sldId id="284" r:id="rId7"/>
-    <p:sldId id="267" r:id="rId8"/>
-    <p:sldId id="285" r:id="rId9"/>
-    <p:sldId id="286" r:id="rId10"/>
-    <p:sldId id="287" r:id="rId11"/>
-    <p:sldId id="290" r:id="rId12"/>
-    <p:sldId id="273" r:id="rId13"/>
-    <p:sldId id="268" r:id="rId14"/>
-    <p:sldId id="270" r:id="rId15"/>
-    <p:sldId id="271" r:id="rId16"/>
-    <p:sldId id="272" r:id="rId17"/>
-    <p:sldId id="289" r:id="rId18"/>
-    <p:sldId id="274" r:id="rId19"/>
-    <p:sldId id="275" r:id="rId20"/>
-    <p:sldId id="281" r:id="rId21"/>
-    <p:sldId id="291" r:id="rId22"/>
-    <p:sldId id="292" r:id="rId23"/>
-    <p:sldId id="293" r:id="rId24"/>
-    <p:sldId id="294" r:id="rId25"/>
+    <p:sldId id="257" r:id="rId3"/>
+    <p:sldId id="295" r:id="rId4"/>
+    <p:sldId id="288" r:id="rId5"/>
+    <p:sldId id="270" r:id="rId6"/>
+    <p:sldId id="273" r:id="rId7"/>
+    <p:sldId id="274" r:id="rId8"/>
+    <p:sldId id="281" r:id="rId9"/>
   </p:sldIdLst>
   <p:sldSz cx="12192000" cy="6858000"/>
   <p:notesSz cx="6858000" cy="9144000"/>
@@ -234,7 +218,7 @@
           <a:p>
             <a:fld id="{7D5E294E-66B6-4B61-AE4D-4D7122C755E4}" type="datetimeFigureOut">
               <a:rPr lang="en-US" smtClean="0"/>
-              <a:t>4/18/2014</a:t>
+              <a:t>4/22/2014</a:t>
             </a:fld>
             <a:endParaRPr lang="en-US"/>
           </a:p>
@@ -356,12 +340,12 @@
           </a:bodyPr>
           <a:lstStyle>
             <a:lvl1pPr algn="ctr">
-              <a:defRPr sz="5400"/>
+              <a:defRPr sz="7200" baseline="0"/>
             </a:lvl1pPr>
           </a:lstStyle>
           <a:p>
             <a:r>
-              <a:rPr lang="en-US" smtClean="0"/>
+              <a:rPr lang="en-US" dirty="0" smtClean="0"/>
               <a:t>Click to edit Master title style</a:t>
             </a:r>
             <a:endParaRPr lang="en-US" dirty="0"/>
@@ -502,7 +486,7 @@
           <a:p>
             <a:fld id="{95469A33-9347-4BDF-882C-0EAEF277DC7C}" type="datetimeFigureOut">
               <a:rPr lang="en-US" smtClean="0"/>
-              <a:t>4/18/2014</a:t>
+              <a:t>4/22/2014</a:t>
             </a:fld>
             <a:endParaRPr lang="en-US"/>
           </a:p>
@@ -801,7 +785,7 @@
             <a:fld id="{B61BEF0D-F0BB-DE4B-95CE-6DB70DBA9567}" type="datetimeFigureOut">
               <a:rPr lang="en-US" smtClean="0"/>
               <a:pPr/>
-              <a:t>4/18/2014</a:t>
+              <a:t>4/22/2014</a:t>
             </a:fld>
             <a:endParaRPr lang="en-US" dirty="0"/>
           </a:p>
@@ -995,7 +979,7 @@
             <a:fld id="{B61BEF0D-F0BB-DE4B-95CE-6DB70DBA9567}" type="datetimeFigureOut">
               <a:rPr lang="en-US" smtClean="0"/>
               <a:pPr/>
-              <a:t>4/18/2014</a:t>
+              <a:t>4/22/2014</a:t>
             </a:fld>
             <a:endParaRPr lang="en-US" dirty="0"/>
           </a:p>
@@ -1258,7 +1242,7 @@
             <a:fld id="{B61BEF0D-F0BB-DE4B-95CE-6DB70DBA9567}" type="datetimeFigureOut">
               <a:rPr lang="en-US" smtClean="0"/>
               <a:pPr/>
-              <a:t>4/18/2014</a:t>
+              <a:t>4/22/2014</a:t>
             </a:fld>
             <a:endParaRPr lang="en-US" dirty="0"/>
           </a:p>
@@ -1684,7 +1668,7 @@
             <a:fld id="{B61BEF0D-F0BB-DE4B-95CE-6DB70DBA9567}" type="datetimeFigureOut">
               <a:rPr lang="en-US" smtClean="0"/>
               <a:pPr/>
-              <a:t>4/18/2014</a:t>
+              <a:t>4/22/2014</a:t>
             </a:fld>
             <a:endParaRPr lang="en-US" dirty="0"/>
           </a:p>
@@ -2223,7 +2207,7 @@
             <a:fld id="{B61BEF0D-F0BB-DE4B-95CE-6DB70DBA9567}" type="datetimeFigureOut">
               <a:rPr lang="en-US" smtClean="0"/>
               <a:pPr/>
-              <a:t>4/18/2014</a:t>
+              <a:t>4/22/2014</a:t>
             </a:fld>
             <a:endParaRPr lang="en-US" dirty="0"/>
           </a:p>
@@ -3089,7 +3073,7 @@
             <a:fld id="{B61BEF0D-F0BB-DE4B-95CE-6DB70DBA9567}" type="datetimeFigureOut">
               <a:rPr lang="en-US" smtClean="0"/>
               <a:pPr/>
-              <a:t>4/18/2014</a:t>
+              <a:t>4/22/2014</a:t>
             </a:fld>
             <a:endParaRPr lang="en-US" dirty="0"/>
           </a:p>
@@ -3261,7 +3245,7 @@
             <a:fld id="{B61BEF0D-F0BB-DE4B-95CE-6DB70DBA9567}" type="datetimeFigureOut">
               <a:rPr lang="en-US" smtClean="0"/>
               <a:pPr/>
-              <a:t>4/18/2014</a:t>
+              <a:t>4/22/2014</a:t>
             </a:fld>
             <a:endParaRPr lang="en-US" dirty="0"/>
           </a:p>
@@ -3446,7 +3430,7 @@
           <a:p>
             <a:fld id="{95469A33-9347-4BDF-882C-0EAEF277DC7C}" type="datetimeFigureOut">
               <a:rPr lang="en-US" smtClean="0"/>
-              <a:t>4/18/2014</a:t>
+              <a:t>4/22/2014</a:t>
             </a:fld>
             <a:endParaRPr lang="en-US"/>
           </a:p>
@@ -3937,7 +3921,7 @@
             <a:fld id="{EEB31411-81DA-416F-953C-825CF1EE9A76}" type="datetimeFigureOut">
               <a:rPr lang="en-US" smtClean="0"/>
               <a:pPr/>
-              <a:t>4/18/2014</a:t>
+              <a:t>4/22/2014</a:t>
             </a:fld>
             <a:endParaRPr lang="en-US"/>
           </a:p>
@@ -4190,7 +4174,7 @@
             <a:fld id="{EEB31411-81DA-416F-953C-825CF1EE9A76}" type="datetimeFigureOut">
               <a:rPr lang="en-US" smtClean="0"/>
               <a:pPr/>
-              <a:t>4/18/2014</a:t>
+              <a:t>4/22/2014</a:t>
             </a:fld>
             <a:endParaRPr lang="en-US"/>
           </a:p>
@@ -4428,7 +4412,7 @@
             <a:fld id="{EEB31411-81DA-416F-953C-825CF1EE9A76}" type="datetimeFigureOut">
               <a:rPr lang="en-US" smtClean="0"/>
               <a:pPr/>
-              <a:t>4/18/2014</a:t>
+              <a:t>4/22/2014</a:t>
             </a:fld>
             <a:endParaRPr lang="en-US"/>
           </a:p>
@@ -4896,7 +4880,7 @@
             <a:fld id="{EEB31411-81DA-416F-953C-825CF1EE9A76}" type="datetimeFigureOut">
               <a:rPr lang="en-US" smtClean="0"/>
               <a:pPr/>
-              <a:t>4/18/2014</a:t>
+              <a:t>4/22/2014</a:t>
             </a:fld>
             <a:endParaRPr lang="en-US"/>
           </a:p>
@@ -5016,7 +5000,7 @@
             <a:fld id="{EEB31411-81DA-416F-953C-825CF1EE9A76}" type="datetimeFigureOut">
               <a:rPr lang="en-US" smtClean="0"/>
               <a:pPr/>
-              <a:t>4/18/2014</a:t>
+              <a:t>4/22/2014</a:t>
             </a:fld>
             <a:endParaRPr lang="en-US"/>
           </a:p>
@@ -5113,7 +5097,7 @@
             <a:fld id="{EEB31411-81DA-416F-953C-825CF1EE9A76}" type="datetimeFigureOut">
               <a:rPr lang="en-US" smtClean="0"/>
               <a:pPr/>
-              <a:t>4/18/2014</a:t>
+              <a:t>4/22/2014</a:t>
             </a:fld>
             <a:endParaRPr lang="en-US"/>
           </a:p>
@@ -5370,7 +5354,7 @@
             <a:fld id="{EEB31411-81DA-416F-953C-825CF1EE9A76}" type="datetimeFigureOut">
               <a:rPr lang="en-US" smtClean="0"/>
               <a:pPr/>
-              <a:t>4/18/2014</a:t>
+              <a:t>4/22/2014</a:t>
             </a:fld>
             <a:endParaRPr lang="en-US"/>
           </a:p>
@@ -5672,7 +5656,7 @@
             <a:fld id="{EEB31411-81DA-416F-953C-825CF1EE9A76}" type="datetimeFigureOut">
               <a:rPr lang="en-US" smtClean="0"/>
               <a:pPr/>
-              <a:t>4/18/2014</a:t>
+              <a:t>4/22/2014</a:t>
             </a:fld>
             <a:endParaRPr lang="en-US"/>
           </a:p>
@@ -5908,7 +5892,7 @@
             <a:fld id="{B61BEF0D-F0BB-DE4B-95CE-6DB70DBA9567}" type="datetimeFigureOut">
               <a:rPr lang="en-US" smtClean="0"/>
               <a:pPr/>
-              <a:t>4/18/2014</a:t>
+              <a:t>4/22/2014</a:t>
             </a:fld>
             <a:endParaRPr lang="en-US" dirty="0"/>
           </a:p>
@@ -6595,15 +6579,10 @@
             <p:ph type="ctrTitle"/>
           </p:nvPr>
         </p:nvSpPr>
-        <p:spPr>
-          <a:xfrm>
-            <a:off x="1370693" y="1769540"/>
-            <a:ext cx="9440034" cy="1828801"/>
-          </a:xfrm>
-        </p:spPr>
+        <p:spPr/>
         <p:txBody>
           <a:bodyPr>
-            <a:normAutofit/>
+            <a:noAutofit/>
           </a:bodyPr>
           <a:lstStyle/>
           <a:p>
@@ -6614,42 +6593,60 @@
               </a:rPr>
               <a:t>อบรม</a:t>
             </a:r>
-            <a:endParaRPr lang="en-US" sz="7200" b="1" dirty="0"/>
-          </a:p>
-        </p:txBody>
-      </p:sp>
-      <p:sp>
-        <p:nvSpPr>
-          <p:cNvPr id="11" name="Subtitle 10"/>
-          <p:cNvSpPr>
-            <a:spLocks noGrp="1"/>
-          </p:cNvSpPr>
-          <p:nvPr>
-            <p:ph type="subTitle" idx="1"/>
-          </p:nvPr>
-        </p:nvSpPr>
-        <p:spPr/>
-        <p:txBody>
-          <a:bodyPr>
-            <a:normAutofit fontScale="92500" lnSpcReduction="10000"/>
-          </a:bodyPr>
-          <a:lstStyle/>
-          <a:p>
+            <a:r>
+              <a:rPr lang="en-US" sz="7200" b="1" dirty="0">
+                <a:latin typeface="TH SarabunPSK" panose="020B0500040200020003" pitchFamily="34" charset="-34"/>
+                <a:cs typeface="TH SarabunPSK" panose="020B0500040200020003" pitchFamily="34" charset="-34"/>
+              </a:rPr>
+              <a:t/>
+            </a:r>
+            <a:br>
+              <a:rPr lang="en-US" sz="7200" b="1" dirty="0">
+                <a:latin typeface="TH SarabunPSK" panose="020B0500040200020003" pitchFamily="34" charset="-34"/>
+                <a:cs typeface="TH SarabunPSK" panose="020B0500040200020003" pitchFamily="34" charset="-34"/>
+              </a:rPr>
+            </a:br>
+            <a:r>
+              <a:rPr lang="en-US" sz="7200" b="1" dirty="0">
+                <a:latin typeface="TH SarabunPSK" panose="020B0500040200020003" pitchFamily="34" charset="-34"/>
+                <a:cs typeface="TH SarabunPSK" panose="020B0500040200020003" pitchFamily="34" charset="-34"/>
+              </a:rPr>
+              <a:t>Google </a:t>
+            </a:r>
             <a:r>
               <a:rPr lang="en-US" sz="7200" b="1" dirty="0" smtClean="0">
                 <a:latin typeface="TH SarabunPSK" panose="020B0500040200020003" pitchFamily="34" charset="-34"/>
                 <a:cs typeface="TH SarabunPSK" panose="020B0500040200020003" pitchFamily="34" charset="-34"/>
               </a:rPr>
-              <a:t>Google </a:t>
-            </a:r>
-            <a:r>
-              <a:rPr lang="en-US" sz="7200" b="1" dirty="0">
-                <a:latin typeface="TH SarabunPSK" panose="020B0500040200020003" pitchFamily="34" charset="-34"/>
-                <a:cs typeface="TH SarabunPSK" panose="020B0500040200020003" pitchFamily="34" charset="-34"/>
-              </a:rPr>
               <a:t>Calendar</a:t>
             </a:r>
             <a:endParaRPr lang="en-US" sz="7200" b="1" dirty="0"/>
+          </a:p>
+        </p:txBody>
+      </p:sp>
+      <p:sp>
+        <p:nvSpPr>
+          <p:cNvPr id="11" name="Subtitle 10"/>
+          <p:cNvSpPr>
+            <a:spLocks noGrp="1"/>
+          </p:cNvSpPr>
+          <p:nvPr>
+            <p:ph type="subTitle" idx="1"/>
+          </p:nvPr>
+        </p:nvSpPr>
+        <p:spPr/>
+        <p:txBody>
+          <a:bodyPr>
+            <a:noAutofit/>
+          </a:bodyPr>
+          <a:lstStyle/>
+          <a:p>
+            <a:pPr algn="l"/>
+            <a:endParaRPr lang="en-US" sz="2800" dirty="0">
+              <a:effectLst/>
+              <a:latin typeface="TH SarabunPSK" panose="020B0500040200020003" pitchFamily="34" charset="-34"/>
+              <a:cs typeface="TH SarabunPSK" panose="020B0500040200020003" pitchFamily="34" charset="-34"/>
+            </a:endParaRPr>
           </a:p>
         </p:txBody>
       </p:sp>
@@ -6673,7 +6670,7 @@
 </p:sld>
 </file>
 
-<file path=ppt/slides/slide10.xml><?xml version="1.0" encoding="utf-8"?>
+<file path=ppt/slides/slide2.xml><?xml version="1.0" encoding="utf-8"?>
 <p:sld xmlns:a="http://schemas.openxmlformats.org/drawingml/2006/main" xmlns:r="http://schemas.openxmlformats.org/officeDocument/2006/relationships" xmlns:p="http://schemas.openxmlformats.org/presentationml/2006/main">
   <p:cSld>
     <p:spTree>
@@ -6692,7 +6689,7 @@
       </p:grpSpPr>
       <p:sp>
         <p:nvSpPr>
-          <p:cNvPr id="2" name="ชื่อเรื่อง 1"/>
+          <p:cNvPr id="2" name="Title 1"/>
           <p:cNvSpPr>
             <a:spLocks noGrp="1"/>
           </p:cNvSpPr>
@@ -6702,58 +6699,126 @@
         </p:nvSpPr>
         <p:spPr/>
         <p:txBody>
-          <a:bodyPr/>
+          <a:bodyPr>
+            <a:noAutofit/>
+          </a:bodyPr>
           <a:lstStyle/>
           <a:p>
-            <a:endParaRPr lang="th-TH"/>
-          </a:p>
-        </p:txBody>
-      </p:sp>
-      <p:pic>
-        <p:nvPicPr>
-          <p:cNvPr id="4" name="ตัวยึดเนื้อหา 3" descr="th140.png"/>
-          <p:cNvPicPr>
-            <a:picLocks noGrp="1" noChangeAspect="1"/>
-          </p:cNvPicPr>
+            <a:r>
+              <a:rPr lang="en-US" sz="5400" b="1" dirty="0">
+                <a:latin typeface="TH SarabunPSK" panose="020B0500040200020003" pitchFamily="34" charset="-34"/>
+                <a:cs typeface="TH SarabunPSK" panose="020B0500040200020003" pitchFamily="34" charset="-34"/>
+              </a:rPr>
+              <a:t>Google Calendar </a:t>
+            </a:r>
+            <a:r>
+              <a:rPr lang="th-TH" sz="5400" b="1" dirty="0">
+                <a:latin typeface="TH SarabunPSK" panose="020B0500040200020003" pitchFamily="34" charset="-34"/>
+                <a:cs typeface="TH SarabunPSK" panose="020B0500040200020003" pitchFamily="34" charset="-34"/>
+              </a:rPr>
+              <a:t>คือ</a:t>
+            </a:r>
+            <a:endParaRPr lang="en-US" sz="5400" b="1" dirty="0">
+              <a:latin typeface="TH SarabunPSK" panose="020B0500040200020003" pitchFamily="34" charset="-34"/>
+              <a:cs typeface="TH SarabunPSK" panose="020B0500040200020003" pitchFamily="34" charset="-34"/>
+            </a:endParaRPr>
+          </a:p>
+        </p:txBody>
+      </p:sp>
+      <p:sp>
+        <p:nvSpPr>
+          <p:cNvPr id="3" name="Content Placeholder 2"/>
+          <p:cNvSpPr>
+            <a:spLocks noGrp="1"/>
+          </p:cNvSpPr>
           <p:nvPr>
             <p:ph idx="1"/>
           </p:nvPr>
-        </p:nvPicPr>
-        <p:blipFill>
-          <a:blip r:embed="rId2"/>
-          <a:stretch>
-            <a:fillRect/>
-          </a:stretch>
-        </p:blipFill>
-        <p:spPr>
-          <a:xfrm>
-            <a:off x="1931111" y="282574"/>
-            <a:ext cx="8470189" cy="6256033"/>
-          </a:xfrm>
-          <a:prstGeom prst="rect">
-            <a:avLst/>
-          </a:prstGeom>
-          <a:solidFill>
-            <a:srgbClr val="FFFFFF">
-              <a:shade val="85000"/>
-            </a:srgbClr>
-          </a:solidFill>
-          <a:ln w="88900" cap="sq">
-            <a:solidFill>
-              <a:srgbClr val="FFFFFF"/>
-            </a:solidFill>
-            <a:miter lim="800000"/>
-          </a:ln>
-          <a:effectLst>
-            <a:outerShdw blurRad="55000" dist="18000" dir="5400000" algn="tl" rotWithShape="0">
-              <a:srgbClr val="000000">
-                <a:alpha val="40000"/>
-              </a:srgbClr>
-            </a:outerShdw>
-          </a:effectLst>
-        </p:spPr>
-      </p:pic>
+        </p:nvSpPr>
+        <p:spPr/>
+        <p:txBody>
+          <a:bodyPr>
+            <a:noAutofit/>
+          </a:bodyPr>
+          <a:lstStyle/>
+          <a:p>
+            <a:pPr lvl="0"/>
+            <a:r>
+              <a:rPr lang="en-US" sz="4400" b="1" dirty="0">
+                <a:latin typeface="TH SarabunPSK" panose="020B0500040200020003" pitchFamily="34" charset="-34"/>
+                <a:cs typeface="TH SarabunPSK" panose="020B0500040200020003" pitchFamily="34" charset="-34"/>
+              </a:rPr>
+              <a:t>Google Calendar </a:t>
+            </a:r>
+            <a:r>
+              <a:rPr lang="th-TH" sz="4400" b="1" dirty="0">
+                <a:latin typeface="TH SarabunPSK" panose="020B0500040200020003" pitchFamily="34" charset="-34"/>
+                <a:cs typeface="TH SarabunPSK" panose="020B0500040200020003" pitchFamily="34" charset="-34"/>
+              </a:rPr>
+              <a:t>คือ บริการปฏิทินแบบออนไลน์ของ </a:t>
+            </a:r>
+            <a:r>
+              <a:rPr lang="en-US" sz="4400" b="1" dirty="0">
+                <a:latin typeface="TH SarabunPSK" panose="020B0500040200020003" pitchFamily="34" charset="-34"/>
+                <a:cs typeface="TH SarabunPSK" panose="020B0500040200020003" pitchFamily="34" charset="-34"/>
+              </a:rPr>
+              <a:t>Google </a:t>
+            </a:r>
+            <a:r>
+              <a:rPr lang="th-TH" sz="4400" b="1" dirty="0">
+                <a:latin typeface="TH SarabunPSK" panose="020B0500040200020003" pitchFamily="34" charset="-34"/>
+                <a:cs typeface="TH SarabunPSK" panose="020B0500040200020003" pitchFamily="34" charset="-34"/>
+              </a:rPr>
+              <a:t>ซึ่งทำให้สามารถเก็บข้อมูลเหตุการณ์ต่างๆ รวมไว้ในที่เดียวกันได้ ไม่ว่าจะเป็นการสร้างกำหนดการนัดหมายและกำหนดเวลาเหตุการณ์ต่างๆ สามารถส่งข้อความเชิญ สามารถใช้ปฏิทินร่วมกับเพื่อนร่วมงาน และ ค้นหาเหตุการณ์ต่างๆ ได้</a:t>
+            </a:r>
+            <a:endParaRPr lang="en-US" sz="4400" b="1" dirty="0">
+              <a:latin typeface="TH SarabunPSK" panose="020B0500040200020003" pitchFamily="34" charset="-34"/>
+              <a:cs typeface="TH SarabunPSK" panose="020B0500040200020003" pitchFamily="34" charset="-34"/>
+            </a:endParaRPr>
+          </a:p>
+          <a:p>
+            <a:r>
+              <a:rPr lang="th-TH" sz="4400" b="1" dirty="0" smtClean="0">
+                <a:latin typeface="TH SarabunPSK" panose="020B0500040200020003" pitchFamily="34" charset="-34"/>
+                <a:cs typeface="TH SarabunPSK" panose="020B0500040200020003" pitchFamily="34" charset="-34"/>
+              </a:rPr>
+              <a:t>การ</a:t>
+            </a:r>
+            <a:r>
+              <a:rPr lang="th-TH" sz="4400" b="1" dirty="0">
+                <a:latin typeface="TH SarabunPSK" panose="020B0500040200020003" pitchFamily="34" charset="-34"/>
+                <a:cs typeface="TH SarabunPSK" panose="020B0500040200020003" pitchFamily="34" charset="-34"/>
+              </a:rPr>
+              <a:t>เข้าใช้งานให้เข้าไป</a:t>
+            </a:r>
+            <a:r>
+              <a:rPr lang="th-TH" sz="4400" b="1" dirty="0" smtClean="0">
+                <a:latin typeface="TH SarabunPSK" panose="020B0500040200020003" pitchFamily="34" charset="-34"/>
+                <a:cs typeface="TH SarabunPSK" panose="020B0500040200020003" pitchFamily="34" charset="-34"/>
+              </a:rPr>
+              <a:t>ที่ </a:t>
+            </a:r>
+            <a:r>
+              <a:rPr lang="en-US" sz="4400" b="1" u="sng" dirty="0" smtClean="0">
+                <a:latin typeface="TH SarabunPSK" panose="020B0500040200020003" pitchFamily="34" charset="-34"/>
+                <a:cs typeface="TH SarabunPSK" panose="020B0500040200020003" pitchFamily="34" charset="-34"/>
+                <a:hlinkClick r:id="rId2"/>
+              </a:rPr>
+              <a:t>https://www.google.com/calendar/</a:t>
+            </a:r>
+            <a:endParaRPr lang="en-US" sz="4400" b="1" dirty="0">
+              <a:latin typeface="TH SarabunPSK" panose="020B0500040200020003" pitchFamily="34" charset="-34"/>
+              <a:cs typeface="TH SarabunPSK" panose="020B0500040200020003" pitchFamily="34" charset="-34"/>
+            </a:endParaRPr>
+          </a:p>
+        </p:txBody>
+      </p:sp>
     </p:spTree>
+    <p:extLst>
+      <p:ext uri="{BB962C8B-B14F-4D97-AF65-F5344CB8AC3E}">
+        <p14:creationId xmlns:p14="http://schemas.microsoft.com/office/powerpoint/2010/main" val="3857340605"/>
+      </p:ext>
+    </p:extLst>
   </p:cSld>
   <p:clrMapOvr>
     <a:masterClrMapping/>
@@ -6768,7 +6833,7 @@
 </p:sld>
 </file>
 
-<file path=ppt/slides/slide11.xml><?xml version="1.0" encoding="utf-8"?>
+<file path=ppt/slides/slide3.xml><?xml version="1.0" encoding="utf-8"?>
 <p:sld xmlns:a="http://schemas.openxmlformats.org/drawingml/2006/main" xmlns:r="http://schemas.openxmlformats.org/officeDocument/2006/relationships" xmlns:p="http://schemas.openxmlformats.org/presentationml/2006/main">
   <p:cSld>
     <p:spTree>
@@ -6792,15 +6857,137 @@
             <a:spLocks noGrp="1"/>
           </p:cNvSpPr>
           <p:nvPr>
-            <p:ph type="ctrTitle"/>
-          </p:nvPr>
-        </p:nvSpPr>
+            <p:ph type="title"/>
+          </p:nvPr>
+        </p:nvSpPr>
+        <p:spPr/>
+        <p:txBody>
+          <a:bodyPr/>
+          <a:lstStyle/>
+          <a:p>
+            <a:r>
+              <a:rPr lang="en-US" sz="5400" b="1" dirty="0">
+                <a:effectLst>
+                  <a:outerShdw blurRad="38100" dist="38100" dir="2700000" algn="tl">
+                    <a:srgbClr val="000000">
+                      <a:alpha val="43137"/>
+                    </a:srgbClr>
+                  </a:outerShdw>
+                </a:effectLst>
+              </a:rPr>
+              <a:t>Google Calendar</a:t>
+            </a:r>
+            <a:endParaRPr lang="en-US" b="1" dirty="0">
+              <a:effectLst>
+                <a:outerShdw blurRad="38100" dist="38100" dir="2700000" algn="tl">
+                  <a:srgbClr val="000000">
+                    <a:alpha val="43137"/>
+                  </a:srgbClr>
+                </a:outerShdw>
+              </a:effectLst>
+            </a:endParaRPr>
+          </a:p>
+        </p:txBody>
+      </p:sp>
+      <p:pic>
+        <p:nvPicPr>
+          <p:cNvPr id="4" name="Content Placeholder 3"/>
+          <p:cNvPicPr>
+            <a:picLocks noGrp="1" noChangeAspect="1"/>
+          </p:cNvPicPr>
+          <p:nvPr>
+            <p:ph idx="1"/>
+          </p:nvPr>
+        </p:nvPicPr>
+        <p:blipFill>
+          <a:blip r:embed="rId2">
+            <a:extLst>
+              <a:ext uri="{28A0092B-C50C-407E-A947-70E740481C1C}">
+                <a14:useLocalDpi xmlns:a14="http://schemas.microsoft.com/office/drawing/2010/main" val="0"/>
+              </a:ext>
+            </a:extLst>
+          </a:blip>
+          <a:stretch>
+            <a:fillRect/>
+          </a:stretch>
+        </p:blipFill>
         <p:spPr>
           <a:xfrm>
-            <a:off x="1370693" y="1769540"/>
-            <a:ext cx="9440034" cy="1828801"/>
+            <a:off x="2823843" y="1731963"/>
+            <a:ext cx="6534788" cy="4059237"/>
           </a:xfrm>
         </p:spPr>
+      </p:pic>
+    </p:spTree>
+    <p:extLst>
+      <p:ext uri="{BB962C8B-B14F-4D97-AF65-F5344CB8AC3E}">
+        <p14:creationId xmlns:p14="http://schemas.microsoft.com/office/powerpoint/2010/main" val="3774787831"/>
+      </p:ext>
+    </p:extLst>
+  </p:cSld>
+  <p:clrMapOvr>
+    <a:masterClrMapping/>
+  </p:clrMapOvr>
+</p:sld>
+</file>
+
+<file path=ppt/slides/slide4.xml><?xml version="1.0" encoding="utf-8"?>
+<p:sld xmlns:a="http://schemas.openxmlformats.org/drawingml/2006/main" xmlns:r="http://schemas.openxmlformats.org/officeDocument/2006/relationships" xmlns:p="http://schemas.openxmlformats.org/presentationml/2006/main">
+  <p:cSld>
+    <p:spTree>
+      <p:nvGrpSpPr>
+        <p:cNvPr id="1" name=""/>
+        <p:cNvGrpSpPr/>
+        <p:nvPr/>
+      </p:nvGrpSpPr>
+      <p:grpSpPr>
+        <a:xfrm>
+          <a:off x="0" y="0"/>
+          <a:ext cx="0" cy="0"/>
+          <a:chOff x="0" y="0"/>
+          <a:chExt cx="0" cy="0"/>
+        </a:xfrm>
+      </p:grpSpPr>
+      <p:sp>
+        <p:nvSpPr>
+          <p:cNvPr id="2" name="Title 1"/>
+          <p:cNvSpPr>
+            <a:spLocks noGrp="1"/>
+          </p:cNvSpPr>
+          <p:nvPr>
+            <p:ph type="title"/>
+          </p:nvPr>
+        </p:nvSpPr>
+        <p:spPr/>
+        <p:txBody>
+          <a:bodyPr/>
+          <a:lstStyle/>
+          <a:p>
+            <a:r>
+              <a:rPr lang="th-TH" sz="5400" b="1" dirty="0" smtClean="0">
+                <a:latin typeface="TH SarabunPSK" panose="020B0500040200020003" pitchFamily="34" charset="-34"/>
+                <a:cs typeface="TH SarabunPSK" panose="020B0500040200020003" pitchFamily="34" charset="-34"/>
+              </a:rPr>
+              <a:t>หัวข้อการอบรม</a:t>
+            </a:r>
+            <a:endParaRPr lang="th-TH" sz="5400" b="1" dirty="0">
+              <a:latin typeface="TH SarabunPSK" panose="020B0500040200020003" pitchFamily="34" charset="-34"/>
+              <a:cs typeface="TH SarabunPSK" panose="020B0500040200020003" pitchFamily="34" charset="-34"/>
+            </a:endParaRPr>
+          </a:p>
+        </p:txBody>
+      </p:sp>
+      <p:sp>
+        <p:nvSpPr>
+          <p:cNvPr id="3" name="Content Placeholder 2"/>
+          <p:cNvSpPr>
+            <a:spLocks noGrp="1"/>
+          </p:cNvSpPr>
+          <p:nvPr>
+            <p:ph idx="1"/>
+          </p:nvPr>
+        </p:nvSpPr>
+        <p:spPr/>
         <p:txBody>
           <a:bodyPr>
             <a:normAutofit/>
@@ -6808,42 +6995,166 @@
           <a:lstStyle/>
           <a:p>
             <a:r>
-              <a:rPr lang="th-TH" sz="6600" b="1" dirty="0" smtClean="0">
+              <a:rPr lang="th-TH" sz="4400" b="1" dirty="0">
+                <a:latin typeface="TH SarabunPSK" panose="020B0500040200020003" pitchFamily="34" charset="-34"/>
+                <a:cs typeface="TH SarabunPSK" panose="020B0500040200020003" pitchFamily="34" charset="-34"/>
+              </a:rPr>
+              <a:t>การจัดการ</a:t>
+            </a:r>
+            <a:r>
+              <a:rPr lang="th-TH" sz="4400" b="1" dirty="0" smtClean="0">
+                <a:latin typeface="TH SarabunPSK" panose="020B0500040200020003" pitchFamily="34" charset="-34"/>
+                <a:cs typeface="TH SarabunPSK" panose="020B0500040200020003" pitchFamily="34" charset="-34"/>
+              </a:rPr>
+              <a:t>กิจกรรม</a:t>
+            </a:r>
+            <a:endParaRPr lang="th-TH" sz="4400" b="1" dirty="0" smtClean="0">
+              <a:latin typeface="TH SarabunPSK" panose="020B0500040200020003" pitchFamily="34" charset="-34"/>
+              <a:cs typeface="TH SarabunPSK" panose="020B0500040200020003" pitchFamily="34" charset="-34"/>
+            </a:endParaRPr>
+          </a:p>
+          <a:p>
+            <a:r>
+              <a:rPr lang="th-TH" sz="4400" b="1" dirty="0">
                 <a:latin typeface="TH SarabunPSK" panose="020B0500040200020003" pitchFamily="34" charset="-34"/>
                 <a:cs typeface="TH SarabunPSK" panose="020B0500040200020003" pitchFamily="34" charset="-34"/>
               </a:rPr>
               <a:t>การจัดการปฏิทิน</a:t>
             </a:r>
-            <a:endParaRPr lang="en-US" sz="6600" b="1" dirty="0">
+            <a:endParaRPr lang="th-TH" sz="4400" b="1" dirty="0" smtClean="0">
               <a:latin typeface="TH SarabunPSK" panose="020B0500040200020003" pitchFamily="34" charset="-34"/>
               <a:cs typeface="TH SarabunPSK" panose="020B0500040200020003" pitchFamily="34" charset="-34"/>
             </a:endParaRPr>
           </a:p>
-        </p:txBody>
-      </p:sp>
-      <p:sp>
-        <p:nvSpPr>
-          <p:cNvPr id="4" name="Subtitle 3"/>
-          <p:cNvSpPr>
-            <a:spLocks noGrp="1"/>
-          </p:cNvSpPr>
-          <p:nvPr>
-            <p:ph type="subTitle" idx="1"/>
+          <a:p>
+            <a:r>
+              <a:rPr lang="th-TH" sz="4400" b="1" dirty="0" smtClean="0">
+                <a:latin typeface="TH SarabunPSK" panose="020B0500040200020003" pitchFamily="34" charset="-34"/>
+                <a:cs typeface="TH SarabunPSK" panose="020B0500040200020003" pitchFamily="34" charset="-34"/>
+              </a:rPr>
+              <a:t>การแบ่งปันปฏิทิน</a:t>
+            </a:r>
+          </a:p>
+          <a:p>
+            <a:r>
+              <a:rPr lang="th-TH" sz="4400" b="1" dirty="0" smtClean="0">
+                <a:latin typeface="TH SarabunPSK" panose="020B0500040200020003" pitchFamily="34" charset="-34"/>
+                <a:cs typeface="TH SarabunPSK" panose="020B0500040200020003" pitchFamily="34" charset="-34"/>
+              </a:rPr>
+              <a:t>การใช้งานผ่านอุปกรณ์เคลื่อนที่</a:t>
+            </a:r>
+          </a:p>
+        </p:txBody>
+      </p:sp>
+    </p:spTree>
+  </p:cSld>
+  <p:clrMapOvr>
+    <a:masterClrMapping/>
+  </p:clrMapOvr>
+  <p:timing>
+    <p:tnLst>
+      <p:par>
+        <p:cTn id="1" dur="indefinite" restart="never" nodeType="tmRoot"/>
+      </p:par>
+    </p:tnLst>
+  </p:timing>
+</p:sld>
+</file>
+
+<file path=ppt/slides/slide5.xml><?xml version="1.0" encoding="utf-8"?>
+<p:sld xmlns:a="http://schemas.openxmlformats.org/drawingml/2006/main" xmlns:r="http://schemas.openxmlformats.org/officeDocument/2006/relationships" xmlns:p="http://schemas.openxmlformats.org/presentationml/2006/main">
+  <p:cSld>
+    <p:spTree>
+      <p:nvGrpSpPr>
+        <p:cNvPr id="1" name=""/>
+        <p:cNvGrpSpPr/>
+        <p:nvPr/>
+      </p:nvGrpSpPr>
+      <p:grpSpPr>
+        <a:xfrm>
+          <a:off x="0" y="0"/>
+          <a:ext cx="0" cy="0"/>
+          <a:chOff x="0" y="0"/>
+          <a:chExt cx="0" cy="0"/>
+        </a:xfrm>
+      </p:grpSpPr>
+      <p:sp>
+        <p:nvSpPr>
+          <p:cNvPr id="2" name="Title 1"/>
+          <p:cNvSpPr>
+            <a:spLocks noGrp="1"/>
+          </p:cNvSpPr>
+          <p:nvPr>
+            <p:ph type="title"/>
           </p:nvPr>
         </p:nvSpPr>
         <p:spPr/>
         <p:txBody>
-          <a:bodyPr/>
+          <a:bodyPr>
+            <a:normAutofit/>
+          </a:bodyPr>
           <a:lstStyle/>
           <a:p>
-            <a:endParaRPr lang="en-US"/>
-          </a:p>
-        </p:txBody>
-      </p:sp>
+            <a:r>
+              <a:rPr lang="th-TH" sz="5400" b="1" dirty="0">
+                <a:latin typeface="TH SarabunPSK" panose="020B0500040200020003" pitchFamily="34" charset="-34"/>
+                <a:cs typeface="TH SarabunPSK" panose="020B0500040200020003" pitchFamily="34" charset="-34"/>
+              </a:rPr>
+              <a:t>การจัดการกิจกรรม</a:t>
+            </a:r>
+            <a:endParaRPr lang="en-US" sz="6000" b="1" dirty="0">
+              <a:latin typeface="TH SarabunPSK" panose="020B0500040200020003" pitchFamily="34" charset="-34"/>
+              <a:cs typeface="TH SarabunPSK" panose="020B0500040200020003" pitchFamily="34" charset="-34"/>
+            </a:endParaRPr>
+          </a:p>
+        </p:txBody>
+      </p:sp>
+      <p:pic>
+        <p:nvPicPr>
+          <p:cNvPr id="5" name="Content Placeholder 4"/>
+          <p:cNvPicPr>
+            <a:picLocks noGrp="1" noChangeAspect="1"/>
+          </p:cNvPicPr>
+          <p:nvPr>
+            <p:ph idx="1"/>
+          </p:nvPr>
+        </p:nvPicPr>
+        <p:blipFill>
+          <a:blip r:embed="rId2">
+            <a:extLst>
+              <a:ext uri="{28A0092B-C50C-407E-A947-70E740481C1C}">
+                <a14:useLocalDpi xmlns:a14="http://schemas.microsoft.com/office/drawing/2010/main" val="0"/>
+              </a:ext>
+            </a:extLst>
+          </a:blip>
+          <a:stretch>
+            <a:fillRect/>
+          </a:stretch>
+        </p:blipFill>
+        <p:spPr>
+          <a:xfrm>
+            <a:off x="2823843" y="1731963"/>
+            <a:ext cx="6534788" cy="4059237"/>
+          </a:xfrm>
+          <a:prstGeom prst="rect">
+            <a:avLst/>
+          </a:prstGeom>
+          <a:ln>
+            <a:noFill/>
+          </a:ln>
+          <a:effectLst>
+            <a:outerShdw blurRad="292100" dist="139700" dir="2700000" algn="tl" rotWithShape="0">
+              <a:srgbClr val="333333">
+                <a:alpha val="65000"/>
+              </a:srgbClr>
+            </a:outerShdw>
+          </a:effectLst>
+        </p:spPr>
+      </p:pic>
     </p:spTree>
     <p:extLst>
       <p:ext uri="{BB962C8B-B14F-4D97-AF65-F5344CB8AC3E}">
-        <p14:creationId xmlns:p14="http://schemas.microsoft.com/office/powerpoint/2010/main" val="1850762226"/>
+        <p14:creationId xmlns:p14="http://schemas.microsoft.com/office/powerpoint/2010/main" val="2081943511"/>
       </p:ext>
     </p:extLst>
   </p:cSld>
@@ -6860,7 +7171,7 @@
 </p:sld>
 </file>
 
-<file path=ppt/slides/slide12.xml><?xml version="1.0" encoding="utf-8"?>
+<file path=ppt/slides/slide6.xml><?xml version="1.0" encoding="utf-8"?>
 <p:sld xmlns:a="http://schemas.openxmlformats.org/drawingml/2006/main" xmlns:r="http://schemas.openxmlformats.org/officeDocument/2006/relationships" xmlns:p="http://schemas.openxmlformats.org/presentationml/2006/main">
   <p:cSld>
     <p:spTree>
@@ -6890,16 +7201,16 @@
         <p:spPr/>
         <p:txBody>
           <a:bodyPr>
-            <a:normAutofit fontScale="90000"/>
+            <a:normAutofit/>
           </a:bodyPr>
           <a:lstStyle/>
           <a:p>
             <a:r>
-              <a:rPr lang="th-TH" sz="6000" b="1" dirty="0">
+              <a:rPr lang="th-TH" sz="5400" b="1" dirty="0">
                 <a:latin typeface="TH SarabunPSK" panose="020B0500040200020003" pitchFamily="34" charset="-34"/>
                 <a:cs typeface="TH SarabunPSK" panose="020B0500040200020003" pitchFamily="34" charset="-34"/>
               </a:rPr>
-              <a:t>สร้างหรือแก้ไขปฏิทิน</a:t>
+              <a:t>การจัดการปฏิทิน</a:t>
             </a:r>
             <a:endParaRPr lang="en-US" sz="6000" b="1" dirty="0">
               <a:latin typeface="TH SarabunPSK" panose="020B0500040200020003" pitchFamily="34" charset="-34"/>
@@ -6970,7 +7281,7 @@
 </p:sld>
 </file>
 
-<file path=ppt/slides/slide13.xml><?xml version="1.0" encoding="utf-8"?>
+<file path=ppt/slides/slide7.xml><?xml version="1.0" encoding="utf-8"?>
 <p:sld xmlns:a="http://schemas.openxmlformats.org/drawingml/2006/main" xmlns:r="http://schemas.openxmlformats.org/officeDocument/2006/relationships" xmlns:p="http://schemas.openxmlformats.org/presentationml/2006/main">
   <p:cSld>
     <p:spTree>
@@ -6994,91 +7305,6 @@
             <a:spLocks noGrp="1"/>
           </p:cNvSpPr>
           <p:nvPr>
-            <p:ph type="ctrTitle"/>
-          </p:nvPr>
-        </p:nvSpPr>
-        <p:spPr>
-          <a:xfrm>
-            <a:off x="1370693" y="1769540"/>
-            <a:ext cx="9440034" cy="1828801"/>
-          </a:xfrm>
-        </p:spPr>
-        <p:txBody>
-          <a:bodyPr>
-            <a:normAutofit/>
-          </a:bodyPr>
-          <a:lstStyle/>
-          <a:p>
-            <a:r>
-              <a:rPr lang="th-TH" sz="6600" b="1" dirty="0"/>
-              <a:t>การจัดการกิจกรรม</a:t>
-            </a:r>
-          </a:p>
-        </p:txBody>
-      </p:sp>
-      <p:sp>
-        <p:nvSpPr>
-          <p:cNvPr id="6" name="Subtitle 5"/>
-          <p:cNvSpPr>
-            <a:spLocks noGrp="1"/>
-          </p:cNvSpPr>
-          <p:nvPr>
-            <p:ph type="subTitle" idx="1"/>
-          </p:nvPr>
-        </p:nvSpPr>
-        <p:spPr/>
-        <p:txBody>
-          <a:bodyPr/>
-          <a:lstStyle/>
-          <a:p>
-            <a:endParaRPr lang="en-US"/>
-          </a:p>
-        </p:txBody>
-      </p:sp>
-    </p:spTree>
-    <p:extLst>
-      <p:ext uri="{BB962C8B-B14F-4D97-AF65-F5344CB8AC3E}">
-        <p14:creationId xmlns:p14="http://schemas.microsoft.com/office/powerpoint/2010/main" val="1065843145"/>
-      </p:ext>
-    </p:extLst>
-  </p:cSld>
-  <p:clrMapOvr>
-    <a:masterClrMapping/>
-  </p:clrMapOvr>
-  <p:timing>
-    <p:tnLst>
-      <p:par>
-        <p:cTn id="1" dur="indefinite" restart="never" nodeType="tmRoot"/>
-      </p:par>
-    </p:tnLst>
-  </p:timing>
-</p:sld>
-</file>
-
-<file path=ppt/slides/slide14.xml><?xml version="1.0" encoding="utf-8"?>
-<p:sld xmlns:a="http://schemas.openxmlformats.org/drawingml/2006/main" xmlns:r="http://schemas.openxmlformats.org/officeDocument/2006/relationships" xmlns:p="http://schemas.openxmlformats.org/presentationml/2006/main">
-  <p:cSld>
-    <p:spTree>
-      <p:nvGrpSpPr>
-        <p:cNvPr id="1" name=""/>
-        <p:cNvGrpSpPr/>
-        <p:nvPr/>
-      </p:nvGrpSpPr>
-      <p:grpSpPr>
-        <a:xfrm>
-          <a:off x="0" y="0"/>
-          <a:ext cx="0" cy="0"/>
-          <a:chOff x="0" y="0"/>
-          <a:chExt cx="0" cy="0"/>
-        </a:xfrm>
-      </p:grpSpPr>
-      <p:sp>
-        <p:nvSpPr>
-          <p:cNvPr id="2" name="Title 1"/>
-          <p:cNvSpPr>
-            <a:spLocks noGrp="1"/>
-          </p:cNvSpPr>
-          <p:nvPr>
             <p:ph type="title"/>
           </p:nvPr>
         </p:nvSpPr>
@@ -7089,442 +7315,13 @@
           </a:bodyPr>
           <a:lstStyle/>
           <a:p>
+            <a:pPr lvl="0"/>
             <a:r>
               <a:rPr lang="th-TH" sz="6000" b="1" dirty="0">
                 <a:latin typeface="TH SarabunPSK" panose="020B0500040200020003" pitchFamily="34" charset="-34"/>
                 <a:cs typeface="TH SarabunPSK" panose="020B0500040200020003" pitchFamily="34" charset="-34"/>
               </a:rPr>
-              <a:t>สร้างกิจกรรม</a:t>
-            </a:r>
-            <a:endParaRPr lang="en-US" sz="6000" b="1" dirty="0">
-              <a:latin typeface="TH SarabunPSK" panose="020B0500040200020003" pitchFamily="34" charset="-34"/>
-              <a:cs typeface="TH SarabunPSK" panose="020B0500040200020003" pitchFamily="34" charset="-34"/>
-            </a:endParaRPr>
-          </a:p>
-        </p:txBody>
-      </p:sp>
-      <p:pic>
-        <p:nvPicPr>
-          <p:cNvPr id="5" name="Content Placeholder 4"/>
-          <p:cNvPicPr>
-            <a:picLocks noGrp="1" noChangeAspect="1"/>
-          </p:cNvPicPr>
-          <p:nvPr>
-            <p:ph idx="1"/>
-          </p:nvPr>
-        </p:nvPicPr>
-        <p:blipFill>
-          <a:blip r:embed="rId2">
-            <a:extLst>
-              <a:ext uri="{28A0092B-C50C-407E-A947-70E740481C1C}">
-                <a14:useLocalDpi xmlns:a14="http://schemas.microsoft.com/office/drawing/2010/main" val="0"/>
-              </a:ext>
-            </a:extLst>
-          </a:blip>
-          <a:stretch>
-            <a:fillRect/>
-          </a:stretch>
-        </p:blipFill>
-        <p:spPr>
-          <a:xfrm>
-            <a:off x="2823843" y="1731963"/>
-            <a:ext cx="6534788" cy="4059237"/>
-          </a:xfrm>
-          <a:prstGeom prst="rect">
-            <a:avLst/>
-          </a:prstGeom>
-          <a:ln>
-            <a:noFill/>
-          </a:ln>
-          <a:effectLst>
-            <a:outerShdw blurRad="292100" dist="139700" dir="2700000" algn="tl" rotWithShape="0">
-              <a:srgbClr val="333333">
-                <a:alpha val="65000"/>
-              </a:srgbClr>
-            </a:outerShdw>
-          </a:effectLst>
-        </p:spPr>
-      </p:pic>
-    </p:spTree>
-    <p:extLst>
-      <p:ext uri="{BB962C8B-B14F-4D97-AF65-F5344CB8AC3E}">
-        <p14:creationId xmlns:p14="http://schemas.microsoft.com/office/powerpoint/2010/main" val="2081943511"/>
-      </p:ext>
-    </p:extLst>
-  </p:cSld>
-  <p:clrMapOvr>
-    <a:masterClrMapping/>
-  </p:clrMapOvr>
-  <p:timing>
-    <p:tnLst>
-      <p:par>
-        <p:cTn id="1" dur="indefinite" restart="never" nodeType="tmRoot"/>
-      </p:par>
-    </p:tnLst>
-  </p:timing>
-</p:sld>
-</file>
-
-<file path=ppt/slides/slide15.xml><?xml version="1.0" encoding="utf-8"?>
-<p:sld xmlns:a="http://schemas.openxmlformats.org/drawingml/2006/main" xmlns:r="http://schemas.openxmlformats.org/officeDocument/2006/relationships" xmlns:p="http://schemas.openxmlformats.org/presentationml/2006/main">
-  <p:cSld>
-    <p:spTree>
-      <p:nvGrpSpPr>
-        <p:cNvPr id="1" name=""/>
-        <p:cNvGrpSpPr/>
-        <p:nvPr/>
-      </p:nvGrpSpPr>
-      <p:grpSpPr>
-        <a:xfrm>
-          <a:off x="0" y="0"/>
-          <a:ext cx="0" cy="0"/>
-          <a:chOff x="0" y="0"/>
-          <a:chExt cx="0" cy="0"/>
-        </a:xfrm>
-      </p:grpSpPr>
-      <p:sp>
-        <p:nvSpPr>
-          <p:cNvPr id="2" name="Title 1"/>
-          <p:cNvSpPr>
-            <a:spLocks noGrp="1"/>
-          </p:cNvSpPr>
-          <p:nvPr>
-            <p:ph type="title"/>
-          </p:nvPr>
-        </p:nvSpPr>
-        <p:spPr/>
-        <p:txBody>
-          <a:bodyPr>
-            <a:normAutofit fontScale="90000"/>
-          </a:bodyPr>
-          <a:lstStyle/>
-          <a:p>
-            <a:r>
-              <a:rPr lang="th-TH" sz="6000" b="1" dirty="0">
-                <a:latin typeface="TH SarabunPSK" panose="020B0500040200020003" pitchFamily="34" charset="-34"/>
-                <a:cs typeface="TH SarabunPSK" panose="020B0500040200020003" pitchFamily="34" charset="-34"/>
-              </a:rPr>
-              <a:t>เพิ่มผู้เข้าร่วมกิจกรรม</a:t>
-            </a:r>
-            <a:endParaRPr lang="en-US" sz="6000" b="1" dirty="0">
-              <a:latin typeface="TH SarabunPSK" panose="020B0500040200020003" pitchFamily="34" charset="-34"/>
-              <a:cs typeface="TH SarabunPSK" panose="020B0500040200020003" pitchFamily="34" charset="-34"/>
-            </a:endParaRPr>
-          </a:p>
-        </p:txBody>
-      </p:sp>
-      <p:pic>
-        <p:nvPicPr>
-          <p:cNvPr id="4" name="Content Placeholder 3"/>
-          <p:cNvPicPr>
-            <a:picLocks noGrp="1" noChangeAspect="1"/>
-          </p:cNvPicPr>
-          <p:nvPr>
-            <p:ph idx="1"/>
-          </p:nvPr>
-        </p:nvPicPr>
-        <p:blipFill>
-          <a:blip r:embed="rId2">
-            <a:extLst>
-              <a:ext uri="{28A0092B-C50C-407E-A947-70E740481C1C}">
-                <a14:useLocalDpi xmlns:a14="http://schemas.microsoft.com/office/drawing/2010/main" val="0"/>
-              </a:ext>
-            </a:extLst>
-          </a:blip>
-          <a:stretch>
-            <a:fillRect/>
-          </a:stretch>
-        </p:blipFill>
-        <p:spPr>
-          <a:xfrm>
-            <a:off x="4653142" y="1761581"/>
-            <a:ext cx="2876190" cy="4000000"/>
-          </a:xfrm>
-          <a:prstGeom prst="rect">
-            <a:avLst/>
-          </a:prstGeom>
-          <a:ln>
-            <a:noFill/>
-          </a:ln>
-          <a:effectLst>
-            <a:outerShdw blurRad="292100" dist="139700" dir="2700000" algn="tl" rotWithShape="0">
-              <a:srgbClr val="333333">
-                <a:alpha val="65000"/>
-              </a:srgbClr>
-            </a:outerShdw>
-          </a:effectLst>
-        </p:spPr>
-      </p:pic>
-    </p:spTree>
-    <p:extLst>
-      <p:ext uri="{BB962C8B-B14F-4D97-AF65-F5344CB8AC3E}">
-        <p14:creationId xmlns:p14="http://schemas.microsoft.com/office/powerpoint/2010/main" val="239656287"/>
-      </p:ext>
-    </p:extLst>
-  </p:cSld>
-  <p:clrMapOvr>
-    <a:masterClrMapping/>
-  </p:clrMapOvr>
-  <p:timing>
-    <p:tnLst>
-      <p:par>
-        <p:cTn id="1" dur="indefinite" restart="never" nodeType="tmRoot"/>
-      </p:par>
-    </p:tnLst>
-  </p:timing>
-</p:sld>
-</file>
-
-<file path=ppt/slides/slide16.xml><?xml version="1.0" encoding="utf-8"?>
-<p:sld xmlns:a="http://schemas.openxmlformats.org/drawingml/2006/main" xmlns:r="http://schemas.openxmlformats.org/officeDocument/2006/relationships" xmlns:p="http://schemas.openxmlformats.org/presentationml/2006/main">
-  <p:cSld>
-    <p:spTree>
-      <p:nvGrpSpPr>
-        <p:cNvPr id="1" name=""/>
-        <p:cNvGrpSpPr/>
-        <p:nvPr/>
-      </p:nvGrpSpPr>
-      <p:grpSpPr>
-        <a:xfrm>
-          <a:off x="0" y="0"/>
-          <a:ext cx="0" cy="0"/>
-          <a:chOff x="0" y="0"/>
-          <a:chExt cx="0" cy="0"/>
-        </a:xfrm>
-      </p:grpSpPr>
-      <p:sp>
-        <p:nvSpPr>
-          <p:cNvPr id="2" name="Title 1"/>
-          <p:cNvSpPr>
-            <a:spLocks noGrp="1"/>
-          </p:cNvSpPr>
-          <p:nvPr>
-            <p:ph type="title"/>
-          </p:nvPr>
-        </p:nvSpPr>
-        <p:spPr/>
-        <p:txBody>
-          <a:bodyPr>
-            <a:normAutofit fontScale="90000"/>
-          </a:bodyPr>
-          <a:lstStyle/>
-          <a:p>
-            <a:r>
-              <a:rPr lang="th-TH" sz="6000" b="1" dirty="0">
-                <a:latin typeface="TH SarabunPSK" panose="020B0500040200020003" pitchFamily="34" charset="-34"/>
-                <a:cs typeface="TH SarabunPSK" panose="020B0500040200020003" pitchFamily="34" charset="-34"/>
-              </a:rPr>
-              <a:t>การแจ้งเตือนและการแจ้งให้ทราบ</a:t>
-            </a:r>
-            <a:endParaRPr lang="en-US" sz="6000" b="1" dirty="0">
-              <a:latin typeface="TH SarabunPSK" panose="020B0500040200020003" pitchFamily="34" charset="-34"/>
-              <a:cs typeface="TH SarabunPSK" panose="020B0500040200020003" pitchFamily="34" charset="-34"/>
-            </a:endParaRPr>
-          </a:p>
-        </p:txBody>
-      </p:sp>
-      <p:pic>
-        <p:nvPicPr>
-          <p:cNvPr id="4" name="Content Placeholder 3"/>
-          <p:cNvPicPr>
-            <a:picLocks noGrp="1" noChangeAspect="1"/>
-          </p:cNvPicPr>
-          <p:nvPr>
-            <p:ph idx="1"/>
-          </p:nvPr>
-        </p:nvPicPr>
-        <p:blipFill>
-          <a:blip r:embed="rId2">
-            <a:extLst>
-              <a:ext uri="{28A0092B-C50C-407E-A947-70E740481C1C}">
-                <a14:useLocalDpi xmlns:a14="http://schemas.microsoft.com/office/drawing/2010/main" val="0"/>
-              </a:ext>
-            </a:extLst>
-          </a:blip>
-          <a:stretch>
-            <a:fillRect/>
-          </a:stretch>
-        </p:blipFill>
-        <p:spPr>
-          <a:xfrm>
-            <a:off x="2400488" y="2448768"/>
-            <a:ext cx="7668331" cy="1989882"/>
-          </a:xfrm>
-          <a:prstGeom prst="rect">
-            <a:avLst/>
-          </a:prstGeom>
-          <a:ln>
-            <a:noFill/>
-          </a:ln>
-          <a:effectLst>
-            <a:outerShdw blurRad="292100" dist="139700" dir="2700000" algn="tl" rotWithShape="0">
-              <a:srgbClr val="333333">
-                <a:alpha val="65000"/>
-              </a:srgbClr>
-            </a:outerShdw>
-          </a:effectLst>
-        </p:spPr>
-      </p:pic>
-    </p:spTree>
-    <p:extLst>
-      <p:ext uri="{BB962C8B-B14F-4D97-AF65-F5344CB8AC3E}">
-        <p14:creationId xmlns:p14="http://schemas.microsoft.com/office/powerpoint/2010/main" val="4078668987"/>
-      </p:ext>
-    </p:extLst>
-  </p:cSld>
-  <p:clrMapOvr>
-    <a:masterClrMapping/>
-  </p:clrMapOvr>
-  <p:timing>
-    <p:tnLst>
-      <p:par>
-        <p:cTn id="1" dur="indefinite" restart="never" nodeType="tmRoot"/>
-      </p:par>
-    </p:tnLst>
-  </p:timing>
-</p:sld>
-</file>
-
-<file path=ppt/slides/slide17.xml><?xml version="1.0" encoding="utf-8"?>
-<p:sld xmlns:a="http://schemas.openxmlformats.org/drawingml/2006/main" xmlns:r="http://schemas.openxmlformats.org/officeDocument/2006/relationships" xmlns:p="http://schemas.openxmlformats.org/presentationml/2006/main">
-  <p:cSld>
-    <p:spTree>
-      <p:nvGrpSpPr>
-        <p:cNvPr id="1" name=""/>
-        <p:cNvGrpSpPr/>
-        <p:nvPr/>
-      </p:nvGrpSpPr>
-      <p:grpSpPr>
-        <a:xfrm>
-          <a:off x="0" y="0"/>
-          <a:ext cx="0" cy="0"/>
-          <a:chOff x="0" y="0"/>
-          <a:chExt cx="0" cy="0"/>
-        </a:xfrm>
-      </p:grpSpPr>
-      <p:sp>
-        <p:nvSpPr>
-          <p:cNvPr id="2" name="Title 1"/>
-          <p:cNvSpPr>
-            <a:spLocks noGrp="1"/>
-          </p:cNvSpPr>
-          <p:nvPr>
-            <p:ph type="ctrTitle"/>
-          </p:nvPr>
-        </p:nvSpPr>
-        <p:spPr>
-          <a:xfrm>
-            <a:off x="1370693" y="1769540"/>
-            <a:ext cx="9440034" cy="1828801"/>
-          </a:xfrm>
-        </p:spPr>
-        <p:txBody>
-          <a:bodyPr>
-            <a:normAutofit/>
-          </a:bodyPr>
-          <a:lstStyle/>
-          <a:p>
-            <a:r>
-              <a:rPr lang="th-TH" sz="6600" b="1" dirty="0" smtClean="0">
-                <a:latin typeface="TH SarabunPSK" panose="020B0500040200020003" pitchFamily="34" charset="-34"/>
-                <a:cs typeface="TH SarabunPSK" panose="020B0500040200020003" pitchFamily="34" charset="-34"/>
-              </a:rPr>
               <a:t>การแบ่งปันปฏิทิน</a:t>
-            </a:r>
-            <a:endParaRPr lang="en-US" sz="6600" b="1" dirty="0">
-              <a:latin typeface="TH SarabunPSK" panose="020B0500040200020003" pitchFamily="34" charset="-34"/>
-              <a:cs typeface="TH SarabunPSK" panose="020B0500040200020003" pitchFamily="34" charset="-34"/>
-            </a:endParaRPr>
-          </a:p>
-        </p:txBody>
-      </p:sp>
-      <p:sp>
-        <p:nvSpPr>
-          <p:cNvPr id="3" name="Subtitle 2"/>
-          <p:cNvSpPr>
-            <a:spLocks noGrp="1"/>
-          </p:cNvSpPr>
-          <p:nvPr>
-            <p:ph type="subTitle" idx="1"/>
-          </p:nvPr>
-        </p:nvSpPr>
-        <p:spPr/>
-        <p:txBody>
-          <a:bodyPr/>
-          <a:lstStyle/>
-          <a:p>
-            <a:endParaRPr lang="en-US"/>
-          </a:p>
-        </p:txBody>
-      </p:sp>
-    </p:spTree>
-    <p:extLst>
-      <p:ext uri="{BB962C8B-B14F-4D97-AF65-F5344CB8AC3E}">
-        <p14:creationId xmlns:p14="http://schemas.microsoft.com/office/powerpoint/2010/main" val="3968691127"/>
-      </p:ext>
-    </p:extLst>
-  </p:cSld>
-  <p:clrMapOvr>
-    <a:masterClrMapping/>
-  </p:clrMapOvr>
-  <p:timing>
-    <p:tnLst>
-      <p:par>
-        <p:cTn id="1" dur="indefinite" restart="never" nodeType="tmRoot"/>
-      </p:par>
-    </p:tnLst>
-  </p:timing>
-</p:sld>
-</file>
-
-<file path=ppt/slides/slide18.xml><?xml version="1.0" encoding="utf-8"?>
-<p:sld xmlns:a="http://schemas.openxmlformats.org/drawingml/2006/main" xmlns:r="http://schemas.openxmlformats.org/officeDocument/2006/relationships" xmlns:p="http://schemas.openxmlformats.org/presentationml/2006/main">
-  <p:cSld>
-    <p:spTree>
-      <p:nvGrpSpPr>
-        <p:cNvPr id="1" name=""/>
-        <p:cNvGrpSpPr/>
-        <p:nvPr/>
-      </p:nvGrpSpPr>
-      <p:grpSpPr>
-        <a:xfrm>
-          <a:off x="0" y="0"/>
-          <a:ext cx="0" cy="0"/>
-          <a:chOff x="0" y="0"/>
-          <a:chExt cx="0" cy="0"/>
-        </a:xfrm>
-      </p:grpSpPr>
-      <p:sp>
-        <p:nvSpPr>
-          <p:cNvPr id="2" name="Title 1"/>
-          <p:cNvSpPr>
-            <a:spLocks noGrp="1"/>
-          </p:cNvSpPr>
-          <p:nvPr>
-            <p:ph type="title"/>
-          </p:nvPr>
-        </p:nvSpPr>
-        <p:spPr/>
-        <p:txBody>
-          <a:bodyPr>
-            <a:normAutofit fontScale="90000"/>
-          </a:bodyPr>
-          <a:lstStyle/>
-          <a:p>
-            <a:pPr lvl="0"/>
-            <a:r>
-              <a:rPr lang="th-TH" sz="6000" b="1" dirty="0">
-                <a:latin typeface="TH SarabunPSK" panose="020B0500040200020003" pitchFamily="34" charset="-34"/>
-                <a:cs typeface="TH SarabunPSK" panose="020B0500040200020003" pitchFamily="34" charset="-34"/>
-              </a:rPr>
-              <a:t>แบ่งปัน</a:t>
-            </a:r>
-            <a:r>
-              <a:rPr lang="th-TH" sz="6000" b="1" dirty="0" smtClean="0">
-                <a:latin typeface="TH SarabunPSK" panose="020B0500040200020003" pitchFamily="34" charset="-34"/>
-                <a:cs typeface="TH SarabunPSK" panose="020B0500040200020003" pitchFamily="34" charset="-34"/>
-              </a:rPr>
-              <a:t>ปฏิทิน</a:t>
             </a:r>
             <a:endParaRPr lang="en-US" sz="6000" b="1" dirty="0">
               <a:latin typeface="TH SarabunPSK" panose="020B0500040200020003" pitchFamily="34" charset="-34"/>
@@ -7625,7 +7422,7 @@
 </p:sld>
 </file>
 
-<file path=ppt/slides/slide19.xml><?xml version="1.0" encoding="utf-8"?>
+<file path=ppt/slides/slide8.xml><?xml version="1.0" encoding="utf-8"?>
 <p:sld xmlns:a="http://schemas.openxmlformats.org/drawingml/2006/main" xmlns:r="http://schemas.openxmlformats.org/officeDocument/2006/relationships" xmlns:p="http://schemas.openxmlformats.org/presentationml/2006/main">
   <p:cSld>
     <p:spTree>
@@ -7649,209 +7446,6 @@
             <a:spLocks noGrp="1"/>
           </p:cNvSpPr>
           <p:nvPr>
-            <p:ph type="ctrTitle"/>
-          </p:nvPr>
-        </p:nvSpPr>
-        <p:spPr>
-          <a:xfrm>
-            <a:off x="1370693" y="1769540"/>
-            <a:ext cx="9440034" cy="1828801"/>
-          </a:xfrm>
-        </p:spPr>
-        <p:txBody>
-          <a:bodyPr>
-            <a:normAutofit/>
-          </a:bodyPr>
-          <a:lstStyle/>
-          <a:p>
-            <a:r>
-              <a:rPr lang="th-TH" sz="6600" b="1" dirty="0">
-                <a:latin typeface="TH SarabunPSK" panose="020B0500040200020003" pitchFamily="34" charset="-34"/>
-                <a:cs typeface="TH SarabunPSK" panose="020B0500040200020003" pitchFamily="34" charset="-34"/>
-              </a:rPr>
-              <a:t>การนำเข้า การส่งออก หรือซิงค์ ปฏิทิน</a:t>
-            </a:r>
-            <a:endParaRPr lang="en-US" sz="6600" b="1" dirty="0">
-              <a:latin typeface="TH SarabunPSK" panose="020B0500040200020003" pitchFamily="34" charset="-34"/>
-              <a:cs typeface="TH SarabunPSK" panose="020B0500040200020003" pitchFamily="34" charset="-34"/>
-            </a:endParaRPr>
-          </a:p>
-        </p:txBody>
-      </p:sp>
-      <p:sp>
-        <p:nvSpPr>
-          <p:cNvPr id="3" name="Subtitle 2"/>
-          <p:cNvSpPr>
-            <a:spLocks noGrp="1"/>
-          </p:cNvSpPr>
-          <p:nvPr>
-            <p:ph type="subTitle" idx="1"/>
-          </p:nvPr>
-        </p:nvSpPr>
-        <p:spPr/>
-        <p:txBody>
-          <a:bodyPr/>
-          <a:lstStyle/>
-          <a:p>
-            <a:endParaRPr lang="en-US"/>
-          </a:p>
-        </p:txBody>
-      </p:sp>
-    </p:spTree>
-    <p:extLst>
-      <p:ext uri="{BB962C8B-B14F-4D97-AF65-F5344CB8AC3E}">
-        <p14:creationId xmlns:p14="http://schemas.microsoft.com/office/powerpoint/2010/main" val="2585912091"/>
-      </p:ext>
-    </p:extLst>
-  </p:cSld>
-  <p:clrMapOvr>
-    <a:masterClrMapping/>
-  </p:clrMapOvr>
-  <p:timing>
-    <p:tnLst>
-      <p:par>
-        <p:cTn id="1" dur="indefinite" restart="never" nodeType="tmRoot"/>
-      </p:par>
-    </p:tnLst>
-  </p:timing>
-</p:sld>
-</file>
-
-<file path=ppt/slides/slide2.xml><?xml version="1.0" encoding="utf-8"?>
-<p:sld xmlns:a="http://schemas.openxmlformats.org/drawingml/2006/main" xmlns:r="http://schemas.openxmlformats.org/officeDocument/2006/relationships" xmlns:p="http://schemas.openxmlformats.org/presentationml/2006/main">
-  <p:cSld>
-    <p:spTree>
-      <p:nvGrpSpPr>
-        <p:cNvPr id="1" name=""/>
-        <p:cNvGrpSpPr/>
-        <p:nvPr/>
-      </p:nvGrpSpPr>
-      <p:grpSpPr>
-        <a:xfrm>
-          <a:off x="0" y="0"/>
-          <a:ext cx="0" cy="0"/>
-          <a:chOff x="0" y="0"/>
-          <a:chExt cx="0" cy="0"/>
-        </a:xfrm>
-      </p:grpSpPr>
-      <p:sp>
-        <p:nvSpPr>
-          <p:cNvPr id="2" name="Title 1"/>
-          <p:cNvSpPr>
-            <a:spLocks noGrp="1"/>
-          </p:cNvSpPr>
-          <p:nvPr>
-            <p:ph type="title"/>
-          </p:nvPr>
-        </p:nvSpPr>
-        <p:spPr/>
-        <p:txBody>
-          <a:bodyPr/>
-          <a:lstStyle/>
-          <a:p>
-            <a:r>
-              <a:rPr lang="th-TH" sz="5400" dirty="0" smtClean="0"/>
-              <a:t>หัวข้อการอบรม</a:t>
-            </a:r>
-            <a:endParaRPr lang="th-TH" sz="5400" dirty="0"/>
-          </a:p>
-        </p:txBody>
-      </p:sp>
-      <p:sp>
-        <p:nvSpPr>
-          <p:cNvPr id="3" name="Content Placeholder 2"/>
-          <p:cNvSpPr>
-            <a:spLocks noGrp="1"/>
-          </p:cNvSpPr>
-          <p:nvPr>
-            <p:ph idx="1"/>
-          </p:nvPr>
-        </p:nvSpPr>
-        <p:spPr/>
-        <p:txBody>
-          <a:bodyPr>
-            <a:normAutofit/>
-          </a:bodyPr>
-          <a:lstStyle/>
-          <a:p>
-            <a:r>
-              <a:rPr lang="th-TH" sz="4400" b="1" dirty="0"/>
-              <a:t>การจัดการ</a:t>
-            </a:r>
-            <a:r>
-              <a:rPr lang="th-TH" sz="4400" b="1" dirty="0" smtClean="0"/>
-              <a:t>ปฏิทิน</a:t>
-            </a:r>
-            <a:endParaRPr lang="th-TH" sz="4400" b="1" dirty="0" smtClean="0"/>
-          </a:p>
-          <a:p>
-            <a:r>
-              <a:rPr lang="th-TH" sz="4400" b="1" dirty="0"/>
-              <a:t>การจัดการกิจกรรม</a:t>
-            </a:r>
-            <a:endParaRPr lang="th-TH" sz="4400" b="1" dirty="0" smtClean="0"/>
-          </a:p>
-          <a:p>
-            <a:r>
-              <a:rPr lang="th-TH" sz="4400" b="1" dirty="0" smtClean="0"/>
-              <a:t>การ</a:t>
-            </a:r>
-            <a:r>
-              <a:rPr lang="th-TH" sz="4400" b="1" dirty="0" smtClean="0">
-                <a:latin typeface="TH SarabunPSK" panose="020B0500040200020003" pitchFamily="34" charset="-34"/>
-                <a:cs typeface="TH SarabunPSK" panose="020B0500040200020003" pitchFamily="34" charset="-34"/>
-              </a:rPr>
-              <a:t>แบ่งปันปฏิทิน</a:t>
-            </a:r>
-            <a:endParaRPr lang="th-TH" sz="4400" b="1" dirty="0" smtClean="0"/>
-          </a:p>
-          <a:p>
-            <a:r>
-              <a:rPr lang="th-TH" sz="4400" b="1" dirty="0" smtClean="0"/>
-              <a:t>การใช้งานผ่านอุปกรณ์เคลื่อนที่</a:t>
-            </a:r>
-          </a:p>
-        </p:txBody>
-      </p:sp>
-    </p:spTree>
-  </p:cSld>
-  <p:clrMapOvr>
-    <a:masterClrMapping/>
-  </p:clrMapOvr>
-  <p:timing>
-    <p:tnLst>
-      <p:par>
-        <p:cTn id="1" dur="indefinite" restart="never" nodeType="tmRoot"/>
-      </p:par>
-    </p:tnLst>
-  </p:timing>
-</p:sld>
-</file>
-
-<file path=ppt/slides/slide20.xml><?xml version="1.0" encoding="utf-8"?>
-<p:sld xmlns:a="http://schemas.openxmlformats.org/drawingml/2006/main" xmlns:r="http://schemas.openxmlformats.org/officeDocument/2006/relationships" xmlns:p="http://schemas.openxmlformats.org/presentationml/2006/main">
-  <p:cSld>
-    <p:spTree>
-      <p:nvGrpSpPr>
-        <p:cNvPr id="1" name=""/>
-        <p:cNvGrpSpPr/>
-        <p:nvPr/>
-      </p:nvGrpSpPr>
-      <p:grpSpPr>
-        <a:xfrm>
-          <a:off x="0" y="0"/>
-          <a:ext cx="0" cy="0"/>
-          <a:chOff x="0" y="0"/>
-          <a:chExt cx="0" cy="0"/>
-        </a:xfrm>
-      </p:grpSpPr>
-      <p:sp>
-        <p:nvSpPr>
-          <p:cNvPr id="2" name="Title 1"/>
-          <p:cNvSpPr>
-            <a:spLocks noGrp="1"/>
-          </p:cNvSpPr>
-          <p:nvPr>
             <p:ph type="title"/>
           </p:nvPr>
         </p:nvSpPr>
@@ -7867,12 +7461,8 @@
                 <a:latin typeface="TH SarabunPSK" panose="020B0500040200020003" pitchFamily="34" charset="-34"/>
                 <a:cs typeface="TH SarabunPSK" panose="020B0500040200020003" pitchFamily="34" charset="-34"/>
               </a:rPr>
-              <a:t>การซิงค์ข้อมูลปฏิทินกับอุปกรณ์พกพา</a:t>
-            </a:r>
-            <a:endParaRPr lang="en-US" sz="6000" b="1" dirty="0">
-              <a:latin typeface="TH SarabunPSK" panose="020B0500040200020003" pitchFamily="34" charset="-34"/>
-              <a:cs typeface="TH SarabunPSK" panose="020B0500040200020003" pitchFamily="34" charset="-34"/>
-            </a:endParaRPr>
+              <a:t>การใช้งานผ่านอุปกรณ์เคลื่อนที่</a:t>
+            </a:r>
           </a:p>
         </p:txBody>
       </p:sp>
@@ -7924,1644 +7514,6 @@
         <p14:creationId xmlns:p14="http://schemas.microsoft.com/office/powerpoint/2010/main" val="116213839"/>
       </p:ext>
     </p:extLst>
-  </p:cSld>
-  <p:clrMapOvr>
-    <a:masterClrMapping/>
-  </p:clrMapOvr>
-  <p:timing>
-    <p:tnLst>
-      <p:par>
-        <p:cTn id="1" dur="indefinite" restart="never" nodeType="tmRoot"/>
-      </p:par>
-    </p:tnLst>
-  </p:timing>
-</p:sld>
-</file>
-
-<file path=ppt/slides/slide21.xml><?xml version="1.0" encoding="utf-8"?>
-<p:sld xmlns:a="http://schemas.openxmlformats.org/drawingml/2006/main" xmlns:r="http://schemas.openxmlformats.org/officeDocument/2006/relationships" xmlns:p="http://schemas.openxmlformats.org/presentationml/2006/main">
-  <p:cSld>
-    <p:spTree>
-      <p:nvGrpSpPr>
-        <p:cNvPr id="1" name=""/>
-        <p:cNvGrpSpPr/>
-        <p:nvPr/>
-      </p:nvGrpSpPr>
-      <p:grpSpPr>
-        <a:xfrm>
-          <a:off x="0" y="0"/>
-          <a:ext cx="0" cy="0"/>
-          <a:chOff x="0" y="0"/>
-          <a:chExt cx="0" cy="0"/>
-        </a:xfrm>
-      </p:grpSpPr>
-      <p:sp>
-        <p:nvSpPr>
-          <p:cNvPr id="2" name="Title 1"/>
-          <p:cNvSpPr>
-            <a:spLocks noGrp="1"/>
-          </p:cNvSpPr>
-          <p:nvPr>
-            <p:ph type="title"/>
-          </p:nvPr>
-        </p:nvSpPr>
-        <p:spPr/>
-        <p:txBody>
-          <a:bodyPr/>
-          <a:lstStyle/>
-          <a:p>
-            <a:r>
-              <a:rPr lang="th-TH" dirty="0" smtClean="0">
-                <a:effectLst/>
-              </a:rPr>
-              <a:t>แตะ</a:t>
-            </a:r>
-            <a:r>
-              <a:rPr lang="en-US" dirty="0" smtClean="0">
-                <a:effectLst/>
-              </a:rPr>
-              <a:t> </a:t>
-            </a:r>
-            <a:r>
-              <a:rPr lang="th-TH" dirty="0" smtClean="0">
-                <a:effectLst/>
-              </a:rPr>
-              <a:t>การ</a:t>
-            </a:r>
-            <a:r>
-              <a:rPr lang="th-TH" dirty="0">
-                <a:effectLst/>
-              </a:rPr>
-              <a:t>ตั้งค่า</a:t>
-            </a:r>
-            <a:endParaRPr lang="en-US" dirty="0"/>
-          </a:p>
-        </p:txBody>
-      </p:sp>
-      <p:pic>
-        <p:nvPicPr>
-          <p:cNvPr id="4" name="Content Placeholder 3"/>
-          <p:cNvPicPr>
-            <a:picLocks noGrp="1" noChangeAspect="1"/>
-          </p:cNvPicPr>
-          <p:nvPr>
-            <p:ph idx="1"/>
-          </p:nvPr>
-        </p:nvPicPr>
-        <p:blipFill>
-          <a:blip r:embed="rId2">
-            <a:extLst>
-              <a:ext uri="{28A0092B-C50C-407E-A947-70E740481C1C}">
-                <a14:useLocalDpi xmlns:a14="http://schemas.microsoft.com/office/drawing/2010/main" val="0"/>
-              </a:ext>
-            </a:extLst>
-          </a:blip>
-          <a:stretch>
-            <a:fillRect/>
-          </a:stretch>
-        </p:blipFill>
-        <p:spPr>
-          <a:xfrm>
-            <a:off x="4947791" y="1731963"/>
-            <a:ext cx="2286893" cy="4059237"/>
-          </a:xfrm>
-        </p:spPr>
-      </p:pic>
-    </p:spTree>
-    <p:extLst>
-      <p:ext uri="{BB962C8B-B14F-4D97-AF65-F5344CB8AC3E}">
-        <p14:creationId xmlns:p14="http://schemas.microsoft.com/office/powerpoint/2010/main" val="3945114462"/>
-      </p:ext>
-    </p:extLst>
-  </p:cSld>
-  <p:clrMapOvr>
-    <a:masterClrMapping/>
-  </p:clrMapOvr>
-</p:sld>
-</file>
-
-<file path=ppt/slides/slide22.xml><?xml version="1.0" encoding="utf-8"?>
-<p:sld xmlns:a="http://schemas.openxmlformats.org/drawingml/2006/main" xmlns:r="http://schemas.openxmlformats.org/officeDocument/2006/relationships" xmlns:p="http://schemas.openxmlformats.org/presentationml/2006/main">
-  <p:cSld>
-    <p:spTree>
-      <p:nvGrpSpPr>
-        <p:cNvPr id="1" name=""/>
-        <p:cNvGrpSpPr/>
-        <p:nvPr/>
-      </p:nvGrpSpPr>
-      <p:grpSpPr>
-        <a:xfrm>
-          <a:off x="0" y="0"/>
-          <a:ext cx="0" cy="0"/>
-          <a:chOff x="0" y="0"/>
-          <a:chExt cx="0" cy="0"/>
-        </a:xfrm>
-      </p:grpSpPr>
-      <p:sp>
-        <p:nvSpPr>
-          <p:cNvPr id="2" name="Title 1"/>
-          <p:cNvSpPr>
-            <a:spLocks noGrp="1"/>
-          </p:cNvSpPr>
-          <p:nvPr>
-            <p:ph type="title"/>
-          </p:nvPr>
-        </p:nvSpPr>
-        <p:spPr/>
-        <p:txBody>
-          <a:bodyPr/>
-          <a:lstStyle/>
-          <a:p>
-            <a:r>
-              <a:rPr lang="th-TH" dirty="0">
-                <a:effectLst/>
-              </a:rPr>
-              <a:t>เลื่อน</a:t>
-            </a:r>
-            <a:r>
-              <a:rPr lang="th-TH" dirty="0" smtClean="0">
-                <a:effectLst/>
-              </a:rPr>
-              <a:t>ลง</a:t>
-            </a:r>
-            <a:r>
-              <a:rPr lang="en-US" dirty="0" smtClean="0">
-                <a:effectLst/>
-              </a:rPr>
-              <a:t> </a:t>
-            </a:r>
-            <a:r>
-              <a:rPr lang="th-TH" dirty="0" smtClean="0">
-                <a:effectLst/>
-              </a:rPr>
-              <a:t>และ</a:t>
-            </a:r>
-            <a:r>
-              <a:rPr lang="th-TH" dirty="0">
-                <a:effectLst/>
-              </a:rPr>
-              <a:t>แตะ </a:t>
-            </a:r>
-            <a:r>
-              <a:rPr lang="en-US" dirty="0">
-                <a:effectLst/>
-              </a:rPr>
-              <a:t>Mail </a:t>
-            </a:r>
-            <a:r>
-              <a:rPr lang="th-TH" dirty="0">
-                <a:effectLst/>
-              </a:rPr>
-              <a:t>รายชื่อ ปฏิทิน:</a:t>
-            </a:r>
-            <a:endParaRPr lang="en-US" dirty="0"/>
-          </a:p>
-        </p:txBody>
-      </p:sp>
-      <p:pic>
-        <p:nvPicPr>
-          <p:cNvPr id="4" name="Content Placeholder 3"/>
-          <p:cNvPicPr>
-            <a:picLocks noGrp="1" noChangeAspect="1"/>
-          </p:cNvPicPr>
-          <p:nvPr>
-            <p:ph idx="1"/>
-          </p:nvPr>
-        </p:nvPicPr>
-        <p:blipFill>
-          <a:blip r:embed="rId2">
-            <a:extLst>
-              <a:ext uri="{28A0092B-C50C-407E-A947-70E740481C1C}">
-                <a14:useLocalDpi xmlns:a14="http://schemas.microsoft.com/office/drawing/2010/main" val="0"/>
-              </a:ext>
-            </a:extLst>
-          </a:blip>
-          <a:stretch>
-            <a:fillRect/>
-          </a:stretch>
-        </p:blipFill>
-        <p:spPr>
-          <a:xfrm>
-            <a:off x="4947791" y="1731963"/>
-            <a:ext cx="2286893" cy="4059237"/>
-          </a:xfrm>
-        </p:spPr>
-      </p:pic>
-    </p:spTree>
-    <p:extLst>
-      <p:ext uri="{BB962C8B-B14F-4D97-AF65-F5344CB8AC3E}">
-        <p14:creationId xmlns:p14="http://schemas.microsoft.com/office/powerpoint/2010/main" val="852978375"/>
-      </p:ext>
-    </p:extLst>
-  </p:cSld>
-  <p:clrMapOvr>
-    <a:masterClrMapping/>
-  </p:clrMapOvr>
-</p:sld>
-</file>
-
-<file path=ppt/slides/slide23.xml><?xml version="1.0" encoding="utf-8"?>
-<p:sld xmlns:a="http://schemas.openxmlformats.org/drawingml/2006/main" xmlns:r="http://schemas.openxmlformats.org/officeDocument/2006/relationships" xmlns:p="http://schemas.openxmlformats.org/presentationml/2006/main">
-  <p:cSld>
-    <p:spTree>
-      <p:nvGrpSpPr>
-        <p:cNvPr id="1" name=""/>
-        <p:cNvGrpSpPr/>
-        <p:nvPr/>
-      </p:nvGrpSpPr>
-      <p:grpSpPr>
-        <a:xfrm>
-          <a:off x="0" y="0"/>
-          <a:ext cx="0" cy="0"/>
-          <a:chOff x="0" y="0"/>
-          <a:chExt cx="0" cy="0"/>
-        </a:xfrm>
-      </p:grpSpPr>
-      <p:sp>
-        <p:nvSpPr>
-          <p:cNvPr id="2" name="Title 1"/>
-          <p:cNvSpPr>
-            <a:spLocks noGrp="1"/>
-          </p:cNvSpPr>
-          <p:nvPr>
-            <p:ph type="title"/>
-          </p:nvPr>
-        </p:nvSpPr>
-        <p:spPr/>
-        <p:txBody>
-          <a:bodyPr/>
-          <a:lstStyle/>
-          <a:p>
-            <a:r>
-              <a:rPr lang="th-TH" dirty="0">
-                <a:effectLst/>
-              </a:rPr>
-              <a:t>แตะ เพิ่มบัญชี:</a:t>
-            </a:r>
-            <a:endParaRPr lang="en-US" dirty="0"/>
-          </a:p>
-        </p:txBody>
-      </p:sp>
-      <p:pic>
-        <p:nvPicPr>
-          <p:cNvPr id="4" name="Content Placeholder 3"/>
-          <p:cNvPicPr>
-            <a:picLocks noGrp="1" noChangeAspect="1"/>
-          </p:cNvPicPr>
-          <p:nvPr>
-            <p:ph idx="1"/>
-          </p:nvPr>
-        </p:nvPicPr>
-        <p:blipFill>
-          <a:blip r:embed="rId2">
-            <a:extLst>
-              <a:ext uri="{28A0092B-C50C-407E-A947-70E740481C1C}">
-                <a14:useLocalDpi xmlns:a14="http://schemas.microsoft.com/office/drawing/2010/main" val="0"/>
-              </a:ext>
-            </a:extLst>
-          </a:blip>
-          <a:stretch>
-            <a:fillRect/>
-          </a:stretch>
-        </p:blipFill>
-        <p:spPr>
-          <a:xfrm>
-            <a:off x="4947791" y="1731963"/>
-            <a:ext cx="2286893" cy="4059237"/>
-          </a:xfrm>
-        </p:spPr>
-      </p:pic>
-    </p:spTree>
-    <p:extLst>
-      <p:ext uri="{BB962C8B-B14F-4D97-AF65-F5344CB8AC3E}">
-        <p14:creationId xmlns:p14="http://schemas.microsoft.com/office/powerpoint/2010/main" val="2712675034"/>
-      </p:ext>
-    </p:extLst>
-  </p:cSld>
-  <p:clrMapOvr>
-    <a:masterClrMapping/>
-  </p:clrMapOvr>
-</p:sld>
-</file>
-
-<file path=ppt/slides/slide24.xml><?xml version="1.0" encoding="utf-8"?>
-<p:sld xmlns:a="http://schemas.openxmlformats.org/drawingml/2006/main" xmlns:r="http://schemas.openxmlformats.org/officeDocument/2006/relationships" xmlns:p="http://schemas.openxmlformats.org/presentationml/2006/main">
-  <p:cSld>
-    <p:spTree>
-      <p:nvGrpSpPr>
-        <p:cNvPr id="1" name=""/>
-        <p:cNvGrpSpPr/>
-        <p:nvPr/>
-      </p:nvGrpSpPr>
-      <p:grpSpPr>
-        <a:xfrm>
-          <a:off x="0" y="0"/>
-          <a:ext cx="0" cy="0"/>
-          <a:chOff x="0" y="0"/>
-          <a:chExt cx="0" cy="0"/>
-        </a:xfrm>
-      </p:grpSpPr>
-      <p:sp>
-        <p:nvSpPr>
-          <p:cNvPr id="2" name="Title 1"/>
-          <p:cNvSpPr>
-            <a:spLocks noGrp="1"/>
-          </p:cNvSpPr>
-          <p:nvPr>
-            <p:ph type="title"/>
-          </p:nvPr>
-        </p:nvSpPr>
-        <p:spPr/>
-        <p:txBody>
-          <a:bodyPr/>
-          <a:lstStyle/>
-          <a:p>
-            <a:r>
-              <a:rPr lang="th-TH" dirty="0">
-                <a:effectLst/>
-              </a:rPr>
-              <a:t>เลือกผู้ให้บริการอีเมล</a:t>
-            </a:r>
-            <a:endParaRPr lang="en-US" dirty="0"/>
-          </a:p>
-        </p:txBody>
-      </p:sp>
-      <p:pic>
-        <p:nvPicPr>
-          <p:cNvPr id="4" name="Content Placeholder 3"/>
-          <p:cNvPicPr>
-            <a:picLocks noGrp="1" noChangeAspect="1"/>
-          </p:cNvPicPr>
-          <p:nvPr>
-            <p:ph idx="1"/>
-          </p:nvPr>
-        </p:nvPicPr>
-        <p:blipFill>
-          <a:blip r:embed="rId2">
-            <a:extLst>
-              <a:ext uri="{28A0092B-C50C-407E-A947-70E740481C1C}">
-                <a14:useLocalDpi xmlns:a14="http://schemas.microsoft.com/office/drawing/2010/main" val="0"/>
-              </a:ext>
-            </a:extLst>
-          </a:blip>
-          <a:stretch>
-            <a:fillRect/>
-          </a:stretch>
-        </p:blipFill>
-        <p:spPr>
-          <a:xfrm>
-            <a:off x="4947791" y="1731963"/>
-            <a:ext cx="2286893" cy="4059237"/>
-          </a:xfrm>
-        </p:spPr>
-      </p:pic>
-    </p:spTree>
-    <p:extLst>
-      <p:ext uri="{BB962C8B-B14F-4D97-AF65-F5344CB8AC3E}">
-        <p14:creationId xmlns:p14="http://schemas.microsoft.com/office/powerpoint/2010/main" val="3997840008"/>
-      </p:ext>
-    </p:extLst>
-  </p:cSld>
-  <p:clrMapOvr>
-    <a:masterClrMapping/>
-  </p:clrMapOvr>
-</p:sld>
-</file>
-
-<file path=ppt/slides/slide3.xml><?xml version="1.0" encoding="utf-8"?>
-<p:sld xmlns:a="http://schemas.openxmlformats.org/drawingml/2006/main" xmlns:r="http://schemas.openxmlformats.org/officeDocument/2006/relationships" xmlns:p="http://schemas.openxmlformats.org/presentationml/2006/main">
-  <p:cSld>
-    <p:spTree>
-      <p:nvGrpSpPr>
-        <p:cNvPr id="1" name=""/>
-        <p:cNvGrpSpPr/>
-        <p:nvPr/>
-      </p:nvGrpSpPr>
-      <p:grpSpPr>
-        <a:xfrm>
-          <a:off x="0" y="0"/>
-          <a:ext cx="0" cy="0"/>
-          <a:chOff x="0" y="0"/>
-          <a:chExt cx="0" cy="0"/>
-        </a:xfrm>
-      </p:grpSpPr>
-      <p:sp>
-        <p:nvSpPr>
-          <p:cNvPr id="2" name="ชื่อเรื่อง 1"/>
-          <p:cNvSpPr>
-            <a:spLocks noGrp="1"/>
-          </p:cNvSpPr>
-          <p:nvPr>
-            <p:ph type="title"/>
-          </p:nvPr>
-        </p:nvSpPr>
-        <p:spPr/>
-        <p:txBody>
-          <a:bodyPr>
-            <a:normAutofit fontScale="90000"/>
-          </a:bodyPr>
-          <a:lstStyle/>
-          <a:p>
-            <a:r>
-              <a:rPr lang="th-TH" sz="6600" b="1" dirty="0" smtClean="0">
-                <a:latin typeface="TH SarabunPSK" pitchFamily="34" charset="-34"/>
-                <a:cs typeface="TH SarabunPSK" pitchFamily="34" charset="-34"/>
-              </a:rPr>
-              <a:t>บริการของ </a:t>
-            </a:r>
-            <a:r>
-              <a:rPr lang="en-US" sz="6600" b="1" dirty="0" smtClean="0">
-                <a:latin typeface="TH SarabunPSK" pitchFamily="34" charset="-34"/>
-                <a:cs typeface="TH SarabunPSK" pitchFamily="34" charset="-34"/>
-              </a:rPr>
-              <a:t>Google</a:t>
-            </a:r>
-            <a:endParaRPr lang="th-TH" sz="6600" b="1" dirty="0">
-              <a:latin typeface="TH SarabunPSK" pitchFamily="34" charset="-34"/>
-              <a:cs typeface="TH SarabunPSK" pitchFamily="34" charset="-34"/>
-            </a:endParaRPr>
-          </a:p>
-        </p:txBody>
-      </p:sp>
-      <p:sp>
-        <p:nvSpPr>
-          <p:cNvPr id="3" name="ตัวยึดเนื้อหา 2"/>
-          <p:cNvSpPr>
-            <a:spLocks noGrp="1"/>
-          </p:cNvSpPr>
-          <p:nvPr>
-            <p:ph idx="1"/>
-          </p:nvPr>
-        </p:nvSpPr>
-        <p:spPr/>
-        <p:txBody>
-          <a:bodyPr>
-            <a:normAutofit/>
-          </a:bodyPr>
-          <a:lstStyle/>
-          <a:p>
-            <a:r>
-              <a:rPr lang="en-US" sz="4000" b="1" dirty="0" smtClean="0">
-                <a:latin typeface="TH SarabunPSK" pitchFamily="34" charset="-34"/>
-                <a:cs typeface="TH SarabunPSK" pitchFamily="34" charset="-34"/>
-              </a:rPr>
-              <a:t>Gmail</a:t>
-            </a:r>
-          </a:p>
-          <a:p>
-            <a:r>
-              <a:rPr lang="en-US" sz="4000" b="1" dirty="0" smtClean="0">
-                <a:latin typeface="TH SarabunPSK" pitchFamily="34" charset="-34"/>
-                <a:cs typeface="TH SarabunPSK" pitchFamily="34" charset="-34"/>
-              </a:rPr>
-              <a:t>Google Translate</a:t>
-            </a:r>
-          </a:p>
-          <a:p>
-            <a:r>
-              <a:rPr lang="en-US" sz="4000" b="1" u="sng" dirty="0" smtClean="0">
-                <a:latin typeface="TH SarabunPSK" pitchFamily="34" charset="-34"/>
-                <a:cs typeface="TH SarabunPSK" pitchFamily="34" charset="-34"/>
-              </a:rPr>
-              <a:t>Google Calendar</a:t>
-            </a:r>
-          </a:p>
-          <a:p>
-            <a:r>
-              <a:rPr lang="en-US" sz="4000" b="1" dirty="0" smtClean="0">
-                <a:latin typeface="TH SarabunPSK" pitchFamily="34" charset="-34"/>
-                <a:cs typeface="TH SarabunPSK" pitchFamily="34" charset="-34"/>
-              </a:rPr>
-              <a:t>Google Drive</a:t>
-            </a:r>
-          </a:p>
-          <a:p>
-            <a:r>
-              <a:rPr lang="en-US" sz="4000" b="1" dirty="0" smtClean="0">
-                <a:latin typeface="TH SarabunPSK" pitchFamily="34" charset="-34"/>
-                <a:cs typeface="TH SarabunPSK" pitchFamily="34" charset="-34"/>
-              </a:rPr>
-              <a:t>etc.</a:t>
-            </a:r>
-            <a:endParaRPr lang="th-TH" sz="4000" b="1" dirty="0">
-              <a:latin typeface="TH SarabunPSK" pitchFamily="34" charset="-34"/>
-              <a:cs typeface="TH SarabunPSK" pitchFamily="34" charset="-34"/>
-            </a:endParaRPr>
-          </a:p>
-        </p:txBody>
-      </p:sp>
-    </p:spTree>
-  </p:cSld>
-  <p:clrMapOvr>
-    <a:masterClrMapping/>
-  </p:clrMapOvr>
-  <p:timing>
-    <p:tnLst>
-      <p:par>
-        <p:cTn id="1" dur="indefinite" restart="never" nodeType="tmRoot"/>
-      </p:par>
-    </p:tnLst>
-  </p:timing>
-</p:sld>
-</file>
-
-<file path=ppt/slides/slide4.xml><?xml version="1.0" encoding="utf-8"?>
-<p:sld xmlns:a="http://schemas.openxmlformats.org/drawingml/2006/main" xmlns:r="http://schemas.openxmlformats.org/officeDocument/2006/relationships" xmlns:p="http://schemas.openxmlformats.org/presentationml/2006/main">
-  <p:cSld>
-    <p:spTree>
-      <p:nvGrpSpPr>
-        <p:cNvPr id="1" name=""/>
-        <p:cNvGrpSpPr/>
-        <p:nvPr/>
-      </p:nvGrpSpPr>
-      <p:grpSpPr>
-        <a:xfrm>
-          <a:off x="0" y="0"/>
-          <a:ext cx="0" cy="0"/>
-          <a:chOff x="0" y="0"/>
-          <a:chExt cx="0" cy="0"/>
-        </a:xfrm>
-      </p:grpSpPr>
-      <p:sp>
-        <p:nvSpPr>
-          <p:cNvPr id="2" name="Title 1"/>
-          <p:cNvSpPr>
-            <a:spLocks noGrp="1"/>
-          </p:cNvSpPr>
-          <p:nvPr>
-            <p:ph type="title"/>
-          </p:nvPr>
-        </p:nvSpPr>
-        <p:spPr/>
-        <p:txBody>
-          <a:bodyPr>
-            <a:normAutofit fontScale="90000"/>
-          </a:bodyPr>
-          <a:lstStyle/>
-          <a:p>
-            <a:r>
-              <a:rPr lang="en-US" sz="6000" b="1" dirty="0">
-                <a:latin typeface="TH SarabunPSK" panose="020B0500040200020003" pitchFamily="34" charset="-34"/>
-                <a:cs typeface="TH SarabunPSK" panose="020B0500040200020003" pitchFamily="34" charset="-34"/>
-              </a:rPr>
-              <a:t>Google Calendar </a:t>
-            </a:r>
-            <a:r>
-              <a:rPr lang="th-TH" sz="6000" b="1" dirty="0">
-                <a:latin typeface="TH SarabunPSK" panose="020B0500040200020003" pitchFamily="34" charset="-34"/>
-                <a:cs typeface="TH SarabunPSK" panose="020B0500040200020003" pitchFamily="34" charset="-34"/>
-              </a:rPr>
-              <a:t>คือ</a:t>
-            </a:r>
-            <a:endParaRPr lang="en-US" sz="6000" b="1" dirty="0">
-              <a:latin typeface="TH SarabunPSK" panose="020B0500040200020003" pitchFamily="34" charset="-34"/>
-              <a:cs typeface="TH SarabunPSK" panose="020B0500040200020003" pitchFamily="34" charset="-34"/>
-            </a:endParaRPr>
-          </a:p>
-        </p:txBody>
-      </p:sp>
-      <p:sp>
-        <p:nvSpPr>
-          <p:cNvPr id="3" name="Content Placeholder 2"/>
-          <p:cNvSpPr>
-            <a:spLocks noGrp="1"/>
-          </p:cNvSpPr>
-          <p:nvPr>
-            <p:ph idx="1"/>
-          </p:nvPr>
-        </p:nvSpPr>
-        <p:spPr/>
-        <p:txBody>
-          <a:bodyPr>
-            <a:normAutofit fontScale="92500"/>
-          </a:bodyPr>
-          <a:lstStyle/>
-          <a:p>
-            <a:pPr lvl="0"/>
-            <a:r>
-              <a:rPr lang="en-US" sz="4000" b="1" dirty="0">
-                <a:latin typeface="TH SarabunPSK" panose="020B0500040200020003" pitchFamily="34" charset="-34"/>
-                <a:cs typeface="TH SarabunPSK" panose="020B0500040200020003" pitchFamily="34" charset="-34"/>
-              </a:rPr>
-              <a:t>Google Calendar </a:t>
-            </a:r>
-            <a:r>
-              <a:rPr lang="th-TH" sz="4000" b="1" dirty="0">
-                <a:latin typeface="TH SarabunPSK" panose="020B0500040200020003" pitchFamily="34" charset="-34"/>
-                <a:cs typeface="TH SarabunPSK" panose="020B0500040200020003" pitchFamily="34" charset="-34"/>
-              </a:rPr>
-              <a:t>คือ บริการปฏิทินแบบออนไลน์ของ </a:t>
-            </a:r>
-            <a:r>
-              <a:rPr lang="en-US" sz="4000" b="1" dirty="0">
-                <a:latin typeface="TH SarabunPSK" panose="020B0500040200020003" pitchFamily="34" charset="-34"/>
-                <a:cs typeface="TH SarabunPSK" panose="020B0500040200020003" pitchFamily="34" charset="-34"/>
-              </a:rPr>
-              <a:t>Google </a:t>
-            </a:r>
-            <a:r>
-              <a:rPr lang="th-TH" sz="4000" b="1" dirty="0">
-                <a:latin typeface="TH SarabunPSK" panose="020B0500040200020003" pitchFamily="34" charset="-34"/>
-                <a:cs typeface="TH SarabunPSK" panose="020B0500040200020003" pitchFamily="34" charset="-34"/>
-              </a:rPr>
-              <a:t>ซึ่งทำให้สามารถเก็บข้อมูลเหตุการณ์ต่างๆ รวมไว้ในที่เดียวกันได้ ไม่ว่าจะเป็นการสร้างกำหนดการนัดหมายและกำหนดเวลาเหตุการณ์ต่างๆ สามารถส่งข้อความเชิญ สามารถใช้ปฏิทินร่วมกับเพื่อนร่วมงาน และ ค้นหาเหตุการณ์ต่างๆ ได้</a:t>
-            </a:r>
-            <a:endParaRPr lang="en-US" sz="4000" b="1" dirty="0">
-              <a:latin typeface="TH SarabunPSK" panose="020B0500040200020003" pitchFamily="34" charset="-34"/>
-              <a:cs typeface="TH SarabunPSK" panose="020B0500040200020003" pitchFamily="34" charset="-34"/>
-            </a:endParaRPr>
-          </a:p>
-          <a:p>
-            <a:r>
-              <a:rPr lang="th-TH" sz="4000" b="1" dirty="0" smtClean="0">
-                <a:latin typeface="TH SarabunPSK" panose="020B0500040200020003" pitchFamily="34" charset="-34"/>
-                <a:cs typeface="TH SarabunPSK" panose="020B0500040200020003" pitchFamily="34" charset="-34"/>
-              </a:rPr>
-              <a:t>การ</a:t>
-            </a:r>
-            <a:r>
-              <a:rPr lang="th-TH" sz="4000" b="1" dirty="0">
-                <a:latin typeface="TH SarabunPSK" panose="020B0500040200020003" pitchFamily="34" charset="-34"/>
-                <a:cs typeface="TH SarabunPSK" panose="020B0500040200020003" pitchFamily="34" charset="-34"/>
-              </a:rPr>
-              <a:t>เข้าใช้งานให้เข้าไปที่ </a:t>
-            </a:r>
-            <a:r>
-              <a:rPr lang="en-US" sz="4000" b="1" u="sng" dirty="0">
-                <a:latin typeface="TH SarabunPSK" panose="020B0500040200020003" pitchFamily="34" charset="-34"/>
-                <a:cs typeface="TH SarabunPSK" panose="020B0500040200020003" pitchFamily="34" charset="-34"/>
-                <a:hlinkClick r:id="rId2"/>
-              </a:rPr>
-              <a:t>https://www.google.com/calendar</a:t>
-            </a:r>
-            <a:r>
-              <a:rPr lang="en-US" sz="4000" b="1" u="sng" dirty="0" smtClean="0">
-                <a:latin typeface="TH SarabunPSK" panose="020B0500040200020003" pitchFamily="34" charset="-34"/>
-                <a:cs typeface="TH SarabunPSK" panose="020B0500040200020003" pitchFamily="34" charset="-34"/>
-                <a:hlinkClick r:id="rId2"/>
-              </a:rPr>
-              <a:t>/</a:t>
-            </a:r>
-            <a:r>
-              <a:rPr lang="en-US" sz="4000" b="1" dirty="0" smtClean="0">
-                <a:latin typeface="TH SarabunPSK" panose="020B0500040200020003" pitchFamily="34" charset="-34"/>
-                <a:cs typeface="TH SarabunPSK" panose="020B0500040200020003" pitchFamily="34" charset="-34"/>
-              </a:rPr>
-              <a:t> </a:t>
-            </a:r>
-            <a:r>
-              <a:rPr lang="th-TH" sz="4000" b="1" dirty="0" smtClean="0">
-                <a:latin typeface="TH SarabunPSK" panose="020B0500040200020003" pitchFamily="34" charset="-34"/>
-                <a:cs typeface="TH SarabunPSK" panose="020B0500040200020003" pitchFamily="34" charset="-34"/>
-              </a:rPr>
-              <a:t>หรือ </a:t>
-            </a:r>
-            <a:r>
-              <a:rPr lang="en-US" sz="4000" b="1" dirty="0" smtClean="0">
-                <a:latin typeface="TH SarabunPSK" panose="020B0500040200020003" pitchFamily="34" charset="-34"/>
-                <a:cs typeface="TH SarabunPSK" panose="020B0500040200020003" pitchFamily="34" charset="-34"/>
-                <a:hlinkClick r:id="rId3"/>
-              </a:rPr>
-              <a:t>www.gmail.com</a:t>
-            </a:r>
-            <a:endParaRPr lang="en-US" sz="4000" b="1" dirty="0" smtClean="0">
-              <a:latin typeface="TH SarabunPSK" panose="020B0500040200020003" pitchFamily="34" charset="-34"/>
-              <a:cs typeface="TH SarabunPSK" panose="020B0500040200020003" pitchFamily="34" charset="-34"/>
-            </a:endParaRPr>
-          </a:p>
-          <a:p>
-            <a:endParaRPr lang="en-US" sz="4000" b="1" dirty="0">
-              <a:latin typeface="TH SarabunPSK" panose="020B0500040200020003" pitchFamily="34" charset="-34"/>
-              <a:cs typeface="TH SarabunPSK" panose="020B0500040200020003" pitchFamily="34" charset="-34"/>
-            </a:endParaRPr>
-          </a:p>
-        </p:txBody>
-      </p:sp>
-    </p:spTree>
-    <p:extLst>
-      <p:ext uri="{BB962C8B-B14F-4D97-AF65-F5344CB8AC3E}">
-        <p14:creationId xmlns:p14="http://schemas.microsoft.com/office/powerpoint/2010/main" val="3857340605"/>
-      </p:ext>
-    </p:extLst>
-  </p:cSld>
-  <p:clrMapOvr>
-    <a:masterClrMapping/>
-  </p:clrMapOvr>
-  <p:timing>
-    <p:tnLst>
-      <p:par>
-        <p:cTn id="1" dur="indefinite" restart="never" nodeType="tmRoot"/>
-      </p:par>
-    </p:tnLst>
-  </p:timing>
-</p:sld>
-</file>
-
-<file path=ppt/slides/slide5.xml><?xml version="1.0" encoding="utf-8"?>
-<p:sld xmlns:a="http://schemas.openxmlformats.org/drawingml/2006/main" xmlns:r="http://schemas.openxmlformats.org/officeDocument/2006/relationships" xmlns:p="http://schemas.openxmlformats.org/presentationml/2006/main">
-  <p:cSld>
-    <p:spTree>
-      <p:nvGrpSpPr>
-        <p:cNvPr id="1" name=""/>
-        <p:cNvGrpSpPr/>
-        <p:nvPr/>
-      </p:nvGrpSpPr>
-      <p:grpSpPr>
-        <a:xfrm>
-          <a:off x="0" y="0"/>
-          <a:ext cx="0" cy="0"/>
-          <a:chOff x="0" y="0"/>
-          <a:chExt cx="0" cy="0"/>
-        </a:xfrm>
-      </p:grpSpPr>
-      <p:sp>
-        <p:nvSpPr>
-          <p:cNvPr id="2" name="ชื่อเรื่อง 1"/>
-          <p:cNvSpPr>
-            <a:spLocks noGrp="1"/>
-          </p:cNvSpPr>
-          <p:nvPr>
-            <p:ph type="title"/>
-          </p:nvPr>
-        </p:nvSpPr>
-        <p:spPr/>
-        <p:txBody>
-          <a:bodyPr/>
-          <a:lstStyle/>
-          <a:p>
-            <a:r>
-              <a:rPr lang="th-TH" dirty="0" smtClean="0"/>
-              <a:t>เข้าระบบใช้งาน</a:t>
-            </a:r>
-            <a:endParaRPr lang="th-TH" dirty="0"/>
-          </a:p>
-        </p:txBody>
-      </p:sp>
-      <p:pic>
-        <p:nvPicPr>
-          <p:cNvPr id="4" name="ตัวยึดเนื้อหา 3" descr="google_calendar_01.png"/>
-          <p:cNvPicPr>
-            <a:picLocks noGrp="1" noChangeAspect="1"/>
-          </p:cNvPicPr>
-          <p:nvPr>
-            <p:ph idx="1"/>
-          </p:nvPr>
-        </p:nvPicPr>
-        <p:blipFill>
-          <a:blip r:embed="rId2"/>
-          <a:stretch>
-            <a:fillRect/>
-          </a:stretch>
-        </p:blipFill>
-        <p:spPr>
-          <a:xfrm>
-            <a:off x="2823843" y="1731963"/>
-            <a:ext cx="6534788" cy="4059237"/>
-          </a:xfrm>
-          <a:prstGeom prst="rect">
-            <a:avLst/>
-          </a:prstGeom>
-          <a:solidFill>
-            <a:srgbClr val="FFFFFF">
-              <a:shade val="85000"/>
-            </a:srgbClr>
-          </a:solidFill>
-          <a:ln w="88900" cap="sq">
-            <a:solidFill>
-              <a:srgbClr val="FFFFFF"/>
-            </a:solidFill>
-            <a:miter lim="800000"/>
-          </a:ln>
-          <a:effectLst>
-            <a:outerShdw blurRad="55000" dist="18000" dir="5400000" algn="tl" rotWithShape="0">
-              <a:srgbClr val="000000">
-                <a:alpha val="40000"/>
-              </a:srgbClr>
-            </a:outerShdw>
-          </a:effectLst>
-          <a:scene3d>
-            <a:camera prst="orthographicFront"/>
-            <a:lightRig rig="twoPt" dir="t">
-              <a:rot lat="0" lon="0" rev="7200000"/>
-            </a:lightRig>
-          </a:scene3d>
-          <a:sp3d>
-            <a:bevelT w="25400" h="19050"/>
-            <a:contourClr>
-              <a:srgbClr val="FFFFFF"/>
-            </a:contourClr>
-          </a:sp3d>
-        </p:spPr>
-      </p:pic>
-    </p:spTree>
-  </p:cSld>
-  <p:clrMapOvr>
-    <a:masterClrMapping/>
-  </p:clrMapOvr>
-  <p:timing>
-    <p:tnLst>
-      <p:par>
-        <p:cTn id="1" dur="indefinite" restart="never" nodeType="tmRoot"/>
-      </p:par>
-    </p:tnLst>
-  </p:timing>
-</p:sld>
-</file>
-
-<file path=ppt/slides/slide6.xml><?xml version="1.0" encoding="utf-8"?>
-<p:sld xmlns:a="http://schemas.openxmlformats.org/drawingml/2006/main" xmlns:r="http://schemas.openxmlformats.org/officeDocument/2006/relationships" xmlns:p="http://schemas.openxmlformats.org/presentationml/2006/main">
-  <p:cSld>
-    <p:spTree>
-      <p:nvGrpSpPr>
-        <p:cNvPr id="1" name=""/>
-        <p:cNvGrpSpPr/>
-        <p:nvPr/>
-      </p:nvGrpSpPr>
-      <p:grpSpPr>
-        <a:xfrm>
-          <a:off x="0" y="0"/>
-          <a:ext cx="0" cy="0"/>
-          <a:chOff x="0" y="0"/>
-          <a:chExt cx="0" cy="0"/>
-        </a:xfrm>
-      </p:grpSpPr>
-      <p:sp>
-        <p:nvSpPr>
-          <p:cNvPr id="2" name="ชื่อเรื่อง 1"/>
-          <p:cNvSpPr>
-            <a:spLocks noGrp="1"/>
-          </p:cNvSpPr>
-          <p:nvPr>
-            <p:ph type="title"/>
-          </p:nvPr>
-        </p:nvSpPr>
-        <p:spPr/>
-        <p:txBody>
-          <a:bodyPr>
-            <a:normAutofit fontScale="90000"/>
-          </a:bodyPr>
-          <a:lstStyle/>
-          <a:p>
-            <a:r>
-              <a:rPr lang="th-TH" sz="6000" b="1" dirty="0" smtClean="0">
-                <a:latin typeface="TH SarabunPSK" pitchFamily="34" charset="-34"/>
-                <a:cs typeface="TH SarabunPSK" pitchFamily="34" charset="-34"/>
-              </a:rPr>
-              <a:t>การเข้าใช้งาน </a:t>
-            </a:r>
-            <a:r>
-              <a:rPr lang="en-US" sz="6000" b="1" dirty="0" smtClean="0">
-                <a:latin typeface="TH SarabunPSK" pitchFamily="34" charset="-34"/>
-                <a:cs typeface="TH SarabunPSK" pitchFamily="34" charset="-34"/>
-              </a:rPr>
-              <a:t>Google Calendar</a:t>
-            </a:r>
-            <a:endParaRPr lang="th-TH" sz="6000" b="1" dirty="0">
-              <a:latin typeface="TH SarabunPSK" pitchFamily="34" charset="-34"/>
-              <a:cs typeface="TH SarabunPSK" pitchFamily="34" charset="-34"/>
-            </a:endParaRPr>
-          </a:p>
-        </p:txBody>
-      </p:sp>
-      <p:pic>
-        <p:nvPicPr>
-          <p:cNvPr id="4" name="ตัวยึดเนื้อหา 3" descr="link.png"/>
-          <p:cNvPicPr>
-            <a:picLocks noGrp="1" noChangeAspect="1"/>
-          </p:cNvPicPr>
-          <p:nvPr>
-            <p:ph idx="1"/>
-          </p:nvPr>
-        </p:nvPicPr>
-        <p:blipFill>
-          <a:blip r:embed="rId2"/>
-          <a:stretch>
-            <a:fillRect/>
-          </a:stretch>
-        </p:blipFill>
-        <p:spPr>
-          <a:xfrm>
-            <a:off x="2837340" y="1731963"/>
-            <a:ext cx="6507794" cy="4059237"/>
-          </a:xfrm>
-          <a:prstGeom prst="rect">
-            <a:avLst/>
-          </a:prstGeom>
-          <a:solidFill>
-            <a:srgbClr val="FFFFFF">
-              <a:shade val="85000"/>
-            </a:srgbClr>
-          </a:solidFill>
-          <a:ln w="88900" cap="sq">
-            <a:solidFill>
-              <a:srgbClr val="FFFFFF"/>
-            </a:solidFill>
-            <a:miter lim="800000"/>
-          </a:ln>
-          <a:effectLst>
-            <a:outerShdw blurRad="55000" dist="18000" dir="5400000" algn="tl" rotWithShape="0">
-              <a:srgbClr val="000000">
-                <a:alpha val="40000"/>
-              </a:srgbClr>
-            </a:outerShdw>
-          </a:effectLst>
-          <a:scene3d>
-            <a:camera prst="orthographicFront"/>
-            <a:lightRig rig="twoPt" dir="t">
-              <a:rot lat="0" lon="0" rev="7200000"/>
-            </a:lightRig>
-          </a:scene3d>
-          <a:sp3d>
-            <a:bevelT w="25400" h="19050"/>
-            <a:contourClr>
-              <a:srgbClr val="FFFFFF"/>
-            </a:contourClr>
-          </a:sp3d>
-        </p:spPr>
-      </p:pic>
-      <p:sp>
-        <p:nvSpPr>
-          <p:cNvPr id="5" name="วงรี 4"/>
-          <p:cNvSpPr/>
-          <p:nvPr/>
-        </p:nvSpPr>
-        <p:spPr>
-          <a:xfrm>
-            <a:off x="8267701" y="1752600"/>
-            <a:ext cx="419100" cy="533400"/>
-          </a:xfrm>
-          <a:prstGeom prst="ellipse">
-            <a:avLst/>
-          </a:prstGeom>
-          <a:noFill/>
-          <a:ln w="63500">
-            <a:solidFill>
-              <a:srgbClr val="C00000"/>
-            </a:solidFill>
-          </a:ln>
-        </p:spPr>
-        <p:style>
-          <a:lnRef idx="2">
-            <a:schemeClr val="accent1">
-              <a:shade val="50000"/>
-            </a:schemeClr>
-          </a:lnRef>
-          <a:fillRef idx="1">
-            <a:schemeClr val="accent1"/>
-          </a:fillRef>
-          <a:effectRef idx="0">
-            <a:schemeClr val="accent1"/>
-          </a:effectRef>
-          <a:fontRef idx="minor">
-            <a:schemeClr val="lt1"/>
-          </a:fontRef>
-        </p:style>
-        <p:txBody>
-          <a:bodyPr rtlCol="0" anchor="ctr"/>
-          <a:lstStyle/>
-          <a:p>
-            <a:pPr algn="ctr"/>
-            <a:endParaRPr lang="th-TH"/>
-          </a:p>
-        </p:txBody>
-      </p:sp>
-      <p:sp>
-        <p:nvSpPr>
-          <p:cNvPr id="6" name="วงรี 5"/>
-          <p:cNvSpPr/>
-          <p:nvPr/>
-        </p:nvSpPr>
-        <p:spPr>
-          <a:xfrm>
-            <a:off x="8572501" y="3543300"/>
-            <a:ext cx="819151" cy="857250"/>
-          </a:xfrm>
-          <a:prstGeom prst="ellipse">
-            <a:avLst/>
-          </a:prstGeom>
-          <a:noFill/>
-          <a:ln w="63500">
-            <a:solidFill>
-              <a:srgbClr val="C00000"/>
-            </a:solidFill>
-          </a:ln>
-        </p:spPr>
-        <p:style>
-          <a:lnRef idx="2">
-            <a:schemeClr val="accent1">
-              <a:shade val="50000"/>
-            </a:schemeClr>
-          </a:lnRef>
-          <a:fillRef idx="1">
-            <a:schemeClr val="accent1"/>
-          </a:fillRef>
-          <a:effectRef idx="0">
-            <a:schemeClr val="accent1"/>
-          </a:effectRef>
-          <a:fontRef idx="minor">
-            <a:schemeClr val="lt1"/>
-          </a:fontRef>
-        </p:style>
-        <p:txBody>
-          <a:bodyPr rtlCol="0" anchor="ctr"/>
-          <a:lstStyle/>
-          <a:p>
-            <a:pPr algn="ctr"/>
-            <a:endParaRPr lang="th-TH"/>
-          </a:p>
-        </p:txBody>
-      </p:sp>
-    </p:spTree>
-  </p:cSld>
-  <p:clrMapOvr>
-    <a:masterClrMapping/>
-  </p:clrMapOvr>
-  <p:timing>
-    <p:tnLst>
-      <p:par>
-        <p:cTn id="1" dur="indefinite" restart="never" nodeType="tmRoot"/>
-      </p:par>
-    </p:tnLst>
-  </p:timing>
-</p:sld>
-</file>
-
-<file path=ppt/slides/slide7.xml><?xml version="1.0" encoding="utf-8"?>
-<p:sld xmlns:a="http://schemas.openxmlformats.org/drawingml/2006/main" xmlns:r="http://schemas.openxmlformats.org/officeDocument/2006/relationships" xmlns:p="http://schemas.openxmlformats.org/presentationml/2006/main">
-  <p:cSld>
-    <p:spTree>
-      <p:nvGrpSpPr>
-        <p:cNvPr id="1" name=""/>
-        <p:cNvGrpSpPr/>
-        <p:nvPr/>
-      </p:nvGrpSpPr>
-      <p:grpSpPr>
-        <a:xfrm>
-          <a:off x="0" y="0"/>
-          <a:ext cx="0" cy="0"/>
-          <a:chOff x="0" y="0"/>
-          <a:chExt cx="0" cy="0"/>
-        </a:xfrm>
-      </p:grpSpPr>
-      <p:sp>
-        <p:nvSpPr>
-          <p:cNvPr id="2" name="Title 1"/>
-          <p:cNvSpPr>
-            <a:spLocks noGrp="1"/>
-          </p:cNvSpPr>
-          <p:nvPr>
-            <p:ph type="title"/>
-          </p:nvPr>
-        </p:nvSpPr>
-        <p:spPr/>
-        <p:txBody>
-          <a:bodyPr>
-            <a:normAutofit fontScale="90000"/>
-          </a:bodyPr>
-          <a:lstStyle/>
-          <a:p>
-            <a:r>
-              <a:rPr lang="th-TH" sz="6000" b="1" dirty="0">
-                <a:latin typeface="TH SarabunPSK" panose="020B0500040200020003" pitchFamily="34" charset="-34"/>
-                <a:cs typeface="TH SarabunPSK" panose="020B0500040200020003" pitchFamily="34" charset="-34"/>
-              </a:rPr>
-              <a:t>อธิบายหน้าจอการทำงานของ </a:t>
-            </a:r>
-            <a:r>
-              <a:rPr lang="en-US" sz="6000" b="1" dirty="0">
-                <a:latin typeface="TH SarabunPSK" panose="020B0500040200020003" pitchFamily="34" charset="-34"/>
-                <a:cs typeface="TH SarabunPSK" panose="020B0500040200020003" pitchFamily="34" charset="-34"/>
-              </a:rPr>
-              <a:t>Google Calendar</a:t>
-            </a:r>
-          </a:p>
-        </p:txBody>
-      </p:sp>
-      <p:pic>
-        <p:nvPicPr>
-          <p:cNvPr id="4" name="Content Placeholder 3"/>
-          <p:cNvPicPr>
-            <a:picLocks noGrp="1" noChangeAspect="1"/>
-          </p:cNvPicPr>
-          <p:nvPr>
-            <p:ph idx="1"/>
-          </p:nvPr>
-        </p:nvPicPr>
-        <p:blipFill>
-          <a:blip r:embed="rId2">
-            <a:extLst>
-              <a:ext uri="{28A0092B-C50C-407E-A947-70E740481C1C}">
-                <a14:useLocalDpi xmlns:a14="http://schemas.microsoft.com/office/drawing/2010/main" val="0"/>
-              </a:ext>
-            </a:extLst>
-          </a:blip>
-          <a:stretch>
-            <a:fillRect/>
-          </a:stretch>
-        </p:blipFill>
-        <p:spPr>
-          <a:xfrm>
-            <a:off x="2823843" y="1731963"/>
-            <a:ext cx="6534788" cy="4059237"/>
-          </a:xfrm>
-          <a:prstGeom prst="rect">
-            <a:avLst/>
-          </a:prstGeom>
-          <a:solidFill>
-            <a:srgbClr val="FFFFFF">
-              <a:shade val="85000"/>
-            </a:srgbClr>
-          </a:solidFill>
-          <a:ln w="88900" cap="sq">
-            <a:solidFill>
-              <a:srgbClr val="FFFFFF"/>
-            </a:solidFill>
-            <a:miter lim="800000"/>
-          </a:ln>
-          <a:effectLst>
-            <a:outerShdw blurRad="55000" dist="18000" dir="5400000" algn="tl" rotWithShape="0">
-              <a:srgbClr val="000000">
-                <a:alpha val="40000"/>
-              </a:srgbClr>
-            </a:outerShdw>
-          </a:effectLst>
-          <a:scene3d>
-            <a:camera prst="orthographicFront"/>
-            <a:lightRig rig="twoPt" dir="t">
-              <a:rot lat="0" lon="0" rev="7200000"/>
-            </a:lightRig>
-          </a:scene3d>
-          <a:sp3d>
-            <a:bevelT w="25400" h="19050"/>
-            <a:contourClr>
-              <a:srgbClr val="FFFFFF"/>
-            </a:contourClr>
-          </a:sp3d>
-        </p:spPr>
-      </p:pic>
-    </p:spTree>
-    <p:extLst>
-      <p:ext uri="{BB962C8B-B14F-4D97-AF65-F5344CB8AC3E}">
-        <p14:creationId xmlns:p14="http://schemas.microsoft.com/office/powerpoint/2010/main" val="1282511583"/>
-      </p:ext>
-    </p:extLst>
-  </p:cSld>
-  <p:clrMapOvr>
-    <a:masterClrMapping/>
-  </p:clrMapOvr>
-  <p:timing>
-    <p:tnLst>
-      <p:par>
-        <p:cTn id="1" dur="indefinite" restart="never" nodeType="tmRoot"/>
-      </p:par>
-    </p:tnLst>
-  </p:timing>
-</p:sld>
-</file>
-
-<file path=ppt/slides/slide8.xml><?xml version="1.0" encoding="utf-8"?>
-<p:sld xmlns:a="http://schemas.openxmlformats.org/drawingml/2006/main" xmlns:r="http://schemas.openxmlformats.org/officeDocument/2006/relationships" xmlns:p="http://schemas.openxmlformats.org/presentationml/2006/main">
-  <p:cSld>
-    <p:spTree>
-      <p:nvGrpSpPr>
-        <p:cNvPr id="1" name=""/>
-        <p:cNvGrpSpPr/>
-        <p:nvPr/>
-      </p:nvGrpSpPr>
-      <p:grpSpPr>
-        <a:xfrm>
-          <a:off x="0" y="0"/>
-          <a:ext cx="0" cy="0"/>
-          <a:chOff x="0" y="0"/>
-          <a:chExt cx="0" cy="0"/>
-        </a:xfrm>
-      </p:grpSpPr>
-      <p:sp>
-        <p:nvSpPr>
-          <p:cNvPr id="2" name="ชื่อเรื่อง 1"/>
-          <p:cNvSpPr>
-            <a:spLocks noGrp="1"/>
-          </p:cNvSpPr>
-          <p:nvPr>
-            <p:ph type="title"/>
-          </p:nvPr>
-        </p:nvSpPr>
-        <p:spPr/>
-        <p:txBody>
-          <a:bodyPr/>
-          <a:lstStyle/>
-          <a:p>
-            <a:endParaRPr lang="th-TH" dirty="0"/>
-          </a:p>
-        </p:txBody>
-      </p:sp>
-      <p:pic>
-        <p:nvPicPr>
-          <p:cNvPr id="4" name="ตัวยึดเนื้อหา 3" descr="th130.png"/>
-          <p:cNvPicPr>
-            <a:picLocks noGrp="1" noChangeAspect="1"/>
-          </p:cNvPicPr>
-          <p:nvPr>
-            <p:ph idx="1"/>
-          </p:nvPr>
-        </p:nvPicPr>
-        <p:blipFill>
-          <a:blip r:embed="rId2"/>
-          <a:stretch>
-            <a:fillRect/>
-          </a:stretch>
-        </p:blipFill>
-        <p:spPr>
-          <a:xfrm>
-            <a:off x="838200" y="357981"/>
-            <a:ext cx="2971800" cy="6315076"/>
-          </a:xfrm>
-          <a:prstGeom prst="rect">
-            <a:avLst/>
-          </a:prstGeom>
-          <a:solidFill>
-            <a:srgbClr val="FFFFFF">
-              <a:shade val="85000"/>
-            </a:srgbClr>
-          </a:solidFill>
-          <a:ln w="88900" cap="sq">
-            <a:solidFill>
-              <a:srgbClr val="FFFFFF"/>
-            </a:solidFill>
-            <a:miter lim="800000"/>
-          </a:ln>
-          <a:effectLst>
-            <a:outerShdw blurRad="55000" dist="18000" dir="5400000" algn="tl" rotWithShape="0">
-              <a:srgbClr val="000000">
-                <a:alpha val="40000"/>
-              </a:srgbClr>
-            </a:outerShdw>
-          </a:effectLst>
-          <a:scene3d>
-            <a:camera prst="orthographicFront"/>
-            <a:lightRig rig="twoPt" dir="t">
-              <a:rot lat="0" lon="0" rev="7200000"/>
-            </a:lightRig>
-          </a:scene3d>
-          <a:sp3d>
-            <a:bevelT w="25400" h="19050"/>
-            <a:contourClr>
-              <a:srgbClr val="FFFFFF"/>
-            </a:contourClr>
-          </a:sp3d>
-        </p:spPr>
-      </p:pic>
-      <p:sp>
-        <p:nvSpPr>
-          <p:cNvPr id="5" name="วงเล็บปีกกาขวา 4"/>
-          <p:cNvSpPr/>
-          <p:nvPr/>
-        </p:nvSpPr>
-        <p:spPr>
-          <a:xfrm>
-            <a:off x="4210051" y="1295400"/>
-            <a:ext cx="800100" cy="2438400"/>
-          </a:xfrm>
-          <a:prstGeom prst="rightBrace">
-            <a:avLst/>
-          </a:prstGeom>
-        </p:spPr>
-        <p:style>
-          <a:lnRef idx="1">
-            <a:schemeClr val="accent1"/>
-          </a:lnRef>
-          <a:fillRef idx="0">
-            <a:schemeClr val="accent1"/>
-          </a:fillRef>
-          <a:effectRef idx="0">
-            <a:schemeClr val="accent1"/>
-          </a:effectRef>
-          <a:fontRef idx="minor">
-            <a:schemeClr val="tx1"/>
-          </a:fontRef>
-        </p:style>
-        <p:txBody>
-          <a:bodyPr rtlCol="0" anchor="ctr"/>
-          <a:lstStyle/>
-          <a:p>
-            <a:pPr algn="ctr"/>
-            <a:endParaRPr lang="th-TH"/>
-          </a:p>
-        </p:txBody>
-      </p:sp>
-      <p:sp>
-        <p:nvSpPr>
-          <p:cNvPr id="6" name="วงเล็บปีกกาขวา 5"/>
-          <p:cNvSpPr/>
-          <p:nvPr/>
-        </p:nvSpPr>
-        <p:spPr>
-          <a:xfrm>
-            <a:off x="4248151" y="3943350"/>
-            <a:ext cx="800100" cy="1238250"/>
-          </a:xfrm>
-          <a:prstGeom prst="rightBrace">
-            <a:avLst/>
-          </a:prstGeom>
-        </p:spPr>
-        <p:style>
-          <a:lnRef idx="1">
-            <a:schemeClr val="accent1"/>
-          </a:lnRef>
-          <a:fillRef idx="0">
-            <a:schemeClr val="accent1"/>
-          </a:fillRef>
-          <a:effectRef idx="0">
-            <a:schemeClr val="accent1"/>
-          </a:effectRef>
-          <a:fontRef idx="minor">
-            <a:schemeClr val="tx1"/>
-          </a:fontRef>
-        </p:style>
-        <p:txBody>
-          <a:bodyPr rtlCol="0" anchor="ctr"/>
-          <a:lstStyle/>
-          <a:p>
-            <a:pPr algn="ctr"/>
-            <a:endParaRPr lang="th-TH"/>
-          </a:p>
-        </p:txBody>
-      </p:sp>
-      <p:sp>
-        <p:nvSpPr>
-          <p:cNvPr id="7" name="วงเล็บปีกกาขวา 6"/>
-          <p:cNvSpPr/>
-          <p:nvPr/>
-        </p:nvSpPr>
-        <p:spPr>
-          <a:xfrm>
-            <a:off x="4267201" y="5486400"/>
-            <a:ext cx="800100" cy="1047750"/>
-          </a:xfrm>
-          <a:prstGeom prst="rightBrace">
-            <a:avLst/>
-          </a:prstGeom>
-        </p:spPr>
-        <p:style>
-          <a:lnRef idx="1">
-            <a:schemeClr val="accent1"/>
-          </a:lnRef>
-          <a:fillRef idx="0">
-            <a:schemeClr val="accent1"/>
-          </a:fillRef>
-          <a:effectRef idx="0">
-            <a:schemeClr val="accent1"/>
-          </a:effectRef>
-          <a:fontRef idx="minor">
-            <a:schemeClr val="tx1"/>
-          </a:fontRef>
-        </p:style>
-        <p:txBody>
-          <a:bodyPr rtlCol="0" anchor="ctr"/>
-          <a:lstStyle/>
-          <a:p>
-            <a:pPr algn="ctr"/>
-            <a:endParaRPr lang="th-TH"/>
-          </a:p>
-        </p:txBody>
-      </p:sp>
-      <p:sp>
-        <p:nvSpPr>
-          <p:cNvPr id="8" name="TextBox 7"/>
-          <p:cNvSpPr txBox="1"/>
-          <p:nvPr/>
-        </p:nvSpPr>
-        <p:spPr>
-          <a:xfrm>
-            <a:off x="5410201" y="1752601"/>
-            <a:ext cx="6229351" cy="1200329"/>
-          </a:xfrm>
-          <a:prstGeom prst="rect">
-            <a:avLst/>
-          </a:prstGeom>
-          <a:noFill/>
-        </p:spPr>
-        <p:txBody>
-          <a:bodyPr wrap="square" rtlCol="0">
-            <a:spAutoFit/>
-          </a:bodyPr>
-          <a:lstStyle/>
-          <a:p>
-            <a:pPr lvl="2"/>
-            <a:r>
-              <a:rPr lang="th-TH" sz="3600" dirty="0" smtClean="0">
-                <a:latin typeface="TH SarabunPSK" pitchFamily="34" charset="-34"/>
-                <a:cs typeface="TH SarabunPSK" pitchFamily="34" charset="-34"/>
-              </a:rPr>
-              <a:t>ปฏิทินขนาดเล็ก</a:t>
-            </a:r>
-            <a:r>
-              <a:rPr lang="en-US" sz="3600" dirty="0" smtClean="0">
-                <a:latin typeface="TH SarabunPSK" pitchFamily="34" charset="-34"/>
-                <a:cs typeface="TH SarabunPSK" pitchFamily="34" charset="-34"/>
-              </a:rPr>
-              <a:t>:	</a:t>
-            </a:r>
-            <a:r>
-              <a:rPr lang="th-TH" sz="3600" dirty="0" smtClean="0">
-                <a:latin typeface="TH SarabunPSK" pitchFamily="34" charset="-34"/>
-                <a:cs typeface="TH SarabunPSK" pitchFamily="34" charset="-34"/>
-              </a:rPr>
-              <a:t>ใช้สำหรับการเลือกช่วงเวลาที่ต้องการดูข้อมูล</a:t>
-            </a:r>
-            <a:endParaRPr lang="en-US" sz="3600" dirty="0" smtClean="0">
-              <a:latin typeface="TH SarabunPSK" pitchFamily="34" charset="-34"/>
-              <a:cs typeface="TH SarabunPSK" pitchFamily="34" charset="-34"/>
-            </a:endParaRPr>
-          </a:p>
-        </p:txBody>
-      </p:sp>
-      <p:sp>
-        <p:nvSpPr>
-          <p:cNvPr id="10" name="TextBox 9"/>
-          <p:cNvSpPr txBox="1"/>
-          <p:nvPr/>
-        </p:nvSpPr>
-        <p:spPr>
-          <a:xfrm>
-            <a:off x="5467350" y="3848102"/>
-            <a:ext cx="6229351" cy="1200329"/>
-          </a:xfrm>
-          <a:prstGeom prst="rect">
-            <a:avLst/>
-          </a:prstGeom>
-          <a:noFill/>
-        </p:spPr>
-        <p:txBody>
-          <a:bodyPr wrap="square" rtlCol="0">
-            <a:spAutoFit/>
-          </a:bodyPr>
-          <a:lstStyle/>
-          <a:p>
-            <a:pPr lvl="2"/>
-            <a:r>
-              <a:rPr lang="th-TH" sz="3600" dirty="0" smtClean="0"/>
-              <a:t>ปฏิทินของฉัน</a:t>
-            </a:r>
-            <a:r>
-              <a:rPr lang="en-US" sz="3600" dirty="0" smtClean="0"/>
-              <a:t>:	</a:t>
-            </a:r>
-            <a:r>
-              <a:rPr lang="th-TH" sz="3600" dirty="0" smtClean="0"/>
-              <a:t>ใช้สำหรับจัดการปฏิทินที่สร้างโดยผู้ใช้เอง</a:t>
-            </a:r>
-            <a:endParaRPr lang="en-US" sz="3600" dirty="0"/>
-          </a:p>
-        </p:txBody>
-      </p:sp>
-      <p:sp>
-        <p:nvSpPr>
-          <p:cNvPr id="11" name="TextBox 10"/>
-          <p:cNvSpPr txBox="1"/>
-          <p:nvPr/>
-        </p:nvSpPr>
-        <p:spPr>
-          <a:xfrm>
-            <a:off x="5391150" y="5314951"/>
-            <a:ext cx="6229351" cy="1200329"/>
-          </a:xfrm>
-          <a:prstGeom prst="rect">
-            <a:avLst/>
-          </a:prstGeom>
-          <a:noFill/>
-        </p:spPr>
-        <p:txBody>
-          <a:bodyPr wrap="square" rtlCol="0">
-            <a:spAutoFit/>
-          </a:bodyPr>
-          <a:lstStyle/>
-          <a:p>
-            <a:pPr lvl="2"/>
-            <a:r>
-              <a:rPr lang="th-TH" sz="3600" dirty="0" smtClean="0"/>
-              <a:t>ปฏิทินอื่นๆ</a:t>
-            </a:r>
-            <a:r>
-              <a:rPr lang="en-US" sz="3600" dirty="0" smtClean="0"/>
-              <a:t>:	</a:t>
-            </a:r>
-            <a:r>
-              <a:rPr lang="th-TH" sz="3600" dirty="0" smtClean="0"/>
-              <a:t>ใช้สำหรับจัดการปฏิทินที่เชื่อมโยงจากผู้ใช้อื่นๆ</a:t>
-            </a:r>
-            <a:endParaRPr lang="en-US" sz="3600" dirty="0"/>
-          </a:p>
-        </p:txBody>
-      </p:sp>
-    </p:spTree>
-  </p:cSld>
-  <p:clrMapOvr>
-    <a:masterClrMapping/>
-  </p:clrMapOvr>
-  <p:timing>
-    <p:tnLst>
-      <p:par>
-        <p:cTn id="1" dur="indefinite" restart="never" nodeType="tmRoot"/>
-      </p:par>
-    </p:tnLst>
-  </p:timing>
-</p:sld>
-</file>
-
-<file path=ppt/slides/slide9.xml><?xml version="1.0" encoding="utf-8"?>
-<p:sld xmlns:a="http://schemas.openxmlformats.org/drawingml/2006/main" xmlns:r="http://schemas.openxmlformats.org/officeDocument/2006/relationships" xmlns:p="http://schemas.openxmlformats.org/presentationml/2006/main">
-  <p:cSld>
-    <p:spTree>
-      <p:nvGrpSpPr>
-        <p:cNvPr id="1" name=""/>
-        <p:cNvGrpSpPr/>
-        <p:nvPr/>
-      </p:nvGrpSpPr>
-      <p:grpSpPr>
-        <a:xfrm>
-          <a:off x="0" y="0"/>
-          <a:ext cx="0" cy="0"/>
-          <a:chOff x="0" y="0"/>
-          <a:chExt cx="0" cy="0"/>
-        </a:xfrm>
-      </p:grpSpPr>
-      <p:sp>
-        <p:nvSpPr>
-          <p:cNvPr id="2" name="ชื่อเรื่อง 1"/>
-          <p:cNvSpPr>
-            <a:spLocks noGrp="1"/>
-          </p:cNvSpPr>
-          <p:nvPr>
-            <p:ph type="title"/>
-          </p:nvPr>
-        </p:nvSpPr>
-        <p:spPr/>
-        <p:txBody>
-          <a:bodyPr/>
-          <a:lstStyle/>
-          <a:p>
-            <a:endParaRPr lang="th-TH"/>
-          </a:p>
-        </p:txBody>
-      </p:sp>
-      <p:pic>
-        <p:nvPicPr>
-          <p:cNvPr id="4" name="ตัวยึดเนื้อหา 3" descr="th140.png"/>
-          <p:cNvPicPr>
-            <a:picLocks noGrp="1" noChangeAspect="1"/>
-          </p:cNvPicPr>
-          <p:nvPr>
-            <p:ph idx="1"/>
-          </p:nvPr>
-        </p:nvPicPr>
-        <p:blipFill>
-          <a:blip r:embed="rId2"/>
-          <a:stretch>
-            <a:fillRect/>
-          </a:stretch>
-        </p:blipFill>
-        <p:spPr>
-          <a:xfrm>
-            <a:off x="1893011" y="339724"/>
-            <a:ext cx="8470189" cy="6256033"/>
-          </a:xfrm>
-          <a:prstGeom prst="rect">
-            <a:avLst/>
-          </a:prstGeom>
-          <a:solidFill>
-            <a:srgbClr val="FFFFFF">
-              <a:shade val="85000"/>
-            </a:srgbClr>
-          </a:solidFill>
-          <a:ln w="88900" cap="sq">
-            <a:solidFill>
-              <a:srgbClr val="FFFFFF"/>
-            </a:solidFill>
-            <a:miter lim="800000"/>
-          </a:ln>
-          <a:effectLst>
-            <a:outerShdw blurRad="55000" dist="18000" dir="5400000" algn="tl" rotWithShape="0">
-              <a:srgbClr val="000000">
-                <a:alpha val="40000"/>
-              </a:srgbClr>
-            </a:outerShdw>
-          </a:effectLst>
-          <a:scene3d>
-            <a:camera prst="orthographicFront"/>
-            <a:lightRig rig="twoPt" dir="t">
-              <a:rot lat="0" lon="0" rev="7200000"/>
-            </a:lightRig>
-          </a:scene3d>
-          <a:sp3d>
-            <a:bevelT w="25400" h="19050"/>
-            <a:contourClr>
-              <a:srgbClr val="FFFFFF"/>
-            </a:contourClr>
-          </a:sp3d>
-        </p:spPr>
-      </p:pic>
-    </p:spTree>
   </p:cSld>
   <p:clrMapOvr>
     <a:masterClrMapping/>

--- a/Google Calendar.pptx
+++ b/Google Calendar.pptx
@@ -7008,10 +7008,6 @@
               </a:rPr>
               <a:t>กิจกรรม</a:t>
             </a:r>
-            <a:endParaRPr lang="th-TH" sz="4400" b="1" dirty="0" smtClean="0">
-              <a:latin typeface="TH SarabunPSK" panose="020B0500040200020003" pitchFamily="34" charset="-34"/>
-              <a:cs typeface="TH SarabunPSK" panose="020B0500040200020003" pitchFamily="34" charset="-34"/>
-            </a:endParaRPr>
           </a:p>
           <a:p>
             <a:r>
